--- a/assets/img/posts/ClassThumbnail.pptx
+++ b/assets/img/posts/ClassThumbnail.pptx
@@ -6,9 +6,11 @@
   </p:sldMasterIdLst>
   <p:sldIdLst>
     <p:sldId id="266" r:id="rId2"/>
-    <p:sldId id="267" r:id="rId3"/>
-    <p:sldId id="268" r:id="rId4"/>
-    <p:sldId id="269" r:id="rId5"/>
+    <p:sldId id="270" r:id="rId3"/>
+    <p:sldId id="271" r:id="rId4"/>
+    <p:sldId id="267" r:id="rId5"/>
+    <p:sldId id="268" r:id="rId6"/>
+    <p:sldId id="269" r:id="rId7"/>
   </p:sldIdLst>
   <p:sldSz cx="12192000" cy="6858000"/>
   <p:notesSz cx="6858000" cy="9144000"/>
@@ -3724,6 +3726,461 @@
           <a:chExt cx="0" cy="0"/>
         </a:xfrm>
       </p:grpSpPr>
+      <p:sp>
+        <p:nvSpPr>
+          <p:cNvPr id="6" name="TextBox 5">
+            <a:extLst>
+              <a:ext uri="{FF2B5EF4-FFF2-40B4-BE49-F238E27FC236}">
+                <a16:creationId xmlns:a16="http://schemas.microsoft.com/office/drawing/2014/main" id="{7BC70131-2A0F-D582-388D-5AB1E95FE6C4}"/>
+              </a:ext>
+            </a:extLst>
+          </p:cNvPr>
+          <p:cNvSpPr txBox="1"/>
+          <p:nvPr/>
+        </p:nvSpPr>
+        <p:spPr>
+          <a:xfrm>
+            <a:off x="1021294" y="3808909"/>
+            <a:ext cx="10149410" cy="1384995"/>
+          </a:xfrm>
+          <a:prstGeom prst="rect">
+            <a:avLst/>
+          </a:prstGeom>
+          <a:noFill/>
+        </p:spPr>
+        <p:txBody>
+          <a:bodyPr wrap="square" rtlCol="0">
+            <a:spAutoFit/>
+          </a:bodyPr>
+          <a:lstStyle/>
+          <a:p>
+            <a:pPr algn="ctr"/>
+            <a:r>
+              <a:rPr kumimoji="1" lang="en-US" altLang="ko-KR" sz="2800" b="1" dirty="0">
+                <a:latin typeface="D2Coding" panose="020B0609020101020101" pitchFamily="49" charset="-127"/>
+                <a:ea typeface="D2Coding" panose="020B0609020101020101" pitchFamily="49" charset="-127"/>
+              </a:rPr>
+              <a:t>Day 56</a:t>
+            </a:r>
+          </a:p>
+          <a:p>
+            <a:pPr algn="ctr"/>
+            <a:r>
+              <a:rPr kumimoji="1" lang="en-US" altLang="ko-KR" sz="2800" b="1" dirty="0">
+                <a:latin typeface="D2Coding" panose="020B0609020101020101" pitchFamily="49" charset="-127"/>
+                <a:ea typeface="D2Coding" panose="020B0609020101020101" pitchFamily="49" charset="-127"/>
+              </a:rPr>
+              <a:t>Java</a:t>
+            </a:r>
+            <a:r>
+              <a:rPr kumimoji="1" lang="ko-KR" altLang="en-US" sz="2800" b="1" dirty="0">
+                <a:latin typeface="D2Coding" panose="020B0609020101020101" pitchFamily="49" charset="-127"/>
+                <a:ea typeface="D2Coding" panose="020B0609020101020101" pitchFamily="49" charset="-127"/>
+              </a:rPr>
+              <a:t>프로그래밍 기초</a:t>
+            </a:r>
+            <a:endParaRPr kumimoji="1" lang="en-US" altLang="ko-KR" sz="2800" b="1" dirty="0">
+              <a:latin typeface="D2Coding" panose="020B0609020101020101" pitchFamily="49" charset="-127"/>
+              <a:ea typeface="D2Coding" panose="020B0609020101020101" pitchFamily="49" charset="-127"/>
+            </a:endParaRPr>
+          </a:p>
+          <a:p>
+            <a:pPr algn="ctr"/>
+            <a:r>
+              <a:rPr kumimoji="1" lang="en-US" altLang="ko-KR" sz="2800" b="1" dirty="0">
+                <a:latin typeface="D2Coding" panose="020B0609020101020101" pitchFamily="49" charset="-127"/>
+                <a:ea typeface="D2Coding" panose="020B0609020101020101" pitchFamily="49" charset="-127"/>
+              </a:rPr>
+              <a:t>JDBC – </a:t>
+            </a:r>
+            <a:r>
+              <a:rPr kumimoji="1" lang="ko-KR" altLang="en-US" sz="2800" b="1" dirty="0">
+                <a:latin typeface="D2Coding" panose="020B0609020101020101" pitchFamily="49" charset="-127"/>
+                <a:ea typeface="D2Coding" panose="020B0609020101020101" pitchFamily="49" charset="-127"/>
+              </a:rPr>
+              <a:t>라이브러리 설치 및 등록</a:t>
+            </a:r>
+          </a:p>
+        </p:txBody>
+      </p:sp>
+      <p:grpSp>
+        <p:nvGrpSpPr>
+          <p:cNvPr id="3" name="그룹 2">
+            <a:extLst>
+              <a:ext uri="{FF2B5EF4-FFF2-40B4-BE49-F238E27FC236}">
+                <a16:creationId xmlns:a16="http://schemas.microsoft.com/office/drawing/2014/main" id="{CCB49D7F-A40B-2950-C3BB-13981C780200}"/>
+              </a:ext>
+            </a:extLst>
+          </p:cNvPr>
+          <p:cNvGrpSpPr/>
+          <p:nvPr/>
+        </p:nvGrpSpPr>
+        <p:grpSpPr>
+          <a:xfrm>
+            <a:off x="0" y="0"/>
+            <a:ext cx="12192000" cy="6858000"/>
+            <a:chOff x="1143000" y="1238490"/>
+            <a:chExt cx="7772400" cy="3777325"/>
+          </a:xfrm>
+        </p:grpSpPr>
+        <p:pic>
+          <p:nvPicPr>
+            <p:cNvPr id="4" name="그림 3" descr="폰트, 로고, 그래픽, 화이트이(가) 표시된 사진&#10;&#10;자동 생성된 설명">
+              <a:extLst>
+                <a:ext uri="{FF2B5EF4-FFF2-40B4-BE49-F238E27FC236}">
+                  <a16:creationId xmlns:a16="http://schemas.microsoft.com/office/drawing/2014/main" id="{B742D47A-36C2-B9F0-BC20-0E30F4A6AEEC}"/>
+                </a:ext>
+              </a:extLst>
+            </p:cNvPr>
+            <p:cNvPicPr>
+              <a:picLocks noChangeAspect="1"/>
+            </p:cNvPicPr>
+            <p:nvPr/>
+          </p:nvPicPr>
+          <p:blipFill>
+            <a:blip r:embed="rId2"/>
+            <a:srcRect t="13650"/>
+            <a:stretch/>
+          </p:blipFill>
+          <p:spPr>
+            <a:xfrm>
+              <a:off x="1143000" y="1238490"/>
+              <a:ext cx="7772400" cy="3777325"/>
+            </a:xfrm>
+            <a:prstGeom prst="rect">
+              <a:avLst/>
+            </a:prstGeom>
+          </p:spPr>
+        </p:pic>
+        <p:sp>
+          <p:nvSpPr>
+            <p:cNvPr id="8" name="TextBox 7">
+              <a:extLst>
+                <a:ext uri="{FF2B5EF4-FFF2-40B4-BE49-F238E27FC236}">
+                  <a16:creationId xmlns:a16="http://schemas.microsoft.com/office/drawing/2014/main" id="{B3D8B992-313F-AA19-ECC1-9BA2DED76D4E}"/>
+                </a:ext>
+              </a:extLst>
+            </p:cNvPr>
+            <p:cNvSpPr txBox="1"/>
+            <p:nvPr/>
+          </p:nvSpPr>
+          <p:spPr>
+            <a:xfrm>
+              <a:off x="1794075" y="3336403"/>
+              <a:ext cx="6470249" cy="796747"/>
+            </a:xfrm>
+            <a:prstGeom prst="rect">
+              <a:avLst/>
+            </a:prstGeom>
+            <a:noFill/>
+          </p:spPr>
+          <p:txBody>
+            <a:bodyPr wrap="square" rtlCol="0">
+              <a:spAutoFit/>
+            </a:bodyPr>
+            <a:lstStyle/>
+            <a:p>
+              <a:pPr algn="ctr"/>
+              <a:r>
+                <a:rPr kumimoji="1" lang="en-US" altLang="ko-KR" sz="4400" b="1" dirty="0">
+                  <a:latin typeface="D2Coding" panose="020B0609020101020101" pitchFamily="49" charset="-127"/>
+                  <a:ea typeface="D2Coding" panose="020B0609020101020101" pitchFamily="49" charset="-127"/>
+                </a:rPr>
+                <a:t>Day 01</a:t>
+              </a:r>
+            </a:p>
+            <a:p>
+              <a:pPr algn="ctr"/>
+              <a:r>
+                <a:rPr kumimoji="1" lang="en-US" altLang="ko-KR" sz="4400" b="1" dirty="0">
+                  <a:latin typeface="D2Coding" panose="020B0609020101020101" pitchFamily="49" charset="-127"/>
+                  <a:ea typeface="D2Coding" panose="020B0609020101020101" pitchFamily="49" charset="-127"/>
+                </a:rPr>
+                <a:t>OT, </a:t>
+              </a:r>
+              <a:r>
+                <a:rPr kumimoji="1" lang="en-US" altLang="ko-KR" sz="4400" b="1" dirty="0" err="1">
+                  <a:latin typeface="D2Coding" panose="020B0609020101020101" pitchFamily="49" charset="-127"/>
+                  <a:ea typeface="D2Coding" panose="020B0609020101020101" pitchFamily="49" charset="-127"/>
+                </a:rPr>
+                <a:t>WebApplication</a:t>
+              </a:r>
+              <a:endParaRPr kumimoji="1" lang="ko-KR" altLang="en-US" sz="4400" b="1" dirty="0">
+                <a:latin typeface="D2Coding" panose="020B0609020101020101" pitchFamily="49" charset="-127"/>
+                <a:ea typeface="D2Coding" panose="020B0609020101020101" pitchFamily="49" charset="-127"/>
+              </a:endParaRPr>
+            </a:p>
+          </p:txBody>
+        </p:sp>
+      </p:grpSp>
+    </p:spTree>
+    <p:extLst>
+      <p:ext uri="{BB962C8B-B14F-4D97-AF65-F5344CB8AC3E}">
+        <p14:creationId xmlns:p14="http://schemas.microsoft.com/office/powerpoint/2010/main" val="3981701033"/>
+      </p:ext>
+    </p:extLst>
+  </p:cSld>
+  <p:clrMapOvr>
+    <a:masterClrMapping/>
+  </p:clrMapOvr>
+</p:sld>
+</file>
+
+<file path=ppt/slides/slide3.xml><?xml version="1.0" encoding="utf-8"?>
+<p:sld xmlns:a="http://schemas.openxmlformats.org/drawingml/2006/main" xmlns:r="http://schemas.openxmlformats.org/officeDocument/2006/relationships" xmlns:p="http://schemas.openxmlformats.org/presentationml/2006/main">
+  <p:cSld>
+    <p:spTree>
+      <p:nvGrpSpPr>
+        <p:cNvPr id="1" name=""/>
+        <p:cNvGrpSpPr/>
+        <p:nvPr/>
+      </p:nvGrpSpPr>
+      <p:grpSpPr>
+        <a:xfrm>
+          <a:off x="0" y="0"/>
+          <a:ext cx="0" cy="0"/>
+          <a:chOff x="0" y="0"/>
+          <a:chExt cx="0" cy="0"/>
+        </a:xfrm>
+      </p:grpSpPr>
+      <p:sp>
+        <p:nvSpPr>
+          <p:cNvPr id="6" name="TextBox 5">
+            <a:extLst>
+              <a:ext uri="{FF2B5EF4-FFF2-40B4-BE49-F238E27FC236}">
+                <a16:creationId xmlns:a16="http://schemas.microsoft.com/office/drawing/2014/main" id="{7BC70131-2A0F-D582-388D-5AB1E95FE6C4}"/>
+              </a:ext>
+            </a:extLst>
+          </p:cNvPr>
+          <p:cNvSpPr txBox="1"/>
+          <p:nvPr/>
+        </p:nvSpPr>
+        <p:spPr>
+          <a:xfrm>
+            <a:off x="1021294" y="3808909"/>
+            <a:ext cx="10149410" cy="1384995"/>
+          </a:xfrm>
+          <a:prstGeom prst="rect">
+            <a:avLst/>
+          </a:prstGeom>
+          <a:noFill/>
+        </p:spPr>
+        <p:txBody>
+          <a:bodyPr wrap="square" rtlCol="0">
+            <a:spAutoFit/>
+          </a:bodyPr>
+          <a:lstStyle/>
+          <a:p>
+            <a:pPr algn="ctr"/>
+            <a:r>
+              <a:rPr kumimoji="1" lang="en-US" altLang="ko-KR" sz="2800" b="1" dirty="0">
+                <a:latin typeface="D2Coding" panose="020B0609020101020101" pitchFamily="49" charset="-127"/>
+                <a:ea typeface="D2Coding" panose="020B0609020101020101" pitchFamily="49" charset="-127"/>
+              </a:rPr>
+              <a:t>Day 56</a:t>
+            </a:r>
+          </a:p>
+          <a:p>
+            <a:pPr algn="ctr"/>
+            <a:r>
+              <a:rPr kumimoji="1" lang="en-US" altLang="ko-KR" sz="2800" b="1" dirty="0">
+                <a:latin typeface="D2Coding" panose="020B0609020101020101" pitchFamily="49" charset="-127"/>
+                <a:ea typeface="D2Coding" panose="020B0609020101020101" pitchFamily="49" charset="-127"/>
+              </a:rPr>
+              <a:t>Java</a:t>
+            </a:r>
+            <a:r>
+              <a:rPr kumimoji="1" lang="ko-KR" altLang="en-US" sz="2800" b="1" dirty="0">
+                <a:latin typeface="D2Coding" panose="020B0609020101020101" pitchFamily="49" charset="-127"/>
+                <a:ea typeface="D2Coding" panose="020B0609020101020101" pitchFamily="49" charset="-127"/>
+              </a:rPr>
+              <a:t>프로그래밍 기초</a:t>
+            </a:r>
+            <a:endParaRPr kumimoji="1" lang="en-US" altLang="ko-KR" sz="2800" b="1" dirty="0">
+              <a:latin typeface="D2Coding" panose="020B0609020101020101" pitchFamily="49" charset="-127"/>
+              <a:ea typeface="D2Coding" panose="020B0609020101020101" pitchFamily="49" charset="-127"/>
+            </a:endParaRPr>
+          </a:p>
+          <a:p>
+            <a:pPr algn="ctr"/>
+            <a:r>
+              <a:rPr kumimoji="1" lang="en-US" altLang="ko-KR" sz="2800" b="1" dirty="0">
+                <a:latin typeface="D2Coding" panose="020B0609020101020101" pitchFamily="49" charset="-127"/>
+                <a:ea typeface="D2Coding" panose="020B0609020101020101" pitchFamily="49" charset="-127"/>
+              </a:rPr>
+              <a:t>JDBC – </a:t>
+            </a:r>
+            <a:r>
+              <a:rPr kumimoji="1" lang="ko-KR" altLang="en-US" sz="2800" b="1" dirty="0">
+                <a:latin typeface="D2Coding" panose="020B0609020101020101" pitchFamily="49" charset="-127"/>
+                <a:ea typeface="D2Coding" panose="020B0609020101020101" pitchFamily="49" charset="-127"/>
+              </a:rPr>
+              <a:t>라이브러리 설치 및 등록</a:t>
+            </a:r>
+          </a:p>
+        </p:txBody>
+      </p:sp>
+      <p:grpSp>
+        <p:nvGrpSpPr>
+          <p:cNvPr id="3" name="그룹 2">
+            <a:extLst>
+              <a:ext uri="{FF2B5EF4-FFF2-40B4-BE49-F238E27FC236}">
+                <a16:creationId xmlns:a16="http://schemas.microsoft.com/office/drawing/2014/main" id="{CCB49D7F-A40B-2950-C3BB-13981C780200}"/>
+              </a:ext>
+            </a:extLst>
+          </p:cNvPr>
+          <p:cNvGrpSpPr/>
+          <p:nvPr/>
+        </p:nvGrpSpPr>
+        <p:grpSpPr>
+          <a:xfrm>
+            <a:off x="0" y="0"/>
+            <a:ext cx="12192000" cy="6858000"/>
+            <a:chOff x="1143000" y="1238490"/>
+            <a:chExt cx="7772400" cy="3777325"/>
+          </a:xfrm>
+        </p:grpSpPr>
+        <p:pic>
+          <p:nvPicPr>
+            <p:cNvPr id="4" name="그림 3" descr="폰트, 로고, 그래픽, 화이트이(가) 표시된 사진&#10;&#10;자동 생성된 설명">
+              <a:extLst>
+                <a:ext uri="{FF2B5EF4-FFF2-40B4-BE49-F238E27FC236}">
+                  <a16:creationId xmlns:a16="http://schemas.microsoft.com/office/drawing/2014/main" id="{B742D47A-36C2-B9F0-BC20-0E30F4A6AEEC}"/>
+                </a:ext>
+              </a:extLst>
+            </p:cNvPr>
+            <p:cNvPicPr>
+              <a:picLocks noChangeAspect="1"/>
+            </p:cNvPicPr>
+            <p:nvPr/>
+          </p:nvPicPr>
+          <p:blipFill>
+            <a:blip r:embed="rId2"/>
+            <a:srcRect t="13650"/>
+            <a:stretch/>
+          </p:blipFill>
+          <p:spPr>
+            <a:xfrm>
+              <a:off x="1143000" y="1238490"/>
+              <a:ext cx="7772400" cy="3777325"/>
+            </a:xfrm>
+            <a:prstGeom prst="rect">
+              <a:avLst/>
+            </a:prstGeom>
+          </p:spPr>
+        </p:pic>
+        <p:sp>
+          <p:nvSpPr>
+            <p:cNvPr id="8" name="TextBox 7">
+              <a:extLst>
+                <a:ext uri="{FF2B5EF4-FFF2-40B4-BE49-F238E27FC236}">
+                  <a16:creationId xmlns:a16="http://schemas.microsoft.com/office/drawing/2014/main" id="{B3D8B992-313F-AA19-ECC1-9BA2DED76D4E}"/>
+                </a:ext>
+              </a:extLst>
+            </p:cNvPr>
+            <p:cNvSpPr txBox="1"/>
+            <p:nvPr/>
+          </p:nvSpPr>
+          <p:spPr>
+            <a:xfrm>
+              <a:off x="1794075" y="3336403"/>
+              <a:ext cx="6470249" cy="796747"/>
+            </a:xfrm>
+            <a:prstGeom prst="rect">
+              <a:avLst/>
+            </a:prstGeom>
+            <a:noFill/>
+          </p:spPr>
+          <p:txBody>
+            <a:bodyPr wrap="square" rtlCol="0">
+              <a:spAutoFit/>
+            </a:bodyPr>
+            <a:lstStyle/>
+            <a:p>
+              <a:pPr algn="ctr"/>
+              <a:r>
+                <a:rPr kumimoji="1" lang="en-US" altLang="ko-KR" sz="4400" b="1" dirty="0">
+                  <a:latin typeface="D2Coding" panose="020B0609020101020101" pitchFamily="49" charset="-127"/>
+                  <a:ea typeface="D2Coding" panose="020B0609020101020101" pitchFamily="49" charset="-127"/>
+                </a:rPr>
+                <a:t>Day 54</a:t>
+              </a:r>
+            </a:p>
+            <a:p>
+              <a:pPr algn="ctr"/>
+              <a:r>
+                <a:rPr kumimoji="1" lang="en-US" altLang="ko-KR" sz="4400" b="1" dirty="0">
+                  <a:latin typeface="D2Coding" panose="020B0609020101020101" pitchFamily="49" charset="-127"/>
+                  <a:ea typeface="D2Coding" panose="020B0609020101020101" pitchFamily="49" charset="-127"/>
+                </a:rPr>
+                <a:t>SQL</a:t>
+              </a:r>
+              <a:r>
+                <a:rPr kumimoji="1" lang="ko-KR" altLang="en-US" sz="4400" b="1" dirty="0">
+                  <a:latin typeface="D2Coding" panose="020B0609020101020101" pitchFamily="49" charset="-127"/>
+                  <a:ea typeface="D2Coding" panose="020B0609020101020101" pitchFamily="49" charset="-127"/>
+                </a:rPr>
+                <a:t>기초</a:t>
+              </a:r>
+              <a:r>
+                <a:rPr kumimoji="1" lang="en-US" altLang="ko-KR" sz="4400" b="1" dirty="0">
+                  <a:latin typeface="D2Coding" panose="020B0609020101020101" pitchFamily="49" charset="-127"/>
+                  <a:ea typeface="D2Coding" panose="020B0609020101020101" pitchFamily="49" charset="-127"/>
+                </a:rPr>
+                <a:t>(Foreign Ket</a:t>
+              </a:r>
+              <a:r>
+                <a:rPr kumimoji="1" lang="ko-KR" altLang="en-US" sz="4400" b="1" dirty="0">
+                  <a:latin typeface="D2Coding" panose="020B0609020101020101" pitchFamily="49" charset="-127"/>
+                  <a:ea typeface="D2Coding" panose="020B0609020101020101" pitchFamily="49" charset="-127"/>
+                </a:rPr>
+                <a:t>키</a:t>
+              </a:r>
+              <a:r>
+                <a:rPr kumimoji="1" lang="en-US" altLang="ko-KR" sz="4400" b="1" dirty="0">
+                  <a:latin typeface="D2Coding" panose="020B0609020101020101" pitchFamily="49" charset="-127"/>
+                  <a:ea typeface="D2Coding" panose="020B0609020101020101" pitchFamily="49" charset="-127"/>
+                </a:rPr>
+                <a:t>)</a:t>
+              </a:r>
+              <a:endParaRPr kumimoji="1" lang="ko-KR" altLang="en-US" sz="4400" b="1" dirty="0">
+                <a:latin typeface="D2Coding" panose="020B0609020101020101" pitchFamily="49" charset="-127"/>
+                <a:ea typeface="D2Coding" panose="020B0609020101020101" pitchFamily="49" charset="-127"/>
+              </a:endParaRPr>
+            </a:p>
+          </p:txBody>
+        </p:sp>
+      </p:grpSp>
+    </p:spTree>
+    <p:extLst>
+      <p:ext uri="{BB962C8B-B14F-4D97-AF65-F5344CB8AC3E}">
+        <p14:creationId xmlns:p14="http://schemas.microsoft.com/office/powerpoint/2010/main" val="1090319033"/>
+      </p:ext>
+    </p:extLst>
+  </p:cSld>
+  <p:clrMapOvr>
+    <a:masterClrMapping/>
+  </p:clrMapOvr>
+</p:sld>
+</file>
+
+<file path=ppt/slides/slide4.xml><?xml version="1.0" encoding="utf-8"?>
+<p:sld xmlns:a="http://schemas.openxmlformats.org/drawingml/2006/main" xmlns:r="http://schemas.openxmlformats.org/officeDocument/2006/relationships" xmlns:p="http://schemas.openxmlformats.org/presentationml/2006/main">
+  <p:cSld>
+    <p:spTree>
+      <p:nvGrpSpPr>
+        <p:cNvPr id="1" name=""/>
+        <p:cNvGrpSpPr/>
+        <p:nvPr/>
+      </p:nvGrpSpPr>
+      <p:grpSpPr>
+        <a:xfrm>
+          <a:off x="0" y="0"/>
+          <a:ext cx="0" cy="0"/>
+          <a:chOff x="0" y="0"/>
+          <a:chExt cx="0" cy="0"/>
+        </a:xfrm>
+      </p:grpSpPr>
       <p:grpSp>
         <p:nvGrpSpPr>
           <p:cNvPr id="7" name="그룹 6">
@@ -3854,7 +4311,7 @@
 </p:sld>
 </file>
 
-<file path=ppt/slides/slide3.xml><?xml version="1.0" encoding="utf-8"?>
+<file path=ppt/slides/slide5.xml><?xml version="1.0" encoding="utf-8"?>
 <p:sld xmlns:a="http://schemas.openxmlformats.org/drawingml/2006/main" xmlns:r="http://schemas.openxmlformats.org/officeDocument/2006/relationships" xmlns:p="http://schemas.openxmlformats.org/presentationml/2006/main">
   <p:cSld>
     <p:spTree>
@@ -4078,7 +4535,7 @@
 </p:sld>
 </file>
 
-<file path=ppt/slides/slide4.xml><?xml version="1.0" encoding="utf-8"?>
+<file path=ppt/slides/slide6.xml><?xml version="1.0" encoding="utf-8"?>
 <p:sld xmlns:a="http://schemas.openxmlformats.org/drawingml/2006/main" xmlns:r="http://schemas.openxmlformats.org/officeDocument/2006/relationships" xmlns:p="http://schemas.openxmlformats.org/presentationml/2006/main">
   <p:cSld>
     <p:spTree>

--- a/assets/img/posts/ClassThumbnail.pptx
+++ b/assets/img/posts/ClassThumbnail.pptx
@@ -26,40 +26,37 @@
     <p:sldId id="323" r:id="rId20"/>
     <p:sldId id="324" r:id="rId21"/>
     <p:sldId id="325" r:id="rId22"/>
-    <p:sldId id="294" r:id="rId23"/>
-    <p:sldId id="295" r:id="rId24"/>
-    <p:sldId id="296" r:id="rId25"/>
-    <p:sldId id="297" r:id="rId26"/>
-    <p:sldId id="298" r:id="rId27"/>
-    <p:sldId id="299" r:id="rId28"/>
-    <p:sldId id="300" r:id="rId29"/>
-    <p:sldId id="301" r:id="rId30"/>
-    <p:sldId id="302" r:id="rId31"/>
-    <p:sldId id="303" r:id="rId32"/>
-    <p:sldId id="304" r:id="rId33"/>
-    <p:sldId id="305" r:id="rId34"/>
-    <p:sldId id="306" r:id="rId35"/>
-    <p:sldId id="307" r:id="rId36"/>
-    <p:sldId id="277" r:id="rId37"/>
-    <p:sldId id="278" r:id="rId38"/>
-    <p:sldId id="279" r:id="rId39"/>
-    <p:sldId id="280" r:id="rId40"/>
-    <p:sldId id="281" r:id="rId41"/>
-    <p:sldId id="282" r:id="rId42"/>
-    <p:sldId id="283" r:id="rId43"/>
-    <p:sldId id="284" r:id="rId44"/>
-    <p:sldId id="285" r:id="rId45"/>
-    <p:sldId id="286" r:id="rId46"/>
-    <p:sldId id="287" r:id="rId47"/>
-    <p:sldId id="288" r:id="rId48"/>
-    <p:sldId id="289" r:id="rId49"/>
-    <p:sldId id="290" r:id="rId50"/>
-    <p:sldId id="291" r:id="rId51"/>
-    <p:sldId id="292" r:id="rId52"/>
-    <p:sldId id="271" r:id="rId53"/>
-    <p:sldId id="267" r:id="rId54"/>
-    <p:sldId id="268" r:id="rId55"/>
-    <p:sldId id="269" r:id="rId56"/>
+    <p:sldId id="295" r:id="rId23"/>
+    <p:sldId id="296" r:id="rId24"/>
+    <p:sldId id="297" r:id="rId25"/>
+    <p:sldId id="298" r:id="rId26"/>
+    <p:sldId id="300" r:id="rId27"/>
+    <p:sldId id="302" r:id="rId28"/>
+    <p:sldId id="303" r:id="rId29"/>
+    <p:sldId id="326" r:id="rId30"/>
+    <p:sldId id="304" r:id="rId31"/>
+    <p:sldId id="305" r:id="rId32"/>
+    <p:sldId id="306" r:id="rId33"/>
+    <p:sldId id="307" r:id="rId34"/>
+    <p:sldId id="278" r:id="rId35"/>
+    <p:sldId id="279" r:id="rId36"/>
+    <p:sldId id="280" r:id="rId37"/>
+    <p:sldId id="281" r:id="rId38"/>
+    <p:sldId id="282" r:id="rId39"/>
+    <p:sldId id="283" r:id="rId40"/>
+    <p:sldId id="284" r:id="rId41"/>
+    <p:sldId id="285" r:id="rId42"/>
+    <p:sldId id="286" r:id="rId43"/>
+    <p:sldId id="287" r:id="rId44"/>
+    <p:sldId id="288" r:id="rId45"/>
+    <p:sldId id="289" r:id="rId46"/>
+    <p:sldId id="290" r:id="rId47"/>
+    <p:sldId id="291" r:id="rId48"/>
+    <p:sldId id="292" r:id="rId49"/>
+    <p:sldId id="271" r:id="rId50"/>
+    <p:sldId id="267" r:id="rId51"/>
+    <p:sldId id="268" r:id="rId52"/>
+    <p:sldId id="269" r:id="rId53"/>
   </p:sldIdLst>
   <p:sldSz cx="12192000" cy="6858000"/>
   <p:notesSz cx="6858000" cy="9144000"/>
@@ -5206,21 +5203,7 @@
                   <a:latin typeface="D2Coding" panose="020B0609020101020101" pitchFamily="49" charset="-127"/>
                   <a:ea typeface="D2Coding" panose="020B0609020101020101" pitchFamily="49" charset="-127"/>
                 </a:rPr>
-                <a:t>문자집합</a:t>
-              </a:r>
-              <a:r>
-                <a:rPr kumimoji="1" lang="en-US" altLang="ko-KR" sz="4400" b="1" dirty="0">
-                  <a:latin typeface="D2Coding" panose="020B0609020101020101" pitchFamily="49" charset="-127"/>
-                  <a:ea typeface="D2Coding" panose="020B0609020101020101" pitchFamily="49" charset="-127"/>
-                </a:rPr>
-                <a:t>,</a:t>
-              </a:r>
-              <a:r>
-                <a:rPr kumimoji="1" lang="ko-KR" altLang="en-US" sz="4400" b="1" dirty="0">
-                  <a:latin typeface="D2Coding" panose="020B0609020101020101" pitchFamily="49" charset="-127"/>
-                  <a:ea typeface="D2Coding" panose="020B0609020101020101" pitchFamily="49" charset="-127"/>
-                </a:rPr>
-                <a:t> 수</a:t>
+                <a:t>메서드</a:t>
               </a:r>
               <a:r>
                 <a:rPr kumimoji="1" lang="en-US" altLang="ko-KR" sz="4400" b="1" dirty="0">
@@ -5429,18 +5412,11 @@
             <a:p>
               <a:pPr algn="ctr"/>
               <a:r>
-                <a:rPr kumimoji="1" lang="en" altLang="ko-KR" sz="4400" b="1" dirty="0">
-                  <a:latin typeface="D2Coding" panose="020B0609020101020101" pitchFamily="49" charset="-127"/>
-                  <a:ea typeface="D2Coding" panose="020B0609020101020101" pitchFamily="49" charset="-127"/>
-                </a:rPr>
-                <a:t>Java</a:t>
-              </a:r>
-              <a:r>
                 <a:rPr kumimoji="1" lang="ko-KR" altLang="en-US" sz="4400" b="1" dirty="0">
                   <a:latin typeface="D2Coding" panose="020B0609020101020101" pitchFamily="49" charset="-127"/>
                   <a:ea typeface="D2Coding" panose="020B0609020101020101" pitchFamily="49" charset="-127"/>
                 </a:rPr>
-                <a:t>프로그래밍 기초</a:t>
+                <a:t>실습프로젝트</a:t>
               </a:r>
               <a:r>
                 <a:rPr kumimoji="1" lang="en-US" altLang="ko-KR" sz="4400" b="1" dirty="0">
@@ -5450,25 +5426,11 @@
                 <a:t>(</a:t>
               </a:r>
               <a:r>
-                <a:rPr kumimoji="1" lang="ko-KR" altLang="en-US" sz="4400" b="1" dirty="0">
-                  <a:latin typeface="D2Coding" panose="020B0609020101020101" pitchFamily="49" charset="-127"/>
-                  <a:ea typeface="D2Coding" panose="020B0609020101020101" pitchFamily="49" charset="-127"/>
-                </a:rPr>
-                <a:t>문자집합</a:t>
-              </a:r>
-              <a:r>
-                <a:rPr kumimoji="1" lang="en-US" altLang="ko-KR" sz="4400" b="1" dirty="0">
-                  <a:latin typeface="D2Coding" panose="020B0609020101020101" pitchFamily="49" charset="-127"/>
-                  <a:ea typeface="D2Coding" panose="020B0609020101020101" pitchFamily="49" charset="-127"/>
-                </a:rPr>
-                <a:t>,</a:t>
-              </a:r>
-              <a:r>
-                <a:rPr kumimoji="1" lang="ko-KR" altLang="en-US" sz="4400" b="1" dirty="0">
-                  <a:latin typeface="D2Coding" panose="020B0609020101020101" pitchFamily="49" charset="-127"/>
-                  <a:ea typeface="D2Coding" panose="020B0609020101020101" pitchFamily="49" charset="-127"/>
-                </a:rPr>
-                <a:t> 수</a:t>
+                <a:rPr kumimoji="1" lang="ko-KR" altLang="en-US" sz="4400" b="1" dirty="0" err="1">
+                  <a:latin typeface="D2Coding" panose="020B0609020101020101" pitchFamily="49" charset="-127"/>
+                  <a:ea typeface="D2Coding" panose="020B0609020101020101" pitchFamily="49" charset="-127"/>
+                </a:rPr>
+                <a:t>서브메뉴만들기</a:t>
               </a:r>
               <a:r>
                 <a:rPr kumimoji="1" lang="en-US" altLang="ko-KR" sz="4400" b="1" dirty="0">
@@ -5677,18 +5639,11 @@
             <a:p>
               <a:pPr algn="ctr"/>
               <a:r>
-                <a:rPr kumimoji="1" lang="en" altLang="ko-KR" sz="4400" b="1" dirty="0">
-                  <a:latin typeface="D2Coding" panose="020B0609020101020101" pitchFamily="49" charset="-127"/>
-                  <a:ea typeface="D2Coding" panose="020B0609020101020101" pitchFamily="49" charset="-127"/>
-                </a:rPr>
-                <a:t>Java</a:t>
-              </a:r>
-              <a:r>
                 <a:rPr kumimoji="1" lang="ko-KR" altLang="en-US" sz="4400" b="1" dirty="0">
                   <a:latin typeface="D2Coding" panose="020B0609020101020101" pitchFamily="49" charset="-127"/>
                   <a:ea typeface="D2Coding" panose="020B0609020101020101" pitchFamily="49" charset="-127"/>
                 </a:rPr>
-                <a:t>프로그래밍 기초</a:t>
+                <a:t>실습프로젝트</a:t>
               </a:r>
               <a:r>
                 <a:rPr kumimoji="1" lang="en-US" altLang="ko-KR" sz="4400" b="1" dirty="0">
@@ -5702,29 +5657,19 @@
                   <a:latin typeface="D2Coding" panose="020B0609020101020101" pitchFamily="49" charset="-127"/>
                   <a:ea typeface="D2Coding" panose="020B0609020101020101" pitchFamily="49" charset="-127"/>
                 </a:rPr>
-                <a:t>문자집합</a:t>
+                <a:t>클래스</a:t>
               </a:r>
               <a:r>
                 <a:rPr kumimoji="1" lang="en-US" altLang="ko-KR" sz="4400" b="1" dirty="0">
                   <a:latin typeface="D2Coding" panose="020B0609020101020101" pitchFamily="49" charset="-127"/>
                   <a:ea typeface="D2Coding" panose="020B0609020101020101" pitchFamily="49" charset="-127"/>
                 </a:rPr>
-                <a:t>,</a:t>
-              </a:r>
-              <a:r>
-                <a:rPr kumimoji="1" lang="ko-KR" altLang="en-US" sz="4400" b="1" dirty="0">
-                  <a:latin typeface="D2Coding" panose="020B0609020101020101" pitchFamily="49" charset="-127"/>
-                  <a:ea typeface="D2Coding" panose="020B0609020101020101" pitchFamily="49" charset="-127"/>
-                </a:rPr>
-                <a:t> 수</a:t>
-              </a:r>
-              <a:r>
-                <a:rPr kumimoji="1" lang="en-US" altLang="ko-KR" sz="4400" b="1" dirty="0">
-                  <a:latin typeface="D2Coding" panose="020B0609020101020101" pitchFamily="49" charset="-127"/>
-                  <a:ea typeface="D2Coding" panose="020B0609020101020101" pitchFamily="49" charset="-127"/>
-                </a:rPr>
                 <a:t>)</a:t>
               </a:r>
+              <a:endParaRPr kumimoji="1" lang="ko-KR" altLang="en-US" sz="4400" b="1" dirty="0">
+                <a:latin typeface="D2Coding" panose="020B0609020101020101" pitchFamily="49" charset="-127"/>
+                <a:ea typeface="D2Coding" panose="020B0609020101020101" pitchFamily="49" charset="-127"/>
+              </a:endParaRPr>
             </a:p>
           </p:txBody>
         </p:sp>
@@ -5950,29 +5895,19 @@
                   <a:latin typeface="D2Coding" panose="020B0609020101020101" pitchFamily="49" charset="-127"/>
                   <a:ea typeface="D2Coding" panose="020B0609020101020101" pitchFamily="49" charset="-127"/>
                 </a:rPr>
-                <a:t>문자집합</a:t>
+                <a:t>클래스</a:t>
               </a:r>
               <a:r>
                 <a:rPr kumimoji="1" lang="en-US" altLang="ko-KR" sz="4400" b="1" dirty="0">
                   <a:latin typeface="D2Coding" panose="020B0609020101020101" pitchFamily="49" charset="-127"/>
                   <a:ea typeface="D2Coding" panose="020B0609020101020101" pitchFamily="49" charset="-127"/>
                 </a:rPr>
-                <a:t>,</a:t>
-              </a:r>
-              <a:r>
-                <a:rPr kumimoji="1" lang="ko-KR" altLang="en-US" sz="4400" b="1" dirty="0">
-                  <a:latin typeface="D2Coding" panose="020B0609020101020101" pitchFamily="49" charset="-127"/>
-                  <a:ea typeface="D2Coding" panose="020B0609020101020101" pitchFamily="49" charset="-127"/>
-                </a:rPr>
-                <a:t> 수</a:t>
-              </a:r>
-              <a:r>
-                <a:rPr kumimoji="1" lang="en-US" altLang="ko-KR" sz="4400" b="1" dirty="0">
-                  <a:latin typeface="D2Coding" panose="020B0609020101020101" pitchFamily="49" charset="-127"/>
-                  <a:ea typeface="D2Coding" panose="020B0609020101020101" pitchFamily="49" charset="-127"/>
-                </a:rPr>
                 <a:t>)</a:t>
               </a:r>
+              <a:endParaRPr kumimoji="1" lang="ko-KR" altLang="en-US" sz="4400" b="1" dirty="0">
+                <a:latin typeface="D2Coding" panose="020B0609020101020101" pitchFamily="49" charset="-127"/>
+                <a:ea typeface="D2Coding" panose="020B0609020101020101" pitchFamily="49" charset="-127"/>
+              </a:endParaRPr>
             </a:p>
           </p:txBody>
         </p:sp>
@@ -6173,54 +6108,44 @@
             <a:p>
               <a:pPr algn="ctr"/>
               <a:r>
+                <a:rPr kumimoji="1" lang="ko-KR" altLang="en-US" sz="4400" b="1" dirty="0">
+                  <a:latin typeface="D2Coding" panose="020B0609020101020101" pitchFamily="49" charset="-127"/>
+                  <a:ea typeface="D2Coding" panose="020B0609020101020101" pitchFamily="49" charset="-127"/>
+                </a:rPr>
+                <a:t>실습프로젝트</a:t>
+              </a:r>
+              <a:r>
+                <a:rPr kumimoji="1" lang="en-US" altLang="ko-KR" sz="4400" b="1" dirty="0">
+                  <a:latin typeface="D2Coding" panose="020B0609020101020101" pitchFamily="49" charset="-127"/>
+                  <a:ea typeface="D2Coding" panose="020B0609020101020101" pitchFamily="49" charset="-127"/>
+                </a:rPr>
+                <a:t>(</a:t>
+              </a:r>
+              <a:r>
                 <a:rPr kumimoji="1" lang="en" altLang="ko-KR" sz="4400" b="1" dirty="0">
                   <a:latin typeface="D2Coding" panose="020B0609020101020101" pitchFamily="49" charset="-127"/>
                   <a:ea typeface="D2Coding" panose="020B0609020101020101" pitchFamily="49" charset="-127"/>
                 </a:rPr>
-                <a:t>Java</a:t>
+                <a:t>CRUD</a:t>
               </a:r>
               <a:r>
                 <a:rPr kumimoji="1" lang="ko-KR" altLang="en-US" sz="4400" b="1" dirty="0">
                   <a:latin typeface="D2Coding" panose="020B0609020101020101" pitchFamily="49" charset="-127"/>
                   <a:ea typeface="D2Coding" panose="020B0609020101020101" pitchFamily="49" charset="-127"/>
                 </a:rPr>
-                <a:t>프로그래밍 기초</a:t>
+                <a:t>구현하기</a:t>
               </a:r>
               <a:r>
                 <a:rPr kumimoji="1" lang="en-US" altLang="ko-KR" sz="4400" b="1" dirty="0">
                   <a:latin typeface="D2Coding" panose="020B0609020101020101" pitchFamily="49" charset="-127"/>
                   <a:ea typeface="D2Coding" panose="020B0609020101020101" pitchFamily="49" charset="-127"/>
                 </a:rPr>
-                <a:t>(</a:t>
-              </a:r>
-              <a:r>
-                <a:rPr kumimoji="1" lang="ko-KR" altLang="en-US" sz="4400" b="1" dirty="0">
-                  <a:latin typeface="D2Coding" panose="020B0609020101020101" pitchFamily="49" charset="-127"/>
-                  <a:ea typeface="D2Coding" panose="020B0609020101020101" pitchFamily="49" charset="-127"/>
-                </a:rPr>
-                <a:t>문자집합</a:t>
-              </a:r>
-              <a:r>
-                <a:rPr kumimoji="1" lang="en-US" altLang="ko-KR" sz="4400" b="1" dirty="0">
-                  <a:latin typeface="D2Coding" panose="020B0609020101020101" pitchFamily="49" charset="-127"/>
-                  <a:ea typeface="D2Coding" panose="020B0609020101020101" pitchFamily="49" charset="-127"/>
-                </a:rPr>
-                <a:t>,</a:t>
-              </a:r>
-              <a:r>
-                <a:rPr kumimoji="1" lang="ko-KR" altLang="en-US" sz="4400" b="1" dirty="0">
-                  <a:latin typeface="D2Coding" panose="020B0609020101020101" pitchFamily="49" charset="-127"/>
-                  <a:ea typeface="D2Coding" panose="020B0609020101020101" pitchFamily="49" charset="-127"/>
-                </a:rPr>
-                <a:t> 수</a:t>
-              </a:r>
-              <a:r>
-                <a:rPr kumimoji="1" lang="en-US" altLang="ko-KR" sz="4400" b="1" dirty="0">
-                  <a:latin typeface="D2Coding" panose="020B0609020101020101" pitchFamily="49" charset="-127"/>
-                  <a:ea typeface="D2Coding" panose="020B0609020101020101" pitchFamily="49" charset="-127"/>
-                </a:rPr>
                 <a:t>)</a:t>
               </a:r>
+              <a:endParaRPr kumimoji="1" lang="ko-KR" altLang="en-US" sz="4400" b="1" dirty="0">
+                <a:latin typeface="D2Coding" panose="020B0609020101020101" pitchFamily="49" charset="-127"/>
+                <a:ea typeface="D2Coding" panose="020B0609020101020101" pitchFamily="49" charset="-127"/>
+              </a:endParaRPr>
             </a:p>
           </p:txBody>
         </p:sp>
@@ -6617,53 +6542,32 @@
             <a:p>
               <a:pPr algn="ctr"/>
               <a:r>
+                <a:rPr kumimoji="1" lang="ko-KR" altLang="en-US" sz="4400" b="1" dirty="0">
+                  <a:latin typeface="D2Coding" panose="020B0609020101020101" pitchFamily="49" charset="-127"/>
+                  <a:ea typeface="D2Coding" panose="020B0609020101020101" pitchFamily="49" charset="-127"/>
+                </a:rPr>
+                <a:t>실습프로젝트</a:t>
+              </a:r>
+              <a:r>
+                <a:rPr kumimoji="1" lang="en-US" altLang="ko-KR" sz="4400" b="1" dirty="0">
+                  <a:latin typeface="D2Coding" panose="020B0609020101020101" pitchFamily="49" charset="-127"/>
+                  <a:ea typeface="D2Coding" panose="020B0609020101020101" pitchFamily="49" charset="-127"/>
+                </a:rPr>
+                <a:t>(</a:t>
+              </a:r>
+              <a:r>
+                <a:rPr kumimoji="1" lang="ko-KR" altLang="en-US" sz="4400" b="1" dirty="0">
+                  <a:latin typeface="D2Coding" panose="020B0609020101020101" pitchFamily="49" charset="-127"/>
+                  <a:ea typeface="D2Coding" panose="020B0609020101020101" pitchFamily="49" charset="-127"/>
+                </a:rPr>
+                <a:t>게시판</a:t>
+              </a:r>
+              <a:r>
                 <a:rPr kumimoji="1" lang="en" altLang="ko-KR" sz="4400" b="1" dirty="0">
                   <a:latin typeface="D2Coding" panose="020B0609020101020101" pitchFamily="49" charset="-127"/>
                   <a:ea typeface="D2Coding" panose="020B0609020101020101" pitchFamily="49" charset="-127"/>
                 </a:rPr>
-                <a:t>Java</a:t>
-              </a:r>
-              <a:r>
-                <a:rPr kumimoji="1" lang="ko-KR" altLang="en-US" sz="4400" b="1" dirty="0">
-                  <a:latin typeface="D2Coding" panose="020B0609020101020101" pitchFamily="49" charset="-127"/>
-                  <a:ea typeface="D2Coding" panose="020B0609020101020101" pitchFamily="49" charset="-127"/>
-                </a:rPr>
-                <a:t>프로그래밍 기초</a:t>
-              </a:r>
-              <a:r>
-                <a:rPr kumimoji="1" lang="en-US" altLang="ko-KR" sz="4400" b="1" dirty="0">
-                  <a:latin typeface="D2Coding" panose="020B0609020101020101" pitchFamily="49" charset="-127"/>
-                  <a:ea typeface="D2Coding" panose="020B0609020101020101" pitchFamily="49" charset="-127"/>
-                </a:rPr>
-                <a:t>(</a:t>
-              </a:r>
-              <a:r>
-                <a:rPr kumimoji="1" lang="ko-KR" altLang="en-US" sz="4400" b="1" dirty="0">
-                  <a:latin typeface="D2Coding" panose="020B0609020101020101" pitchFamily="49" charset="-127"/>
-                  <a:ea typeface="D2Coding" panose="020B0609020101020101" pitchFamily="49" charset="-127"/>
-                </a:rPr>
-                <a:t>문자집합</a:t>
-              </a:r>
-              <a:r>
-                <a:rPr kumimoji="1" lang="en-US" altLang="ko-KR" sz="4400" b="1" dirty="0">
-                  <a:latin typeface="D2Coding" panose="020B0609020101020101" pitchFamily="49" charset="-127"/>
-                  <a:ea typeface="D2Coding" panose="020B0609020101020101" pitchFamily="49" charset="-127"/>
-                </a:rPr>
-                <a:t>,</a:t>
-              </a:r>
-              <a:r>
-                <a:rPr kumimoji="1" lang="ko-KR" altLang="en-US" sz="4400" b="1" dirty="0">
-                  <a:latin typeface="D2Coding" panose="020B0609020101020101" pitchFamily="49" charset="-127"/>
-                  <a:ea typeface="D2Coding" panose="020B0609020101020101" pitchFamily="49" charset="-127"/>
-                </a:rPr>
-                <a:t> 수</a:t>
-              </a:r>
-              <a:r>
-                <a:rPr kumimoji="1" lang="en-US" altLang="ko-KR" sz="4400" b="1" dirty="0">
-                  <a:latin typeface="D2Coding" panose="020B0609020101020101" pitchFamily="49" charset="-127"/>
-                  <a:ea typeface="D2Coding" panose="020B0609020101020101" pitchFamily="49" charset="-127"/>
-                </a:rPr>
-                <a:t>)</a:t>
+                <a:t>CRUD)</a:t>
               </a:r>
             </a:p>
           </p:txBody>
@@ -6683,6 +6587,247 @@
 </file>
 
 <file path=ppt/slides/slide21.xml><?xml version="1.0" encoding="utf-8"?>
+<p:sld xmlns:a="http://schemas.openxmlformats.org/drawingml/2006/main" xmlns:r="http://schemas.openxmlformats.org/officeDocument/2006/relationships" xmlns:p="http://schemas.openxmlformats.org/presentationml/2006/main">
+  <p:cSld>
+    <p:spTree>
+      <p:nvGrpSpPr>
+        <p:cNvPr id="1" name=""/>
+        <p:cNvGrpSpPr/>
+        <p:nvPr/>
+      </p:nvGrpSpPr>
+      <p:grpSpPr>
+        <a:xfrm>
+          <a:off x="0" y="0"/>
+          <a:ext cx="0" cy="0"/>
+          <a:chOff x="0" y="0"/>
+          <a:chExt cx="0" cy="0"/>
+        </a:xfrm>
+      </p:grpSpPr>
+      <p:sp>
+        <p:nvSpPr>
+          <p:cNvPr id="6" name="TextBox 5">
+            <a:extLst>
+              <a:ext uri="{FF2B5EF4-FFF2-40B4-BE49-F238E27FC236}">
+                <a16:creationId xmlns:a16="http://schemas.microsoft.com/office/drawing/2014/main" id="{7BC70131-2A0F-D582-388D-5AB1E95FE6C4}"/>
+              </a:ext>
+            </a:extLst>
+          </p:cNvPr>
+          <p:cNvSpPr txBox="1"/>
+          <p:nvPr/>
+        </p:nvSpPr>
+        <p:spPr>
+          <a:xfrm>
+            <a:off x="1021294" y="3808909"/>
+            <a:ext cx="10149410" cy="1384995"/>
+          </a:xfrm>
+          <a:prstGeom prst="rect">
+            <a:avLst/>
+          </a:prstGeom>
+          <a:noFill/>
+        </p:spPr>
+        <p:txBody>
+          <a:bodyPr wrap="square" rtlCol="0">
+            <a:spAutoFit/>
+          </a:bodyPr>
+          <a:lstStyle/>
+          <a:p>
+            <a:pPr algn="ctr"/>
+            <a:r>
+              <a:rPr kumimoji="1" lang="en-US" altLang="ko-KR" sz="2800" b="1" dirty="0">
+                <a:latin typeface="D2Coding" panose="020B0609020101020101" pitchFamily="49" charset="-127"/>
+                <a:ea typeface="D2Coding" panose="020B0609020101020101" pitchFamily="49" charset="-127"/>
+              </a:rPr>
+              <a:t>Day 56</a:t>
+            </a:r>
+          </a:p>
+          <a:p>
+            <a:pPr algn="ctr"/>
+            <a:r>
+              <a:rPr kumimoji="1" lang="en-US" altLang="ko-KR" sz="2800" b="1" dirty="0">
+                <a:latin typeface="D2Coding" panose="020B0609020101020101" pitchFamily="49" charset="-127"/>
+                <a:ea typeface="D2Coding" panose="020B0609020101020101" pitchFamily="49" charset="-127"/>
+              </a:rPr>
+              <a:t>Java</a:t>
+            </a:r>
+            <a:r>
+              <a:rPr kumimoji="1" lang="ko-KR" altLang="en-US" sz="2800" b="1" dirty="0">
+                <a:latin typeface="D2Coding" panose="020B0609020101020101" pitchFamily="49" charset="-127"/>
+                <a:ea typeface="D2Coding" panose="020B0609020101020101" pitchFamily="49" charset="-127"/>
+              </a:rPr>
+              <a:t>프로그래밍 기초</a:t>
+            </a:r>
+            <a:endParaRPr kumimoji="1" lang="en-US" altLang="ko-KR" sz="2800" b="1" dirty="0">
+              <a:latin typeface="D2Coding" panose="020B0609020101020101" pitchFamily="49" charset="-127"/>
+              <a:ea typeface="D2Coding" panose="020B0609020101020101" pitchFamily="49" charset="-127"/>
+            </a:endParaRPr>
+          </a:p>
+          <a:p>
+            <a:pPr algn="ctr"/>
+            <a:r>
+              <a:rPr kumimoji="1" lang="en-US" altLang="ko-KR" sz="2800" b="1" dirty="0">
+                <a:latin typeface="D2Coding" panose="020B0609020101020101" pitchFamily="49" charset="-127"/>
+                <a:ea typeface="D2Coding" panose="020B0609020101020101" pitchFamily="49" charset="-127"/>
+              </a:rPr>
+              <a:t>JDBC – </a:t>
+            </a:r>
+            <a:r>
+              <a:rPr kumimoji="1" lang="ko-KR" altLang="en-US" sz="2800" b="1" dirty="0">
+                <a:latin typeface="D2Coding" panose="020B0609020101020101" pitchFamily="49" charset="-127"/>
+                <a:ea typeface="D2Coding" panose="020B0609020101020101" pitchFamily="49" charset="-127"/>
+              </a:rPr>
+              <a:t>라이브러리 설치 및 등록</a:t>
+            </a:r>
+          </a:p>
+        </p:txBody>
+      </p:sp>
+      <p:grpSp>
+        <p:nvGrpSpPr>
+          <p:cNvPr id="3" name="그룹 2">
+            <a:extLst>
+              <a:ext uri="{FF2B5EF4-FFF2-40B4-BE49-F238E27FC236}">
+                <a16:creationId xmlns:a16="http://schemas.microsoft.com/office/drawing/2014/main" id="{CCB49D7F-A40B-2950-C3BB-13981C780200}"/>
+              </a:ext>
+            </a:extLst>
+          </p:cNvPr>
+          <p:cNvGrpSpPr/>
+          <p:nvPr/>
+        </p:nvGrpSpPr>
+        <p:grpSpPr>
+          <a:xfrm>
+            <a:off x="0" y="0"/>
+            <a:ext cx="12192000" cy="6858000"/>
+            <a:chOff x="1143000" y="1238490"/>
+            <a:chExt cx="7772400" cy="3777325"/>
+          </a:xfrm>
+        </p:grpSpPr>
+        <p:pic>
+          <p:nvPicPr>
+            <p:cNvPr id="4" name="그림 3" descr="폰트, 로고, 그래픽, 화이트이(가) 표시된 사진&#10;&#10;자동 생성된 설명">
+              <a:extLst>
+                <a:ext uri="{FF2B5EF4-FFF2-40B4-BE49-F238E27FC236}">
+                  <a16:creationId xmlns:a16="http://schemas.microsoft.com/office/drawing/2014/main" id="{B742D47A-36C2-B9F0-BC20-0E30F4A6AEEC}"/>
+                </a:ext>
+              </a:extLst>
+            </p:cNvPr>
+            <p:cNvPicPr>
+              <a:picLocks noChangeAspect="1"/>
+            </p:cNvPicPr>
+            <p:nvPr/>
+          </p:nvPicPr>
+          <p:blipFill>
+            <a:blip r:embed="rId2"/>
+            <a:srcRect t="13650"/>
+            <a:stretch/>
+          </p:blipFill>
+          <p:spPr>
+            <a:xfrm>
+              <a:off x="1143000" y="1238490"/>
+              <a:ext cx="7772400" cy="3777325"/>
+            </a:xfrm>
+            <a:prstGeom prst="rect">
+              <a:avLst/>
+            </a:prstGeom>
+          </p:spPr>
+        </p:pic>
+        <p:sp>
+          <p:nvSpPr>
+            <p:cNvPr id="8" name="TextBox 7">
+              <a:extLst>
+                <a:ext uri="{FF2B5EF4-FFF2-40B4-BE49-F238E27FC236}">
+                  <a16:creationId xmlns:a16="http://schemas.microsoft.com/office/drawing/2014/main" id="{B3D8B992-313F-AA19-ECC1-9BA2DED76D4E}"/>
+                </a:ext>
+              </a:extLst>
+            </p:cNvPr>
+            <p:cNvSpPr txBox="1"/>
+            <p:nvPr/>
+          </p:nvSpPr>
+          <p:spPr>
+            <a:xfrm>
+              <a:off x="1319644" y="3336403"/>
+              <a:ext cx="7419110" cy="796747"/>
+            </a:xfrm>
+            <a:prstGeom prst="rect">
+              <a:avLst/>
+            </a:prstGeom>
+            <a:noFill/>
+          </p:spPr>
+          <p:txBody>
+            <a:bodyPr wrap="square" rtlCol="0">
+              <a:spAutoFit/>
+            </a:bodyPr>
+            <a:lstStyle/>
+            <a:p>
+              <a:pPr algn="ctr"/>
+              <a:r>
+                <a:rPr kumimoji="1" lang="en-US" altLang="ko-KR" sz="4400" b="1" dirty="0">
+                  <a:latin typeface="D2Coding" panose="020B0609020101020101" pitchFamily="49" charset="-127"/>
+                  <a:ea typeface="D2Coding" panose="020B0609020101020101" pitchFamily="49" charset="-127"/>
+                </a:rPr>
+                <a:t>Day 19</a:t>
+              </a:r>
+            </a:p>
+            <a:p>
+              <a:pPr algn="ctr"/>
+              <a:r>
+                <a:rPr kumimoji="1" lang="ko-KR" altLang="en-US" sz="4400" b="1" dirty="0">
+                  <a:latin typeface="D2Coding" panose="020B0609020101020101" pitchFamily="49" charset="-127"/>
+                  <a:ea typeface="D2Coding" panose="020B0609020101020101" pitchFamily="49" charset="-127"/>
+                </a:rPr>
+                <a:t>실습프로젝트</a:t>
+              </a:r>
+              <a:r>
+                <a:rPr kumimoji="1" lang="en-US" altLang="ko-KR" sz="4400" b="1" dirty="0">
+                  <a:latin typeface="D2Coding" panose="020B0609020101020101" pitchFamily="49" charset="-127"/>
+                  <a:ea typeface="D2Coding" panose="020B0609020101020101" pitchFamily="49" charset="-127"/>
+                </a:rPr>
+                <a:t>(</a:t>
+              </a:r>
+              <a:r>
+                <a:rPr kumimoji="1" lang="en" altLang="ko-KR" sz="4400" b="1" dirty="0">
+                  <a:latin typeface="D2Coding" panose="020B0609020101020101" pitchFamily="49" charset="-127"/>
+                  <a:ea typeface="D2Coding" panose="020B0609020101020101" pitchFamily="49" charset="-127"/>
+                </a:rPr>
+                <a:t>Static</a:t>
+              </a:r>
+              <a:r>
+                <a:rPr kumimoji="1" lang="ko-KR" altLang="en-US" sz="4400" b="1" dirty="0">
+                  <a:latin typeface="D2Coding" panose="020B0609020101020101" pitchFamily="49" charset="-127"/>
+                  <a:ea typeface="D2Coding" panose="020B0609020101020101" pitchFamily="49" charset="-127"/>
+                </a:rPr>
+                <a:t>필드</a:t>
+              </a:r>
+              <a:r>
+                <a:rPr kumimoji="1" lang="en-US" altLang="ko-KR" sz="4400" b="1" dirty="0">
+                  <a:latin typeface="D2Coding" panose="020B0609020101020101" pitchFamily="49" charset="-127"/>
+                  <a:ea typeface="D2Coding" panose="020B0609020101020101" pitchFamily="49" charset="-127"/>
+                </a:rPr>
+                <a:t>, </a:t>
+              </a:r>
+              <a:r>
+                <a:rPr kumimoji="1" lang="en" altLang="ko-KR" sz="4400" b="1" dirty="0">
+                  <a:latin typeface="D2Coding" panose="020B0609020101020101" pitchFamily="49" charset="-127"/>
+                  <a:ea typeface="D2Coding" panose="020B0609020101020101" pitchFamily="49" charset="-127"/>
+                </a:rPr>
+                <a:t>High Cohesion)</a:t>
+              </a:r>
+            </a:p>
+          </p:txBody>
+        </p:sp>
+      </p:grpSp>
+    </p:spTree>
+    <p:extLst>
+      <p:ext uri="{BB962C8B-B14F-4D97-AF65-F5344CB8AC3E}">
+        <p14:creationId xmlns:p14="http://schemas.microsoft.com/office/powerpoint/2010/main" val="2018386536"/>
+      </p:ext>
+    </p:extLst>
+  </p:cSld>
+  <p:clrMapOvr>
+    <a:masterClrMapping/>
+  </p:clrMapOvr>
+</p:sld>
+</file>
+
+<file path=ppt/slides/slide22.xml><?xml version="1.0" encoding="utf-8"?>
 <p:sld xmlns:a="http://schemas.openxmlformats.org/drawingml/2006/main" xmlns:r="http://schemas.openxmlformats.org/officeDocument/2006/relationships" xmlns:p="http://schemas.openxmlformats.org/presentationml/2006/main">
   <p:cSld>
     <p:spTree>
@@ -6859,7 +7004,7 @@
                   <a:latin typeface="D2Coding" panose="020B0609020101020101" pitchFamily="49" charset="-127"/>
                   <a:ea typeface="D2Coding" panose="020B0609020101020101" pitchFamily="49" charset="-127"/>
                 </a:rPr>
-                <a:t>Day 19</a:t>
+                <a:t>Day 21</a:t>
               </a:r>
             </a:p>
             <a:p>
@@ -6886,33 +7031,30 @@
                 <a:t>(</a:t>
               </a:r>
               <a:r>
+                <a:rPr kumimoji="1" lang="en" altLang="ko-KR" sz="4400" b="1" dirty="0">
+                  <a:latin typeface="D2Coding" panose="020B0609020101020101" pitchFamily="49" charset="-127"/>
+                  <a:ea typeface="D2Coding" panose="020B0609020101020101" pitchFamily="49" charset="-127"/>
+                </a:rPr>
+                <a:t>Object </a:t>
+              </a:r>
+              <a:r>
                 <a:rPr kumimoji="1" lang="ko-KR" altLang="en-US" sz="4400" b="1" dirty="0">
                   <a:latin typeface="D2Coding" panose="020B0609020101020101" pitchFamily="49" charset="-127"/>
                   <a:ea typeface="D2Coding" panose="020B0609020101020101" pitchFamily="49" charset="-127"/>
                 </a:rPr>
-                <a:t>문자집합</a:t>
+                <a:t>클래스</a:t>
               </a:r>
               <a:r>
                 <a:rPr kumimoji="1" lang="en-US" altLang="ko-KR" sz="4400" b="1" dirty="0">
                   <a:latin typeface="D2Coding" panose="020B0609020101020101" pitchFamily="49" charset="-127"/>
                   <a:ea typeface="D2Coding" panose="020B0609020101020101" pitchFamily="49" charset="-127"/>
                 </a:rPr>
-                <a:t>,</a:t>
-              </a:r>
-              <a:r>
-                <a:rPr kumimoji="1" lang="ko-KR" altLang="en-US" sz="4400" b="1" dirty="0">
-                  <a:latin typeface="D2Coding" panose="020B0609020101020101" pitchFamily="49" charset="-127"/>
-                  <a:ea typeface="D2Coding" panose="020B0609020101020101" pitchFamily="49" charset="-127"/>
-                </a:rPr>
-                <a:t> 수</a:t>
-              </a:r>
-              <a:r>
-                <a:rPr kumimoji="1" lang="en-US" altLang="ko-KR" sz="4400" b="1" dirty="0">
-                  <a:latin typeface="D2Coding" panose="020B0609020101020101" pitchFamily="49" charset="-127"/>
-                  <a:ea typeface="D2Coding" panose="020B0609020101020101" pitchFamily="49" charset="-127"/>
-                </a:rPr>
                 <a:t>)</a:t>
               </a:r>
+              <a:endParaRPr kumimoji="1" lang="ko-KR" altLang="en-US" sz="4400" b="1" dirty="0">
+                <a:latin typeface="D2Coding" panose="020B0609020101020101" pitchFamily="49" charset="-127"/>
+                <a:ea typeface="D2Coding" panose="020B0609020101020101" pitchFamily="49" charset="-127"/>
+              </a:endParaRPr>
             </a:p>
           </p:txBody>
         </p:sp>
@@ -6920,7 +7062,7 @@
     </p:spTree>
     <p:extLst>
       <p:ext uri="{BB962C8B-B14F-4D97-AF65-F5344CB8AC3E}">
-        <p14:creationId xmlns:p14="http://schemas.microsoft.com/office/powerpoint/2010/main" val="2018386536"/>
+        <p14:creationId xmlns:p14="http://schemas.microsoft.com/office/powerpoint/2010/main" val="1359212413"/>
       </p:ext>
     </p:extLst>
   </p:cSld>
@@ -6930,7 +7072,258 @@
 </p:sld>
 </file>
 
-<file path=ppt/slides/slide22.xml><?xml version="1.0" encoding="utf-8"?>
+<file path=ppt/slides/slide23.xml><?xml version="1.0" encoding="utf-8"?>
+<p:sld xmlns:a="http://schemas.openxmlformats.org/drawingml/2006/main" xmlns:r="http://schemas.openxmlformats.org/officeDocument/2006/relationships" xmlns:p="http://schemas.openxmlformats.org/presentationml/2006/main">
+  <p:cSld>
+    <p:spTree>
+      <p:nvGrpSpPr>
+        <p:cNvPr id="1" name=""/>
+        <p:cNvGrpSpPr/>
+        <p:nvPr/>
+      </p:nvGrpSpPr>
+      <p:grpSpPr>
+        <a:xfrm>
+          <a:off x="0" y="0"/>
+          <a:ext cx="0" cy="0"/>
+          <a:chOff x="0" y="0"/>
+          <a:chExt cx="0" cy="0"/>
+        </a:xfrm>
+      </p:grpSpPr>
+      <p:sp>
+        <p:nvSpPr>
+          <p:cNvPr id="6" name="TextBox 5">
+            <a:extLst>
+              <a:ext uri="{FF2B5EF4-FFF2-40B4-BE49-F238E27FC236}">
+                <a16:creationId xmlns:a16="http://schemas.microsoft.com/office/drawing/2014/main" id="{7BC70131-2A0F-D582-388D-5AB1E95FE6C4}"/>
+              </a:ext>
+            </a:extLst>
+          </p:cNvPr>
+          <p:cNvSpPr txBox="1"/>
+          <p:nvPr/>
+        </p:nvSpPr>
+        <p:spPr>
+          <a:xfrm>
+            <a:off x="1021294" y="3808909"/>
+            <a:ext cx="10149410" cy="1384995"/>
+          </a:xfrm>
+          <a:prstGeom prst="rect">
+            <a:avLst/>
+          </a:prstGeom>
+          <a:noFill/>
+        </p:spPr>
+        <p:txBody>
+          <a:bodyPr wrap="square" rtlCol="0">
+            <a:spAutoFit/>
+          </a:bodyPr>
+          <a:lstStyle/>
+          <a:p>
+            <a:pPr algn="ctr"/>
+            <a:r>
+              <a:rPr kumimoji="1" lang="en-US" altLang="ko-KR" sz="2800" b="1" dirty="0">
+                <a:latin typeface="D2Coding" panose="020B0609020101020101" pitchFamily="49" charset="-127"/>
+                <a:ea typeface="D2Coding" panose="020B0609020101020101" pitchFamily="49" charset="-127"/>
+              </a:rPr>
+              <a:t>Day 56</a:t>
+            </a:r>
+          </a:p>
+          <a:p>
+            <a:pPr algn="ctr"/>
+            <a:r>
+              <a:rPr kumimoji="1" lang="en-US" altLang="ko-KR" sz="2800" b="1" dirty="0">
+                <a:latin typeface="D2Coding" panose="020B0609020101020101" pitchFamily="49" charset="-127"/>
+                <a:ea typeface="D2Coding" panose="020B0609020101020101" pitchFamily="49" charset="-127"/>
+              </a:rPr>
+              <a:t>Java</a:t>
+            </a:r>
+            <a:r>
+              <a:rPr kumimoji="1" lang="ko-KR" altLang="en-US" sz="2800" b="1" dirty="0">
+                <a:latin typeface="D2Coding" panose="020B0609020101020101" pitchFamily="49" charset="-127"/>
+                <a:ea typeface="D2Coding" panose="020B0609020101020101" pitchFamily="49" charset="-127"/>
+              </a:rPr>
+              <a:t>프로그래밍 기초</a:t>
+            </a:r>
+            <a:endParaRPr kumimoji="1" lang="en-US" altLang="ko-KR" sz="2800" b="1" dirty="0">
+              <a:latin typeface="D2Coding" panose="020B0609020101020101" pitchFamily="49" charset="-127"/>
+              <a:ea typeface="D2Coding" panose="020B0609020101020101" pitchFamily="49" charset="-127"/>
+            </a:endParaRPr>
+          </a:p>
+          <a:p>
+            <a:pPr algn="ctr"/>
+            <a:r>
+              <a:rPr kumimoji="1" lang="en-US" altLang="ko-KR" sz="2800" b="1" dirty="0">
+                <a:latin typeface="D2Coding" panose="020B0609020101020101" pitchFamily="49" charset="-127"/>
+                <a:ea typeface="D2Coding" panose="020B0609020101020101" pitchFamily="49" charset="-127"/>
+              </a:rPr>
+              <a:t>JDBC – </a:t>
+            </a:r>
+            <a:r>
+              <a:rPr kumimoji="1" lang="ko-KR" altLang="en-US" sz="2800" b="1" dirty="0">
+                <a:latin typeface="D2Coding" panose="020B0609020101020101" pitchFamily="49" charset="-127"/>
+                <a:ea typeface="D2Coding" panose="020B0609020101020101" pitchFamily="49" charset="-127"/>
+              </a:rPr>
+              <a:t>라이브러리 설치 및 등록</a:t>
+            </a:r>
+          </a:p>
+        </p:txBody>
+      </p:sp>
+      <p:grpSp>
+        <p:nvGrpSpPr>
+          <p:cNvPr id="3" name="그룹 2">
+            <a:extLst>
+              <a:ext uri="{FF2B5EF4-FFF2-40B4-BE49-F238E27FC236}">
+                <a16:creationId xmlns:a16="http://schemas.microsoft.com/office/drawing/2014/main" id="{CCB49D7F-A40B-2950-C3BB-13981C780200}"/>
+              </a:ext>
+            </a:extLst>
+          </p:cNvPr>
+          <p:cNvGrpSpPr/>
+          <p:nvPr/>
+        </p:nvGrpSpPr>
+        <p:grpSpPr>
+          <a:xfrm>
+            <a:off x="0" y="0"/>
+            <a:ext cx="12192000" cy="6858000"/>
+            <a:chOff x="1143000" y="1238490"/>
+            <a:chExt cx="7772400" cy="3777325"/>
+          </a:xfrm>
+        </p:grpSpPr>
+        <p:pic>
+          <p:nvPicPr>
+            <p:cNvPr id="4" name="그림 3" descr="폰트, 로고, 그래픽, 화이트이(가) 표시된 사진&#10;&#10;자동 생성된 설명">
+              <a:extLst>
+                <a:ext uri="{FF2B5EF4-FFF2-40B4-BE49-F238E27FC236}">
+                  <a16:creationId xmlns:a16="http://schemas.microsoft.com/office/drawing/2014/main" id="{B742D47A-36C2-B9F0-BC20-0E30F4A6AEEC}"/>
+                </a:ext>
+              </a:extLst>
+            </p:cNvPr>
+            <p:cNvPicPr>
+              <a:picLocks noChangeAspect="1"/>
+            </p:cNvPicPr>
+            <p:nvPr/>
+          </p:nvPicPr>
+          <p:blipFill>
+            <a:blip r:embed="rId2"/>
+            <a:srcRect t="13650"/>
+            <a:stretch/>
+          </p:blipFill>
+          <p:spPr>
+            <a:xfrm>
+              <a:off x="1143000" y="1238490"/>
+              <a:ext cx="7772400" cy="3777325"/>
+            </a:xfrm>
+            <a:prstGeom prst="rect">
+              <a:avLst/>
+            </a:prstGeom>
+          </p:spPr>
+        </p:pic>
+        <p:sp>
+          <p:nvSpPr>
+            <p:cNvPr id="8" name="TextBox 7">
+              <a:extLst>
+                <a:ext uri="{FF2B5EF4-FFF2-40B4-BE49-F238E27FC236}">
+                  <a16:creationId xmlns:a16="http://schemas.microsoft.com/office/drawing/2014/main" id="{B3D8B992-313F-AA19-ECC1-9BA2DED76D4E}"/>
+                </a:ext>
+              </a:extLst>
+            </p:cNvPr>
+            <p:cNvSpPr txBox="1"/>
+            <p:nvPr/>
+          </p:nvSpPr>
+          <p:spPr>
+            <a:xfrm>
+              <a:off x="1423669" y="3336403"/>
+              <a:ext cx="7211061" cy="1169692"/>
+            </a:xfrm>
+            <a:prstGeom prst="rect">
+              <a:avLst/>
+            </a:prstGeom>
+            <a:noFill/>
+          </p:spPr>
+          <p:txBody>
+            <a:bodyPr wrap="square" rtlCol="0">
+              <a:spAutoFit/>
+            </a:bodyPr>
+            <a:lstStyle/>
+            <a:p>
+              <a:pPr algn="ctr"/>
+              <a:r>
+                <a:rPr kumimoji="1" lang="en-US" altLang="ko-KR" sz="4400" b="1" dirty="0">
+                  <a:latin typeface="D2Coding" panose="020B0609020101020101" pitchFamily="49" charset="-127"/>
+                  <a:ea typeface="D2Coding" panose="020B0609020101020101" pitchFamily="49" charset="-127"/>
+                </a:rPr>
+                <a:t>Day 22</a:t>
+              </a:r>
+            </a:p>
+            <a:p>
+              <a:pPr algn="ctr"/>
+              <a:r>
+                <a:rPr kumimoji="1" lang="en" altLang="ko-KR" sz="4400" b="1" dirty="0">
+                  <a:latin typeface="D2Coding" panose="020B0609020101020101" pitchFamily="49" charset="-127"/>
+                  <a:ea typeface="D2Coding" panose="020B0609020101020101" pitchFamily="49" charset="-127"/>
+                </a:rPr>
+                <a:t>Java</a:t>
+              </a:r>
+              <a:r>
+                <a:rPr kumimoji="1" lang="ko-KR" altLang="en-US" sz="4400" b="1" dirty="0">
+                  <a:latin typeface="D2Coding" panose="020B0609020101020101" pitchFamily="49" charset="-127"/>
+                  <a:ea typeface="D2Coding" panose="020B0609020101020101" pitchFamily="49" charset="-127"/>
+                </a:rPr>
+                <a:t>프로그래밍 기초</a:t>
+              </a:r>
+              <a:r>
+                <a:rPr kumimoji="1" lang="en-US" altLang="ko-KR" sz="4400" b="1" dirty="0">
+                  <a:latin typeface="D2Coding" panose="020B0609020101020101" pitchFamily="49" charset="-127"/>
+                  <a:ea typeface="D2Coding" panose="020B0609020101020101" pitchFamily="49" charset="-127"/>
+                </a:rPr>
+                <a:t>(</a:t>
+              </a:r>
+              <a:r>
+                <a:rPr kumimoji="1" lang="en" altLang="ko-KR" sz="4400" b="1" dirty="0">
+                  <a:latin typeface="D2Coding" panose="020B0609020101020101" pitchFamily="49" charset="-127"/>
+                  <a:ea typeface="D2Coding" panose="020B0609020101020101" pitchFamily="49" charset="-127"/>
+                </a:rPr>
+                <a:t>String, Wrapper),</a:t>
+              </a:r>
+            </a:p>
+            <a:p>
+              <a:pPr algn="ctr"/>
+              <a:r>
+                <a:rPr kumimoji="1" lang="ko-KR" altLang="en-US" sz="4400" b="1" dirty="0">
+                  <a:latin typeface="D2Coding" panose="020B0609020101020101" pitchFamily="49" charset="-127"/>
+                  <a:ea typeface="D2Coding" panose="020B0609020101020101" pitchFamily="49" charset="-127"/>
+                </a:rPr>
+                <a:t>실습프로젝트</a:t>
+              </a:r>
+              <a:r>
+                <a:rPr kumimoji="1" lang="en-US" altLang="ko-KR" sz="4400" b="1" dirty="0">
+                  <a:latin typeface="D2Coding" panose="020B0609020101020101" pitchFamily="49" charset="-127"/>
+                  <a:ea typeface="D2Coding" panose="020B0609020101020101" pitchFamily="49" charset="-127"/>
+                </a:rPr>
+                <a:t>(</a:t>
+              </a:r>
+              <a:r>
+                <a:rPr kumimoji="1" lang="en" altLang="ko-KR" sz="4400" b="1" dirty="0">
+                  <a:latin typeface="D2Coding" panose="020B0609020101020101" pitchFamily="49" charset="-127"/>
+                  <a:ea typeface="D2Coding" panose="020B0609020101020101" pitchFamily="49" charset="-127"/>
+                </a:rPr>
+                <a:t>LinkedList)</a:t>
+              </a:r>
+            </a:p>
+          </p:txBody>
+        </p:sp>
+      </p:grpSp>
+    </p:spTree>
+    <p:extLst>
+      <p:ext uri="{BB962C8B-B14F-4D97-AF65-F5344CB8AC3E}">
+        <p14:creationId xmlns:p14="http://schemas.microsoft.com/office/powerpoint/2010/main" val="400716243"/>
+      </p:ext>
+    </p:extLst>
+  </p:cSld>
+  <p:clrMapOvr>
+    <a:masterClrMapping/>
+  </p:clrMapOvr>
+</p:sld>
+</file>
+
+<file path=ppt/slides/slide24.xml><?xml version="1.0" encoding="utf-8"?>
 <p:sld xmlns:a="http://schemas.openxmlformats.org/drawingml/2006/main" xmlns:r="http://schemas.openxmlformats.org/officeDocument/2006/relationships" xmlns:p="http://schemas.openxmlformats.org/presentationml/2006/main">
   <p:cSld>
     <p:spTree>
@@ -7107,24 +7500,17 @@
                   <a:latin typeface="D2Coding" panose="020B0609020101020101" pitchFamily="49" charset="-127"/>
                   <a:ea typeface="D2Coding" panose="020B0609020101020101" pitchFamily="49" charset="-127"/>
                 </a:rPr>
-                <a:t>Day 20</a:t>
+                <a:t>Day 23</a:t>
               </a:r>
             </a:p>
             <a:p>
               <a:pPr algn="ctr"/>
               <a:r>
-                <a:rPr kumimoji="1" lang="en" altLang="ko-KR" sz="4400" b="1" dirty="0">
-                  <a:latin typeface="D2Coding" panose="020B0609020101020101" pitchFamily="49" charset="-127"/>
-                  <a:ea typeface="D2Coding" panose="020B0609020101020101" pitchFamily="49" charset="-127"/>
-                </a:rPr>
-                <a:t>Java</a:t>
-              </a:r>
-              <a:r>
                 <a:rPr kumimoji="1" lang="ko-KR" altLang="en-US" sz="4400" b="1" dirty="0">
                   <a:latin typeface="D2Coding" panose="020B0609020101020101" pitchFamily="49" charset="-127"/>
                   <a:ea typeface="D2Coding" panose="020B0609020101020101" pitchFamily="49" charset="-127"/>
                 </a:rPr>
-                <a:t>프로그래밍 기초</a:t>
+                <a:t>실습프로젝트</a:t>
               </a:r>
               <a:r>
                 <a:rPr kumimoji="1" lang="en-US" altLang="ko-KR" sz="4400" b="1" dirty="0">
@@ -7138,21 +7524,7 @@
                   <a:latin typeface="D2Coding" panose="020B0609020101020101" pitchFamily="49" charset="-127"/>
                   <a:ea typeface="D2Coding" panose="020B0609020101020101" pitchFamily="49" charset="-127"/>
                 </a:rPr>
-                <a:t>문자집합</a:t>
-              </a:r>
-              <a:r>
-                <a:rPr kumimoji="1" lang="en-US" altLang="ko-KR" sz="4400" b="1" dirty="0">
-                  <a:latin typeface="D2Coding" panose="020B0609020101020101" pitchFamily="49" charset="-127"/>
-                  <a:ea typeface="D2Coding" panose="020B0609020101020101" pitchFamily="49" charset="-127"/>
-                </a:rPr>
-                <a:t>,</a:t>
-              </a:r>
-              <a:r>
-                <a:rPr kumimoji="1" lang="ko-KR" altLang="en-US" sz="4400" b="1" dirty="0">
-                  <a:latin typeface="D2Coding" panose="020B0609020101020101" pitchFamily="49" charset="-127"/>
-                  <a:ea typeface="D2Coding" panose="020B0609020101020101" pitchFamily="49" charset="-127"/>
-                </a:rPr>
-                <a:t> 수</a:t>
+                <a:t>인터페이스</a:t>
               </a:r>
               <a:r>
                 <a:rPr kumimoji="1" lang="en-US" altLang="ko-KR" sz="4400" b="1" dirty="0">
@@ -7168,7 +7540,7 @@
     </p:spTree>
     <p:extLst>
       <p:ext uri="{BB962C8B-B14F-4D97-AF65-F5344CB8AC3E}">
-        <p14:creationId xmlns:p14="http://schemas.microsoft.com/office/powerpoint/2010/main" val="130373618"/>
+        <p14:creationId xmlns:p14="http://schemas.microsoft.com/office/powerpoint/2010/main" val="2035260750"/>
       </p:ext>
     </p:extLst>
   </p:cSld>
@@ -7178,7 +7550,7 @@
 </p:sld>
 </file>
 
-<file path=ppt/slides/slide23.xml><?xml version="1.0" encoding="utf-8"?>
+<file path=ppt/slides/slide25.xml><?xml version="1.0" encoding="utf-8"?>
 <p:sld xmlns:a="http://schemas.openxmlformats.org/drawingml/2006/main" xmlns:r="http://schemas.openxmlformats.org/officeDocument/2006/relationships" xmlns:p="http://schemas.openxmlformats.org/presentationml/2006/main">
   <p:cSld>
     <p:spTree>
@@ -7355,60 +7727,22 @@
                   <a:latin typeface="D2Coding" panose="020B0609020101020101" pitchFamily="49" charset="-127"/>
                   <a:ea typeface="D2Coding" panose="020B0609020101020101" pitchFamily="49" charset="-127"/>
                 </a:rPr>
-                <a:t>Day 21</a:t>
+                <a:t>Day 24</a:t>
               </a:r>
             </a:p>
             <a:p>
               <a:pPr algn="ctr"/>
               <a:r>
-                <a:rPr kumimoji="1" lang="en" altLang="ko-KR" sz="4400" b="1" dirty="0">
-                  <a:latin typeface="D2Coding" panose="020B0609020101020101" pitchFamily="49" charset="-127"/>
-                  <a:ea typeface="D2Coding" panose="020B0609020101020101" pitchFamily="49" charset="-127"/>
-                </a:rPr>
-                <a:t>Java</a:t>
-              </a:r>
-              <a:r>
-                <a:rPr kumimoji="1" lang="ko-KR" altLang="en-US" sz="4400" b="1" dirty="0">
-                  <a:latin typeface="D2Coding" panose="020B0609020101020101" pitchFamily="49" charset="-127"/>
-                  <a:ea typeface="D2Coding" panose="020B0609020101020101" pitchFamily="49" charset="-127"/>
-                </a:rPr>
-                <a:t>프로그래밍 기초</a:t>
-              </a:r>
-              <a:r>
-                <a:rPr kumimoji="1" lang="en-US" altLang="ko-KR" sz="4400" b="1" dirty="0">
-                  <a:latin typeface="D2Coding" panose="020B0609020101020101" pitchFamily="49" charset="-127"/>
-                  <a:ea typeface="D2Coding" panose="020B0609020101020101" pitchFamily="49" charset="-127"/>
-                </a:rPr>
-                <a:t>(</a:t>
-              </a:r>
-              <a:r>
-                <a:rPr kumimoji="1" lang="ko-KR" altLang="en-US" sz="4400" b="1" dirty="0">
-                  <a:latin typeface="D2Coding" panose="020B0609020101020101" pitchFamily="49" charset="-127"/>
-                  <a:ea typeface="D2Coding" panose="020B0609020101020101" pitchFamily="49" charset="-127"/>
-                </a:rPr>
-                <a:t>문자집합</a:t>
-              </a:r>
-              <a:r>
-                <a:rPr kumimoji="1" lang="en-US" altLang="ko-KR" sz="4400" b="1" dirty="0">
-                  <a:latin typeface="D2Coding" panose="020B0609020101020101" pitchFamily="49" charset="-127"/>
-                  <a:ea typeface="D2Coding" panose="020B0609020101020101" pitchFamily="49" charset="-127"/>
-                </a:rPr>
-                <a:t>,</a:t>
-              </a:r>
-              <a:r>
-                <a:rPr kumimoji="1" lang="ko-KR" altLang="en-US" sz="4400" b="1" dirty="0">
-                  <a:latin typeface="D2Coding" panose="020B0609020101020101" pitchFamily="49" charset="-127"/>
-                  <a:ea typeface="D2Coding" panose="020B0609020101020101" pitchFamily="49" charset="-127"/>
-                </a:rPr>
-                <a:t> 수</a:t>
-              </a:r>
-              <a:r>
-                <a:rPr kumimoji="1" lang="en-US" altLang="ko-KR" sz="4400" b="1" dirty="0">
-                  <a:latin typeface="D2Coding" panose="020B0609020101020101" pitchFamily="49" charset="-127"/>
-                  <a:ea typeface="D2Coding" panose="020B0609020101020101" pitchFamily="49" charset="-127"/>
-                </a:rPr>
-                <a:t>)</a:t>
-              </a:r>
+                <a:rPr kumimoji="1" lang="ko-KR" altLang="en-US" sz="4400" b="1" dirty="0" err="1">
+                  <a:latin typeface="D2Coding" panose="020B0609020101020101" pitchFamily="49" charset="-127"/>
+                  <a:ea typeface="D2Coding" panose="020B0609020101020101" pitchFamily="49" charset="-127"/>
+                </a:rPr>
+                <a:t>토이프로젝트</a:t>
+              </a:r>
+              <a:endParaRPr kumimoji="1" lang="en-US" altLang="ko-KR" sz="4400" b="1" dirty="0">
+                <a:latin typeface="D2Coding" panose="020B0609020101020101" pitchFamily="49" charset="-127"/>
+                <a:ea typeface="D2Coding" panose="020B0609020101020101" pitchFamily="49" charset="-127"/>
+              </a:endParaRPr>
             </a:p>
           </p:txBody>
         </p:sp>
@@ -7416,7 +7750,7 @@
     </p:spTree>
     <p:extLst>
       <p:ext uri="{BB962C8B-B14F-4D97-AF65-F5344CB8AC3E}">
-        <p14:creationId xmlns:p14="http://schemas.microsoft.com/office/powerpoint/2010/main" val="1359212413"/>
+        <p14:creationId xmlns:p14="http://schemas.microsoft.com/office/powerpoint/2010/main" val="2737429029"/>
       </p:ext>
     </p:extLst>
   </p:cSld>
@@ -7426,7 +7760,7 @@
 </p:sld>
 </file>
 
-<file path=ppt/slides/slide24.xml><?xml version="1.0" encoding="utf-8"?>
+<file path=ppt/slides/slide26.xml><?xml version="1.0" encoding="utf-8"?>
 <p:sld xmlns:a="http://schemas.openxmlformats.org/drawingml/2006/main" xmlns:r="http://schemas.openxmlformats.org/officeDocument/2006/relationships" xmlns:p="http://schemas.openxmlformats.org/presentationml/2006/main">
   <p:cSld>
     <p:spTree>
@@ -7603,7 +7937,7 @@
                   <a:latin typeface="D2Coding" panose="020B0609020101020101" pitchFamily="49" charset="-127"/>
                   <a:ea typeface="D2Coding" panose="020B0609020101020101" pitchFamily="49" charset="-127"/>
                 </a:rPr>
-                <a:t>Day 22</a:t>
+                <a:t>Day 26</a:t>
               </a:r>
             </a:p>
             <a:p>
@@ -7634,21 +7968,7 @@
                   <a:latin typeface="D2Coding" panose="020B0609020101020101" pitchFamily="49" charset="-127"/>
                   <a:ea typeface="D2Coding" panose="020B0609020101020101" pitchFamily="49" charset="-127"/>
                 </a:rPr>
-                <a:t>문자집합</a:t>
-              </a:r>
-              <a:r>
-                <a:rPr kumimoji="1" lang="en-US" altLang="ko-KR" sz="4400" b="1" dirty="0">
-                  <a:latin typeface="D2Coding" panose="020B0609020101020101" pitchFamily="49" charset="-127"/>
-                  <a:ea typeface="D2Coding" panose="020B0609020101020101" pitchFamily="49" charset="-127"/>
-                </a:rPr>
-                <a:t>,</a:t>
-              </a:r>
-              <a:r>
-                <a:rPr kumimoji="1" lang="ko-KR" altLang="en-US" sz="4400" b="1" dirty="0">
-                  <a:latin typeface="D2Coding" panose="020B0609020101020101" pitchFamily="49" charset="-127"/>
-                  <a:ea typeface="D2Coding" panose="020B0609020101020101" pitchFamily="49" charset="-127"/>
-                </a:rPr>
-                <a:t> 수</a:t>
+                <a:t>상속</a:t>
               </a:r>
               <a:r>
                 <a:rPr kumimoji="1" lang="en-US" altLang="ko-KR" sz="4400" b="1" dirty="0">
@@ -7664,7 +7984,7 @@
     </p:spTree>
     <p:extLst>
       <p:ext uri="{BB962C8B-B14F-4D97-AF65-F5344CB8AC3E}">
-        <p14:creationId xmlns:p14="http://schemas.microsoft.com/office/powerpoint/2010/main" val="400716243"/>
+        <p14:creationId xmlns:p14="http://schemas.microsoft.com/office/powerpoint/2010/main" val="3714961399"/>
       </p:ext>
     </p:extLst>
   </p:cSld>
@@ -7674,7 +7994,7 @@
 </p:sld>
 </file>
 
-<file path=ppt/slides/slide25.xml><?xml version="1.0" encoding="utf-8"?>
+<file path=ppt/slides/slide27.xml><?xml version="1.0" encoding="utf-8"?>
 <p:sld xmlns:a="http://schemas.openxmlformats.org/drawingml/2006/main" xmlns:r="http://schemas.openxmlformats.org/officeDocument/2006/relationships" xmlns:p="http://schemas.openxmlformats.org/presentationml/2006/main">
   <p:cSld>
     <p:spTree>
@@ -7851,7 +8171,7 @@
                   <a:latin typeface="D2Coding" panose="020B0609020101020101" pitchFamily="49" charset="-127"/>
                   <a:ea typeface="D2Coding" panose="020B0609020101020101" pitchFamily="49" charset="-127"/>
                 </a:rPr>
-                <a:t>Day 23</a:t>
+                <a:t>Day 28</a:t>
               </a:r>
             </a:p>
             <a:p>
@@ -7882,21 +8202,7 @@
                   <a:latin typeface="D2Coding" panose="020B0609020101020101" pitchFamily="49" charset="-127"/>
                   <a:ea typeface="D2Coding" panose="020B0609020101020101" pitchFamily="49" charset="-127"/>
                 </a:rPr>
-                <a:t>문자집합</a:t>
-              </a:r>
-              <a:r>
-                <a:rPr kumimoji="1" lang="en-US" altLang="ko-KR" sz="4400" b="1" dirty="0">
-                  <a:latin typeface="D2Coding" panose="020B0609020101020101" pitchFamily="49" charset="-127"/>
-                  <a:ea typeface="D2Coding" panose="020B0609020101020101" pitchFamily="49" charset="-127"/>
-                </a:rPr>
-                <a:t>,</a:t>
-              </a:r>
-              <a:r>
-                <a:rPr kumimoji="1" lang="ko-KR" altLang="en-US" sz="4400" b="1" dirty="0">
-                  <a:latin typeface="D2Coding" panose="020B0609020101020101" pitchFamily="49" charset="-127"/>
-                  <a:ea typeface="D2Coding" panose="020B0609020101020101" pitchFamily="49" charset="-127"/>
-                </a:rPr>
-                <a:t> 수</a:t>
+                <a:t>추상클래스</a:t>
               </a:r>
               <a:r>
                 <a:rPr kumimoji="1" lang="en-US" altLang="ko-KR" sz="4400" b="1" dirty="0">
@@ -7912,7 +8218,7 @@
     </p:spTree>
     <p:extLst>
       <p:ext uri="{BB962C8B-B14F-4D97-AF65-F5344CB8AC3E}">
-        <p14:creationId xmlns:p14="http://schemas.microsoft.com/office/powerpoint/2010/main" val="2035260750"/>
+        <p14:creationId xmlns:p14="http://schemas.microsoft.com/office/powerpoint/2010/main" val="2071678266"/>
       </p:ext>
     </p:extLst>
   </p:cSld>
@@ -7922,7 +8228,7 @@
 </p:sld>
 </file>
 
-<file path=ppt/slides/slide26.xml><?xml version="1.0" encoding="utf-8"?>
+<file path=ppt/slides/slide28.xml><?xml version="1.0" encoding="utf-8"?>
 <p:sld xmlns:a="http://schemas.openxmlformats.org/drawingml/2006/main" xmlns:r="http://schemas.openxmlformats.org/officeDocument/2006/relationships" xmlns:p="http://schemas.openxmlformats.org/presentationml/2006/main">
   <p:cSld>
     <p:spTree>
@@ -8099,7 +8405,7 @@
                   <a:latin typeface="D2Coding" panose="020B0609020101020101" pitchFamily="49" charset="-127"/>
                   <a:ea typeface="D2Coding" panose="020B0609020101020101" pitchFamily="49" charset="-127"/>
                 </a:rPr>
-                <a:t>Day 24</a:t>
+                <a:t>Day 29</a:t>
               </a:r>
             </a:p>
             <a:p>
@@ -8123,35 +8429,7 @@
                   <a:latin typeface="D2Coding" panose="020B0609020101020101" pitchFamily="49" charset="-127"/>
                   <a:ea typeface="D2Coding" panose="020B0609020101020101" pitchFamily="49" charset="-127"/>
                 </a:rPr>
-                <a:t>(</a:t>
-              </a:r>
-              <a:r>
-                <a:rPr kumimoji="1" lang="ko-KR" altLang="en-US" sz="4400" b="1" dirty="0">
-                  <a:latin typeface="D2Coding" panose="020B0609020101020101" pitchFamily="49" charset="-127"/>
-                  <a:ea typeface="D2Coding" panose="020B0609020101020101" pitchFamily="49" charset="-127"/>
-                </a:rPr>
-                <a:t>문자집합</a:t>
-              </a:r>
-              <a:r>
-                <a:rPr kumimoji="1" lang="en-US" altLang="ko-KR" sz="4400" b="1" dirty="0">
-                  <a:latin typeface="D2Coding" panose="020B0609020101020101" pitchFamily="49" charset="-127"/>
-                  <a:ea typeface="D2Coding" panose="020B0609020101020101" pitchFamily="49" charset="-127"/>
-                </a:rPr>
-                <a:t>,</a:t>
-              </a:r>
-              <a:r>
-                <a:rPr kumimoji="1" lang="ko-KR" altLang="en-US" sz="4400" b="1" dirty="0">
-                  <a:latin typeface="D2Coding" panose="020B0609020101020101" pitchFamily="49" charset="-127"/>
-                  <a:ea typeface="D2Coding" panose="020B0609020101020101" pitchFamily="49" charset="-127"/>
-                </a:rPr>
-                <a:t> 수</a:t>
-              </a:r>
-              <a:r>
-                <a:rPr kumimoji="1" lang="en-US" altLang="ko-KR" sz="4400" b="1" dirty="0">
-                  <a:latin typeface="D2Coding" panose="020B0609020101020101" pitchFamily="49" charset="-127"/>
-                  <a:ea typeface="D2Coding" panose="020B0609020101020101" pitchFamily="49" charset="-127"/>
-                </a:rPr>
-                <a:t>)</a:t>
+                <a:t>(Interface)</a:t>
               </a:r>
             </a:p>
           </p:txBody>
@@ -8160,7 +8438,7 @@
     </p:spTree>
     <p:extLst>
       <p:ext uri="{BB962C8B-B14F-4D97-AF65-F5344CB8AC3E}">
-        <p14:creationId xmlns:p14="http://schemas.microsoft.com/office/powerpoint/2010/main" val="2737429029"/>
+        <p14:creationId xmlns:p14="http://schemas.microsoft.com/office/powerpoint/2010/main" val="2179447766"/>
       </p:ext>
     </p:extLst>
   </p:cSld>
@@ -8170,7 +8448,7 @@
 </p:sld>
 </file>
 
-<file path=ppt/slides/slide27.xml><?xml version="1.0" encoding="utf-8"?>
+<file path=ppt/slides/slide29.xml><?xml version="1.0" encoding="utf-8"?>
 <p:sld xmlns:a="http://schemas.openxmlformats.org/drawingml/2006/main" xmlns:r="http://schemas.openxmlformats.org/officeDocument/2006/relationships" xmlns:p="http://schemas.openxmlformats.org/presentationml/2006/main">
   <p:cSld>
     <p:spTree>
@@ -8347,60 +8625,22 @@
                   <a:latin typeface="D2Coding" panose="020B0609020101020101" pitchFamily="49" charset="-127"/>
                   <a:ea typeface="D2Coding" panose="020B0609020101020101" pitchFamily="49" charset="-127"/>
                 </a:rPr>
-                <a:t>Day 25</a:t>
+                <a:t>Day 30</a:t>
               </a:r>
             </a:p>
             <a:p>
               <a:pPr algn="ctr"/>
               <a:r>
-                <a:rPr kumimoji="1" lang="en" altLang="ko-KR" sz="4400" b="1" dirty="0">
-                  <a:latin typeface="D2Coding" panose="020B0609020101020101" pitchFamily="49" charset="-127"/>
-                  <a:ea typeface="D2Coding" panose="020B0609020101020101" pitchFamily="49" charset="-127"/>
-                </a:rPr>
-                <a:t>Java</a:t>
-              </a:r>
-              <a:r>
-                <a:rPr kumimoji="1" lang="ko-KR" altLang="en-US" sz="4400" b="1" dirty="0">
-                  <a:latin typeface="D2Coding" panose="020B0609020101020101" pitchFamily="49" charset="-127"/>
-                  <a:ea typeface="D2Coding" panose="020B0609020101020101" pitchFamily="49" charset="-127"/>
-                </a:rPr>
-                <a:t>프로그래밍 기초</a:t>
-              </a:r>
-              <a:r>
-                <a:rPr kumimoji="1" lang="en-US" altLang="ko-KR" sz="4400" b="1" dirty="0">
-                  <a:latin typeface="D2Coding" panose="020B0609020101020101" pitchFamily="49" charset="-127"/>
-                  <a:ea typeface="D2Coding" panose="020B0609020101020101" pitchFamily="49" charset="-127"/>
-                </a:rPr>
-                <a:t>(</a:t>
-              </a:r>
-              <a:r>
-                <a:rPr kumimoji="1" lang="ko-KR" altLang="en-US" sz="4400" b="1" dirty="0">
-                  <a:latin typeface="D2Coding" panose="020B0609020101020101" pitchFamily="49" charset="-127"/>
-                  <a:ea typeface="D2Coding" panose="020B0609020101020101" pitchFamily="49" charset="-127"/>
-                </a:rPr>
-                <a:t>문자집합</a:t>
-              </a:r>
-              <a:r>
-                <a:rPr kumimoji="1" lang="en-US" altLang="ko-KR" sz="4400" b="1" dirty="0">
-                  <a:latin typeface="D2Coding" panose="020B0609020101020101" pitchFamily="49" charset="-127"/>
-                  <a:ea typeface="D2Coding" panose="020B0609020101020101" pitchFamily="49" charset="-127"/>
-                </a:rPr>
-                <a:t>,</a:t>
-              </a:r>
-              <a:r>
-                <a:rPr kumimoji="1" lang="ko-KR" altLang="en-US" sz="4400" b="1" dirty="0">
-                  <a:latin typeface="D2Coding" panose="020B0609020101020101" pitchFamily="49" charset="-127"/>
-                  <a:ea typeface="D2Coding" panose="020B0609020101020101" pitchFamily="49" charset="-127"/>
-                </a:rPr>
-                <a:t> 수</a:t>
-              </a:r>
-              <a:r>
-                <a:rPr kumimoji="1" lang="en-US" altLang="ko-KR" sz="4400" b="1" dirty="0">
-                  <a:latin typeface="D2Coding" panose="020B0609020101020101" pitchFamily="49" charset="-127"/>
-                  <a:ea typeface="D2Coding" panose="020B0609020101020101" pitchFamily="49" charset="-127"/>
-                </a:rPr>
-                <a:t>)</a:t>
-              </a:r>
+                <a:rPr kumimoji="1" lang="ko-KR" altLang="en-US" sz="4400" b="1" dirty="0" err="1">
+                  <a:latin typeface="D2Coding" panose="020B0609020101020101" pitchFamily="49" charset="-127"/>
+                  <a:ea typeface="D2Coding" panose="020B0609020101020101" pitchFamily="49" charset="-127"/>
+                </a:rPr>
+                <a:t>토이프로젝트</a:t>
+              </a:r>
+              <a:endParaRPr kumimoji="1" lang="en-US" altLang="ko-KR" sz="4400" b="1" dirty="0">
+                <a:latin typeface="D2Coding" panose="020B0609020101020101" pitchFamily="49" charset="-127"/>
+                <a:ea typeface="D2Coding" panose="020B0609020101020101" pitchFamily="49" charset="-127"/>
+              </a:endParaRPr>
             </a:p>
           </p:txBody>
         </p:sp>
@@ -8408,7 +8648,7 @@
     </p:spTree>
     <p:extLst>
       <p:ext uri="{BB962C8B-B14F-4D97-AF65-F5344CB8AC3E}">
-        <p14:creationId xmlns:p14="http://schemas.microsoft.com/office/powerpoint/2010/main" val="148756908"/>
+        <p14:creationId xmlns:p14="http://schemas.microsoft.com/office/powerpoint/2010/main" val="1744878767"/>
       </p:ext>
     </p:extLst>
   </p:cSld>
@@ -8418,7 +8658,7 @@
 </p:sld>
 </file>
 
-<file path=ppt/slides/slide28.xml><?xml version="1.0" encoding="utf-8"?>
+<file path=ppt/slides/slide3.xml><?xml version="1.0" encoding="utf-8"?>
 <p:sld xmlns:a="http://schemas.openxmlformats.org/drawingml/2006/main" xmlns:r="http://schemas.openxmlformats.org/officeDocument/2006/relationships" xmlns:p="http://schemas.openxmlformats.org/presentationml/2006/main">
   <p:cSld>
     <p:spTree>
@@ -8595,60 +8835,29 @@
                   <a:latin typeface="D2Coding" panose="020B0609020101020101" pitchFamily="49" charset="-127"/>
                   <a:ea typeface="D2Coding" panose="020B0609020101020101" pitchFamily="49" charset="-127"/>
                 </a:rPr>
-                <a:t>Day 26</a:t>
+                <a:t>Day 01</a:t>
               </a:r>
             </a:p>
             <a:p>
               <a:pPr algn="ctr"/>
               <a:r>
-                <a:rPr kumimoji="1" lang="en" altLang="ko-KR" sz="4400" b="1" dirty="0">
-                  <a:latin typeface="D2Coding" panose="020B0609020101020101" pitchFamily="49" charset="-127"/>
-                  <a:ea typeface="D2Coding" panose="020B0609020101020101" pitchFamily="49" charset="-127"/>
-                </a:rPr>
-                <a:t>Java</a:t>
-              </a:r>
-              <a:r>
-                <a:rPr kumimoji="1" lang="ko-KR" altLang="en-US" sz="4400" b="1" dirty="0">
-                  <a:latin typeface="D2Coding" panose="020B0609020101020101" pitchFamily="49" charset="-127"/>
-                  <a:ea typeface="D2Coding" panose="020B0609020101020101" pitchFamily="49" charset="-127"/>
-                </a:rPr>
-                <a:t>프로그래밍 기초</a:t>
-              </a:r>
-              <a:r>
                 <a:rPr kumimoji="1" lang="en-US" altLang="ko-KR" sz="4400" b="1" dirty="0">
                   <a:latin typeface="D2Coding" panose="020B0609020101020101" pitchFamily="49" charset="-127"/>
                   <a:ea typeface="D2Coding" panose="020B0609020101020101" pitchFamily="49" charset="-127"/>
                 </a:rPr>
-                <a:t>(</a:t>
-              </a:r>
-              <a:r>
-                <a:rPr kumimoji="1" lang="ko-KR" altLang="en-US" sz="4400" b="1" dirty="0">
-                  <a:latin typeface="D2Coding" panose="020B0609020101020101" pitchFamily="49" charset="-127"/>
-                  <a:ea typeface="D2Coding" panose="020B0609020101020101" pitchFamily="49" charset="-127"/>
-                </a:rPr>
-                <a:t>문자집합</a:t>
-              </a:r>
-              <a:r>
-                <a:rPr kumimoji="1" lang="en-US" altLang="ko-KR" sz="4400" b="1" dirty="0">
-                  <a:latin typeface="D2Coding" panose="020B0609020101020101" pitchFamily="49" charset="-127"/>
-                  <a:ea typeface="D2Coding" panose="020B0609020101020101" pitchFamily="49" charset="-127"/>
-                </a:rPr>
-                <a:t>,</a:t>
-              </a:r>
-              <a:r>
-                <a:rPr kumimoji="1" lang="ko-KR" altLang="en-US" sz="4400" b="1" dirty="0">
-                  <a:latin typeface="D2Coding" panose="020B0609020101020101" pitchFamily="49" charset="-127"/>
-                  <a:ea typeface="D2Coding" panose="020B0609020101020101" pitchFamily="49" charset="-127"/>
-                </a:rPr>
-                <a:t> 수</a:t>
-              </a:r>
-              <a:r>
-                <a:rPr kumimoji="1" lang="en-US" altLang="ko-KR" sz="4400" b="1" dirty="0">
-                  <a:latin typeface="D2Coding" panose="020B0609020101020101" pitchFamily="49" charset="-127"/>
-                  <a:ea typeface="D2Coding" panose="020B0609020101020101" pitchFamily="49" charset="-127"/>
-                </a:rPr>
-                <a:t>)</a:t>
-              </a:r>
+                <a:t>OT, </a:t>
+              </a:r>
+              <a:r>
+                <a:rPr kumimoji="1" lang="en-US" altLang="ko-KR" sz="4400" b="1" dirty="0" err="1">
+                  <a:latin typeface="D2Coding" panose="020B0609020101020101" pitchFamily="49" charset="-127"/>
+                  <a:ea typeface="D2Coding" panose="020B0609020101020101" pitchFamily="49" charset="-127"/>
+                </a:rPr>
+                <a:t>WebApplication</a:t>
+              </a:r>
+              <a:endParaRPr kumimoji="1" lang="ko-KR" altLang="en-US" sz="4400" b="1" dirty="0">
+                <a:latin typeface="D2Coding" panose="020B0609020101020101" pitchFamily="49" charset="-127"/>
+                <a:ea typeface="D2Coding" panose="020B0609020101020101" pitchFamily="49" charset="-127"/>
+              </a:endParaRPr>
             </a:p>
           </p:txBody>
         </p:sp>
@@ -8656,7 +8865,7 @@
     </p:spTree>
     <p:extLst>
       <p:ext uri="{BB962C8B-B14F-4D97-AF65-F5344CB8AC3E}">
-        <p14:creationId xmlns:p14="http://schemas.microsoft.com/office/powerpoint/2010/main" val="3714961399"/>
+        <p14:creationId xmlns:p14="http://schemas.microsoft.com/office/powerpoint/2010/main" val="2084646219"/>
       </p:ext>
     </p:extLst>
   </p:cSld>
@@ -8666,7 +8875,7 @@
 </p:sld>
 </file>
 
-<file path=ppt/slides/slide29.xml><?xml version="1.0" encoding="utf-8"?>
+<file path=ppt/slides/slide30.xml><?xml version="1.0" encoding="utf-8"?>
 <p:sld xmlns:a="http://schemas.openxmlformats.org/drawingml/2006/main" xmlns:r="http://schemas.openxmlformats.org/officeDocument/2006/relationships" xmlns:p="http://schemas.openxmlformats.org/presentationml/2006/main">
   <p:cSld>
     <p:spTree>
@@ -8843,24 +9052,17 @@
                   <a:latin typeface="D2Coding" panose="020B0609020101020101" pitchFamily="49" charset="-127"/>
                   <a:ea typeface="D2Coding" panose="020B0609020101020101" pitchFamily="49" charset="-127"/>
                 </a:rPr>
-                <a:t>Day 27</a:t>
+                <a:t>Day 30</a:t>
               </a:r>
             </a:p>
             <a:p>
               <a:pPr algn="ctr"/>
               <a:r>
-                <a:rPr kumimoji="1" lang="en" altLang="ko-KR" sz="4400" b="1" dirty="0">
-                  <a:latin typeface="D2Coding" panose="020B0609020101020101" pitchFamily="49" charset="-127"/>
-                  <a:ea typeface="D2Coding" panose="020B0609020101020101" pitchFamily="49" charset="-127"/>
-                </a:rPr>
-                <a:t>Java</a:t>
-              </a:r>
-              <a:r>
                 <a:rPr kumimoji="1" lang="ko-KR" altLang="en-US" sz="4400" b="1" dirty="0">
                   <a:latin typeface="D2Coding" panose="020B0609020101020101" pitchFamily="49" charset="-127"/>
                   <a:ea typeface="D2Coding" panose="020B0609020101020101" pitchFamily="49" charset="-127"/>
                 </a:rPr>
-                <a:t>프로그래밍 기초</a:t>
+                <a:t>실습프로젝트</a:t>
               </a:r>
               <a:r>
                 <a:rPr kumimoji="1" lang="en-US" altLang="ko-KR" sz="4400" b="1" dirty="0">
@@ -8870,25 +9072,11 @@
                 <a:t>(</a:t>
               </a:r>
               <a:r>
-                <a:rPr kumimoji="1" lang="ko-KR" altLang="en-US" sz="4400" b="1" dirty="0">
-                  <a:latin typeface="D2Coding" panose="020B0609020101020101" pitchFamily="49" charset="-127"/>
-                  <a:ea typeface="D2Coding" panose="020B0609020101020101" pitchFamily="49" charset="-127"/>
-                </a:rPr>
-                <a:t>문자집합</a:t>
-              </a:r>
-              <a:r>
-                <a:rPr kumimoji="1" lang="en-US" altLang="ko-KR" sz="4400" b="1" dirty="0">
-                  <a:latin typeface="D2Coding" panose="020B0609020101020101" pitchFamily="49" charset="-127"/>
-                  <a:ea typeface="D2Coding" panose="020B0609020101020101" pitchFamily="49" charset="-127"/>
-                </a:rPr>
-                <a:t>,</a:t>
-              </a:r>
-              <a:r>
-                <a:rPr kumimoji="1" lang="ko-KR" altLang="en-US" sz="4400" b="1" dirty="0">
-                  <a:latin typeface="D2Coding" panose="020B0609020101020101" pitchFamily="49" charset="-127"/>
-                  <a:ea typeface="D2Coding" panose="020B0609020101020101" pitchFamily="49" charset="-127"/>
-                </a:rPr>
-                <a:t> 수</a:t>
+                <a:rPr kumimoji="1" lang="ko-KR" altLang="en-US" sz="4400" b="1" dirty="0" err="1">
+                  <a:latin typeface="D2Coding" panose="020B0609020101020101" pitchFamily="49" charset="-127"/>
+                  <a:ea typeface="D2Coding" panose="020B0609020101020101" pitchFamily="49" charset="-127"/>
+                </a:rPr>
+                <a:t>리팩토링</a:t>
               </a:r>
               <a:r>
                 <a:rPr kumimoji="1" lang="en-US" altLang="ko-KR" sz="4400" b="1" dirty="0">
@@ -8904,7 +9092,7 @@
     </p:spTree>
     <p:extLst>
       <p:ext uri="{BB962C8B-B14F-4D97-AF65-F5344CB8AC3E}">
-        <p14:creationId xmlns:p14="http://schemas.microsoft.com/office/powerpoint/2010/main" val="1166740349"/>
+        <p14:creationId xmlns:p14="http://schemas.microsoft.com/office/powerpoint/2010/main" val="3676945370"/>
       </p:ext>
     </p:extLst>
   </p:cSld>
@@ -8914,7 +9102,7 @@
 </p:sld>
 </file>
 
-<file path=ppt/slides/slide3.xml><?xml version="1.0" encoding="utf-8"?>
+<file path=ppt/slides/slide31.xml><?xml version="1.0" encoding="utf-8"?>
 <p:sld xmlns:a="http://schemas.openxmlformats.org/drawingml/2006/main" xmlns:r="http://schemas.openxmlformats.org/officeDocument/2006/relationships" xmlns:p="http://schemas.openxmlformats.org/presentationml/2006/main">
   <p:cSld>
     <p:spTree>
@@ -9091,29 +9279,32 @@
                   <a:latin typeface="D2Coding" panose="020B0609020101020101" pitchFamily="49" charset="-127"/>
                   <a:ea typeface="D2Coding" panose="020B0609020101020101" pitchFamily="49" charset="-127"/>
                 </a:rPr>
-                <a:t>Day 01</a:t>
+                <a:t>Day 31</a:t>
               </a:r>
             </a:p>
             <a:p>
               <a:pPr algn="ctr"/>
               <a:r>
+                <a:rPr kumimoji="1" lang="ko-KR" altLang="en-US" sz="4400" b="1" dirty="0">
+                  <a:latin typeface="D2Coding" panose="020B0609020101020101" pitchFamily="49" charset="-127"/>
+                  <a:ea typeface="D2Coding" panose="020B0609020101020101" pitchFamily="49" charset="-127"/>
+                </a:rPr>
+                <a:t>실습프로젝트</a:t>
+              </a:r>
+              <a:r>
                 <a:rPr kumimoji="1" lang="en-US" altLang="ko-KR" sz="4400" b="1" dirty="0">
                   <a:latin typeface="D2Coding" panose="020B0609020101020101" pitchFamily="49" charset="-127"/>
                   <a:ea typeface="D2Coding" panose="020B0609020101020101" pitchFamily="49" charset="-127"/>
                 </a:rPr>
-                <a:t>OT, </a:t>
-              </a:r>
-              <a:r>
-                <a:rPr kumimoji="1" lang="en-US" altLang="ko-KR" sz="4400" b="1" dirty="0" err="1">
-                  <a:latin typeface="D2Coding" panose="020B0609020101020101" pitchFamily="49" charset="-127"/>
-                  <a:ea typeface="D2Coding" panose="020B0609020101020101" pitchFamily="49" charset="-127"/>
-                </a:rPr>
-                <a:t>WebApplication</a:t>
-              </a:r>
-              <a:endParaRPr kumimoji="1" lang="ko-KR" altLang="en-US" sz="4400" b="1" dirty="0">
-                <a:latin typeface="D2Coding" panose="020B0609020101020101" pitchFamily="49" charset="-127"/>
-                <a:ea typeface="D2Coding" panose="020B0609020101020101" pitchFamily="49" charset="-127"/>
-              </a:endParaRPr>
+                <a:t>(</a:t>
+              </a:r>
+              <a:r>
+                <a:rPr kumimoji="1" lang="en" altLang="ko-KR" sz="4400" b="1" dirty="0">
+                  <a:latin typeface="D2Coding" panose="020B0609020101020101" pitchFamily="49" charset="-127"/>
+                  <a:ea typeface="D2Coding" panose="020B0609020101020101" pitchFamily="49" charset="-127"/>
+                </a:rPr>
+                <a:t>DIP, Stack, Queue)</a:t>
+              </a:r>
             </a:p>
           </p:txBody>
         </p:sp>
@@ -9121,7 +9312,7 @@
     </p:spTree>
     <p:extLst>
       <p:ext uri="{BB962C8B-B14F-4D97-AF65-F5344CB8AC3E}">
-        <p14:creationId xmlns:p14="http://schemas.microsoft.com/office/powerpoint/2010/main" val="2084646219"/>
+        <p14:creationId xmlns:p14="http://schemas.microsoft.com/office/powerpoint/2010/main" val="124543319"/>
       </p:ext>
     </p:extLst>
   </p:cSld>
@@ -9131,7 +9322,7 @@
 </p:sld>
 </file>
 
-<file path=ppt/slides/slide30.xml><?xml version="1.0" encoding="utf-8"?>
+<file path=ppt/slides/slide32.xml><?xml version="1.0" encoding="utf-8"?>
 <p:sld xmlns:a="http://schemas.openxmlformats.org/drawingml/2006/main" xmlns:r="http://schemas.openxmlformats.org/officeDocument/2006/relationships" xmlns:p="http://schemas.openxmlformats.org/presentationml/2006/main">
   <p:cSld>
     <p:spTree>
@@ -9308,55 +9499,27 @@
                   <a:latin typeface="D2Coding" panose="020B0609020101020101" pitchFamily="49" charset="-127"/>
                   <a:ea typeface="D2Coding" panose="020B0609020101020101" pitchFamily="49" charset="-127"/>
                 </a:rPr>
-                <a:t>Day 28</a:t>
+                <a:t>Day 32</a:t>
               </a:r>
             </a:p>
             <a:p>
               <a:pPr algn="ctr"/>
               <a:r>
+                <a:rPr kumimoji="1" lang="ko-KR" altLang="en-US" sz="4400" b="1" dirty="0">
+                  <a:latin typeface="D2Coding" panose="020B0609020101020101" pitchFamily="49" charset="-127"/>
+                  <a:ea typeface="D2Coding" panose="020B0609020101020101" pitchFamily="49" charset="-127"/>
+                </a:rPr>
+                <a:t>실습프로젝트</a:t>
+              </a:r>
+              <a:r>
+                <a:rPr kumimoji="1" lang="en-US" altLang="ko-KR" sz="4400" b="1" dirty="0">
+                  <a:latin typeface="D2Coding" panose="020B0609020101020101" pitchFamily="49" charset="-127"/>
+                  <a:ea typeface="D2Coding" panose="020B0609020101020101" pitchFamily="49" charset="-127"/>
+                </a:rPr>
+                <a:t>(Iterator</a:t>
+              </a:r>
+              <a:r>
                 <a:rPr kumimoji="1" lang="en" altLang="ko-KR" sz="4400" b="1" dirty="0">
-                  <a:latin typeface="D2Coding" panose="020B0609020101020101" pitchFamily="49" charset="-127"/>
-                  <a:ea typeface="D2Coding" panose="020B0609020101020101" pitchFamily="49" charset="-127"/>
-                </a:rPr>
-                <a:t>Java</a:t>
-              </a:r>
-              <a:r>
-                <a:rPr kumimoji="1" lang="ko-KR" altLang="en-US" sz="4400" b="1" dirty="0">
-                  <a:latin typeface="D2Coding" panose="020B0609020101020101" pitchFamily="49" charset="-127"/>
-                  <a:ea typeface="D2Coding" panose="020B0609020101020101" pitchFamily="49" charset="-127"/>
-                </a:rPr>
-                <a:t>프로그래밍 기초</a:t>
-              </a:r>
-              <a:r>
-                <a:rPr kumimoji="1" lang="en-US" altLang="ko-KR" sz="4400" b="1" dirty="0">
-                  <a:latin typeface="D2Coding" panose="020B0609020101020101" pitchFamily="49" charset="-127"/>
-                  <a:ea typeface="D2Coding" panose="020B0609020101020101" pitchFamily="49" charset="-127"/>
-                </a:rPr>
-                <a:t>(</a:t>
-              </a:r>
-              <a:r>
-                <a:rPr kumimoji="1" lang="ko-KR" altLang="en-US" sz="4400" b="1" dirty="0">
-                  <a:latin typeface="D2Coding" panose="020B0609020101020101" pitchFamily="49" charset="-127"/>
-                  <a:ea typeface="D2Coding" panose="020B0609020101020101" pitchFamily="49" charset="-127"/>
-                </a:rPr>
-                <a:t>문자집합</a:t>
-              </a:r>
-              <a:r>
-                <a:rPr kumimoji="1" lang="en-US" altLang="ko-KR" sz="4400" b="1" dirty="0">
-                  <a:latin typeface="D2Coding" panose="020B0609020101020101" pitchFamily="49" charset="-127"/>
-                  <a:ea typeface="D2Coding" panose="020B0609020101020101" pitchFamily="49" charset="-127"/>
-                </a:rPr>
-                <a:t>,</a:t>
-              </a:r>
-              <a:r>
-                <a:rPr kumimoji="1" lang="ko-KR" altLang="en-US" sz="4400" b="1" dirty="0">
-                  <a:latin typeface="D2Coding" panose="020B0609020101020101" pitchFamily="49" charset="-127"/>
-                  <a:ea typeface="D2Coding" panose="020B0609020101020101" pitchFamily="49" charset="-127"/>
-                </a:rPr>
-                <a:t> 수</a:t>
-              </a:r>
-              <a:r>
-                <a:rPr kumimoji="1" lang="en-US" altLang="ko-KR" sz="4400" b="1" dirty="0">
                   <a:latin typeface="D2Coding" panose="020B0609020101020101" pitchFamily="49" charset="-127"/>
                   <a:ea typeface="D2Coding" panose="020B0609020101020101" pitchFamily="49" charset="-127"/>
                 </a:rPr>
@@ -9369,7 +9532,7 @@
     </p:spTree>
     <p:extLst>
       <p:ext uri="{BB962C8B-B14F-4D97-AF65-F5344CB8AC3E}">
-        <p14:creationId xmlns:p14="http://schemas.microsoft.com/office/powerpoint/2010/main" val="2071678266"/>
+        <p14:creationId xmlns:p14="http://schemas.microsoft.com/office/powerpoint/2010/main" val="2621334354"/>
       </p:ext>
     </p:extLst>
   </p:cSld>
@@ -9379,7 +9542,7 @@
 </p:sld>
 </file>
 
-<file path=ppt/slides/slide31.xml><?xml version="1.0" encoding="utf-8"?>
+<file path=ppt/slides/slide33.xml><?xml version="1.0" encoding="utf-8"?>
 <p:sld xmlns:a="http://schemas.openxmlformats.org/drawingml/2006/main" xmlns:r="http://schemas.openxmlformats.org/officeDocument/2006/relationships" xmlns:p="http://schemas.openxmlformats.org/presentationml/2006/main">
   <p:cSld>
     <p:spTree>
@@ -9556,7 +9719,7 @@
                   <a:latin typeface="D2Coding" panose="020B0609020101020101" pitchFamily="49" charset="-127"/>
                   <a:ea typeface="D2Coding" panose="020B0609020101020101" pitchFamily="49" charset="-127"/>
                 </a:rPr>
-                <a:t>Day 29</a:t>
+                <a:t>Day 33</a:t>
               </a:r>
             </a:p>
             <a:p>
@@ -9587,21 +9750,7 @@
                   <a:latin typeface="D2Coding" panose="020B0609020101020101" pitchFamily="49" charset="-127"/>
                   <a:ea typeface="D2Coding" panose="020B0609020101020101" pitchFamily="49" charset="-127"/>
                 </a:rPr>
-                <a:t>문자집합</a:t>
-              </a:r>
-              <a:r>
-                <a:rPr kumimoji="1" lang="en-US" altLang="ko-KR" sz="4400" b="1" dirty="0">
-                  <a:latin typeface="D2Coding" panose="020B0609020101020101" pitchFamily="49" charset="-127"/>
-                  <a:ea typeface="D2Coding" panose="020B0609020101020101" pitchFamily="49" charset="-127"/>
-                </a:rPr>
-                <a:t>,</a:t>
-              </a:r>
-              <a:r>
-                <a:rPr kumimoji="1" lang="ko-KR" altLang="en-US" sz="4400" b="1" dirty="0">
-                  <a:latin typeface="D2Coding" panose="020B0609020101020101" pitchFamily="49" charset="-127"/>
-                  <a:ea typeface="D2Coding" panose="020B0609020101020101" pitchFamily="49" charset="-127"/>
-                </a:rPr>
-                <a:t> 수</a:t>
+                <a:t>중첩</a:t>
               </a:r>
               <a:r>
                 <a:rPr kumimoji="1" lang="en-US" altLang="ko-KR" sz="4400" b="1" dirty="0">
@@ -9617,7 +9766,7 @@
     </p:spTree>
     <p:extLst>
       <p:ext uri="{BB962C8B-B14F-4D97-AF65-F5344CB8AC3E}">
-        <p14:creationId xmlns:p14="http://schemas.microsoft.com/office/powerpoint/2010/main" val="2179447766"/>
+        <p14:creationId xmlns:p14="http://schemas.microsoft.com/office/powerpoint/2010/main" val="3228353533"/>
       </p:ext>
     </p:extLst>
   </p:cSld>
@@ -9627,7 +9776,7 @@
 </p:sld>
 </file>
 
-<file path=ppt/slides/slide32.xml><?xml version="1.0" encoding="utf-8"?>
+<file path=ppt/slides/slide34.xml><?xml version="1.0" encoding="utf-8"?>
 <p:sld xmlns:a="http://schemas.openxmlformats.org/drawingml/2006/main" xmlns:r="http://schemas.openxmlformats.org/officeDocument/2006/relationships" xmlns:p="http://schemas.openxmlformats.org/presentationml/2006/main">
   <p:cSld>
     <p:spTree>
@@ -9804,59 +9953,31 @@
                   <a:latin typeface="D2Coding" panose="020B0609020101020101" pitchFamily="49" charset="-127"/>
                   <a:ea typeface="D2Coding" panose="020B0609020101020101" pitchFamily="49" charset="-127"/>
                 </a:rPr>
-                <a:t>Day 30</a:t>
+                <a:t>Day 35</a:t>
               </a:r>
             </a:p>
             <a:p>
               <a:pPr algn="ctr"/>
               <a:r>
+                <a:rPr kumimoji="1" lang="ko-KR" altLang="en-US" sz="4400" b="1" dirty="0">
+                  <a:latin typeface="D2Coding" panose="020B0609020101020101" pitchFamily="49" charset="-127"/>
+                  <a:ea typeface="D2Coding" panose="020B0609020101020101" pitchFamily="49" charset="-127"/>
+                </a:rPr>
+                <a:t>실습프로젝트</a:t>
+              </a:r>
+              <a:r>
+                <a:rPr kumimoji="1" lang="en-US" altLang="ko-KR" sz="4400" b="1" dirty="0">
+                  <a:latin typeface="D2Coding" panose="020B0609020101020101" pitchFamily="49" charset="-127"/>
+                  <a:ea typeface="D2Coding" panose="020B0609020101020101" pitchFamily="49" charset="-127"/>
+                </a:rPr>
+                <a:t>(</a:t>
+              </a:r>
+              <a:r>
                 <a:rPr kumimoji="1" lang="en" altLang="ko-KR" sz="4400" b="1" dirty="0">
                   <a:latin typeface="D2Coding" panose="020B0609020101020101" pitchFamily="49" charset="-127"/>
                   <a:ea typeface="D2Coding" panose="020B0609020101020101" pitchFamily="49" charset="-127"/>
                 </a:rPr>
-                <a:t>Java</a:t>
-              </a:r>
-              <a:r>
-                <a:rPr kumimoji="1" lang="ko-KR" altLang="en-US" sz="4400" b="1" dirty="0">
-                  <a:latin typeface="D2Coding" panose="020B0609020101020101" pitchFamily="49" charset="-127"/>
-                  <a:ea typeface="D2Coding" panose="020B0609020101020101" pitchFamily="49" charset="-127"/>
-                </a:rPr>
-                <a:t>프로그래밍 기초</a:t>
-              </a:r>
-              <a:r>
-                <a:rPr kumimoji="1" lang="en-US" altLang="ko-KR" sz="4400" b="1" dirty="0">
-                  <a:latin typeface="D2Coding" panose="020B0609020101020101" pitchFamily="49" charset="-127"/>
-                  <a:ea typeface="D2Coding" panose="020B0609020101020101" pitchFamily="49" charset="-127"/>
-                </a:rPr>
-                <a:t>(</a:t>
-              </a:r>
-              <a:r>
-                <a:rPr kumimoji="1" lang="ko-KR" altLang="en-US" sz="4400" b="1" dirty="0">
-                  <a:latin typeface="D2Coding" panose="020B0609020101020101" pitchFamily="49" charset="-127"/>
-                  <a:ea typeface="D2Coding" panose="020B0609020101020101" pitchFamily="49" charset="-127"/>
-                </a:rPr>
-                <a:t>문자집합</a:t>
-              </a:r>
-              <a:r>
-                <a:rPr kumimoji="1" lang="en-US" altLang="ko-KR" sz="4400" b="1" dirty="0">
-                  <a:latin typeface="D2Coding" panose="020B0609020101020101" pitchFamily="49" charset="-127"/>
-                  <a:ea typeface="D2Coding" panose="020B0609020101020101" pitchFamily="49" charset="-127"/>
-                </a:rPr>
-                <a:t>,</a:t>
-              </a:r>
-              <a:r>
-                <a:rPr kumimoji="1" lang="ko-KR" altLang="en-US" sz="4400" b="1" dirty="0">
-                  <a:latin typeface="D2Coding" panose="020B0609020101020101" pitchFamily="49" charset="-127"/>
-                  <a:ea typeface="D2Coding" panose="020B0609020101020101" pitchFamily="49" charset="-127"/>
-                </a:rPr>
-                <a:t> 수</a:t>
-              </a:r>
-              <a:r>
-                <a:rPr kumimoji="1" lang="en-US" altLang="ko-KR" sz="4400" b="1" dirty="0">
-                  <a:latin typeface="D2Coding" panose="020B0609020101020101" pitchFamily="49" charset="-127"/>
-                  <a:ea typeface="D2Coding" panose="020B0609020101020101" pitchFamily="49" charset="-127"/>
-                </a:rPr>
-                <a:t>)</a:t>
+                <a:t>Composite)</a:t>
               </a:r>
             </a:p>
           </p:txBody>
@@ -9865,7 +9986,7 @@
     </p:spTree>
     <p:extLst>
       <p:ext uri="{BB962C8B-B14F-4D97-AF65-F5344CB8AC3E}">
-        <p14:creationId xmlns:p14="http://schemas.microsoft.com/office/powerpoint/2010/main" val="3676945370"/>
+        <p14:creationId xmlns:p14="http://schemas.microsoft.com/office/powerpoint/2010/main" val="210998734"/>
       </p:ext>
     </p:extLst>
   </p:cSld>
@@ -9875,7 +9996,7 @@
 </p:sld>
 </file>
 
-<file path=ppt/slides/slide33.xml><?xml version="1.0" encoding="utf-8"?>
+<file path=ppt/slides/slide35.xml><?xml version="1.0" encoding="utf-8"?>
 <p:sld xmlns:a="http://schemas.openxmlformats.org/drawingml/2006/main" xmlns:r="http://schemas.openxmlformats.org/officeDocument/2006/relationships" xmlns:p="http://schemas.openxmlformats.org/presentationml/2006/main">
   <p:cSld>
     <p:spTree>
@@ -10052,13 +10173,13 @@
                   <a:latin typeface="D2Coding" panose="020B0609020101020101" pitchFamily="49" charset="-127"/>
                   <a:ea typeface="D2Coding" panose="020B0609020101020101" pitchFamily="49" charset="-127"/>
                 </a:rPr>
-                <a:t>Day 31</a:t>
+                <a:t>Day 36</a:t>
               </a:r>
             </a:p>
             <a:p>
               <a:pPr algn="ctr"/>
               <a:r>
-                <a:rPr kumimoji="1" lang="en" altLang="ko-KR" sz="4400" b="1" dirty="0">
+                <a:rPr kumimoji="1" lang="en-US" altLang="ko-KR" sz="4400" b="1" dirty="0">
                   <a:latin typeface="D2Coding" panose="020B0609020101020101" pitchFamily="49" charset="-127"/>
                   <a:ea typeface="D2Coding" panose="020B0609020101020101" pitchFamily="49" charset="-127"/>
                 </a:rPr>
@@ -10079,33 +10200,23 @@
                 <a:t>(</a:t>
               </a:r>
               <a:r>
-                <a:rPr kumimoji="1" lang="ko-KR" altLang="en-US" sz="4400" b="1" dirty="0">
-                  <a:latin typeface="D2Coding" panose="020B0609020101020101" pitchFamily="49" charset="-127"/>
-                  <a:ea typeface="D2Coding" panose="020B0609020101020101" pitchFamily="49" charset="-127"/>
-                </a:rPr>
-                <a:t>문자집합</a:t>
+                <a:rPr kumimoji="1" lang="ko-KR" altLang="en-US" sz="4400" b="1" dirty="0" err="1">
+                  <a:latin typeface="D2Coding" panose="020B0609020101020101" pitchFamily="49" charset="-127"/>
+                  <a:ea typeface="D2Coding" panose="020B0609020101020101" pitchFamily="49" charset="-127"/>
+                </a:rPr>
+                <a:t>람다식</a:t>
               </a:r>
               <a:r>
                 <a:rPr kumimoji="1" lang="en-US" altLang="ko-KR" sz="4400" b="1" dirty="0">
                   <a:latin typeface="D2Coding" panose="020B0609020101020101" pitchFamily="49" charset="-127"/>
                   <a:ea typeface="D2Coding" panose="020B0609020101020101" pitchFamily="49" charset="-127"/>
                 </a:rPr>
-                <a:t>,</a:t>
-              </a:r>
-              <a:r>
-                <a:rPr kumimoji="1" lang="ko-KR" altLang="en-US" sz="4400" b="1" dirty="0">
-                  <a:latin typeface="D2Coding" panose="020B0609020101020101" pitchFamily="49" charset="-127"/>
-                  <a:ea typeface="D2Coding" panose="020B0609020101020101" pitchFamily="49" charset="-127"/>
-                </a:rPr>
-                <a:t> 수</a:t>
-              </a:r>
-              <a:r>
-                <a:rPr kumimoji="1" lang="en-US" altLang="ko-KR" sz="4400" b="1" dirty="0">
-                  <a:latin typeface="D2Coding" panose="020B0609020101020101" pitchFamily="49" charset="-127"/>
-                  <a:ea typeface="D2Coding" panose="020B0609020101020101" pitchFamily="49" charset="-127"/>
-                </a:rPr>
                 <a:t>)</a:t>
               </a:r>
+              <a:endParaRPr kumimoji="1" lang="ko-KR" altLang="en-US" sz="4400" b="1" dirty="0">
+                <a:latin typeface="D2Coding" panose="020B0609020101020101" pitchFamily="49" charset="-127"/>
+                <a:ea typeface="D2Coding" panose="020B0609020101020101" pitchFamily="49" charset="-127"/>
+              </a:endParaRPr>
             </a:p>
           </p:txBody>
         </p:sp>
@@ -10113,7 +10224,7 @@
     </p:spTree>
     <p:extLst>
       <p:ext uri="{BB962C8B-B14F-4D97-AF65-F5344CB8AC3E}">
-        <p14:creationId xmlns:p14="http://schemas.microsoft.com/office/powerpoint/2010/main" val="124543319"/>
+        <p14:creationId xmlns:p14="http://schemas.microsoft.com/office/powerpoint/2010/main" val="1353930985"/>
       </p:ext>
     </p:extLst>
   </p:cSld>
@@ -10123,7 +10234,7 @@
 </p:sld>
 </file>
 
-<file path=ppt/slides/slide34.xml><?xml version="1.0" encoding="utf-8"?>
+<file path=ppt/slides/slide36.xml><?xml version="1.0" encoding="utf-8"?>
 <p:sld xmlns:a="http://schemas.openxmlformats.org/drawingml/2006/main" xmlns:r="http://schemas.openxmlformats.org/officeDocument/2006/relationships" xmlns:p="http://schemas.openxmlformats.org/presentationml/2006/main">
   <p:cSld>
     <p:spTree>
@@ -10300,13 +10411,13 @@
                   <a:latin typeface="D2Coding" panose="020B0609020101020101" pitchFamily="49" charset="-127"/>
                   <a:ea typeface="D2Coding" panose="020B0609020101020101" pitchFamily="49" charset="-127"/>
                 </a:rPr>
-                <a:t>Day 32</a:t>
+                <a:t>Day 37</a:t>
               </a:r>
             </a:p>
             <a:p>
               <a:pPr algn="ctr"/>
               <a:r>
-                <a:rPr kumimoji="1" lang="en" altLang="ko-KR" sz="4400" b="1" dirty="0">
+                <a:rPr kumimoji="1" lang="en-US" altLang="ko-KR" sz="4400" b="1" dirty="0">
                   <a:latin typeface="D2Coding" panose="020B0609020101020101" pitchFamily="49" charset="-127"/>
                   <a:ea typeface="D2Coding" panose="020B0609020101020101" pitchFamily="49" charset="-127"/>
                 </a:rPr>
@@ -10331,29 +10442,19 @@
                   <a:latin typeface="D2Coding" panose="020B0609020101020101" pitchFamily="49" charset="-127"/>
                   <a:ea typeface="D2Coding" panose="020B0609020101020101" pitchFamily="49" charset="-127"/>
                 </a:rPr>
-                <a:t>문자집합</a:t>
+                <a:t>메서드 레퍼런스</a:t>
               </a:r>
               <a:r>
                 <a:rPr kumimoji="1" lang="en-US" altLang="ko-KR" sz="4400" b="1" dirty="0">
                   <a:latin typeface="D2Coding" panose="020B0609020101020101" pitchFamily="49" charset="-127"/>
                   <a:ea typeface="D2Coding" panose="020B0609020101020101" pitchFamily="49" charset="-127"/>
                 </a:rPr>
-                <a:t>,</a:t>
-              </a:r>
-              <a:r>
-                <a:rPr kumimoji="1" lang="ko-KR" altLang="en-US" sz="4400" b="1" dirty="0">
-                  <a:latin typeface="D2Coding" panose="020B0609020101020101" pitchFamily="49" charset="-127"/>
-                  <a:ea typeface="D2Coding" panose="020B0609020101020101" pitchFamily="49" charset="-127"/>
-                </a:rPr>
-                <a:t> 수</a:t>
-              </a:r>
-              <a:r>
-                <a:rPr kumimoji="1" lang="en-US" altLang="ko-KR" sz="4400" b="1" dirty="0">
-                  <a:latin typeface="D2Coding" panose="020B0609020101020101" pitchFamily="49" charset="-127"/>
-                  <a:ea typeface="D2Coding" panose="020B0609020101020101" pitchFamily="49" charset="-127"/>
-                </a:rPr>
                 <a:t>)</a:t>
               </a:r>
+              <a:endParaRPr kumimoji="1" lang="ko-KR" altLang="en-US" sz="4400" b="1" dirty="0">
+                <a:latin typeface="D2Coding" panose="020B0609020101020101" pitchFamily="49" charset="-127"/>
+                <a:ea typeface="D2Coding" panose="020B0609020101020101" pitchFamily="49" charset="-127"/>
+              </a:endParaRPr>
             </a:p>
           </p:txBody>
         </p:sp>
@@ -10361,7 +10462,7 @@
     </p:spTree>
     <p:extLst>
       <p:ext uri="{BB962C8B-B14F-4D97-AF65-F5344CB8AC3E}">
-        <p14:creationId xmlns:p14="http://schemas.microsoft.com/office/powerpoint/2010/main" val="2621334354"/>
+        <p14:creationId xmlns:p14="http://schemas.microsoft.com/office/powerpoint/2010/main" val="1514596453"/>
       </p:ext>
     </p:extLst>
   </p:cSld>
@@ -10371,7 +10472,7 @@
 </p:sld>
 </file>
 
-<file path=ppt/slides/slide35.xml><?xml version="1.0" encoding="utf-8"?>
+<file path=ppt/slides/slide37.xml><?xml version="1.0" encoding="utf-8"?>
 <p:sld xmlns:a="http://schemas.openxmlformats.org/drawingml/2006/main" xmlns:r="http://schemas.openxmlformats.org/officeDocument/2006/relationships" xmlns:p="http://schemas.openxmlformats.org/presentationml/2006/main">
   <p:cSld>
     <p:spTree>
@@ -10548,60 +10649,29 @@
                   <a:latin typeface="D2Coding" panose="020B0609020101020101" pitchFamily="49" charset="-127"/>
                   <a:ea typeface="D2Coding" panose="020B0609020101020101" pitchFamily="49" charset="-127"/>
                 </a:rPr>
-                <a:t>Day 33</a:t>
+                <a:t>Day 38</a:t>
               </a:r>
             </a:p>
             <a:p>
               <a:pPr algn="ctr"/>
               <a:r>
-                <a:rPr kumimoji="1" lang="en" altLang="ko-KR" sz="4400" b="1" dirty="0">
-                  <a:latin typeface="D2Coding" panose="020B0609020101020101" pitchFamily="49" charset="-127"/>
-                  <a:ea typeface="D2Coding" panose="020B0609020101020101" pitchFamily="49" charset="-127"/>
-                </a:rPr>
-                <a:t>Java</a:t>
-              </a:r>
-              <a:r>
                 <a:rPr kumimoji="1" lang="ko-KR" altLang="en-US" sz="4400" b="1" dirty="0">
                   <a:latin typeface="D2Coding" panose="020B0609020101020101" pitchFamily="49" charset="-127"/>
                   <a:ea typeface="D2Coding" panose="020B0609020101020101" pitchFamily="49" charset="-127"/>
                 </a:rPr>
-                <a:t>프로그래밍 기초</a:t>
+                <a:t>실습프로젝트</a:t>
               </a:r>
               <a:r>
                 <a:rPr kumimoji="1" lang="en-US" altLang="ko-KR" sz="4400" b="1" dirty="0">
                   <a:latin typeface="D2Coding" panose="020B0609020101020101" pitchFamily="49" charset="-127"/>
                   <a:ea typeface="D2Coding" panose="020B0609020101020101" pitchFamily="49" charset="-127"/>
                 </a:rPr>
-                <a:t>(</a:t>
-              </a:r>
-              <a:r>
-                <a:rPr kumimoji="1" lang="ko-KR" altLang="en-US" sz="4400" b="1" dirty="0">
-                  <a:latin typeface="D2Coding" panose="020B0609020101020101" pitchFamily="49" charset="-127"/>
-                  <a:ea typeface="D2Coding" panose="020B0609020101020101" pitchFamily="49" charset="-127"/>
-                </a:rPr>
-                <a:t>문자집합</a:t>
-              </a:r>
-              <a:r>
-                <a:rPr kumimoji="1" lang="en-US" altLang="ko-KR" sz="4400" b="1" dirty="0">
-                  <a:latin typeface="D2Coding" panose="020B0609020101020101" pitchFamily="49" charset="-127"/>
-                  <a:ea typeface="D2Coding" panose="020B0609020101020101" pitchFamily="49" charset="-127"/>
-                </a:rPr>
-                <a:t>,</a:t>
-              </a:r>
-              <a:r>
-                <a:rPr kumimoji="1" lang="ko-KR" altLang="en-US" sz="4400" b="1" dirty="0">
-                  <a:latin typeface="D2Coding" panose="020B0609020101020101" pitchFamily="49" charset="-127"/>
-                  <a:ea typeface="D2Coding" panose="020B0609020101020101" pitchFamily="49" charset="-127"/>
-                </a:rPr>
-                <a:t> 수</a:t>
-              </a:r>
-              <a:r>
-                <a:rPr kumimoji="1" lang="en-US" altLang="ko-KR" sz="4400" b="1" dirty="0">
-                  <a:latin typeface="D2Coding" panose="020B0609020101020101" pitchFamily="49" charset="-127"/>
-                  <a:ea typeface="D2Coding" panose="020B0609020101020101" pitchFamily="49" charset="-127"/>
-                </a:rPr>
-                <a:t>)</a:t>
-              </a:r>
+                <a:t>(File I/O)</a:t>
+              </a:r>
+              <a:endParaRPr kumimoji="1" lang="ko-KR" altLang="en-US" sz="4400" b="1" dirty="0">
+                <a:latin typeface="D2Coding" panose="020B0609020101020101" pitchFamily="49" charset="-127"/>
+                <a:ea typeface="D2Coding" panose="020B0609020101020101" pitchFamily="49" charset="-127"/>
+              </a:endParaRPr>
             </a:p>
           </p:txBody>
         </p:sp>
@@ -10609,7 +10679,7 @@
     </p:spTree>
     <p:extLst>
       <p:ext uri="{BB962C8B-B14F-4D97-AF65-F5344CB8AC3E}">
-        <p14:creationId xmlns:p14="http://schemas.microsoft.com/office/powerpoint/2010/main" val="3228353533"/>
+        <p14:creationId xmlns:p14="http://schemas.microsoft.com/office/powerpoint/2010/main" val="289168757"/>
       </p:ext>
     </p:extLst>
   </p:cSld>
@@ -10619,7 +10689,7 @@
 </p:sld>
 </file>
 
-<file path=ppt/slides/slide36.xml><?xml version="1.0" encoding="utf-8"?>
+<file path=ppt/slides/slide38.xml><?xml version="1.0" encoding="utf-8"?>
 <p:sld xmlns:a="http://schemas.openxmlformats.org/drawingml/2006/main" xmlns:r="http://schemas.openxmlformats.org/officeDocument/2006/relationships" xmlns:p="http://schemas.openxmlformats.org/presentationml/2006/main">
   <p:cSld>
     <p:spTree>
@@ -10796,60 +10866,29 @@
                   <a:latin typeface="D2Coding" panose="020B0609020101020101" pitchFamily="49" charset="-127"/>
                   <a:ea typeface="D2Coding" panose="020B0609020101020101" pitchFamily="49" charset="-127"/>
                 </a:rPr>
-                <a:t>Day 34</a:t>
+                <a:t>Day 39</a:t>
               </a:r>
             </a:p>
             <a:p>
               <a:pPr algn="ctr"/>
               <a:r>
-                <a:rPr kumimoji="1" lang="en" altLang="ko-KR" sz="4400" b="1" dirty="0">
-                  <a:latin typeface="D2Coding" panose="020B0609020101020101" pitchFamily="49" charset="-127"/>
-                  <a:ea typeface="D2Coding" panose="020B0609020101020101" pitchFamily="49" charset="-127"/>
-                </a:rPr>
-                <a:t>Java</a:t>
-              </a:r>
-              <a:r>
                 <a:rPr kumimoji="1" lang="ko-KR" altLang="en-US" sz="4400" b="1" dirty="0">
                   <a:latin typeface="D2Coding" panose="020B0609020101020101" pitchFamily="49" charset="-127"/>
                   <a:ea typeface="D2Coding" panose="020B0609020101020101" pitchFamily="49" charset="-127"/>
                 </a:rPr>
-                <a:t>프로그래밍 기초</a:t>
+                <a:t>실습프로젝트</a:t>
               </a:r>
               <a:r>
                 <a:rPr kumimoji="1" lang="en-US" altLang="ko-KR" sz="4400" b="1" dirty="0">
                   <a:latin typeface="D2Coding" panose="020B0609020101020101" pitchFamily="49" charset="-127"/>
                   <a:ea typeface="D2Coding" panose="020B0609020101020101" pitchFamily="49" charset="-127"/>
                 </a:rPr>
-                <a:t>(</a:t>
-              </a:r>
-              <a:r>
-                <a:rPr kumimoji="1" lang="ko-KR" altLang="en-US" sz="4400" b="1" dirty="0">
-                  <a:latin typeface="D2Coding" panose="020B0609020101020101" pitchFamily="49" charset="-127"/>
-                  <a:ea typeface="D2Coding" panose="020B0609020101020101" pitchFamily="49" charset="-127"/>
-                </a:rPr>
-                <a:t>문자집합</a:t>
-              </a:r>
-              <a:r>
-                <a:rPr kumimoji="1" lang="en-US" altLang="ko-KR" sz="4400" b="1" dirty="0">
-                  <a:latin typeface="D2Coding" panose="020B0609020101020101" pitchFamily="49" charset="-127"/>
-                  <a:ea typeface="D2Coding" panose="020B0609020101020101" pitchFamily="49" charset="-127"/>
-                </a:rPr>
-                <a:t>,</a:t>
-              </a:r>
-              <a:r>
-                <a:rPr kumimoji="1" lang="ko-KR" altLang="en-US" sz="4400" b="1" dirty="0">
-                  <a:latin typeface="D2Coding" panose="020B0609020101020101" pitchFamily="49" charset="-127"/>
-                  <a:ea typeface="D2Coding" panose="020B0609020101020101" pitchFamily="49" charset="-127"/>
-                </a:rPr>
-                <a:t> 수</a:t>
-              </a:r>
-              <a:r>
-                <a:rPr kumimoji="1" lang="en-US" altLang="ko-KR" sz="4400" b="1" dirty="0">
-                  <a:latin typeface="D2Coding" panose="020B0609020101020101" pitchFamily="49" charset="-127"/>
-                  <a:ea typeface="D2Coding" panose="020B0609020101020101" pitchFamily="49" charset="-127"/>
-                </a:rPr>
-                <a:t>)</a:t>
-              </a:r>
+                <a:t>(File I/O 2)</a:t>
+              </a:r>
+              <a:endParaRPr kumimoji="1" lang="ko-KR" altLang="en-US" sz="4400" b="1" dirty="0">
+                <a:latin typeface="D2Coding" panose="020B0609020101020101" pitchFamily="49" charset="-127"/>
+                <a:ea typeface="D2Coding" panose="020B0609020101020101" pitchFamily="49" charset="-127"/>
+              </a:endParaRPr>
             </a:p>
           </p:txBody>
         </p:sp>
@@ -10857,7 +10896,7 @@
     </p:spTree>
     <p:extLst>
       <p:ext uri="{BB962C8B-B14F-4D97-AF65-F5344CB8AC3E}">
-        <p14:creationId xmlns:p14="http://schemas.microsoft.com/office/powerpoint/2010/main" val="2096067005"/>
+        <p14:creationId xmlns:p14="http://schemas.microsoft.com/office/powerpoint/2010/main" val="1994758580"/>
       </p:ext>
     </p:extLst>
   </p:cSld>
@@ -10867,7 +10906,7 @@
 </p:sld>
 </file>
 
-<file path=ppt/slides/slide37.xml><?xml version="1.0" encoding="utf-8"?>
+<file path=ppt/slides/slide39.xml><?xml version="1.0" encoding="utf-8"?>
 <p:sld xmlns:a="http://schemas.openxmlformats.org/drawingml/2006/main" xmlns:r="http://schemas.openxmlformats.org/officeDocument/2006/relationships" xmlns:p="http://schemas.openxmlformats.org/presentationml/2006/main">
   <p:cSld>
     <p:spTree>
@@ -11044,31 +11083,38 @@
                   <a:latin typeface="D2Coding" panose="020B0609020101020101" pitchFamily="49" charset="-127"/>
                   <a:ea typeface="D2Coding" panose="020B0609020101020101" pitchFamily="49" charset="-127"/>
                 </a:rPr>
-                <a:t>Day 35</a:t>
+                <a:t>Day 40</a:t>
               </a:r>
             </a:p>
             <a:p>
               <a:pPr algn="ctr"/>
               <a:r>
+                <a:rPr kumimoji="1" lang="ko-KR" altLang="en-US" sz="4400" b="1" dirty="0">
+                  <a:latin typeface="D2Coding" panose="020B0609020101020101" pitchFamily="49" charset="-127"/>
+                  <a:ea typeface="D2Coding" panose="020B0609020101020101" pitchFamily="49" charset="-127"/>
+                </a:rPr>
+                <a:t>실습프로젝트</a:t>
+              </a:r>
+              <a:r>
                 <a:rPr kumimoji="1" lang="en-US" altLang="ko-KR" sz="4400" b="1" dirty="0">
                   <a:latin typeface="D2Coding" panose="020B0609020101020101" pitchFamily="49" charset="-127"/>
                   <a:ea typeface="D2Coding" panose="020B0609020101020101" pitchFamily="49" charset="-127"/>
                 </a:rPr>
-                <a:t>Java</a:t>
-              </a:r>
-              <a:r>
-                <a:rPr kumimoji="1" lang="ko-KR" altLang="en-US" sz="4400" b="1" dirty="0">
-                  <a:latin typeface="D2Coding" panose="020B0609020101020101" pitchFamily="49" charset="-127"/>
-                  <a:ea typeface="D2Coding" panose="020B0609020101020101" pitchFamily="49" charset="-127"/>
-                </a:rPr>
-                <a:t>프로그래밍 기초</a:t>
+                <a:t>(</a:t>
+              </a:r>
+              <a:r>
+                <a:rPr kumimoji="1" lang="en-US" altLang="ko-KR" sz="4400" b="1" dirty="0" err="1">
+                  <a:latin typeface="D2Coding" panose="020B0609020101020101" pitchFamily="49" charset="-127"/>
+                  <a:ea typeface="D2Coding" panose="020B0609020101020101" pitchFamily="49" charset="-127"/>
+                </a:rPr>
+                <a:t>Gson</a:t>
               </a:r>
               <a:r>
                 <a:rPr kumimoji="1" lang="en-US" altLang="ko-KR" sz="4400" b="1" dirty="0">
                   <a:latin typeface="D2Coding" panose="020B0609020101020101" pitchFamily="49" charset="-127"/>
                   <a:ea typeface="D2Coding" panose="020B0609020101020101" pitchFamily="49" charset="-127"/>
                 </a:rPr>
-                <a:t>(Network)</a:t>
+                <a:t>, Generic)</a:t>
               </a:r>
               <a:endParaRPr kumimoji="1" lang="ko-KR" altLang="en-US" sz="4400" b="1" dirty="0">
                 <a:latin typeface="D2Coding" panose="020B0609020101020101" pitchFamily="49" charset="-127"/>
@@ -11081,7 +11127,7 @@
     </p:spTree>
     <p:extLst>
       <p:ext uri="{BB962C8B-B14F-4D97-AF65-F5344CB8AC3E}">
-        <p14:creationId xmlns:p14="http://schemas.microsoft.com/office/powerpoint/2010/main" val="210998734"/>
+        <p14:creationId xmlns:p14="http://schemas.microsoft.com/office/powerpoint/2010/main" val="3793694102"/>
       </p:ext>
     </p:extLst>
   </p:cSld>
@@ -11091,7 +11137,241 @@
 </p:sld>
 </file>
 
-<file path=ppt/slides/slide38.xml><?xml version="1.0" encoding="utf-8"?>
+<file path=ppt/slides/slide4.xml><?xml version="1.0" encoding="utf-8"?>
+<p:sld xmlns:a="http://schemas.openxmlformats.org/drawingml/2006/main" xmlns:r="http://schemas.openxmlformats.org/officeDocument/2006/relationships" xmlns:p="http://schemas.openxmlformats.org/presentationml/2006/main">
+  <p:cSld>
+    <p:spTree>
+      <p:nvGrpSpPr>
+        <p:cNvPr id="1" name=""/>
+        <p:cNvGrpSpPr/>
+        <p:nvPr/>
+      </p:nvGrpSpPr>
+      <p:grpSpPr>
+        <a:xfrm>
+          <a:off x="0" y="0"/>
+          <a:ext cx="0" cy="0"/>
+          <a:chOff x="0" y="0"/>
+          <a:chExt cx="0" cy="0"/>
+        </a:xfrm>
+      </p:grpSpPr>
+      <p:sp>
+        <p:nvSpPr>
+          <p:cNvPr id="6" name="TextBox 5">
+            <a:extLst>
+              <a:ext uri="{FF2B5EF4-FFF2-40B4-BE49-F238E27FC236}">
+                <a16:creationId xmlns:a16="http://schemas.microsoft.com/office/drawing/2014/main" id="{7BC70131-2A0F-D582-388D-5AB1E95FE6C4}"/>
+              </a:ext>
+            </a:extLst>
+          </p:cNvPr>
+          <p:cNvSpPr txBox="1"/>
+          <p:nvPr/>
+        </p:nvSpPr>
+        <p:spPr>
+          <a:xfrm>
+            <a:off x="1021294" y="3808909"/>
+            <a:ext cx="10149410" cy="1384995"/>
+          </a:xfrm>
+          <a:prstGeom prst="rect">
+            <a:avLst/>
+          </a:prstGeom>
+          <a:noFill/>
+        </p:spPr>
+        <p:txBody>
+          <a:bodyPr wrap="square" rtlCol="0">
+            <a:spAutoFit/>
+          </a:bodyPr>
+          <a:lstStyle/>
+          <a:p>
+            <a:pPr algn="ctr"/>
+            <a:r>
+              <a:rPr kumimoji="1" lang="en-US" altLang="ko-KR" sz="2800" b="1" dirty="0">
+                <a:latin typeface="D2Coding" panose="020B0609020101020101" pitchFamily="49" charset="-127"/>
+                <a:ea typeface="D2Coding" panose="020B0609020101020101" pitchFamily="49" charset="-127"/>
+              </a:rPr>
+              <a:t>Day 56</a:t>
+            </a:r>
+          </a:p>
+          <a:p>
+            <a:pPr algn="ctr"/>
+            <a:r>
+              <a:rPr kumimoji="1" lang="en-US" altLang="ko-KR" sz="2800" b="1" dirty="0">
+                <a:latin typeface="D2Coding" panose="020B0609020101020101" pitchFamily="49" charset="-127"/>
+                <a:ea typeface="D2Coding" panose="020B0609020101020101" pitchFamily="49" charset="-127"/>
+              </a:rPr>
+              <a:t>Java</a:t>
+            </a:r>
+            <a:r>
+              <a:rPr kumimoji="1" lang="ko-KR" altLang="en-US" sz="2800" b="1" dirty="0">
+                <a:latin typeface="D2Coding" panose="020B0609020101020101" pitchFamily="49" charset="-127"/>
+                <a:ea typeface="D2Coding" panose="020B0609020101020101" pitchFamily="49" charset="-127"/>
+              </a:rPr>
+              <a:t>프로그래밍 기초</a:t>
+            </a:r>
+            <a:endParaRPr kumimoji="1" lang="en-US" altLang="ko-KR" sz="2800" b="1" dirty="0">
+              <a:latin typeface="D2Coding" panose="020B0609020101020101" pitchFamily="49" charset="-127"/>
+              <a:ea typeface="D2Coding" panose="020B0609020101020101" pitchFamily="49" charset="-127"/>
+            </a:endParaRPr>
+          </a:p>
+          <a:p>
+            <a:pPr algn="ctr"/>
+            <a:r>
+              <a:rPr kumimoji="1" lang="en-US" altLang="ko-KR" sz="2800" b="1" dirty="0">
+                <a:latin typeface="D2Coding" panose="020B0609020101020101" pitchFamily="49" charset="-127"/>
+                <a:ea typeface="D2Coding" panose="020B0609020101020101" pitchFamily="49" charset="-127"/>
+              </a:rPr>
+              <a:t>JDBC – </a:t>
+            </a:r>
+            <a:r>
+              <a:rPr kumimoji="1" lang="ko-KR" altLang="en-US" sz="2800" b="1" dirty="0">
+                <a:latin typeface="D2Coding" panose="020B0609020101020101" pitchFamily="49" charset="-127"/>
+                <a:ea typeface="D2Coding" panose="020B0609020101020101" pitchFamily="49" charset="-127"/>
+              </a:rPr>
+              <a:t>라이브러리 설치 및 등록</a:t>
+            </a:r>
+          </a:p>
+        </p:txBody>
+      </p:sp>
+      <p:grpSp>
+        <p:nvGrpSpPr>
+          <p:cNvPr id="3" name="그룹 2">
+            <a:extLst>
+              <a:ext uri="{FF2B5EF4-FFF2-40B4-BE49-F238E27FC236}">
+                <a16:creationId xmlns:a16="http://schemas.microsoft.com/office/drawing/2014/main" id="{CCB49D7F-A40B-2950-C3BB-13981C780200}"/>
+              </a:ext>
+            </a:extLst>
+          </p:cNvPr>
+          <p:cNvGrpSpPr/>
+          <p:nvPr/>
+        </p:nvGrpSpPr>
+        <p:grpSpPr>
+          <a:xfrm>
+            <a:off x="0" y="0"/>
+            <a:ext cx="12192000" cy="6858000"/>
+            <a:chOff x="1143000" y="1238490"/>
+            <a:chExt cx="7772400" cy="3777325"/>
+          </a:xfrm>
+        </p:grpSpPr>
+        <p:pic>
+          <p:nvPicPr>
+            <p:cNvPr id="4" name="그림 3" descr="폰트, 로고, 그래픽, 화이트이(가) 표시된 사진&#10;&#10;자동 생성된 설명">
+              <a:extLst>
+                <a:ext uri="{FF2B5EF4-FFF2-40B4-BE49-F238E27FC236}">
+                  <a16:creationId xmlns:a16="http://schemas.microsoft.com/office/drawing/2014/main" id="{B742D47A-36C2-B9F0-BC20-0E30F4A6AEEC}"/>
+                </a:ext>
+              </a:extLst>
+            </p:cNvPr>
+            <p:cNvPicPr>
+              <a:picLocks noChangeAspect="1"/>
+            </p:cNvPicPr>
+            <p:nvPr/>
+          </p:nvPicPr>
+          <p:blipFill>
+            <a:blip r:embed="rId2"/>
+            <a:srcRect t="13650"/>
+            <a:stretch/>
+          </p:blipFill>
+          <p:spPr>
+            <a:xfrm>
+              <a:off x="1143000" y="1238490"/>
+              <a:ext cx="7772400" cy="3777325"/>
+            </a:xfrm>
+            <a:prstGeom prst="rect">
+              <a:avLst/>
+            </a:prstGeom>
+          </p:spPr>
+        </p:pic>
+        <p:sp>
+          <p:nvSpPr>
+            <p:cNvPr id="8" name="TextBox 7">
+              <a:extLst>
+                <a:ext uri="{FF2B5EF4-FFF2-40B4-BE49-F238E27FC236}">
+                  <a16:creationId xmlns:a16="http://schemas.microsoft.com/office/drawing/2014/main" id="{B3D8B992-313F-AA19-ECC1-9BA2DED76D4E}"/>
+                </a:ext>
+              </a:extLst>
+            </p:cNvPr>
+            <p:cNvSpPr txBox="1"/>
+            <p:nvPr/>
+          </p:nvSpPr>
+          <p:spPr>
+            <a:xfrm>
+              <a:off x="1794075" y="3336403"/>
+              <a:ext cx="6470249" cy="1169692"/>
+            </a:xfrm>
+            <a:prstGeom prst="rect">
+              <a:avLst/>
+            </a:prstGeom>
+            <a:noFill/>
+          </p:spPr>
+          <p:txBody>
+            <a:bodyPr wrap="square" rtlCol="0">
+              <a:spAutoFit/>
+            </a:bodyPr>
+            <a:lstStyle/>
+            <a:p>
+              <a:pPr algn="ctr"/>
+              <a:r>
+                <a:rPr kumimoji="1" lang="en-US" altLang="ko-KR" sz="4400" b="1" dirty="0">
+                  <a:latin typeface="D2Coding" panose="020B0609020101020101" pitchFamily="49" charset="-127"/>
+                  <a:ea typeface="D2Coding" panose="020B0609020101020101" pitchFamily="49" charset="-127"/>
+                </a:rPr>
+                <a:t>Day 02</a:t>
+              </a:r>
+            </a:p>
+            <a:p>
+              <a:pPr algn="ctr"/>
+              <a:r>
+                <a:rPr kumimoji="1" lang="en" altLang="ko-KR" sz="4400" b="1" dirty="0">
+                  <a:latin typeface="D2Coding" panose="020B0609020101020101" pitchFamily="49" charset="-127"/>
+                  <a:ea typeface="D2Coding" panose="020B0609020101020101" pitchFamily="49" charset="-127"/>
+                </a:rPr>
+                <a:t>git </a:t>
+              </a:r>
+              <a:r>
+                <a:rPr kumimoji="1" lang="ko-KR" altLang="en-US" sz="4400" b="1" dirty="0">
+                  <a:latin typeface="D2Coding" panose="020B0609020101020101" pitchFamily="49" charset="-127"/>
+                  <a:ea typeface="D2Coding" panose="020B0609020101020101" pitchFamily="49" charset="-127"/>
+                </a:rPr>
+                <a:t>개념 및 </a:t>
+              </a:r>
+              <a:r>
+                <a:rPr kumimoji="1" lang="en" altLang="ko-KR" sz="4400" b="1" dirty="0">
+                  <a:latin typeface="D2Coding" panose="020B0609020101020101" pitchFamily="49" charset="-127"/>
+                  <a:ea typeface="D2Coding" panose="020B0609020101020101" pitchFamily="49" charset="-127"/>
+                </a:rPr>
+                <a:t>Application </a:t>
+              </a:r>
+              <a:r>
+                <a:rPr kumimoji="1" lang="ko-KR" altLang="en-US" sz="4400" b="1" dirty="0">
+                  <a:latin typeface="D2Coding" panose="020B0609020101020101" pitchFamily="49" charset="-127"/>
+                  <a:ea typeface="D2Coding" panose="020B0609020101020101" pitchFamily="49" charset="-127"/>
+                </a:rPr>
+                <a:t>개념</a:t>
+              </a:r>
+            </a:p>
+            <a:p>
+              <a:pPr algn="ctr"/>
+              <a:endParaRPr kumimoji="1" lang="ko-KR" altLang="en-US" sz="4400" b="1" dirty="0">
+                <a:latin typeface="D2Coding" panose="020B0609020101020101" pitchFamily="49" charset="-127"/>
+                <a:ea typeface="D2Coding" panose="020B0609020101020101" pitchFamily="49" charset="-127"/>
+              </a:endParaRPr>
+            </a:p>
+          </p:txBody>
+        </p:sp>
+      </p:grpSp>
+    </p:spTree>
+    <p:extLst>
+      <p:ext uri="{BB962C8B-B14F-4D97-AF65-F5344CB8AC3E}">
+        <p14:creationId xmlns:p14="http://schemas.microsoft.com/office/powerpoint/2010/main" val="827077618"/>
+      </p:ext>
+    </p:extLst>
+  </p:cSld>
+  <p:clrMapOvr>
+    <a:masterClrMapping/>
+  </p:clrMapOvr>
+</p:sld>
+</file>
+
+<file path=ppt/slides/slide40.xml><?xml version="1.0" encoding="utf-8"?>
 <p:sld xmlns:a="http://schemas.openxmlformats.org/drawingml/2006/main" xmlns:r="http://schemas.openxmlformats.org/officeDocument/2006/relationships" xmlns:p="http://schemas.openxmlformats.org/presentationml/2006/main">
   <p:cSld>
     <p:spTree>
@@ -11268,7 +11548,7 @@
                   <a:latin typeface="D2Coding" panose="020B0609020101020101" pitchFamily="49" charset="-127"/>
                   <a:ea typeface="D2Coding" panose="020B0609020101020101" pitchFamily="49" charset="-127"/>
                 </a:rPr>
-                <a:t>Day 36</a:t>
+                <a:t>Day 41</a:t>
               </a:r>
             </a:p>
             <a:p>
@@ -11292,7 +11572,7 @@
                   <a:latin typeface="D2Coding" panose="020B0609020101020101" pitchFamily="49" charset="-127"/>
                   <a:ea typeface="D2Coding" panose="020B0609020101020101" pitchFamily="49" charset="-127"/>
                 </a:rPr>
-                <a:t>(Network)</a:t>
+                <a:t>(File I/O)</a:t>
               </a:r>
               <a:endParaRPr kumimoji="1" lang="ko-KR" altLang="en-US" sz="4400" b="1" dirty="0">
                 <a:latin typeface="D2Coding" panose="020B0609020101020101" pitchFamily="49" charset="-127"/>
@@ -11305,7 +11585,7 @@
     </p:spTree>
     <p:extLst>
       <p:ext uri="{BB962C8B-B14F-4D97-AF65-F5344CB8AC3E}">
-        <p14:creationId xmlns:p14="http://schemas.microsoft.com/office/powerpoint/2010/main" val="1353930985"/>
+        <p14:creationId xmlns:p14="http://schemas.microsoft.com/office/powerpoint/2010/main" val="1935892323"/>
       </p:ext>
     </p:extLst>
   </p:cSld>
@@ -11315,7 +11595,7 @@
 </p:sld>
 </file>
 
-<file path=ppt/slides/slide39.xml><?xml version="1.0" encoding="utf-8"?>
+<file path=ppt/slides/slide41.xml><?xml version="1.0" encoding="utf-8"?>
 <p:sld xmlns:a="http://schemas.openxmlformats.org/drawingml/2006/main" xmlns:r="http://schemas.openxmlformats.org/officeDocument/2006/relationships" xmlns:p="http://schemas.openxmlformats.org/presentationml/2006/main">
   <p:cSld>
     <p:spTree>
@@ -11492,31 +11772,24 @@
                   <a:latin typeface="D2Coding" panose="020B0609020101020101" pitchFamily="49" charset="-127"/>
                   <a:ea typeface="D2Coding" panose="020B0609020101020101" pitchFamily="49" charset="-127"/>
                 </a:rPr>
-                <a:t>Day 37</a:t>
+                <a:t>Day 42</a:t>
               </a:r>
             </a:p>
             <a:p>
               <a:pPr algn="ctr"/>
               <a:r>
+                <a:rPr kumimoji="1" lang="ko-KR" altLang="en-US" sz="4400" b="1" dirty="0">
+                  <a:latin typeface="D2Coding" panose="020B0609020101020101" pitchFamily="49" charset="-127"/>
+                  <a:ea typeface="D2Coding" panose="020B0609020101020101" pitchFamily="49" charset="-127"/>
+                </a:rPr>
+                <a:t>실습프로젝트</a:t>
+              </a:r>
+              <a:r>
                 <a:rPr kumimoji="1" lang="en-US" altLang="ko-KR" sz="4400" b="1" dirty="0">
                   <a:latin typeface="D2Coding" panose="020B0609020101020101" pitchFamily="49" charset="-127"/>
                   <a:ea typeface="D2Coding" panose="020B0609020101020101" pitchFamily="49" charset="-127"/>
                 </a:rPr>
-                <a:t>Java</a:t>
-              </a:r>
-              <a:r>
-                <a:rPr kumimoji="1" lang="ko-KR" altLang="en-US" sz="4400" b="1" dirty="0">
-                  <a:latin typeface="D2Coding" panose="020B0609020101020101" pitchFamily="49" charset="-127"/>
-                  <a:ea typeface="D2Coding" panose="020B0609020101020101" pitchFamily="49" charset="-127"/>
-                </a:rPr>
-                <a:t>프로그래밍 기초</a:t>
-              </a:r>
-              <a:r>
-                <a:rPr kumimoji="1" lang="en-US" altLang="ko-KR" sz="4400" b="1" dirty="0">
-                  <a:latin typeface="D2Coding" panose="020B0609020101020101" pitchFamily="49" charset="-127"/>
-                  <a:ea typeface="D2Coding" panose="020B0609020101020101" pitchFamily="49" charset="-127"/>
-                </a:rPr>
-                <a:t>(Network)</a:t>
+                <a:t>(Decorator)</a:t>
               </a:r>
               <a:endParaRPr kumimoji="1" lang="ko-KR" altLang="en-US" sz="4400" b="1" dirty="0">
                 <a:latin typeface="D2Coding" panose="020B0609020101020101" pitchFamily="49" charset="-127"/>
@@ -11529,7 +11802,7 @@
     </p:spTree>
     <p:extLst>
       <p:ext uri="{BB962C8B-B14F-4D97-AF65-F5344CB8AC3E}">
-        <p14:creationId xmlns:p14="http://schemas.microsoft.com/office/powerpoint/2010/main" val="1514596453"/>
+        <p14:creationId xmlns:p14="http://schemas.microsoft.com/office/powerpoint/2010/main" val="4284783367"/>
       </p:ext>
     </p:extLst>
   </p:cSld>
@@ -11539,7 +11812,448 @@
 </p:sld>
 </file>
 
-<file path=ppt/slides/slide4.xml><?xml version="1.0" encoding="utf-8"?>
+<file path=ppt/slides/slide42.xml><?xml version="1.0" encoding="utf-8"?>
+<p:sld xmlns:a="http://schemas.openxmlformats.org/drawingml/2006/main" xmlns:r="http://schemas.openxmlformats.org/officeDocument/2006/relationships" xmlns:p="http://schemas.openxmlformats.org/presentationml/2006/main">
+  <p:cSld>
+    <p:spTree>
+      <p:nvGrpSpPr>
+        <p:cNvPr id="1" name=""/>
+        <p:cNvGrpSpPr/>
+        <p:nvPr/>
+      </p:nvGrpSpPr>
+      <p:grpSpPr>
+        <a:xfrm>
+          <a:off x="0" y="0"/>
+          <a:ext cx="0" cy="0"/>
+          <a:chOff x="0" y="0"/>
+          <a:chExt cx="0" cy="0"/>
+        </a:xfrm>
+      </p:grpSpPr>
+      <p:sp>
+        <p:nvSpPr>
+          <p:cNvPr id="6" name="TextBox 5">
+            <a:extLst>
+              <a:ext uri="{FF2B5EF4-FFF2-40B4-BE49-F238E27FC236}">
+                <a16:creationId xmlns:a16="http://schemas.microsoft.com/office/drawing/2014/main" id="{7BC70131-2A0F-D582-388D-5AB1E95FE6C4}"/>
+              </a:ext>
+            </a:extLst>
+          </p:cNvPr>
+          <p:cNvSpPr txBox="1"/>
+          <p:nvPr/>
+        </p:nvSpPr>
+        <p:spPr>
+          <a:xfrm>
+            <a:off x="1021294" y="3808909"/>
+            <a:ext cx="10149410" cy="1384995"/>
+          </a:xfrm>
+          <a:prstGeom prst="rect">
+            <a:avLst/>
+          </a:prstGeom>
+          <a:noFill/>
+        </p:spPr>
+        <p:txBody>
+          <a:bodyPr wrap="square" rtlCol="0">
+            <a:spAutoFit/>
+          </a:bodyPr>
+          <a:lstStyle/>
+          <a:p>
+            <a:pPr algn="ctr"/>
+            <a:r>
+              <a:rPr kumimoji="1" lang="en-US" altLang="ko-KR" sz="2800" b="1" dirty="0">
+                <a:latin typeface="D2Coding" panose="020B0609020101020101" pitchFamily="49" charset="-127"/>
+                <a:ea typeface="D2Coding" panose="020B0609020101020101" pitchFamily="49" charset="-127"/>
+              </a:rPr>
+              <a:t>Day 56</a:t>
+            </a:r>
+          </a:p>
+          <a:p>
+            <a:pPr algn="ctr"/>
+            <a:r>
+              <a:rPr kumimoji="1" lang="en-US" altLang="ko-KR" sz="2800" b="1" dirty="0">
+                <a:latin typeface="D2Coding" panose="020B0609020101020101" pitchFamily="49" charset="-127"/>
+                <a:ea typeface="D2Coding" panose="020B0609020101020101" pitchFamily="49" charset="-127"/>
+              </a:rPr>
+              <a:t>Java</a:t>
+            </a:r>
+            <a:r>
+              <a:rPr kumimoji="1" lang="ko-KR" altLang="en-US" sz="2800" b="1" dirty="0">
+                <a:latin typeface="D2Coding" panose="020B0609020101020101" pitchFamily="49" charset="-127"/>
+                <a:ea typeface="D2Coding" panose="020B0609020101020101" pitchFamily="49" charset="-127"/>
+              </a:rPr>
+              <a:t>프로그래밍 기초</a:t>
+            </a:r>
+            <a:endParaRPr kumimoji="1" lang="en-US" altLang="ko-KR" sz="2800" b="1" dirty="0">
+              <a:latin typeface="D2Coding" panose="020B0609020101020101" pitchFamily="49" charset="-127"/>
+              <a:ea typeface="D2Coding" panose="020B0609020101020101" pitchFamily="49" charset="-127"/>
+            </a:endParaRPr>
+          </a:p>
+          <a:p>
+            <a:pPr algn="ctr"/>
+            <a:r>
+              <a:rPr kumimoji="1" lang="en-US" altLang="ko-KR" sz="2800" b="1" dirty="0">
+                <a:latin typeface="D2Coding" panose="020B0609020101020101" pitchFamily="49" charset="-127"/>
+                <a:ea typeface="D2Coding" panose="020B0609020101020101" pitchFamily="49" charset="-127"/>
+              </a:rPr>
+              <a:t>JDBC – </a:t>
+            </a:r>
+            <a:r>
+              <a:rPr kumimoji="1" lang="ko-KR" altLang="en-US" sz="2800" b="1" dirty="0">
+                <a:latin typeface="D2Coding" panose="020B0609020101020101" pitchFamily="49" charset="-127"/>
+                <a:ea typeface="D2Coding" panose="020B0609020101020101" pitchFamily="49" charset="-127"/>
+              </a:rPr>
+              <a:t>라이브러리 설치 및 등록</a:t>
+            </a:r>
+          </a:p>
+        </p:txBody>
+      </p:sp>
+      <p:grpSp>
+        <p:nvGrpSpPr>
+          <p:cNvPr id="3" name="그룹 2">
+            <a:extLst>
+              <a:ext uri="{FF2B5EF4-FFF2-40B4-BE49-F238E27FC236}">
+                <a16:creationId xmlns:a16="http://schemas.microsoft.com/office/drawing/2014/main" id="{CCB49D7F-A40B-2950-C3BB-13981C780200}"/>
+              </a:ext>
+            </a:extLst>
+          </p:cNvPr>
+          <p:cNvGrpSpPr/>
+          <p:nvPr/>
+        </p:nvGrpSpPr>
+        <p:grpSpPr>
+          <a:xfrm>
+            <a:off x="0" y="0"/>
+            <a:ext cx="12192000" cy="6858000"/>
+            <a:chOff x="1143000" y="1238490"/>
+            <a:chExt cx="7772400" cy="3777325"/>
+          </a:xfrm>
+        </p:grpSpPr>
+        <p:pic>
+          <p:nvPicPr>
+            <p:cNvPr id="4" name="그림 3" descr="폰트, 로고, 그래픽, 화이트이(가) 표시된 사진&#10;&#10;자동 생성된 설명">
+              <a:extLst>
+                <a:ext uri="{FF2B5EF4-FFF2-40B4-BE49-F238E27FC236}">
+                  <a16:creationId xmlns:a16="http://schemas.microsoft.com/office/drawing/2014/main" id="{B742D47A-36C2-B9F0-BC20-0E30F4A6AEEC}"/>
+                </a:ext>
+              </a:extLst>
+            </p:cNvPr>
+            <p:cNvPicPr>
+              <a:picLocks noChangeAspect="1"/>
+            </p:cNvPicPr>
+            <p:nvPr/>
+          </p:nvPicPr>
+          <p:blipFill>
+            <a:blip r:embed="rId2"/>
+            <a:srcRect t="13650"/>
+            <a:stretch/>
+          </p:blipFill>
+          <p:spPr>
+            <a:xfrm>
+              <a:off x="1143000" y="1238490"/>
+              <a:ext cx="7772400" cy="3777325"/>
+            </a:xfrm>
+            <a:prstGeom prst="rect">
+              <a:avLst/>
+            </a:prstGeom>
+          </p:spPr>
+        </p:pic>
+        <p:sp>
+          <p:nvSpPr>
+            <p:cNvPr id="8" name="TextBox 7">
+              <a:extLst>
+                <a:ext uri="{FF2B5EF4-FFF2-40B4-BE49-F238E27FC236}">
+                  <a16:creationId xmlns:a16="http://schemas.microsoft.com/office/drawing/2014/main" id="{B3D8B992-313F-AA19-ECC1-9BA2DED76D4E}"/>
+                </a:ext>
+              </a:extLst>
+            </p:cNvPr>
+            <p:cNvSpPr txBox="1"/>
+            <p:nvPr/>
+          </p:nvSpPr>
+          <p:spPr>
+            <a:xfrm>
+              <a:off x="1794075" y="3336403"/>
+              <a:ext cx="6470249" cy="796747"/>
+            </a:xfrm>
+            <a:prstGeom prst="rect">
+              <a:avLst/>
+            </a:prstGeom>
+            <a:noFill/>
+          </p:spPr>
+          <p:txBody>
+            <a:bodyPr wrap="square" rtlCol="0">
+              <a:spAutoFit/>
+            </a:bodyPr>
+            <a:lstStyle/>
+            <a:p>
+              <a:pPr algn="ctr"/>
+              <a:r>
+                <a:rPr kumimoji="1" lang="en-US" altLang="ko-KR" sz="4400" b="1" dirty="0">
+                  <a:latin typeface="D2Coding" panose="020B0609020101020101" pitchFamily="49" charset="-127"/>
+                  <a:ea typeface="D2Coding" panose="020B0609020101020101" pitchFamily="49" charset="-127"/>
+                </a:rPr>
+                <a:t>Day 44</a:t>
+              </a:r>
+            </a:p>
+            <a:p>
+              <a:pPr algn="ctr"/>
+              <a:r>
+                <a:rPr kumimoji="1" lang="ko-KR" altLang="en-US" sz="4400" b="1" dirty="0">
+                  <a:latin typeface="D2Coding" panose="020B0609020101020101" pitchFamily="49" charset="-127"/>
+                  <a:ea typeface="D2Coding" panose="020B0609020101020101" pitchFamily="49" charset="-127"/>
+                </a:rPr>
+                <a:t>실습프로젝트</a:t>
+              </a:r>
+              <a:r>
+                <a:rPr kumimoji="1" lang="en-US" altLang="ko-KR" sz="4400" b="1" dirty="0">
+                  <a:latin typeface="D2Coding" panose="020B0609020101020101" pitchFamily="49" charset="-127"/>
+                  <a:ea typeface="D2Coding" panose="020B0609020101020101" pitchFamily="49" charset="-127"/>
+                </a:rPr>
+                <a:t>(Observer)</a:t>
+              </a:r>
+              <a:endParaRPr kumimoji="1" lang="ko-KR" altLang="en-US" sz="4400" b="1" dirty="0">
+                <a:latin typeface="D2Coding" panose="020B0609020101020101" pitchFamily="49" charset="-127"/>
+                <a:ea typeface="D2Coding" panose="020B0609020101020101" pitchFamily="49" charset="-127"/>
+              </a:endParaRPr>
+            </a:p>
+          </p:txBody>
+        </p:sp>
+      </p:grpSp>
+    </p:spTree>
+    <p:extLst>
+      <p:ext uri="{BB962C8B-B14F-4D97-AF65-F5344CB8AC3E}">
+        <p14:creationId xmlns:p14="http://schemas.microsoft.com/office/powerpoint/2010/main" val="2899385986"/>
+      </p:ext>
+    </p:extLst>
+  </p:cSld>
+  <p:clrMapOvr>
+    <a:masterClrMapping/>
+  </p:clrMapOvr>
+</p:sld>
+</file>
+
+<file path=ppt/slides/slide43.xml><?xml version="1.0" encoding="utf-8"?>
+<p:sld xmlns:a="http://schemas.openxmlformats.org/drawingml/2006/main" xmlns:r="http://schemas.openxmlformats.org/officeDocument/2006/relationships" xmlns:p="http://schemas.openxmlformats.org/presentationml/2006/main">
+  <p:cSld>
+    <p:spTree>
+      <p:nvGrpSpPr>
+        <p:cNvPr id="1" name=""/>
+        <p:cNvGrpSpPr/>
+        <p:nvPr/>
+      </p:nvGrpSpPr>
+      <p:grpSpPr>
+        <a:xfrm>
+          <a:off x="0" y="0"/>
+          <a:ext cx="0" cy="0"/>
+          <a:chOff x="0" y="0"/>
+          <a:chExt cx="0" cy="0"/>
+        </a:xfrm>
+      </p:grpSpPr>
+      <p:sp>
+        <p:nvSpPr>
+          <p:cNvPr id="6" name="TextBox 5">
+            <a:extLst>
+              <a:ext uri="{FF2B5EF4-FFF2-40B4-BE49-F238E27FC236}">
+                <a16:creationId xmlns:a16="http://schemas.microsoft.com/office/drawing/2014/main" id="{7BC70131-2A0F-D582-388D-5AB1E95FE6C4}"/>
+              </a:ext>
+            </a:extLst>
+          </p:cNvPr>
+          <p:cNvSpPr txBox="1"/>
+          <p:nvPr/>
+        </p:nvSpPr>
+        <p:spPr>
+          <a:xfrm>
+            <a:off x="1021294" y="3808909"/>
+            <a:ext cx="10149410" cy="1384995"/>
+          </a:xfrm>
+          <a:prstGeom prst="rect">
+            <a:avLst/>
+          </a:prstGeom>
+          <a:noFill/>
+        </p:spPr>
+        <p:txBody>
+          <a:bodyPr wrap="square" rtlCol="0">
+            <a:spAutoFit/>
+          </a:bodyPr>
+          <a:lstStyle/>
+          <a:p>
+            <a:pPr algn="ctr"/>
+            <a:r>
+              <a:rPr kumimoji="1" lang="en-US" altLang="ko-KR" sz="2800" b="1" dirty="0">
+                <a:latin typeface="D2Coding" panose="020B0609020101020101" pitchFamily="49" charset="-127"/>
+                <a:ea typeface="D2Coding" panose="020B0609020101020101" pitchFamily="49" charset="-127"/>
+              </a:rPr>
+              <a:t>Day 56</a:t>
+            </a:r>
+          </a:p>
+          <a:p>
+            <a:pPr algn="ctr"/>
+            <a:r>
+              <a:rPr kumimoji="1" lang="en-US" altLang="ko-KR" sz="2800" b="1" dirty="0">
+                <a:latin typeface="D2Coding" panose="020B0609020101020101" pitchFamily="49" charset="-127"/>
+                <a:ea typeface="D2Coding" panose="020B0609020101020101" pitchFamily="49" charset="-127"/>
+              </a:rPr>
+              <a:t>Java</a:t>
+            </a:r>
+            <a:r>
+              <a:rPr kumimoji="1" lang="ko-KR" altLang="en-US" sz="2800" b="1" dirty="0">
+                <a:latin typeface="D2Coding" panose="020B0609020101020101" pitchFamily="49" charset="-127"/>
+                <a:ea typeface="D2Coding" panose="020B0609020101020101" pitchFamily="49" charset="-127"/>
+              </a:rPr>
+              <a:t>프로그래밍 기초</a:t>
+            </a:r>
+            <a:endParaRPr kumimoji="1" lang="en-US" altLang="ko-KR" sz="2800" b="1" dirty="0">
+              <a:latin typeface="D2Coding" panose="020B0609020101020101" pitchFamily="49" charset="-127"/>
+              <a:ea typeface="D2Coding" panose="020B0609020101020101" pitchFamily="49" charset="-127"/>
+            </a:endParaRPr>
+          </a:p>
+          <a:p>
+            <a:pPr algn="ctr"/>
+            <a:r>
+              <a:rPr kumimoji="1" lang="en-US" altLang="ko-KR" sz="2800" b="1" dirty="0">
+                <a:latin typeface="D2Coding" panose="020B0609020101020101" pitchFamily="49" charset="-127"/>
+                <a:ea typeface="D2Coding" panose="020B0609020101020101" pitchFamily="49" charset="-127"/>
+              </a:rPr>
+              <a:t>JDBC – </a:t>
+            </a:r>
+            <a:r>
+              <a:rPr kumimoji="1" lang="ko-KR" altLang="en-US" sz="2800" b="1" dirty="0">
+                <a:latin typeface="D2Coding" panose="020B0609020101020101" pitchFamily="49" charset="-127"/>
+                <a:ea typeface="D2Coding" panose="020B0609020101020101" pitchFamily="49" charset="-127"/>
+              </a:rPr>
+              <a:t>라이브러리 설치 및 등록</a:t>
+            </a:r>
+          </a:p>
+        </p:txBody>
+      </p:sp>
+      <p:grpSp>
+        <p:nvGrpSpPr>
+          <p:cNvPr id="3" name="그룹 2">
+            <a:extLst>
+              <a:ext uri="{FF2B5EF4-FFF2-40B4-BE49-F238E27FC236}">
+                <a16:creationId xmlns:a16="http://schemas.microsoft.com/office/drawing/2014/main" id="{CCB49D7F-A40B-2950-C3BB-13981C780200}"/>
+              </a:ext>
+            </a:extLst>
+          </p:cNvPr>
+          <p:cNvGrpSpPr/>
+          <p:nvPr/>
+        </p:nvGrpSpPr>
+        <p:grpSpPr>
+          <a:xfrm>
+            <a:off x="0" y="0"/>
+            <a:ext cx="12192000" cy="6858000"/>
+            <a:chOff x="1143000" y="1238490"/>
+            <a:chExt cx="7772400" cy="3777325"/>
+          </a:xfrm>
+        </p:grpSpPr>
+        <p:pic>
+          <p:nvPicPr>
+            <p:cNvPr id="4" name="그림 3" descr="폰트, 로고, 그래픽, 화이트이(가) 표시된 사진&#10;&#10;자동 생성된 설명">
+              <a:extLst>
+                <a:ext uri="{FF2B5EF4-FFF2-40B4-BE49-F238E27FC236}">
+                  <a16:creationId xmlns:a16="http://schemas.microsoft.com/office/drawing/2014/main" id="{B742D47A-36C2-B9F0-BC20-0E30F4A6AEEC}"/>
+                </a:ext>
+              </a:extLst>
+            </p:cNvPr>
+            <p:cNvPicPr>
+              <a:picLocks noChangeAspect="1"/>
+            </p:cNvPicPr>
+            <p:nvPr/>
+          </p:nvPicPr>
+          <p:blipFill>
+            <a:blip r:embed="rId2"/>
+            <a:srcRect t="13650"/>
+            <a:stretch/>
+          </p:blipFill>
+          <p:spPr>
+            <a:xfrm>
+              <a:off x="1143000" y="1238490"/>
+              <a:ext cx="7772400" cy="3777325"/>
+            </a:xfrm>
+            <a:prstGeom prst="rect">
+              <a:avLst/>
+            </a:prstGeom>
+          </p:spPr>
+        </p:pic>
+        <p:sp>
+          <p:nvSpPr>
+            <p:cNvPr id="8" name="TextBox 7">
+              <a:extLst>
+                <a:ext uri="{FF2B5EF4-FFF2-40B4-BE49-F238E27FC236}">
+                  <a16:creationId xmlns:a16="http://schemas.microsoft.com/office/drawing/2014/main" id="{B3D8B992-313F-AA19-ECC1-9BA2DED76D4E}"/>
+                </a:ext>
+              </a:extLst>
+            </p:cNvPr>
+            <p:cNvSpPr txBox="1"/>
+            <p:nvPr/>
+          </p:nvSpPr>
+          <p:spPr>
+            <a:xfrm>
+              <a:off x="1794075" y="3336403"/>
+              <a:ext cx="6470249" cy="796747"/>
+            </a:xfrm>
+            <a:prstGeom prst="rect">
+              <a:avLst/>
+            </a:prstGeom>
+            <a:noFill/>
+          </p:spPr>
+          <p:txBody>
+            <a:bodyPr wrap="square" rtlCol="0">
+              <a:spAutoFit/>
+            </a:bodyPr>
+            <a:lstStyle/>
+            <a:p>
+              <a:pPr algn="ctr"/>
+              <a:r>
+                <a:rPr kumimoji="1" lang="en-US" altLang="ko-KR" sz="4400" b="1" dirty="0">
+                  <a:latin typeface="D2Coding" panose="020B0609020101020101" pitchFamily="49" charset="-127"/>
+                  <a:ea typeface="D2Coding" panose="020B0609020101020101" pitchFamily="49" charset="-127"/>
+                </a:rPr>
+                <a:t>Day 45</a:t>
+              </a:r>
+            </a:p>
+            <a:p>
+              <a:pPr algn="ctr"/>
+              <a:r>
+                <a:rPr kumimoji="1" lang="en-US" altLang="ko-KR" sz="4400" b="1" dirty="0">
+                  <a:latin typeface="D2Coding" panose="020B0609020101020101" pitchFamily="49" charset="-127"/>
+                  <a:ea typeface="D2Coding" panose="020B0609020101020101" pitchFamily="49" charset="-127"/>
+                </a:rPr>
+                <a:t>Java</a:t>
+              </a:r>
+              <a:r>
+                <a:rPr kumimoji="1" lang="ko-KR" altLang="en-US" sz="4400" b="1" dirty="0">
+                  <a:latin typeface="D2Coding" panose="020B0609020101020101" pitchFamily="49" charset="-127"/>
+                  <a:ea typeface="D2Coding" panose="020B0609020101020101" pitchFamily="49" charset="-127"/>
+                </a:rPr>
+                <a:t>프로그래밍 기초</a:t>
+              </a:r>
+              <a:r>
+                <a:rPr kumimoji="1" lang="en-US" altLang="ko-KR" sz="4400" b="1" dirty="0">
+                  <a:latin typeface="D2Coding" panose="020B0609020101020101" pitchFamily="49" charset="-127"/>
+                  <a:ea typeface="D2Coding" panose="020B0609020101020101" pitchFamily="49" charset="-127"/>
+                </a:rPr>
+                <a:t>(Network)</a:t>
+              </a:r>
+              <a:endParaRPr kumimoji="1" lang="ko-KR" altLang="en-US" sz="4400" b="1" dirty="0">
+                <a:latin typeface="D2Coding" panose="020B0609020101020101" pitchFamily="49" charset="-127"/>
+                <a:ea typeface="D2Coding" panose="020B0609020101020101" pitchFamily="49" charset="-127"/>
+              </a:endParaRPr>
+            </a:p>
+          </p:txBody>
+        </p:sp>
+      </p:grpSp>
+    </p:spTree>
+    <p:extLst>
+      <p:ext uri="{BB962C8B-B14F-4D97-AF65-F5344CB8AC3E}">
+        <p14:creationId xmlns:p14="http://schemas.microsoft.com/office/powerpoint/2010/main" val="2217921325"/>
+      </p:ext>
+    </p:extLst>
+  </p:cSld>
+  <p:clrMapOvr>
+    <a:masterClrMapping/>
+  </p:clrMapOvr>
+</p:sld>
+</file>
+
+<file path=ppt/slides/slide44.xml><?xml version="1.0" encoding="utf-8"?>
 <p:sld xmlns:a="http://schemas.openxmlformats.org/drawingml/2006/main" xmlns:r="http://schemas.openxmlformats.org/officeDocument/2006/relationships" xmlns:p="http://schemas.openxmlformats.org/presentationml/2006/main">
   <p:cSld>
     <p:spTree>
@@ -11716,39 +12430,36 @@
                   <a:latin typeface="D2Coding" panose="020B0609020101020101" pitchFamily="49" charset="-127"/>
                   <a:ea typeface="D2Coding" panose="020B0609020101020101" pitchFamily="49" charset="-127"/>
                 </a:rPr>
-                <a:t>Day 02</a:t>
+                <a:t>Day 46</a:t>
               </a:r>
             </a:p>
             <a:p>
               <a:pPr algn="ctr"/>
               <a:r>
-                <a:rPr kumimoji="1" lang="en" altLang="ko-KR" sz="4400" b="1" dirty="0">
-                  <a:latin typeface="D2Coding" panose="020B0609020101020101" pitchFamily="49" charset="-127"/>
-                  <a:ea typeface="D2Coding" panose="020B0609020101020101" pitchFamily="49" charset="-127"/>
-                </a:rPr>
-                <a:t>git </a:t>
+                <a:rPr kumimoji="1" lang="en-US" altLang="ko-KR" sz="4400" b="1" dirty="0">
+                  <a:latin typeface="D2Coding" panose="020B0609020101020101" pitchFamily="49" charset="-127"/>
+                  <a:ea typeface="D2Coding" panose="020B0609020101020101" pitchFamily="49" charset="-127"/>
+                </a:rPr>
+                <a:t>Java</a:t>
               </a:r>
               <a:r>
                 <a:rPr kumimoji="1" lang="ko-KR" altLang="en-US" sz="4400" b="1" dirty="0">
                   <a:latin typeface="D2Coding" panose="020B0609020101020101" pitchFamily="49" charset="-127"/>
                   <a:ea typeface="D2Coding" panose="020B0609020101020101" pitchFamily="49" charset="-127"/>
                 </a:rPr>
-                <a:t>개념 및 </a:t>
-              </a:r>
-              <a:r>
-                <a:rPr kumimoji="1" lang="en" altLang="ko-KR" sz="4400" b="1" dirty="0">
-                  <a:latin typeface="D2Coding" panose="020B0609020101020101" pitchFamily="49" charset="-127"/>
-                  <a:ea typeface="D2Coding" panose="020B0609020101020101" pitchFamily="49" charset="-127"/>
-                </a:rPr>
-                <a:t>Application </a:t>
-              </a:r>
-              <a:r>
-                <a:rPr kumimoji="1" lang="ko-KR" altLang="en-US" sz="4400" b="1" dirty="0">
-                  <a:latin typeface="D2Coding" panose="020B0609020101020101" pitchFamily="49" charset="-127"/>
-                  <a:ea typeface="D2Coding" panose="020B0609020101020101" pitchFamily="49" charset="-127"/>
-                </a:rPr>
-                <a:t>개념</a:t>
-              </a:r>
+                <a:t>프로그래밍 기초</a:t>
+              </a:r>
+              <a:r>
+                <a:rPr kumimoji="1" lang="en-US" altLang="ko-KR" sz="4400" b="1" dirty="0">
+                  <a:latin typeface="D2Coding" panose="020B0609020101020101" pitchFamily="49" charset="-127"/>
+                  <a:ea typeface="D2Coding" panose="020B0609020101020101" pitchFamily="49" charset="-127"/>
+                </a:rPr>
+                <a:t>(Network)</a:t>
+              </a:r>
+              <a:endParaRPr kumimoji="1" lang="ko-KR" altLang="en-US" sz="4400" b="1" dirty="0">
+                <a:latin typeface="D2Coding" panose="020B0609020101020101" pitchFamily="49" charset="-127"/>
+                <a:ea typeface="D2Coding" panose="020B0609020101020101" pitchFamily="49" charset="-127"/>
+              </a:endParaRPr>
             </a:p>
             <a:p>
               <a:pPr algn="ctr"/>
@@ -11763,7 +12474,7 @@
     </p:spTree>
     <p:extLst>
       <p:ext uri="{BB962C8B-B14F-4D97-AF65-F5344CB8AC3E}">
-        <p14:creationId xmlns:p14="http://schemas.microsoft.com/office/powerpoint/2010/main" val="827077618"/>
+        <p14:creationId xmlns:p14="http://schemas.microsoft.com/office/powerpoint/2010/main" val="3855682810"/>
       </p:ext>
     </p:extLst>
   </p:cSld>
@@ -11773,7 +12484,7 @@
 </p:sld>
 </file>
 
-<file path=ppt/slides/slide40.xml><?xml version="1.0" encoding="utf-8"?>
+<file path=ppt/slides/slide45.xml><?xml version="1.0" encoding="utf-8"?>
 <p:sld xmlns:a="http://schemas.openxmlformats.org/drawingml/2006/main" xmlns:r="http://schemas.openxmlformats.org/officeDocument/2006/relationships" xmlns:p="http://schemas.openxmlformats.org/presentationml/2006/main">
   <p:cSld>
     <p:spTree>
@@ -11950,7 +12661,7 @@
                   <a:latin typeface="D2Coding" panose="020B0609020101020101" pitchFamily="49" charset="-127"/>
                   <a:ea typeface="D2Coding" panose="020B0609020101020101" pitchFamily="49" charset="-127"/>
                 </a:rPr>
-                <a:t>Day 38</a:t>
+                <a:t>Day 48</a:t>
               </a:r>
             </a:p>
             <a:p>
@@ -11974,7 +12685,7 @@
                   <a:latin typeface="D2Coding" panose="020B0609020101020101" pitchFamily="49" charset="-127"/>
                   <a:ea typeface="D2Coding" panose="020B0609020101020101" pitchFamily="49" charset="-127"/>
                 </a:rPr>
-                <a:t>(Network)</a:t>
+                <a:t>(Thread)</a:t>
               </a:r>
               <a:endParaRPr kumimoji="1" lang="ko-KR" altLang="en-US" sz="4400" b="1" dirty="0">
                 <a:latin typeface="D2Coding" panose="020B0609020101020101" pitchFamily="49" charset="-127"/>
@@ -11987,7 +12698,7 @@
     </p:spTree>
     <p:extLst>
       <p:ext uri="{BB962C8B-B14F-4D97-AF65-F5344CB8AC3E}">
-        <p14:creationId xmlns:p14="http://schemas.microsoft.com/office/powerpoint/2010/main" val="289168757"/>
+        <p14:creationId xmlns:p14="http://schemas.microsoft.com/office/powerpoint/2010/main" val="2696677069"/>
       </p:ext>
     </p:extLst>
   </p:cSld>
@@ -11997,7 +12708,7 @@
 </p:sld>
 </file>
 
-<file path=ppt/slides/slide41.xml><?xml version="1.0" encoding="utf-8"?>
+<file path=ppt/slides/slide46.xml><?xml version="1.0" encoding="utf-8"?>
 <p:sld xmlns:a="http://schemas.openxmlformats.org/drawingml/2006/main" xmlns:r="http://schemas.openxmlformats.org/officeDocument/2006/relationships" xmlns:p="http://schemas.openxmlformats.org/presentationml/2006/main">
   <p:cSld>
     <p:spTree>
@@ -12174,36 +12885,39 @@
                   <a:latin typeface="D2Coding" panose="020B0609020101020101" pitchFamily="49" charset="-127"/>
                   <a:ea typeface="D2Coding" panose="020B0609020101020101" pitchFamily="49" charset="-127"/>
                 </a:rPr>
-                <a:t>Day 39</a:t>
+                <a:t>Day 51</a:t>
               </a:r>
             </a:p>
             <a:p>
               <a:pPr algn="ctr"/>
               <a:r>
+                <a:rPr kumimoji="1" lang="en" altLang="ko-KR" sz="4400" b="1" dirty="0">
+                  <a:latin typeface="D2Coding" panose="020B0609020101020101" pitchFamily="49" charset="-127"/>
+                  <a:ea typeface="D2Coding" panose="020B0609020101020101" pitchFamily="49" charset="-127"/>
+                </a:rPr>
+                <a:t>MySQL</a:t>
+              </a:r>
+              <a:r>
+                <a:rPr kumimoji="1" lang="ko-KR" altLang="en-US" sz="4400" b="1" dirty="0">
+                  <a:latin typeface="D2Coding" panose="020B0609020101020101" pitchFamily="49" charset="-127"/>
+                  <a:ea typeface="D2Coding" panose="020B0609020101020101" pitchFamily="49" charset="-127"/>
+                </a:rPr>
+                <a:t>기초</a:t>
+              </a:r>
+              <a:r>
                 <a:rPr kumimoji="1" lang="en-US" altLang="ko-KR" sz="4400" b="1" dirty="0">
                   <a:latin typeface="D2Coding" panose="020B0609020101020101" pitchFamily="49" charset="-127"/>
                   <a:ea typeface="D2Coding" panose="020B0609020101020101" pitchFamily="49" charset="-127"/>
                 </a:rPr>
-                <a:t>Java</a:t>
-              </a:r>
-              <a:r>
-                <a:rPr kumimoji="1" lang="ko-KR" altLang="en-US" sz="4400" b="1" dirty="0">
-                  <a:latin typeface="D2Coding" panose="020B0609020101020101" pitchFamily="49" charset="-127"/>
-                  <a:ea typeface="D2Coding" panose="020B0609020101020101" pitchFamily="49" charset="-127"/>
-                </a:rPr>
-                <a:t>프로그래밍 기초</a:t>
-              </a:r>
-              <a:r>
-                <a:rPr kumimoji="1" lang="en-US" altLang="ko-KR" sz="4400" b="1" dirty="0">
-                  <a:latin typeface="D2Coding" panose="020B0609020101020101" pitchFamily="49" charset="-127"/>
-                  <a:ea typeface="D2Coding" panose="020B0609020101020101" pitchFamily="49" charset="-127"/>
-                </a:rPr>
-                <a:t>(Network)</a:t>
-              </a:r>
-              <a:endParaRPr kumimoji="1" lang="ko-KR" altLang="en-US" sz="4400" b="1" dirty="0">
-                <a:latin typeface="D2Coding" panose="020B0609020101020101" pitchFamily="49" charset="-127"/>
-                <a:ea typeface="D2Coding" panose="020B0609020101020101" pitchFamily="49" charset="-127"/>
-              </a:endParaRPr>
+                <a:t>(</a:t>
+              </a:r>
+              <a:r>
+                <a:rPr kumimoji="1" lang="en" altLang="ko-KR" sz="4400" b="1" dirty="0">
+                  <a:latin typeface="D2Coding" panose="020B0609020101020101" pitchFamily="49" charset="-127"/>
+                  <a:ea typeface="D2Coding" panose="020B0609020101020101" pitchFamily="49" charset="-127"/>
+                </a:rPr>
+                <a:t>DDL)</a:t>
+              </a:r>
             </a:p>
           </p:txBody>
         </p:sp>
@@ -12211,7 +12925,7 @@
     </p:spTree>
     <p:extLst>
       <p:ext uri="{BB962C8B-B14F-4D97-AF65-F5344CB8AC3E}">
-        <p14:creationId xmlns:p14="http://schemas.microsoft.com/office/powerpoint/2010/main" val="1994758580"/>
+        <p14:creationId xmlns:p14="http://schemas.microsoft.com/office/powerpoint/2010/main" val="3125174358"/>
       </p:ext>
     </p:extLst>
   </p:cSld>
@@ -12221,7 +12935,7 @@
 </p:sld>
 </file>
 
-<file path=ppt/slides/slide42.xml><?xml version="1.0" encoding="utf-8"?>
+<file path=ppt/slides/slide47.xml><?xml version="1.0" encoding="utf-8"?>
 <p:sld xmlns:a="http://schemas.openxmlformats.org/drawingml/2006/main" xmlns:r="http://schemas.openxmlformats.org/officeDocument/2006/relationships" xmlns:p="http://schemas.openxmlformats.org/presentationml/2006/main">
   <p:cSld>
     <p:spTree>
@@ -12398,7 +13112,7 @@
                   <a:latin typeface="D2Coding" panose="020B0609020101020101" pitchFamily="49" charset="-127"/>
                   <a:ea typeface="D2Coding" panose="020B0609020101020101" pitchFamily="49" charset="-127"/>
                 </a:rPr>
-                <a:t>Day 40</a:t>
+                <a:t>Day 52</a:t>
               </a:r>
             </a:p>
             <a:p>
@@ -12408,21 +13122,21 @@
                   <a:latin typeface="D2Coding" panose="020B0609020101020101" pitchFamily="49" charset="-127"/>
                   <a:ea typeface="D2Coding" panose="020B0609020101020101" pitchFamily="49" charset="-127"/>
                 </a:rPr>
-                <a:t>Java</a:t>
+                <a:t>MySQL</a:t>
               </a:r>
               <a:r>
                 <a:rPr kumimoji="1" lang="ko-KR" altLang="en-US" sz="4400" b="1" dirty="0">
                   <a:latin typeface="D2Coding" panose="020B0609020101020101" pitchFamily="49" charset="-127"/>
                   <a:ea typeface="D2Coding" panose="020B0609020101020101" pitchFamily="49" charset="-127"/>
                 </a:rPr>
-                <a:t>프로그래밍 기초</a:t>
+                <a:t>기초</a:t>
               </a:r>
               <a:r>
                 <a:rPr kumimoji="1" lang="en-US" altLang="ko-KR" sz="4400" b="1" dirty="0">
                   <a:latin typeface="D2Coding" panose="020B0609020101020101" pitchFamily="49" charset="-127"/>
                   <a:ea typeface="D2Coding" panose="020B0609020101020101" pitchFamily="49" charset="-127"/>
                 </a:rPr>
-                <a:t>(Network)</a:t>
+                <a:t>(DNL, DQL)</a:t>
               </a:r>
               <a:endParaRPr kumimoji="1" lang="ko-KR" altLang="en-US" sz="4400" b="1" dirty="0">
                 <a:latin typeface="D2Coding" panose="020B0609020101020101" pitchFamily="49" charset="-127"/>
@@ -12435,7 +13149,7 @@
     </p:spTree>
     <p:extLst>
       <p:ext uri="{BB962C8B-B14F-4D97-AF65-F5344CB8AC3E}">
-        <p14:creationId xmlns:p14="http://schemas.microsoft.com/office/powerpoint/2010/main" val="3793694102"/>
+        <p14:creationId xmlns:p14="http://schemas.microsoft.com/office/powerpoint/2010/main" val="4194415952"/>
       </p:ext>
     </p:extLst>
   </p:cSld>
@@ -12445,7 +13159,7 @@
 </p:sld>
 </file>
 
-<file path=ppt/slides/slide43.xml><?xml version="1.0" encoding="utf-8"?>
+<file path=ppt/slides/slide48.xml><?xml version="1.0" encoding="utf-8"?>
 <p:sld xmlns:a="http://schemas.openxmlformats.org/drawingml/2006/main" xmlns:r="http://schemas.openxmlformats.org/officeDocument/2006/relationships" xmlns:p="http://schemas.openxmlformats.org/presentationml/2006/main">
   <p:cSld>
     <p:spTree>
@@ -12622,7 +13336,7 @@
                   <a:latin typeface="D2Coding" panose="020B0609020101020101" pitchFamily="49" charset="-127"/>
                   <a:ea typeface="D2Coding" panose="020B0609020101020101" pitchFamily="49" charset="-127"/>
                 </a:rPr>
-                <a:t>Day 41</a:t>
+                <a:t>Day 53</a:t>
               </a:r>
             </a:p>
             <a:p>
@@ -12646,7 +13360,7 @@
                   <a:latin typeface="D2Coding" panose="020B0609020101020101" pitchFamily="49" charset="-127"/>
                   <a:ea typeface="D2Coding" panose="020B0609020101020101" pitchFamily="49" charset="-127"/>
                 </a:rPr>
-                <a:t>(Network)</a:t>
+                <a:t>(DB)</a:t>
               </a:r>
               <a:endParaRPr kumimoji="1" lang="ko-KR" altLang="en-US" sz="4400" b="1" dirty="0">
                 <a:latin typeface="D2Coding" panose="020B0609020101020101" pitchFamily="49" charset="-127"/>
@@ -12659,7 +13373,7 @@
     </p:spTree>
     <p:extLst>
       <p:ext uri="{BB962C8B-B14F-4D97-AF65-F5344CB8AC3E}">
-        <p14:creationId xmlns:p14="http://schemas.microsoft.com/office/powerpoint/2010/main" val="1935892323"/>
+        <p14:creationId xmlns:p14="http://schemas.microsoft.com/office/powerpoint/2010/main" val="798867869"/>
       </p:ext>
     </p:extLst>
   </p:cSld>
@@ -12669,7 +13383,7 @@
 </p:sld>
 </file>
 
-<file path=ppt/slides/slide44.xml><?xml version="1.0" encoding="utf-8"?>
+<file path=ppt/slides/slide49.xml><?xml version="1.0" encoding="utf-8"?>
 <p:sld xmlns:a="http://schemas.openxmlformats.org/drawingml/2006/main" xmlns:r="http://schemas.openxmlformats.org/officeDocument/2006/relationships" xmlns:p="http://schemas.openxmlformats.org/presentationml/2006/main">
   <p:cSld>
     <p:spTree>
@@ -12846,7 +13560,7 @@
                   <a:latin typeface="D2Coding" panose="020B0609020101020101" pitchFamily="49" charset="-127"/>
                   <a:ea typeface="D2Coding" panose="020B0609020101020101" pitchFamily="49" charset="-127"/>
                 </a:rPr>
-                <a:t>Day 42</a:t>
+                <a:t>Day 54</a:t>
               </a:r>
             </a:p>
             <a:p>
@@ -12856,21 +13570,35 @@
                   <a:latin typeface="D2Coding" panose="020B0609020101020101" pitchFamily="49" charset="-127"/>
                   <a:ea typeface="D2Coding" panose="020B0609020101020101" pitchFamily="49" charset="-127"/>
                 </a:rPr>
-                <a:t>Java</a:t>
+                <a:t>SQL</a:t>
               </a:r>
               <a:r>
                 <a:rPr kumimoji="1" lang="ko-KR" altLang="en-US" sz="4400" b="1" dirty="0">
                   <a:latin typeface="D2Coding" panose="020B0609020101020101" pitchFamily="49" charset="-127"/>
                   <a:ea typeface="D2Coding" panose="020B0609020101020101" pitchFamily="49" charset="-127"/>
                 </a:rPr>
-                <a:t>프로그래밍 기초</a:t>
+                <a:t>기초</a:t>
               </a:r>
               <a:r>
                 <a:rPr kumimoji="1" lang="en-US" altLang="ko-KR" sz="4400" b="1" dirty="0">
                   <a:latin typeface="D2Coding" panose="020B0609020101020101" pitchFamily="49" charset="-127"/>
                   <a:ea typeface="D2Coding" panose="020B0609020101020101" pitchFamily="49" charset="-127"/>
                 </a:rPr>
-                <a:t>(Network)</a:t>
+                <a:t>(Foreign Ket</a:t>
+              </a:r>
+              <a:r>
+                <a:rPr kumimoji="1" lang="ko-KR" altLang="en-US" sz="4400" b="1" dirty="0">
+                  <a:latin typeface="D2Coding" panose="020B0609020101020101" pitchFamily="49" charset="-127"/>
+                  <a:ea typeface="D2Coding" panose="020B0609020101020101" pitchFamily="49" charset="-127"/>
+                </a:rPr>
+                <a:t>키</a:t>
+              </a:r>
+              <a:r>
+                <a:rPr kumimoji="1" lang="en-US" altLang="ko-KR" sz="4400" b="1" dirty="0">
+                  <a:latin typeface="D2Coding" panose="020B0609020101020101" pitchFamily="49" charset="-127"/>
+                  <a:ea typeface="D2Coding" panose="020B0609020101020101" pitchFamily="49" charset="-127"/>
+                </a:rPr>
+                <a:t>)</a:t>
               </a:r>
               <a:endParaRPr kumimoji="1" lang="ko-KR" altLang="en-US" sz="4400" b="1" dirty="0">
                 <a:latin typeface="D2Coding" panose="020B0609020101020101" pitchFamily="49" charset="-127"/>
@@ -12883,7 +13611,7 @@
     </p:spTree>
     <p:extLst>
       <p:ext uri="{BB962C8B-B14F-4D97-AF65-F5344CB8AC3E}">
-        <p14:creationId xmlns:p14="http://schemas.microsoft.com/office/powerpoint/2010/main" val="4284783367"/>
+        <p14:creationId xmlns:p14="http://schemas.microsoft.com/office/powerpoint/2010/main" val="1090319033"/>
       </p:ext>
     </p:extLst>
   </p:cSld>
@@ -12893,7 +13621,7 @@
 </p:sld>
 </file>
 
-<file path=ppt/slides/slide45.xml><?xml version="1.0" encoding="utf-8"?>
+<file path=ppt/slides/slide5.xml><?xml version="1.0" encoding="utf-8"?>
 <p:sld xmlns:a="http://schemas.openxmlformats.org/drawingml/2006/main" xmlns:r="http://schemas.openxmlformats.org/officeDocument/2006/relationships" xmlns:p="http://schemas.openxmlformats.org/presentationml/2006/main">
   <p:cSld>
     <p:spTree>
@@ -13066,32 +13794,57 @@
             <a:p>
               <a:pPr algn="ctr"/>
               <a:r>
-                <a:rPr kumimoji="1" lang="en-US" altLang="ko-KR" sz="4400" b="1">
-                  <a:latin typeface="D2Coding" panose="020B0609020101020101" pitchFamily="49" charset="-127"/>
-                  <a:ea typeface="D2Coding" panose="020B0609020101020101" pitchFamily="49" charset="-127"/>
-                </a:rPr>
-                <a:t>Day 44</a:t>
-              </a:r>
-              <a:endParaRPr kumimoji="1" lang="en-US" altLang="ko-KR" sz="4400" b="1" dirty="0">
-                <a:latin typeface="D2Coding" panose="020B0609020101020101" pitchFamily="49" charset="-127"/>
-                <a:ea typeface="D2Coding" panose="020B0609020101020101" pitchFamily="49" charset="-127"/>
-              </a:endParaRPr>
+                <a:rPr kumimoji="1" lang="en-US" altLang="ko-KR" sz="4400" b="1" dirty="0">
+                  <a:latin typeface="D2Coding" panose="020B0609020101020101" pitchFamily="49" charset="-127"/>
+                  <a:ea typeface="D2Coding" panose="020B0609020101020101" pitchFamily="49" charset="-127"/>
+                </a:rPr>
+                <a:t>Day 03</a:t>
+              </a:r>
             </a:p>
             <a:p>
-              <a:pPr algn="ctr"/>
+              <a:r>
+                <a:rPr lang="en" altLang="ko-KR" sz="4400" dirty="0">
+                  <a:solidFill>
+                    <a:srgbClr val="BCBEC4"/>
+                  </a:solidFill>
+                  <a:effectLst/>
+                </a:rPr>
+                <a:t> </a:t>
+              </a:r>
+              <a:r>
+                <a:rPr kumimoji="1" lang="en" altLang="ko-KR" sz="4400" b="1" dirty="0">
+                  <a:latin typeface="D2Coding" panose="020B0609020101020101" pitchFamily="49" charset="-127"/>
+                  <a:ea typeface="D2Coding" panose="020B0609020101020101" pitchFamily="49" charset="-127"/>
+                </a:rPr>
+                <a:t>Application </a:t>
+              </a:r>
               <a:r>
                 <a:rPr kumimoji="1" lang="ko-KR" altLang="en-US" sz="4400" b="1" dirty="0">
                   <a:latin typeface="D2Coding" panose="020B0609020101020101" pitchFamily="49" charset="-127"/>
                   <a:ea typeface="D2Coding" panose="020B0609020101020101" pitchFamily="49" charset="-127"/>
                 </a:rPr>
-                <a:t>실습프로젝트</a:t>
+                <a:t>개념</a:t>
               </a:r>
               <a:r>
                 <a:rPr kumimoji="1" lang="en-US" altLang="ko-KR" sz="4400" b="1" dirty="0">
                   <a:latin typeface="D2Coding" panose="020B0609020101020101" pitchFamily="49" charset="-127"/>
                   <a:ea typeface="D2Coding" panose="020B0609020101020101" pitchFamily="49" charset="-127"/>
                 </a:rPr>
-                <a:t>(Observer)</a:t>
+                <a:t>, </a:t>
+              </a:r>
+              <a:r>
+                <a:rPr kumimoji="1" lang="en" altLang="ko-KR" sz="4400" b="1" dirty="0">
+                  <a:latin typeface="D2Coding" panose="020B0609020101020101" pitchFamily="49" charset="-127"/>
+                  <a:ea typeface="D2Coding" panose="020B0609020101020101" pitchFamily="49" charset="-127"/>
+                </a:rPr>
+                <a:t>Java </a:t>
+              </a:r>
+              <a:r>
+                <a:rPr kumimoji="1" lang="ko-KR" altLang="en-US" sz="4400" b="1" dirty="0" err="1">
+                  <a:latin typeface="D2Coding" panose="020B0609020101020101" pitchFamily="49" charset="-127"/>
+                  <a:ea typeface="D2Coding" panose="020B0609020101020101" pitchFamily="49" charset="-127"/>
+                </a:rPr>
+                <a:t>기초및설치</a:t>
               </a:r>
               <a:endParaRPr kumimoji="1" lang="ko-KR" altLang="en-US" sz="4400" b="1" dirty="0">
                 <a:latin typeface="D2Coding" panose="020B0609020101020101" pitchFamily="49" charset="-127"/>
@@ -13104,7 +13857,7 @@
     </p:spTree>
     <p:extLst>
       <p:ext uri="{BB962C8B-B14F-4D97-AF65-F5344CB8AC3E}">
-        <p14:creationId xmlns:p14="http://schemas.microsoft.com/office/powerpoint/2010/main" val="2899385986"/>
+        <p14:creationId xmlns:p14="http://schemas.microsoft.com/office/powerpoint/2010/main" val="3366627122"/>
       </p:ext>
     </p:extLst>
   </p:cSld>
@@ -13114,7 +13867,154 @@
 </p:sld>
 </file>
 
-<file path=ppt/slides/slide46.xml><?xml version="1.0" encoding="utf-8"?>
+<file path=ppt/slides/slide50.xml><?xml version="1.0" encoding="utf-8"?>
+<p:sld xmlns:a="http://schemas.openxmlformats.org/drawingml/2006/main" xmlns:r="http://schemas.openxmlformats.org/officeDocument/2006/relationships" xmlns:p="http://schemas.openxmlformats.org/presentationml/2006/main">
+  <p:cSld>
+    <p:spTree>
+      <p:nvGrpSpPr>
+        <p:cNvPr id="1" name=""/>
+        <p:cNvGrpSpPr/>
+        <p:nvPr/>
+      </p:nvGrpSpPr>
+      <p:grpSpPr>
+        <a:xfrm>
+          <a:off x="0" y="0"/>
+          <a:ext cx="0" cy="0"/>
+          <a:chOff x="0" y="0"/>
+          <a:chExt cx="0" cy="0"/>
+        </a:xfrm>
+      </p:grpSpPr>
+      <p:grpSp>
+        <p:nvGrpSpPr>
+          <p:cNvPr id="7" name="그룹 6">
+            <a:extLst>
+              <a:ext uri="{FF2B5EF4-FFF2-40B4-BE49-F238E27FC236}">
+                <a16:creationId xmlns:a16="http://schemas.microsoft.com/office/drawing/2014/main" id="{D43A01C3-75D7-CEF4-9A06-955DF6ED173D}"/>
+              </a:ext>
+            </a:extLst>
+          </p:cNvPr>
+          <p:cNvGrpSpPr/>
+          <p:nvPr/>
+        </p:nvGrpSpPr>
+        <p:grpSpPr>
+          <a:xfrm>
+            <a:off x="1143000" y="1238490"/>
+            <a:ext cx="7772400" cy="3777325"/>
+            <a:chOff x="1143000" y="1238490"/>
+            <a:chExt cx="7772400" cy="3777325"/>
+          </a:xfrm>
+        </p:grpSpPr>
+        <p:pic>
+          <p:nvPicPr>
+            <p:cNvPr id="5" name="그림 4" descr="폰트, 로고, 그래픽, 화이트이(가) 표시된 사진&#10;&#10;자동 생성된 설명">
+              <a:extLst>
+                <a:ext uri="{FF2B5EF4-FFF2-40B4-BE49-F238E27FC236}">
+                  <a16:creationId xmlns:a16="http://schemas.microsoft.com/office/drawing/2014/main" id="{80E5AF78-A18A-B84D-6175-24388DFE2CA8}"/>
+                </a:ext>
+              </a:extLst>
+            </p:cNvPr>
+            <p:cNvPicPr>
+              <a:picLocks noChangeAspect="1"/>
+            </p:cNvPicPr>
+            <p:nvPr/>
+          </p:nvPicPr>
+          <p:blipFill>
+            <a:blip r:embed="rId2"/>
+            <a:srcRect t="13650"/>
+            <a:stretch/>
+          </p:blipFill>
+          <p:spPr>
+            <a:xfrm>
+              <a:off x="1143000" y="1238490"/>
+              <a:ext cx="7772400" cy="3777325"/>
+            </a:xfrm>
+            <a:prstGeom prst="rect">
+              <a:avLst/>
+            </a:prstGeom>
+          </p:spPr>
+        </p:pic>
+        <p:sp>
+          <p:nvSpPr>
+            <p:cNvPr id="6" name="TextBox 5">
+              <a:extLst>
+                <a:ext uri="{FF2B5EF4-FFF2-40B4-BE49-F238E27FC236}">
+                  <a16:creationId xmlns:a16="http://schemas.microsoft.com/office/drawing/2014/main" id="{7BC70131-2A0F-D582-388D-5AB1E95FE6C4}"/>
+                </a:ext>
+              </a:extLst>
+            </p:cNvPr>
+            <p:cNvSpPr txBox="1"/>
+            <p:nvPr/>
+          </p:nvSpPr>
+          <p:spPr>
+            <a:xfrm>
+              <a:off x="1794075" y="3336403"/>
+              <a:ext cx="6470249" cy="954107"/>
+            </a:xfrm>
+            <a:prstGeom prst="rect">
+              <a:avLst/>
+            </a:prstGeom>
+            <a:noFill/>
+          </p:spPr>
+          <p:txBody>
+            <a:bodyPr wrap="square" rtlCol="0">
+              <a:spAutoFit/>
+            </a:bodyPr>
+            <a:lstStyle/>
+            <a:p>
+              <a:pPr algn="ctr"/>
+              <a:r>
+                <a:rPr kumimoji="1" lang="en-US" altLang="ko-KR" sz="2800" b="1" dirty="0">
+                  <a:latin typeface="D2Coding" panose="020B0609020101020101" pitchFamily="49" charset="-127"/>
+                  <a:ea typeface="D2Coding" panose="020B0609020101020101" pitchFamily="49" charset="-127"/>
+                </a:rPr>
+                <a:t>Day 55</a:t>
+              </a:r>
+            </a:p>
+            <a:p>
+              <a:pPr algn="ctr"/>
+              <a:r>
+                <a:rPr kumimoji="1" lang="en-US" altLang="ko-KR" sz="2800" b="1" dirty="0">
+                  <a:latin typeface="D2Coding" panose="020B0609020101020101" pitchFamily="49" charset="-127"/>
+                  <a:ea typeface="D2Coding" panose="020B0609020101020101" pitchFamily="49" charset="-127"/>
+                </a:rPr>
+                <a:t>SQL (Join,</a:t>
+              </a:r>
+              <a:r>
+                <a:rPr kumimoji="1" lang="ko-KR" altLang="en-US" sz="2800" b="1" dirty="0">
+                  <a:latin typeface="D2Coding" panose="020B0609020101020101" pitchFamily="49" charset="-127"/>
+                  <a:ea typeface="D2Coding" panose="020B0609020101020101" pitchFamily="49" charset="-127"/>
+                </a:rPr>
+                <a:t> </a:t>
+              </a:r>
+              <a:r>
+                <a:rPr kumimoji="1" lang="en-US" altLang="ko-KR" sz="2800" b="1" dirty="0">
+                  <a:latin typeface="D2Coding" panose="020B0609020101020101" pitchFamily="49" charset="-127"/>
+                  <a:ea typeface="D2Coding" panose="020B0609020101020101" pitchFamily="49" charset="-127"/>
+                </a:rPr>
+                <a:t>Foreign Key)</a:t>
+              </a:r>
+              <a:endParaRPr kumimoji="1" lang="ko-KR" altLang="en-US" sz="2800" b="1" dirty="0">
+                <a:latin typeface="D2Coding" panose="020B0609020101020101" pitchFamily="49" charset="-127"/>
+                <a:ea typeface="D2Coding" panose="020B0609020101020101" pitchFamily="49" charset="-127"/>
+              </a:endParaRPr>
+            </a:p>
+          </p:txBody>
+        </p:sp>
+      </p:grpSp>
+    </p:spTree>
+    <p:extLst>
+      <p:ext uri="{BB962C8B-B14F-4D97-AF65-F5344CB8AC3E}">
+        <p14:creationId xmlns:p14="http://schemas.microsoft.com/office/powerpoint/2010/main" val="3879683388"/>
+      </p:ext>
+    </p:extLst>
+  </p:cSld>
+  <p:clrMapOvr>
+    <a:masterClrMapping/>
+  </p:clrMapOvr>
+</p:sld>
+</file>
+
+<file path=ppt/slides/slide51.xml><?xml version="1.0" encoding="utf-8"?>
 <p:sld xmlns:a="http://schemas.openxmlformats.org/drawingml/2006/main" xmlns:r="http://schemas.openxmlformats.org/officeDocument/2006/relationships" xmlns:p="http://schemas.openxmlformats.org/presentationml/2006/main">
   <p:cSld>
     <p:spTree>
@@ -13291,1991 +14191,6 @@
                   <a:latin typeface="D2Coding" panose="020B0609020101020101" pitchFamily="49" charset="-127"/>
                   <a:ea typeface="D2Coding" panose="020B0609020101020101" pitchFamily="49" charset="-127"/>
                 </a:rPr>
-                <a:t>Day 45</a:t>
-              </a:r>
-            </a:p>
-            <a:p>
-              <a:pPr algn="ctr"/>
-              <a:r>
-                <a:rPr kumimoji="1" lang="en-US" altLang="ko-KR" sz="4400" b="1" dirty="0">
-                  <a:latin typeface="D2Coding" panose="020B0609020101020101" pitchFamily="49" charset="-127"/>
-                  <a:ea typeface="D2Coding" panose="020B0609020101020101" pitchFamily="49" charset="-127"/>
-                </a:rPr>
-                <a:t>Java</a:t>
-              </a:r>
-              <a:r>
-                <a:rPr kumimoji="1" lang="ko-KR" altLang="en-US" sz="4400" b="1" dirty="0">
-                  <a:latin typeface="D2Coding" panose="020B0609020101020101" pitchFamily="49" charset="-127"/>
-                  <a:ea typeface="D2Coding" panose="020B0609020101020101" pitchFamily="49" charset="-127"/>
-                </a:rPr>
-                <a:t>프로그래밍 기초</a:t>
-              </a:r>
-              <a:r>
-                <a:rPr kumimoji="1" lang="en-US" altLang="ko-KR" sz="4400" b="1" dirty="0">
-                  <a:latin typeface="D2Coding" panose="020B0609020101020101" pitchFamily="49" charset="-127"/>
-                  <a:ea typeface="D2Coding" panose="020B0609020101020101" pitchFamily="49" charset="-127"/>
-                </a:rPr>
-                <a:t>(Network)</a:t>
-              </a:r>
-              <a:endParaRPr kumimoji="1" lang="ko-KR" altLang="en-US" sz="4400" b="1" dirty="0">
-                <a:latin typeface="D2Coding" panose="020B0609020101020101" pitchFamily="49" charset="-127"/>
-                <a:ea typeface="D2Coding" panose="020B0609020101020101" pitchFamily="49" charset="-127"/>
-              </a:endParaRPr>
-            </a:p>
-          </p:txBody>
-        </p:sp>
-      </p:grpSp>
-    </p:spTree>
-    <p:extLst>
-      <p:ext uri="{BB962C8B-B14F-4D97-AF65-F5344CB8AC3E}">
-        <p14:creationId xmlns:p14="http://schemas.microsoft.com/office/powerpoint/2010/main" val="2217921325"/>
-      </p:ext>
-    </p:extLst>
-  </p:cSld>
-  <p:clrMapOvr>
-    <a:masterClrMapping/>
-  </p:clrMapOvr>
-</p:sld>
-</file>
-
-<file path=ppt/slides/slide47.xml><?xml version="1.0" encoding="utf-8"?>
-<p:sld xmlns:a="http://schemas.openxmlformats.org/drawingml/2006/main" xmlns:r="http://schemas.openxmlformats.org/officeDocument/2006/relationships" xmlns:p="http://schemas.openxmlformats.org/presentationml/2006/main">
-  <p:cSld>
-    <p:spTree>
-      <p:nvGrpSpPr>
-        <p:cNvPr id="1" name=""/>
-        <p:cNvGrpSpPr/>
-        <p:nvPr/>
-      </p:nvGrpSpPr>
-      <p:grpSpPr>
-        <a:xfrm>
-          <a:off x="0" y="0"/>
-          <a:ext cx="0" cy="0"/>
-          <a:chOff x="0" y="0"/>
-          <a:chExt cx="0" cy="0"/>
-        </a:xfrm>
-      </p:grpSpPr>
-      <p:sp>
-        <p:nvSpPr>
-          <p:cNvPr id="6" name="TextBox 5">
-            <a:extLst>
-              <a:ext uri="{FF2B5EF4-FFF2-40B4-BE49-F238E27FC236}">
-                <a16:creationId xmlns:a16="http://schemas.microsoft.com/office/drawing/2014/main" id="{7BC70131-2A0F-D582-388D-5AB1E95FE6C4}"/>
-              </a:ext>
-            </a:extLst>
-          </p:cNvPr>
-          <p:cNvSpPr txBox="1"/>
-          <p:nvPr/>
-        </p:nvSpPr>
-        <p:spPr>
-          <a:xfrm>
-            <a:off x="1021294" y="3808909"/>
-            <a:ext cx="10149410" cy="1384995"/>
-          </a:xfrm>
-          <a:prstGeom prst="rect">
-            <a:avLst/>
-          </a:prstGeom>
-          <a:noFill/>
-        </p:spPr>
-        <p:txBody>
-          <a:bodyPr wrap="square" rtlCol="0">
-            <a:spAutoFit/>
-          </a:bodyPr>
-          <a:lstStyle/>
-          <a:p>
-            <a:pPr algn="ctr"/>
-            <a:r>
-              <a:rPr kumimoji="1" lang="en-US" altLang="ko-KR" sz="2800" b="1" dirty="0">
-                <a:latin typeface="D2Coding" panose="020B0609020101020101" pitchFamily="49" charset="-127"/>
-                <a:ea typeface="D2Coding" panose="020B0609020101020101" pitchFamily="49" charset="-127"/>
-              </a:rPr>
-              <a:t>Day 56</a:t>
-            </a:r>
-          </a:p>
-          <a:p>
-            <a:pPr algn="ctr"/>
-            <a:r>
-              <a:rPr kumimoji="1" lang="en-US" altLang="ko-KR" sz="2800" b="1" dirty="0">
-                <a:latin typeface="D2Coding" panose="020B0609020101020101" pitchFamily="49" charset="-127"/>
-                <a:ea typeface="D2Coding" panose="020B0609020101020101" pitchFamily="49" charset="-127"/>
-              </a:rPr>
-              <a:t>Java</a:t>
-            </a:r>
-            <a:r>
-              <a:rPr kumimoji="1" lang="ko-KR" altLang="en-US" sz="2800" b="1" dirty="0">
-                <a:latin typeface="D2Coding" panose="020B0609020101020101" pitchFamily="49" charset="-127"/>
-                <a:ea typeface="D2Coding" panose="020B0609020101020101" pitchFamily="49" charset="-127"/>
-              </a:rPr>
-              <a:t>프로그래밍 기초</a:t>
-            </a:r>
-            <a:endParaRPr kumimoji="1" lang="en-US" altLang="ko-KR" sz="2800" b="1" dirty="0">
-              <a:latin typeface="D2Coding" panose="020B0609020101020101" pitchFamily="49" charset="-127"/>
-              <a:ea typeface="D2Coding" panose="020B0609020101020101" pitchFamily="49" charset="-127"/>
-            </a:endParaRPr>
-          </a:p>
-          <a:p>
-            <a:pPr algn="ctr"/>
-            <a:r>
-              <a:rPr kumimoji="1" lang="en-US" altLang="ko-KR" sz="2800" b="1" dirty="0">
-                <a:latin typeface="D2Coding" panose="020B0609020101020101" pitchFamily="49" charset="-127"/>
-                <a:ea typeface="D2Coding" panose="020B0609020101020101" pitchFamily="49" charset="-127"/>
-              </a:rPr>
-              <a:t>JDBC – </a:t>
-            </a:r>
-            <a:r>
-              <a:rPr kumimoji="1" lang="ko-KR" altLang="en-US" sz="2800" b="1" dirty="0">
-                <a:latin typeface="D2Coding" panose="020B0609020101020101" pitchFamily="49" charset="-127"/>
-                <a:ea typeface="D2Coding" panose="020B0609020101020101" pitchFamily="49" charset="-127"/>
-              </a:rPr>
-              <a:t>라이브러리 설치 및 등록</a:t>
-            </a:r>
-          </a:p>
-        </p:txBody>
-      </p:sp>
-      <p:grpSp>
-        <p:nvGrpSpPr>
-          <p:cNvPr id="3" name="그룹 2">
-            <a:extLst>
-              <a:ext uri="{FF2B5EF4-FFF2-40B4-BE49-F238E27FC236}">
-                <a16:creationId xmlns:a16="http://schemas.microsoft.com/office/drawing/2014/main" id="{CCB49D7F-A40B-2950-C3BB-13981C780200}"/>
-              </a:ext>
-            </a:extLst>
-          </p:cNvPr>
-          <p:cNvGrpSpPr/>
-          <p:nvPr/>
-        </p:nvGrpSpPr>
-        <p:grpSpPr>
-          <a:xfrm>
-            <a:off x="0" y="0"/>
-            <a:ext cx="12192000" cy="6858000"/>
-            <a:chOff x="1143000" y="1238490"/>
-            <a:chExt cx="7772400" cy="3777325"/>
-          </a:xfrm>
-        </p:grpSpPr>
-        <p:pic>
-          <p:nvPicPr>
-            <p:cNvPr id="4" name="그림 3" descr="폰트, 로고, 그래픽, 화이트이(가) 표시된 사진&#10;&#10;자동 생성된 설명">
-              <a:extLst>
-                <a:ext uri="{FF2B5EF4-FFF2-40B4-BE49-F238E27FC236}">
-                  <a16:creationId xmlns:a16="http://schemas.microsoft.com/office/drawing/2014/main" id="{B742D47A-36C2-B9F0-BC20-0E30F4A6AEEC}"/>
-                </a:ext>
-              </a:extLst>
-            </p:cNvPr>
-            <p:cNvPicPr>
-              <a:picLocks noChangeAspect="1"/>
-            </p:cNvPicPr>
-            <p:nvPr/>
-          </p:nvPicPr>
-          <p:blipFill>
-            <a:blip r:embed="rId2"/>
-            <a:srcRect t="13650"/>
-            <a:stretch/>
-          </p:blipFill>
-          <p:spPr>
-            <a:xfrm>
-              <a:off x="1143000" y="1238490"/>
-              <a:ext cx="7772400" cy="3777325"/>
-            </a:xfrm>
-            <a:prstGeom prst="rect">
-              <a:avLst/>
-            </a:prstGeom>
-          </p:spPr>
-        </p:pic>
-        <p:sp>
-          <p:nvSpPr>
-            <p:cNvPr id="8" name="TextBox 7">
-              <a:extLst>
-                <a:ext uri="{FF2B5EF4-FFF2-40B4-BE49-F238E27FC236}">
-                  <a16:creationId xmlns:a16="http://schemas.microsoft.com/office/drawing/2014/main" id="{B3D8B992-313F-AA19-ECC1-9BA2DED76D4E}"/>
-                </a:ext>
-              </a:extLst>
-            </p:cNvPr>
-            <p:cNvSpPr txBox="1"/>
-            <p:nvPr/>
-          </p:nvSpPr>
-          <p:spPr>
-            <a:xfrm>
-              <a:off x="1794075" y="3336403"/>
-              <a:ext cx="6470249" cy="1169692"/>
-            </a:xfrm>
-            <a:prstGeom prst="rect">
-              <a:avLst/>
-            </a:prstGeom>
-            <a:noFill/>
-          </p:spPr>
-          <p:txBody>
-            <a:bodyPr wrap="square" rtlCol="0">
-              <a:spAutoFit/>
-            </a:bodyPr>
-            <a:lstStyle/>
-            <a:p>
-              <a:pPr algn="ctr"/>
-              <a:r>
-                <a:rPr kumimoji="1" lang="en-US" altLang="ko-KR" sz="4400" b="1" dirty="0">
-                  <a:latin typeface="D2Coding" panose="020B0609020101020101" pitchFamily="49" charset="-127"/>
-                  <a:ea typeface="D2Coding" panose="020B0609020101020101" pitchFamily="49" charset="-127"/>
-                </a:rPr>
-                <a:t>Day 46</a:t>
-              </a:r>
-            </a:p>
-            <a:p>
-              <a:pPr algn="ctr"/>
-              <a:r>
-                <a:rPr kumimoji="1" lang="en-US" altLang="ko-KR" sz="4400" b="1" dirty="0">
-                  <a:latin typeface="D2Coding" panose="020B0609020101020101" pitchFamily="49" charset="-127"/>
-                  <a:ea typeface="D2Coding" panose="020B0609020101020101" pitchFamily="49" charset="-127"/>
-                </a:rPr>
-                <a:t>Java</a:t>
-              </a:r>
-              <a:r>
-                <a:rPr kumimoji="1" lang="ko-KR" altLang="en-US" sz="4400" b="1" dirty="0">
-                  <a:latin typeface="D2Coding" panose="020B0609020101020101" pitchFamily="49" charset="-127"/>
-                  <a:ea typeface="D2Coding" panose="020B0609020101020101" pitchFamily="49" charset="-127"/>
-                </a:rPr>
-                <a:t>프로그래밍 기초</a:t>
-              </a:r>
-              <a:r>
-                <a:rPr kumimoji="1" lang="en-US" altLang="ko-KR" sz="4400" b="1" dirty="0">
-                  <a:latin typeface="D2Coding" panose="020B0609020101020101" pitchFamily="49" charset="-127"/>
-                  <a:ea typeface="D2Coding" panose="020B0609020101020101" pitchFamily="49" charset="-127"/>
-                </a:rPr>
-                <a:t>(Network)</a:t>
-              </a:r>
-              <a:endParaRPr kumimoji="1" lang="ko-KR" altLang="en-US" sz="4400" b="1" dirty="0">
-                <a:latin typeface="D2Coding" panose="020B0609020101020101" pitchFamily="49" charset="-127"/>
-                <a:ea typeface="D2Coding" panose="020B0609020101020101" pitchFamily="49" charset="-127"/>
-              </a:endParaRPr>
-            </a:p>
-            <a:p>
-              <a:pPr algn="ctr"/>
-              <a:endParaRPr kumimoji="1" lang="ko-KR" altLang="en-US" sz="4400" b="1" dirty="0">
-                <a:latin typeface="D2Coding" panose="020B0609020101020101" pitchFamily="49" charset="-127"/>
-                <a:ea typeface="D2Coding" panose="020B0609020101020101" pitchFamily="49" charset="-127"/>
-              </a:endParaRPr>
-            </a:p>
-          </p:txBody>
-        </p:sp>
-      </p:grpSp>
-    </p:spTree>
-    <p:extLst>
-      <p:ext uri="{BB962C8B-B14F-4D97-AF65-F5344CB8AC3E}">
-        <p14:creationId xmlns:p14="http://schemas.microsoft.com/office/powerpoint/2010/main" val="3855682810"/>
-      </p:ext>
-    </p:extLst>
-  </p:cSld>
-  <p:clrMapOvr>
-    <a:masterClrMapping/>
-  </p:clrMapOvr>
-</p:sld>
-</file>
-
-<file path=ppt/slides/slide48.xml><?xml version="1.0" encoding="utf-8"?>
-<p:sld xmlns:a="http://schemas.openxmlformats.org/drawingml/2006/main" xmlns:r="http://schemas.openxmlformats.org/officeDocument/2006/relationships" xmlns:p="http://schemas.openxmlformats.org/presentationml/2006/main">
-  <p:cSld>
-    <p:spTree>
-      <p:nvGrpSpPr>
-        <p:cNvPr id="1" name=""/>
-        <p:cNvGrpSpPr/>
-        <p:nvPr/>
-      </p:nvGrpSpPr>
-      <p:grpSpPr>
-        <a:xfrm>
-          <a:off x="0" y="0"/>
-          <a:ext cx="0" cy="0"/>
-          <a:chOff x="0" y="0"/>
-          <a:chExt cx="0" cy="0"/>
-        </a:xfrm>
-      </p:grpSpPr>
-      <p:sp>
-        <p:nvSpPr>
-          <p:cNvPr id="6" name="TextBox 5">
-            <a:extLst>
-              <a:ext uri="{FF2B5EF4-FFF2-40B4-BE49-F238E27FC236}">
-                <a16:creationId xmlns:a16="http://schemas.microsoft.com/office/drawing/2014/main" id="{7BC70131-2A0F-D582-388D-5AB1E95FE6C4}"/>
-              </a:ext>
-            </a:extLst>
-          </p:cNvPr>
-          <p:cNvSpPr txBox="1"/>
-          <p:nvPr/>
-        </p:nvSpPr>
-        <p:spPr>
-          <a:xfrm>
-            <a:off x="1021294" y="3808909"/>
-            <a:ext cx="10149410" cy="1384995"/>
-          </a:xfrm>
-          <a:prstGeom prst="rect">
-            <a:avLst/>
-          </a:prstGeom>
-          <a:noFill/>
-        </p:spPr>
-        <p:txBody>
-          <a:bodyPr wrap="square" rtlCol="0">
-            <a:spAutoFit/>
-          </a:bodyPr>
-          <a:lstStyle/>
-          <a:p>
-            <a:pPr algn="ctr"/>
-            <a:r>
-              <a:rPr kumimoji="1" lang="en-US" altLang="ko-KR" sz="2800" b="1" dirty="0">
-                <a:latin typeface="D2Coding" panose="020B0609020101020101" pitchFamily="49" charset="-127"/>
-                <a:ea typeface="D2Coding" panose="020B0609020101020101" pitchFamily="49" charset="-127"/>
-              </a:rPr>
-              <a:t>Day 56</a:t>
-            </a:r>
-          </a:p>
-          <a:p>
-            <a:pPr algn="ctr"/>
-            <a:r>
-              <a:rPr kumimoji="1" lang="en-US" altLang="ko-KR" sz="2800" b="1" dirty="0">
-                <a:latin typeface="D2Coding" panose="020B0609020101020101" pitchFamily="49" charset="-127"/>
-                <a:ea typeface="D2Coding" panose="020B0609020101020101" pitchFamily="49" charset="-127"/>
-              </a:rPr>
-              <a:t>Java</a:t>
-            </a:r>
-            <a:r>
-              <a:rPr kumimoji="1" lang="ko-KR" altLang="en-US" sz="2800" b="1" dirty="0">
-                <a:latin typeface="D2Coding" panose="020B0609020101020101" pitchFamily="49" charset="-127"/>
-                <a:ea typeface="D2Coding" panose="020B0609020101020101" pitchFamily="49" charset="-127"/>
-              </a:rPr>
-              <a:t>프로그래밍 기초</a:t>
-            </a:r>
-            <a:endParaRPr kumimoji="1" lang="en-US" altLang="ko-KR" sz="2800" b="1" dirty="0">
-              <a:latin typeface="D2Coding" panose="020B0609020101020101" pitchFamily="49" charset="-127"/>
-              <a:ea typeface="D2Coding" panose="020B0609020101020101" pitchFamily="49" charset="-127"/>
-            </a:endParaRPr>
-          </a:p>
-          <a:p>
-            <a:pPr algn="ctr"/>
-            <a:r>
-              <a:rPr kumimoji="1" lang="en-US" altLang="ko-KR" sz="2800" b="1" dirty="0">
-                <a:latin typeface="D2Coding" panose="020B0609020101020101" pitchFamily="49" charset="-127"/>
-                <a:ea typeface="D2Coding" panose="020B0609020101020101" pitchFamily="49" charset="-127"/>
-              </a:rPr>
-              <a:t>JDBC – </a:t>
-            </a:r>
-            <a:r>
-              <a:rPr kumimoji="1" lang="ko-KR" altLang="en-US" sz="2800" b="1" dirty="0">
-                <a:latin typeface="D2Coding" panose="020B0609020101020101" pitchFamily="49" charset="-127"/>
-                <a:ea typeface="D2Coding" panose="020B0609020101020101" pitchFamily="49" charset="-127"/>
-              </a:rPr>
-              <a:t>라이브러리 설치 및 등록</a:t>
-            </a:r>
-          </a:p>
-        </p:txBody>
-      </p:sp>
-      <p:grpSp>
-        <p:nvGrpSpPr>
-          <p:cNvPr id="3" name="그룹 2">
-            <a:extLst>
-              <a:ext uri="{FF2B5EF4-FFF2-40B4-BE49-F238E27FC236}">
-                <a16:creationId xmlns:a16="http://schemas.microsoft.com/office/drawing/2014/main" id="{CCB49D7F-A40B-2950-C3BB-13981C780200}"/>
-              </a:ext>
-            </a:extLst>
-          </p:cNvPr>
-          <p:cNvGrpSpPr/>
-          <p:nvPr/>
-        </p:nvGrpSpPr>
-        <p:grpSpPr>
-          <a:xfrm>
-            <a:off x="0" y="0"/>
-            <a:ext cx="12192000" cy="6858000"/>
-            <a:chOff x="1143000" y="1238490"/>
-            <a:chExt cx="7772400" cy="3777325"/>
-          </a:xfrm>
-        </p:grpSpPr>
-        <p:pic>
-          <p:nvPicPr>
-            <p:cNvPr id="4" name="그림 3" descr="폰트, 로고, 그래픽, 화이트이(가) 표시된 사진&#10;&#10;자동 생성된 설명">
-              <a:extLst>
-                <a:ext uri="{FF2B5EF4-FFF2-40B4-BE49-F238E27FC236}">
-                  <a16:creationId xmlns:a16="http://schemas.microsoft.com/office/drawing/2014/main" id="{B742D47A-36C2-B9F0-BC20-0E30F4A6AEEC}"/>
-                </a:ext>
-              </a:extLst>
-            </p:cNvPr>
-            <p:cNvPicPr>
-              <a:picLocks noChangeAspect="1"/>
-            </p:cNvPicPr>
-            <p:nvPr/>
-          </p:nvPicPr>
-          <p:blipFill>
-            <a:blip r:embed="rId2"/>
-            <a:srcRect t="13650"/>
-            <a:stretch/>
-          </p:blipFill>
-          <p:spPr>
-            <a:xfrm>
-              <a:off x="1143000" y="1238490"/>
-              <a:ext cx="7772400" cy="3777325"/>
-            </a:xfrm>
-            <a:prstGeom prst="rect">
-              <a:avLst/>
-            </a:prstGeom>
-          </p:spPr>
-        </p:pic>
-        <p:sp>
-          <p:nvSpPr>
-            <p:cNvPr id="8" name="TextBox 7">
-              <a:extLst>
-                <a:ext uri="{FF2B5EF4-FFF2-40B4-BE49-F238E27FC236}">
-                  <a16:creationId xmlns:a16="http://schemas.microsoft.com/office/drawing/2014/main" id="{B3D8B992-313F-AA19-ECC1-9BA2DED76D4E}"/>
-                </a:ext>
-              </a:extLst>
-            </p:cNvPr>
-            <p:cNvSpPr txBox="1"/>
-            <p:nvPr/>
-          </p:nvSpPr>
-          <p:spPr>
-            <a:xfrm>
-              <a:off x="1794075" y="3336403"/>
-              <a:ext cx="6470249" cy="796747"/>
-            </a:xfrm>
-            <a:prstGeom prst="rect">
-              <a:avLst/>
-            </a:prstGeom>
-            <a:noFill/>
-          </p:spPr>
-          <p:txBody>
-            <a:bodyPr wrap="square" rtlCol="0">
-              <a:spAutoFit/>
-            </a:bodyPr>
-            <a:lstStyle/>
-            <a:p>
-              <a:pPr algn="ctr"/>
-              <a:r>
-                <a:rPr kumimoji="1" lang="en-US" altLang="ko-KR" sz="4400" b="1" dirty="0">
-                  <a:latin typeface="D2Coding" panose="020B0609020101020101" pitchFamily="49" charset="-127"/>
-                  <a:ea typeface="D2Coding" panose="020B0609020101020101" pitchFamily="49" charset="-127"/>
-                </a:rPr>
-                <a:t>Day 48</a:t>
-              </a:r>
-            </a:p>
-            <a:p>
-              <a:pPr algn="ctr"/>
-              <a:r>
-                <a:rPr kumimoji="1" lang="en-US" altLang="ko-KR" sz="4400" b="1" dirty="0">
-                  <a:latin typeface="D2Coding" panose="020B0609020101020101" pitchFamily="49" charset="-127"/>
-                  <a:ea typeface="D2Coding" panose="020B0609020101020101" pitchFamily="49" charset="-127"/>
-                </a:rPr>
-                <a:t>Java</a:t>
-              </a:r>
-              <a:r>
-                <a:rPr kumimoji="1" lang="ko-KR" altLang="en-US" sz="4400" b="1" dirty="0">
-                  <a:latin typeface="D2Coding" panose="020B0609020101020101" pitchFamily="49" charset="-127"/>
-                  <a:ea typeface="D2Coding" panose="020B0609020101020101" pitchFamily="49" charset="-127"/>
-                </a:rPr>
-                <a:t>프로그래밍 기초</a:t>
-              </a:r>
-              <a:r>
-                <a:rPr kumimoji="1" lang="en-US" altLang="ko-KR" sz="4400" b="1" dirty="0">
-                  <a:latin typeface="D2Coding" panose="020B0609020101020101" pitchFamily="49" charset="-127"/>
-                  <a:ea typeface="D2Coding" panose="020B0609020101020101" pitchFamily="49" charset="-127"/>
-                </a:rPr>
-                <a:t>(Thread)</a:t>
-              </a:r>
-              <a:endParaRPr kumimoji="1" lang="ko-KR" altLang="en-US" sz="4400" b="1" dirty="0">
-                <a:latin typeface="D2Coding" panose="020B0609020101020101" pitchFamily="49" charset="-127"/>
-                <a:ea typeface="D2Coding" panose="020B0609020101020101" pitchFamily="49" charset="-127"/>
-              </a:endParaRPr>
-            </a:p>
-          </p:txBody>
-        </p:sp>
-      </p:grpSp>
-    </p:spTree>
-    <p:extLst>
-      <p:ext uri="{BB962C8B-B14F-4D97-AF65-F5344CB8AC3E}">
-        <p14:creationId xmlns:p14="http://schemas.microsoft.com/office/powerpoint/2010/main" val="2696677069"/>
-      </p:ext>
-    </p:extLst>
-  </p:cSld>
-  <p:clrMapOvr>
-    <a:masterClrMapping/>
-  </p:clrMapOvr>
-</p:sld>
-</file>
-
-<file path=ppt/slides/slide49.xml><?xml version="1.0" encoding="utf-8"?>
-<p:sld xmlns:a="http://schemas.openxmlformats.org/drawingml/2006/main" xmlns:r="http://schemas.openxmlformats.org/officeDocument/2006/relationships" xmlns:p="http://schemas.openxmlformats.org/presentationml/2006/main">
-  <p:cSld>
-    <p:spTree>
-      <p:nvGrpSpPr>
-        <p:cNvPr id="1" name=""/>
-        <p:cNvGrpSpPr/>
-        <p:nvPr/>
-      </p:nvGrpSpPr>
-      <p:grpSpPr>
-        <a:xfrm>
-          <a:off x="0" y="0"/>
-          <a:ext cx="0" cy="0"/>
-          <a:chOff x="0" y="0"/>
-          <a:chExt cx="0" cy="0"/>
-        </a:xfrm>
-      </p:grpSpPr>
-      <p:sp>
-        <p:nvSpPr>
-          <p:cNvPr id="6" name="TextBox 5">
-            <a:extLst>
-              <a:ext uri="{FF2B5EF4-FFF2-40B4-BE49-F238E27FC236}">
-                <a16:creationId xmlns:a16="http://schemas.microsoft.com/office/drawing/2014/main" id="{7BC70131-2A0F-D582-388D-5AB1E95FE6C4}"/>
-              </a:ext>
-            </a:extLst>
-          </p:cNvPr>
-          <p:cNvSpPr txBox="1"/>
-          <p:nvPr/>
-        </p:nvSpPr>
-        <p:spPr>
-          <a:xfrm>
-            <a:off x="1021294" y="3808909"/>
-            <a:ext cx="10149410" cy="1384995"/>
-          </a:xfrm>
-          <a:prstGeom prst="rect">
-            <a:avLst/>
-          </a:prstGeom>
-          <a:noFill/>
-        </p:spPr>
-        <p:txBody>
-          <a:bodyPr wrap="square" rtlCol="0">
-            <a:spAutoFit/>
-          </a:bodyPr>
-          <a:lstStyle/>
-          <a:p>
-            <a:pPr algn="ctr"/>
-            <a:r>
-              <a:rPr kumimoji="1" lang="en-US" altLang="ko-KR" sz="2800" b="1" dirty="0">
-                <a:latin typeface="D2Coding" panose="020B0609020101020101" pitchFamily="49" charset="-127"/>
-                <a:ea typeface="D2Coding" panose="020B0609020101020101" pitchFamily="49" charset="-127"/>
-              </a:rPr>
-              <a:t>Day 56</a:t>
-            </a:r>
-          </a:p>
-          <a:p>
-            <a:pPr algn="ctr"/>
-            <a:r>
-              <a:rPr kumimoji="1" lang="en-US" altLang="ko-KR" sz="2800" b="1" dirty="0">
-                <a:latin typeface="D2Coding" panose="020B0609020101020101" pitchFamily="49" charset="-127"/>
-                <a:ea typeface="D2Coding" panose="020B0609020101020101" pitchFamily="49" charset="-127"/>
-              </a:rPr>
-              <a:t>Java</a:t>
-            </a:r>
-            <a:r>
-              <a:rPr kumimoji="1" lang="ko-KR" altLang="en-US" sz="2800" b="1" dirty="0">
-                <a:latin typeface="D2Coding" panose="020B0609020101020101" pitchFamily="49" charset="-127"/>
-                <a:ea typeface="D2Coding" panose="020B0609020101020101" pitchFamily="49" charset="-127"/>
-              </a:rPr>
-              <a:t>프로그래밍 기초</a:t>
-            </a:r>
-            <a:endParaRPr kumimoji="1" lang="en-US" altLang="ko-KR" sz="2800" b="1" dirty="0">
-              <a:latin typeface="D2Coding" panose="020B0609020101020101" pitchFamily="49" charset="-127"/>
-              <a:ea typeface="D2Coding" panose="020B0609020101020101" pitchFamily="49" charset="-127"/>
-            </a:endParaRPr>
-          </a:p>
-          <a:p>
-            <a:pPr algn="ctr"/>
-            <a:r>
-              <a:rPr kumimoji="1" lang="en-US" altLang="ko-KR" sz="2800" b="1" dirty="0">
-                <a:latin typeface="D2Coding" panose="020B0609020101020101" pitchFamily="49" charset="-127"/>
-                <a:ea typeface="D2Coding" panose="020B0609020101020101" pitchFamily="49" charset="-127"/>
-              </a:rPr>
-              <a:t>JDBC – </a:t>
-            </a:r>
-            <a:r>
-              <a:rPr kumimoji="1" lang="ko-KR" altLang="en-US" sz="2800" b="1" dirty="0">
-                <a:latin typeface="D2Coding" panose="020B0609020101020101" pitchFamily="49" charset="-127"/>
-                <a:ea typeface="D2Coding" panose="020B0609020101020101" pitchFamily="49" charset="-127"/>
-              </a:rPr>
-              <a:t>라이브러리 설치 및 등록</a:t>
-            </a:r>
-          </a:p>
-        </p:txBody>
-      </p:sp>
-      <p:grpSp>
-        <p:nvGrpSpPr>
-          <p:cNvPr id="3" name="그룹 2">
-            <a:extLst>
-              <a:ext uri="{FF2B5EF4-FFF2-40B4-BE49-F238E27FC236}">
-                <a16:creationId xmlns:a16="http://schemas.microsoft.com/office/drawing/2014/main" id="{CCB49D7F-A40B-2950-C3BB-13981C780200}"/>
-              </a:ext>
-            </a:extLst>
-          </p:cNvPr>
-          <p:cNvGrpSpPr/>
-          <p:nvPr/>
-        </p:nvGrpSpPr>
-        <p:grpSpPr>
-          <a:xfrm>
-            <a:off x="0" y="0"/>
-            <a:ext cx="12192000" cy="6858000"/>
-            <a:chOff x="1143000" y="1238490"/>
-            <a:chExt cx="7772400" cy="3777325"/>
-          </a:xfrm>
-        </p:grpSpPr>
-        <p:pic>
-          <p:nvPicPr>
-            <p:cNvPr id="4" name="그림 3" descr="폰트, 로고, 그래픽, 화이트이(가) 표시된 사진&#10;&#10;자동 생성된 설명">
-              <a:extLst>
-                <a:ext uri="{FF2B5EF4-FFF2-40B4-BE49-F238E27FC236}">
-                  <a16:creationId xmlns:a16="http://schemas.microsoft.com/office/drawing/2014/main" id="{B742D47A-36C2-B9F0-BC20-0E30F4A6AEEC}"/>
-                </a:ext>
-              </a:extLst>
-            </p:cNvPr>
-            <p:cNvPicPr>
-              <a:picLocks noChangeAspect="1"/>
-            </p:cNvPicPr>
-            <p:nvPr/>
-          </p:nvPicPr>
-          <p:blipFill>
-            <a:blip r:embed="rId2"/>
-            <a:srcRect t="13650"/>
-            <a:stretch/>
-          </p:blipFill>
-          <p:spPr>
-            <a:xfrm>
-              <a:off x="1143000" y="1238490"/>
-              <a:ext cx="7772400" cy="3777325"/>
-            </a:xfrm>
-            <a:prstGeom prst="rect">
-              <a:avLst/>
-            </a:prstGeom>
-          </p:spPr>
-        </p:pic>
-        <p:sp>
-          <p:nvSpPr>
-            <p:cNvPr id="8" name="TextBox 7">
-              <a:extLst>
-                <a:ext uri="{FF2B5EF4-FFF2-40B4-BE49-F238E27FC236}">
-                  <a16:creationId xmlns:a16="http://schemas.microsoft.com/office/drawing/2014/main" id="{B3D8B992-313F-AA19-ECC1-9BA2DED76D4E}"/>
-                </a:ext>
-              </a:extLst>
-            </p:cNvPr>
-            <p:cNvSpPr txBox="1"/>
-            <p:nvPr/>
-          </p:nvSpPr>
-          <p:spPr>
-            <a:xfrm>
-              <a:off x="1794075" y="3336403"/>
-              <a:ext cx="6470249" cy="796747"/>
-            </a:xfrm>
-            <a:prstGeom prst="rect">
-              <a:avLst/>
-            </a:prstGeom>
-            <a:noFill/>
-          </p:spPr>
-          <p:txBody>
-            <a:bodyPr wrap="square" rtlCol="0">
-              <a:spAutoFit/>
-            </a:bodyPr>
-            <a:lstStyle/>
-            <a:p>
-              <a:pPr algn="ctr"/>
-              <a:r>
-                <a:rPr kumimoji="1" lang="en-US" altLang="ko-KR" sz="4400" b="1" dirty="0">
-                  <a:latin typeface="D2Coding" panose="020B0609020101020101" pitchFamily="49" charset="-127"/>
-                  <a:ea typeface="D2Coding" panose="020B0609020101020101" pitchFamily="49" charset="-127"/>
-                </a:rPr>
-                <a:t>Day 51</a:t>
-              </a:r>
-            </a:p>
-            <a:p>
-              <a:pPr algn="ctr"/>
-              <a:r>
-                <a:rPr kumimoji="1" lang="en" altLang="ko-KR" sz="4400" b="1" dirty="0">
-                  <a:latin typeface="D2Coding" panose="020B0609020101020101" pitchFamily="49" charset="-127"/>
-                  <a:ea typeface="D2Coding" panose="020B0609020101020101" pitchFamily="49" charset="-127"/>
-                </a:rPr>
-                <a:t>MySQL</a:t>
-              </a:r>
-              <a:r>
-                <a:rPr kumimoji="1" lang="ko-KR" altLang="en-US" sz="4400" b="1" dirty="0">
-                  <a:latin typeface="D2Coding" panose="020B0609020101020101" pitchFamily="49" charset="-127"/>
-                  <a:ea typeface="D2Coding" panose="020B0609020101020101" pitchFamily="49" charset="-127"/>
-                </a:rPr>
-                <a:t>기초</a:t>
-              </a:r>
-              <a:r>
-                <a:rPr kumimoji="1" lang="en-US" altLang="ko-KR" sz="4400" b="1" dirty="0">
-                  <a:latin typeface="D2Coding" panose="020B0609020101020101" pitchFamily="49" charset="-127"/>
-                  <a:ea typeface="D2Coding" panose="020B0609020101020101" pitchFamily="49" charset="-127"/>
-                </a:rPr>
-                <a:t>(</a:t>
-              </a:r>
-              <a:r>
-                <a:rPr kumimoji="1" lang="en" altLang="ko-KR" sz="4400" b="1" dirty="0">
-                  <a:latin typeface="D2Coding" panose="020B0609020101020101" pitchFamily="49" charset="-127"/>
-                  <a:ea typeface="D2Coding" panose="020B0609020101020101" pitchFamily="49" charset="-127"/>
-                </a:rPr>
-                <a:t>DDL)</a:t>
-              </a:r>
-            </a:p>
-          </p:txBody>
-        </p:sp>
-      </p:grpSp>
-    </p:spTree>
-    <p:extLst>
-      <p:ext uri="{BB962C8B-B14F-4D97-AF65-F5344CB8AC3E}">
-        <p14:creationId xmlns:p14="http://schemas.microsoft.com/office/powerpoint/2010/main" val="3125174358"/>
-      </p:ext>
-    </p:extLst>
-  </p:cSld>
-  <p:clrMapOvr>
-    <a:masterClrMapping/>
-  </p:clrMapOvr>
-</p:sld>
-</file>
-
-<file path=ppt/slides/slide5.xml><?xml version="1.0" encoding="utf-8"?>
-<p:sld xmlns:a="http://schemas.openxmlformats.org/drawingml/2006/main" xmlns:r="http://schemas.openxmlformats.org/officeDocument/2006/relationships" xmlns:p="http://schemas.openxmlformats.org/presentationml/2006/main">
-  <p:cSld>
-    <p:spTree>
-      <p:nvGrpSpPr>
-        <p:cNvPr id="1" name=""/>
-        <p:cNvGrpSpPr/>
-        <p:nvPr/>
-      </p:nvGrpSpPr>
-      <p:grpSpPr>
-        <a:xfrm>
-          <a:off x="0" y="0"/>
-          <a:ext cx="0" cy="0"/>
-          <a:chOff x="0" y="0"/>
-          <a:chExt cx="0" cy="0"/>
-        </a:xfrm>
-      </p:grpSpPr>
-      <p:sp>
-        <p:nvSpPr>
-          <p:cNvPr id="6" name="TextBox 5">
-            <a:extLst>
-              <a:ext uri="{FF2B5EF4-FFF2-40B4-BE49-F238E27FC236}">
-                <a16:creationId xmlns:a16="http://schemas.microsoft.com/office/drawing/2014/main" id="{7BC70131-2A0F-D582-388D-5AB1E95FE6C4}"/>
-              </a:ext>
-            </a:extLst>
-          </p:cNvPr>
-          <p:cNvSpPr txBox="1"/>
-          <p:nvPr/>
-        </p:nvSpPr>
-        <p:spPr>
-          <a:xfrm>
-            <a:off x="1021294" y="3808909"/>
-            <a:ext cx="10149410" cy="1384995"/>
-          </a:xfrm>
-          <a:prstGeom prst="rect">
-            <a:avLst/>
-          </a:prstGeom>
-          <a:noFill/>
-        </p:spPr>
-        <p:txBody>
-          <a:bodyPr wrap="square" rtlCol="0">
-            <a:spAutoFit/>
-          </a:bodyPr>
-          <a:lstStyle/>
-          <a:p>
-            <a:pPr algn="ctr"/>
-            <a:r>
-              <a:rPr kumimoji="1" lang="en-US" altLang="ko-KR" sz="2800" b="1" dirty="0">
-                <a:latin typeface="D2Coding" panose="020B0609020101020101" pitchFamily="49" charset="-127"/>
-                <a:ea typeface="D2Coding" panose="020B0609020101020101" pitchFamily="49" charset="-127"/>
-              </a:rPr>
-              <a:t>Day 56</a:t>
-            </a:r>
-          </a:p>
-          <a:p>
-            <a:pPr algn="ctr"/>
-            <a:r>
-              <a:rPr kumimoji="1" lang="en-US" altLang="ko-KR" sz="2800" b="1" dirty="0">
-                <a:latin typeface="D2Coding" panose="020B0609020101020101" pitchFamily="49" charset="-127"/>
-                <a:ea typeface="D2Coding" panose="020B0609020101020101" pitchFamily="49" charset="-127"/>
-              </a:rPr>
-              <a:t>Java</a:t>
-            </a:r>
-            <a:r>
-              <a:rPr kumimoji="1" lang="ko-KR" altLang="en-US" sz="2800" b="1" dirty="0">
-                <a:latin typeface="D2Coding" panose="020B0609020101020101" pitchFamily="49" charset="-127"/>
-                <a:ea typeface="D2Coding" panose="020B0609020101020101" pitchFamily="49" charset="-127"/>
-              </a:rPr>
-              <a:t>프로그래밍 기초</a:t>
-            </a:r>
-            <a:endParaRPr kumimoji="1" lang="en-US" altLang="ko-KR" sz="2800" b="1" dirty="0">
-              <a:latin typeface="D2Coding" panose="020B0609020101020101" pitchFamily="49" charset="-127"/>
-              <a:ea typeface="D2Coding" panose="020B0609020101020101" pitchFamily="49" charset="-127"/>
-            </a:endParaRPr>
-          </a:p>
-          <a:p>
-            <a:pPr algn="ctr"/>
-            <a:r>
-              <a:rPr kumimoji="1" lang="en-US" altLang="ko-KR" sz="2800" b="1" dirty="0">
-                <a:latin typeface="D2Coding" panose="020B0609020101020101" pitchFamily="49" charset="-127"/>
-                <a:ea typeface="D2Coding" panose="020B0609020101020101" pitchFamily="49" charset="-127"/>
-              </a:rPr>
-              <a:t>JDBC – </a:t>
-            </a:r>
-            <a:r>
-              <a:rPr kumimoji="1" lang="ko-KR" altLang="en-US" sz="2800" b="1" dirty="0">
-                <a:latin typeface="D2Coding" panose="020B0609020101020101" pitchFamily="49" charset="-127"/>
-                <a:ea typeface="D2Coding" panose="020B0609020101020101" pitchFamily="49" charset="-127"/>
-              </a:rPr>
-              <a:t>라이브러리 설치 및 등록</a:t>
-            </a:r>
-          </a:p>
-        </p:txBody>
-      </p:sp>
-      <p:grpSp>
-        <p:nvGrpSpPr>
-          <p:cNvPr id="3" name="그룹 2">
-            <a:extLst>
-              <a:ext uri="{FF2B5EF4-FFF2-40B4-BE49-F238E27FC236}">
-                <a16:creationId xmlns:a16="http://schemas.microsoft.com/office/drawing/2014/main" id="{CCB49D7F-A40B-2950-C3BB-13981C780200}"/>
-              </a:ext>
-            </a:extLst>
-          </p:cNvPr>
-          <p:cNvGrpSpPr/>
-          <p:nvPr/>
-        </p:nvGrpSpPr>
-        <p:grpSpPr>
-          <a:xfrm>
-            <a:off x="0" y="0"/>
-            <a:ext cx="12192000" cy="6858000"/>
-            <a:chOff x="1143000" y="1238490"/>
-            <a:chExt cx="7772400" cy="3777325"/>
-          </a:xfrm>
-        </p:grpSpPr>
-        <p:pic>
-          <p:nvPicPr>
-            <p:cNvPr id="4" name="그림 3" descr="폰트, 로고, 그래픽, 화이트이(가) 표시된 사진&#10;&#10;자동 생성된 설명">
-              <a:extLst>
-                <a:ext uri="{FF2B5EF4-FFF2-40B4-BE49-F238E27FC236}">
-                  <a16:creationId xmlns:a16="http://schemas.microsoft.com/office/drawing/2014/main" id="{B742D47A-36C2-B9F0-BC20-0E30F4A6AEEC}"/>
-                </a:ext>
-              </a:extLst>
-            </p:cNvPr>
-            <p:cNvPicPr>
-              <a:picLocks noChangeAspect="1"/>
-            </p:cNvPicPr>
-            <p:nvPr/>
-          </p:nvPicPr>
-          <p:blipFill>
-            <a:blip r:embed="rId2"/>
-            <a:srcRect t="13650"/>
-            <a:stretch/>
-          </p:blipFill>
-          <p:spPr>
-            <a:xfrm>
-              <a:off x="1143000" y="1238490"/>
-              <a:ext cx="7772400" cy="3777325"/>
-            </a:xfrm>
-            <a:prstGeom prst="rect">
-              <a:avLst/>
-            </a:prstGeom>
-          </p:spPr>
-        </p:pic>
-        <p:sp>
-          <p:nvSpPr>
-            <p:cNvPr id="8" name="TextBox 7">
-              <a:extLst>
-                <a:ext uri="{FF2B5EF4-FFF2-40B4-BE49-F238E27FC236}">
-                  <a16:creationId xmlns:a16="http://schemas.microsoft.com/office/drawing/2014/main" id="{B3D8B992-313F-AA19-ECC1-9BA2DED76D4E}"/>
-                </a:ext>
-              </a:extLst>
-            </p:cNvPr>
-            <p:cNvSpPr txBox="1"/>
-            <p:nvPr/>
-          </p:nvSpPr>
-          <p:spPr>
-            <a:xfrm>
-              <a:off x="1794075" y="3336403"/>
-              <a:ext cx="6470249" cy="796747"/>
-            </a:xfrm>
-            <a:prstGeom prst="rect">
-              <a:avLst/>
-            </a:prstGeom>
-            <a:noFill/>
-          </p:spPr>
-          <p:txBody>
-            <a:bodyPr wrap="square" rtlCol="0">
-              <a:spAutoFit/>
-            </a:bodyPr>
-            <a:lstStyle/>
-            <a:p>
-              <a:pPr algn="ctr"/>
-              <a:r>
-                <a:rPr kumimoji="1" lang="en-US" altLang="ko-KR" sz="4400" b="1" dirty="0">
-                  <a:latin typeface="D2Coding" panose="020B0609020101020101" pitchFamily="49" charset="-127"/>
-                  <a:ea typeface="D2Coding" panose="020B0609020101020101" pitchFamily="49" charset="-127"/>
-                </a:rPr>
-                <a:t>Day 03</a:t>
-              </a:r>
-            </a:p>
-            <a:p>
-              <a:r>
-                <a:rPr lang="en" altLang="ko-KR" sz="4400" dirty="0">
-                  <a:solidFill>
-                    <a:srgbClr val="BCBEC4"/>
-                  </a:solidFill>
-                  <a:effectLst/>
-                </a:rPr>
-                <a:t> </a:t>
-              </a:r>
-              <a:r>
-                <a:rPr kumimoji="1" lang="en" altLang="ko-KR" sz="4400" b="1" dirty="0">
-                  <a:latin typeface="D2Coding" panose="020B0609020101020101" pitchFamily="49" charset="-127"/>
-                  <a:ea typeface="D2Coding" panose="020B0609020101020101" pitchFamily="49" charset="-127"/>
-                </a:rPr>
-                <a:t>Application </a:t>
-              </a:r>
-              <a:r>
-                <a:rPr kumimoji="1" lang="ko-KR" altLang="en-US" sz="4400" b="1" dirty="0">
-                  <a:latin typeface="D2Coding" panose="020B0609020101020101" pitchFamily="49" charset="-127"/>
-                  <a:ea typeface="D2Coding" panose="020B0609020101020101" pitchFamily="49" charset="-127"/>
-                </a:rPr>
-                <a:t>개념</a:t>
-              </a:r>
-              <a:r>
-                <a:rPr kumimoji="1" lang="en-US" altLang="ko-KR" sz="4400" b="1" dirty="0">
-                  <a:latin typeface="D2Coding" panose="020B0609020101020101" pitchFamily="49" charset="-127"/>
-                  <a:ea typeface="D2Coding" panose="020B0609020101020101" pitchFamily="49" charset="-127"/>
-                </a:rPr>
-                <a:t>, </a:t>
-              </a:r>
-              <a:r>
-                <a:rPr kumimoji="1" lang="en" altLang="ko-KR" sz="4400" b="1" dirty="0">
-                  <a:latin typeface="D2Coding" panose="020B0609020101020101" pitchFamily="49" charset="-127"/>
-                  <a:ea typeface="D2Coding" panose="020B0609020101020101" pitchFamily="49" charset="-127"/>
-                </a:rPr>
-                <a:t>Java </a:t>
-              </a:r>
-              <a:r>
-                <a:rPr kumimoji="1" lang="ko-KR" altLang="en-US" sz="4400" b="1" dirty="0" err="1">
-                  <a:latin typeface="D2Coding" panose="020B0609020101020101" pitchFamily="49" charset="-127"/>
-                  <a:ea typeface="D2Coding" panose="020B0609020101020101" pitchFamily="49" charset="-127"/>
-                </a:rPr>
-                <a:t>기초및설치</a:t>
-              </a:r>
-              <a:endParaRPr kumimoji="1" lang="ko-KR" altLang="en-US" sz="4400" b="1" dirty="0">
-                <a:latin typeface="D2Coding" panose="020B0609020101020101" pitchFamily="49" charset="-127"/>
-                <a:ea typeface="D2Coding" panose="020B0609020101020101" pitchFamily="49" charset="-127"/>
-              </a:endParaRPr>
-            </a:p>
-          </p:txBody>
-        </p:sp>
-      </p:grpSp>
-    </p:spTree>
-    <p:extLst>
-      <p:ext uri="{BB962C8B-B14F-4D97-AF65-F5344CB8AC3E}">
-        <p14:creationId xmlns:p14="http://schemas.microsoft.com/office/powerpoint/2010/main" val="3366627122"/>
-      </p:ext>
-    </p:extLst>
-  </p:cSld>
-  <p:clrMapOvr>
-    <a:masterClrMapping/>
-  </p:clrMapOvr>
-</p:sld>
-</file>
-
-<file path=ppt/slides/slide50.xml><?xml version="1.0" encoding="utf-8"?>
-<p:sld xmlns:a="http://schemas.openxmlformats.org/drawingml/2006/main" xmlns:r="http://schemas.openxmlformats.org/officeDocument/2006/relationships" xmlns:p="http://schemas.openxmlformats.org/presentationml/2006/main">
-  <p:cSld>
-    <p:spTree>
-      <p:nvGrpSpPr>
-        <p:cNvPr id="1" name=""/>
-        <p:cNvGrpSpPr/>
-        <p:nvPr/>
-      </p:nvGrpSpPr>
-      <p:grpSpPr>
-        <a:xfrm>
-          <a:off x="0" y="0"/>
-          <a:ext cx="0" cy="0"/>
-          <a:chOff x="0" y="0"/>
-          <a:chExt cx="0" cy="0"/>
-        </a:xfrm>
-      </p:grpSpPr>
-      <p:sp>
-        <p:nvSpPr>
-          <p:cNvPr id="6" name="TextBox 5">
-            <a:extLst>
-              <a:ext uri="{FF2B5EF4-FFF2-40B4-BE49-F238E27FC236}">
-                <a16:creationId xmlns:a16="http://schemas.microsoft.com/office/drawing/2014/main" id="{7BC70131-2A0F-D582-388D-5AB1E95FE6C4}"/>
-              </a:ext>
-            </a:extLst>
-          </p:cNvPr>
-          <p:cNvSpPr txBox="1"/>
-          <p:nvPr/>
-        </p:nvSpPr>
-        <p:spPr>
-          <a:xfrm>
-            <a:off x="1021294" y="3808909"/>
-            <a:ext cx="10149410" cy="1384995"/>
-          </a:xfrm>
-          <a:prstGeom prst="rect">
-            <a:avLst/>
-          </a:prstGeom>
-          <a:noFill/>
-        </p:spPr>
-        <p:txBody>
-          <a:bodyPr wrap="square" rtlCol="0">
-            <a:spAutoFit/>
-          </a:bodyPr>
-          <a:lstStyle/>
-          <a:p>
-            <a:pPr algn="ctr"/>
-            <a:r>
-              <a:rPr kumimoji="1" lang="en-US" altLang="ko-KR" sz="2800" b="1" dirty="0">
-                <a:latin typeface="D2Coding" panose="020B0609020101020101" pitchFamily="49" charset="-127"/>
-                <a:ea typeface="D2Coding" panose="020B0609020101020101" pitchFamily="49" charset="-127"/>
-              </a:rPr>
-              <a:t>Day 56</a:t>
-            </a:r>
-          </a:p>
-          <a:p>
-            <a:pPr algn="ctr"/>
-            <a:r>
-              <a:rPr kumimoji="1" lang="en-US" altLang="ko-KR" sz="2800" b="1" dirty="0">
-                <a:latin typeface="D2Coding" panose="020B0609020101020101" pitchFamily="49" charset="-127"/>
-                <a:ea typeface="D2Coding" panose="020B0609020101020101" pitchFamily="49" charset="-127"/>
-              </a:rPr>
-              <a:t>Java</a:t>
-            </a:r>
-            <a:r>
-              <a:rPr kumimoji="1" lang="ko-KR" altLang="en-US" sz="2800" b="1" dirty="0">
-                <a:latin typeface="D2Coding" panose="020B0609020101020101" pitchFamily="49" charset="-127"/>
-                <a:ea typeface="D2Coding" panose="020B0609020101020101" pitchFamily="49" charset="-127"/>
-              </a:rPr>
-              <a:t>프로그래밍 기초</a:t>
-            </a:r>
-            <a:endParaRPr kumimoji="1" lang="en-US" altLang="ko-KR" sz="2800" b="1" dirty="0">
-              <a:latin typeface="D2Coding" panose="020B0609020101020101" pitchFamily="49" charset="-127"/>
-              <a:ea typeface="D2Coding" panose="020B0609020101020101" pitchFamily="49" charset="-127"/>
-            </a:endParaRPr>
-          </a:p>
-          <a:p>
-            <a:pPr algn="ctr"/>
-            <a:r>
-              <a:rPr kumimoji="1" lang="en-US" altLang="ko-KR" sz="2800" b="1" dirty="0">
-                <a:latin typeface="D2Coding" panose="020B0609020101020101" pitchFamily="49" charset="-127"/>
-                <a:ea typeface="D2Coding" panose="020B0609020101020101" pitchFamily="49" charset="-127"/>
-              </a:rPr>
-              <a:t>JDBC – </a:t>
-            </a:r>
-            <a:r>
-              <a:rPr kumimoji="1" lang="ko-KR" altLang="en-US" sz="2800" b="1" dirty="0">
-                <a:latin typeface="D2Coding" panose="020B0609020101020101" pitchFamily="49" charset="-127"/>
-                <a:ea typeface="D2Coding" panose="020B0609020101020101" pitchFamily="49" charset="-127"/>
-              </a:rPr>
-              <a:t>라이브러리 설치 및 등록</a:t>
-            </a:r>
-          </a:p>
-        </p:txBody>
-      </p:sp>
-      <p:grpSp>
-        <p:nvGrpSpPr>
-          <p:cNvPr id="3" name="그룹 2">
-            <a:extLst>
-              <a:ext uri="{FF2B5EF4-FFF2-40B4-BE49-F238E27FC236}">
-                <a16:creationId xmlns:a16="http://schemas.microsoft.com/office/drawing/2014/main" id="{CCB49D7F-A40B-2950-C3BB-13981C780200}"/>
-              </a:ext>
-            </a:extLst>
-          </p:cNvPr>
-          <p:cNvGrpSpPr/>
-          <p:nvPr/>
-        </p:nvGrpSpPr>
-        <p:grpSpPr>
-          <a:xfrm>
-            <a:off x="0" y="0"/>
-            <a:ext cx="12192000" cy="6858000"/>
-            <a:chOff x="1143000" y="1238490"/>
-            <a:chExt cx="7772400" cy="3777325"/>
-          </a:xfrm>
-        </p:grpSpPr>
-        <p:pic>
-          <p:nvPicPr>
-            <p:cNvPr id="4" name="그림 3" descr="폰트, 로고, 그래픽, 화이트이(가) 표시된 사진&#10;&#10;자동 생성된 설명">
-              <a:extLst>
-                <a:ext uri="{FF2B5EF4-FFF2-40B4-BE49-F238E27FC236}">
-                  <a16:creationId xmlns:a16="http://schemas.microsoft.com/office/drawing/2014/main" id="{B742D47A-36C2-B9F0-BC20-0E30F4A6AEEC}"/>
-                </a:ext>
-              </a:extLst>
-            </p:cNvPr>
-            <p:cNvPicPr>
-              <a:picLocks noChangeAspect="1"/>
-            </p:cNvPicPr>
-            <p:nvPr/>
-          </p:nvPicPr>
-          <p:blipFill>
-            <a:blip r:embed="rId2"/>
-            <a:srcRect t="13650"/>
-            <a:stretch/>
-          </p:blipFill>
-          <p:spPr>
-            <a:xfrm>
-              <a:off x="1143000" y="1238490"/>
-              <a:ext cx="7772400" cy="3777325"/>
-            </a:xfrm>
-            <a:prstGeom prst="rect">
-              <a:avLst/>
-            </a:prstGeom>
-          </p:spPr>
-        </p:pic>
-        <p:sp>
-          <p:nvSpPr>
-            <p:cNvPr id="8" name="TextBox 7">
-              <a:extLst>
-                <a:ext uri="{FF2B5EF4-FFF2-40B4-BE49-F238E27FC236}">
-                  <a16:creationId xmlns:a16="http://schemas.microsoft.com/office/drawing/2014/main" id="{B3D8B992-313F-AA19-ECC1-9BA2DED76D4E}"/>
-                </a:ext>
-              </a:extLst>
-            </p:cNvPr>
-            <p:cNvSpPr txBox="1"/>
-            <p:nvPr/>
-          </p:nvSpPr>
-          <p:spPr>
-            <a:xfrm>
-              <a:off x="1794075" y="3336403"/>
-              <a:ext cx="6470249" cy="796747"/>
-            </a:xfrm>
-            <a:prstGeom prst="rect">
-              <a:avLst/>
-            </a:prstGeom>
-            <a:noFill/>
-          </p:spPr>
-          <p:txBody>
-            <a:bodyPr wrap="square" rtlCol="0">
-              <a:spAutoFit/>
-            </a:bodyPr>
-            <a:lstStyle/>
-            <a:p>
-              <a:pPr algn="ctr"/>
-              <a:r>
-                <a:rPr kumimoji="1" lang="en-US" altLang="ko-KR" sz="4400" b="1" dirty="0">
-                  <a:latin typeface="D2Coding" panose="020B0609020101020101" pitchFamily="49" charset="-127"/>
-                  <a:ea typeface="D2Coding" panose="020B0609020101020101" pitchFamily="49" charset="-127"/>
-                </a:rPr>
-                <a:t>Day 52</a:t>
-              </a:r>
-            </a:p>
-            <a:p>
-              <a:pPr algn="ctr"/>
-              <a:r>
-                <a:rPr kumimoji="1" lang="en-US" altLang="ko-KR" sz="4400" b="1" dirty="0">
-                  <a:latin typeface="D2Coding" panose="020B0609020101020101" pitchFamily="49" charset="-127"/>
-                  <a:ea typeface="D2Coding" panose="020B0609020101020101" pitchFamily="49" charset="-127"/>
-                </a:rPr>
-                <a:t>MySQL</a:t>
-              </a:r>
-              <a:r>
-                <a:rPr kumimoji="1" lang="ko-KR" altLang="en-US" sz="4400" b="1" dirty="0">
-                  <a:latin typeface="D2Coding" panose="020B0609020101020101" pitchFamily="49" charset="-127"/>
-                  <a:ea typeface="D2Coding" panose="020B0609020101020101" pitchFamily="49" charset="-127"/>
-                </a:rPr>
-                <a:t>기초</a:t>
-              </a:r>
-              <a:r>
-                <a:rPr kumimoji="1" lang="en-US" altLang="ko-KR" sz="4400" b="1" dirty="0">
-                  <a:latin typeface="D2Coding" panose="020B0609020101020101" pitchFamily="49" charset="-127"/>
-                  <a:ea typeface="D2Coding" panose="020B0609020101020101" pitchFamily="49" charset="-127"/>
-                </a:rPr>
-                <a:t>(DNL, DQL)</a:t>
-              </a:r>
-              <a:endParaRPr kumimoji="1" lang="ko-KR" altLang="en-US" sz="4400" b="1" dirty="0">
-                <a:latin typeface="D2Coding" panose="020B0609020101020101" pitchFamily="49" charset="-127"/>
-                <a:ea typeface="D2Coding" panose="020B0609020101020101" pitchFamily="49" charset="-127"/>
-              </a:endParaRPr>
-            </a:p>
-          </p:txBody>
-        </p:sp>
-      </p:grpSp>
-    </p:spTree>
-    <p:extLst>
-      <p:ext uri="{BB962C8B-B14F-4D97-AF65-F5344CB8AC3E}">
-        <p14:creationId xmlns:p14="http://schemas.microsoft.com/office/powerpoint/2010/main" val="4194415952"/>
-      </p:ext>
-    </p:extLst>
-  </p:cSld>
-  <p:clrMapOvr>
-    <a:masterClrMapping/>
-  </p:clrMapOvr>
-</p:sld>
-</file>
-
-<file path=ppt/slides/slide51.xml><?xml version="1.0" encoding="utf-8"?>
-<p:sld xmlns:a="http://schemas.openxmlformats.org/drawingml/2006/main" xmlns:r="http://schemas.openxmlformats.org/officeDocument/2006/relationships" xmlns:p="http://schemas.openxmlformats.org/presentationml/2006/main">
-  <p:cSld>
-    <p:spTree>
-      <p:nvGrpSpPr>
-        <p:cNvPr id="1" name=""/>
-        <p:cNvGrpSpPr/>
-        <p:nvPr/>
-      </p:nvGrpSpPr>
-      <p:grpSpPr>
-        <a:xfrm>
-          <a:off x="0" y="0"/>
-          <a:ext cx="0" cy="0"/>
-          <a:chOff x="0" y="0"/>
-          <a:chExt cx="0" cy="0"/>
-        </a:xfrm>
-      </p:grpSpPr>
-      <p:sp>
-        <p:nvSpPr>
-          <p:cNvPr id="6" name="TextBox 5">
-            <a:extLst>
-              <a:ext uri="{FF2B5EF4-FFF2-40B4-BE49-F238E27FC236}">
-                <a16:creationId xmlns:a16="http://schemas.microsoft.com/office/drawing/2014/main" id="{7BC70131-2A0F-D582-388D-5AB1E95FE6C4}"/>
-              </a:ext>
-            </a:extLst>
-          </p:cNvPr>
-          <p:cNvSpPr txBox="1"/>
-          <p:nvPr/>
-        </p:nvSpPr>
-        <p:spPr>
-          <a:xfrm>
-            <a:off x="1021294" y="3808909"/>
-            <a:ext cx="10149410" cy="1384995"/>
-          </a:xfrm>
-          <a:prstGeom prst="rect">
-            <a:avLst/>
-          </a:prstGeom>
-          <a:noFill/>
-        </p:spPr>
-        <p:txBody>
-          <a:bodyPr wrap="square" rtlCol="0">
-            <a:spAutoFit/>
-          </a:bodyPr>
-          <a:lstStyle/>
-          <a:p>
-            <a:pPr algn="ctr"/>
-            <a:r>
-              <a:rPr kumimoji="1" lang="en-US" altLang="ko-KR" sz="2800" b="1" dirty="0">
-                <a:latin typeface="D2Coding" panose="020B0609020101020101" pitchFamily="49" charset="-127"/>
-                <a:ea typeface="D2Coding" panose="020B0609020101020101" pitchFamily="49" charset="-127"/>
-              </a:rPr>
-              <a:t>Day 56</a:t>
-            </a:r>
-          </a:p>
-          <a:p>
-            <a:pPr algn="ctr"/>
-            <a:r>
-              <a:rPr kumimoji="1" lang="en-US" altLang="ko-KR" sz="2800" b="1" dirty="0">
-                <a:latin typeface="D2Coding" panose="020B0609020101020101" pitchFamily="49" charset="-127"/>
-                <a:ea typeface="D2Coding" panose="020B0609020101020101" pitchFamily="49" charset="-127"/>
-              </a:rPr>
-              <a:t>Java</a:t>
-            </a:r>
-            <a:r>
-              <a:rPr kumimoji="1" lang="ko-KR" altLang="en-US" sz="2800" b="1" dirty="0">
-                <a:latin typeface="D2Coding" panose="020B0609020101020101" pitchFamily="49" charset="-127"/>
-                <a:ea typeface="D2Coding" panose="020B0609020101020101" pitchFamily="49" charset="-127"/>
-              </a:rPr>
-              <a:t>프로그래밍 기초</a:t>
-            </a:r>
-            <a:endParaRPr kumimoji="1" lang="en-US" altLang="ko-KR" sz="2800" b="1" dirty="0">
-              <a:latin typeface="D2Coding" panose="020B0609020101020101" pitchFamily="49" charset="-127"/>
-              <a:ea typeface="D2Coding" panose="020B0609020101020101" pitchFamily="49" charset="-127"/>
-            </a:endParaRPr>
-          </a:p>
-          <a:p>
-            <a:pPr algn="ctr"/>
-            <a:r>
-              <a:rPr kumimoji="1" lang="en-US" altLang="ko-KR" sz="2800" b="1" dirty="0">
-                <a:latin typeface="D2Coding" panose="020B0609020101020101" pitchFamily="49" charset="-127"/>
-                <a:ea typeface="D2Coding" panose="020B0609020101020101" pitchFamily="49" charset="-127"/>
-              </a:rPr>
-              <a:t>JDBC – </a:t>
-            </a:r>
-            <a:r>
-              <a:rPr kumimoji="1" lang="ko-KR" altLang="en-US" sz="2800" b="1" dirty="0">
-                <a:latin typeface="D2Coding" panose="020B0609020101020101" pitchFamily="49" charset="-127"/>
-                <a:ea typeface="D2Coding" panose="020B0609020101020101" pitchFamily="49" charset="-127"/>
-              </a:rPr>
-              <a:t>라이브러리 설치 및 등록</a:t>
-            </a:r>
-          </a:p>
-        </p:txBody>
-      </p:sp>
-      <p:grpSp>
-        <p:nvGrpSpPr>
-          <p:cNvPr id="3" name="그룹 2">
-            <a:extLst>
-              <a:ext uri="{FF2B5EF4-FFF2-40B4-BE49-F238E27FC236}">
-                <a16:creationId xmlns:a16="http://schemas.microsoft.com/office/drawing/2014/main" id="{CCB49D7F-A40B-2950-C3BB-13981C780200}"/>
-              </a:ext>
-            </a:extLst>
-          </p:cNvPr>
-          <p:cNvGrpSpPr/>
-          <p:nvPr/>
-        </p:nvGrpSpPr>
-        <p:grpSpPr>
-          <a:xfrm>
-            <a:off x="0" y="0"/>
-            <a:ext cx="12192000" cy="6858000"/>
-            <a:chOff x="1143000" y="1238490"/>
-            <a:chExt cx="7772400" cy="3777325"/>
-          </a:xfrm>
-        </p:grpSpPr>
-        <p:pic>
-          <p:nvPicPr>
-            <p:cNvPr id="4" name="그림 3" descr="폰트, 로고, 그래픽, 화이트이(가) 표시된 사진&#10;&#10;자동 생성된 설명">
-              <a:extLst>
-                <a:ext uri="{FF2B5EF4-FFF2-40B4-BE49-F238E27FC236}">
-                  <a16:creationId xmlns:a16="http://schemas.microsoft.com/office/drawing/2014/main" id="{B742D47A-36C2-B9F0-BC20-0E30F4A6AEEC}"/>
-                </a:ext>
-              </a:extLst>
-            </p:cNvPr>
-            <p:cNvPicPr>
-              <a:picLocks noChangeAspect="1"/>
-            </p:cNvPicPr>
-            <p:nvPr/>
-          </p:nvPicPr>
-          <p:blipFill>
-            <a:blip r:embed="rId2"/>
-            <a:srcRect t="13650"/>
-            <a:stretch/>
-          </p:blipFill>
-          <p:spPr>
-            <a:xfrm>
-              <a:off x="1143000" y="1238490"/>
-              <a:ext cx="7772400" cy="3777325"/>
-            </a:xfrm>
-            <a:prstGeom prst="rect">
-              <a:avLst/>
-            </a:prstGeom>
-          </p:spPr>
-        </p:pic>
-        <p:sp>
-          <p:nvSpPr>
-            <p:cNvPr id="8" name="TextBox 7">
-              <a:extLst>
-                <a:ext uri="{FF2B5EF4-FFF2-40B4-BE49-F238E27FC236}">
-                  <a16:creationId xmlns:a16="http://schemas.microsoft.com/office/drawing/2014/main" id="{B3D8B992-313F-AA19-ECC1-9BA2DED76D4E}"/>
-                </a:ext>
-              </a:extLst>
-            </p:cNvPr>
-            <p:cNvSpPr txBox="1"/>
-            <p:nvPr/>
-          </p:nvSpPr>
-          <p:spPr>
-            <a:xfrm>
-              <a:off x="1794075" y="3336403"/>
-              <a:ext cx="6470249" cy="796747"/>
-            </a:xfrm>
-            <a:prstGeom prst="rect">
-              <a:avLst/>
-            </a:prstGeom>
-            <a:noFill/>
-          </p:spPr>
-          <p:txBody>
-            <a:bodyPr wrap="square" rtlCol="0">
-              <a:spAutoFit/>
-            </a:bodyPr>
-            <a:lstStyle/>
-            <a:p>
-              <a:pPr algn="ctr"/>
-              <a:r>
-                <a:rPr kumimoji="1" lang="en-US" altLang="ko-KR" sz="4400" b="1" dirty="0">
-                  <a:latin typeface="D2Coding" panose="020B0609020101020101" pitchFamily="49" charset="-127"/>
-                  <a:ea typeface="D2Coding" panose="020B0609020101020101" pitchFamily="49" charset="-127"/>
-                </a:rPr>
-                <a:t>Day 53</a:t>
-              </a:r>
-            </a:p>
-            <a:p>
-              <a:pPr algn="ctr"/>
-              <a:r>
-                <a:rPr kumimoji="1" lang="en-US" altLang="ko-KR" sz="4400" b="1" dirty="0">
-                  <a:latin typeface="D2Coding" panose="020B0609020101020101" pitchFamily="49" charset="-127"/>
-                  <a:ea typeface="D2Coding" panose="020B0609020101020101" pitchFamily="49" charset="-127"/>
-                </a:rPr>
-                <a:t>Java</a:t>
-              </a:r>
-              <a:r>
-                <a:rPr kumimoji="1" lang="ko-KR" altLang="en-US" sz="4400" b="1" dirty="0">
-                  <a:latin typeface="D2Coding" panose="020B0609020101020101" pitchFamily="49" charset="-127"/>
-                  <a:ea typeface="D2Coding" panose="020B0609020101020101" pitchFamily="49" charset="-127"/>
-                </a:rPr>
-                <a:t>프로그래밍 기초</a:t>
-              </a:r>
-              <a:r>
-                <a:rPr kumimoji="1" lang="en-US" altLang="ko-KR" sz="4400" b="1" dirty="0">
-                  <a:latin typeface="D2Coding" panose="020B0609020101020101" pitchFamily="49" charset="-127"/>
-                  <a:ea typeface="D2Coding" panose="020B0609020101020101" pitchFamily="49" charset="-127"/>
-                </a:rPr>
-                <a:t>(DB)</a:t>
-              </a:r>
-              <a:endParaRPr kumimoji="1" lang="ko-KR" altLang="en-US" sz="4400" b="1" dirty="0">
-                <a:latin typeface="D2Coding" panose="020B0609020101020101" pitchFamily="49" charset="-127"/>
-                <a:ea typeface="D2Coding" panose="020B0609020101020101" pitchFamily="49" charset="-127"/>
-              </a:endParaRPr>
-            </a:p>
-          </p:txBody>
-        </p:sp>
-      </p:grpSp>
-    </p:spTree>
-    <p:extLst>
-      <p:ext uri="{BB962C8B-B14F-4D97-AF65-F5344CB8AC3E}">
-        <p14:creationId xmlns:p14="http://schemas.microsoft.com/office/powerpoint/2010/main" val="798867869"/>
-      </p:ext>
-    </p:extLst>
-  </p:cSld>
-  <p:clrMapOvr>
-    <a:masterClrMapping/>
-  </p:clrMapOvr>
-</p:sld>
-</file>
-
-<file path=ppt/slides/slide52.xml><?xml version="1.0" encoding="utf-8"?>
-<p:sld xmlns:a="http://schemas.openxmlformats.org/drawingml/2006/main" xmlns:r="http://schemas.openxmlformats.org/officeDocument/2006/relationships" xmlns:p="http://schemas.openxmlformats.org/presentationml/2006/main">
-  <p:cSld>
-    <p:spTree>
-      <p:nvGrpSpPr>
-        <p:cNvPr id="1" name=""/>
-        <p:cNvGrpSpPr/>
-        <p:nvPr/>
-      </p:nvGrpSpPr>
-      <p:grpSpPr>
-        <a:xfrm>
-          <a:off x="0" y="0"/>
-          <a:ext cx="0" cy="0"/>
-          <a:chOff x="0" y="0"/>
-          <a:chExt cx="0" cy="0"/>
-        </a:xfrm>
-      </p:grpSpPr>
-      <p:sp>
-        <p:nvSpPr>
-          <p:cNvPr id="6" name="TextBox 5">
-            <a:extLst>
-              <a:ext uri="{FF2B5EF4-FFF2-40B4-BE49-F238E27FC236}">
-                <a16:creationId xmlns:a16="http://schemas.microsoft.com/office/drawing/2014/main" id="{7BC70131-2A0F-D582-388D-5AB1E95FE6C4}"/>
-              </a:ext>
-            </a:extLst>
-          </p:cNvPr>
-          <p:cNvSpPr txBox="1"/>
-          <p:nvPr/>
-        </p:nvSpPr>
-        <p:spPr>
-          <a:xfrm>
-            <a:off x="1021294" y="3808909"/>
-            <a:ext cx="10149410" cy="1384995"/>
-          </a:xfrm>
-          <a:prstGeom prst="rect">
-            <a:avLst/>
-          </a:prstGeom>
-          <a:noFill/>
-        </p:spPr>
-        <p:txBody>
-          <a:bodyPr wrap="square" rtlCol="0">
-            <a:spAutoFit/>
-          </a:bodyPr>
-          <a:lstStyle/>
-          <a:p>
-            <a:pPr algn="ctr"/>
-            <a:r>
-              <a:rPr kumimoji="1" lang="en-US" altLang="ko-KR" sz="2800" b="1" dirty="0">
-                <a:latin typeface="D2Coding" panose="020B0609020101020101" pitchFamily="49" charset="-127"/>
-                <a:ea typeface="D2Coding" panose="020B0609020101020101" pitchFamily="49" charset="-127"/>
-              </a:rPr>
-              <a:t>Day 56</a:t>
-            </a:r>
-          </a:p>
-          <a:p>
-            <a:pPr algn="ctr"/>
-            <a:r>
-              <a:rPr kumimoji="1" lang="en-US" altLang="ko-KR" sz="2800" b="1" dirty="0">
-                <a:latin typeface="D2Coding" panose="020B0609020101020101" pitchFamily="49" charset="-127"/>
-                <a:ea typeface="D2Coding" panose="020B0609020101020101" pitchFamily="49" charset="-127"/>
-              </a:rPr>
-              <a:t>Java</a:t>
-            </a:r>
-            <a:r>
-              <a:rPr kumimoji="1" lang="ko-KR" altLang="en-US" sz="2800" b="1" dirty="0">
-                <a:latin typeface="D2Coding" panose="020B0609020101020101" pitchFamily="49" charset="-127"/>
-                <a:ea typeface="D2Coding" panose="020B0609020101020101" pitchFamily="49" charset="-127"/>
-              </a:rPr>
-              <a:t>프로그래밍 기초</a:t>
-            </a:r>
-            <a:endParaRPr kumimoji="1" lang="en-US" altLang="ko-KR" sz="2800" b="1" dirty="0">
-              <a:latin typeface="D2Coding" panose="020B0609020101020101" pitchFamily="49" charset="-127"/>
-              <a:ea typeface="D2Coding" panose="020B0609020101020101" pitchFamily="49" charset="-127"/>
-            </a:endParaRPr>
-          </a:p>
-          <a:p>
-            <a:pPr algn="ctr"/>
-            <a:r>
-              <a:rPr kumimoji="1" lang="en-US" altLang="ko-KR" sz="2800" b="1" dirty="0">
-                <a:latin typeface="D2Coding" panose="020B0609020101020101" pitchFamily="49" charset="-127"/>
-                <a:ea typeface="D2Coding" panose="020B0609020101020101" pitchFamily="49" charset="-127"/>
-              </a:rPr>
-              <a:t>JDBC – </a:t>
-            </a:r>
-            <a:r>
-              <a:rPr kumimoji="1" lang="ko-KR" altLang="en-US" sz="2800" b="1" dirty="0">
-                <a:latin typeface="D2Coding" panose="020B0609020101020101" pitchFamily="49" charset="-127"/>
-                <a:ea typeface="D2Coding" panose="020B0609020101020101" pitchFamily="49" charset="-127"/>
-              </a:rPr>
-              <a:t>라이브러리 설치 및 등록</a:t>
-            </a:r>
-          </a:p>
-        </p:txBody>
-      </p:sp>
-      <p:grpSp>
-        <p:nvGrpSpPr>
-          <p:cNvPr id="3" name="그룹 2">
-            <a:extLst>
-              <a:ext uri="{FF2B5EF4-FFF2-40B4-BE49-F238E27FC236}">
-                <a16:creationId xmlns:a16="http://schemas.microsoft.com/office/drawing/2014/main" id="{CCB49D7F-A40B-2950-C3BB-13981C780200}"/>
-              </a:ext>
-            </a:extLst>
-          </p:cNvPr>
-          <p:cNvGrpSpPr/>
-          <p:nvPr/>
-        </p:nvGrpSpPr>
-        <p:grpSpPr>
-          <a:xfrm>
-            <a:off x="0" y="0"/>
-            <a:ext cx="12192000" cy="6858000"/>
-            <a:chOff x="1143000" y="1238490"/>
-            <a:chExt cx="7772400" cy="3777325"/>
-          </a:xfrm>
-        </p:grpSpPr>
-        <p:pic>
-          <p:nvPicPr>
-            <p:cNvPr id="4" name="그림 3" descr="폰트, 로고, 그래픽, 화이트이(가) 표시된 사진&#10;&#10;자동 생성된 설명">
-              <a:extLst>
-                <a:ext uri="{FF2B5EF4-FFF2-40B4-BE49-F238E27FC236}">
-                  <a16:creationId xmlns:a16="http://schemas.microsoft.com/office/drawing/2014/main" id="{B742D47A-36C2-B9F0-BC20-0E30F4A6AEEC}"/>
-                </a:ext>
-              </a:extLst>
-            </p:cNvPr>
-            <p:cNvPicPr>
-              <a:picLocks noChangeAspect="1"/>
-            </p:cNvPicPr>
-            <p:nvPr/>
-          </p:nvPicPr>
-          <p:blipFill>
-            <a:blip r:embed="rId2"/>
-            <a:srcRect t="13650"/>
-            <a:stretch/>
-          </p:blipFill>
-          <p:spPr>
-            <a:xfrm>
-              <a:off x="1143000" y="1238490"/>
-              <a:ext cx="7772400" cy="3777325"/>
-            </a:xfrm>
-            <a:prstGeom prst="rect">
-              <a:avLst/>
-            </a:prstGeom>
-          </p:spPr>
-        </p:pic>
-        <p:sp>
-          <p:nvSpPr>
-            <p:cNvPr id="8" name="TextBox 7">
-              <a:extLst>
-                <a:ext uri="{FF2B5EF4-FFF2-40B4-BE49-F238E27FC236}">
-                  <a16:creationId xmlns:a16="http://schemas.microsoft.com/office/drawing/2014/main" id="{B3D8B992-313F-AA19-ECC1-9BA2DED76D4E}"/>
-                </a:ext>
-              </a:extLst>
-            </p:cNvPr>
-            <p:cNvSpPr txBox="1"/>
-            <p:nvPr/>
-          </p:nvSpPr>
-          <p:spPr>
-            <a:xfrm>
-              <a:off x="1794075" y="3336403"/>
-              <a:ext cx="6470249" cy="796747"/>
-            </a:xfrm>
-            <a:prstGeom prst="rect">
-              <a:avLst/>
-            </a:prstGeom>
-            <a:noFill/>
-          </p:spPr>
-          <p:txBody>
-            <a:bodyPr wrap="square" rtlCol="0">
-              <a:spAutoFit/>
-            </a:bodyPr>
-            <a:lstStyle/>
-            <a:p>
-              <a:pPr algn="ctr"/>
-              <a:r>
-                <a:rPr kumimoji="1" lang="en-US" altLang="ko-KR" sz="4400" b="1" dirty="0">
-                  <a:latin typeface="D2Coding" panose="020B0609020101020101" pitchFamily="49" charset="-127"/>
-                  <a:ea typeface="D2Coding" panose="020B0609020101020101" pitchFamily="49" charset="-127"/>
-                </a:rPr>
-                <a:t>Day 54</a:t>
-              </a:r>
-            </a:p>
-            <a:p>
-              <a:pPr algn="ctr"/>
-              <a:r>
-                <a:rPr kumimoji="1" lang="en-US" altLang="ko-KR" sz="4400" b="1" dirty="0">
-                  <a:latin typeface="D2Coding" panose="020B0609020101020101" pitchFamily="49" charset="-127"/>
-                  <a:ea typeface="D2Coding" panose="020B0609020101020101" pitchFamily="49" charset="-127"/>
-                </a:rPr>
-                <a:t>SQL</a:t>
-              </a:r>
-              <a:r>
-                <a:rPr kumimoji="1" lang="ko-KR" altLang="en-US" sz="4400" b="1" dirty="0">
-                  <a:latin typeface="D2Coding" panose="020B0609020101020101" pitchFamily="49" charset="-127"/>
-                  <a:ea typeface="D2Coding" panose="020B0609020101020101" pitchFamily="49" charset="-127"/>
-                </a:rPr>
-                <a:t>기초</a:t>
-              </a:r>
-              <a:r>
-                <a:rPr kumimoji="1" lang="en-US" altLang="ko-KR" sz="4400" b="1" dirty="0">
-                  <a:latin typeface="D2Coding" panose="020B0609020101020101" pitchFamily="49" charset="-127"/>
-                  <a:ea typeface="D2Coding" panose="020B0609020101020101" pitchFamily="49" charset="-127"/>
-                </a:rPr>
-                <a:t>(Foreign Ket</a:t>
-              </a:r>
-              <a:r>
-                <a:rPr kumimoji="1" lang="ko-KR" altLang="en-US" sz="4400" b="1" dirty="0">
-                  <a:latin typeface="D2Coding" panose="020B0609020101020101" pitchFamily="49" charset="-127"/>
-                  <a:ea typeface="D2Coding" panose="020B0609020101020101" pitchFamily="49" charset="-127"/>
-                </a:rPr>
-                <a:t>키</a:t>
-              </a:r>
-              <a:r>
-                <a:rPr kumimoji="1" lang="en-US" altLang="ko-KR" sz="4400" b="1" dirty="0">
-                  <a:latin typeface="D2Coding" panose="020B0609020101020101" pitchFamily="49" charset="-127"/>
-                  <a:ea typeface="D2Coding" panose="020B0609020101020101" pitchFamily="49" charset="-127"/>
-                </a:rPr>
-                <a:t>)</a:t>
-              </a:r>
-              <a:endParaRPr kumimoji="1" lang="ko-KR" altLang="en-US" sz="4400" b="1" dirty="0">
-                <a:latin typeface="D2Coding" panose="020B0609020101020101" pitchFamily="49" charset="-127"/>
-                <a:ea typeface="D2Coding" panose="020B0609020101020101" pitchFamily="49" charset="-127"/>
-              </a:endParaRPr>
-            </a:p>
-          </p:txBody>
-        </p:sp>
-      </p:grpSp>
-    </p:spTree>
-    <p:extLst>
-      <p:ext uri="{BB962C8B-B14F-4D97-AF65-F5344CB8AC3E}">
-        <p14:creationId xmlns:p14="http://schemas.microsoft.com/office/powerpoint/2010/main" val="1090319033"/>
-      </p:ext>
-    </p:extLst>
-  </p:cSld>
-  <p:clrMapOvr>
-    <a:masterClrMapping/>
-  </p:clrMapOvr>
-</p:sld>
-</file>
-
-<file path=ppt/slides/slide53.xml><?xml version="1.0" encoding="utf-8"?>
-<p:sld xmlns:a="http://schemas.openxmlformats.org/drawingml/2006/main" xmlns:r="http://schemas.openxmlformats.org/officeDocument/2006/relationships" xmlns:p="http://schemas.openxmlformats.org/presentationml/2006/main">
-  <p:cSld>
-    <p:spTree>
-      <p:nvGrpSpPr>
-        <p:cNvPr id="1" name=""/>
-        <p:cNvGrpSpPr/>
-        <p:nvPr/>
-      </p:nvGrpSpPr>
-      <p:grpSpPr>
-        <a:xfrm>
-          <a:off x="0" y="0"/>
-          <a:ext cx="0" cy="0"/>
-          <a:chOff x="0" y="0"/>
-          <a:chExt cx="0" cy="0"/>
-        </a:xfrm>
-      </p:grpSpPr>
-      <p:grpSp>
-        <p:nvGrpSpPr>
-          <p:cNvPr id="7" name="그룹 6">
-            <a:extLst>
-              <a:ext uri="{FF2B5EF4-FFF2-40B4-BE49-F238E27FC236}">
-                <a16:creationId xmlns:a16="http://schemas.microsoft.com/office/drawing/2014/main" id="{D43A01C3-75D7-CEF4-9A06-955DF6ED173D}"/>
-              </a:ext>
-            </a:extLst>
-          </p:cNvPr>
-          <p:cNvGrpSpPr/>
-          <p:nvPr/>
-        </p:nvGrpSpPr>
-        <p:grpSpPr>
-          <a:xfrm>
-            <a:off x="1143000" y="1238490"/>
-            <a:ext cx="7772400" cy="3777325"/>
-            <a:chOff x="1143000" y="1238490"/>
-            <a:chExt cx="7772400" cy="3777325"/>
-          </a:xfrm>
-        </p:grpSpPr>
-        <p:pic>
-          <p:nvPicPr>
-            <p:cNvPr id="5" name="그림 4" descr="폰트, 로고, 그래픽, 화이트이(가) 표시된 사진&#10;&#10;자동 생성된 설명">
-              <a:extLst>
-                <a:ext uri="{FF2B5EF4-FFF2-40B4-BE49-F238E27FC236}">
-                  <a16:creationId xmlns:a16="http://schemas.microsoft.com/office/drawing/2014/main" id="{80E5AF78-A18A-B84D-6175-24388DFE2CA8}"/>
-                </a:ext>
-              </a:extLst>
-            </p:cNvPr>
-            <p:cNvPicPr>
-              <a:picLocks noChangeAspect="1"/>
-            </p:cNvPicPr>
-            <p:nvPr/>
-          </p:nvPicPr>
-          <p:blipFill>
-            <a:blip r:embed="rId2"/>
-            <a:srcRect t="13650"/>
-            <a:stretch/>
-          </p:blipFill>
-          <p:spPr>
-            <a:xfrm>
-              <a:off x="1143000" y="1238490"/>
-              <a:ext cx="7772400" cy="3777325"/>
-            </a:xfrm>
-            <a:prstGeom prst="rect">
-              <a:avLst/>
-            </a:prstGeom>
-          </p:spPr>
-        </p:pic>
-        <p:sp>
-          <p:nvSpPr>
-            <p:cNvPr id="6" name="TextBox 5">
-              <a:extLst>
-                <a:ext uri="{FF2B5EF4-FFF2-40B4-BE49-F238E27FC236}">
-                  <a16:creationId xmlns:a16="http://schemas.microsoft.com/office/drawing/2014/main" id="{7BC70131-2A0F-D582-388D-5AB1E95FE6C4}"/>
-                </a:ext>
-              </a:extLst>
-            </p:cNvPr>
-            <p:cNvSpPr txBox="1"/>
-            <p:nvPr/>
-          </p:nvSpPr>
-          <p:spPr>
-            <a:xfrm>
-              <a:off x="1794075" y="3336403"/>
-              <a:ext cx="6470249" cy="954107"/>
-            </a:xfrm>
-            <a:prstGeom prst="rect">
-              <a:avLst/>
-            </a:prstGeom>
-            <a:noFill/>
-          </p:spPr>
-          <p:txBody>
-            <a:bodyPr wrap="square" rtlCol="0">
-              <a:spAutoFit/>
-            </a:bodyPr>
-            <a:lstStyle/>
-            <a:p>
-              <a:pPr algn="ctr"/>
-              <a:r>
-                <a:rPr kumimoji="1" lang="en-US" altLang="ko-KR" sz="2800" b="1" dirty="0">
-                  <a:latin typeface="D2Coding" panose="020B0609020101020101" pitchFamily="49" charset="-127"/>
-                  <a:ea typeface="D2Coding" panose="020B0609020101020101" pitchFamily="49" charset="-127"/>
-                </a:rPr>
-                <a:t>Day 55</a:t>
-              </a:r>
-            </a:p>
-            <a:p>
-              <a:pPr algn="ctr"/>
-              <a:r>
-                <a:rPr kumimoji="1" lang="en-US" altLang="ko-KR" sz="2800" b="1" dirty="0">
-                  <a:latin typeface="D2Coding" panose="020B0609020101020101" pitchFamily="49" charset="-127"/>
-                  <a:ea typeface="D2Coding" panose="020B0609020101020101" pitchFamily="49" charset="-127"/>
-                </a:rPr>
-                <a:t>SQL (Join,</a:t>
-              </a:r>
-              <a:r>
-                <a:rPr kumimoji="1" lang="ko-KR" altLang="en-US" sz="2800" b="1" dirty="0">
-                  <a:latin typeface="D2Coding" panose="020B0609020101020101" pitchFamily="49" charset="-127"/>
-                  <a:ea typeface="D2Coding" panose="020B0609020101020101" pitchFamily="49" charset="-127"/>
-                </a:rPr>
-                <a:t> </a:t>
-              </a:r>
-              <a:r>
-                <a:rPr kumimoji="1" lang="en-US" altLang="ko-KR" sz="2800" b="1" dirty="0">
-                  <a:latin typeface="D2Coding" panose="020B0609020101020101" pitchFamily="49" charset="-127"/>
-                  <a:ea typeface="D2Coding" panose="020B0609020101020101" pitchFamily="49" charset="-127"/>
-                </a:rPr>
-                <a:t>Foreign Key)</a:t>
-              </a:r>
-              <a:endParaRPr kumimoji="1" lang="ko-KR" altLang="en-US" sz="2800" b="1" dirty="0">
-                <a:latin typeface="D2Coding" panose="020B0609020101020101" pitchFamily="49" charset="-127"/>
-                <a:ea typeface="D2Coding" panose="020B0609020101020101" pitchFamily="49" charset="-127"/>
-              </a:endParaRPr>
-            </a:p>
-          </p:txBody>
-        </p:sp>
-      </p:grpSp>
-    </p:spTree>
-    <p:extLst>
-      <p:ext uri="{BB962C8B-B14F-4D97-AF65-F5344CB8AC3E}">
-        <p14:creationId xmlns:p14="http://schemas.microsoft.com/office/powerpoint/2010/main" val="3879683388"/>
-      </p:ext>
-    </p:extLst>
-  </p:cSld>
-  <p:clrMapOvr>
-    <a:masterClrMapping/>
-  </p:clrMapOvr>
-</p:sld>
-</file>
-
-<file path=ppt/slides/slide54.xml><?xml version="1.0" encoding="utf-8"?>
-<p:sld xmlns:a="http://schemas.openxmlformats.org/drawingml/2006/main" xmlns:r="http://schemas.openxmlformats.org/officeDocument/2006/relationships" xmlns:p="http://schemas.openxmlformats.org/presentationml/2006/main">
-  <p:cSld>
-    <p:spTree>
-      <p:nvGrpSpPr>
-        <p:cNvPr id="1" name=""/>
-        <p:cNvGrpSpPr/>
-        <p:nvPr/>
-      </p:nvGrpSpPr>
-      <p:grpSpPr>
-        <a:xfrm>
-          <a:off x="0" y="0"/>
-          <a:ext cx="0" cy="0"/>
-          <a:chOff x="0" y="0"/>
-          <a:chExt cx="0" cy="0"/>
-        </a:xfrm>
-      </p:grpSpPr>
-      <p:sp>
-        <p:nvSpPr>
-          <p:cNvPr id="6" name="TextBox 5">
-            <a:extLst>
-              <a:ext uri="{FF2B5EF4-FFF2-40B4-BE49-F238E27FC236}">
-                <a16:creationId xmlns:a16="http://schemas.microsoft.com/office/drawing/2014/main" id="{7BC70131-2A0F-D582-388D-5AB1E95FE6C4}"/>
-              </a:ext>
-            </a:extLst>
-          </p:cNvPr>
-          <p:cNvSpPr txBox="1"/>
-          <p:nvPr/>
-        </p:nvSpPr>
-        <p:spPr>
-          <a:xfrm>
-            <a:off x="1021294" y="3808909"/>
-            <a:ext cx="10149410" cy="1384995"/>
-          </a:xfrm>
-          <a:prstGeom prst="rect">
-            <a:avLst/>
-          </a:prstGeom>
-          <a:noFill/>
-        </p:spPr>
-        <p:txBody>
-          <a:bodyPr wrap="square" rtlCol="0">
-            <a:spAutoFit/>
-          </a:bodyPr>
-          <a:lstStyle/>
-          <a:p>
-            <a:pPr algn="ctr"/>
-            <a:r>
-              <a:rPr kumimoji="1" lang="en-US" altLang="ko-KR" sz="2800" b="1" dirty="0">
-                <a:latin typeface="D2Coding" panose="020B0609020101020101" pitchFamily="49" charset="-127"/>
-                <a:ea typeface="D2Coding" panose="020B0609020101020101" pitchFamily="49" charset="-127"/>
-              </a:rPr>
-              <a:t>Day 56</a:t>
-            </a:r>
-          </a:p>
-          <a:p>
-            <a:pPr algn="ctr"/>
-            <a:r>
-              <a:rPr kumimoji="1" lang="en-US" altLang="ko-KR" sz="2800" b="1" dirty="0">
-                <a:latin typeface="D2Coding" panose="020B0609020101020101" pitchFamily="49" charset="-127"/>
-                <a:ea typeface="D2Coding" panose="020B0609020101020101" pitchFamily="49" charset="-127"/>
-              </a:rPr>
-              <a:t>Java</a:t>
-            </a:r>
-            <a:r>
-              <a:rPr kumimoji="1" lang="ko-KR" altLang="en-US" sz="2800" b="1" dirty="0">
-                <a:latin typeface="D2Coding" panose="020B0609020101020101" pitchFamily="49" charset="-127"/>
-                <a:ea typeface="D2Coding" panose="020B0609020101020101" pitchFamily="49" charset="-127"/>
-              </a:rPr>
-              <a:t>프로그래밍 기초</a:t>
-            </a:r>
-            <a:endParaRPr kumimoji="1" lang="en-US" altLang="ko-KR" sz="2800" b="1" dirty="0">
-              <a:latin typeface="D2Coding" panose="020B0609020101020101" pitchFamily="49" charset="-127"/>
-              <a:ea typeface="D2Coding" panose="020B0609020101020101" pitchFamily="49" charset="-127"/>
-            </a:endParaRPr>
-          </a:p>
-          <a:p>
-            <a:pPr algn="ctr"/>
-            <a:r>
-              <a:rPr kumimoji="1" lang="en-US" altLang="ko-KR" sz="2800" b="1" dirty="0">
-                <a:latin typeface="D2Coding" panose="020B0609020101020101" pitchFamily="49" charset="-127"/>
-                <a:ea typeface="D2Coding" panose="020B0609020101020101" pitchFamily="49" charset="-127"/>
-              </a:rPr>
-              <a:t>JDBC – </a:t>
-            </a:r>
-            <a:r>
-              <a:rPr kumimoji="1" lang="ko-KR" altLang="en-US" sz="2800" b="1" dirty="0">
-                <a:latin typeface="D2Coding" panose="020B0609020101020101" pitchFamily="49" charset="-127"/>
-                <a:ea typeface="D2Coding" panose="020B0609020101020101" pitchFamily="49" charset="-127"/>
-              </a:rPr>
-              <a:t>라이브러리 설치 및 등록</a:t>
-            </a:r>
-          </a:p>
-        </p:txBody>
-      </p:sp>
-      <p:grpSp>
-        <p:nvGrpSpPr>
-          <p:cNvPr id="3" name="그룹 2">
-            <a:extLst>
-              <a:ext uri="{FF2B5EF4-FFF2-40B4-BE49-F238E27FC236}">
-                <a16:creationId xmlns:a16="http://schemas.microsoft.com/office/drawing/2014/main" id="{CCB49D7F-A40B-2950-C3BB-13981C780200}"/>
-              </a:ext>
-            </a:extLst>
-          </p:cNvPr>
-          <p:cNvGrpSpPr/>
-          <p:nvPr/>
-        </p:nvGrpSpPr>
-        <p:grpSpPr>
-          <a:xfrm>
-            <a:off x="0" y="0"/>
-            <a:ext cx="12192000" cy="6858000"/>
-            <a:chOff x="1143000" y="1238490"/>
-            <a:chExt cx="7772400" cy="3777325"/>
-          </a:xfrm>
-        </p:grpSpPr>
-        <p:pic>
-          <p:nvPicPr>
-            <p:cNvPr id="4" name="그림 3" descr="폰트, 로고, 그래픽, 화이트이(가) 표시된 사진&#10;&#10;자동 생성된 설명">
-              <a:extLst>
-                <a:ext uri="{FF2B5EF4-FFF2-40B4-BE49-F238E27FC236}">
-                  <a16:creationId xmlns:a16="http://schemas.microsoft.com/office/drawing/2014/main" id="{B742D47A-36C2-B9F0-BC20-0E30F4A6AEEC}"/>
-                </a:ext>
-              </a:extLst>
-            </p:cNvPr>
-            <p:cNvPicPr>
-              <a:picLocks noChangeAspect="1"/>
-            </p:cNvPicPr>
-            <p:nvPr/>
-          </p:nvPicPr>
-          <p:blipFill>
-            <a:blip r:embed="rId2"/>
-            <a:srcRect t="13650"/>
-            <a:stretch/>
-          </p:blipFill>
-          <p:spPr>
-            <a:xfrm>
-              <a:off x="1143000" y="1238490"/>
-              <a:ext cx="7772400" cy="3777325"/>
-            </a:xfrm>
-            <a:prstGeom prst="rect">
-              <a:avLst/>
-            </a:prstGeom>
-          </p:spPr>
-        </p:pic>
-        <p:sp>
-          <p:nvSpPr>
-            <p:cNvPr id="8" name="TextBox 7">
-              <a:extLst>
-                <a:ext uri="{FF2B5EF4-FFF2-40B4-BE49-F238E27FC236}">
-                  <a16:creationId xmlns:a16="http://schemas.microsoft.com/office/drawing/2014/main" id="{B3D8B992-313F-AA19-ECC1-9BA2DED76D4E}"/>
-                </a:ext>
-              </a:extLst>
-            </p:cNvPr>
-            <p:cNvSpPr txBox="1"/>
-            <p:nvPr/>
-          </p:nvSpPr>
-          <p:spPr>
-            <a:xfrm>
-              <a:off x="1794075" y="3336403"/>
-              <a:ext cx="6470249" cy="796747"/>
-            </a:xfrm>
-            <a:prstGeom prst="rect">
-              <a:avLst/>
-            </a:prstGeom>
-            <a:noFill/>
-          </p:spPr>
-          <p:txBody>
-            <a:bodyPr wrap="square" rtlCol="0">
-              <a:spAutoFit/>
-            </a:bodyPr>
-            <a:lstStyle/>
-            <a:p>
-              <a:pPr algn="ctr"/>
-              <a:r>
-                <a:rPr kumimoji="1" lang="en-US" altLang="ko-KR" sz="4400" b="1" dirty="0">
-                  <a:latin typeface="D2Coding" panose="020B0609020101020101" pitchFamily="49" charset="-127"/>
-                  <a:ea typeface="D2Coding" panose="020B0609020101020101" pitchFamily="49" charset="-127"/>
-                </a:rPr>
                 <a:t>Day 56</a:t>
               </a:r>
             </a:p>
@@ -15323,7 +14238,7 @@
 </p:sld>
 </file>
 
-<file path=ppt/slides/slide55.xml><?xml version="1.0" encoding="utf-8"?>
+<file path=ppt/slides/slide52.xml><?xml version="1.0" encoding="utf-8"?>
 <p:sld xmlns:a="http://schemas.openxmlformats.org/drawingml/2006/main" xmlns:r="http://schemas.openxmlformats.org/officeDocument/2006/relationships" xmlns:p="http://schemas.openxmlformats.org/presentationml/2006/main">
   <p:cSld>
     <p:spTree>

--- a/assets/img/posts/ClassThumbnail.pptx
+++ b/assets/img/posts/ClassThumbnail.pptx
@@ -57,6 +57,7 @@
     <p:sldId id="267" r:id="rId51"/>
     <p:sldId id="268" r:id="rId52"/>
     <p:sldId id="269" r:id="rId53"/>
+    <p:sldId id="327" r:id="rId54"/>
   </p:sldIdLst>
   <p:sldSz cx="12192000" cy="6858000"/>
   <p:notesSz cx="6858000" cy="9144000"/>
@@ -3913,7 +3914,7 @@
           <p:spPr>
             <a:xfrm>
               <a:off x="1794075" y="3336403"/>
-              <a:ext cx="6470249" cy="796747"/>
+              <a:ext cx="6470249" cy="1542637"/>
             </a:xfrm>
             <a:prstGeom prst="rect">
               <a:avLst/>
@@ -3942,6 +3943,27 @@
                   <a:latin typeface="D2Coding" panose="020B0609020101020101" pitchFamily="49" charset="-127"/>
                   <a:ea typeface="D2Coding" panose="020B0609020101020101" pitchFamily="49" charset="-127"/>
                 </a:rPr>
+                <a:t>Eclipse IDE</a:t>
+              </a:r>
+              <a:r>
+                <a:rPr kumimoji="1" lang="ko-KR" altLang="en-US" sz="4400" b="1" dirty="0">
+                  <a:latin typeface="D2Coding" panose="020B0609020101020101" pitchFamily="49" charset="-127"/>
+                  <a:ea typeface="D2Coding" panose="020B0609020101020101" pitchFamily="49" charset="-127"/>
+                </a:rPr>
+                <a:t>설정 및 </a:t>
+              </a:r>
+              <a:endParaRPr kumimoji="1" lang="en-US" altLang="ko-KR" sz="4400" b="1" dirty="0">
+                <a:latin typeface="D2Coding" panose="020B0609020101020101" pitchFamily="49" charset="-127"/>
+                <a:ea typeface="D2Coding" panose="020B0609020101020101" pitchFamily="49" charset="-127"/>
+              </a:endParaRPr>
+            </a:p>
+            <a:p>
+              <a:pPr algn="ctr"/>
+              <a:r>
+                <a:rPr kumimoji="1" lang="en" altLang="ko-KR" sz="4400" b="1" dirty="0">
+                  <a:latin typeface="D2Coding" panose="020B0609020101020101" pitchFamily="49" charset="-127"/>
+                  <a:ea typeface="D2Coding" panose="020B0609020101020101" pitchFamily="49" charset="-127"/>
+                </a:rPr>
                 <a:t>Java</a:t>
               </a:r>
               <a:r>
@@ -3963,29 +3985,26 @@
                   <a:latin typeface="D2Coding" panose="020B0609020101020101" pitchFamily="49" charset="-127"/>
                   <a:ea typeface="D2Coding" panose="020B0609020101020101" pitchFamily="49" charset="-127"/>
                 </a:rPr>
-                <a:t>문자집합</a:t>
+                <a:t>변수</a:t>
               </a:r>
               <a:r>
                 <a:rPr kumimoji="1" lang="en-US" altLang="ko-KR" sz="4400" b="1" dirty="0">
                   <a:latin typeface="D2Coding" panose="020B0609020101020101" pitchFamily="49" charset="-127"/>
                   <a:ea typeface="D2Coding" panose="020B0609020101020101" pitchFamily="49" charset="-127"/>
                 </a:rPr>
-                <a:t>,</a:t>
-              </a:r>
-              <a:r>
-                <a:rPr kumimoji="1" lang="ko-KR" altLang="en-US" sz="4400" b="1" dirty="0">
-                  <a:latin typeface="D2Coding" panose="020B0609020101020101" pitchFamily="49" charset="-127"/>
-                  <a:ea typeface="D2Coding" panose="020B0609020101020101" pitchFamily="49" charset="-127"/>
-                </a:rPr>
-                <a:t> 수</a:t>
-              </a:r>
-              <a:r>
-                <a:rPr kumimoji="1" lang="en-US" altLang="ko-KR" sz="4400" b="1" dirty="0">
-                  <a:latin typeface="D2Coding" panose="020B0609020101020101" pitchFamily="49" charset="-127"/>
-                  <a:ea typeface="D2Coding" panose="020B0609020101020101" pitchFamily="49" charset="-127"/>
-                </a:rPr>
                 <a:t>)</a:t>
               </a:r>
+              <a:endParaRPr kumimoji="1" lang="ko-KR" altLang="en-US" sz="4400" b="1" dirty="0">
+                <a:latin typeface="D2Coding" panose="020B0609020101020101" pitchFamily="49" charset="-127"/>
+                <a:ea typeface="D2Coding" panose="020B0609020101020101" pitchFamily="49" charset="-127"/>
+              </a:endParaRPr>
+            </a:p>
+            <a:p>
+              <a:pPr algn="ctr"/>
+              <a:endParaRPr kumimoji="1" lang="ko-KR" altLang="en-US" sz="4400" b="1" dirty="0">
+                <a:latin typeface="D2Coding" panose="020B0609020101020101" pitchFamily="49" charset="-127"/>
+                <a:ea typeface="D2Coding" panose="020B0609020101020101" pitchFamily="49" charset="-127"/>
+              </a:endParaRPr>
             </a:p>
           </p:txBody>
         </p:sp>
@@ -4186,53 +4205,11 @@
             <a:p>
               <a:pPr algn="ctr"/>
               <a:r>
-                <a:rPr kumimoji="1" lang="en" altLang="ko-KR" sz="4400" b="1" dirty="0">
-                  <a:latin typeface="D2Coding" panose="020B0609020101020101" pitchFamily="49" charset="-127"/>
-                  <a:ea typeface="D2Coding" panose="020B0609020101020101" pitchFamily="49" charset="-127"/>
-                </a:rPr>
-                <a:t>Java</a:t>
-              </a:r>
-              <a:r>
                 <a:rPr kumimoji="1" lang="ko-KR" altLang="en-US" sz="4400" b="1" dirty="0">
                   <a:latin typeface="D2Coding" panose="020B0609020101020101" pitchFamily="49" charset="-127"/>
                   <a:ea typeface="D2Coding" panose="020B0609020101020101" pitchFamily="49" charset="-127"/>
                 </a:rPr>
-                <a:t>프로그래밍 기초</a:t>
-              </a:r>
-              <a:r>
-                <a:rPr kumimoji="1" lang="en-US" altLang="ko-KR" sz="4400" b="1" dirty="0">
-                  <a:latin typeface="D2Coding" panose="020B0609020101020101" pitchFamily="49" charset="-127"/>
-                  <a:ea typeface="D2Coding" panose="020B0609020101020101" pitchFamily="49" charset="-127"/>
-                </a:rPr>
-                <a:t>(</a:t>
-              </a:r>
-              <a:r>
-                <a:rPr kumimoji="1" lang="ko-KR" altLang="en-US" sz="4400" b="1" dirty="0">
-                  <a:latin typeface="D2Coding" panose="020B0609020101020101" pitchFamily="49" charset="-127"/>
-                  <a:ea typeface="D2Coding" panose="020B0609020101020101" pitchFamily="49" charset="-127"/>
-                </a:rPr>
-                <a:t>문자집합</a:t>
-              </a:r>
-              <a:r>
-                <a:rPr kumimoji="1" lang="en-US" altLang="ko-KR" sz="4400" b="1" dirty="0">
-                  <a:latin typeface="D2Coding" panose="020B0609020101020101" pitchFamily="49" charset="-127"/>
-                  <a:ea typeface="D2Coding" panose="020B0609020101020101" pitchFamily="49" charset="-127"/>
-                </a:rPr>
-                <a:t>,</a:t>
-              </a:r>
-              <a:r>
-                <a:rPr kumimoji="1" lang="ko-KR" altLang="en-US" sz="4400" b="1" dirty="0">
-                  <a:latin typeface="D2Coding" panose="020B0609020101020101" pitchFamily="49" charset="-127"/>
-                  <a:ea typeface="D2Coding" panose="020B0609020101020101" pitchFamily="49" charset="-127"/>
-                </a:rPr>
-                <a:t> 수</a:t>
-              </a:r>
-              <a:r>
-                <a:rPr kumimoji="1" lang="en-US" altLang="ko-KR" sz="4400" b="1" dirty="0">
-                  <a:latin typeface="D2Coding" panose="020B0609020101020101" pitchFamily="49" charset="-127"/>
-                  <a:ea typeface="D2Coding" panose="020B0609020101020101" pitchFamily="49" charset="-127"/>
-                </a:rPr>
-                <a:t>)</a:t>
+                <a:t>실습프로젝트</a:t>
               </a:r>
             </a:p>
           </p:txBody>
@@ -4459,29 +4436,19 @@
                   <a:latin typeface="D2Coding" panose="020B0609020101020101" pitchFamily="49" charset="-127"/>
                   <a:ea typeface="D2Coding" panose="020B0609020101020101" pitchFamily="49" charset="-127"/>
                 </a:rPr>
-                <a:t>문자집합</a:t>
+                <a:t>연산자</a:t>
               </a:r>
               <a:r>
                 <a:rPr kumimoji="1" lang="en-US" altLang="ko-KR" sz="4400" b="1" dirty="0">
                   <a:latin typeface="D2Coding" panose="020B0609020101020101" pitchFamily="49" charset="-127"/>
                   <a:ea typeface="D2Coding" panose="020B0609020101020101" pitchFamily="49" charset="-127"/>
                 </a:rPr>
-                <a:t>,</a:t>
-              </a:r>
-              <a:r>
-                <a:rPr kumimoji="1" lang="ko-KR" altLang="en-US" sz="4400" b="1" dirty="0">
-                  <a:latin typeface="D2Coding" panose="020B0609020101020101" pitchFamily="49" charset="-127"/>
-                  <a:ea typeface="D2Coding" panose="020B0609020101020101" pitchFamily="49" charset="-127"/>
-                </a:rPr>
-                <a:t> 수</a:t>
-              </a:r>
-              <a:r>
-                <a:rPr kumimoji="1" lang="en-US" altLang="ko-KR" sz="4400" b="1" dirty="0">
-                  <a:latin typeface="D2Coding" panose="020B0609020101020101" pitchFamily="49" charset="-127"/>
-                  <a:ea typeface="D2Coding" panose="020B0609020101020101" pitchFamily="49" charset="-127"/>
-                </a:rPr>
                 <a:t>)</a:t>
               </a:r>
+              <a:endParaRPr kumimoji="1" lang="ko-KR" altLang="en-US" sz="4400" b="1" dirty="0">
+                <a:latin typeface="D2Coding" panose="020B0609020101020101" pitchFamily="49" charset="-127"/>
+                <a:ea typeface="D2Coding" panose="020B0609020101020101" pitchFamily="49" charset="-127"/>
+              </a:endParaRPr>
             </a:p>
           </p:txBody>
         </p:sp>
@@ -4904,8 +4871,8 @@
           </p:nvSpPr>
           <p:spPr>
             <a:xfrm>
-              <a:off x="1794075" y="3336403"/>
-              <a:ext cx="6470249" cy="796747"/>
+              <a:off x="1513954" y="3336403"/>
+              <a:ext cx="7030490" cy="796747"/>
             </a:xfrm>
             <a:prstGeom prst="rect">
               <a:avLst/>
@@ -4951,11 +4918,11 @@
                 <a:t>(</a:t>
               </a:r>
               <a:r>
-                <a:rPr kumimoji="1" lang="ko-KR" altLang="en-US" sz="4400" b="1" dirty="0">
-                  <a:latin typeface="D2Coding" panose="020B0609020101020101" pitchFamily="49" charset="-127"/>
-                  <a:ea typeface="D2Coding" panose="020B0609020101020101" pitchFamily="49" charset="-127"/>
-                </a:rPr>
-                <a:t>문자집합</a:t>
+                <a:rPr kumimoji="1" lang="ko-KR" altLang="en-US" sz="4400" b="1" dirty="0" err="1">
+                  <a:latin typeface="D2Coding" panose="020B0609020101020101" pitchFamily="49" charset="-127"/>
+                  <a:ea typeface="D2Coding" panose="020B0609020101020101" pitchFamily="49" charset="-127"/>
+                </a:rPr>
+                <a:t>표준입출력</a:t>
               </a:r>
               <a:r>
                 <a:rPr kumimoji="1" lang="en-US" altLang="ko-KR" sz="4400" b="1" dirty="0">
@@ -4965,18 +4932,11 @@
                 <a:t>,</a:t>
               </a:r>
               <a:r>
-                <a:rPr kumimoji="1" lang="ko-KR" altLang="en-US" sz="4400" b="1" dirty="0">
-                  <a:latin typeface="D2Coding" panose="020B0609020101020101" pitchFamily="49" charset="-127"/>
-                  <a:ea typeface="D2Coding" panose="020B0609020101020101" pitchFamily="49" charset="-127"/>
-                </a:rPr>
-                <a:t> 수</a:t>
-              </a:r>
-              <a:r>
-                <a:rPr kumimoji="1" lang="en-US" altLang="ko-KR" sz="4400" b="1" dirty="0">
-                  <a:latin typeface="D2Coding" panose="020B0609020101020101" pitchFamily="49" charset="-127"/>
-                  <a:ea typeface="D2Coding" panose="020B0609020101020101" pitchFamily="49" charset="-127"/>
-                </a:rPr>
-                <a:t>)</a:t>
+                <a:rPr kumimoji="1" lang="en" altLang="ko-KR" sz="4400" b="1" dirty="0">
+                  <a:latin typeface="D2Coding" panose="020B0609020101020101" pitchFamily="49" charset="-127"/>
+                  <a:ea typeface="D2Coding" panose="020B0609020101020101" pitchFamily="49" charset="-127"/>
+                </a:rPr>
+                <a:t>String)</a:t>
               </a:r>
             </a:p>
           </p:txBody>
@@ -14470,6 +14430,237 @@
     <p:extLst>
       <p:ext uri="{BB962C8B-B14F-4D97-AF65-F5344CB8AC3E}">
         <p14:creationId xmlns:p14="http://schemas.microsoft.com/office/powerpoint/2010/main" val="278894104"/>
+      </p:ext>
+    </p:extLst>
+  </p:cSld>
+  <p:clrMapOvr>
+    <a:masterClrMapping/>
+  </p:clrMapOvr>
+</p:sld>
+</file>
+
+<file path=ppt/slides/slide53.xml><?xml version="1.0" encoding="utf-8"?>
+<p:sld xmlns:a="http://schemas.openxmlformats.org/drawingml/2006/main" xmlns:r="http://schemas.openxmlformats.org/officeDocument/2006/relationships" xmlns:p="http://schemas.openxmlformats.org/presentationml/2006/main">
+  <p:cSld>
+    <p:spTree>
+      <p:nvGrpSpPr>
+        <p:cNvPr id="1" name=""/>
+        <p:cNvGrpSpPr/>
+        <p:nvPr/>
+      </p:nvGrpSpPr>
+      <p:grpSpPr>
+        <a:xfrm>
+          <a:off x="0" y="0"/>
+          <a:ext cx="0" cy="0"/>
+          <a:chOff x="0" y="0"/>
+          <a:chExt cx="0" cy="0"/>
+        </a:xfrm>
+      </p:grpSpPr>
+      <p:sp>
+        <p:nvSpPr>
+          <p:cNvPr id="6" name="TextBox 5">
+            <a:extLst>
+              <a:ext uri="{FF2B5EF4-FFF2-40B4-BE49-F238E27FC236}">
+                <a16:creationId xmlns:a16="http://schemas.microsoft.com/office/drawing/2014/main" id="{7BC70131-2A0F-D582-388D-5AB1E95FE6C4}"/>
+              </a:ext>
+            </a:extLst>
+          </p:cNvPr>
+          <p:cNvSpPr txBox="1"/>
+          <p:nvPr/>
+        </p:nvSpPr>
+        <p:spPr>
+          <a:xfrm>
+            <a:off x="1021294" y="3808909"/>
+            <a:ext cx="10149410" cy="1384995"/>
+          </a:xfrm>
+          <a:prstGeom prst="rect">
+            <a:avLst/>
+          </a:prstGeom>
+          <a:noFill/>
+        </p:spPr>
+        <p:txBody>
+          <a:bodyPr wrap="square" rtlCol="0">
+            <a:spAutoFit/>
+          </a:bodyPr>
+          <a:lstStyle/>
+          <a:p>
+            <a:pPr algn="ctr"/>
+            <a:r>
+              <a:rPr kumimoji="1" lang="en-US" altLang="ko-KR" sz="2800" b="1" dirty="0">
+                <a:latin typeface="D2Coding" panose="020B0609020101020101" pitchFamily="49" charset="-127"/>
+                <a:ea typeface="D2Coding" panose="020B0609020101020101" pitchFamily="49" charset="-127"/>
+              </a:rPr>
+              <a:t>Day 56</a:t>
+            </a:r>
+          </a:p>
+          <a:p>
+            <a:pPr algn="ctr"/>
+            <a:r>
+              <a:rPr kumimoji="1" lang="en-US" altLang="ko-KR" sz="2800" b="1" dirty="0">
+                <a:latin typeface="D2Coding" panose="020B0609020101020101" pitchFamily="49" charset="-127"/>
+                <a:ea typeface="D2Coding" panose="020B0609020101020101" pitchFamily="49" charset="-127"/>
+              </a:rPr>
+              <a:t>Java</a:t>
+            </a:r>
+            <a:r>
+              <a:rPr kumimoji="1" lang="ko-KR" altLang="en-US" sz="2800" b="1" dirty="0">
+                <a:latin typeface="D2Coding" panose="020B0609020101020101" pitchFamily="49" charset="-127"/>
+                <a:ea typeface="D2Coding" panose="020B0609020101020101" pitchFamily="49" charset="-127"/>
+              </a:rPr>
+              <a:t>프로그래밍 기초</a:t>
+            </a:r>
+            <a:endParaRPr kumimoji="1" lang="en-US" altLang="ko-KR" sz="2800" b="1" dirty="0">
+              <a:latin typeface="D2Coding" panose="020B0609020101020101" pitchFamily="49" charset="-127"/>
+              <a:ea typeface="D2Coding" panose="020B0609020101020101" pitchFamily="49" charset="-127"/>
+            </a:endParaRPr>
+          </a:p>
+          <a:p>
+            <a:pPr algn="ctr"/>
+            <a:r>
+              <a:rPr kumimoji="1" lang="en-US" altLang="ko-KR" sz="2800" b="1" dirty="0">
+                <a:latin typeface="D2Coding" panose="020B0609020101020101" pitchFamily="49" charset="-127"/>
+                <a:ea typeface="D2Coding" panose="020B0609020101020101" pitchFamily="49" charset="-127"/>
+              </a:rPr>
+              <a:t>JDBC – </a:t>
+            </a:r>
+            <a:r>
+              <a:rPr kumimoji="1" lang="ko-KR" altLang="en-US" sz="2800" b="1" dirty="0">
+                <a:latin typeface="D2Coding" panose="020B0609020101020101" pitchFamily="49" charset="-127"/>
+                <a:ea typeface="D2Coding" panose="020B0609020101020101" pitchFamily="49" charset="-127"/>
+              </a:rPr>
+              <a:t>라이브러리 설치 및 등록</a:t>
+            </a:r>
+          </a:p>
+        </p:txBody>
+      </p:sp>
+      <p:grpSp>
+        <p:nvGrpSpPr>
+          <p:cNvPr id="3" name="그룹 2">
+            <a:extLst>
+              <a:ext uri="{FF2B5EF4-FFF2-40B4-BE49-F238E27FC236}">
+                <a16:creationId xmlns:a16="http://schemas.microsoft.com/office/drawing/2014/main" id="{CCB49D7F-A40B-2950-C3BB-13981C780200}"/>
+              </a:ext>
+            </a:extLst>
+          </p:cNvPr>
+          <p:cNvGrpSpPr/>
+          <p:nvPr/>
+        </p:nvGrpSpPr>
+        <p:grpSpPr>
+          <a:xfrm>
+            <a:off x="0" y="0"/>
+            <a:ext cx="12192000" cy="6858000"/>
+            <a:chOff x="1143000" y="1238490"/>
+            <a:chExt cx="7772400" cy="3777325"/>
+          </a:xfrm>
+        </p:grpSpPr>
+        <p:pic>
+          <p:nvPicPr>
+            <p:cNvPr id="4" name="그림 3" descr="폰트, 로고, 그래픽, 화이트이(가) 표시된 사진&#10;&#10;자동 생성된 설명">
+              <a:extLst>
+                <a:ext uri="{FF2B5EF4-FFF2-40B4-BE49-F238E27FC236}">
+                  <a16:creationId xmlns:a16="http://schemas.microsoft.com/office/drawing/2014/main" id="{B742D47A-36C2-B9F0-BC20-0E30F4A6AEEC}"/>
+                </a:ext>
+              </a:extLst>
+            </p:cNvPr>
+            <p:cNvPicPr>
+              <a:picLocks noChangeAspect="1"/>
+            </p:cNvPicPr>
+            <p:nvPr/>
+          </p:nvPicPr>
+          <p:blipFill>
+            <a:blip r:embed="rId2"/>
+            <a:srcRect t="13650"/>
+            <a:stretch/>
+          </p:blipFill>
+          <p:spPr>
+            <a:xfrm>
+              <a:off x="1143000" y="1238490"/>
+              <a:ext cx="7772400" cy="3777325"/>
+            </a:xfrm>
+            <a:prstGeom prst="rect">
+              <a:avLst/>
+            </a:prstGeom>
+          </p:spPr>
+        </p:pic>
+        <p:sp>
+          <p:nvSpPr>
+            <p:cNvPr id="8" name="TextBox 7">
+              <a:extLst>
+                <a:ext uri="{FF2B5EF4-FFF2-40B4-BE49-F238E27FC236}">
+                  <a16:creationId xmlns:a16="http://schemas.microsoft.com/office/drawing/2014/main" id="{B3D8B992-313F-AA19-ECC1-9BA2DED76D4E}"/>
+                </a:ext>
+              </a:extLst>
+            </p:cNvPr>
+            <p:cNvSpPr txBox="1"/>
+            <p:nvPr/>
+          </p:nvSpPr>
+          <p:spPr>
+            <a:xfrm>
+              <a:off x="1794075" y="3336403"/>
+              <a:ext cx="6470249" cy="796747"/>
+            </a:xfrm>
+            <a:prstGeom prst="rect">
+              <a:avLst/>
+            </a:prstGeom>
+            <a:noFill/>
+          </p:spPr>
+          <p:txBody>
+            <a:bodyPr wrap="square" rtlCol="0">
+              <a:spAutoFit/>
+            </a:bodyPr>
+            <a:lstStyle/>
+            <a:p>
+              <a:pPr algn="ctr"/>
+              <a:r>
+                <a:rPr kumimoji="1" lang="en-US" altLang="ko-KR" sz="4400" b="1" dirty="0">
+                  <a:latin typeface="D2Coding" panose="020B0609020101020101" pitchFamily="49" charset="-127"/>
+                  <a:ea typeface="D2Coding" panose="020B0609020101020101" pitchFamily="49" charset="-127"/>
+                </a:rPr>
+                <a:t>Day 58</a:t>
+              </a:r>
+            </a:p>
+            <a:p>
+              <a:pPr algn="ctr"/>
+              <a:r>
+                <a:rPr kumimoji="1" lang="ko-KR" altLang="en-US" sz="4400" b="1" dirty="0">
+                  <a:latin typeface="D2Coding" panose="020B0609020101020101" pitchFamily="49" charset="-127"/>
+                  <a:ea typeface="D2Coding" panose="020B0609020101020101" pitchFamily="49" charset="-127"/>
+                </a:rPr>
+                <a:t>실습프로젝트 </a:t>
+              </a:r>
+              <a:r>
+                <a:rPr kumimoji="1" lang="en-US" altLang="ko-KR" sz="4400" b="1" dirty="0">
+                  <a:latin typeface="D2Coding" panose="020B0609020101020101" pitchFamily="49" charset="-127"/>
+                  <a:ea typeface="D2Coding" panose="020B0609020101020101" pitchFamily="49" charset="-127"/>
+                </a:rPr>
+                <a:t>(JDBC</a:t>
+              </a:r>
+              <a:r>
+                <a:rPr kumimoji="1" lang="ko-KR" altLang="en-US" sz="4400" b="1" dirty="0">
+                  <a:latin typeface="D2Coding" panose="020B0609020101020101" pitchFamily="49" charset="-127"/>
+                  <a:ea typeface="D2Coding" panose="020B0609020101020101" pitchFamily="49" charset="-127"/>
+                </a:rPr>
+                <a:t> 캡슐화</a:t>
+              </a:r>
+              <a:r>
+                <a:rPr kumimoji="1" lang="en-US" altLang="ko-KR" sz="4400" b="1" dirty="0">
+                  <a:latin typeface="D2Coding" panose="020B0609020101020101" pitchFamily="49" charset="-127"/>
+                  <a:ea typeface="D2Coding" panose="020B0609020101020101" pitchFamily="49" charset="-127"/>
+                </a:rPr>
+                <a:t>)</a:t>
+              </a:r>
+              <a:endParaRPr kumimoji="1" lang="ko-KR" altLang="en-US" sz="4400" b="1" dirty="0">
+                <a:latin typeface="D2Coding" panose="020B0609020101020101" pitchFamily="49" charset="-127"/>
+                <a:ea typeface="D2Coding" panose="020B0609020101020101" pitchFamily="49" charset="-127"/>
+              </a:endParaRPr>
+            </a:p>
+          </p:txBody>
+        </p:sp>
+      </p:grpSp>
+    </p:spTree>
+    <p:extLst>
+      <p:ext uri="{BB962C8B-B14F-4D97-AF65-F5344CB8AC3E}">
+        <p14:creationId xmlns:p14="http://schemas.microsoft.com/office/powerpoint/2010/main" val="3529683864"/>
       </p:ext>
     </p:extLst>
   </p:cSld>

--- a/assets/img/posts/ClassThumbnail.pptx
+++ b/assets/img/posts/ClassThumbnail.pptx
@@ -6,58 +6,61 @@
   </p:sldMasterIdLst>
   <p:sldIdLst>
     <p:sldId id="266" r:id="rId2"/>
-    <p:sldId id="270" r:id="rId3"/>
-    <p:sldId id="293" r:id="rId4"/>
-    <p:sldId id="272" r:id="rId5"/>
-    <p:sldId id="273" r:id="rId6"/>
-    <p:sldId id="274" r:id="rId7"/>
-    <p:sldId id="275" r:id="rId8"/>
-    <p:sldId id="276" r:id="rId9"/>
-    <p:sldId id="313" r:id="rId10"/>
-    <p:sldId id="314" r:id="rId11"/>
-    <p:sldId id="315" r:id="rId12"/>
-    <p:sldId id="316" r:id="rId13"/>
-    <p:sldId id="317" r:id="rId14"/>
-    <p:sldId id="318" r:id="rId15"/>
-    <p:sldId id="319" r:id="rId16"/>
-    <p:sldId id="320" r:id="rId17"/>
-    <p:sldId id="321" r:id="rId18"/>
-    <p:sldId id="322" r:id="rId19"/>
-    <p:sldId id="323" r:id="rId20"/>
-    <p:sldId id="324" r:id="rId21"/>
-    <p:sldId id="325" r:id="rId22"/>
-    <p:sldId id="295" r:id="rId23"/>
-    <p:sldId id="296" r:id="rId24"/>
-    <p:sldId id="297" r:id="rId25"/>
-    <p:sldId id="298" r:id="rId26"/>
-    <p:sldId id="300" r:id="rId27"/>
-    <p:sldId id="302" r:id="rId28"/>
-    <p:sldId id="303" r:id="rId29"/>
-    <p:sldId id="326" r:id="rId30"/>
-    <p:sldId id="304" r:id="rId31"/>
-    <p:sldId id="305" r:id="rId32"/>
-    <p:sldId id="306" r:id="rId33"/>
-    <p:sldId id="307" r:id="rId34"/>
-    <p:sldId id="278" r:id="rId35"/>
-    <p:sldId id="279" r:id="rId36"/>
-    <p:sldId id="280" r:id="rId37"/>
-    <p:sldId id="281" r:id="rId38"/>
-    <p:sldId id="282" r:id="rId39"/>
-    <p:sldId id="283" r:id="rId40"/>
-    <p:sldId id="284" r:id="rId41"/>
-    <p:sldId id="285" r:id="rId42"/>
-    <p:sldId id="286" r:id="rId43"/>
-    <p:sldId id="287" r:id="rId44"/>
-    <p:sldId id="288" r:id="rId45"/>
-    <p:sldId id="289" r:id="rId46"/>
-    <p:sldId id="290" r:id="rId47"/>
-    <p:sldId id="291" r:id="rId48"/>
-    <p:sldId id="292" r:id="rId49"/>
-    <p:sldId id="271" r:id="rId50"/>
-    <p:sldId id="267" r:id="rId51"/>
-    <p:sldId id="268" r:id="rId52"/>
-    <p:sldId id="269" r:id="rId53"/>
-    <p:sldId id="327" r:id="rId54"/>
+    <p:sldId id="328" r:id="rId3"/>
+    <p:sldId id="270" r:id="rId4"/>
+    <p:sldId id="293" r:id="rId5"/>
+    <p:sldId id="272" r:id="rId6"/>
+    <p:sldId id="273" r:id="rId7"/>
+    <p:sldId id="274" r:id="rId8"/>
+    <p:sldId id="275" r:id="rId9"/>
+    <p:sldId id="276" r:id="rId10"/>
+    <p:sldId id="313" r:id="rId11"/>
+    <p:sldId id="314" r:id="rId12"/>
+    <p:sldId id="315" r:id="rId13"/>
+    <p:sldId id="316" r:id="rId14"/>
+    <p:sldId id="317" r:id="rId15"/>
+    <p:sldId id="318" r:id="rId16"/>
+    <p:sldId id="319" r:id="rId17"/>
+    <p:sldId id="320" r:id="rId18"/>
+    <p:sldId id="321" r:id="rId19"/>
+    <p:sldId id="322" r:id="rId20"/>
+    <p:sldId id="323" r:id="rId21"/>
+    <p:sldId id="324" r:id="rId22"/>
+    <p:sldId id="325" r:id="rId23"/>
+    <p:sldId id="295" r:id="rId24"/>
+    <p:sldId id="296" r:id="rId25"/>
+    <p:sldId id="297" r:id="rId26"/>
+    <p:sldId id="298" r:id="rId27"/>
+    <p:sldId id="300" r:id="rId28"/>
+    <p:sldId id="302" r:id="rId29"/>
+    <p:sldId id="303" r:id="rId30"/>
+    <p:sldId id="326" r:id="rId31"/>
+    <p:sldId id="304" r:id="rId32"/>
+    <p:sldId id="305" r:id="rId33"/>
+    <p:sldId id="306" r:id="rId34"/>
+    <p:sldId id="307" r:id="rId35"/>
+    <p:sldId id="278" r:id="rId36"/>
+    <p:sldId id="279" r:id="rId37"/>
+    <p:sldId id="280" r:id="rId38"/>
+    <p:sldId id="281" r:id="rId39"/>
+    <p:sldId id="282" r:id="rId40"/>
+    <p:sldId id="283" r:id="rId41"/>
+    <p:sldId id="284" r:id="rId42"/>
+    <p:sldId id="285" r:id="rId43"/>
+    <p:sldId id="286" r:id="rId44"/>
+    <p:sldId id="287" r:id="rId45"/>
+    <p:sldId id="288" r:id="rId46"/>
+    <p:sldId id="289" r:id="rId47"/>
+    <p:sldId id="290" r:id="rId48"/>
+    <p:sldId id="291" r:id="rId49"/>
+    <p:sldId id="292" r:id="rId50"/>
+    <p:sldId id="271" r:id="rId51"/>
+    <p:sldId id="267" r:id="rId52"/>
+    <p:sldId id="268" r:id="rId53"/>
+    <p:sldId id="269" r:id="rId54"/>
+    <p:sldId id="327" r:id="rId55"/>
+    <p:sldId id="329" r:id="rId56"/>
+    <p:sldId id="330" r:id="rId57"/>
   </p:sldIdLst>
   <p:sldSz cx="12192000" cy="6858000"/>
   <p:notesSz cx="6858000" cy="9144000"/>
@@ -311,7 +314,7 @@
           <a:p>
             <a:fld id="{23D718C7-182E-9E43-B6DC-1727F16BCC9F}" type="datetimeFigureOut">
               <a:rPr kumimoji="1" lang="ko-KR" altLang="en-US" smtClean="0"/>
-              <a:t>2024. 8. 18.</a:t>
+              <a:t>2024. 8. 21.</a:t>
             </a:fld>
             <a:endParaRPr kumimoji="1" lang="ko-KR" altLang="en-US"/>
           </a:p>
@@ -509,7 +512,7 @@
           <a:p>
             <a:fld id="{23D718C7-182E-9E43-B6DC-1727F16BCC9F}" type="datetimeFigureOut">
               <a:rPr kumimoji="1" lang="ko-KR" altLang="en-US" smtClean="0"/>
-              <a:t>2024. 8. 18.</a:t>
+              <a:t>2024. 8. 21.</a:t>
             </a:fld>
             <a:endParaRPr kumimoji="1" lang="ko-KR" altLang="en-US"/>
           </a:p>
@@ -717,7 +720,7 @@
           <a:p>
             <a:fld id="{23D718C7-182E-9E43-B6DC-1727F16BCC9F}" type="datetimeFigureOut">
               <a:rPr kumimoji="1" lang="ko-KR" altLang="en-US" smtClean="0"/>
-              <a:t>2024. 8. 18.</a:t>
+              <a:t>2024. 8. 21.</a:t>
             </a:fld>
             <a:endParaRPr kumimoji="1" lang="ko-KR" altLang="en-US"/>
           </a:p>
@@ -915,7 +918,7 @@
           <a:p>
             <a:fld id="{23D718C7-182E-9E43-B6DC-1727F16BCC9F}" type="datetimeFigureOut">
               <a:rPr kumimoji="1" lang="ko-KR" altLang="en-US" smtClean="0"/>
-              <a:t>2024. 8. 18.</a:t>
+              <a:t>2024. 8. 21.</a:t>
             </a:fld>
             <a:endParaRPr kumimoji="1" lang="ko-KR" altLang="en-US"/>
           </a:p>
@@ -1190,7 +1193,7 @@
           <a:p>
             <a:fld id="{23D718C7-182E-9E43-B6DC-1727F16BCC9F}" type="datetimeFigureOut">
               <a:rPr kumimoji="1" lang="ko-KR" altLang="en-US" smtClean="0"/>
-              <a:t>2024. 8. 18.</a:t>
+              <a:t>2024. 8. 21.</a:t>
             </a:fld>
             <a:endParaRPr kumimoji="1" lang="ko-KR" altLang="en-US"/>
           </a:p>
@@ -1455,7 +1458,7 @@
           <a:p>
             <a:fld id="{23D718C7-182E-9E43-B6DC-1727F16BCC9F}" type="datetimeFigureOut">
               <a:rPr kumimoji="1" lang="ko-KR" altLang="en-US" smtClean="0"/>
-              <a:t>2024. 8. 18.</a:t>
+              <a:t>2024. 8. 21.</a:t>
             </a:fld>
             <a:endParaRPr kumimoji="1" lang="ko-KR" altLang="en-US"/>
           </a:p>
@@ -1867,7 +1870,7 @@
           <a:p>
             <a:fld id="{23D718C7-182E-9E43-B6DC-1727F16BCC9F}" type="datetimeFigureOut">
               <a:rPr kumimoji="1" lang="ko-KR" altLang="en-US" smtClean="0"/>
-              <a:t>2024. 8. 18.</a:t>
+              <a:t>2024. 8. 21.</a:t>
             </a:fld>
             <a:endParaRPr kumimoji="1" lang="ko-KR" altLang="en-US"/>
           </a:p>
@@ -2008,7 +2011,7 @@
           <a:p>
             <a:fld id="{23D718C7-182E-9E43-B6DC-1727F16BCC9F}" type="datetimeFigureOut">
               <a:rPr kumimoji="1" lang="ko-KR" altLang="en-US" smtClean="0"/>
-              <a:t>2024. 8. 18.</a:t>
+              <a:t>2024. 8. 21.</a:t>
             </a:fld>
             <a:endParaRPr kumimoji="1" lang="ko-KR" altLang="en-US"/>
           </a:p>
@@ -2121,7 +2124,7 @@
           <a:p>
             <a:fld id="{23D718C7-182E-9E43-B6DC-1727F16BCC9F}" type="datetimeFigureOut">
               <a:rPr kumimoji="1" lang="ko-KR" altLang="en-US" smtClean="0"/>
-              <a:t>2024. 8. 18.</a:t>
+              <a:t>2024. 8. 21.</a:t>
             </a:fld>
             <a:endParaRPr kumimoji="1" lang="ko-KR" altLang="en-US"/>
           </a:p>
@@ -2432,7 +2435,7 @@
           <a:p>
             <a:fld id="{23D718C7-182E-9E43-B6DC-1727F16BCC9F}" type="datetimeFigureOut">
               <a:rPr kumimoji="1" lang="ko-KR" altLang="en-US" smtClean="0"/>
-              <a:t>2024. 8. 18.</a:t>
+              <a:t>2024. 8. 21.</a:t>
             </a:fld>
             <a:endParaRPr kumimoji="1" lang="ko-KR" altLang="en-US"/>
           </a:p>
@@ -2720,7 +2723,7 @@
           <a:p>
             <a:fld id="{23D718C7-182E-9E43-B6DC-1727F16BCC9F}" type="datetimeFigureOut">
               <a:rPr kumimoji="1" lang="ko-KR" altLang="en-US" smtClean="0"/>
-              <a:t>2024. 8. 18.</a:t>
+              <a:t>2024. 8. 21.</a:t>
             </a:fld>
             <a:endParaRPr kumimoji="1" lang="ko-KR" altLang="en-US"/>
           </a:p>
@@ -2961,7 +2964,7 @@
           <a:p>
             <a:fld id="{23D718C7-182E-9E43-B6DC-1727F16BCC9F}" type="datetimeFigureOut">
               <a:rPr kumimoji="1" lang="ko-KR" altLang="en-US" smtClean="0"/>
-              <a:t>2024. 8. 18.</a:t>
+              <a:t>2024. 8. 21.</a:t>
             </a:fld>
             <a:endParaRPr kumimoji="1" lang="ko-KR" altLang="en-US"/>
           </a:p>
@@ -3914,6 +3917,254 @@
           <p:spPr>
             <a:xfrm>
               <a:off x="1794075" y="3336403"/>
+              <a:ext cx="6470249" cy="796747"/>
+            </a:xfrm>
+            <a:prstGeom prst="rect">
+              <a:avLst/>
+            </a:prstGeom>
+            <a:noFill/>
+          </p:spPr>
+          <p:txBody>
+            <a:bodyPr wrap="square" rtlCol="0">
+              <a:spAutoFit/>
+            </a:bodyPr>
+            <a:lstStyle/>
+            <a:p>
+              <a:pPr algn="ctr"/>
+              <a:r>
+                <a:rPr kumimoji="1" lang="en-US" altLang="ko-KR" sz="4400" b="1" dirty="0">
+                  <a:latin typeface="D2Coding" panose="020B0609020101020101" pitchFamily="49" charset="-127"/>
+                  <a:ea typeface="D2Coding" panose="020B0609020101020101" pitchFamily="49" charset="-127"/>
+                </a:rPr>
+                <a:t>Day 07</a:t>
+              </a:r>
+            </a:p>
+            <a:p>
+              <a:pPr algn="ctr"/>
+              <a:r>
+                <a:rPr kumimoji="1" lang="en" altLang="ko-KR" sz="4400" b="1" dirty="0">
+                  <a:latin typeface="D2Coding" panose="020B0609020101020101" pitchFamily="49" charset="-127"/>
+                  <a:ea typeface="D2Coding" panose="020B0609020101020101" pitchFamily="49" charset="-127"/>
+                </a:rPr>
+                <a:t>Java</a:t>
+              </a:r>
+              <a:r>
+                <a:rPr kumimoji="1" lang="ko-KR" altLang="en-US" sz="4400" b="1" dirty="0">
+                  <a:latin typeface="D2Coding" panose="020B0609020101020101" pitchFamily="49" charset="-127"/>
+                  <a:ea typeface="D2Coding" panose="020B0609020101020101" pitchFamily="49" charset="-127"/>
+                </a:rPr>
+                <a:t>프로그래밍 기초</a:t>
+              </a:r>
+              <a:r>
+                <a:rPr kumimoji="1" lang="en-US" altLang="ko-KR" sz="4400" b="1" dirty="0">
+                  <a:latin typeface="D2Coding" panose="020B0609020101020101" pitchFamily="49" charset="-127"/>
+                  <a:ea typeface="D2Coding" panose="020B0609020101020101" pitchFamily="49" charset="-127"/>
+                </a:rPr>
+                <a:t>(</a:t>
+              </a:r>
+              <a:r>
+                <a:rPr kumimoji="1" lang="ko-KR" altLang="en-US" sz="4400" b="1" dirty="0">
+                  <a:latin typeface="D2Coding" panose="020B0609020101020101" pitchFamily="49" charset="-127"/>
+                  <a:ea typeface="D2Coding" panose="020B0609020101020101" pitchFamily="49" charset="-127"/>
+                </a:rPr>
+                <a:t>문자집합</a:t>
+              </a:r>
+              <a:r>
+                <a:rPr kumimoji="1" lang="en-US" altLang="ko-KR" sz="4400" b="1" dirty="0">
+                  <a:latin typeface="D2Coding" panose="020B0609020101020101" pitchFamily="49" charset="-127"/>
+                  <a:ea typeface="D2Coding" panose="020B0609020101020101" pitchFamily="49" charset="-127"/>
+                </a:rPr>
+                <a:t>,</a:t>
+              </a:r>
+              <a:r>
+                <a:rPr kumimoji="1" lang="ko-KR" altLang="en-US" sz="4400" b="1" dirty="0">
+                  <a:latin typeface="D2Coding" panose="020B0609020101020101" pitchFamily="49" charset="-127"/>
+                  <a:ea typeface="D2Coding" panose="020B0609020101020101" pitchFamily="49" charset="-127"/>
+                </a:rPr>
+                <a:t> 수</a:t>
+              </a:r>
+              <a:r>
+                <a:rPr kumimoji="1" lang="en-US" altLang="ko-KR" sz="4400" b="1" dirty="0">
+                  <a:latin typeface="D2Coding" panose="020B0609020101020101" pitchFamily="49" charset="-127"/>
+                  <a:ea typeface="D2Coding" panose="020B0609020101020101" pitchFamily="49" charset="-127"/>
+                </a:rPr>
+                <a:t>)</a:t>
+              </a:r>
+            </a:p>
+          </p:txBody>
+        </p:sp>
+      </p:grpSp>
+    </p:spTree>
+    <p:extLst>
+      <p:ext uri="{BB962C8B-B14F-4D97-AF65-F5344CB8AC3E}">
+        <p14:creationId xmlns:p14="http://schemas.microsoft.com/office/powerpoint/2010/main" val="963737642"/>
+      </p:ext>
+    </p:extLst>
+  </p:cSld>
+  <p:clrMapOvr>
+    <a:masterClrMapping/>
+  </p:clrMapOvr>
+</p:sld>
+</file>
+
+<file path=ppt/slides/slide11.xml><?xml version="1.0" encoding="utf-8"?>
+<p:sld xmlns:a="http://schemas.openxmlformats.org/drawingml/2006/main" xmlns:r="http://schemas.openxmlformats.org/officeDocument/2006/relationships" xmlns:p="http://schemas.openxmlformats.org/presentationml/2006/main">
+  <p:cSld>
+    <p:spTree>
+      <p:nvGrpSpPr>
+        <p:cNvPr id="1" name=""/>
+        <p:cNvGrpSpPr/>
+        <p:nvPr/>
+      </p:nvGrpSpPr>
+      <p:grpSpPr>
+        <a:xfrm>
+          <a:off x="0" y="0"/>
+          <a:ext cx="0" cy="0"/>
+          <a:chOff x="0" y="0"/>
+          <a:chExt cx="0" cy="0"/>
+        </a:xfrm>
+      </p:grpSpPr>
+      <p:sp>
+        <p:nvSpPr>
+          <p:cNvPr id="6" name="TextBox 5">
+            <a:extLst>
+              <a:ext uri="{FF2B5EF4-FFF2-40B4-BE49-F238E27FC236}">
+                <a16:creationId xmlns:a16="http://schemas.microsoft.com/office/drawing/2014/main" id="{7BC70131-2A0F-D582-388D-5AB1E95FE6C4}"/>
+              </a:ext>
+            </a:extLst>
+          </p:cNvPr>
+          <p:cNvSpPr txBox="1"/>
+          <p:nvPr/>
+        </p:nvSpPr>
+        <p:spPr>
+          <a:xfrm>
+            <a:off x="1021294" y="3808909"/>
+            <a:ext cx="10149410" cy="1384995"/>
+          </a:xfrm>
+          <a:prstGeom prst="rect">
+            <a:avLst/>
+          </a:prstGeom>
+          <a:noFill/>
+        </p:spPr>
+        <p:txBody>
+          <a:bodyPr wrap="square" rtlCol="0">
+            <a:spAutoFit/>
+          </a:bodyPr>
+          <a:lstStyle/>
+          <a:p>
+            <a:pPr algn="ctr"/>
+            <a:r>
+              <a:rPr kumimoji="1" lang="en-US" altLang="ko-KR" sz="2800" b="1" dirty="0">
+                <a:latin typeface="D2Coding" panose="020B0609020101020101" pitchFamily="49" charset="-127"/>
+                <a:ea typeface="D2Coding" panose="020B0609020101020101" pitchFamily="49" charset="-127"/>
+              </a:rPr>
+              <a:t>Day 56</a:t>
+            </a:r>
+          </a:p>
+          <a:p>
+            <a:pPr algn="ctr"/>
+            <a:r>
+              <a:rPr kumimoji="1" lang="en-US" altLang="ko-KR" sz="2800" b="1" dirty="0">
+                <a:latin typeface="D2Coding" panose="020B0609020101020101" pitchFamily="49" charset="-127"/>
+                <a:ea typeface="D2Coding" panose="020B0609020101020101" pitchFamily="49" charset="-127"/>
+              </a:rPr>
+              <a:t>Java</a:t>
+            </a:r>
+            <a:r>
+              <a:rPr kumimoji="1" lang="ko-KR" altLang="en-US" sz="2800" b="1" dirty="0">
+                <a:latin typeface="D2Coding" panose="020B0609020101020101" pitchFamily="49" charset="-127"/>
+                <a:ea typeface="D2Coding" panose="020B0609020101020101" pitchFamily="49" charset="-127"/>
+              </a:rPr>
+              <a:t>프로그래밍 기초</a:t>
+            </a:r>
+            <a:endParaRPr kumimoji="1" lang="en-US" altLang="ko-KR" sz="2800" b="1" dirty="0">
+              <a:latin typeface="D2Coding" panose="020B0609020101020101" pitchFamily="49" charset="-127"/>
+              <a:ea typeface="D2Coding" panose="020B0609020101020101" pitchFamily="49" charset="-127"/>
+            </a:endParaRPr>
+          </a:p>
+          <a:p>
+            <a:pPr algn="ctr"/>
+            <a:r>
+              <a:rPr kumimoji="1" lang="en-US" altLang="ko-KR" sz="2800" b="1" dirty="0">
+                <a:latin typeface="D2Coding" panose="020B0609020101020101" pitchFamily="49" charset="-127"/>
+                <a:ea typeface="D2Coding" panose="020B0609020101020101" pitchFamily="49" charset="-127"/>
+              </a:rPr>
+              <a:t>JDBC – </a:t>
+            </a:r>
+            <a:r>
+              <a:rPr kumimoji="1" lang="ko-KR" altLang="en-US" sz="2800" b="1" dirty="0">
+                <a:latin typeface="D2Coding" panose="020B0609020101020101" pitchFamily="49" charset="-127"/>
+                <a:ea typeface="D2Coding" panose="020B0609020101020101" pitchFamily="49" charset="-127"/>
+              </a:rPr>
+              <a:t>라이브러리 설치 및 등록</a:t>
+            </a:r>
+          </a:p>
+        </p:txBody>
+      </p:sp>
+      <p:grpSp>
+        <p:nvGrpSpPr>
+          <p:cNvPr id="3" name="그룹 2">
+            <a:extLst>
+              <a:ext uri="{FF2B5EF4-FFF2-40B4-BE49-F238E27FC236}">
+                <a16:creationId xmlns:a16="http://schemas.microsoft.com/office/drawing/2014/main" id="{CCB49D7F-A40B-2950-C3BB-13981C780200}"/>
+              </a:ext>
+            </a:extLst>
+          </p:cNvPr>
+          <p:cNvGrpSpPr/>
+          <p:nvPr/>
+        </p:nvGrpSpPr>
+        <p:grpSpPr>
+          <a:xfrm>
+            <a:off x="0" y="0"/>
+            <a:ext cx="12192000" cy="6858000"/>
+            <a:chOff x="1143000" y="1238490"/>
+            <a:chExt cx="7772400" cy="3777325"/>
+          </a:xfrm>
+        </p:grpSpPr>
+        <p:pic>
+          <p:nvPicPr>
+            <p:cNvPr id="4" name="그림 3" descr="폰트, 로고, 그래픽, 화이트이(가) 표시된 사진&#10;&#10;자동 생성된 설명">
+              <a:extLst>
+                <a:ext uri="{FF2B5EF4-FFF2-40B4-BE49-F238E27FC236}">
+                  <a16:creationId xmlns:a16="http://schemas.microsoft.com/office/drawing/2014/main" id="{B742D47A-36C2-B9F0-BC20-0E30F4A6AEEC}"/>
+                </a:ext>
+              </a:extLst>
+            </p:cNvPr>
+            <p:cNvPicPr>
+              <a:picLocks noChangeAspect="1"/>
+            </p:cNvPicPr>
+            <p:nvPr/>
+          </p:nvPicPr>
+          <p:blipFill>
+            <a:blip r:embed="rId2"/>
+            <a:srcRect t="13650"/>
+            <a:stretch/>
+          </p:blipFill>
+          <p:spPr>
+            <a:xfrm>
+              <a:off x="1143000" y="1238490"/>
+              <a:ext cx="7772400" cy="3777325"/>
+            </a:xfrm>
+            <a:prstGeom prst="rect">
+              <a:avLst/>
+            </a:prstGeom>
+          </p:spPr>
+        </p:pic>
+        <p:sp>
+          <p:nvSpPr>
+            <p:cNvPr id="8" name="TextBox 7">
+              <a:extLst>
+                <a:ext uri="{FF2B5EF4-FFF2-40B4-BE49-F238E27FC236}">
+                  <a16:creationId xmlns:a16="http://schemas.microsoft.com/office/drawing/2014/main" id="{B3D8B992-313F-AA19-ECC1-9BA2DED76D4E}"/>
+                </a:ext>
+              </a:extLst>
+            </p:cNvPr>
+            <p:cNvSpPr txBox="1"/>
+            <p:nvPr/>
+          </p:nvSpPr>
+          <p:spPr>
+            <a:xfrm>
+              <a:off x="1794075" y="3336403"/>
               <a:ext cx="6470249" cy="1542637"/>
             </a:xfrm>
             <a:prstGeom prst="rect">
@@ -4022,7 +4273,7 @@
 </p:sld>
 </file>
 
-<file path=ppt/slides/slide11.xml><?xml version="1.0" encoding="utf-8"?>
+<file path=ppt/slides/slide12.xml><?xml version="1.0" encoding="utf-8"?>
 <p:sld xmlns:a="http://schemas.openxmlformats.org/drawingml/2006/main" xmlns:r="http://schemas.openxmlformats.org/officeDocument/2006/relationships" xmlns:p="http://schemas.openxmlformats.org/presentationml/2006/main">
   <p:cSld>
     <p:spTree>
@@ -4228,7 +4479,7 @@
 </p:sld>
 </file>
 
-<file path=ppt/slides/slide12.xml><?xml version="1.0" encoding="utf-8"?>
+<file path=ppt/slides/slide13.xml><?xml version="1.0" encoding="utf-8"?>
 <p:sld xmlns:a="http://schemas.openxmlformats.org/drawingml/2006/main" xmlns:r="http://schemas.openxmlformats.org/officeDocument/2006/relationships" xmlns:p="http://schemas.openxmlformats.org/presentationml/2006/main">
   <p:cSld>
     <p:spTree>
@@ -4466,7 +4717,7 @@
 </p:sld>
 </file>
 
-<file path=ppt/slides/slide13.xml><?xml version="1.0" encoding="utf-8"?>
+<file path=ppt/slides/slide14.xml><?xml version="1.0" encoding="utf-8"?>
 <p:sld xmlns:a="http://schemas.openxmlformats.org/drawingml/2006/main" xmlns:r="http://schemas.openxmlformats.org/officeDocument/2006/relationships" xmlns:p="http://schemas.openxmlformats.org/presentationml/2006/main">
   <p:cSld>
     <p:spTree>
@@ -4714,7 +4965,7 @@
 </p:sld>
 </file>
 
-<file path=ppt/slides/slide14.xml><?xml version="1.0" encoding="utf-8"?>
+<file path=ppt/slides/slide15.xml><?xml version="1.0" encoding="utf-8"?>
 <p:sld xmlns:a="http://schemas.openxmlformats.org/drawingml/2006/main" xmlns:r="http://schemas.openxmlformats.org/officeDocument/2006/relationships" xmlns:p="http://schemas.openxmlformats.org/presentationml/2006/main">
   <p:cSld>
     <p:spTree>
@@ -4955,7 +5206,7 @@
 </p:sld>
 </file>
 
-<file path=ppt/slides/slide15.xml><?xml version="1.0" encoding="utf-8"?>
+<file path=ppt/slides/slide16.xml><?xml version="1.0" encoding="utf-8"?>
 <p:sld xmlns:a="http://schemas.openxmlformats.org/drawingml/2006/main" xmlns:r="http://schemas.openxmlformats.org/officeDocument/2006/relationships" xmlns:p="http://schemas.openxmlformats.org/presentationml/2006/main">
   <p:cSld>
     <p:spTree>
@@ -5189,7 +5440,7 @@
 </p:sld>
 </file>
 
-<file path=ppt/slides/slide16.xml><?xml version="1.0" encoding="utf-8"?>
+<file path=ppt/slides/slide17.xml><?xml version="1.0" encoding="utf-8"?>
 <p:sld xmlns:a="http://schemas.openxmlformats.org/drawingml/2006/main" xmlns:r="http://schemas.openxmlformats.org/officeDocument/2006/relationships" xmlns:p="http://schemas.openxmlformats.org/presentationml/2006/main">
   <p:cSld>
     <p:spTree>
@@ -5416,7 +5667,7 @@
 </p:sld>
 </file>
 
-<file path=ppt/slides/slide17.xml><?xml version="1.0" encoding="utf-8"?>
+<file path=ppt/slides/slide18.xml><?xml version="1.0" encoding="utf-8"?>
 <p:sld xmlns:a="http://schemas.openxmlformats.org/drawingml/2006/main" xmlns:r="http://schemas.openxmlformats.org/officeDocument/2006/relationships" xmlns:p="http://schemas.openxmlformats.org/presentationml/2006/main">
   <p:cSld>
     <p:spTree>
@@ -5647,7 +5898,7 @@
 </p:sld>
 </file>
 
-<file path=ppt/slides/slide18.xml><?xml version="1.0" encoding="utf-8"?>
+<file path=ppt/slides/slide19.xml><?xml version="1.0" encoding="utf-8"?>
 <p:sld xmlns:a="http://schemas.openxmlformats.org/drawingml/2006/main" xmlns:r="http://schemas.openxmlformats.org/officeDocument/2006/relationships" xmlns:p="http://schemas.openxmlformats.org/presentationml/2006/main">
   <p:cSld>
     <p:spTree>
@@ -5885,7 +6136,114 @@
 </p:sld>
 </file>
 
-<file path=ppt/slides/slide19.xml><?xml version="1.0" encoding="utf-8"?>
+<file path=ppt/slides/slide2.xml><?xml version="1.0" encoding="utf-8"?>
+<p:sld xmlns:a="http://schemas.openxmlformats.org/drawingml/2006/main" xmlns:r="http://schemas.openxmlformats.org/officeDocument/2006/relationships" xmlns:p="http://schemas.openxmlformats.org/presentationml/2006/main">
+  <p:cSld>
+    <p:spTree>
+      <p:nvGrpSpPr>
+        <p:cNvPr id="1" name=""/>
+        <p:cNvGrpSpPr/>
+        <p:nvPr/>
+      </p:nvGrpSpPr>
+      <p:grpSpPr>
+        <a:xfrm>
+          <a:off x="0" y="0"/>
+          <a:ext cx="0" cy="0"/>
+          <a:chOff x="0" y="0"/>
+          <a:chExt cx="0" cy="0"/>
+        </a:xfrm>
+      </p:grpSpPr>
+      <p:pic>
+        <p:nvPicPr>
+          <p:cNvPr id="4" name="그림 3">
+            <a:extLst>
+              <a:ext uri="{FF2B5EF4-FFF2-40B4-BE49-F238E27FC236}">
+                <a16:creationId xmlns:a16="http://schemas.microsoft.com/office/drawing/2014/main" id="{110BB8FB-B918-DB1E-4516-CEC8C1000C75}"/>
+              </a:ext>
+            </a:extLst>
+          </p:cNvPr>
+          <p:cNvPicPr>
+            <a:picLocks noChangeAspect="1"/>
+          </p:cNvPicPr>
+          <p:nvPr/>
+        </p:nvPicPr>
+        <p:blipFill>
+          <a:blip r:embed="rId2"/>
+          <a:stretch>
+            <a:fillRect/>
+          </a:stretch>
+        </p:blipFill>
+        <p:spPr>
+          <a:xfrm>
+            <a:off x="4207854" y="1201150"/>
+            <a:ext cx="4255425" cy="3731680"/>
+          </a:xfrm>
+          <a:prstGeom prst="rect">
+            <a:avLst/>
+          </a:prstGeom>
+        </p:spPr>
+      </p:pic>
+      <p:sp>
+        <p:nvSpPr>
+          <p:cNvPr id="5" name="TextBox 4">
+            <a:extLst>
+              <a:ext uri="{FF2B5EF4-FFF2-40B4-BE49-F238E27FC236}">
+                <a16:creationId xmlns:a16="http://schemas.microsoft.com/office/drawing/2014/main" id="{EAE00346-57F4-C24D-A8B0-070D0260F8B1}"/>
+              </a:ext>
+            </a:extLst>
+          </p:cNvPr>
+          <p:cNvSpPr txBox="1"/>
+          <p:nvPr/>
+        </p:nvSpPr>
+        <p:spPr>
+          <a:xfrm>
+            <a:off x="4918779" y="3193576"/>
+            <a:ext cx="1652894" cy="192360"/>
+          </a:xfrm>
+          <a:prstGeom prst="rect">
+            <a:avLst/>
+          </a:prstGeom>
+          <a:solidFill>
+            <a:schemeClr val="bg1"/>
+          </a:solidFill>
+        </p:spPr>
+        <p:txBody>
+          <a:bodyPr wrap="square" lIns="0" tIns="0" rIns="0" bIns="0" rtlCol="0">
+            <a:spAutoFit/>
+          </a:bodyPr>
+          <a:lstStyle/>
+          <a:p>
+            <a:pPr algn="ctr"/>
+            <a:r>
+              <a:rPr kumimoji="1" lang="en-US" altLang="ko-KR" sz="1250" spc="-50" dirty="0"/>
+              <a:t>47,400</a:t>
+            </a:r>
+            <a:r>
+              <a:rPr kumimoji="1" lang="ko-KR" altLang="en-US" sz="1250" spc="-50" dirty="0"/>
+              <a:t>원을 보냈어요</a:t>
+            </a:r>
+            <a:r>
+              <a:rPr kumimoji="1" lang="en-US" altLang="ko-KR" sz="1250" spc="-50" dirty="0"/>
+              <a:t>.</a:t>
+            </a:r>
+            <a:endParaRPr kumimoji="1" lang="ko-KR" altLang="en-US" sz="1250" spc="-50" dirty="0"/>
+          </a:p>
+        </p:txBody>
+      </p:sp>
+    </p:spTree>
+    <p:extLst>
+      <p:ext uri="{BB962C8B-B14F-4D97-AF65-F5344CB8AC3E}">
+        <p14:creationId xmlns:p14="http://schemas.microsoft.com/office/powerpoint/2010/main" val="2334371659"/>
+      </p:ext>
+    </p:extLst>
+  </p:cSld>
+  <p:clrMapOvr>
+    <a:masterClrMapping/>
+  </p:clrMapOvr>
+</p:sld>
+</file>
+
+<file path=ppt/slides/slide20.xml><?xml version="1.0" encoding="utf-8"?>
 <p:sld xmlns:a="http://schemas.openxmlformats.org/drawingml/2006/main" xmlns:r="http://schemas.openxmlformats.org/officeDocument/2006/relationships" xmlns:p="http://schemas.openxmlformats.org/presentationml/2006/main">
   <p:cSld>
     <p:spTree>
@@ -6123,7 +6481,2096 @@
 </p:sld>
 </file>
 
-<file path=ppt/slides/slide2.xml><?xml version="1.0" encoding="utf-8"?>
+<file path=ppt/slides/slide21.xml><?xml version="1.0" encoding="utf-8"?>
+<p:sld xmlns:a="http://schemas.openxmlformats.org/drawingml/2006/main" xmlns:r="http://schemas.openxmlformats.org/officeDocument/2006/relationships" xmlns:p="http://schemas.openxmlformats.org/presentationml/2006/main">
+  <p:cSld>
+    <p:spTree>
+      <p:nvGrpSpPr>
+        <p:cNvPr id="1" name=""/>
+        <p:cNvGrpSpPr/>
+        <p:nvPr/>
+      </p:nvGrpSpPr>
+      <p:grpSpPr>
+        <a:xfrm>
+          <a:off x="0" y="0"/>
+          <a:ext cx="0" cy="0"/>
+          <a:chOff x="0" y="0"/>
+          <a:chExt cx="0" cy="0"/>
+        </a:xfrm>
+      </p:grpSpPr>
+      <p:sp>
+        <p:nvSpPr>
+          <p:cNvPr id="6" name="TextBox 5">
+            <a:extLst>
+              <a:ext uri="{FF2B5EF4-FFF2-40B4-BE49-F238E27FC236}">
+                <a16:creationId xmlns:a16="http://schemas.microsoft.com/office/drawing/2014/main" id="{7BC70131-2A0F-D582-388D-5AB1E95FE6C4}"/>
+              </a:ext>
+            </a:extLst>
+          </p:cNvPr>
+          <p:cNvSpPr txBox="1"/>
+          <p:nvPr/>
+        </p:nvSpPr>
+        <p:spPr>
+          <a:xfrm>
+            <a:off x="1021294" y="3808909"/>
+            <a:ext cx="10149410" cy="1384995"/>
+          </a:xfrm>
+          <a:prstGeom prst="rect">
+            <a:avLst/>
+          </a:prstGeom>
+          <a:noFill/>
+        </p:spPr>
+        <p:txBody>
+          <a:bodyPr wrap="square" rtlCol="0">
+            <a:spAutoFit/>
+          </a:bodyPr>
+          <a:lstStyle/>
+          <a:p>
+            <a:pPr algn="ctr"/>
+            <a:r>
+              <a:rPr kumimoji="1" lang="en-US" altLang="ko-KR" sz="2800" b="1" dirty="0">
+                <a:latin typeface="D2Coding" panose="020B0609020101020101" pitchFamily="49" charset="-127"/>
+                <a:ea typeface="D2Coding" panose="020B0609020101020101" pitchFamily="49" charset="-127"/>
+              </a:rPr>
+              <a:t>Day 56</a:t>
+            </a:r>
+          </a:p>
+          <a:p>
+            <a:pPr algn="ctr"/>
+            <a:r>
+              <a:rPr kumimoji="1" lang="en-US" altLang="ko-KR" sz="2800" b="1" dirty="0">
+                <a:latin typeface="D2Coding" panose="020B0609020101020101" pitchFamily="49" charset="-127"/>
+                <a:ea typeface="D2Coding" panose="020B0609020101020101" pitchFamily="49" charset="-127"/>
+              </a:rPr>
+              <a:t>Java</a:t>
+            </a:r>
+            <a:r>
+              <a:rPr kumimoji="1" lang="ko-KR" altLang="en-US" sz="2800" b="1" dirty="0">
+                <a:latin typeface="D2Coding" panose="020B0609020101020101" pitchFamily="49" charset="-127"/>
+                <a:ea typeface="D2Coding" panose="020B0609020101020101" pitchFamily="49" charset="-127"/>
+              </a:rPr>
+              <a:t>프로그래밍 기초</a:t>
+            </a:r>
+            <a:endParaRPr kumimoji="1" lang="en-US" altLang="ko-KR" sz="2800" b="1" dirty="0">
+              <a:latin typeface="D2Coding" panose="020B0609020101020101" pitchFamily="49" charset="-127"/>
+              <a:ea typeface="D2Coding" panose="020B0609020101020101" pitchFamily="49" charset="-127"/>
+            </a:endParaRPr>
+          </a:p>
+          <a:p>
+            <a:pPr algn="ctr"/>
+            <a:r>
+              <a:rPr kumimoji="1" lang="en-US" altLang="ko-KR" sz="2800" b="1" dirty="0">
+                <a:latin typeface="D2Coding" panose="020B0609020101020101" pitchFamily="49" charset="-127"/>
+                <a:ea typeface="D2Coding" panose="020B0609020101020101" pitchFamily="49" charset="-127"/>
+              </a:rPr>
+              <a:t>JDBC – </a:t>
+            </a:r>
+            <a:r>
+              <a:rPr kumimoji="1" lang="ko-KR" altLang="en-US" sz="2800" b="1" dirty="0">
+                <a:latin typeface="D2Coding" panose="020B0609020101020101" pitchFamily="49" charset="-127"/>
+                <a:ea typeface="D2Coding" panose="020B0609020101020101" pitchFamily="49" charset="-127"/>
+              </a:rPr>
+              <a:t>라이브러리 설치 및 등록</a:t>
+            </a:r>
+          </a:p>
+        </p:txBody>
+      </p:sp>
+      <p:grpSp>
+        <p:nvGrpSpPr>
+          <p:cNvPr id="3" name="그룹 2">
+            <a:extLst>
+              <a:ext uri="{FF2B5EF4-FFF2-40B4-BE49-F238E27FC236}">
+                <a16:creationId xmlns:a16="http://schemas.microsoft.com/office/drawing/2014/main" id="{CCB49D7F-A40B-2950-C3BB-13981C780200}"/>
+              </a:ext>
+            </a:extLst>
+          </p:cNvPr>
+          <p:cNvGrpSpPr/>
+          <p:nvPr/>
+        </p:nvGrpSpPr>
+        <p:grpSpPr>
+          <a:xfrm>
+            <a:off x="0" y="0"/>
+            <a:ext cx="12192000" cy="6858000"/>
+            <a:chOff x="1143000" y="1238490"/>
+            <a:chExt cx="7772400" cy="3777325"/>
+          </a:xfrm>
+        </p:grpSpPr>
+        <p:pic>
+          <p:nvPicPr>
+            <p:cNvPr id="4" name="그림 3" descr="폰트, 로고, 그래픽, 화이트이(가) 표시된 사진&#10;&#10;자동 생성된 설명">
+              <a:extLst>
+                <a:ext uri="{FF2B5EF4-FFF2-40B4-BE49-F238E27FC236}">
+                  <a16:creationId xmlns:a16="http://schemas.microsoft.com/office/drawing/2014/main" id="{B742D47A-36C2-B9F0-BC20-0E30F4A6AEEC}"/>
+                </a:ext>
+              </a:extLst>
+            </p:cNvPr>
+            <p:cNvPicPr>
+              <a:picLocks noChangeAspect="1"/>
+            </p:cNvPicPr>
+            <p:nvPr/>
+          </p:nvPicPr>
+          <p:blipFill>
+            <a:blip r:embed="rId2"/>
+            <a:srcRect t="13650"/>
+            <a:stretch/>
+          </p:blipFill>
+          <p:spPr>
+            <a:xfrm>
+              <a:off x="1143000" y="1238490"/>
+              <a:ext cx="7772400" cy="3777325"/>
+            </a:xfrm>
+            <a:prstGeom prst="rect">
+              <a:avLst/>
+            </a:prstGeom>
+          </p:spPr>
+        </p:pic>
+        <p:sp>
+          <p:nvSpPr>
+            <p:cNvPr id="8" name="TextBox 7">
+              <a:extLst>
+                <a:ext uri="{FF2B5EF4-FFF2-40B4-BE49-F238E27FC236}">
+                  <a16:creationId xmlns:a16="http://schemas.microsoft.com/office/drawing/2014/main" id="{B3D8B992-313F-AA19-ECC1-9BA2DED76D4E}"/>
+                </a:ext>
+              </a:extLst>
+            </p:cNvPr>
+            <p:cNvSpPr txBox="1"/>
+            <p:nvPr/>
+          </p:nvSpPr>
+          <p:spPr>
+            <a:xfrm>
+              <a:off x="1794075" y="3336403"/>
+              <a:ext cx="6470249" cy="796747"/>
+            </a:xfrm>
+            <a:prstGeom prst="rect">
+              <a:avLst/>
+            </a:prstGeom>
+            <a:noFill/>
+          </p:spPr>
+          <p:txBody>
+            <a:bodyPr wrap="square" rtlCol="0">
+              <a:spAutoFit/>
+            </a:bodyPr>
+            <a:lstStyle/>
+            <a:p>
+              <a:pPr algn="ctr"/>
+              <a:r>
+                <a:rPr kumimoji="1" lang="en-US" altLang="ko-KR" sz="4400" b="1" dirty="0">
+                  <a:latin typeface="D2Coding" panose="020B0609020101020101" pitchFamily="49" charset="-127"/>
+                  <a:ea typeface="D2Coding" panose="020B0609020101020101" pitchFamily="49" charset="-127"/>
+                </a:rPr>
+                <a:t>Day 18</a:t>
+              </a:r>
+            </a:p>
+            <a:p>
+              <a:pPr algn="ctr"/>
+              <a:r>
+                <a:rPr kumimoji="1" lang="ko-KR" altLang="en-US" sz="4400" b="1" dirty="0">
+                  <a:latin typeface="D2Coding" panose="020B0609020101020101" pitchFamily="49" charset="-127"/>
+                  <a:ea typeface="D2Coding" panose="020B0609020101020101" pitchFamily="49" charset="-127"/>
+                </a:rPr>
+                <a:t>실습프로젝트</a:t>
+              </a:r>
+              <a:r>
+                <a:rPr kumimoji="1" lang="en-US" altLang="ko-KR" sz="4400" b="1" dirty="0">
+                  <a:latin typeface="D2Coding" panose="020B0609020101020101" pitchFamily="49" charset="-127"/>
+                  <a:ea typeface="D2Coding" panose="020B0609020101020101" pitchFamily="49" charset="-127"/>
+                </a:rPr>
+                <a:t>(</a:t>
+              </a:r>
+              <a:r>
+                <a:rPr kumimoji="1" lang="ko-KR" altLang="en-US" sz="4400" b="1" dirty="0">
+                  <a:latin typeface="D2Coding" panose="020B0609020101020101" pitchFamily="49" charset="-127"/>
+                  <a:ea typeface="D2Coding" panose="020B0609020101020101" pitchFamily="49" charset="-127"/>
+                </a:rPr>
+                <a:t>게시판</a:t>
+              </a:r>
+              <a:r>
+                <a:rPr kumimoji="1" lang="en" altLang="ko-KR" sz="4400" b="1" dirty="0">
+                  <a:latin typeface="D2Coding" panose="020B0609020101020101" pitchFamily="49" charset="-127"/>
+                  <a:ea typeface="D2Coding" panose="020B0609020101020101" pitchFamily="49" charset="-127"/>
+                </a:rPr>
+                <a:t>CRUD)</a:t>
+              </a:r>
+            </a:p>
+          </p:txBody>
+        </p:sp>
+      </p:grpSp>
+    </p:spTree>
+    <p:extLst>
+      <p:ext uri="{BB962C8B-B14F-4D97-AF65-F5344CB8AC3E}">
+        <p14:creationId xmlns:p14="http://schemas.microsoft.com/office/powerpoint/2010/main" val="132933420"/>
+      </p:ext>
+    </p:extLst>
+  </p:cSld>
+  <p:clrMapOvr>
+    <a:masterClrMapping/>
+  </p:clrMapOvr>
+</p:sld>
+</file>
+
+<file path=ppt/slides/slide22.xml><?xml version="1.0" encoding="utf-8"?>
+<p:sld xmlns:a="http://schemas.openxmlformats.org/drawingml/2006/main" xmlns:r="http://schemas.openxmlformats.org/officeDocument/2006/relationships" xmlns:p="http://schemas.openxmlformats.org/presentationml/2006/main">
+  <p:cSld>
+    <p:spTree>
+      <p:nvGrpSpPr>
+        <p:cNvPr id="1" name=""/>
+        <p:cNvGrpSpPr/>
+        <p:nvPr/>
+      </p:nvGrpSpPr>
+      <p:grpSpPr>
+        <a:xfrm>
+          <a:off x="0" y="0"/>
+          <a:ext cx="0" cy="0"/>
+          <a:chOff x="0" y="0"/>
+          <a:chExt cx="0" cy="0"/>
+        </a:xfrm>
+      </p:grpSpPr>
+      <p:sp>
+        <p:nvSpPr>
+          <p:cNvPr id="6" name="TextBox 5">
+            <a:extLst>
+              <a:ext uri="{FF2B5EF4-FFF2-40B4-BE49-F238E27FC236}">
+                <a16:creationId xmlns:a16="http://schemas.microsoft.com/office/drawing/2014/main" id="{7BC70131-2A0F-D582-388D-5AB1E95FE6C4}"/>
+              </a:ext>
+            </a:extLst>
+          </p:cNvPr>
+          <p:cNvSpPr txBox="1"/>
+          <p:nvPr/>
+        </p:nvSpPr>
+        <p:spPr>
+          <a:xfrm>
+            <a:off x="1021294" y="3808909"/>
+            <a:ext cx="10149410" cy="1384995"/>
+          </a:xfrm>
+          <a:prstGeom prst="rect">
+            <a:avLst/>
+          </a:prstGeom>
+          <a:noFill/>
+        </p:spPr>
+        <p:txBody>
+          <a:bodyPr wrap="square" rtlCol="0">
+            <a:spAutoFit/>
+          </a:bodyPr>
+          <a:lstStyle/>
+          <a:p>
+            <a:pPr algn="ctr"/>
+            <a:r>
+              <a:rPr kumimoji="1" lang="en-US" altLang="ko-KR" sz="2800" b="1" dirty="0">
+                <a:latin typeface="D2Coding" panose="020B0609020101020101" pitchFamily="49" charset="-127"/>
+                <a:ea typeface="D2Coding" panose="020B0609020101020101" pitchFamily="49" charset="-127"/>
+              </a:rPr>
+              <a:t>Day 56</a:t>
+            </a:r>
+          </a:p>
+          <a:p>
+            <a:pPr algn="ctr"/>
+            <a:r>
+              <a:rPr kumimoji="1" lang="en-US" altLang="ko-KR" sz="2800" b="1" dirty="0">
+                <a:latin typeface="D2Coding" panose="020B0609020101020101" pitchFamily="49" charset="-127"/>
+                <a:ea typeface="D2Coding" panose="020B0609020101020101" pitchFamily="49" charset="-127"/>
+              </a:rPr>
+              <a:t>Java</a:t>
+            </a:r>
+            <a:r>
+              <a:rPr kumimoji="1" lang="ko-KR" altLang="en-US" sz="2800" b="1" dirty="0">
+                <a:latin typeface="D2Coding" panose="020B0609020101020101" pitchFamily="49" charset="-127"/>
+                <a:ea typeface="D2Coding" panose="020B0609020101020101" pitchFamily="49" charset="-127"/>
+              </a:rPr>
+              <a:t>프로그래밍 기초</a:t>
+            </a:r>
+            <a:endParaRPr kumimoji="1" lang="en-US" altLang="ko-KR" sz="2800" b="1" dirty="0">
+              <a:latin typeface="D2Coding" panose="020B0609020101020101" pitchFamily="49" charset="-127"/>
+              <a:ea typeface="D2Coding" panose="020B0609020101020101" pitchFamily="49" charset="-127"/>
+            </a:endParaRPr>
+          </a:p>
+          <a:p>
+            <a:pPr algn="ctr"/>
+            <a:r>
+              <a:rPr kumimoji="1" lang="en-US" altLang="ko-KR" sz="2800" b="1" dirty="0">
+                <a:latin typeface="D2Coding" panose="020B0609020101020101" pitchFamily="49" charset="-127"/>
+                <a:ea typeface="D2Coding" panose="020B0609020101020101" pitchFamily="49" charset="-127"/>
+              </a:rPr>
+              <a:t>JDBC – </a:t>
+            </a:r>
+            <a:r>
+              <a:rPr kumimoji="1" lang="ko-KR" altLang="en-US" sz="2800" b="1" dirty="0">
+                <a:latin typeface="D2Coding" panose="020B0609020101020101" pitchFamily="49" charset="-127"/>
+                <a:ea typeface="D2Coding" panose="020B0609020101020101" pitchFamily="49" charset="-127"/>
+              </a:rPr>
+              <a:t>라이브러리 설치 및 등록</a:t>
+            </a:r>
+          </a:p>
+        </p:txBody>
+      </p:sp>
+      <p:grpSp>
+        <p:nvGrpSpPr>
+          <p:cNvPr id="3" name="그룹 2">
+            <a:extLst>
+              <a:ext uri="{FF2B5EF4-FFF2-40B4-BE49-F238E27FC236}">
+                <a16:creationId xmlns:a16="http://schemas.microsoft.com/office/drawing/2014/main" id="{CCB49D7F-A40B-2950-C3BB-13981C780200}"/>
+              </a:ext>
+            </a:extLst>
+          </p:cNvPr>
+          <p:cNvGrpSpPr/>
+          <p:nvPr/>
+        </p:nvGrpSpPr>
+        <p:grpSpPr>
+          <a:xfrm>
+            <a:off x="0" y="0"/>
+            <a:ext cx="12192000" cy="6858000"/>
+            <a:chOff x="1143000" y="1238490"/>
+            <a:chExt cx="7772400" cy="3777325"/>
+          </a:xfrm>
+        </p:grpSpPr>
+        <p:pic>
+          <p:nvPicPr>
+            <p:cNvPr id="4" name="그림 3" descr="폰트, 로고, 그래픽, 화이트이(가) 표시된 사진&#10;&#10;자동 생성된 설명">
+              <a:extLst>
+                <a:ext uri="{FF2B5EF4-FFF2-40B4-BE49-F238E27FC236}">
+                  <a16:creationId xmlns:a16="http://schemas.microsoft.com/office/drawing/2014/main" id="{B742D47A-36C2-B9F0-BC20-0E30F4A6AEEC}"/>
+                </a:ext>
+              </a:extLst>
+            </p:cNvPr>
+            <p:cNvPicPr>
+              <a:picLocks noChangeAspect="1"/>
+            </p:cNvPicPr>
+            <p:nvPr/>
+          </p:nvPicPr>
+          <p:blipFill>
+            <a:blip r:embed="rId2"/>
+            <a:srcRect t="13650"/>
+            <a:stretch/>
+          </p:blipFill>
+          <p:spPr>
+            <a:xfrm>
+              <a:off x="1143000" y="1238490"/>
+              <a:ext cx="7772400" cy="3777325"/>
+            </a:xfrm>
+            <a:prstGeom prst="rect">
+              <a:avLst/>
+            </a:prstGeom>
+          </p:spPr>
+        </p:pic>
+        <p:sp>
+          <p:nvSpPr>
+            <p:cNvPr id="8" name="TextBox 7">
+              <a:extLst>
+                <a:ext uri="{FF2B5EF4-FFF2-40B4-BE49-F238E27FC236}">
+                  <a16:creationId xmlns:a16="http://schemas.microsoft.com/office/drawing/2014/main" id="{B3D8B992-313F-AA19-ECC1-9BA2DED76D4E}"/>
+                </a:ext>
+              </a:extLst>
+            </p:cNvPr>
+            <p:cNvSpPr txBox="1"/>
+            <p:nvPr/>
+          </p:nvSpPr>
+          <p:spPr>
+            <a:xfrm>
+              <a:off x="1319644" y="3336403"/>
+              <a:ext cx="7419110" cy="796747"/>
+            </a:xfrm>
+            <a:prstGeom prst="rect">
+              <a:avLst/>
+            </a:prstGeom>
+            <a:noFill/>
+          </p:spPr>
+          <p:txBody>
+            <a:bodyPr wrap="square" rtlCol="0">
+              <a:spAutoFit/>
+            </a:bodyPr>
+            <a:lstStyle/>
+            <a:p>
+              <a:pPr algn="ctr"/>
+              <a:r>
+                <a:rPr kumimoji="1" lang="en-US" altLang="ko-KR" sz="4400" b="1" dirty="0">
+                  <a:latin typeface="D2Coding" panose="020B0609020101020101" pitchFamily="49" charset="-127"/>
+                  <a:ea typeface="D2Coding" panose="020B0609020101020101" pitchFamily="49" charset="-127"/>
+                </a:rPr>
+                <a:t>Day 19</a:t>
+              </a:r>
+            </a:p>
+            <a:p>
+              <a:pPr algn="ctr"/>
+              <a:r>
+                <a:rPr kumimoji="1" lang="ko-KR" altLang="en-US" sz="4400" b="1" dirty="0">
+                  <a:latin typeface="D2Coding" panose="020B0609020101020101" pitchFamily="49" charset="-127"/>
+                  <a:ea typeface="D2Coding" panose="020B0609020101020101" pitchFamily="49" charset="-127"/>
+                </a:rPr>
+                <a:t>실습프로젝트</a:t>
+              </a:r>
+              <a:r>
+                <a:rPr kumimoji="1" lang="en-US" altLang="ko-KR" sz="4400" b="1" dirty="0">
+                  <a:latin typeface="D2Coding" panose="020B0609020101020101" pitchFamily="49" charset="-127"/>
+                  <a:ea typeface="D2Coding" panose="020B0609020101020101" pitchFamily="49" charset="-127"/>
+                </a:rPr>
+                <a:t>(</a:t>
+              </a:r>
+              <a:r>
+                <a:rPr kumimoji="1" lang="en" altLang="ko-KR" sz="4400" b="1" dirty="0">
+                  <a:latin typeface="D2Coding" panose="020B0609020101020101" pitchFamily="49" charset="-127"/>
+                  <a:ea typeface="D2Coding" panose="020B0609020101020101" pitchFamily="49" charset="-127"/>
+                </a:rPr>
+                <a:t>Static</a:t>
+              </a:r>
+              <a:r>
+                <a:rPr kumimoji="1" lang="ko-KR" altLang="en-US" sz="4400" b="1" dirty="0">
+                  <a:latin typeface="D2Coding" panose="020B0609020101020101" pitchFamily="49" charset="-127"/>
+                  <a:ea typeface="D2Coding" panose="020B0609020101020101" pitchFamily="49" charset="-127"/>
+                </a:rPr>
+                <a:t>필드</a:t>
+              </a:r>
+              <a:r>
+                <a:rPr kumimoji="1" lang="en-US" altLang="ko-KR" sz="4400" b="1" dirty="0">
+                  <a:latin typeface="D2Coding" panose="020B0609020101020101" pitchFamily="49" charset="-127"/>
+                  <a:ea typeface="D2Coding" panose="020B0609020101020101" pitchFamily="49" charset="-127"/>
+                </a:rPr>
+                <a:t>, </a:t>
+              </a:r>
+              <a:r>
+                <a:rPr kumimoji="1" lang="en" altLang="ko-KR" sz="4400" b="1" dirty="0">
+                  <a:latin typeface="D2Coding" panose="020B0609020101020101" pitchFamily="49" charset="-127"/>
+                  <a:ea typeface="D2Coding" panose="020B0609020101020101" pitchFamily="49" charset="-127"/>
+                </a:rPr>
+                <a:t>High Cohesion)</a:t>
+              </a:r>
+            </a:p>
+          </p:txBody>
+        </p:sp>
+      </p:grpSp>
+    </p:spTree>
+    <p:extLst>
+      <p:ext uri="{BB962C8B-B14F-4D97-AF65-F5344CB8AC3E}">
+        <p14:creationId xmlns:p14="http://schemas.microsoft.com/office/powerpoint/2010/main" val="2018386536"/>
+      </p:ext>
+    </p:extLst>
+  </p:cSld>
+  <p:clrMapOvr>
+    <a:masterClrMapping/>
+  </p:clrMapOvr>
+</p:sld>
+</file>
+
+<file path=ppt/slides/slide23.xml><?xml version="1.0" encoding="utf-8"?>
+<p:sld xmlns:a="http://schemas.openxmlformats.org/drawingml/2006/main" xmlns:r="http://schemas.openxmlformats.org/officeDocument/2006/relationships" xmlns:p="http://schemas.openxmlformats.org/presentationml/2006/main">
+  <p:cSld>
+    <p:spTree>
+      <p:nvGrpSpPr>
+        <p:cNvPr id="1" name=""/>
+        <p:cNvGrpSpPr/>
+        <p:nvPr/>
+      </p:nvGrpSpPr>
+      <p:grpSpPr>
+        <a:xfrm>
+          <a:off x="0" y="0"/>
+          <a:ext cx="0" cy="0"/>
+          <a:chOff x="0" y="0"/>
+          <a:chExt cx="0" cy="0"/>
+        </a:xfrm>
+      </p:grpSpPr>
+      <p:sp>
+        <p:nvSpPr>
+          <p:cNvPr id="6" name="TextBox 5">
+            <a:extLst>
+              <a:ext uri="{FF2B5EF4-FFF2-40B4-BE49-F238E27FC236}">
+                <a16:creationId xmlns:a16="http://schemas.microsoft.com/office/drawing/2014/main" id="{7BC70131-2A0F-D582-388D-5AB1E95FE6C4}"/>
+              </a:ext>
+            </a:extLst>
+          </p:cNvPr>
+          <p:cNvSpPr txBox="1"/>
+          <p:nvPr/>
+        </p:nvSpPr>
+        <p:spPr>
+          <a:xfrm>
+            <a:off x="1021294" y="3808909"/>
+            <a:ext cx="10149410" cy="1384995"/>
+          </a:xfrm>
+          <a:prstGeom prst="rect">
+            <a:avLst/>
+          </a:prstGeom>
+          <a:noFill/>
+        </p:spPr>
+        <p:txBody>
+          <a:bodyPr wrap="square" rtlCol="0">
+            <a:spAutoFit/>
+          </a:bodyPr>
+          <a:lstStyle/>
+          <a:p>
+            <a:pPr algn="ctr"/>
+            <a:r>
+              <a:rPr kumimoji="1" lang="en-US" altLang="ko-KR" sz="2800" b="1" dirty="0">
+                <a:latin typeface="D2Coding" panose="020B0609020101020101" pitchFamily="49" charset="-127"/>
+                <a:ea typeface="D2Coding" panose="020B0609020101020101" pitchFamily="49" charset="-127"/>
+              </a:rPr>
+              <a:t>Day 56</a:t>
+            </a:r>
+          </a:p>
+          <a:p>
+            <a:pPr algn="ctr"/>
+            <a:r>
+              <a:rPr kumimoji="1" lang="en-US" altLang="ko-KR" sz="2800" b="1" dirty="0">
+                <a:latin typeface="D2Coding" panose="020B0609020101020101" pitchFamily="49" charset="-127"/>
+                <a:ea typeface="D2Coding" panose="020B0609020101020101" pitchFamily="49" charset="-127"/>
+              </a:rPr>
+              <a:t>Java</a:t>
+            </a:r>
+            <a:r>
+              <a:rPr kumimoji="1" lang="ko-KR" altLang="en-US" sz="2800" b="1" dirty="0">
+                <a:latin typeface="D2Coding" panose="020B0609020101020101" pitchFamily="49" charset="-127"/>
+                <a:ea typeface="D2Coding" panose="020B0609020101020101" pitchFamily="49" charset="-127"/>
+              </a:rPr>
+              <a:t>프로그래밍 기초</a:t>
+            </a:r>
+            <a:endParaRPr kumimoji="1" lang="en-US" altLang="ko-KR" sz="2800" b="1" dirty="0">
+              <a:latin typeface="D2Coding" panose="020B0609020101020101" pitchFamily="49" charset="-127"/>
+              <a:ea typeface="D2Coding" panose="020B0609020101020101" pitchFamily="49" charset="-127"/>
+            </a:endParaRPr>
+          </a:p>
+          <a:p>
+            <a:pPr algn="ctr"/>
+            <a:r>
+              <a:rPr kumimoji="1" lang="en-US" altLang="ko-KR" sz="2800" b="1" dirty="0">
+                <a:latin typeface="D2Coding" panose="020B0609020101020101" pitchFamily="49" charset="-127"/>
+                <a:ea typeface="D2Coding" panose="020B0609020101020101" pitchFamily="49" charset="-127"/>
+              </a:rPr>
+              <a:t>JDBC – </a:t>
+            </a:r>
+            <a:r>
+              <a:rPr kumimoji="1" lang="ko-KR" altLang="en-US" sz="2800" b="1" dirty="0">
+                <a:latin typeface="D2Coding" panose="020B0609020101020101" pitchFamily="49" charset="-127"/>
+                <a:ea typeface="D2Coding" panose="020B0609020101020101" pitchFamily="49" charset="-127"/>
+              </a:rPr>
+              <a:t>라이브러리 설치 및 등록</a:t>
+            </a:r>
+          </a:p>
+        </p:txBody>
+      </p:sp>
+      <p:grpSp>
+        <p:nvGrpSpPr>
+          <p:cNvPr id="3" name="그룹 2">
+            <a:extLst>
+              <a:ext uri="{FF2B5EF4-FFF2-40B4-BE49-F238E27FC236}">
+                <a16:creationId xmlns:a16="http://schemas.microsoft.com/office/drawing/2014/main" id="{CCB49D7F-A40B-2950-C3BB-13981C780200}"/>
+              </a:ext>
+            </a:extLst>
+          </p:cNvPr>
+          <p:cNvGrpSpPr/>
+          <p:nvPr/>
+        </p:nvGrpSpPr>
+        <p:grpSpPr>
+          <a:xfrm>
+            <a:off x="0" y="0"/>
+            <a:ext cx="12192000" cy="6858000"/>
+            <a:chOff x="1143000" y="1238490"/>
+            <a:chExt cx="7772400" cy="3777325"/>
+          </a:xfrm>
+        </p:grpSpPr>
+        <p:pic>
+          <p:nvPicPr>
+            <p:cNvPr id="4" name="그림 3" descr="폰트, 로고, 그래픽, 화이트이(가) 표시된 사진&#10;&#10;자동 생성된 설명">
+              <a:extLst>
+                <a:ext uri="{FF2B5EF4-FFF2-40B4-BE49-F238E27FC236}">
+                  <a16:creationId xmlns:a16="http://schemas.microsoft.com/office/drawing/2014/main" id="{B742D47A-36C2-B9F0-BC20-0E30F4A6AEEC}"/>
+                </a:ext>
+              </a:extLst>
+            </p:cNvPr>
+            <p:cNvPicPr>
+              <a:picLocks noChangeAspect="1"/>
+            </p:cNvPicPr>
+            <p:nvPr/>
+          </p:nvPicPr>
+          <p:blipFill>
+            <a:blip r:embed="rId2"/>
+            <a:srcRect t="13650"/>
+            <a:stretch/>
+          </p:blipFill>
+          <p:spPr>
+            <a:xfrm>
+              <a:off x="1143000" y="1238490"/>
+              <a:ext cx="7772400" cy="3777325"/>
+            </a:xfrm>
+            <a:prstGeom prst="rect">
+              <a:avLst/>
+            </a:prstGeom>
+          </p:spPr>
+        </p:pic>
+        <p:sp>
+          <p:nvSpPr>
+            <p:cNvPr id="8" name="TextBox 7">
+              <a:extLst>
+                <a:ext uri="{FF2B5EF4-FFF2-40B4-BE49-F238E27FC236}">
+                  <a16:creationId xmlns:a16="http://schemas.microsoft.com/office/drawing/2014/main" id="{B3D8B992-313F-AA19-ECC1-9BA2DED76D4E}"/>
+                </a:ext>
+              </a:extLst>
+            </p:cNvPr>
+            <p:cNvSpPr txBox="1"/>
+            <p:nvPr/>
+          </p:nvSpPr>
+          <p:spPr>
+            <a:xfrm>
+              <a:off x="1794075" y="3336403"/>
+              <a:ext cx="6470249" cy="796747"/>
+            </a:xfrm>
+            <a:prstGeom prst="rect">
+              <a:avLst/>
+            </a:prstGeom>
+            <a:noFill/>
+          </p:spPr>
+          <p:txBody>
+            <a:bodyPr wrap="square" rtlCol="0">
+              <a:spAutoFit/>
+            </a:bodyPr>
+            <a:lstStyle/>
+            <a:p>
+              <a:pPr algn="ctr"/>
+              <a:r>
+                <a:rPr kumimoji="1" lang="en-US" altLang="ko-KR" sz="4400" b="1" dirty="0">
+                  <a:latin typeface="D2Coding" panose="020B0609020101020101" pitchFamily="49" charset="-127"/>
+                  <a:ea typeface="D2Coding" panose="020B0609020101020101" pitchFamily="49" charset="-127"/>
+                </a:rPr>
+                <a:t>Day 21</a:t>
+              </a:r>
+            </a:p>
+            <a:p>
+              <a:pPr algn="ctr"/>
+              <a:r>
+                <a:rPr kumimoji="1" lang="en" altLang="ko-KR" sz="4400" b="1" dirty="0">
+                  <a:latin typeface="D2Coding" panose="020B0609020101020101" pitchFamily="49" charset="-127"/>
+                  <a:ea typeface="D2Coding" panose="020B0609020101020101" pitchFamily="49" charset="-127"/>
+                </a:rPr>
+                <a:t>Java</a:t>
+              </a:r>
+              <a:r>
+                <a:rPr kumimoji="1" lang="ko-KR" altLang="en-US" sz="4400" b="1" dirty="0">
+                  <a:latin typeface="D2Coding" panose="020B0609020101020101" pitchFamily="49" charset="-127"/>
+                  <a:ea typeface="D2Coding" panose="020B0609020101020101" pitchFamily="49" charset="-127"/>
+                </a:rPr>
+                <a:t>프로그래밍 기초</a:t>
+              </a:r>
+              <a:r>
+                <a:rPr kumimoji="1" lang="en-US" altLang="ko-KR" sz="4400" b="1" dirty="0">
+                  <a:latin typeface="D2Coding" panose="020B0609020101020101" pitchFamily="49" charset="-127"/>
+                  <a:ea typeface="D2Coding" panose="020B0609020101020101" pitchFamily="49" charset="-127"/>
+                </a:rPr>
+                <a:t>(</a:t>
+              </a:r>
+              <a:r>
+                <a:rPr kumimoji="1" lang="en" altLang="ko-KR" sz="4400" b="1" dirty="0">
+                  <a:latin typeface="D2Coding" panose="020B0609020101020101" pitchFamily="49" charset="-127"/>
+                  <a:ea typeface="D2Coding" panose="020B0609020101020101" pitchFamily="49" charset="-127"/>
+                </a:rPr>
+                <a:t>Object </a:t>
+              </a:r>
+              <a:r>
+                <a:rPr kumimoji="1" lang="ko-KR" altLang="en-US" sz="4400" b="1" dirty="0">
+                  <a:latin typeface="D2Coding" panose="020B0609020101020101" pitchFamily="49" charset="-127"/>
+                  <a:ea typeface="D2Coding" panose="020B0609020101020101" pitchFamily="49" charset="-127"/>
+                </a:rPr>
+                <a:t>클래스</a:t>
+              </a:r>
+              <a:r>
+                <a:rPr kumimoji="1" lang="en-US" altLang="ko-KR" sz="4400" b="1" dirty="0">
+                  <a:latin typeface="D2Coding" panose="020B0609020101020101" pitchFamily="49" charset="-127"/>
+                  <a:ea typeface="D2Coding" panose="020B0609020101020101" pitchFamily="49" charset="-127"/>
+                </a:rPr>
+                <a:t>)</a:t>
+              </a:r>
+              <a:endParaRPr kumimoji="1" lang="ko-KR" altLang="en-US" sz="4400" b="1" dirty="0">
+                <a:latin typeface="D2Coding" panose="020B0609020101020101" pitchFamily="49" charset="-127"/>
+                <a:ea typeface="D2Coding" panose="020B0609020101020101" pitchFamily="49" charset="-127"/>
+              </a:endParaRPr>
+            </a:p>
+          </p:txBody>
+        </p:sp>
+      </p:grpSp>
+    </p:spTree>
+    <p:extLst>
+      <p:ext uri="{BB962C8B-B14F-4D97-AF65-F5344CB8AC3E}">
+        <p14:creationId xmlns:p14="http://schemas.microsoft.com/office/powerpoint/2010/main" val="1359212413"/>
+      </p:ext>
+    </p:extLst>
+  </p:cSld>
+  <p:clrMapOvr>
+    <a:masterClrMapping/>
+  </p:clrMapOvr>
+</p:sld>
+</file>
+
+<file path=ppt/slides/slide24.xml><?xml version="1.0" encoding="utf-8"?>
+<p:sld xmlns:a="http://schemas.openxmlformats.org/drawingml/2006/main" xmlns:r="http://schemas.openxmlformats.org/officeDocument/2006/relationships" xmlns:p="http://schemas.openxmlformats.org/presentationml/2006/main">
+  <p:cSld>
+    <p:spTree>
+      <p:nvGrpSpPr>
+        <p:cNvPr id="1" name=""/>
+        <p:cNvGrpSpPr/>
+        <p:nvPr/>
+      </p:nvGrpSpPr>
+      <p:grpSpPr>
+        <a:xfrm>
+          <a:off x="0" y="0"/>
+          <a:ext cx="0" cy="0"/>
+          <a:chOff x="0" y="0"/>
+          <a:chExt cx="0" cy="0"/>
+        </a:xfrm>
+      </p:grpSpPr>
+      <p:sp>
+        <p:nvSpPr>
+          <p:cNvPr id="6" name="TextBox 5">
+            <a:extLst>
+              <a:ext uri="{FF2B5EF4-FFF2-40B4-BE49-F238E27FC236}">
+                <a16:creationId xmlns:a16="http://schemas.microsoft.com/office/drawing/2014/main" id="{7BC70131-2A0F-D582-388D-5AB1E95FE6C4}"/>
+              </a:ext>
+            </a:extLst>
+          </p:cNvPr>
+          <p:cNvSpPr txBox="1"/>
+          <p:nvPr/>
+        </p:nvSpPr>
+        <p:spPr>
+          <a:xfrm>
+            <a:off x="1021294" y="3808909"/>
+            <a:ext cx="10149410" cy="1384995"/>
+          </a:xfrm>
+          <a:prstGeom prst="rect">
+            <a:avLst/>
+          </a:prstGeom>
+          <a:noFill/>
+        </p:spPr>
+        <p:txBody>
+          <a:bodyPr wrap="square" rtlCol="0">
+            <a:spAutoFit/>
+          </a:bodyPr>
+          <a:lstStyle/>
+          <a:p>
+            <a:pPr algn="ctr"/>
+            <a:r>
+              <a:rPr kumimoji="1" lang="en-US" altLang="ko-KR" sz="2800" b="1" dirty="0">
+                <a:latin typeface="D2Coding" panose="020B0609020101020101" pitchFamily="49" charset="-127"/>
+                <a:ea typeface="D2Coding" panose="020B0609020101020101" pitchFamily="49" charset="-127"/>
+              </a:rPr>
+              <a:t>Day 56</a:t>
+            </a:r>
+          </a:p>
+          <a:p>
+            <a:pPr algn="ctr"/>
+            <a:r>
+              <a:rPr kumimoji="1" lang="en-US" altLang="ko-KR" sz="2800" b="1" dirty="0">
+                <a:latin typeface="D2Coding" panose="020B0609020101020101" pitchFamily="49" charset="-127"/>
+                <a:ea typeface="D2Coding" panose="020B0609020101020101" pitchFamily="49" charset="-127"/>
+              </a:rPr>
+              <a:t>Java</a:t>
+            </a:r>
+            <a:r>
+              <a:rPr kumimoji="1" lang="ko-KR" altLang="en-US" sz="2800" b="1" dirty="0">
+                <a:latin typeface="D2Coding" panose="020B0609020101020101" pitchFamily="49" charset="-127"/>
+                <a:ea typeface="D2Coding" panose="020B0609020101020101" pitchFamily="49" charset="-127"/>
+              </a:rPr>
+              <a:t>프로그래밍 기초</a:t>
+            </a:r>
+            <a:endParaRPr kumimoji="1" lang="en-US" altLang="ko-KR" sz="2800" b="1" dirty="0">
+              <a:latin typeface="D2Coding" panose="020B0609020101020101" pitchFamily="49" charset="-127"/>
+              <a:ea typeface="D2Coding" panose="020B0609020101020101" pitchFamily="49" charset="-127"/>
+            </a:endParaRPr>
+          </a:p>
+          <a:p>
+            <a:pPr algn="ctr"/>
+            <a:r>
+              <a:rPr kumimoji="1" lang="en-US" altLang="ko-KR" sz="2800" b="1" dirty="0">
+                <a:latin typeface="D2Coding" panose="020B0609020101020101" pitchFamily="49" charset="-127"/>
+                <a:ea typeface="D2Coding" panose="020B0609020101020101" pitchFamily="49" charset="-127"/>
+              </a:rPr>
+              <a:t>JDBC – </a:t>
+            </a:r>
+            <a:r>
+              <a:rPr kumimoji="1" lang="ko-KR" altLang="en-US" sz="2800" b="1" dirty="0">
+                <a:latin typeface="D2Coding" panose="020B0609020101020101" pitchFamily="49" charset="-127"/>
+                <a:ea typeface="D2Coding" panose="020B0609020101020101" pitchFamily="49" charset="-127"/>
+              </a:rPr>
+              <a:t>라이브러리 설치 및 등록</a:t>
+            </a:r>
+          </a:p>
+        </p:txBody>
+      </p:sp>
+      <p:grpSp>
+        <p:nvGrpSpPr>
+          <p:cNvPr id="3" name="그룹 2">
+            <a:extLst>
+              <a:ext uri="{FF2B5EF4-FFF2-40B4-BE49-F238E27FC236}">
+                <a16:creationId xmlns:a16="http://schemas.microsoft.com/office/drawing/2014/main" id="{CCB49D7F-A40B-2950-C3BB-13981C780200}"/>
+              </a:ext>
+            </a:extLst>
+          </p:cNvPr>
+          <p:cNvGrpSpPr/>
+          <p:nvPr/>
+        </p:nvGrpSpPr>
+        <p:grpSpPr>
+          <a:xfrm>
+            <a:off x="0" y="0"/>
+            <a:ext cx="12192000" cy="6858000"/>
+            <a:chOff x="1143000" y="1238490"/>
+            <a:chExt cx="7772400" cy="3777325"/>
+          </a:xfrm>
+        </p:grpSpPr>
+        <p:pic>
+          <p:nvPicPr>
+            <p:cNvPr id="4" name="그림 3" descr="폰트, 로고, 그래픽, 화이트이(가) 표시된 사진&#10;&#10;자동 생성된 설명">
+              <a:extLst>
+                <a:ext uri="{FF2B5EF4-FFF2-40B4-BE49-F238E27FC236}">
+                  <a16:creationId xmlns:a16="http://schemas.microsoft.com/office/drawing/2014/main" id="{B742D47A-36C2-B9F0-BC20-0E30F4A6AEEC}"/>
+                </a:ext>
+              </a:extLst>
+            </p:cNvPr>
+            <p:cNvPicPr>
+              <a:picLocks noChangeAspect="1"/>
+            </p:cNvPicPr>
+            <p:nvPr/>
+          </p:nvPicPr>
+          <p:blipFill>
+            <a:blip r:embed="rId2"/>
+            <a:srcRect t="13650"/>
+            <a:stretch/>
+          </p:blipFill>
+          <p:spPr>
+            <a:xfrm>
+              <a:off x="1143000" y="1238490"/>
+              <a:ext cx="7772400" cy="3777325"/>
+            </a:xfrm>
+            <a:prstGeom prst="rect">
+              <a:avLst/>
+            </a:prstGeom>
+          </p:spPr>
+        </p:pic>
+        <p:sp>
+          <p:nvSpPr>
+            <p:cNvPr id="8" name="TextBox 7">
+              <a:extLst>
+                <a:ext uri="{FF2B5EF4-FFF2-40B4-BE49-F238E27FC236}">
+                  <a16:creationId xmlns:a16="http://schemas.microsoft.com/office/drawing/2014/main" id="{B3D8B992-313F-AA19-ECC1-9BA2DED76D4E}"/>
+                </a:ext>
+              </a:extLst>
+            </p:cNvPr>
+            <p:cNvSpPr txBox="1"/>
+            <p:nvPr/>
+          </p:nvSpPr>
+          <p:spPr>
+            <a:xfrm>
+              <a:off x="1423669" y="3336403"/>
+              <a:ext cx="7211061" cy="1169692"/>
+            </a:xfrm>
+            <a:prstGeom prst="rect">
+              <a:avLst/>
+            </a:prstGeom>
+            <a:noFill/>
+          </p:spPr>
+          <p:txBody>
+            <a:bodyPr wrap="square" rtlCol="0">
+              <a:spAutoFit/>
+            </a:bodyPr>
+            <a:lstStyle/>
+            <a:p>
+              <a:pPr algn="ctr"/>
+              <a:r>
+                <a:rPr kumimoji="1" lang="en-US" altLang="ko-KR" sz="4400" b="1" dirty="0">
+                  <a:latin typeface="D2Coding" panose="020B0609020101020101" pitchFamily="49" charset="-127"/>
+                  <a:ea typeface="D2Coding" panose="020B0609020101020101" pitchFamily="49" charset="-127"/>
+                </a:rPr>
+                <a:t>Day 22</a:t>
+              </a:r>
+            </a:p>
+            <a:p>
+              <a:pPr algn="ctr"/>
+              <a:r>
+                <a:rPr kumimoji="1" lang="en" altLang="ko-KR" sz="4400" b="1" dirty="0">
+                  <a:latin typeface="D2Coding" panose="020B0609020101020101" pitchFamily="49" charset="-127"/>
+                  <a:ea typeface="D2Coding" panose="020B0609020101020101" pitchFamily="49" charset="-127"/>
+                </a:rPr>
+                <a:t>Java</a:t>
+              </a:r>
+              <a:r>
+                <a:rPr kumimoji="1" lang="ko-KR" altLang="en-US" sz="4400" b="1" dirty="0">
+                  <a:latin typeface="D2Coding" panose="020B0609020101020101" pitchFamily="49" charset="-127"/>
+                  <a:ea typeface="D2Coding" panose="020B0609020101020101" pitchFamily="49" charset="-127"/>
+                </a:rPr>
+                <a:t>프로그래밍 기초</a:t>
+              </a:r>
+              <a:r>
+                <a:rPr kumimoji="1" lang="en-US" altLang="ko-KR" sz="4400" b="1" dirty="0">
+                  <a:latin typeface="D2Coding" panose="020B0609020101020101" pitchFamily="49" charset="-127"/>
+                  <a:ea typeface="D2Coding" panose="020B0609020101020101" pitchFamily="49" charset="-127"/>
+                </a:rPr>
+                <a:t>(</a:t>
+              </a:r>
+              <a:r>
+                <a:rPr kumimoji="1" lang="en" altLang="ko-KR" sz="4400" b="1" dirty="0">
+                  <a:latin typeface="D2Coding" panose="020B0609020101020101" pitchFamily="49" charset="-127"/>
+                  <a:ea typeface="D2Coding" panose="020B0609020101020101" pitchFamily="49" charset="-127"/>
+                </a:rPr>
+                <a:t>String, Wrapper),</a:t>
+              </a:r>
+            </a:p>
+            <a:p>
+              <a:pPr algn="ctr"/>
+              <a:r>
+                <a:rPr kumimoji="1" lang="ko-KR" altLang="en-US" sz="4400" b="1" dirty="0">
+                  <a:latin typeface="D2Coding" panose="020B0609020101020101" pitchFamily="49" charset="-127"/>
+                  <a:ea typeface="D2Coding" panose="020B0609020101020101" pitchFamily="49" charset="-127"/>
+                </a:rPr>
+                <a:t>실습프로젝트</a:t>
+              </a:r>
+              <a:r>
+                <a:rPr kumimoji="1" lang="en-US" altLang="ko-KR" sz="4400" b="1" dirty="0">
+                  <a:latin typeface="D2Coding" panose="020B0609020101020101" pitchFamily="49" charset="-127"/>
+                  <a:ea typeface="D2Coding" panose="020B0609020101020101" pitchFamily="49" charset="-127"/>
+                </a:rPr>
+                <a:t>(</a:t>
+              </a:r>
+              <a:r>
+                <a:rPr kumimoji="1" lang="en" altLang="ko-KR" sz="4400" b="1" dirty="0">
+                  <a:latin typeface="D2Coding" panose="020B0609020101020101" pitchFamily="49" charset="-127"/>
+                  <a:ea typeface="D2Coding" panose="020B0609020101020101" pitchFamily="49" charset="-127"/>
+                </a:rPr>
+                <a:t>LinkedList)</a:t>
+              </a:r>
+            </a:p>
+          </p:txBody>
+        </p:sp>
+      </p:grpSp>
+    </p:spTree>
+    <p:extLst>
+      <p:ext uri="{BB962C8B-B14F-4D97-AF65-F5344CB8AC3E}">
+        <p14:creationId xmlns:p14="http://schemas.microsoft.com/office/powerpoint/2010/main" val="400716243"/>
+      </p:ext>
+    </p:extLst>
+  </p:cSld>
+  <p:clrMapOvr>
+    <a:masterClrMapping/>
+  </p:clrMapOvr>
+</p:sld>
+</file>
+
+<file path=ppt/slides/slide25.xml><?xml version="1.0" encoding="utf-8"?>
+<p:sld xmlns:a="http://schemas.openxmlformats.org/drawingml/2006/main" xmlns:r="http://schemas.openxmlformats.org/officeDocument/2006/relationships" xmlns:p="http://schemas.openxmlformats.org/presentationml/2006/main">
+  <p:cSld>
+    <p:spTree>
+      <p:nvGrpSpPr>
+        <p:cNvPr id="1" name=""/>
+        <p:cNvGrpSpPr/>
+        <p:nvPr/>
+      </p:nvGrpSpPr>
+      <p:grpSpPr>
+        <a:xfrm>
+          <a:off x="0" y="0"/>
+          <a:ext cx="0" cy="0"/>
+          <a:chOff x="0" y="0"/>
+          <a:chExt cx="0" cy="0"/>
+        </a:xfrm>
+      </p:grpSpPr>
+      <p:sp>
+        <p:nvSpPr>
+          <p:cNvPr id="6" name="TextBox 5">
+            <a:extLst>
+              <a:ext uri="{FF2B5EF4-FFF2-40B4-BE49-F238E27FC236}">
+                <a16:creationId xmlns:a16="http://schemas.microsoft.com/office/drawing/2014/main" id="{7BC70131-2A0F-D582-388D-5AB1E95FE6C4}"/>
+              </a:ext>
+            </a:extLst>
+          </p:cNvPr>
+          <p:cNvSpPr txBox="1"/>
+          <p:nvPr/>
+        </p:nvSpPr>
+        <p:spPr>
+          <a:xfrm>
+            <a:off x="1021294" y="3808909"/>
+            <a:ext cx="10149410" cy="1384995"/>
+          </a:xfrm>
+          <a:prstGeom prst="rect">
+            <a:avLst/>
+          </a:prstGeom>
+          <a:noFill/>
+        </p:spPr>
+        <p:txBody>
+          <a:bodyPr wrap="square" rtlCol="0">
+            <a:spAutoFit/>
+          </a:bodyPr>
+          <a:lstStyle/>
+          <a:p>
+            <a:pPr algn="ctr"/>
+            <a:r>
+              <a:rPr kumimoji="1" lang="en-US" altLang="ko-KR" sz="2800" b="1" dirty="0">
+                <a:latin typeface="D2Coding" panose="020B0609020101020101" pitchFamily="49" charset="-127"/>
+                <a:ea typeface="D2Coding" panose="020B0609020101020101" pitchFamily="49" charset="-127"/>
+              </a:rPr>
+              <a:t>Day 56</a:t>
+            </a:r>
+          </a:p>
+          <a:p>
+            <a:pPr algn="ctr"/>
+            <a:r>
+              <a:rPr kumimoji="1" lang="en-US" altLang="ko-KR" sz="2800" b="1" dirty="0">
+                <a:latin typeface="D2Coding" panose="020B0609020101020101" pitchFamily="49" charset="-127"/>
+                <a:ea typeface="D2Coding" panose="020B0609020101020101" pitchFamily="49" charset="-127"/>
+              </a:rPr>
+              <a:t>Java</a:t>
+            </a:r>
+            <a:r>
+              <a:rPr kumimoji="1" lang="ko-KR" altLang="en-US" sz="2800" b="1" dirty="0">
+                <a:latin typeface="D2Coding" panose="020B0609020101020101" pitchFamily="49" charset="-127"/>
+                <a:ea typeface="D2Coding" panose="020B0609020101020101" pitchFamily="49" charset="-127"/>
+              </a:rPr>
+              <a:t>프로그래밍 기초</a:t>
+            </a:r>
+            <a:endParaRPr kumimoji="1" lang="en-US" altLang="ko-KR" sz="2800" b="1" dirty="0">
+              <a:latin typeface="D2Coding" panose="020B0609020101020101" pitchFamily="49" charset="-127"/>
+              <a:ea typeface="D2Coding" panose="020B0609020101020101" pitchFamily="49" charset="-127"/>
+            </a:endParaRPr>
+          </a:p>
+          <a:p>
+            <a:pPr algn="ctr"/>
+            <a:r>
+              <a:rPr kumimoji="1" lang="en-US" altLang="ko-KR" sz="2800" b="1" dirty="0">
+                <a:latin typeface="D2Coding" panose="020B0609020101020101" pitchFamily="49" charset="-127"/>
+                <a:ea typeface="D2Coding" panose="020B0609020101020101" pitchFamily="49" charset="-127"/>
+              </a:rPr>
+              <a:t>JDBC – </a:t>
+            </a:r>
+            <a:r>
+              <a:rPr kumimoji="1" lang="ko-KR" altLang="en-US" sz="2800" b="1" dirty="0">
+                <a:latin typeface="D2Coding" panose="020B0609020101020101" pitchFamily="49" charset="-127"/>
+                <a:ea typeface="D2Coding" panose="020B0609020101020101" pitchFamily="49" charset="-127"/>
+              </a:rPr>
+              <a:t>라이브러리 설치 및 등록</a:t>
+            </a:r>
+          </a:p>
+        </p:txBody>
+      </p:sp>
+      <p:grpSp>
+        <p:nvGrpSpPr>
+          <p:cNvPr id="3" name="그룹 2">
+            <a:extLst>
+              <a:ext uri="{FF2B5EF4-FFF2-40B4-BE49-F238E27FC236}">
+                <a16:creationId xmlns:a16="http://schemas.microsoft.com/office/drawing/2014/main" id="{CCB49D7F-A40B-2950-C3BB-13981C780200}"/>
+              </a:ext>
+            </a:extLst>
+          </p:cNvPr>
+          <p:cNvGrpSpPr/>
+          <p:nvPr/>
+        </p:nvGrpSpPr>
+        <p:grpSpPr>
+          <a:xfrm>
+            <a:off x="0" y="0"/>
+            <a:ext cx="12192000" cy="6858000"/>
+            <a:chOff x="1143000" y="1238490"/>
+            <a:chExt cx="7772400" cy="3777325"/>
+          </a:xfrm>
+        </p:grpSpPr>
+        <p:pic>
+          <p:nvPicPr>
+            <p:cNvPr id="4" name="그림 3" descr="폰트, 로고, 그래픽, 화이트이(가) 표시된 사진&#10;&#10;자동 생성된 설명">
+              <a:extLst>
+                <a:ext uri="{FF2B5EF4-FFF2-40B4-BE49-F238E27FC236}">
+                  <a16:creationId xmlns:a16="http://schemas.microsoft.com/office/drawing/2014/main" id="{B742D47A-36C2-B9F0-BC20-0E30F4A6AEEC}"/>
+                </a:ext>
+              </a:extLst>
+            </p:cNvPr>
+            <p:cNvPicPr>
+              <a:picLocks noChangeAspect="1"/>
+            </p:cNvPicPr>
+            <p:nvPr/>
+          </p:nvPicPr>
+          <p:blipFill>
+            <a:blip r:embed="rId2"/>
+            <a:srcRect t="13650"/>
+            <a:stretch/>
+          </p:blipFill>
+          <p:spPr>
+            <a:xfrm>
+              <a:off x="1143000" y="1238490"/>
+              <a:ext cx="7772400" cy="3777325"/>
+            </a:xfrm>
+            <a:prstGeom prst="rect">
+              <a:avLst/>
+            </a:prstGeom>
+          </p:spPr>
+        </p:pic>
+        <p:sp>
+          <p:nvSpPr>
+            <p:cNvPr id="8" name="TextBox 7">
+              <a:extLst>
+                <a:ext uri="{FF2B5EF4-FFF2-40B4-BE49-F238E27FC236}">
+                  <a16:creationId xmlns:a16="http://schemas.microsoft.com/office/drawing/2014/main" id="{B3D8B992-313F-AA19-ECC1-9BA2DED76D4E}"/>
+                </a:ext>
+              </a:extLst>
+            </p:cNvPr>
+            <p:cNvSpPr txBox="1"/>
+            <p:nvPr/>
+          </p:nvSpPr>
+          <p:spPr>
+            <a:xfrm>
+              <a:off x="1794075" y="3336403"/>
+              <a:ext cx="6470249" cy="796747"/>
+            </a:xfrm>
+            <a:prstGeom prst="rect">
+              <a:avLst/>
+            </a:prstGeom>
+            <a:noFill/>
+          </p:spPr>
+          <p:txBody>
+            <a:bodyPr wrap="square" rtlCol="0">
+              <a:spAutoFit/>
+            </a:bodyPr>
+            <a:lstStyle/>
+            <a:p>
+              <a:pPr algn="ctr"/>
+              <a:r>
+                <a:rPr kumimoji="1" lang="en-US" altLang="ko-KR" sz="4400" b="1" dirty="0">
+                  <a:latin typeface="D2Coding" panose="020B0609020101020101" pitchFamily="49" charset="-127"/>
+                  <a:ea typeface="D2Coding" panose="020B0609020101020101" pitchFamily="49" charset="-127"/>
+                </a:rPr>
+                <a:t>Day 23</a:t>
+              </a:r>
+            </a:p>
+            <a:p>
+              <a:pPr algn="ctr"/>
+              <a:r>
+                <a:rPr kumimoji="1" lang="ko-KR" altLang="en-US" sz="4400" b="1" dirty="0">
+                  <a:latin typeface="D2Coding" panose="020B0609020101020101" pitchFamily="49" charset="-127"/>
+                  <a:ea typeface="D2Coding" panose="020B0609020101020101" pitchFamily="49" charset="-127"/>
+                </a:rPr>
+                <a:t>실습프로젝트</a:t>
+              </a:r>
+              <a:r>
+                <a:rPr kumimoji="1" lang="en-US" altLang="ko-KR" sz="4400" b="1" dirty="0">
+                  <a:latin typeface="D2Coding" panose="020B0609020101020101" pitchFamily="49" charset="-127"/>
+                  <a:ea typeface="D2Coding" panose="020B0609020101020101" pitchFamily="49" charset="-127"/>
+                </a:rPr>
+                <a:t>(</a:t>
+              </a:r>
+              <a:r>
+                <a:rPr kumimoji="1" lang="ko-KR" altLang="en-US" sz="4400" b="1" dirty="0">
+                  <a:latin typeface="D2Coding" panose="020B0609020101020101" pitchFamily="49" charset="-127"/>
+                  <a:ea typeface="D2Coding" panose="020B0609020101020101" pitchFamily="49" charset="-127"/>
+                </a:rPr>
+                <a:t>인터페이스</a:t>
+              </a:r>
+              <a:r>
+                <a:rPr kumimoji="1" lang="en-US" altLang="ko-KR" sz="4400" b="1" dirty="0">
+                  <a:latin typeface="D2Coding" panose="020B0609020101020101" pitchFamily="49" charset="-127"/>
+                  <a:ea typeface="D2Coding" panose="020B0609020101020101" pitchFamily="49" charset="-127"/>
+                </a:rPr>
+                <a:t>)</a:t>
+              </a:r>
+            </a:p>
+          </p:txBody>
+        </p:sp>
+      </p:grpSp>
+    </p:spTree>
+    <p:extLst>
+      <p:ext uri="{BB962C8B-B14F-4D97-AF65-F5344CB8AC3E}">
+        <p14:creationId xmlns:p14="http://schemas.microsoft.com/office/powerpoint/2010/main" val="2035260750"/>
+      </p:ext>
+    </p:extLst>
+  </p:cSld>
+  <p:clrMapOvr>
+    <a:masterClrMapping/>
+  </p:clrMapOvr>
+</p:sld>
+</file>
+
+<file path=ppt/slides/slide26.xml><?xml version="1.0" encoding="utf-8"?>
+<p:sld xmlns:a="http://schemas.openxmlformats.org/drawingml/2006/main" xmlns:r="http://schemas.openxmlformats.org/officeDocument/2006/relationships" xmlns:p="http://schemas.openxmlformats.org/presentationml/2006/main">
+  <p:cSld>
+    <p:spTree>
+      <p:nvGrpSpPr>
+        <p:cNvPr id="1" name=""/>
+        <p:cNvGrpSpPr/>
+        <p:nvPr/>
+      </p:nvGrpSpPr>
+      <p:grpSpPr>
+        <a:xfrm>
+          <a:off x="0" y="0"/>
+          <a:ext cx="0" cy="0"/>
+          <a:chOff x="0" y="0"/>
+          <a:chExt cx="0" cy="0"/>
+        </a:xfrm>
+      </p:grpSpPr>
+      <p:sp>
+        <p:nvSpPr>
+          <p:cNvPr id="6" name="TextBox 5">
+            <a:extLst>
+              <a:ext uri="{FF2B5EF4-FFF2-40B4-BE49-F238E27FC236}">
+                <a16:creationId xmlns:a16="http://schemas.microsoft.com/office/drawing/2014/main" id="{7BC70131-2A0F-D582-388D-5AB1E95FE6C4}"/>
+              </a:ext>
+            </a:extLst>
+          </p:cNvPr>
+          <p:cNvSpPr txBox="1"/>
+          <p:nvPr/>
+        </p:nvSpPr>
+        <p:spPr>
+          <a:xfrm>
+            <a:off x="1021294" y="3808909"/>
+            <a:ext cx="10149410" cy="1384995"/>
+          </a:xfrm>
+          <a:prstGeom prst="rect">
+            <a:avLst/>
+          </a:prstGeom>
+          <a:noFill/>
+        </p:spPr>
+        <p:txBody>
+          <a:bodyPr wrap="square" rtlCol="0">
+            <a:spAutoFit/>
+          </a:bodyPr>
+          <a:lstStyle/>
+          <a:p>
+            <a:pPr algn="ctr"/>
+            <a:r>
+              <a:rPr kumimoji="1" lang="en-US" altLang="ko-KR" sz="2800" b="1" dirty="0">
+                <a:latin typeface="D2Coding" panose="020B0609020101020101" pitchFamily="49" charset="-127"/>
+                <a:ea typeface="D2Coding" panose="020B0609020101020101" pitchFamily="49" charset="-127"/>
+              </a:rPr>
+              <a:t>Day 56</a:t>
+            </a:r>
+          </a:p>
+          <a:p>
+            <a:pPr algn="ctr"/>
+            <a:r>
+              <a:rPr kumimoji="1" lang="en-US" altLang="ko-KR" sz="2800" b="1" dirty="0">
+                <a:latin typeface="D2Coding" panose="020B0609020101020101" pitchFamily="49" charset="-127"/>
+                <a:ea typeface="D2Coding" panose="020B0609020101020101" pitchFamily="49" charset="-127"/>
+              </a:rPr>
+              <a:t>Java</a:t>
+            </a:r>
+            <a:r>
+              <a:rPr kumimoji="1" lang="ko-KR" altLang="en-US" sz="2800" b="1" dirty="0">
+                <a:latin typeface="D2Coding" panose="020B0609020101020101" pitchFamily="49" charset="-127"/>
+                <a:ea typeface="D2Coding" panose="020B0609020101020101" pitchFamily="49" charset="-127"/>
+              </a:rPr>
+              <a:t>프로그래밍 기초</a:t>
+            </a:r>
+            <a:endParaRPr kumimoji="1" lang="en-US" altLang="ko-KR" sz="2800" b="1" dirty="0">
+              <a:latin typeface="D2Coding" panose="020B0609020101020101" pitchFamily="49" charset="-127"/>
+              <a:ea typeface="D2Coding" panose="020B0609020101020101" pitchFamily="49" charset="-127"/>
+            </a:endParaRPr>
+          </a:p>
+          <a:p>
+            <a:pPr algn="ctr"/>
+            <a:r>
+              <a:rPr kumimoji="1" lang="en-US" altLang="ko-KR" sz="2800" b="1" dirty="0">
+                <a:latin typeface="D2Coding" panose="020B0609020101020101" pitchFamily="49" charset="-127"/>
+                <a:ea typeface="D2Coding" panose="020B0609020101020101" pitchFamily="49" charset="-127"/>
+              </a:rPr>
+              <a:t>JDBC – </a:t>
+            </a:r>
+            <a:r>
+              <a:rPr kumimoji="1" lang="ko-KR" altLang="en-US" sz="2800" b="1" dirty="0">
+                <a:latin typeface="D2Coding" panose="020B0609020101020101" pitchFamily="49" charset="-127"/>
+                <a:ea typeface="D2Coding" panose="020B0609020101020101" pitchFamily="49" charset="-127"/>
+              </a:rPr>
+              <a:t>라이브러리 설치 및 등록</a:t>
+            </a:r>
+          </a:p>
+        </p:txBody>
+      </p:sp>
+      <p:grpSp>
+        <p:nvGrpSpPr>
+          <p:cNvPr id="3" name="그룹 2">
+            <a:extLst>
+              <a:ext uri="{FF2B5EF4-FFF2-40B4-BE49-F238E27FC236}">
+                <a16:creationId xmlns:a16="http://schemas.microsoft.com/office/drawing/2014/main" id="{CCB49D7F-A40B-2950-C3BB-13981C780200}"/>
+              </a:ext>
+            </a:extLst>
+          </p:cNvPr>
+          <p:cNvGrpSpPr/>
+          <p:nvPr/>
+        </p:nvGrpSpPr>
+        <p:grpSpPr>
+          <a:xfrm>
+            <a:off x="0" y="0"/>
+            <a:ext cx="12192000" cy="6858000"/>
+            <a:chOff x="1143000" y="1238490"/>
+            <a:chExt cx="7772400" cy="3777325"/>
+          </a:xfrm>
+        </p:grpSpPr>
+        <p:pic>
+          <p:nvPicPr>
+            <p:cNvPr id="4" name="그림 3" descr="폰트, 로고, 그래픽, 화이트이(가) 표시된 사진&#10;&#10;자동 생성된 설명">
+              <a:extLst>
+                <a:ext uri="{FF2B5EF4-FFF2-40B4-BE49-F238E27FC236}">
+                  <a16:creationId xmlns:a16="http://schemas.microsoft.com/office/drawing/2014/main" id="{B742D47A-36C2-B9F0-BC20-0E30F4A6AEEC}"/>
+                </a:ext>
+              </a:extLst>
+            </p:cNvPr>
+            <p:cNvPicPr>
+              <a:picLocks noChangeAspect="1"/>
+            </p:cNvPicPr>
+            <p:nvPr/>
+          </p:nvPicPr>
+          <p:blipFill>
+            <a:blip r:embed="rId2"/>
+            <a:srcRect t="13650"/>
+            <a:stretch/>
+          </p:blipFill>
+          <p:spPr>
+            <a:xfrm>
+              <a:off x="1143000" y="1238490"/>
+              <a:ext cx="7772400" cy="3777325"/>
+            </a:xfrm>
+            <a:prstGeom prst="rect">
+              <a:avLst/>
+            </a:prstGeom>
+          </p:spPr>
+        </p:pic>
+        <p:sp>
+          <p:nvSpPr>
+            <p:cNvPr id="8" name="TextBox 7">
+              <a:extLst>
+                <a:ext uri="{FF2B5EF4-FFF2-40B4-BE49-F238E27FC236}">
+                  <a16:creationId xmlns:a16="http://schemas.microsoft.com/office/drawing/2014/main" id="{B3D8B992-313F-AA19-ECC1-9BA2DED76D4E}"/>
+                </a:ext>
+              </a:extLst>
+            </p:cNvPr>
+            <p:cNvSpPr txBox="1"/>
+            <p:nvPr/>
+          </p:nvSpPr>
+          <p:spPr>
+            <a:xfrm>
+              <a:off x="1794075" y="3336403"/>
+              <a:ext cx="6470249" cy="796747"/>
+            </a:xfrm>
+            <a:prstGeom prst="rect">
+              <a:avLst/>
+            </a:prstGeom>
+            <a:noFill/>
+          </p:spPr>
+          <p:txBody>
+            <a:bodyPr wrap="square" rtlCol="0">
+              <a:spAutoFit/>
+            </a:bodyPr>
+            <a:lstStyle/>
+            <a:p>
+              <a:pPr algn="ctr"/>
+              <a:r>
+                <a:rPr kumimoji="1" lang="en-US" altLang="ko-KR" sz="4400" b="1" dirty="0">
+                  <a:latin typeface="D2Coding" panose="020B0609020101020101" pitchFamily="49" charset="-127"/>
+                  <a:ea typeface="D2Coding" panose="020B0609020101020101" pitchFamily="49" charset="-127"/>
+                </a:rPr>
+                <a:t>Day 24</a:t>
+              </a:r>
+            </a:p>
+            <a:p>
+              <a:pPr algn="ctr"/>
+              <a:r>
+                <a:rPr kumimoji="1" lang="ko-KR" altLang="en-US" sz="4400" b="1" dirty="0" err="1">
+                  <a:latin typeface="D2Coding" panose="020B0609020101020101" pitchFamily="49" charset="-127"/>
+                  <a:ea typeface="D2Coding" panose="020B0609020101020101" pitchFamily="49" charset="-127"/>
+                </a:rPr>
+                <a:t>토이프로젝트</a:t>
+              </a:r>
+              <a:endParaRPr kumimoji="1" lang="en-US" altLang="ko-KR" sz="4400" b="1" dirty="0">
+                <a:latin typeface="D2Coding" panose="020B0609020101020101" pitchFamily="49" charset="-127"/>
+                <a:ea typeface="D2Coding" panose="020B0609020101020101" pitchFamily="49" charset="-127"/>
+              </a:endParaRPr>
+            </a:p>
+          </p:txBody>
+        </p:sp>
+      </p:grpSp>
+    </p:spTree>
+    <p:extLst>
+      <p:ext uri="{BB962C8B-B14F-4D97-AF65-F5344CB8AC3E}">
+        <p14:creationId xmlns:p14="http://schemas.microsoft.com/office/powerpoint/2010/main" val="2737429029"/>
+      </p:ext>
+    </p:extLst>
+  </p:cSld>
+  <p:clrMapOvr>
+    <a:masterClrMapping/>
+  </p:clrMapOvr>
+</p:sld>
+</file>
+
+<file path=ppt/slides/slide27.xml><?xml version="1.0" encoding="utf-8"?>
+<p:sld xmlns:a="http://schemas.openxmlformats.org/drawingml/2006/main" xmlns:r="http://schemas.openxmlformats.org/officeDocument/2006/relationships" xmlns:p="http://schemas.openxmlformats.org/presentationml/2006/main">
+  <p:cSld>
+    <p:spTree>
+      <p:nvGrpSpPr>
+        <p:cNvPr id="1" name=""/>
+        <p:cNvGrpSpPr/>
+        <p:nvPr/>
+      </p:nvGrpSpPr>
+      <p:grpSpPr>
+        <a:xfrm>
+          <a:off x="0" y="0"/>
+          <a:ext cx="0" cy="0"/>
+          <a:chOff x="0" y="0"/>
+          <a:chExt cx="0" cy="0"/>
+        </a:xfrm>
+      </p:grpSpPr>
+      <p:sp>
+        <p:nvSpPr>
+          <p:cNvPr id="6" name="TextBox 5">
+            <a:extLst>
+              <a:ext uri="{FF2B5EF4-FFF2-40B4-BE49-F238E27FC236}">
+                <a16:creationId xmlns:a16="http://schemas.microsoft.com/office/drawing/2014/main" id="{7BC70131-2A0F-D582-388D-5AB1E95FE6C4}"/>
+              </a:ext>
+            </a:extLst>
+          </p:cNvPr>
+          <p:cNvSpPr txBox="1"/>
+          <p:nvPr/>
+        </p:nvSpPr>
+        <p:spPr>
+          <a:xfrm>
+            <a:off x="1021294" y="3808909"/>
+            <a:ext cx="10149410" cy="1384995"/>
+          </a:xfrm>
+          <a:prstGeom prst="rect">
+            <a:avLst/>
+          </a:prstGeom>
+          <a:noFill/>
+        </p:spPr>
+        <p:txBody>
+          <a:bodyPr wrap="square" rtlCol="0">
+            <a:spAutoFit/>
+          </a:bodyPr>
+          <a:lstStyle/>
+          <a:p>
+            <a:pPr algn="ctr"/>
+            <a:r>
+              <a:rPr kumimoji="1" lang="en-US" altLang="ko-KR" sz="2800" b="1" dirty="0">
+                <a:latin typeface="D2Coding" panose="020B0609020101020101" pitchFamily="49" charset="-127"/>
+                <a:ea typeface="D2Coding" panose="020B0609020101020101" pitchFamily="49" charset="-127"/>
+              </a:rPr>
+              <a:t>Day 56</a:t>
+            </a:r>
+          </a:p>
+          <a:p>
+            <a:pPr algn="ctr"/>
+            <a:r>
+              <a:rPr kumimoji="1" lang="en-US" altLang="ko-KR" sz="2800" b="1" dirty="0">
+                <a:latin typeface="D2Coding" panose="020B0609020101020101" pitchFamily="49" charset="-127"/>
+                <a:ea typeface="D2Coding" panose="020B0609020101020101" pitchFamily="49" charset="-127"/>
+              </a:rPr>
+              <a:t>Java</a:t>
+            </a:r>
+            <a:r>
+              <a:rPr kumimoji="1" lang="ko-KR" altLang="en-US" sz="2800" b="1" dirty="0">
+                <a:latin typeface="D2Coding" panose="020B0609020101020101" pitchFamily="49" charset="-127"/>
+                <a:ea typeface="D2Coding" panose="020B0609020101020101" pitchFamily="49" charset="-127"/>
+              </a:rPr>
+              <a:t>프로그래밍 기초</a:t>
+            </a:r>
+            <a:endParaRPr kumimoji="1" lang="en-US" altLang="ko-KR" sz="2800" b="1" dirty="0">
+              <a:latin typeface="D2Coding" panose="020B0609020101020101" pitchFamily="49" charset="-127"/>
+              <a:ea typeface="D2Coding" panose="020B0609020101020101" pitchFamily="49" charset="-127"/>
+            </a:endParaRPr>
+          </a:p>
+          <a:p>
+            <a:pPr algn="ctr"/>
+            <a:r>
+              <a:rPr kumimoji="1" lang="en-US" altLang="ko-KR" sz="2800" b="1" dirty="0">
+                <a:latin typeface="D2Coding" panose="020B0609020101020101" pitchFamily="49" charset="-127"/>
+                <a:ea typeface="D2Coding" panose="020B0609020101020101" pitchFamily="49" charset="-127"/>
+              </a:rPr>
+              <a:t>JDBC – </a:t>
+            </a:r>
+            <a:r>
+              <a:rPr kumimoji="1" lang="ko-KR" altLang="en-US" sz="2800" b="1" dirty="0">
+                <a:latin typeface="D2Coding" panose="020B0609020101020101" pitchFamily="49" charset="-127"/>
+                <a:ea typeface="D2Coding" panose="020B0609020101020101" pitchFamily="49" charset="-127"/>
+              </a:rPr>
+              <a:t>라이브러리 설치 및 등록</a:t>
+            </a:r>
+          </a:p>
+        </p:txBody>
+      </p:sp>
+      <p:grpSp>
+        <p:nvGrpSpPr>
+          <p:cNvPr id="3" name="그룹 2">
+            <a:extLst>
+              <a:ext uri="{FF2B5EF4-FFF2-40B4-BE49-F238E27FC236}">
+                <a16:creationId xmlns:a16="http://schemas.microsoft.com/office/drawing/2014/main" id="{CCB49D7F-A40B-2950-C3BB-13981C780200}"/>
+              </a:ext>
+            </a:extLst>
+          </p:cNvPr>
+          <p:cNvGrpSpPr/>
+          <p:nvPr/>
+        </p:nvGrpSpPr>
+        <p:grpSpPr>
+          <a:xfrm>
+            <a:off x="0" y="0"/>
+            <a:ext cx="12192000" cy="6858000"/>
+            <a:chOff x="1143000" y="1238490"/>
+            <a:chExt cx="7772400" cy="3777325"/>
+          </a:xfrm>
+        </p:grpSpPr>
+        <p:pic>
+          <p:nvPicPr>
+            <p:cNvPr id="4" name="그림 3" descr="폰트, 로고, 그래픽, 화이트이(가) 표시된 사진&#10;&#10;자동 생성된 설명">
+              <a:extLst>
+                <a:ext uri="{FF2B5EF4-FFF2-40B4-BE49-F238E27FC236}">
+                  <a16:creationId xmlns:a16="http://schemas.microsoft.com/office/drawing/2014/main" id="{B742D47A-36C2-B9F0-BC20-0E30F4A6AEEC}"/>
+                </a:ext>
+              </a:extLst>
+            </p:cNvPr>
+            <p:cNvPicPr>
+              <a:picLocks noChangeAspect="1"/>
+            </p:cNvPicPr>
+            <p:nvPr/>
+          </p:nvPicPr>
+          <p:blipFill>
+            <a:blip r:embed="rId2"/>
+            <a:srcRect t="13650"/>
+            <a:stretch/>
+          </p:blipFill>
+          <p:spPr>
+            <a:xfrm>
+              <a:off x="1143000" y="1238490"/>
+              <a:ext cx="7772400" cy="3777325"/>
+            </a:xfrm>
+            <a:prstGeom prst="rect">
+              <a:avLst/>
+            </a:prstGeom>
+          </p:spPr>
+        </p:pic>
+        <p:sp>
+          <p:nvSpPr>
+            <p:cNvPr id="8" name="TextBox 7">
+              <a:extLst>
+                <a:ext uri="{FF2B5EF4-FFF2-40B4-BE49-F238E27FC236}">
+                  <a16:creationId xmlns:a16="http://schemas.microsoft.com/office/drawing/2014/main" id="{B3D8B992-313F-AA19-ECC1-9BA2DED76D4E}"/>
+                </a:ext>
+              </a:extLst>
+            </p:cNvPr>
+            <p:cNvSpPr txBox="1"/>
+            <p:nvPr/>
+          </p:nvSpPr>
+          <p:spPr>
+            <a:xfrm>
+              <a:off x="1794075" y="3336403"/>
+              <a:ext cx="6470249" cy="796747"/>
+            </a:xfrm>
+            <a:prstGeom prst="rect">
+              <a:avLst/>
+            </a:prstGeom>
+            <a:noFill/>
+          </p:spPr>
+          <p:txBody>
+            <a:bodyPr wrap="square" rtlCol="0">
+              <a:spAutoFit/>
+            </a:bodyPr>
+            <a:lstStyle/>
+            <a:p>
+              <a:pPr algn="ctr"/>
+              <a:r>
+                <a:rPr kumimoji="1" lang="en-US" altLang="ko-KR" sz="4400" b="1" dirty="0">
+                  <a:latin typeface="D2Coding" panose="020B0609020101020101" pitchFamily="49" charset="-127"/>
+                  <a:ea typeface="D2Coding" panose="020B0609020101020101" pitchFamily="49" charset="-127"/>
+                </a:rPr>
+                <a:t>Day 26</a:t>
+              </a:r>
+            </a:p>
+            <a:p>
+              <a:pPr algn="ctr"/>
+              <a:r>
+                <a:rPr kumimoji="1" lang="en" altLang="ko-KR" sz="4400" b="1" dirty="0">
+                  <a:latin typeface="D2Coding" panose="020B0609020101020101" pitchFamily="49" charset="-127"/>
+                  <a:ea typeface="D2Coding" panose="020B0609020101020101" pitchFamily="49" charset="-127"/>
+                </a:rPr>
+                <a:t>Java</a:t>
+              </a:r>
+              <a:r>
+                <a:rPr kumimoji="1" lang="ko-KR" altLang="en-US" sz="4400" b="1" dirty="0">
+                  <a:latin typeface="D2Coding" panose="020B0609020101020101" pitchFamily="49" charset="-127"/>
+                  <a:ea typeface="D2Coding" panose="020B0609020101020101" pitchFamily="49" charset="-127"/>
+                </a:rPr>
+                <a:t>프로그래밍 기초</a:t>
+              </a:r>
+              <a:r>
+                <a:rPr kumimoji="1" lang="en-US" altLang="ko-KR" sz="4400" b="1" dirty="0">
+                  <a:latin typeface="D2Coding" panose="020B0609020101020101" pitchFamily="49" charset="-127"/>
+                  <a:ea typeface="D2Coding" panose="020B0609020101020101" pitchFamily="49" charset="-127"/>
+                </a:rPr>
+                <a:t>(</a:t>
+              </a:r>
+              <a:r>
+                <a:rPr kumimoji="1" lang="ko-KR" altLang="en-US" sz="4400" b="1" dirty="0">
+                  <a:latin typeface="D2Coding" panose="020B0609020101020101" pitchFamily="49" charset="-127"/>
+                  <a:ea typeface="D2Coding" panose="020B0609020101020101" pitchFamily="49" charset="-127"/>
+                </a:rPr>
+                <a:t>상속</a:t>
+              </a:r>
+              <a:r>
+                <a:rPr kumimoji="1" lang="en-US" altLang="ko-KR" sz="4400" b="1" dirty="0">
+                  <a:latin typeface="D2Coding" panose="020B0609020101020101" pitchFamily="49" charset="-127"/>
+                  <a:ea typeface="D2Coding" panose="020B0609020101020101" pitchFamily="49" charset="-127"/>
+                </a:rPr>
+                <a:t>)</a:t>
+              </a:r>
+            </a:p>
+          </p:txBody>
+        </p:sp>
+      </p:grpSp>
+    </p:spTree>
+    <p:extLst>
+      <p:ext uri="{BB962C8B-B14F-4D97-AF65-F5344CB8AC3E}">
+        <p14:creationId xmlns:p14="http://schemas.microsoft.com/office/powerpoint/2010/main" val="3714961399"/>
+      </p:ext>
+    </p:extLst>
+  </p:cSld>
+  <p:clrMapOvr>
+    <a:masterClrMapping/>
+  </p:clrMapOvr>
+</p:sld>
+</file>
+
+<file path=ppt/slides/slide28.xml><?xml version="1.0" encoding="utf-8"?>
+<p:sld xmlns:a="http://schemas.openxmlformats.org/drawingml/2006/main" xmlns:r="http://schemas.openxmlformats.org/officeDocument/2006/relationships" xmlns:p="http://schemas.openxmlformats.org/presentationml/2006/main">
+  <p:cSld>
+    <p:spTree>
+      <p:nvGrpSpPr>
+        <p:cNvPr id="1" name=""/>
+        <p:cNvGrpSpPr/>
+        <p:nvPr/>
+      </p:nvGrpSpPr>
+      <p:grpSpPr>
+        <a:xfrm>
+          <a:off x="0" y="0"/>
+          <a:ext cx="0" cy="0"/>
+          <a:chOff x="0" y="0"/>
+          <a:chExt cx="0" cy="0"/>
+        </a:xfrm>
+      </p:grpSpPr>
+      <p:sp>
+        <p:nvSpPr>
+          <p:cNvPr id="6" name="TextBox 5">
+            <a:extLst>
+              <a:ext uri="{FF2B5EF4-FFF2-40B4-BE49-F238E27FC236}">
+                <a16:creationId xmlns:a16="http://schemas.microsoft.com/office/drawing/2014/main" id="{7BC70131-2A0F-D582-388D-5AB1E95FE6C4}"/>
+              </a:ext>
+            </a:extLst>
+          </p:cNvPr>
+          <p:cNvSpPr txBox="1"/>
+          <p:nvPr/>
+        </p:nvSpPr>
+        <p:spPr>
+          <a:xfrm>
+            <a:off x="1021294" y="3808909"/>
+            <a:ext cx="10149410" cy="1384995"/>
+          </a:xfrm>
+          <a:prstGeom prst="rect">
+            <a:avLst/>
+          </a:prstGeom>
+          <a:noFill/>
+        </p:spPr>
+        <p:txBody>
+          <a:bodyPr wrap="square" rtlCol="0">
+            <a:spAutoFit/>
+          </a:bodyPr>
+          <a:lstStyle/>
+          <a:p>
+            <a:pPr algn="ctr"/>
+            <a:r>
+              <a:rPr kumimoji="1" lang="en-US" altLang="ko-KR" sz="2800" b="1" dirty="0">
+                <a:latin typeface="D2Coding" panose="020B0609020101020101" pitchFamily="49" charset="-127"/>
+                <a:ea typeface="D2Coding" panose="020B0609020101020101" pitchFamily="49" charset="-127"/>
+              </a:rPr>
+              <a:t>Day 56</a:t>
+            </a:r>
+          </a:p>
+          <a:p>
+            <a:pPr algn="ctr"/>
+            <a:r>
+              <a:rPr kumimoji="1" lang="en-US" altLang="ko-KR" sz="2800" b="1" dirty="0">
+                <a:latin typeface="D2Coding" panose="020B0609020101020101" pitchFamily="49" charset="-127"/>
+                <a:ea typeface="D2Coding" panose="020B0609020101020101" pitchFamily="49" charset="-127"/>
+              </a:rPr>
+              <a:t>Java</a:t>
+            </a:r>
+            <a:r>
+              <a:rPr kumimoji="1" lang="ko-KR" altLang="en-US" sz="2800" b="1" dirty="0">
+                <a:latin typeface="D2Coding" panose="020B0609020101020101" pitchFamily="49" charset="-127"/>
+                <a:ea typeface="D2Coding" panose="020B0609020101020101" pitchFamily="49" charset="-127"/>
+              </a:rPr>
+              <a:t>프로그래밍 기초</a:t>
+            </a:r>
+            <a:endParaRPr kumimoji="1" lang="en-US" altLang="ko-KR" sz="2800" b="1" dirty="0">
+              <a:latin typeface="D2Coding" panose="020B0609020101020101" pitchFamily="49" charset="-127"/>
+              <a:ea typeface="D2Coding" panose="020B0609020101020101" pitchFamily="49" charset="-127"/>
+            </a:endParaRPr>
+          </a:p>
+          <a:p>
+            <a:pPr algn="ctr"/>
+            <a:r>
+              <a:rPr kumimoji="1" lang="en-US" altLang="ko-KR" sz="2800" b="1" dirty="0">
+                <a:latin typeface="D2Coding" panose="020B0609020101020101" pitchFamily="49" charset="-127"/>
+                <a:ea typeface="D2Coding" panose="020B0609020101020101" pitchFamily="49" charset="-127"/>
+              </a:rPr>
+              <a:t>JDBC – </a:t>
+            </a:r>
+            <a:r>
+              <a:rPr kumimoji="1" lang="ko-KR" altLang="en-US" sz="2800" b="1" dirty="0">
+                <a:latin typeface="D2Coding" panose="020B0609020101020101" pitchFamily="49" charset="-127"/>
+                <a:ea typeface="D2Coding" panose="020B0609020101020101" pitchFamily="49" charset="-127"/>
+              </a:rPr>
+              <a:t>라이브러리 설치 및 등록</a:t>
+            </a:r>
+          </a:p>
+        </p:txBody>
+      </p:sp>
+      <p:grpSp>
+        <p:nvGrpSpPr>
+          <p:cNvPr id="3" name="그룹 2">
+            <a:extLst>
+              <a:ext uri="{FF2B5EF4-FFF2-40B4-BE49-F238E27FC236}">
+                <a16:creationId xmlns:a16="http://schemas.microsoft.com/office/drawing/2014/main" id="{CCB49D7F-A40B-2950-C3BB-13981C780200}"/>
+              </a:ext>
+            </a:extLst>
+          </p:cNvPr>
+          <p:cNvGrpSpPr/>
+          <p:nvPr/>
+        </p:nvGrpSpPr>
+        <p:grpSpPr>
+          <a:xfrm>
+            <a:off x="0" y="0"/>
+            <a:ext cx="12192000" cy="6858000"/>
+            <a:chOff x="1143000" y="1238490"/>
+            <a:chExt cx="7772400" cy="3777325"/>
+          </a:xfrm>
+        </p:grpSpPr>
+        <p:pic>
+          <p:nvPicPr>
+            <p:cNvPr id="4" name="그림 3" descr="폰트, 로고, 그래픽, 화이트이(가) 표시된 사진&#10;&#10;자동 생성된 설명">
+              <a:extLst>
+                <a:ext uri="{FF2B5EF4-FFF2-40B4-BE49-F238E27FC236}">
+                  <a16:creationId xmlns:a16="http://schemas.microsoft.com/office/drawing/2014/main" id="{B742D47A-36C2-B9F0-BC20-0E30F4A6AEEC}"/>
+                </a:ext>
+              </a:extLst>
+            </p:cNvPr>
+            <p:cNvPicPr>
+              <a:picLocks noChangeAspect="1"/>
+            </p:cNvPicPr>
+            <p:nvPr/>
+          </p:nvPicPr>
+          <p:blipFill>
+            <a:blip r:embed="rId2"/>
+            <a:srcRect t="13650"/>
+            <a:stretch/>
+          </p:blipFill>
+          <p:spPr>
+            <a:xfrm>
+              <a:off x="1143000" y="1238490"/>
+              <a:ext cx="7772400" cy="3777325"/>
+            </a:xfrm>
+            <a:prstGeom prst="rect">
+              <a:avLst/>
+            </a:prstGeom>
+          </p:spPr>
+        </p:pic>
+        <p:sp>
+          <p:nvSpPr>
+            <p:cNvPr id="8" name="TextBox 7">
+              <a:extLst>
+                <a:ext uri="{FF2B5EF4-FFF2-40B4-BE49-F238E27FC236}">
+                  <a16:creationId xmlns:a16="http://schemas.microsoft.com/office/drawing/2014/main" id="{B3D8B992-313F-AA19-ECC1-9BA2DED76D4E}"/>
+                </a:ext>
+              </a:extLst>
+            </p:cNvPr>
+            <p:cNvSpPr txBox="1"/>
+            <p:nvPr/>
+          </p:nvSpPr>
+          <p:spPr>
+            <a:xfrm>
+              <a:off x="1794075" y="3336403"/>
+              <a:ext cx="6470249" cy="796747"/>
+            </a:xfrm>
+            <a:prstGeom prst="rect">
+              <a:avLst/>
+            </a:prstGeom>
+            <a:noFill/>
+          </p:spPr>
+          <p:txBody>
+            <a:bodyPr wrap="square" rtlCol="0">
+              <a:spAutoFit/>
+            </a:bodyPr>
+            <a:lstStyle/>
+            <a:p>
+              <a:pPr algn="ctr"/>
+              <a:r>
+                <a:rPr kumimoji="1" lang="en-US" altLang="ko-KR" sz="4400" b="1" dirty="0">
+                  <a:latin typeface="D2Coding" panose="020B0609020101020101" pitchFamily="49" charset="-127"/>
+                  <a:ea typeface="D2Coding" panose="020B0609020101020101" pitchFamily="49" charset="-127"/>
+                </a:rPr>
+                <a:t>Day 28</a:t>
+              </a:r>
+            </a:p>
+            <a:p>
+              <a:pPr algn="ctr"/>
+              <a:r>
+                <a:rPr kumimoji="1" lang="en" altLang="ko-KR" sz="4400" b="1" dirty="0">
+                  <a:latin typeface="D2Coding" panose="020B0609020101020101" pitchFamily="49" charset="-127"/>
+                  <a:ea typeface="D2Coding" panose="020B0609020101020101" pitchFamily="49" charset="-127"/>
+                </a:rPr>
+                <a:t>Java</a:t>
+              </a:r>
+              <a:r>
+                <a:rPr kumimoji="1" lang="ko-KR" altLang="en-US" sz="4400" b="1" dirty="0">
+                  <a:latin typeface="D2Coding" panose="020B0609020101020101" pitchFamily="49" charset="-127"/>
+                  <a:ea typeface="D2Coding" panose="020B0609020101020101" pitchFamily="49" charset="-127"/>
+                </a:rPr>
+                <a:t>프로그래밍 기초</a:t>
+              </a:r>
+              <a:r>
+                <a:rPr kumimoji="1" lang="en-US" altLang="ko-KR" sz="4400" b="1" dirty="0">
+                  <a:latin typeface="D2Coding" panose="020B0609020101020101" pitchFamily="49" charset="-127"/>
+                  <a:ea typeface="D2Coding" panose="020B0609020101020101" pitchFamily="49" charset="-127"/>
+                </a:rPr>
+                <a:t>(</a:t>
+              </a:r>
+              <a:r>
+                <a:rPr kumimoji="1" lang="ko-KR" altLang="en-US" sz="4400" b="1" dirty="0">
+                  <a:latin typeface="D2Coding" panose="020B0609020101020101" pitchFamily="49" charset="-127"/>
+                  <a:ea typeface="D2Coding" panose="020B0609020101020101" pitchFamily="49" charset="-127"/>
+                </a:rPr>
+                <a:t>추상클래스</a:t>
+              </a:r>
+              <a:r>
+                <a:rPr kumimoji="1" lang="en-US" altLang="ko-KR" sz="4400" b="1" dirty="0">
+                  <a:latin typeface="D2Coding" panose="020B0609020101020101" pitchFamily="49" charset="-127"/>
+                  <a:ea typeface="D2Coding" panose="020B0609020101020101" pitchFamily="49" charset="-127"/>
+                </a:rPr>
+                <a:t>)</a:t>
+              </a:r>
+            </a:p>
+          </p:txBody>
+        </p:sp>
+      </p:grpSp>
+    </p:spTree>
+    <p:extLst>
+      <p:ext uri="{BB962C8B-B14F-4D97-AF65-F5344CB8AC3E}">
+        <p14:creationId xmlns:p14="http://schemas.microsoft.com/office/powerpoint/2010/main" val="2071678266"/>
+      </p:ext>
+    </p:extLst>
+  </p:cSld>
+  <p:clrMapOvr>
+    <a:masterClrMapping/>
+  </p:clrMapOvr>
+</p:sld>
+</file>
+
+<file path=ppt/slides/slide29.xml><?xml version="1.0" encoding="utf-8"?>
+<p:sld xmlns:a="http://schemas.openxmlformats.org/drawingml/2006/main" xmlns:r="http://schemas.openxmlformats.org/officeDocument/2006/relationships" xmlns:p="http://schemas.openxmlformats.org/presentationml/2006/main">
+  <p:cSld>
+    <p:spTree>
+      <p:nvGrpSpPr>
+        <p:cNvPr id="1" name=""/>
+        <p:cNvGrpSpPr/>
+        <p:nvPr/>
+      </p:nvGrpSpPr>
+      <p:grpSpPr>
+        <a:xfrm>
+          <a:off x="0" y="0"/>
+          <a:ext cx="0" cy="0"/>
+          <a:chOff x="0" y="0"/>
+          <a:chExt cx="0" cy="0"/>
+        </a:xfrm>
+      </p:grpSpPr>
+      <p:sp>
+        <p:nvSpPr>
+          <p:cNvPr id="6" name="TextBox 5">
+            <a:extLst>
+              <a:ext uri="{FF2B5EF4-FFF2-40B4-BE49-F238E27FC236}">
+                <a16:creationId xmlns:a16="http://schemas.microsoft.com/office/drawing/2014/main" id="{7BC70131-2A0F-D582-388D-5AB1E95FE6C4}"/>
+              </a:ext>
+            </a:extLst>
+          </p:cNvPr>
+          <p:cNvSpPr txBox="1"/>
+          <p:nvPr/>
+        </p:nvSpPr>
+        <p:spPr>
+          <a:xfrm>
+            <a:off x="1021294" y="3808909"/>
+            <a:ext cx="10149410" cy="1384995"/>
+          </a:xfrm>
+          <a:prstGeom prst="rect">
+            <a:avLst/>
+          </a:prstGeom>
+          <a:noFill/>
+        </p:spPr>
+        <p:txBody>
+          <a:bodyPr wrap="square" rtlCol="0">
+            <a:spAutoFit/>
+          </a:bodyPr>
+          <a:lstStyle/>
+          <a:p>
+            <a:pPr algn="ctr"/>
+            <a:r>
+              <a:rPr kumimoji="1" lang="en-US" altLang="ko-KR" sz="2800" b="1" dirty="0">
+                <a:latin typeface="D2Coding" panose="020B0609020101020101" pitchFamily="49" charset="-127"/>
+                <a:ea typeface="D2Coding" panose="020B0609020101020101" pitchFamily="49" charset="-127"/>
+              </a:rPr>
+              <a:t>Day 56</a:t>
+            </a:r>
+          </a:p>
+          <a:p>
+            <a:pPr algn="ctr"/>
+            <a:r>
+              <a:rPr kumimoji="1" lang="en-US" altLang="ko-KR" sz="2800" b="1" dirty="0">
+                <a:latin typeface="D2Coding" panose="020B0609020101020101" pitchFamily="49" charset="-127"/>
+                <a:ea typeface="D2Coding" panose="020B0609020101020101" pitchFamily="49" charset="-127"/>
+              </a:rPr>
+              <a:t>Java</a:t>
+            </a:r>
+            <a:r>
+              <a:rPr kumimoji="1" lang="ko-KR" altLang="en-US" sz="2800" b="1" dirty="0">
+                <a:latin typeface="D2Coding" panose="020B0609020101020101" pitchFamily="49" charset="-127"/>
+                <a:ea typeface="D2Coding" panose="020B0609020101020101" pitchFamily="49" charset="-127"/>
+              </a:rPr>
+              <a:t>프로그래밍 기초</a:t>
+            </a:r>
+            <a:endParaRPr kumimoji="1" lang="en-US" altLang="ko-KR" sz="2800" b="1" dirty="0">
+              <a:latin typeface="D2Coding" panose="020B0609020101020101" pitchFamily="49" charset="-127"/>
+              <a:ea typeface="D2Coding" panose="020B0609020101020101" pitchFamily="49" charset="-127"/>
+            </a:endParaRPr>
+          </a:p>
+          <a:p>
+            <a:pPr algn="ctr"/>
+            <a:r>
+              <a:rPr kumimoji="1" lang="en-US" altLang="ko-KR" sz="2800" b="1" dirty="0">
+                <a:latin typeface="D2Coding" panose="020B0609020101020101" pitchFamily="49" charset="-127"/>
+                <a:ea typeface="D2Coding" panose="020B0609020101020101" pitchFamily="49" charset="-127"/>
+              </a:rPr>
+              <a:t>JDBC – </a:t>
+            </a:r>
+            <a:r>
+              <a:rPr kumimoji="1" lang="ko-KR" altLang="en-US" sz="2800" b="1" dirty="0">
+                <a:latin typeface="D2Coding" panose="020B0609020101020101" pitchFamily="49" charset="-127"/>
+                <a:ea typeface="D2Coding" panose="020B0609020101020101" pitchFamily="49" charset="-127"/>
+              </a:rPr>
+              <a:t>라이브러리 설치 및 등록</a:t>
+            </a:r>
+          </a:p>
+        </p:txBody>
+      </p:sp>
+      <p:grpSp>
+        <p:nvGrpSpPr>
+          <p:cNvPr id="3" name="그룹 2">
+            <a:extLst>
+              <a:ext uri="{FF2B5EF4-FFF2-40B4-BE49-F238E27FC236}">
+                <a16:creationId xmlns:a16="http://schemas.microsoft.com/office/drawing/2014/main" id="{CCB49D7F-A40B-2950-C3BB-13981C780200}"/>
+              </a:ext>
+            </a:extLst>
+          </p:cNvPr>
+          <p:cNvGrpSpPr/>
+          <p:nvPr/>
+        </p:nvGrpSpPr>
+        <p:grpSpPr>
+          <a:xfrm>
+            <a:off x="0" y="0"/>
+            <a:ext cx="12192000" cy="6858000"/>
+            <a:chOff x="1143000" y="1238490"/>
+            <a:chExt cx="7772400" cy="3777325"/>
+          </a:xfrm>
+        </p:grpSpPr>
+        <p:pic>
+          <p:nvPicPr>
+            <p:cNvPr id="4" name="그림 3" descr="폰트, 로고, 그래픽, 화이트이(가) 표시된 사진&#10;&#10;자동 생성된 설명">
+              <a:extLst>
+                <a:ext uri="{FF2B5EF4-FFF2-40B4-BE49-F238E27FC236}">
+                  <a16:creationId xmlns:a16="http://schemas.microsoft.com/office/drawing/2014/main" id="{B742D47A-36C2-B9F0-BC20-0E30F4A6AEEC}"/>
+                </a:ext>
+              </a:extLst>
+            </p:cNvPr>
+            <p:cNvPicPr>
+              <a:picLocks noChangeAspect="1"/>
+            </p:cNvPicPr>
+            <p:nvPr/>
+          </p:nvPicPr>
+          <p:blipFill>
+            <a:blip r:embed="rId2"/>
+            <a:srcRect t="13650"/>
+            <a:stretch/>
+          </p:blipFill>
+          <p:spPr>
+            <a:xfrm>
+              <a:off x="1143000" y="1238490"/>
+              <a:ext cx="7772400" cy="3777325"/>
+            </a:xfrm>
+            <a:prstGeom prst="rect">
+              <a:avLst/>
+            </a:prstGeom>
+          </p:spPr>
+        </p:pic>
+        <p:sp>
+          <p:nvSpPr>
+            <p:cNvPr id="8" name="TextBox 7">
+              <a:extLst>
+                <a:ext uri="{FF2B5EF4-FFF2-40B4-BE49-F238E27FC236}">
+                  <a16:creationId xmlns:a16="http://schemas.microsoft.com/office/drawing/2014/main" id="{B3D8B992-313F-AA19-ECC1-9BA2DED76D4E}"/>
+                </a:ext>
+              </a:extLst>
+            </p:cNvPr>
+            <p:cNvSpPr txBox="1"/>
+            <p:nvPr/>
+          </p:nvSpPr>
+          <p:spPr>
+            <a:xfrm>
+              <a:off x="1794075" y="3336403"/>
+              <a:ext cx="6470249" cy="796747"/>
+            </a:xfrm>
+            <a:prstGeom prst="rect">
+              <a:avLst/>
+            </a:prstGeom>
+            <a:noFill/>
+          </p:spPr>
+          <p:txBody>
+            <a:bodyPr wrap="square" rtlCol="0">
+              <a:spAutoFit/>
+            </a:bodyPr>
+            <a:lstStyle/>
+            <a:p>
+              <a:pPr algn="ctr"/>
+              <a:r>
+                <a:rPr kumimoji="1" lang="en-US" altLang="ko-KR" sz="4400" b="1" dirty="0">
+                  <a:latin typeface="D2Coding" panose="020B0609020101020101" pitchFamily="49" charset="-127"/>
+                  <a:ea typeface="D2Coding" panose="020B0609020101020101" pitchFamily="49" charset="-127"/>
+                </a:rPr>
+                <a:t>Day 29</a:t>
+              </a:r>
+            </a:p>
+            <a:p>
+              <a:pPr algn="ctr"/>
+              <a:r>
+                <a:rPr kumimoji="1" lang="en" altLang="ko-KR" sz="4400" b="1" dirty="0">
+                  <a:latin typeface="D2Coding" panose="020B0609020101020101" pitchFamily="49" charset="-127"/>
+                  <a:ea typeface="D2Coding" panose="020B0609020101020101" pitchFamily="49" charset="-127"/>
+                </a:rPr>
+                <a:t>Java</a:t>
+              </a:r>
+              <a:r>
+                <a:rPr kumimoji="1" lang="ko-KR" altLang="en-US" sz="4400" b="1" dirty="0">
+                  <a:latin typeface="D2Coding" panose="020B0609020101020101" pitchFamily="49" charset="-127"/>
+                  <a:ea typeface="D2Coding" panose="020B0609020101020101" pitchFamily="49" charset="-127"/>
+                </a:rPr>
+                <a:t>프로그래밍 기초</a:t>
+              </a:r>
+              <a:r>
+                <a:rPr kumimoji="1" lang="en-US" altLang="ko-KR" sz="4400" b="1" dirty="0">
+                  <a:latin typeface="D2Coding" panose="020B0609020101020101" pitchFamily="49" charset="-127"/>
+                  <a:ea typeface="D2Coding" panose="020B0609020101020101" pitchFamily="49" charset="-127"/>
+                </a:rPr>
+                <a:t>(Interface)</a:t>
+              </a:r>
+            </a:p>
+          </p:txBody>
+        </p:sp>
+      </p:grpSp>
+    </p:spTree>
+    <p:extLst>
+      <p:ext uri="{BB962C8B-B14F-4D97-AF65-F5344CB8AC3E}">
+        <p14:creationId xmlns:p14="http://schemas.microsoft.com/office/powerpoint/2010/main" val="2179447766"/>
+      </p:ext>
+    </p:extLst>
+  </p:cSld>
+  <p:clrMapOvr>
+    <a:masterClrMapping/>
+  </p:clrMapOvr>
+</p:sld>
+</file>
+
+<file path=ppt/slides/slide3.xml><?xml version="1.0" encoding="utf-8"?>
 <p:sld xmlns:a="http://schemas.openxmlformats.org/drawingml/2006/main" xmlns:r="http://schemas.openxmlformats.org/officeDocument/2006/relationships" xmlns:p="http://schemas.openxmlformats.org/presentationml/2006/main">
   <p:cSld>
     <p:spTree>
@@ -6319,7 +8766,7 @@
 </p:sld>
 </file>
 
-<file path=ppt/slides/slide20.xml><?xml version="1.0" encoding="utf-8"?>
+<file path=ppt/slides/slide30.xml><?xml version="1.0" encoding="utf-8"?>
 <p:sld xmlns:a="http://schemas.openxmlformats.org/drawingml/2006/main" xmlns:r="http://schemas.openxmlformats.org/officeDocument/2006/relationships" xmlns:p="http://schemas.openxmlformats.org/presentationml/2006/main">
   <p:cSld>
     <p:spTree>
@@ -6496,39 +8943,22 @@
                   <a:latin typeface="D2Coding" panose="020B0609020101020101" pitchFamily="49" charset="-127"/>
                   <a:ea typeface="D2Coding" panose="020B0609020101020101" pitchFamily="49" charset="-127"/>
                 </a:rPr>
-                <a:t>Day 18</a:t>
+                <a:t>Day 30</a:t>
               </a:r>
             </a:p>
             <a:p>
               <a:pPr algn="ctr"/>
               <a:r>
-                <a:rPr kumimoji="1" lang="ko-KR" altLang="en-US" sz="4400" b="1" dirty="0">
-                  <a:latin typeface="D2Coding" panose="020B0609020101020101" pitchFamily="49" charset="-127"/>
-                  <a:ea typeface="D2Coding" panose="020B0609020101020101" pitchFamily="49" charset="-127"/>
-                </a:rPr>
-                <a:t>실습프로젝트</a:t>
-              </a:r>
-              <a:r>
-                <a:rPr kumimoji="1" lang="en-US" altLang="ko-KR" sz="4400" b="1" dirty="0">
-                  <a:latin typeface="D2Coding" panose="020B0609020101020101" pitchFamily="49" charset="-127"/>
-                  <a:ea typeface="D2Coding" panose="020B0609020101020101" pitchFamily="49" charset="-127"/>
-                </a:rPr>
-                <a:t>(</a:t>
-              </a:r>
-              <a:r>
-                <a:rPr kumimoji="1" lang="ko-KR" altLang="en-US" sz="4400" b="1" dirty="0">
-                  <a:latin typeface="D2Coding" panose="020B0609020101020101" pitchFamily="49" charset="-127"/>
-                  <a:ea typeface="D2Coding" panose="020B0609020101020101" pitchFamily="49" charset="-127"/>
-                </a:rPr>
-                <a:t>게시판</a:t>
-              </a:r>
-              <a:r>
-                <a:rPr kumimoji="1" lang="en" altLang="ko-KR" sz="4400" b="1" dirty="0">
-                  <a:latin typeface="D2Coding" panose="020B0609020101020101" pitchFamily="49" charset="-127"/>
-                  <a:ea typeface="D2Coding" panose="020B0609020101020101" pitchFamily="49" charset="-127"/>
-                </a:rPr>
-                <a:t>CRUD)</a:t>
-              </a:r>
+                <a:rPr kumimoji="1" lang="ko-KR" altLang="en-US" sz="4400" b="1" dirty="0" err="1">
+                  <a:latin typeface="D2Coding" panose="020B0609020101020101" pitchFamily="49" charset="-127"/>
+                  <a:ea typeface="D2Coding" panose="020B0609020101020101" pitchFamily="49" charset="-127"/>
+                </a:rPr>
+                <a:t>토이프로젝트</a:t>
+              </a:r>
+              <a:endParaRPr kumimoji="1" lang="en-US" altLang="ko-KR" sz="4400" b="1" dirty="0">
+                <a:latin typeface="D2Coding" panose="020B0609020101020101" pitchFamily="49" charset="-127"/>
+                <a:ea typeface="D2Coding" panose="020B0609020101020101" pitchFamily="49" charset="-127"/>
+              </a:endParaRPr>
             </a:p>
           </p:txBody>
         </p:sp>
@@ -6536,7 +8966,7 @@
     </p:spTree>
     <p:extLst>
       <p:ext uri="{BB962C8B-B14F-4D97-AF65-F5344CB8AC3E}">
-        <p14:creationId xmlns:p14="http://schemas.microsoft.com/office/powerpoint/2010/main" val="132933420"/>
+        <p14:creationId xmlns:p14="http://schemas.microsoft.com/office/powerpoint/2010/main" val="1744878767"/>
       </p:ext>
     </p:extLst>
   </p:cSld>
@@ -6546,248 +8976,7 @@
 </p:sld>
 </file>
 
-<file path=ppt/slides/slide21.xml><?xml version="1.0" encoding="utf-8"?>
-<p:sld xmlns:a="http://schemas.openxmlformats.org/drawingml/2006/main" xmlns:r="http://schemas.openxmlformats.org/officeDocument/2006/relationships" xmlns:p="http://schemas.openxmlformats.org/presentationml/2006/main">
-  <p:cSld>
-    <p:spTree>
-      <p:nvGrpSpPr>
-        <p:cNvPr id="1" name=""/>
-        <p:cNvGrpSpPr/>
-        <p:nvPr/>
-      </p:nvGrpSpPr>
-      <p:grpSpPr>
-        <a:xfrm>
-          <a:off x="0" y="0"/>
-          <a:ext cx="0" cy="0"/>
-          <a:chOff x="0" y="0"/>
-          <a:chExt cx="0" cy="0"/>
-        </a:xfrm>
-      </p:grpSpPr>
-      <p:sp>
-        <p:nvSpPr>
-          <p:cNvPr id="6" name="TextBox 5">
-            <a:extLst>
-              <a:ext uri="{FF2B5EF4-FFF2-40B4-BE49-F238E27FC236}">
-                <a16:creationId xmlns:a16="http://schemas.microsoft.com/office/drawing/2014/main" id="{7BC70131-2A0F-D582-388D-5AB1E95FE6C4}"/>
-              </a:ext>
-            </a:extLst>
-          </p:cNvPr>
-          <p:cNvSpPr txBox="1"/>
-          <p:nvPr/>
-        </p:nvSpPr>
-        <p:spPr>
-          <a:xfrm>
-            <a:off x="1021294" y="3808909"/>
-            <a:ext cx="10149410" cy="1384995"/>
-          </a:xfrm>
-          <a:prstGeom prst="rect">
-            <a:avLst/>
-          </a:prstGeom>
-          <a:noFill/>
-        </p:spPr>
-        <p:txBody>
-          <a:bodyPr wrap="square" rtlCol="0">
-            <a:spAutoFit/>
-          </a:bodyPr>
-          <a:lstStyle/>
-          <a:p>
-            <a:pPr algn="ctr"/>
-            <a:r>
-              <a:rPr kumimoji="1" lang="en-US" altLang="ko-KR" sz="2800" b="1" dirty="0">
-                <a:latin typeface="D2Coding" panose="020B0609020101020101" pitchFamily="49" charset="-127"/>
-                <a:ea typeface="D2Coding" panose="020B0609020101020101" pitchFamily="49" charset="-127"/>
-              </a:rPr>
-              <a:t>Day 56</a:t>
-            </a:r>
-          </a:p>
-          <a:p>
-            <a:pPr algn="ctr"/>
-            <a:r>
-              <a:rPr kumimoji="1" lang="en-US" altLang="ko-KR" sz="2800" b="1" dirty="0">
-                <a:latin typeface="D2Coding" panose="020B0609020101020101" pitchFamily="49" charset="-127"/>
-                <a:ea typeface="D2Coding" panose="020B0609020101020101" pitchFamily="49" charset="-127"/>
-              </a:rPr>
-              <a:t>Java</a:t>
-            </a:r>
-            <a:r>
-              <a:rPr kumimoji="1" lang="ko-KR" altLang="en-US" sz="2800" b="1" dirty="0">
-                <a:latin typeface="D2Coding" panose="020B0609020101020101" pitchFamily="49" charset="-127"/>
-                <a:ea typeface="D2Coding" panose="020B0609020101020101" pitchFamily="49" charset="-127"/>
-              </a:rPr>
-              <a:t>프로그래밍 기초</a:t>
-            </a:r>
-            <a:endParaRPr kumimoji="1" lang="en-US" altLang="ko-KR" sz="2800" b="1" dirty="0">
-              <a:latin typeface="D2Coding" panose="020B0609020101020101" pitchFamily="49" charset="-127"/>
-              <a:ea typeface="D2Coding" panose="020B0609020101020101" pitchFamily="49" charset="-127"/>
-            </a:endParaRPr>
-          </a:p>
-          <a:p>
-            <a:pPr algn="ctr"/>
-            <a:r>
-              <a:rPr kumimoji="1" lang="en-US" altLang="ko-KR" sz="2800" b="1" dirty="0">
-                <a:latin typeface="D2Coding" panose="020B0609020101020101" pitchFamily="49" charset="-127"/>
-                <a:ea typeface="D2Coding" panose="020B0609020101020101" pitchFamily="49" charset="-127"/>
-              </a:rPr>
-              <a:t>JDBC – </a:t>
-            </a:r>
-            <a:r>
-              <a:rPr kumimoji="1" lang="ko-KR" altLang="en-US" sz="2800" b="1" dirty="0">
-                <a:latin typeface="D2Coding" panose="020B0609020101020101" pitchFamily="49" charset="-127"/>
-                <a:ea typeface="D2Coding" panose="020B0609020101020101" pitchFamily="49" charset="-127"/>
-              </a:rPr>
-              <a:t>라이브러리 설치 및 등록</a:t>
-            </a:r>
-          </a:p>
-        </p:txBody>
-      </p:sp>
-      <p:grpSp>
-        <p:nvGrpSpPr>
-          <p:cNvPr id="3" name="그룹 2">
-            <a:extLst>
-              <a:ext uri="{FF2B5EF4-FFF2-40B4-BE49-F238E27FC236}">
-                <a16:creationId xmlns:a16="http://schemas.microsoft.com/office/drawing/2014/main" id="{CCB49D7F-A40B-2950-C3BB-13981C780200}"/>
-              </a:ext>
-            </a:extLst>
-          </p:cNvPr>
-          <p:cNvGrpSpPr/>
-          <p:nvPr/>
-        </p:nvGrpSpPr>
-        <p:grpSpPr>
-          <a:xfrm>
-            <a:off x="0" y="0"/>
-            <a:ext cx="12192000" cy="6858000"/>
-            <a:chOff x="1143000" y="1238490"/>
-            <a:chExt cx="7772400" cy="3777325"/>
-          </a:xfrm>
-        </p:grpSpPr>
-        <p:pic>
-          <p:nvPicPr>
-            <p:cNvPr id="4" name="그림 3" descr="폰트, 로고, 그래픽, 화이트이(가) 표시된 사진&#10;&#10;자동 생성된 설명">
-              <a:extLst>
-                <a:ext uri="{FF2B5EF4-FFF2-40B4-BE49-F238E27FC236}">
-                  <a16:creationId xmlns:a16="http://schemas.microsoft.com/office/drawing/2014/main" id="{B742D47A-36C2-B9F0-BC20-0E30F4A6AEEC}"/>
-                </a:ext>
-              </a:extLst>
-            </p:cNvPr>
-            <p:cNvPicPr>
-              <a:picLocks noChangeAspect="1"/>
-            </p:cNvPicPr>
-            <p:nvPr/>
-          </p:nvPicPr>
-          <p:blipFill>
-            <a:blip r:embed="rId2"/>
-            <a:srcRect t="13650"/>
-            <a:stretch/>
-          </p:blipFill>
-          <p:spPr>
-            <a:xfrm>
-              <a:off x="1143000" y="1238490"/>
-              <a:ext cx="7772400" cy="3777325"/>
-            </a:xfrm>
-            <a:prstGeom prst="rect">
-              <a:avLst/>
-            </a:prstGeom>
-          </p:spPr>
-        </p:pic>
-        <p:sp>
-          <p:nvSpPr>
-            <p:cNvPr id="8" name="TextBox 7">
-              <a:extLst>
-                <a:ext uri="{FF2B5EF4-FFF2-40B4-BE49-F238E27FC236}">
-                  <a16:creationId xmlns:a16="http://schemas.microsoft.com/office/drawing/2014/main" id="{B3D8B992-313F-AA19-ECC1-9BA2DED76D4E}"/>
-                </a:ext>
-              </a:extLst>
-            </p:cNvPr>
-            <p:cNvSpPr txBox="1"/>
-            <p:nvPr/>
-          </p:nvSpPr>
-          <p:spPr>
-            <a:xfrm>
-              <a:off x="1319644" y="3336403"/>
-              <a:ext cx="7419110" cy="796747"/>
-            </a:xfrm>
-            <a:prstGeom prst="rect">
-              <a:avLst/>
-            </a:prstGeom>
-            <a:noFill/>
-          </p:spPr>
-          <p:txBody>
-            <a:bodyPr wrap="square" rtlCol="0">
-              <a:spAutoFit/>
-            </a:bodyPr>
-            <a:lstStyle/>
-            <a:p>
-              <a:pPr algn="ctr"/>
-              <a:r>
-                <a:rPr kumimoji="1" lang="en-US" altLang="ko-KR" sz="4400" b="1" dirty="0">
-                  <a:latin typeface="D2Coding" panose="020B0609020101020101" pitchFamily="49" charset="-127"/>
-                  <a:ea typeface="D2Coding" panose="020B0609020101020101" pitchFamily="49" charset="-127"/>
-                </a:rPr>
-                <a:t>Day 19</a:t>
-              </a:r>
-            </a:p>
-            <a:p>
-              <a:pPr algn="ctr"/>
-              <a:r>
-                <a:rPr kumimoji="1" lang="ko-KR" altLang="en-US" sz="4400" b="1" dirty="0">
-                  <a:latin typeface="D2Coding" panose="020B0609020101020101" pitchFamily="49" charset="-127"/>
-                  <a:ea typeface="D2Coding" panose="020B0609020101020101" pitchFamily="49" charset="-127"/>
-                </a:rPr>
-                <a:t>실습프로젝트</a:t>
-              </a:r>
-              <a:r>
-                <a:rPr kumimoji="1" lang="en-US" altLang="ko-KR" sz="4400" b="1" dirty="0">
-                  <a:latin typeface="D2Coding" panose="020B0609020101020101" pitchFamily="49" charset="-127"/>
-                  <a:ea typeface="D2Coding" panose="020B0609020101020101" pitchFamily="49" charset="-127"/>
-                </a:rPr>
-                <a:t>(</a:t>
-              </a:r>
-              <a:r>
-                <a:rPr kumimoji="1" lang="en" altLang="ko-KR" sz="4400" b="1" dirty="0">
-                  <a:latin typeface="D2Coding" panose="020B0609020101020101" pitchFamily="49" charset="-127"/>
-                  <a:ea typeface="D2Coding" panose="020B0609020101020101" pitchFamily="49" charset="-127"/>
-                </a:rPr>
-                <a:t>Static</a:t>
-              </a:r>
-              <a:r>
-                <a:rPr kumimoji="1" lang="ko-KR" altLang="en-US" sz="4400" b="1" dirty="0">
-                  <a:latin typeface="D2Coding" panose="020B0609020101020101" pitchFamily="49" charset="-127"/>
-                  <a:ea typeface="D2Coding" panose="020B0609020101020101" pitchFamily="49" charset="-127"/>
-                </a:rPr>
-                <a:t>필드</a:t>
-              </a:r>
-              <a:r>
-                <a:rPr kumimoji="1" lang="en-US" altLang="ko-KR" sz="4400" b="1" dirty="0">
-                  <a:latin typeface="D2Coding" panose="020B0609020101020101" pitchFamily="49" charset="-127"/>
-                  <a:ea typeface="D2Coding" panose="020B0609020101020101" pitchFamily="49" charset="-127"/>
-                </a:rPr>
-                <a:t>, </a:t>
-              </a:r>
-              <a:r>
-                <a:rPr kumimoji="1" lang="en" altLang="ko-KR" sz="4400" b="1" dirty="0">
-                  <a:latin typeface="D2Coding" panose="020B0609020101020101" pitchFamily="49" charset="-127"/>
-                  <a:ea typeface="D2Coding" panose="020B0609020101020101" pitchFamily="49" charset="-127"/>
-                </a:rPr>
-                <a:t>High Cohesion)</a:t>
-              </a:r>
-            </a:p>
-          </p:txBody>
-        </p:sp>
-      </p:grpSp>
-    </p:spTree>
-    <p:extLst>
-      <p:ext uri="{BB962C8B-B14F-4D97-AF65-F5344CB8AC3E}">
-        <p14:creationId xmlns:p14="http://schemas.microsoft.com/office/powerpoint/2010/main" val="2018386536"/>
-      </p:ext>
-    </p:extLst>
-  </p:cSld>
-  <p:clrMapOvr>
-    <a:masterClrMapping/>
-  </p:clrMapOvr>
-</p:sld>
-</file>
-
-<file path=ppt/slides/slide22.xml><?xml version="1.0" encoding="utf-8"?>
+<file path=ppt/slides/slide31.xml><?xml version="1.0" encoding="utf-8"?>
 <p:sld xmlns:a="http://schemas.openxmlformats.org/drawingml/2006/main" xmlns:r="http://schemas.openxmlformats.org/officeDocument/2006/relationships" xmlns:p="http://schemas.openxmlformats.org/presentationml/2006/main">
   <p:cSld>
     <p:spTree>
@@ -6964,24 +9153,17 @@
                   <a:latin typeface="D2Coding" panose="020B0609020101020101" pitchFamily="49" charset="-127"/>
                   <a:ea typeface="D2Coding" panose="020B0609020101020101" pitchFamily="49" charset="-127"/>
                 </a:rPr>
-                <a:t>Day 21</a:t>
+                <a:t>Day 30</a:t>
               </a:r>
             </a:p>
             <a:p>
               <a:pPr algn="ctr"/>
               <a:r>
-                <a:rPr kumimoji="1" lang="en" altLang="ko-KR" sz="4400" b="1" dirty="0">
-                  <a:latin typeface="D2Coding" panose="020B0609020101020101" pitchFamily="49" charset="-127"/>
-                  <a:ea typeface="D2Coding" panose="020B0609020101020101" pitchFamily="49" charset="-127"/>
-                </a:rPr>
-                <a:t>Java</a:t>
-              </a:r>
-              <a:r>
                 <a:rPr kumimoji="1" lang="ko-KR" altLang="en-US" sz="4400" b="1" dirty="0">
                   <a:latin typeface="D2Coding" panose="020B0609020101020101" pitchFamily="49" charset="-127"/>
                   <a:ea typeface="D2Coding" panose="020B0609020101020101" pitchFamily="49" charset="-127"/>
                 </a:rPr>
-                <a:t>프로그래밍 기초</a:t>
+                <a:t>실습프로젝트</a:t>
               </a:r>
               <a:r>
                 <a:rPr kumimoji="1" lang="en-US" altLang="ko-KR" sz="4400" b="1" dirty="0">
@@ -6991,18 +9173,11 @@
                 <a:t>(</a:t>
               </a:r>
               <a:r>
-                <a:rPr kumimoji="1" lang="en" altLang="ko-KR" sz="4400" b="1" dirty="0">
-                  <a:latin typeface="D2Coding" panose="020B0609020101020101" pitchFamily="49" charset="-127"/>
-                  <a:ea typeface="D2Coding" panose="020B0609020101020101" pitchFamily="49" charset="-127"/>
-                </a:rPr>
-                <a:t>Object </a:t>
-              </a:r>
-              <a:r>
-                <a:rPr kumimoji="1" lang="ko-KR" altLang="en-US" sz="4400" b="1" dirty="0">
-                  <a:latin typeface="D2Coding" panose="020B0609020101020101" pitchFamily="49" charset="-127"/>
-                  <a:ea typeface="D2Coding" panose="020B0609020101020101" pitchFamily="49" charset="-127"/>
-                </a:rPr>
-                <a:t>클래스</a:t>
+                <a:rPr kumimoji="1" lang="ko-KR" altLang="en-US" sz="4400" b="1" dirty="0" err="1">
+                  <a:latin typeface="D2Coding" panose="020B0609020101020101" pitchFamily="49" charset="-127"/>
+                  <a:ea typeface="D2Coding" panose="020B0609020101020101" pitchFamily="49" charset="-127"/>
+                </a:rPr>
+                <a:t>리팩토링</a:t>
               </a:r>
               <a:r>
                 <a:rPr kumimoji="1" lang="en-US" altLang="ko-KR" sz="4400" b="1" dirty="0">
@@ -7011,10 +9186,6 @@
                 </a:rPr>
                 <a:t>)</a:t>
               </a:r>
-              <a:endParaRPr kumimoji="1" lang="ko-KR" altLang="en-US" sz="4400" b="1" dirty="0">
-                <a:latin typeface="D2Coding" panose="020B0609020101020101" pitchFamily="49" charset="-127"/>
-                <a:ea typeface="D2Coding" panose="020B0609020101020101" pitchFamily="49" charset="-127"/>
-              </a:endParaRPr>
             </a:p>
           </p:txBody>
         </p:sp>
@@ -7022,7 +9193,7 @@
     </p:spTree>
     <p:extLst>
       <p:ext uri="{BB962C8B-B14F-4D97-AF65-F5344CB8AC3E}">
-        <p14:creationId xmlns:p14="http://schemas.microsoft.com/office/powerpoint/2010/main" val="1359212413"/>
+        <p14:creationId xmlns:p14="http://schemas.microsoft.com/office/powerpoint/2010/main" val="3676945370"/>
       </p:ext>
     </p:extLst>
   </p:cSld>
@@ -7032,258 +9203,7 @@
 </p:sld>
 </file>
 
-<file path=ppt/slides/slide23.xml><?xml version="1.0" encoding="utf-8"?>
-<p:sld xmlns:a="http://schemas.openxmlformats.org/drawingml/2006/main" xmlns:r="http://schemas.openxmlformats.org/officeDocument/2006/relationships" xmlns:p="http://schemas.openxmlformats.org/presentationml/2006/main">
-  <p:cSld>
-    <p:spTree>
-      <p:nvGrpSpPr>
-        <p:cNvPr id="1" name=""/>
-        <p:cNvGrpSpPr/>
-        <p:nvPr/>
-      </p:nvGrpSpPr>
-      <p:grpSpPr>
-        <a:xfrm>
-          <a:off x="0" y="0"/>
-          <a:ext cx="0" cy="0"/>
-          <a:chOff x="0" y="0"/>
-          <a:chExt cx="0" cy="0"/>
-        </a:xfrm>
-      </p:grpSpPr>
-      <p:sp>
-        <p:nvSpPr>
-          <p:cNvPr id="6" name="TextBox 5">
-            <a:extLst>
-              <a:ext uri="{FF2B5EF4-FFF2-40B4-BE49-F238E27FC236}">
-                <a16:creationId xmlns:a16="http://schemas.microsoft.com/office/drawing/2014/main" id="{7BC70131-2A0F-D582-388D-5AB1E95FE6C4}"/>
-              </a:ext>
-            </a:extLst>
-          </p:cNvPr>
-          <p:cNvSpPr txBox="1"/>
-          <p:nvPr/>
-        </p:nvSpPr>
-        <p:spPr>
-          <a:xfrm>
-            <a:off x="1021294" y="3808909"/>
-            <a:ext cx="10149410" cy="1384995"/>
-          </a:xfrm>
-          <a:prstGeom prst="rect">
-            <a:avLst/>
-          </a:prstGeom>
-          <a:noFill/>
-        </p:spPr>
-        <p:txBody>
-          <a:bodyPr wrap="square" rtlCol="0">
-            <a:spAutoFit/>
-          </a:bodyPr>
-          <a:lstStyle/>
-          <a:p>
-            <a:pPr algn="ctr"/>
-            <a:r>
-              <a:rPr kumimoji="1" lang="en-US" altLang="ko-KR" sz="2800" b="1" dirty="0">
-                <a:latin typeface="D2Coding" panose="020B0609020101020101" pitchFamily="49" charset="-127"/>
-                <a:ea typeface="D2Coding" panose="020B0609020101020101" pitchFamily="49" charset="-127"/>
-              </a:rPr>
-              <a:t>Day 56</a:t>
-            </a:r>
-          </a:p>
-          <a:p>
-            <a:pPr algn="ctr"/>
-            <a:r>
-              <a:rPr kumimoji="1" lang="en-US" altLang="ko-KR" sz="2800" b="1" dirty="0">
-                <a:latin typeface="D2Coding" panose="020B0609020101020101" pitchFamily="49" charset="-127"/>
-                <a:ea typeface="D2Coding" panose="020B0609020101020101" pitchFamily="49" charset="-127"/>
-              </a:rPr>
-              <a:t>Java</a:t>
-            </a:r>
-            <a:r>
-              <a:rPr kumimoji="1" lang="ko-KR" altLang="en-US" sz="2800" b="1" dirty="0">
-                <a:latin typeface="D2Coding" panose="020B0609020101020101" pitchFamily="49" charset="-127"/>
-                <a:ea typeface="D2Coding" panose="020B0609020101020101" pitchFamily="49" charset="-127"/>
-              </a:rPr>
-              <a:t>프로그래밍 기초</a:t>
-            </a:r>
-            <a:endParaRPr kumimoji="1" lang="en-US" altLang="ko-KR" sz="2800" b="1" dirty="0">
-              <a:latin typeface="D2Coding" panose="020B0609020101020101" pitchFamily="49" charset="-127"/>
-              <a:ea typeface="D2Coding" panose="020B0609020101020101" pitchFamily="49" charset="-127"/>
-            </a:endParaRPr>
-          </a:p>
-          <a:p>
-            <a:pPr algn="ctr"/>
-            <a:r>
-              <a:rPr kumimoji="1" lang="en-US" altLang="ko-KR" sz="2800" b="1" dirty="0">
-                <a:latin typeface="D2Coding" panose="020B0609020101020101" pitchFamily="49" charset="-127"/>
-                <a:ea typeface="D2Coding" panose="020B0609020101020101" pitchFamily="49" charset="-127"/>
-              </a:rPr>
-              <a:t>JDBC – </a:t>
-            </a:r>
-            <a:r>
-              <a:rPr kumimoji="1" lang="ko-KR" altLang="en-US" sz="2800" b="1" dirty="0">
-                <a:latin typeface="D2Coding" panose="020B0609020101020101" pitchFamily="49" charset="-127"/>
-                <a:ea typeface="D2Coding" panose="020B0609020101020101" pitchFamily="49" charset="-127"/>
-              </a:rPr>
-              <a:t>라이브러리 설치 및 등록</a:t>
-            </a:r>
-          </a:p>
-        </p:txBody>
-      </p:sp>
-      <p:grpSp>
-        <p:nvGrpSpPr>
-          <p:cNvPr id="3" name="그룹 2">
-            <a:extLst>
-              <a:ext uri="{FF2B5EF4-FFF2-40B4-BE49-F238E27FC236}">
-                <a16:creationId xmlns:a16="http://schemas.microsoft.com/office/drawing/2014/main" id="{CCB49D7F-A40B-2950-C3BB-13981C780200}"/>
-              </a:ext>
-            </a:extLst>
-          </p:cNvPr>
-          <p:cNvGrpSpPr/>
-          <p:nvPr/>
-        </p:nvGrpSpPr>
-        <p:grpSpPr>
-          <a:xfrm>
-            <a:off x="0" y="0"/>
-            <a:ext cx="12192000" cy="6858000"/>
-            <a:chOff x="1143000" y="1238490"/>
-            <a:chExt cx="7772400" cy="3777325"/>
-          </a:xfrm>
-        </p:grpSpPr>
-        <p:pic>
-          <p:nvPicPr>
-            <p:cNvPr id="4" name="그림 3" descr="폰트, 로고, 그래픽, 화이트이(가) 표시된 사진&#10;&#10;자동 생성된 설명">
-              <a:extLst>
-                <a:ext uri="{FF2B5EF4-FFF2-40B4-BE49-F238E27FC236}">
-                  <a16:creationId xmlns:a16="http://schemas.microsoft.com/office/drawing/2014/main" id="{B742D47A-36C2-B9F0-BC20-0E30F4A6AEEC}"/>
-                </a:ext>
-              </a:extLst>
-            </p:cNvPr>
-            <p:cNvPicPr>
-              <a:picLocks noChangeAspect="1"/>
-            </p:cNvPicPr>
-            <p:nvPr/>
-          </p:nvPicPr>
-          <p:blipFill>
-            <a:blip r:embed="rId2"/>
-            <a:srcRect t="13650"/>
-            <a:stretch/>
-          </p:blipFill>
-          <p:spPr>
-            <a:xfrm>
-              <a:off x="1143000" y="1238490"/>
-              <a:ext cx="7772400" cy="3777325"/>
-            </a:xfrm>
-            <a:prstGeom prst="rect">
-              <a:avLst/>
-            </a:prstGeom>
-          </p:spPr>
-        </p:pic>
-        <p:sp>
-          <p:nvSpPr>
-            <p:cNvPr id="8" name="TextBox 7">
-              <a:extLst>
-                <a:ext uri="{FF2B5EF4-FFF2-40B4-BE49-F238E27FC236}">
-                  <a16:creationId xmlns:a16="http://schemas.microsoft.com/office/drawing/2014/main" id="{B3D8B992-313F-AA19-ECC1-9BA2DED76D4E}"/>
-                </a:ext>
-              </a:extLst>
-            </p:cNvPr>
-            <p:cNvSpPr txBox="1"/>
-            <p:nvPr/>
-          </p:nvSpPr>
-          <p:spPr>
-            <a:xfrm>
-              <a:off x="1423669" y="3336403"/>
-              <a:ext cx="7211061" cy="1169692"/>
-            </a:xfrm>
-            <a:prstGeom prst="rect">
-              <a:avLst/>
-            </a:prstGeom>
-            <a:noFill/>
-          </p:spPr>
-          <p:txBody>
-            <a:bodyPr wrap="square" rtlCol="0">
-              <a:spAutoFit/>
-            </a:bodyPr>
-            <a:lstStyle/>
-            <a:p>
-              <a:pPr algn="ctr"/>
-              <a:r>
-                <a:rPr kumimoji="1" lang="en-US" altLang="ko-KR" sz="4400" b="1" dirty="0">
-                  <a:latin typeface="D2Coding" panose="020B0609020101020101" pitchFamily="49" charset="-127"/>
-                  <a:ea typeface="D2Coding" panose="020B0609020101020101" pitchFamily="49" charset="-127"/>
-                </a:rPr>
-                <a:t>Day 22</a:t>
-              </a:r>
-            </a:p>
-            <a:p>
-              <a:pPr algn="ctr"/>
-              <a:r>
-                <a:rPr kumimoji="1" lang="en" altLang="ko-KR" sz="4400" b="1" dirty="0">
-                  <a:latin typeface="D2Coding" panose="020B0609020101020101" pitchFamily="49" charset="-127"/>
-                  <a:ea typeface="D2Coding" panose="020B0609020101020101" pitchFamily="49" charset="-127"/>
-                </a:rPr>
-                <a:t>Java</a:t>
-              </a:r>
-              <a:r>
-                <a:rPr kumimoji="1" lang="ko-KR" altLang="en-US" sz="4400" b="1" dirty="0">
-                  <a:latin typeface="D2Coding" panose="020B0609020101020101" pitchFamily="49" charset="-127"/>
-                  <a:ea typeface="D2Coding" panose="020B0609020101020101" pitchFamily="49" charset="-127"/>
-                </a:rPr>
-                <a:t>프로그래밍 기초</a:t>
-              </a:r>
-              <a:r>
-                <a:rPr kumimoji="1" lang="en-US" altLang="ko-KR" sz="4400" b="1" dirty="0">
-                  <a:latin typeface="D2Coding" panose="020B0609020101020101" pitchFamily="49" charset="-127"/>
-                  <a:ea typeface="D2Coding" panose="020B0609020101020101" pitchFamily="49" charset="-127"/>
-                </a:rPr>
-                <a:t>(</a:t>
-              </a:r>
-              <a:r>
-                <a:rPr kumimoji="1" lang="en" altLang="ko-KR" sz="4400" b="1" dirty="0">
-                  <a:latin typeface="D2Coding" panose="020B0609020101020101" pitchFamily="49" charset="-127"/>
-                  <a:ea typeface="D2Coding" panose="020B0609020101020101" pitchFamily="49" charset="-127"/>
-                </a:rPr>
-                <a:t>String, Wrapper),</a:t>
-              </a:r>
-            </a:p>
-            <a:p>
-              <a:pPr algn="ctr"/>
-              <a:r>
-                <a:rPr kumimoji="1" lang="ko-KR" altLang="en-US" sz="4400" b="1" dirty="0">
-                  <a:latin typeface="D2Coding" panose="020B0609020101020101" pitchFamily="49" charset="-127"/>
-                  <a:ea typeface="D2Coding" panose="020B0609020101020101" pitchFamily="49" charset="-127"/>
-                </a:rPr>
-                <a:t>실습프로젝트</a:t>
-              </a:r>
-              <a:r>
-                <a:rPr kumimoji="1" lang="en-US" altLang="ko-KR" sz="4400" b="1" dirty="0">
-                  <a:latin typeface="D2Coding" panose="020B0609020101020101" pitchFamily="49" charset="-127"/>
-                  <a:ea typeface="D2Coding" panose="020B0609020101020101" pitchFamily="49" charset="-127"/>
-                </a:rPr>
-                <a:t>(</a:t>
-              </a:r>
-              <a:r>
-                <a:rPr kumimoji="1" lang="en" altLang="ko-KR" sz="4400" b="1" dirty="0">
-                  <a:latin typeface="D2Coding" panose="020B0609020101020101" pitchFamily="49" charset="-127"/>
-                  <a:ea typeface="D2Coding" panose="020B0609020101020101" pitchFamily="49" charset="-127"/>
-                </a:rPr>
-                <a:t>LinkedList)</a:t>
-              </a:r>
-            </a:p>
-          </p:txBody>
-        </p:sp>
-      </p:grpSp>
-    </p:spTree>
-    <p:extLst>
-      <p:ext uri="{BB962C8B-B14F-4D97-AF65-F5344CB8AC3E}">
-        <p14:creationId xmlns:p14="http://schemas.microsoft.com/office/powerpoint/2010/main" val="400716243"/>
-      </p:ext>
-    </p:extLst>
-  </p:cSld>
-  <p:clrMapOvr>
-    <a:masterClrMapping/>
-  </p:clrMapOvr>
-</p:sld>
-</file>
-
-<file path=ppt/slides/slide24.xml><?xml version="1.0" encoding="utf-8"?>
+<file path=ppt/slides/slide32.xml><?xml version="1.0" encoding="utf-8"?>
 <p:sld xmlns:a="http://schemas.openxmlformats.org/drawingml/2006/main" xmlns:r="http://schemas.openxmlformats.org/officeDocument/2006/relationships" xmlns:p="http://schemas.openxmlformats.org/presentationml/2006/main">
   <p:cSld>
     <p:spTree>
@@ -7460,7 +9380,7 @@
                   <a:latin typeface="D2Coding" panose="020B0609020101020101" pitchFamily="49" charset="-127"/>
                   <a:ea typeface="D2Coding" panose="020B0609020101020101" pitchFamily="49" charset="-127"/>
                 </a:rPr>
-                <a:t>Day 23</a:t>
+                <a:t>Day 31</a:t>
               </a:r>
             </a:p>
             <a:p>
@@ -7480,18 +9400,11 @@
                 <a:t>(</a:t>
               </a:r>
               <a:r>
-                <a:rPr kumimoji="1" lang="ko-KR" altLang="en-US" sz="4400" b="1" dirty="0">
-                  <a:latin typeface="D2Coding" panose="020B0609020101020101" pitchFamily="49" charset="-127"/>
-                  <a:ea typeface="D2Coding" panose="020B0609020101020101" pitchFamily="49" charset="-127"/>
-                </a:rPr>
-                <a:t>인터페이스</a:t>
-              </a:r>
-              <a:r>
-                <a:rPr kumimoji="1" lang="en-US" altLang="ko-KR" sz="4400" b="1" dirty="0">
-                  <a:latin typeface="D2Coding" panose="020B0609020101020101" pitchFamily="49" charset="-127"/>
-                  <a:ea typeface="D2Coding" panose="020B0609020101020101" pitchFamily="49" charset="-127"/>
-                </a:rPr>
-                <a:t>)</a:t>
+                <a:rPr kumimoji="1" lang="en" altLang="ko-KR" sz="4400" b="1" dirty="0">
+                  <a:latin typeface="D2Coding" panose="020B0609020101020101" pitchFamily="49" charset="-127"/>
+                  <a:ea typeface="D2Coding" panose="020B0609020101020101" pitchFamily="49" charset="-127"/>
+                </a:rPr>
+                <a:t>DIP, Stack, Queue)</a:t>
               </a:r>
             </a:p>
           </p:txBody>
@@ -7500,7 +9413,7 @@
     </p:spTree>
     <p:extLst>
       <p:ext uri="{BB962C8B-B14F-4D97-AF65-F5344CB8AC3E}">
-        <p14:creationId xmlns:p14="http://schemas.microsoft.com/office/powerpoint/2010/main" val="2035260750"/>
+        <p14:creationId xmlns:p14="http://schemas.microsoft.com/office/powerpoint/2010/main" val="124543319"/>
       </p:ext>
     </p:extLst>
   </p:cSld>
@@ -7510,7 +9423,7 @@
 </p:sld>
 </file>
 
-<file path=ppt/slides/slide25.xml><?xml version="1.0" encoding="utf-8"?>
+<file path=ppt/slides/slide33.xml><?xml version="1.0" encoding="utf-8"?>
 <p:sld xmlns:a="http://schemas.openxmlformats.org/drawingml/2006/main" xmlns:r="http://schemas.openxmlformats.org/officeDocument/2006/relationships" xmlns:p="http://schemas.openxmlformats.org/presentationml/2006/main">
   <p:cSld>
     <p:spTree>
@@ -7687,22 +9600,32 @@
                   <a:latin typeface="D2Coding" panose="020B0609020101020101" pitchFamily="49" charset="-127"/>
                   <a:ea typeface="D2Coding" panose="020B0609020101020101" pitchFamily="49" charset="-127"/>
                 </a:rPr>
-                <a:t>Day 24</a:t>
+                <a:t>Day 32</a:t>
               </a:r>
             </a:p>
             <a:p>
               <a:pPr algn="ctr"/>
               <a:r>
-                <a:rPr kumimoji="1" lang="ko-KR" altLang="en-US" sz="4400" b="1" dirty="0" err="1">
-                  <a:latin typeface="D2Coding" panose="020B0609020101020101" pitchFamily="49" charset="-127"/>
-                  <a:ea typeface="D2Coding" panose="020B0609020101020101" pitchFamily="49" charset="-127"/>
-                </a:rPr>
-                <a:t>토이프로젝트</a:t>
-              </a:r>
-              <a:endParaRPr kumimoji="1" lang="en-US" altLang="ko-KR" sz="4400" b="1" dirty="0">
-                <a:latin typeface="D2Coding" panose="020B0609020101020101" pitchFamily="49" charset="-127"/>
-                <a:ea typeface="D2Coding" panose="020B0609020101020101" pitchFamily="49" charset="-127"/>
-              </a:endParaRPr>
+                <a:rPr kumimoji="1" lang="ko-KR" altLang="en-US" sz="4400" b="1" dirty="0">
+                  <a:latin typeface="D2Coding" panose="020B0609020101020101" pitchFamily="49" charset="-127"/>
+                  <a:ea typeface="D2Coding" panose="020B0609020101020101" pitchFamily="49" charset="-127"/>
+                </a:rPr>
+                <a:t>실습프로젝트</a:t>
+              </a:r>
+              <a:r>
+                <a:rPr kumimoji="1" lang="en-US" altLang="ko-KR" sz="4400" b="1" dirty="0">
+                  <a:latin typeface="D2Coding" panose="020B0609020101020101" pitchFamily="49" charset="-127"/>
+                  <a:ea typeface="D2Coding" panose="020B0609020101020101" pitchFamily="49" charset="-127"/>
+                </a:rPr>
+                <a:t>(Iterator</a:t>
+              </a:r>
+              <a:r>
+                <a:rPr kumimoji="1" lang="en" altLang="ko-KR" sz="4400" b="1" dirty="0">
+                  <a:latin typeface="D2Coding" panose="020B0609020101020101" pitchFamily="49" charset="-127"/>
+                  <a:ea typeface="D2Coding" panose="020B0609020101020101" pitchFamily="49" charset="-127"/>
+                </a:rPr>
+                <a:t>)</a:t>
+              </a:r>
             </a:p>
           </p:txBody>
         </p:sp>
@@ -7710,7 +9633,7 @@
     </p:spTree>
     <p:extLst>
       <p:ext uri="{BB962C8B-B14F-4D97-AF65-F5344CB8AC3E}">
-        <p14:creationId xmlns:p14="http://schemas.microsoft.com/office/powerpoint/2010/main" val="2737429029"/>
+        <p14:creationId xmlns:p14="http://schemas.microsoft.com/office/powerpoint/2010/main" val="2621334354"/>
       </p:ext>
     </p:extLst>
   </p:cSld>
@@ -7720,7 +9643,7 @@
 </p:sld>
 </file>
 
-<file path=ppt/slides/slide26.xml><?xml version="1.0" encoding="utf-8"?>
+<file path=ppt/slides/slide34.xml><?xml version="1.0" encoding="utf-8"?>
 <p:sld xmlns:a="http://schemas.openxmlformats.org/drawingml/2006/main" xmlns:r="http://schemas.openxmlformats.org/officeDocument/2006/relationships" xmlns:p="http://schemas.openxmlformats.org/presentationml/2006/main">
   <p:cSld>
     <p:spTree>
@@ -7897,7 +9820,7 @@
                   <a:latin typeface="D2Coding" panose="020B0609020101020101" pitchFamily="49" charset="-127"/>
                   <a:ea typeface="D2Coding" panose="020B0609020101020101" pitchFamily="49" charset="-127"/>
                 </a:rPr>
-                <a:t>Day 26</a:t>
+                <a:t>Day 33</a:t>
               </a:r>
             </a:p>
             <a:p>
@@ -7928,7 +9851,7 @@
                   <a:latin typeface="D2Coding" panose="020B0609020101020101" pitchFamily="49" charset="-127"/>
                   <a:ea typeface="D2Coding" panose="020B0609020101020101" pitchFamily="49" charset="-127"/>
                 </a:rPr>
-                <a:t>상속</a:t>
+                <a:t>중첩</a:t>
               </a:r>
               <a:r>
                 <a:rPr kumimoji="1" lang="en-US" altLang="ko-KR" sz="4400" b="1" dirty="0">
@@ -7944,7 +9867,7 @@
     </p:spTree>
     <p:extLst>
       <p:ext uri="{BB962C8B-B14F-4D97-AF65-F5344CB8AC3E}">
-        <p14:creationId xmlns:p14="http://schemas.microsoft.com/office/powerpoint/2010/main" val="3714961399"/>
+        <p14:creationId xmlns:p14="http://schemas.microsoft.com/office/powerpoint/2010/main" val="3228353533"/>
       </p:ext>
     </p:extLst>
   </p:cSld>
@@ -7954,7 +9877,7 @@
 </p:sld>
 </file>
 
-<file path=ppt/slides/slide27.xml><?xml version="1.0" encoding="utf-8"?>
+<file path=ppt/slides/slide35.xml><?xml version="1.0" encoding="utf-8"?>
 <p:sld xmlns:a="http://schemas.openxmlformats.org/drawingml/2006/main" xmlns:r="http://schemas.openxmlformats.org/officeDocument/2006/relationships" xmlns:p="http://schemas.openxmlformats.org/presentationml/2006/main">
   <p:cSld>
     <p:spTree>
@@ -8131,45 +10054,31 @@
                   <a:latin typeface="D2Coding" panose="020B0609020101020101" pitchFamily="49" charset="-127"/>
                   <a:ea typeface="D2Coding" panose="020B0609020101020101" pitchFamily="49" charset="-127"/>
                 </a:rPr>
-                <a:t>Day 28</a:t>
+                <a:t>Day 35</a:t>
               </a:r>
             </a:p>
             <a:p>
               <a:pPr algn="ctr"/>
               <a:r>
+                <a:rPr kumimoji="1" lang="ko-KR" altLang="en-US" sz="4400" b="1" dirty="0">
+                  <a:latin typeface="D2Coding" panose="020B0609020101020101" pitchFamily="49" charset="-127"/>
+                  <a:ea typeface="D2Coding" panose="020B0609020101020101" pitchFamily="49" charset="-127"/>
+                </a:rPr>
+                <a:t>실습프로젝트</a:t>
+              </a:r>
+              <a:r>
+                <a:rPr kumimoji="1" lang="en-US" altLang="ko-KR" sz="4400" b="1" dirty="0">
+                  <a:latin typeface="D2Coding" panose="020B0609020101020101" pitchFamily="49" charset="-127"/>
+                  <a:ea typeface="D2Coding" panose="020B0609020101020101" pitchFamily="49" charset="-127"/>
+                </a:rPr>
+                <a:t>(</a:t>
+              </a:r>
+              <a:r>
                 <a:rPr kumimoji="1" lang="en" altLang="ko-KR" sz="4400" b="1" dirty="0">
                   <a:latin typeface="D2Coding" panose="020B0609020101020101" pitchFamily="49" charset="-127"/>
                   <a:ea typeface="D2Coding" panose="020B0609020101020101" pitchFamily="49" charset="-127"/>
                 </a:rPr>
-                <a:t>Java</a:t>
-              </a:r>
-              <a:r>
-                <a:rPr kumimoji="1" lang="ko-KR" altLang="en-US" sz="4400" b="1" dirty="0">
-                  <a:latin typeface="D2Coding" panose="020B0609020101020101" pitchFamily="49" charset="-127"/>
-                  <a:ea typeface="D2Coding" panose="020B0609020101020101" pitchFamily="49" charset="-127"/>
-                </a:rPr>
-                <a:t>프로그래밍 기초</a:t>
-              </a:r>
-              <a:r>
-                <a:rPr kumimoji="1" lang="en-US" altLang="ko-KR" sz="4400" b="1" dirty="0">
-                  <a:latin typeface="D2Coding" panose="020B0609020101020101" pitchFamily="49" charset="-127"/>
-                  <a:ea typeface="D2Coding" panose="020B0609020101020101" pitchFamily="49" charset="-127"/>
-                </a:rPr>
-                <a:t>(</a:t>
-              </a:r>
-              <a:r>
-                <a:rPr kumimoji="1" lang="ko-KR" altLang="en-US" sz="4400" b="1" dirty="0">
-                  <a:latin typeface="D2Coding" panose="020B0609020101020101" pitchFamily="49" charset="-127"/>
-                  <a:ea typeface="D2Coding" panose="020B0609020101020101" pitchFamily="49" charset="-127"/>
-                </a:rPr>
-                <a:t>추상클래스</a:t>
-              </a:r>
-              <a:r>
-                <a:rPr kumimoji="1" lang="en-US" altLang="ko-KR" sz="4400" b="1" dirty="0">
-                  <a:latin typeface="D2Coding" panose="020B0609020101020101" pitchFamily="49" charset="-127"/>
-                  <a:ea typeface="D2Coding" panose="020B0609020101020101" pitchFamily="49" charset="-127"/>
-                </a:rPr>
-                <a:t>)</a:t>
+                <a:t>Composite)</a:t>
               </a:r>
             </a:p>
           </p:txBody>
@@ -8178,7 +10087,7 @@
     </p:spTree>
     <p:extLst>
       <p:ext uri="{BB962C8B-B14F-4D97-AF65-F5344CB8AC3E}">
-        <p14:creationId xmlns:p14="http://schemas.microsoft.com/office/powerpoint/2010/main" val="2071678266"/>
+        <p14:creationId xmlns:p14="http://schemas.microsoft.com/office/powerpoint/2010/main" val="210998734"/>
       </p:ext>
     </p:extLst>
   </p:cSld>
@@ -8188,7 +10097,7 @@
 </p:sld>
 </file>
 
-<file path=ppt/slides/slide28.xml><?xml version="1.0" encoding="utf-8"?>
+<file path=ppt/slides/slide36.xml><?xml version="1.0" encoding="utf-8"?>
 <p:sld xmlns:a="http://schemas.openxmlformats.org/drawingml/2006/main" xmlns:r="http://schemas.openxmlformats.org/officeDocument/2006/relationships" xmlns:p="http://schemas.openxmlformats.org/presentationml/2006/main">
   <p:cSld>
     <p:spTree>
@@ -8365,13 +10274,13 @@
                   <a:latin typeface="D2Coding" panose="020B0609020101020101" pitchFamily="49" charset="-127"/>
                   <a:ea typeface="D2Coding" panose="020B0609020101020101" pitchFamily="49" charset="-127"/>
                 </a:rPr>
-                <a:t>Day 29</a:t>
+                <a:t>Day 36</a:t>
               </a:r>
             </a:p>
             <a:p>
               <a:pPr algn="ctr"/>
               <a:r>
-                <a:rPr kumimoji="1" lang="en" altLang="ko-KR" sz="4400" b="1" dirty="0">
+                <a:rPr kumimoji="1" lang="en-US" altLang="ko-KR" sz="4400" b="1" dirty="0">
                   <a:latin typeface="D2Coding" panose="020B0609020101020101" pitchFamily="49" charset="-127"/>
                   <a:ea typeface="D2Coding" panose="020B0609020101020101" pitchFamily="49" charset="-127"/>
                 </a:rPr>
@@ -8389,8 +10298,26 @@
                   <a:latin typeface="D2Coding" panose="020B0609020101020101" pitchFamily="49" charset="-127"/>
                   <a:ea typeface="D2Coding" panose="020B0609020101020101" pitchFamily="49" charset="-127"/>
                 </a:rPr>
-                <a:t>(Interface)</a:t>
-              </a:r>
+                <a:t>(</a:t>
+              </a:r>
+              <a:r>
+                <a:rPr kumimoji="1" lang="ko-KR" altLang="en-US" sz="4400" b="1" dirty="0" err="1">
+                  <a:latin typeface="D2Coding" panose="020B0609020101020101" pitchFamily="49" charset="-127"/>
+                  <a:ea typeface="D2Coding" panose="020B0609020101020101" pitchFamily="49" charset="-127"/>
+                </a:rPr>
+                <a:t>람다식</a:t>
+              </a:r>
+              <a:r>
+                <a:rPr kumimoji="1" lang="en-US" altLang="ko-KR" sz="4400" b="1" dirty="0">
+                  <a:latin typeface="D2Coding" panose="020B0609020101020101" pitchFamily="49" charset="-127"/>
+                  <a:ea typeface="D2Coding" panose="020B0609020101020101" pitchFamily="49" charset="-127"/>
+                </a:rPr>
+                <a:t>)</a:t>
+              </a:r>
+              <a:endParaRPr kumimoji="1" lang="ko-KR" altLang="en-US" sz="4400" b="1" dirty="0">
+                <a:latin typeface="D2Coding" panose="020B0609020101020101" pitchFamily="49" charset="-127"/>
+                <a:ea typeface="D2Coding" panose="020B0609020101020101" pitchFamily="49" charset="-127"/>
+              </a:endParaRPr>
             </a:p>
           </p:txBody>
         </p:sp>
@@ -8398,7 +10325,7 @@
     </p:spTree>
     <p:extLst>
       <p:ext uri="{BB962C8B-B14F-4D97-AF65-F5344CB8AC3E}">
-        <p14:creationId xmlns:p14="http://schemas.microsoft.com/office/powerpoint/2010/main" val="2179447766"/>
+        <p14:creationId xmlns:p14="http://schemas.microsoft.com/office/powerpoint/2010/main" val="1353930985"/>
       </p:ext>
     </p:extLst>
   </p:cSld>
@@ -8408,7 +10335,7 @@
 </p:sld>
 </file>
 
-<file path=ppt/slides/slide29.xml><?xml version="1.0" encoding="utf-8"?>
+<file path=ppt/slides/slide37.xml><?xml version="1.0" encoding="utf-8"?>
 <p:sld xmlns:a="http://schemas.openxmlformats.org/drawingml/2006/main" xmlns:r="http://schemas.openxmlformats.org/officeDocument/2006/relationships" xmlns:p="http://schemas.openxmlformats.org/presentationml/2006/main">
   <p:cSld>
     <p:spTree>
@@ -8585,19 +10512,47 @@
                   <a:latin typeface="D2Coding" panose="020B0609020101020101" pitchFamily="49" charset="-127"/>
                   <a:ea typeface="D2Coding" panose="020B0609020101020101" pitchFamily="49" charset="-127"/>
                 </a:rPr>
-                <a:t>Day 30</a:t>
+                <a:t>Day 37</a:t>
               </a:r>
             </a:p>
             <a:p>
               <a:pPr algn="ctr"/>
               <a:r>
-                <a:rPr kumimoji="1" lang="ko-KR" altLang="en-US" sz="4400" b="1" dirty="0" err="1">
-                  <a:latin typeface="D2Coding" panose="020B0609020101020101" pitchFamily="49" charset="-127"/>
-                  <a:ea typeface="D2Coding" panose="020B0609020101020101" pitchFamily="49" charset="-127"/>
-                </a:rPr>
-                <a:t>토이프로젝트</a:t>
-              </a:r>
-              <a:endParaRPr kumimoji="1" lang="en-US" altLang="ko-KR" sz="4400" b="1" dirty="0">
+                <a:rPr kumimoji="1" lang="en-US" altLang="ko-KR" sz="4400" b="1" dirty="0">
+                  <a:latin typeface="D2Coding" panose="020B0609020101020101" pitchFamily="49" charset="-127"/>
+                  <a:ea typeface="D2Coding" panose="020B0609020101020101" pitchFamily="49" charset="-127"/>
+                </a:rPr>
+                <a:t>Java</a:t>
+              </a:r>
+              <a:r>
+                <a:rPr kumimoji="1" lang="ko-KR" altLang="en-US" sz="4400" b="1" dirty="0">
+                  <a:latin typeface="D2Coding" panose="020B0609020101020101" pitchFamily="49" charset="-127"/>
+                  <a:ea typeface="D2Coding" panose="020B0609020101020101" pitchFamily="49" charset="-127"/>
+                </a:rPr>
+                <a:t>프로그래밍 기초</a:t>
+              </a:r>
+              <a:r>
+                <a:rPr kumimoji="1" lang="en-US" altLang="ko-KR" sz="4400" b="1" dirty="0">
+                  <a:latin typeface="D2Coding" panose="020B0609020101020101" pitchFamily="49" charset="-127"/>
+                  <a:ea typeface="D2Coding" panose="020B0609020101020101" pitchFamily="49" charset="-127"/>
+                </a:rPr>
+                <a:t>(</a:t>
+              </a:r>
+              <a:r>
+                <a:rPr kumimoji="1" lang="ko-KR" altLang="en-US" sz="4400" b="1" dirty="0">
+                  <a:latin typeface="D2Coding" panose="020B0609020101020101" pitchFamily="49" charset="-127"/>
+                  <a:ea typeface="D2Coding" panose="020B0609020101020101" pitchFamily="49" charset="-127"/>
+                </a:rPr>
+                <a:t>메서드 레퍼런스</a:t>
+              </a:r>
+              <a:r>
+                <a:rPr kumimoji="1" lang="en-US" altLang="ko-KR" sz="4400" b="1" dirty="0">
+                  <a:latin typeface="D2Coding" panose="020B0609020101020101" pitchFamily="49" charset="-127"/>
+                  <a:ea typeface="D2Coding" panose="020B0609020101020101" pitchFamily="49" charset="-127"/>
+                </a:rPr>
+                <a:t>)</a:t>
+              </a:r>
+              <a:endParaRPr kumimoji="1" lang="ko-KR" altLang="en-US" sz="4400" b="1" dirty="0">
                 <a:latin typeface="D2Coding" panose="020B0609020101020101" pitchFamily="49" charset="-127"/>
                 <a:ea typeface="D2Coding" panose="020B0609020101020101" pitchFamily="49" charset="-127"/>
               </a:endParaRPr>
@@ -8608,7 +10563,7 @@
     </p:spTree>
     <p:extLst>
       <p:ext uri="{BB962C8B-B14F-4D97-AF65-F5344CB8AC3E}">
-        <p14:creationId xmlns:p14="http://schemas.microsoft.com/office/powerpoint/2010/main" val="1744878767"/>
+        <p14:creationId xmlns:p14="http://schemas.microsoft.com/office/powerpoint/2010/main" val="1514596453"/>
       </p:ext>
     </p:extLst>
   </p:cSld>
@@ -8618,7 +10573,7 @@
 </p:sld>
 </file>
 
-<file path=ppt/slides/slide3.xml><?xml version="1.0" encoding="utf-8"?>
+<file path=ppt/slides/slide38.xml><?xml version="1.0" encoding="utf-8"?>
 <p:sld xmlns:a="http://schemas.openxmlformats.org/drawingml/2006/main" xmlns:r="http://schemas.openxmlformats.org/officeDocument/2006/relationships" xmlns:p="http://schemas.openxmlformats.org/presentationml/2006/main">
   <p:cSld>
     <p:spTree>
@@ -8795,24 +10750,24 @@
                   <a:latin typeface="D2Coding" panose="020B0609020101020101" pitchFamily="49" charset="-127"/>
                   <a:ea typeface="D2Coding" panose="020B0609020101020101" pitchFamily="49" charset="-127"/>
                 </a:rPr>
-                <a:t>Day 01</a:t>
+                <a:t>Day 38</a:t>
               </a:r>
             </a:p>
             <a:p>
               <a:pPr algn="ctr"/>
               <a:r>
+                <a:rPr kumimoji="1" lang="ko-KR" altLang="en-US" sz="4400" b="1" dirty="0">
+                  <a:latin typeface="D2Coding" panose="020B0609020101020101" pitchFamily="49" charset="-127"/>
+                  <a:ea typeface="D2Coding" panose="020B0609020101020101" pitchFamily="49" charset="-127"/>
+                </a:rPr>
+                <a:t>실습프로젝트</a:t>
+              </a:r>
+              <a:r>
                 <a:rPr kumimoji="1" lang="en-US" altLang="ko-KR" sz="4400" b="1" dirty="0">
                   <a:latin typeface="D2Coding" panose="020B0609020101020101" pitchFamily="49" charset="-127"/>
                   <a:ea typeface="D2Coding" panose="020B0609020101020101" pitchFamily="49" charset="-127"/>
                 </a:rPr>
-                <a:t>OT, </a:t>
-              </a:r>
-              <a:r>
-                <a:rPr kumimoji="1" lang="en-US" altLang="ko-KR" sz="4400" b="1" dirty="0" err="1">
-                  <a:latin typeface="D2Coding" panose="020B0609020101020101" pitchFamily="49" charset="-127"/>
-                  <a:ea typeface="D2Coding" panose="020B0609020101020101" pitchFamily="49" charset="-127"/>
-                </a:rPr>
-                <a:t>WebApplication</a:t>
+                <a:t>(File I/O)</a:t>
               </a:r>
               <a:endParaRPr kumimoji="1" lang="ko-KR" altLang="en-US" sz="4400" b="1" dirty="0">
                 <a:latin typeface="D2Coding" panose="020B0609020101020101" pitchFamily="49" charset="-127"/>
@@ -8825,7 +10780,7 @@
     </p:spTree>
     <p:extLst>
       <p:ext uri="{BB962C8B-B14F-4D97-AF65-F5344CB8AC3E}">
-        <p14:creationId xmlns:p14="http://schemas.microsoft.com/office/powerpoint/2010/main" val="2084646219"/>
+        <p14:creationId xmlns:p14="http://schemas.microsoft.com/office/powerpoint/2010/main" val="289168757"/>
       </p:ext>
     </p:extLst>
   </p:cSld>
@@ -8835,7 +10790,7 @@
 </p:sld>
 </file>
 
-<file path=ppt/slides/slide30.xml><?xml version="1.0" encoding="utf-8"?>
+<file path=ppt/slides/slide39.xml><?xml version="1.0" encoding="utf-8"?>
 <p:sld xmlns:a="http://schemas.openxmlformats.org/drawingml/2006/main" xmlns:r="http://schemas.openxmlformats.org/officeDocument/2006/relationships" xmlns:p="http://schemas.openxmlformats.org/presentationml/2006/main">
   <p:cSld>
     <p:spTree>
@@ -9012,7 +10967,7 @@
                   <a:latin typeface="D2Coding" panose="020B0609020101020101" pitchFamily="49" charset="-127"/>
                   <a:ea typeface="D2Coding" panose="020B0609020101020101" pitchFamily="49" charset="-127"/>
                 </a:rPr>
-                <a:t>Day 30</a:t>
+                <a:t>Day 39</a:t>
               </a:r>
             </a:p>
             <a:p>
@@ -9029,22 +10984,12 @@
                   <a:latin typeface="D2Coding" panose="020B0609020101020101" pitchFamily="49" charset="-127"/>
                   <a:ea typeface="D2Coding" panose="020B0609020101020101" pitchFamily="49" charset="-127"/>
                 </a:rPr>
-                <a:t>(</a:t>
-              </a:r>
-              <a:r>
-                <a:rPr kumimoji="1" lang="ko-KR" altLang="en-US" sz="4400" b="1" dirty="0" err="1">
-                  <a:latin typeface="D2Coding" panose="020B0609020101020101" pitchFamily="49" charset="-127"/>
-                  <a:ea typeface="D2Coding" panose="020B0609020101020101" pitchFamily="49" charset="-127"/>
-                </a:rPr>
-                <a:t>리팩토링</a:t>
-              </a:r>
-              <a:r>
-                <a:rPr kumimoji="1" lang="en-US" altLang="ko-KR" sz="4400" b="1" dirty="0">
-                  <a:latin typeface="D2Coding" panose="020B0609020101020101" pitchFamily="49" charset="-127"/>
-                  <a:ea typeface="D2Coding" panose="020B0609020101020101" pitchFamily="49" charset="-127"/>
-                </a:rPr>
-                <a:t>)</a:t>
-              </a:r>
+                <a:t>(File I/O 2)</a:t>
+              </a:r>
+              <a:endParaRPr kumimoji="1" lang="ko-KR" altLang="en-US" sz="4400" b="1" dirty="0">
+                <a:latin typeface="D2Coding" panose="020B0609020101020101" pitchFamily="49" charset="-127"/>
+                <a:ea typeface="D2Coding" panose="020B0609020101020101" pitchFamily="49" charset="-127"/>
+              </a:endParaRPr>
             </a:p>
           </p:txBody>
         </p:sp>
@@ -9052,7 +10997,7 @@
     </p:spTree>
     <p:extLst>
       <p:ext uri="{BB962C8B-B14F-4D97-AF65-F5344CB8AC3E}">
-        <p14:creationId xmlns:p14="http://schemas.microsoft.com/office/powerpoint/2010/main" val="3676945370"/>
+        <p14:creationId xmlns:p14="http://schemas.microsoft.com/office/powerpoint/2010/main" val="1994758580"/>
       </p:ext>
     </p:extLst>
   </p:cSld>
@@ -9062,7 +11007,7 @@
 </p:sld>
 </file>
 
-<file path=ppt/slides/slide31.xml><?xml version="1.0" encoding="utf-8"?>
+<file path=ppt/slides/slide4.xml><?xml version="1.0" encoding="utf-8"?>
 <p:sld xmlns:a="http://schemas.openxmlformats.org/drawingml/2006/main" xmlns:r="http://schemas.openxmlformats.org/officeDocument/2006/relationships" xmlns:p="http://schemas.openxmlformats.org/presentationml/2006/main">
   <p:cSld>
     <p:spTree>
@@ -9239,32 +11184,29 @@
                   <a:latin typeface="D2Coding" panose="020B0609020101020101" pitchFamily="49" charset="-127"/>
                   <a:ea typeface="D2Coding" panose="020B0609020101020101" pitchFamily="49" charset="-127"/>
                 </a:rPr>
-                <a:t>Day 31</a:t>
+                <a:t>Day 01</a:t>
               </a:r>
             </a:p>
             <a:p>
               <a:pPr algn="ctr"/>
               <a:r>
-                <a:rPr kumimoji="1" lang="ko-KR" altLang="en-US" sz="4400" b="1" dirty="0">
-                  <a:latin typeface="D2Coding" panose="020B0609020101020101" pitchFamily="49" charset="-127"/>
-                  <a:ea typeface="D2Coding" panose="020B0609020101020101" pitchFamily="49" charset="-127"/>
-                </a:rPr>
-                <a:t>실습프로젝트</a:t>
-              </a:r>
-              <a:r>
                 <a:rPr kumimoji="1" lang="en-US" altLang="ko-KR" sz="4400" b="1" dirty="0">
                   <a:latin typeface="D2Coding" panose="020B0609020101020101" pitchFamily="49" charset="-127"/>
                   <a:ea typeface="D2Coding" panose="020B0609020101020101" pitchFamily="49" charset="-127"/>
                 </a:rPr>
-                <a:t>(</a:t>
-              </a:r>
-              <a:r>
-                <a:rPr kumimoji="1" lang="en" altLang="ko-KR" sz="4400" b="1" dirty="0">
-                  <a:latin typeface="D2Coding" panose="020B0609020101020101" pitchFamily="49" charset="-127"/>
-                  <a:ea typeface="D2Coding" panose="020B0609020101020101" pitchFamily="49" charset="-127"/>
-                </a:rPr>
-                <a:t>DIP, Stack, Queue)</a:t>
-              </a:r>
+                <a:t>OT, </a:t>
+              </a:r>
+              <a:r>
+                <a:rPr kumimoji="1" lang="en-US" altLang="ko-KR" sz="4400" b="1" dirty="0" err="1">
+                  <a:latin typeface="D2Coding" panose="020B0609020101020101" pitchFamily="49" charset="-127"/>
+                  <a:ea typeface="D2Coding" panose="020B0609020101020101" pitchFamily="49" charset="-127"/>
+                </a:rPr>
+                <a:t>WebApplication</a:t>
+              </a:r>
+              <a:endParaRPr kumimoji="1" lang="ko-KR" altLang="en-US" sz="4400" b="1" dirty="0">
+                <a:latin typeface="D2Coding" panose="020B0609020101020101" pitchFamily="49" charset="-127"/>
+                <a:ea typeface="D2Coding" panose="020B0609020101020101" pitchFamily="49" charset="-127"/>
+              </a:endParaRPr>
             </a:p>
           </p:txBody>
         </p:sp>
@@ -9272,7 +11214,7 @@
     </p:spTree>
     <p:extLst>
       <p:ext uri="{BB962C8B-B14F-4D97-AF65-F5344CB8AC3E}">
-        <p14:creationId xmlns:p14="http://schemas.microsoft.com/office/powerpoint/2010/main" val="124543319"/>
+        <p14:creationId xmlns:p14="http://schemas.microsoft.com/office/powerpoint/2010/main" val="2084646219"/>
       </p:ext>
     </p:extLst>
   </p:cSld>
@@ -9282,7 +11224,7 @@
 </p:sld>
 </file>
 
-<file path=ppt/slides/slide32.xml><?xml version="1.0" encoding="utf-8"?>
+<file path=ppt/slides/slide40.xml><?xml version="1.0" encoding="utf-8"?>
 <p:sld xmlns:a="http://schemas.openxmlformats.org/drawingml/2006/main" xmlns:r="http://schemas.openxmlformats.org/officeDocument/2006/relationships" xmlns:p="http://schemas.openxmlformats.org/presentationml/2006/main">
   <p:cSld>
     <p:spTree>
@@ -9459,7 +11401,7 @@
                   <a:latin typeface="D2Coding" panose="020B0609020101020101" pitchFamily="49" charset="-127"/>
                   <a:ea typeface="D2Coding" panose="020B0609020101020101" pitchFamily="49" charset="-127"/>
                 </a:rPr>
-                <a:t>Day 32</a:t>
+                <a:t>Day 40</a:t>
               </a:r>
             </a:p>
             <a:p>
@@ -9476,15 +11418,26 @@
                   <a:latin typeface="D2Coding" panose="020B0609020101020101" pitchFamily="49" charset="-127"/>
                   <a:ea typeface="D2Coding" panose="020B0609020101020101" pitchFamily="49" charset="-127"/>
                 </a:rPr>
-                <a:t>(Iterator</a:t>
-              </a:r>
-              <a:r>
-                <a:rPr kumimoji="1" lang="en" altLang="ko-KR" sz="4400" b="1" dirty="0">
-                  <a:latin typeface="D2Coding" panose="020B0609020101020101" pitchFamily="49" charset="-127"/>
-                  <a:ea typeface="D2Coding" panose="020B0609020101020101" pitchFamily="49" charset="-127"/>
-                </a:rPr>
-                <a:t>)</a:t>
-              </a:r>
+                <a:t>(</a:t>
+              </a:r>
+              <a:r>
+                <a:rPr kumimoji="1" lang="en-US" altLang="ko-KR" sz="4400" b="1" dirty="0" err="1">
+                  <a:latin typeface="D2Coding" panose="020B0609020101020101" pitchFamily="49" charset="-127"/>
+                  <a:ea typeface="D2Coding" panose="020B0609020101020101" pitchFamily="49" charset="-127"/>
+                </a:rPr>
+                <a:t>Gson</a:t>
+              </a:r>
+              <a:r>
+                <a:rPr kumimoji="1" lang="en-US" altLang="ko-KR" sz="4400" b="1" dirty="0">
+                  <a:latin typeface="D2Coding" panose="020B0609020101020101" pitchFamily="49" charset="-127"/>
+                  <a:ea typeface="D2Coding" panose="020B0609020101020101" pitchFamily="49" charset="-127"/>
+                </a:rPr>
+                <a:t>, Generic)</a:t>
+              </a:r>
+              <a:endParaRPr kumimoji="1" lang="ko-KR" altLang="en-US" sz="4400" b="1" dirty="0">
+                <a:latin typeface="D2Coding" panose="020B0609020101020101" pitchFamily="49" charset="-127"/>
+                <a:ea typeface="D2Coding" panose="020B0609020101020101" pitchFamily="49" charset="-127"/>
+              </a:endParaRPr>
             </a:p>
           </p:txBody>
         </p:sp>
@@ -9492,7 +11445,7 @@
     </p:spTree>
     <p:extLst>
       <p:ext uri="{BB962C8B-B14F-4D97-AF65-F5344CB8AC3E}">
-        <p14:creationId xmlns:p14="http://schemas.microsoft.com/office/powerpoint/2010/main" val="2621334354"/>
+        <p14:creationId xmlns:p14="http://schemas.microsoft.com/office/powerpoint/2010/main" val="3793694102"/>
       </p:ext>
     </p:extLst>
   </p:cSld>
@@ -9502,7 +11455,7 @@
 </p:sld>
 </file>
 
-<file path=ppt/slides/slide33.xml><?xml version="1.0" encoding="utf-8"?>
+<file path=ppt/slides/slide41.xml><?xml version="1.0" encoding="utf-8"?>
 <p:sld xmlns:a="http://schemas.openxmlformats.org/drawingml/2006/main" xmlns:r="http://schemas.openxmlformats.org/officeDocument/2006/relationships" xmlns:p="http://schemas.openxmlformats.org/presentationml/2006/main">
   <p:cSld>
     <p:spTree>
@@ -9679,13 +11632,13 @@
                   <a:latin typeface="D2Coding" panose="020B0609020101020101" pitchFamily="49" charset="-127"/>
                   <a:ea typeface="D2Coding" panose="020B0609020101020101" pitchFamily="49" charset="-127"/>
                 </a:rPr>
-                <a:t>Day 33</a:t>
+                <a:t>Day 41</a:t>
               </a:r>
             </a:p>
             <a:p>
               <a:pPr algn="ctr"/>
               <a:r>
-                <a:rPr kumimoji="1" lang="en" altLang="ko-KR" sz="4400" b="1" dirty="0">
+                <a:rPr kumimoji="1" lang="en-US" altLang="ko-KR" sz="4400" b="1" dirty="0">
                   <a:latin typeface="D2Coding" panose="020B0609020101020101" pitchFamily="49" charset="-127"/>
                   <a:ea typeface="D2Coding" panose="020B0609020101020101" pitchFamily="49" charset="-127"/>
                 </a:rPr>
@@ -9703,22 +11656,12 @@
                   <a:latin typeface="D2Coding" panose="020B0609020101020101" pitchFamily="49" charset="-127"/>
                   <a:ea typeface="D2Coding" panose="020B0609020101020101" pitchFamily="49" charset="-127"/>
                 </a:rPr>
-                <a:t>(</a:t>
-              </a:r>
-              <a:r>
-                <a:rPr kumimoji="1" lang="ko-KR" altLang="en-US" sz="4400" b="1" dirty="0">
-                  <a:latin typeface="D2Coding" panose="020B0609020101020101" pitchFamily="49" charset="-127"/>
-                  <a:ea typeface="D2Coding" panose="020B0609020101020101" pitchFamily="49" charset="-127"/>
-                </a:rPr>
-                <a:t>중첩</a:t>
-              </a:r>
-              <a:r>
-                <a:rPr kumimoji="1" lang="en-US" altLang="ko-KR" sz="4400" b="1" dirty="0">
-                  <a:latin typeface="D2Coding" panose="020B0609020101020101" pitchFamily="49" charset="-127"/>
-                  <a:ea typeface="D2Coding" panose="020B0609020101020101" pitchFamily="49" charset="-127"/>
-                </a:rPr>
-                <a:t>)</a:t>
-              </a:r>
+                <a:t>(File I/O)</a:t>
+              </a:r>
+              <a:endParaRPr kumimoji="1" lang="ko-KR" altLang="en-US" sz="4400" b="1" dirty="0">
+                <a:latin typeface="D2Coding" panose="020B0609020101020101" pitchFamily="49" charset="-127"/>
+                <a:ea typeface="D2Coding" panose="020B0609020101020101" pitchFamily="49" charset="-127"/>
+              </a:endParaRPr>
             </a:p>
           </p:txBody>
         </p:sp>
@@ -9726,7 +11669,7 @@
     </p:spTree>
     <p:extLst>
       <p:ext uri="{BB962C8B-B14F-4D97-AF65-F5344CB8AC3E}">
-        <p14:creationId xmlns:p14="http://schemas.microsoft.com/office/powerpoint/2010/main" val="3228353533"/>
+        <p14:creationId xmlns:p14="http://schemas.microsoft.com/office/powerpoint/2010/main" val="1935892323"/>
       </p:ext>
     </p:extLst>
   </p:cSld>
@@ -9736,7 +11679,7 @@
 </p:sld>
 </file>
 
-<file path=ppt/slides/slide34.xml><?xml version="1.0" encoding="utf-8"?>
+<file path=ppt/slides/slide42.xml><?xml version="1.0" encoding="utf-8"?>
 <p:sld xmlns:a="http://schemas.openxmlformats.org/drawingml/2006/main" xmlns:r="http://schemas.openxmlformats.org/officeDocument/2006/relationships" xmlns:p="http://schemas.openxmlformats.org/presentationml/2006/main">
   <p:cSld>
     <p:spTree>
@@ -9913,7 +11856,7 @@
                   <a:latin typeface="D2Coding" panose="020B0609020101020101" pitchFamily="49" charset="-127"/>
                   <a:ea typeface="D2Coding" panose="020B0609020101020101" pitchFamily="49" charset="-127"/>
                 </a:rPr>
-                <a:t>Day 35</a:t>
+                <a:t>Day 42</a:t>
               </a:r>
             </a:p>
             <a:p>
@@ -9930,15 +11873,12 @@
                   <a:latin typeface="D2Coding" panose="020B0609020101020101" pitchFamily="49" charset="-127"/>
                   <a:ea typeface="D2Coding" panose="020B0609020101020101" pitchFamily="49" charset="-127"/>
                 </a:rPr>
-                <a:t>(</a:t>
-              </a:r>
-              <a:r>
-                <a:rPr kumimoji="1" lang="en" altLang="ko-KR" sz="4400" b="1" dirty="0">
-                  <a:latin typeface="D2Coding" panose="020B0609020101020101" pitchFamily="49" charset="-127"/>
-                  <a:ea typeface="D2Coding" panose="020B0609020101020101" pitchFamily="49" charset="-127"/>
-                </a:rPr>
-                <a:t>Composite)</a:t>
-              </a:r>
+                <a:t>(Decorator)</a:t>
+              </a:r>
+              <a:endParaRPr kumimoji="1" lang="ko-KR" altLang="en-US" sz="4400" b="1" dirty="0">
+                <a:latin typeface="D2Coding" panose="020B0609020101020101" pitchFamily="49" charset="-127"/>
+                <a:ea typeface="D2Coding" panose="020B0609020101020101" pitchFamily="49" charset="-127"/>
+              </a:endParaRPr>
             </a:p>
           </p:txBody>
         </p:sp>
@@ -9946,7 +11886,7 @@
     </p:spTree>
     <p:extLst>
       <p:ext uri="{BB962C8B-B14F-4D97-AF65-F5344CB8AC3E}">
-        <p14:creationId xmlns:p14="http://schemas.microsoft.com/office/powerpoint/2010/main" val="210998734"/>
+        <p14:creationId xmlns:p14="http://schemas.microsoft.com/office/powerpoint/2010/main" val="4284783367"/>
       </p:ext>
     </p:extLst>
   </p:cSld>
@@ -9956,7 +11896,7 @@
 </p:sld>
 </file>
 
-<file path=ppt/slides/slide35.xml><?xml version="1.0" encoding="utf-8"?>
+<file path=ppt/slides/slide43.xml><?xml version="1.0" encoding="utf-8"?>
 <p:sld xmlns:a="http://schemas.openxmlformats.org/drawingml/2006/main" xmlns:r="http://schemas.openxmlformats.org/officeDocument/2006/relationships" xmlns:p="http://schemas.openxmlformats.org/presentationml/2006/main">
   <p:cSld>
     <p:spTree>
@@ -10133,45 +12073,24 @@
                   <a:latin typeface="D2Coding" panose="020B0609020101020101" pitchFamily="49" charset="-127"/>
                   <a:ea typeface="D2Coding" panose="020B0609020101020101" pitchFamily="49" charset="-127"/>
                 </a:rPr>
-                <a:t>Day 36</a:t>
+                <a:t>Day 44</a:t>
               </a:r>
             </a:p>
             <a:p>
               <a:pPr algn="ctr"/>
               <a:r>
+                <a:rPr kumimoji="1" lang="ko-KR" altLang="en-US" sz="4400" b="1" dirty="0">
+                  <a:latin typeface="D2Coding" panose="020B0609020101020101" pitchFamily="49" charset="-127"/>
+                  <a:ea typeface="D2Coding" panose="020B0609020101020101" pitchFamily="49" charset="-127"/>
+                </a:rPr>
+                <a:t>실습프로젝트</a:t>
+              </a:r>
+              <a:r>
                 <a:rPr kumimoji="1" lang="en-US" altLang="ko-KR" sz="4400" b="1" dirty="0">
                   <a:latin typeface="D2Coding" panose="020B0609020101020101" pitchFamily="49" charset="-127"/>
                   <a:ea typeface="D2Coding" panose="020B0609020101020101" pitchFamily="49" charset="-127"/>
                 </a:rPr>
-                <a:t>Java</a:t>
-              </a:r>
-              <a:r>
-                <a:rPr kumimoji="1" lang="ko-KR" altLang="en-US" sz="4400" b="1" dirty="0">
-                  <a:latin typeface="D2Coding" panose="020B0609020101020101" pitchFamily="49" charset="-127"/>
-                  <a:ea typeface="D2Coding" panose="020B0609020101020101" pitchFamily="49" charset="-127"/>
-                </a:rPr>
-                <a:t>프로그래밍 기초</a:t>
-              </a:r>
-              <a:r>
-                <a:rPr kumimoji="1" lang="en-US" altLang="ko-KR" sz="4400" b="1" dirty="0">
-                  <a:latin typeface="D2Coding" panose="020B0609020101020101" pitchFamily="49" charset="-127"/>
-                  <a:ea typeface="D2Coding" panose="020B0609020101020101" pitchFamily="49" charset="-127"/>
-                </a:rPr>
-                <a:t>(</a:t>
-              </a:r>
-              <a:r>
-                <a:rPr kumimoji="1" lang="ko-KR" altLang="en-US" sz="4400" b="1" dirty="0" err="1">
-                  <a:latin typeface="D2Coding" panose="020B0609020101020101" pitchFamily="49" charset="-127"/>
-                  <a:ea typeface="D2Coding" panose="020B0609020101020101" pitchFamily="49" charset="-127"/>
-                </a:rPr>
-                <a:t>람다식</a:t>
-              </a:r>
-              <a:r>
-                <a:rPr kumimoji="1" lang="en-US" altLang="ko-KR" sz="4400" b="1" dirty="0">
-                  <a:latin typeface="D2Coding" panose="020B0609020101020101" pitchFamily="49" charset="-127"/>
-                  <a:ea typeface="D2Coding" panose="020B0609020101020101" pitchFamily="49" charset="-127"/>
-                </a:rPr>
-                <a:t>)</a:t>
+                <a:t>(Observer)</a:t>
               </a:r>
               <a:endParaRPr kumimoji="1" lang="ko-KR" altLang="en-US" sz="4400" b="1" dirty="0">
                 <a:latin typeface="D2Coding" panose="020B0609020101020101" pitchFamily="49" charset="-127"/>
@@ -10184,7 +12103,7 @@
     </p:spTree>
     <p:extLst>
       <p:ext uri="{BB962C8B-B14F-4D97-AF65-F5344CB8AC3E}">
-        <p14:creationId xmlns:p14="http://schemas.microsoft.com/office/powerpoint/2010/main" val="1353930985"/>
+        <p14:creationId xmlns:p14="http://schemas.microsoft.com/office/powerpoint/2010/main" val="2899385986"/>
       </p:ext>
     </p:extLst>
   </p:cSld>
@@ -10194,7 +12113,7 @@
 </p:sld>
 </file>
 
-<file path=ppt/slides/slide36.xml><?xml version="1.0" encoding="utf-8"?>
+<file path=ppt/slides/slide44.xml><?xml version="1.0" encoding="utf-8"?>
 <p:sld xmlns:a="http://schemas.openxmlformats.org/drawingml/2006/main" xmlns:r="http://schemas.openxmlformats.org/officeDocument/2006/relationships" xmlns:p="http://schemas.openxmlformats.org/presentationml/2006/main">
   <p:cSld>
     <p:spTree>
@@ -10371,7 +12290,7 @@
                   <a:latin typeface="D2Coding" panose="020B0609020101020101" pitchFamily="49" charset="-127"/>
                   <a:ea typeface="D2Coding" panose="020B0609020101020101" pitchFamily="49" charset="-127"/>
                 </a:rPr>
-                <a:t>Day 37</a:t>
+                <a:t>Day 45</a:t>
               </a:r>
             </a:p>
             <a:p>
@@ -10395,21 +12314,7 @@
                   <a:latin typeface="D2Coding" panose="020B0609020101020101" pitchFamily="49" charset="-127"/>
                   <a:ea typeface="D2Coding" panose="020B0609020101020101" pitchFamily="49" charset="-127"/>
                 </a:rPr>
-                <a:t>(</a:t>
-              </a:r>
-              <a:r>
-                <a:rPr kumimoji="1" lang="ko-KR" altLang="en-US" sz="4400" b="1" dirty="0">
-                  <a:latin typeface="D2Coding" panose="020B0609020101020101" pitchFamily="49" charset="-127"/>
-                  <a:ea typeface="D2Coding" panose="020B0609020101020101" pitchFamily="49" charset="-127"/>
-                </a:rPr>
-                <a:t>메서드 레퍼런스</a:t>
-              </a:r>
-              <a:r>
-                <a:rPr kumimoji="1" lang="en-US" altLang="ko-KR" sz="4400" b="1" dirty="0">
-                  <a:latin typeface="D2Coding" panose="020B0609020101020101" pitchFamily="49" charset="-127"/>
-                  <a:ea typeface="D2Coding" panose="020B0609020101020101" pitchFamily="49" charset="-127"/>
-                </a:rPr>
-                <a:t>)</a:t>
+                <a:t>(Network)</a:t>
               </a:r>
               <a:endParaRPr kumimoji="1" lang="ko-KR" altLang="en-US" sz="4400" b="1" dirty="0">
                 <a:latin typeface="D2Coding" panose="020B0609020101020101" pitchFamily="49" charset="-127"/>
@@ -10422,7 +12327,7 @@
     </p:spTree>
     <p:extLst>
       <p:ext uri="{BB962C8B-B14F-4D97-AF65-F5344CB8AC3E}">
-        <p14:creationId xmlns:p14="http://schemas.microsoft.com/office/powerpoint/2010/main" val="1514596453"/>
+        <p14:creationId xmlns:p14="http://schemas.microsoft.com/office/powerpoint/2010/main" val="2217921325"/>
       </p:ext>
     </p:extLst>
   </p:cSld>
@@ -10432,7 +12337,238 @@
 </p:sld>
 </file>
 
-<file path=ppt/slides/slide37.xml><?xml version="1.0" encoding="utf-8"?>
+<file path=ppt/slides/slide45.xml><?xml version="1.0" encoding="utf-8"?>
+<p:sld xmlns:a="http://schemas.openxmlformats.org/drawingml/2006/main" xmlns:r="http://schemas.openxmlformats.org/officeDocument/2006/relationships" xmlns:p="http://schemas.openxmlformats.org/presentationml/2006/main">
+  <p:cSld>
+    <p:spTree>
+      <p:nvGrpSpPr>
+        <p:cNvPr id="1" name=""/>
+        <p:cNvGrpSpPr/>
+        <p:nvPr/>
+      </p:nvGrpSpPr>
+      <p:grpSpPr>
+        <a:xfrm>
+          <a:off x="0" y="0"/>
+          <a:ext cx="0" cy="0"/>
+          <a:chOff x="0" y="0"/>
+          <a:chExt cx="0" cy="0"/>
+        </a:xfrm>
+      </p:grpSpPr>
+      <p:sp>
+        <p:nvSpPr>
+          <p:cNvPr id="6" name="TextBox 5">
+            <a:extLst>
+              <a:ext uri="{FF2B5EF4-FFF2-40B4-BE49-F238E27FC236}">
+                <a16:creationId xmlns:a16="http://schemas.microsoft.com/office/drawing/2014/main" id="{7BC70131-2A0F-D582-388D-5AB1E95FE6C4}"/>
+              </a:ext>
+            </a:extLst>
+          </p:cNvPr>
+          <p:cNvSpPr txBox="1"/>
+          <p:nvPr/>
+        </p:nvSpPr>
+        <p:spPr>
+          <a:xfrm>
+            <a:off x="1021294" y="3808909"/>
+            <a:ext cx="10149410" cy="1384995"/>
+          </a:xfrm>
+          <a:prstGeom prst="rect">
+            <a:avLst/>
+          </a:prstGeom>
+          <a:noFill/>
+        </p:spPr>
+        <p:txBody>
+          <a:bodyPr wrap="square" rtlCol="0">
+            <a:spAutoFit/>
+          </a:bodyPr>
+          <a:lstStyle/>
+          <a:p>
+            <a:pPr algn="ctr"/>
+            <a:r>
+              <a:rPr kumimoji="1" lang="en-US" altLang="ko-KR" sz="2800" b="1" dirty="0">
+                <a:latin typeface="D2Coding" panose="020B0609020101020101" pitchFamily="49" charset="-127"/>
+                <a:ea typeface="D2Coding" panose="020B0609020101020101" pitchFamily="49" charset="-127"/>
+              </a:rPr>
+              <a:t>Day 56</a:t>
+            </a:r>
+          </a:p>
+          <a:p>
+            <a:pPr algn="ctr"/>
+            <a:r>
+              <a:rPr kumimoji="1" lang="en-US" altLang="ko-KR" sz="2800" b="1" dirty="0">
+                <a:latin typeface="D2Coding" panose="020B0609020101020101" pitchFamily="49" charset="-127"/>
+                <a:ea typeface="D2Coding" panose="020B0609020101020101" pitchFamily="49" charset="-127"/>
+              </a:rPr>
+              <a:t>Java</a:t>
+            </a:r>
+            <a:r>
+              <a:rPr kumimoji="1" lang="ko-KR" altLang="en-US" sz="2800" b="1" dirty="0">
+                <a:latin typeface="D2Coding" panose="020B0609020101020101" pitchFamily="49" charset="-127"/>
+                <a:ea typeface="D2Coding" panose="020B0609020101020101" pitchFamily="49" charset="-127"/>
+              </a:rPr>
+              <a:t>프로그래밍 기초</a:t>
+            </a:r>
+            <a:endParaRPr kumimoji="1" lang="en-US" altLang="ko-KR" sz="2800" b="1" dirty="0">
+              <a:latin typeface="D2Coding" panose="020B0609020101020101" pitchFamily="49" charset="-127"/>
+              <a:ea typeface="D2Coding" panose="020B0609020101020101" pitchFamily="49" charset="-127"/>
+            </a:endParaRPr>
+          </a:p>
+          <a:p>
+            <a:pPr algn="ctr"/>
+            <a:r>
+              <a:rPr kumimoji="1" lang="en-US" altLang="ko-KR" sz="2800" b="1" dirty="0">
+                <a:latin typeface="D2Coding" panose="020B0609020101020101" pitchFamily="49" charset="-127"/>
+                <a:ea typeface="D2Coding" panose="020B0609020101020101" pitchFamily="49" charset="-127"/>
+              </a:rPr>
+              <a:t>JDBC – </a:t>
+            </a:r>
+            <a:r>
+              <a:rPr kumimoji="1" lang="ko-KR" altLang="en-US" sz="2800" b="1" dirty="0">
+                <a:latin typeface="D2Coding" panose="020B0609020101020101" pitchFamily="49" charset="-127"/>
+                <a:ea typeface="D2Coding" panose="020B0609020101020101" pitchFamily="49" charset="-127"/>
+              </a:rPr>
+              <a:t>라이브러리 설치 및 등록</a:t>
+            </a:r>
+          </a:p>
+        </p:txBody>
+      </p:sp>
+      <p:grpSp>
+        <p:nvGrpSpPr>
+          <p:cNvPr id="3" name="그룹 2">
+            <a:extLst>
+              <a:ext uri="{FF2B5EF4-FFF2-40B4-BE49-F238E27FC236}">
+                <a16:creationId xmlns:a16="http://schemas.microsoft.com/office/drawing/2014/main" id="{CCB49D7F-A40B-2950-C3BB-13981C780200}"/>
+              </a:ext>
+            </a:extLst>
+          </p:cNvPr>
+          <p:cNvGrpSpPr/>
+          <p:nvPr/>
+        </p:nvGrpSpPr>
+        <p:grpSpPr>
+          <a:xfrm>
+            <a:off x="0" y="0"/>
+            <a:ext cx="12192000" cy="6858000"/>
+            <a:chOff x="1143000" y="1238490"/>
+            <a:chExt cx="7772400" cy="3777325"/>
+          </a:xfrm>
+        </p:grpSpPr>
+        <p:pic>
+          <p:nvPicPr>
+            <p:cNvPr id="4" name="그림 3" descr="폰트, 로고, 그래픽, 화이트이(가) 표시된 사진&#10;&#10;자동 생성된 설명">
+              <a:extLst>
+                <a:ext uri="{FF2B5EF4-FFF2-40B4-BE49-F238E27FC236}">
+                  <a16:creationId xmlns:a16="http://schemas.microsoft.com/office/drawing/2014/main" id="{B742D47A-36C2-B9F0-BC20-0E30F4A6AEEC}"/>
+                </a:ext>
+              </a:extLst>
+            </p:cNvPr>
+            <p:cNvPicPr>
+              <a:picLocks noChangeAspect="1"/>
+            </p:cNvPicPr>
+            <p:nvPr/>
+          </p:nvPicPr>
+          <p:blipFill>
+            <a:blip r:embed="rId2"/>
+            <a:srcRect t="13650"/>
+            <a:stretch/>
+          </p:blipFill>
+          <p:spPr>
+            <a:xfrm>
+              <a:off x="1143000" y="1238490"/>
+              <a:ext cx="7772400" cy="3777325"/>
+            </a:xfrm>
+            <a:prstGeom prst="rect">
+              <a:avLst/>
+            </a:prstGeom>
+          </p:spPr>
+        </p:pic>
+        <p:sp>
+          <p:nvSpPr>
+            <p:cNvPr id="8" name="TextBox 7">
+              <a:extLst>
+                <a:ext uri="{FF2B5EF4-FFF2-40B4-BE49-F238E27FC236}">
+                  <a16:creationId xmlns:a16="http://schemas.microsoft.com/office/drawing/2014/main" id="{B3D8B992-313F-AA19-ECC1-9BA2DED76D4E}"/>
+                </a:ext>
+              </a:extLst>
+            </p:cNvPr>
+            <p:cNvSpPr txBox="1"/>
+            <p:nvPr/>
+          </p:nvSpPr>
+          <p:spPr>
+            <a:xfrm>
+              <a:off x="1794075" y="3336403"/>
+              <a:ext cx="6470249" cy="1169692"/>
+            </a:xfrm>
+            <a:prstGeom prst="rect">
+              <a:avLst/>
+            </a:prstGeom>
+            <a:noFill/>
+          </p:spPr>
+          <p:txBody>
+            <a:bodyPr wrap="square" rtlCol="0">
+              <a:spAutoFit/>
+            </a:bodyPr>
+            <a:lstStyle/>
+            <a:p>
+              <a:pPr algn="ctr"/>
+              <a:r>
+                <a:rPr kumimoji="1" lang="en-US" altLang="ko-KR" sz="4400" b="1" dirty="0">
+                  <a:latin typeface="D2Coding" panose="020B0609020101020101" pitchFamily="49" charset="-127"/>
+                  <a:ea typeface="D2Coding" panose="020B0609020101020101" pitchFamily="49" charset="-127"/>
+                </a:rPr>
+                <a:t>Day 46</a:t>
+              </a:r>
+            </a:p>
+            <a:p>
+              <a:pPr algn="ctr"/>
+              <a:r>
+                <a:rPr kumimoji="1" lang="en-US" altLang="ko-KR" sz="4400" b="1" dirty="0">
+                  <a:latin typeface="D2Coding" panose="020B0609020101020101" pitchFamily="49" charset="-127"/>
+                  <a:ea typeface="D2Coding" panose="020B0609020101020101" pitchFamily="49" charset="-127"/>
+                </a:rPr>
+                <a:t>Java</a:t>
+              </a:r>
+              <a:r>
+                <a:rPr kumimoji="1" lang="ko-KR" altLang="en-US" sz="4400" b="1" dirty="0">
+                  <a:latin typeface="D2Coding" panose="020B0609020101020101" pitchFamily="49" charset="-127"/>
+                  <a:ea typeface="D2Coding" panose="020B0609020101020101" pitchFamily="49" charset="-127"/>
+                </a:rPr>
+                <a:t>프로그래밍 기초</a:t>
+              </a:r>
+              <a:r>
+                <a:rPr kumimoji="1" lang="en-US" altLang="ko-KR" sz="4400" b="1" dirty="0">
+                  <a:latin typeface="D2Coding" panose="020B0609020101020101" pitchFamily="49" charset="-127"/>
+                  <a:ea typeface="D2Coding" panose="020B0609020101020101" pitchFamily="49" charset="-127"/>
+                </a:rPr>
+                <a:t>(Network)</a:t>
+              </a:r>
+              <a:endParaRPr kumimoji="1" lang="ko-KR" altLang="en-US" sz="4400" b="1" dirty="0">
+                <a:latin typeface="D2Coding" panose="020B0609020101020101" pitchFamily="49" charset="-127"/>
+                <a:ea typeface="D2Coding" panose="020B0609020101020101" pitchFamily="49" charset="-127"/>
+              </a:endParaRPr>
+            </a:p>
+            <a:p>
+              <a:pPr algn="ctr"/>
+              <a:endParaRPr kumimoji="1" lang="ko-KR" altLang="en-US" sz="4400" b="1" dirty="0">
+                <a:latin typeface="D2Coding" panose="020B0609020101020101" pitchFamily="49" charset="-127"/>
+                <a:ea typeface="D2Coding" panose="020B0609020101020101" pitchFamily="49" charset="-127"/>
+              </a:endParaRPr>
+            </a:p>
+          </p:txBody>
+        </p:sp>
+      </p:grpSp>
+    </p:spTree>
+    <p:extLst>
+      <p:ext uri="{BB962C8B-B14F-4D97-AF65-F5344CB8AC3E}">
+        <p14:creationId xmlns:p14="http://schemas.microsoft.com/office/powerpoint/2010/main" val="3855682810"/>
+      </p:ext>
+    </p:extLst>
+  </p:cSld>
+  <p:clrMapOvr>
+    <a:masterClrMapping/>
+  </p:clrMapOvr>
+</p:sld>
+</file>
+
+<file path=ppt/slides/slide46.xml><?xml version="1.0" encoding="utf-8"?>
 <p:sld xmlns:a="http://schemas.openxmlformats.org/drawingml/2006/main" xmlns:r="http://schemas.openxmlformats.org/officeDocument/2006/relationships" xmlns:p="http://schemas.openxmlformats.org/presentationml/2006/main">
   <p:cSld>
     <p:spTree>
@@ -10609,24 +12745,31 @@
                   <a:latin typeface="D2Coding" panose="020B0609020101020101" pitchFamily="49" charset="-127"/>
                   <a:ea typeface="D2Coding" panose="020B0609020101020101" pitchFamily="49" charset="-127"/>
                 </a:rPr>
-                <a:t>Day 38</a:t>
+                <a:t>Day 48</a:t>
               </a:r>
             </a:p>
             <a:p>
               <a:pPr algn="ctr"/>
               <a:r>
+                <a:rPr kumimoji="1" lang="en-US" altLang="ko-KR" sz="4400" b="1" dirty="0">
+                  <a:latin typeface="D2Coding" panose="020B0609020101020101" pitchFamily="49" charset="-127"/>
+                  <a:ea typeface="D2Coding" panose="020B0609020101020101" pitchFamily="49" charset="-127"/>
+                </a:rPr>
+                <a:t>Java</a:t>
+              </a:r>
+              <a:r>
                 <a:rPr kumimoji="1" lang="ko-KR" altLang="en-US" sz="4400" b="1" dirty="0">
                   <a:latin typeface="D2Coding" panose="020B0609020101020101" pitchFamily="49" charset="-127"/>
                   <a:ea typeface="D2Coding" panose="020B0609020101020101" pitchFamily="49" charset="-127"/>
                 </a:rPr>
-                <a:t>실습프로젝트</a:t>
+                <a:t>프로그래밍 기초</a:t>
               </a:r>
               <a:r>
                 <a:rPr kumimoji="1" lang="en-US" altLang="ko-KR" sz="4400" b="1" dirty="0">
                   <a:latin typeface="D2Coding" panose="020B0609020101020101" pitchFamily="49" charset="-127"/>
                   <a:ea typeface="D2Coding" panose="020B0609020101020101" pitchFamily="49" charset="-127"/>
                 </a:rPr>
-                <a:t>(File I/O)</a:t>
+                <a:t>(Thread)</a:t>
               </a:r>
               <a:endParaRPr kumimoji="1" lang="ko-KR" altLang="en-US" sz="4400" b="1" dirty="0">
                 <a:latin typeface="D2Coding" panose="020B0609020101020101" pitchFamily="49" charset="-127"/>
@@ -10639,7 +12782,7 @@
     </p:spTree>
     <p:extLst>
       <p:ext uri="{BB962C8B-B14F-4D97-AF65-F5344CB8AC3E}">
-        <p14:creationId xmlns:p14="http://schemas.microsoft.com/office/powerpoint/2010/main" val="289168757"/>
+        <p14:creationId xmlns:p14="http://schemas.microsoft.com/office/powerpoint/2010/main" val="2696677069"/>
       </p:ext>
     </p:extLst>
   </p:cSld>
@@ -10649,7 +12792,7 @@
 </p:sld>
 </file>
 
-<file path=ppt/slides/slide38.xml><?xml version="1.0" encoding="utf-8"?>
+<file path=ppt/slides/slide47.xml><?xml version="1.0" encoding="utf-8"?>
 <p:sld xmlns:a="http://schemas.openxmlformats.org/drawingml/2006/main" xmlns:r="http://schemas.openxmlformats.org/officeDocument/2006/relationships" xmlns:p="http://schemas.openxmlformats.org/presentationml/2006/main">
   <p:cSld>
     <p:spTree>
@@ -10826,29 +12969,39 @@
                   <a:latin typeface="D2Coding" panose="020B0609020101020101" pitchFamily="49" charset="-127"/>
                   <a:ea typeface="D2Coding" panose="020B0609020101020101" pitchFamily="49" charset="-127"/>
                 </a:rPr>
-                <a:t>Day 39</a:t>
+                <a:t>Day 51</a:t>
               </a:r>
             </a:p>
             <a:p>
               <a:pPr algn="ctr"/>
               <a:r>
+                <a:rPr kumimoji="1" lang="en" altLang="ko-KR" sz="4400" b="1" dirty="0">
+                  <a:latin typeface="D2Coding" panose="020B0609020101020101" pitchFamily="49" charset="-127"/>
+                  <a:ea typeface="D2Coding" panose="020B0609020101020101" pitchFamily="49" charset="-127"/>
+                </a:rPr>
+                <a:t>MySQL</a:t>
+              </a:r>
+              <a:r>
                 <a:rPr kumimoji="1" lang="ko-KR" altLang="en-US" sz="4400" b="1" dirty="0">
                   <a:latin typeface="D2Coding" panose="020B0609020101020101" pitchFamily="49" charset="-127"/>
                   <a:ea typeface="D2Coding" panose="020B0609020101020101" pitchFamily="49" charset="-127"/>
                 </a:rPr>
-                <a:t>실습프로젝트</a:t>
+                <a:t>기초</a:t>
               </a:r>
               <a:r>
                 <a:rPr kumimoji="1" lang="en-US" altLang="ko-KR" sz="4400" b="1" dirty="0">
                   <a:latin typeface="D2Coding" panose="020B0609020101020101" pitchFamily="49" charset="-127"/>
                   <a:ea typeface="D2Coding" panose="020B0609020101020101" pitchFamily="49" charset="-127"/>
                 </a:rPr>
-                <a:t>(File I/O 2)</a:t>
-              </a:r>
-              <a:endParaRPr kumimoji="1" lang="ko-KR" altLang="en-US" sz="4400" b="1" dirty="0">
-                <a:latin typeface="D2Coding" panose="020B0609020101020101" pitchFamily="49" charset="-127"/>
-                <a:ea typeface="D2Coding" panose="020B0609020101020101" pitchFamily="49" charset="-127"/>
-              </a:endParaRPr>
+                <a:t>(</a:t>
+              </a:r>
+              <a:r>
+                <a:rPr kumimoji="1" lang="en" altLang="ko-KR" sz="4400" b="1" dirty="0">
+                  <a:latin typeface="D2Coding" panose="020B0609020101020101" pitchFamily="49" charset="-127"/>
+                  <a:ea typeface="D2Coding" panose="020B0609020101020101" pitchFamily="49" charset="-127"/>
+                </a:rPr>
+                <a:t>DDL)</a:t>
+              </a:r>
             </a:p>
           </p:txBody>
         </p:sp>
@@ -10856,7 +13009,7 @@
     </p:spTree>
     <p:extLst>
       <p:ext uri="{BB962C8B-B14F-4D97-AF65-F5344CB8AC3E}">
-        <p14:creationId xmlns:p14="http://schemas.microsoft.com/office/powerpoint/2010/main" val="1994758580"/>
+        <p14:creationId xmlns:p14="http://schemas.microsoft.com/office/powerpoint/2010/main" val="3125174358"/>
       </p:ext>
     </p:extLst>
   </p:cSld>
@@ -10866,7 +13019,7 @@
 </p:sld>
 </file>
 
-<file path=ppt/slides/slide39.xml><?xml version="1.0" encoding="utf-8"?>
+<file path=ppt/slides/slide48.xml><?xml version="1.0" encoding="utf-8"?>
 <p:sld xmlns:a="http://schemas.openxmlformats.org/drawingml/2006/main" xmlns:r="http://schemas.openxmlformats.org/officeDocument/2006/relationships" xmlns:p="http://schemas.openxmlformats.org/presentationml/2006/main">
   <p:cSld>
     <p:spTree>
@@ -11043,38 +13196,31 @@
                   <a:latin typeface="D2Coding" panose="020B0609020101020101" pitchFamily="49" charset="-127"/>
                   <a:ea typeface="D2Coding" panose="020B0609020101020101" pitchFamily="49" charset="-127"/>
                 </a:rPr>
-                <a:t>Day 40</a:t>
+                <a:t>Day 52</a:t>
               </a:r>
             </a:p>
             <a:p>
               <a:pPr algn="ctr"/>
               <a:r>
+                <a:rPr kumimoji="1" lang="en-US" altLang="ko-KR" sz="4400" b="1" dirty="0">
+                  <a:latin typeface="D2Coding" panose="020B0609020101020101" pitchFamily="49" charset="-127"/>
+                  <a:ea typeface="D2Coding" panose="020B0609020101020101" pitchFamily="49" charset="-127"/>
+                </a:rPr>
+                <a:t>MySQL</a:t>
+              </a:r>
+              <a:r>
                 <a:rPr kumimoji="1" lang="ko-KR" altLang="en-US" sz="4400" b="1" dirty="0">
                   <a:latin typeface="D2Coding" panose="020B0609020101020101" pitchFamily="49" charset="-127"/>
                   <a:ea typeface="D2Coding" panose="020B0609020101020101" pitchFamily="49" charset="-127"/>
                 </a:rPr>
-                <a:t>실습프로젝트</a:t>
+                <a:t>기초</a:t>
               </a:r>
               <a:r>
                 <a:rPr kumimoji="1" lang="en-US" altLang="ko-KR" sz="4400" b="1" dirty="0">
                   <a:latin typeface="D2Coding" panose="020B0609020101020101" pitchFamily="49" charset="-127"/>
                   <a:ea typeface="D2Coding" panose="020B0609020101020101" pitchFamily="49" charset="-127"/>
                 </a:rPr>
-                <a:t>(</a:t>
-              </a:r>
-              <a:r>
-                <a:rPr kumimoji="1" lang="en-US" altLang="ko-KR" sz="4400" b="1" dirty="0" err="1">
-                  <a:latin typeface="D2Coding" panose="020B0609020101020101" pitchFamily="49" charset="-127"/>
-                  <a:ea typeface="D2Coding" panose="020B0609020101020101" pitchFamily="49" charset="-127"/>
-                </a:rPr>
-                <a:t>Gson</a:t>
-              </a:r>
-              <a:r>
-                <a:rPr kumimoji="1" lang="en-US" altLang="ko-KR" sz="4400" b="1" dirty="0">
-                  <a:latin typeface="D2Coding" panose="020B0609020101020101" pitchFamily="49" charset="-127"/>
-                  <a:ea typeface="D2Coding" panose="020B0609020101020101" pitchFamily="49" charset="-127"/>
-                </a:rPr>
-                <a:t>, Generic)</a:t>
+                <a:t>(DNL, DQL)</a:t>
               </a:r>
               <a:endParaRPr kumimoji="1" lang="ko-KR" altLang="en-US" sz="4400" b="1" dirty="0">
                 <a:latin typeface="D2Coding" panose="020B0609020101020101" pitchFamily="49" charset="-127"/>
@@ -11087,7 +13233,7 @@
     </p:spTree>
     <p:extLst>
       <p:ext uri="{BB962C8B-B14F-4D97-AF65-F5344CB8AC3E}">
-        <p14:creationId xmlns:p14="http://schemas.microsoft.com/office/powerpoint/2010/main" val="3793694102"/>
+        <p14:creationId xmlns:p14="http://schemas.microsoft.com/office/powerpoint/2010/main" val="4194415952"/>
       </p:ext>
     </p:extLst>
   </p:cSld>
@@ -11097,7 +13243,231 @@
 </p:sld>
 </file>
 
-<file path=ppt/slides/slide4.xml><?xml version="1.0" encoding="utf-8"?>
+<file path=ppt/slides/slide49.xml><?xml version="1.0" encoding="utf-8"?>
+<p:sld xmlns:a="http://schemas.openxmlformats.org/drawingml/2006/main" xmlns:r="http://schemas.openxmlformats.org/officeDocument/2006/relationships" xmlns:p="http://schemas.openxmlformats.org/presentationml/2006/main">
+  <p:cSld>
+    <p:spTree>
+      <p:nvGrpSpPr>
+        <p:cNvPr id="1" name=""/>
+        <p:cNvGrpSpPr/>
+        <p:nvPr/>
+      </p:nvGrpSpPr>
+      <p:grpSpPr>
+        <a:xfrm>
+          <a:off x="0" y="0"/>
+          <a:ext cx="0" cy="0"/>
+          <a:chOff x="0" y="0"/>
+          <a:chExt cx="0" cy="0"/>
+        </a:xfrm>
+      </p:grpSpPr>
+      <p:sp>
+        <p:nvSpPr>
+          <p:cNvPr id="6" name="TextBox 5">
+            <a:extLst>
+              <a:ext uri="{FF2B5EF4-FFF2-40B4-BE49-F238E27FC236}">
+                <a16:creationId xmlns:a16="http://schemas.microsoft.com/office/drawing/2014/main" id="{7BC70131-2A0F-D582-388D-5AB1E95FE6C4}"/>
+              </a:ext>
+            </a:extLst>
+          </p:cNvPr>
+          <p:cNvSpPr txBox="1"/>
+          <p:nvPr/>
+        </p:nvSpPr>
+        <p:spPr>
+          <a:xfrm>
+            <a:off x="1021294" y="3808909"/>
+            <a:ext cx="10149410" cy="1384995"/>
+          </a:xfrm>
+          <a:prstGeom prst="rect">
+            <a:avLst/>
+          </a:prstGeom>
+          <a:noFill/>
+        </p:spPr>
+        <p:txBody>
+          <a:bodyPr wrap="square" rtlCol="0">
+            <a:spAutoFit/>
+          </a:bodyPr>
+          <a:lstStyle/>
+          <a:p>
+            <a:pPr algn="ctr"/>
+            <a:r>
+              <a:rPr kumimoji="1" lang="en-US" altLang="ko-KR" sz="2800" b="1" dirty="0">
+                <a:latin typeface="D2Coding" panose="020B0609020101020101" pitchFamily="49" charset="-127"/>
+                <a:ea typeface="D2Coding" panose="020B0609020101020101" pitchFamily="49" charset="-127"/>
+              </a:rPr>
+              <a:t>Day 56</a:t>
+            </a:r>
+          </a:p>
+          <a:p>
+            <a:pPr algn="ctr"/>
+            <a:r>
+              <a:rPr kumimoji="1" lang="en-US" altLang="ko-KR" sz="2800" b="1" dirty="0">
+                <a:latin typeface="D2Coding" panose="020B0609020101020101" pitchFamily="49" charset="-127"/>
+                <a:ea typeface="D2Coding" panose="020B0609020101020101" pitchFamily="49" charset="-127"/>
+              </a:rPr>
+              <a:t>Java</a:t>
+            </a:r>
+            <a:r>
+              <a:rPr kumimoji="1" lang="ko-KR" altLang="en-US" sz="2800" b="1" dirty="0">
+                <a:latin typeface="D2Coding" panose="020B0609020101020101" pitchFamily="49" charset="-127"/>
+                <a:ea typeface="D2Coding" panose="020B0609020101020101" pitchFamily="49" charset="-127"/>
+              </a:rPr>
+              <a:t>프로그래밍 기초</a:t>
+            </a:r>
+            <a:endParaRPr kumimoji="1" lang="en-US" altLang="ko-KR" sz="2800" b="1" dirty="0">
+              <a:latin typeface="D2Coding" panose="020B0609020101020101" pitchFamily="49" charset="-127"/>
+              <a:ea typeface="D2Coding" panose="020B0609020101020101" pitchFamily="49" charset="-127"/>
+            </a:endParaRPr>
+          </a:p>
+          <a:p>
+            <a:pPr algn="ctr"/>
+            <a:r>
+              <a:rPr kumimoji="1" lang="en-US" altLang="ko-KR" sz="2800" b="1" dirty="0">
+                <a:latin typeface="D2Coding" panose="020B0609020101020101" pitchFamily="49" charset="-127"/>
+                <a:ea typeface="D2Coding" panose="020B0609020101020101" pitchFamily="49" charset="-127"/>
+              </a:rPr>
+              <a:t>JDBC – </a:t>
+            </a:r>
+            <a:r>
+              <a:rPr kumimoji="1" lang="ko-KR" altLang="en-US" sz="2800" b="1" dirty="0">
+                <a:latin typeface="D2Coding" panose="020B0609020101020101" pitchFamily="49" charset="-127"/>
+                <a:ea typeface="D2Coding" panose="020B0609020101020101" pitchFamily="49" charset="-127"/>
+              </a:rPr>
+              <a:t>라이브러리 설치 및 등록</a:t>
+            </a:r>
+          </a:p>
+        </p:txBody>
+      </p:sp>
+      <p:grpSp>
+        <p:nvGrpSpPr>
+          <p:cNvPr id="3" name="그룹 2">
+            <a:extLst>
+              <a:ext uri="{FF2B5EF4-FFF2-40B4-BE49-F238E27FC236}">
+                <a16:creationId xmlns:a16="http://schemas.microsoft.com/office/drawing/2014/main" id="{CCB49D7F-A40B-2950-C3BB-13981C780200}"/>
+              </a:ext>
+            </a:extLst>
+          </p:cNvPr>
+          <p:cNvGrpSpPr/>
+          <p:nvPr/>
+        </p:nvGrpSpPr>
+        <p:grpSpPr>
+          <a:xfrm>
+            <a:off x="0" y="0"/>
+            <a:ext cx="12192000" cy="6858000"/>
+            <a:chOff x="1143000" y="1238490"/>
+            <a:chExt cx="7772400" cy="3777325"/>
+          </a:xfrm>
+        </p:grpSpPr>
+        <p:pic>
+          <p:nvPicPr>
+            <p:cNvPr id="4" name="그림 3" descr="폰트, 로고, 그래픽, 화이트이(가) 표시된 사진&#10;&#10;자동 생성된 설명">
+              <a:extLst>
+                <a:ext uri="{FF2B5EF4-FFF2-40B4-BE49-F238E27FC236}">
+                  <a16:creationId xmlns:a16="http://schemas.microsoft.com/office/drawing/2014/main" id="{B742D47A-36C2-B9F0-BC20-0E30F4A6AEEC}"/>
+                </a:ext>
+              </a:extLst>
+            </p:cNvPr>
+            <p:cNvPicPr>
+              <a:picLocks noChangeAspect="1"/>
+            </p:cNvPicPr>
+            <p:nvPr/>
+          </p:nvPicPr>
+          <p:blipFill>
+            <a:blip r:embed="rId2"/>
+            <a:srcRect t="13650"/>
+            <a:stretch/>
+          </p:blipFill>
+          <p:spPr>
+            <a:xfrm>
+              <a:off x="1143000" y="1238490"/>
+              <a:ext cx="7772400" cy="3777325"/>
+            </a:xfrm>
+            <a:prstGeom prst="rect">
+              <a:avLst/>
+            </a:prstGeom>
+          </p:spPr>
+        </p:pic>
+        <p:sp>
+          <p:nvSpPr>
+            <p:cNvPr id="8" name="TextBox 7">
+              <a:extLst>
+                <a:ext uri="{FF2B5EF4-FFF2-40B4-BE49-F238E27FC236}">
+                  <a16:creationId xmlns:a16="http://schemas.microsoft.com/office/drawing/2014/main" id="{B3D8B992-313F-AA19-ECC1-9BA2DED76D4E}"/>
+                </a:ext>
+              </a:extLst>
+            </p:cNvPr>
+            <p:cNvSpPr txBox="1"/>
+            <p:nvPr/>
+          </p:nvSpPr>
+          <p:spPr>
+            <a:xfrm>
+              <a:off x="1794075" y="3336403"/>
+              <a:ext cx="6470249" cy="796747"/>
+            </a:xfrm>
+            <a:prstGeom prst="rect">
+              <a:avLst/>
+            </a:prstGeom>
+            <a:noFill/>
+          </p:spPr>
+          <p:txBody>
+            <a:bodyPr wrap="square" rtlCol="0">
+              <a:spAutoFit/>
+            </a:bodyPr>
+            <a:lstStyle/>
+            <a:p>
+              <a:pPr algn="ctr"/>
+              <a:r>
+                <a:rPr kumimoji="1" lang="en-US" altLang="ko-KR" sz="4400" b="1" dirty="0">
+                  <a:latin typeface="D2Coding" panose="020B0609020101020101" pitchFamily="49" charset="-127"/>
+                  <a:ea typeface="D2Coding" panose="020B0609020101020101" pitchFamily="49" charset="-127"/>
+                </a:rPr>
+                <a:t>Day 53</a:t>
+              </a:r>
+            </a:p>
+            <a:p>
+              <a:pPr algn="ctr"/>
+              <a:r>
+                <a:rPr kumimoji="1" lang="en-US" altLang="ko-KR" sz="4400" b="1" dirty="0">
+                  <a:latin typeface="D2Coding" panose="020B0609020101020101" pitchFamily="49" charset="-127"/>
+                  <a:ea typeface="D2Coding" panose="020B0609020101020101" pitchFamily="49" charset="-127"/>
+                </a:rPr>
+                <a:t>Java</a:t>
+              </a:r>
+              <a:r>
+                <a:rPr kumimoji="1" lang="ko-KR" altLang="en-US" sz="4400" b="1" dirty="0">
+                  <a:latin typeface="D2Coding" panose="020B0609020101020101" pitchFamily="49" charset="-127"/>
+                  <a:ea typeface="D2Coding" panose="020B0609020101020101" pitchFamily="49" charset="-127"/>
+                </a:rPr>
+                <a:t>프로그래밍 기초</a:t>
+              </a:r>
+              <a:r>
+                <a:rPr kumimoji="1" lang="en-US" altLang="ko-KR" sz="4400" b="1" dirty="0">
+                  <a:latin typeface="D2Coding" panose="020B0609020101020101" pitchFamily="49" charset="-127"/>
+                  <a:ea typeface="D2Coding" panose="020B0609020101020101" pitchFamily="49" charset="-127"/>
+                </a:rPr>
+                <a:t>(DB)</a:t>
+              </a:r>
+              <a:endParaRPr kumimoji="1" lang="ko-KR" altLang="en-US" sz="4400" b="1" dirty="0">
+                <a:latin typeface="D2Coding" panose="020B0609020101020101" pitchFamily="49" charset="-127"/>
+                <a:ea typeface="D2Coding" panose="020B0609020101020101" pitchFamily="49" charset="-127"/>
+              </a:endParaRPr>
+            </a:p>
+          </p:txBody>
+        </p:sp>
+      </p:grpSp>
+    </p:spTree>
+    <p:extLst>
+      <p:ext uri="{BB962C8B-B14F-4D97-AF65-F5344CB8AC3E}">
+        <p14:creationId xmlns:p14="http://schemas.microsoft.com/office/powerpoint/2010/main" val="798867869"/>
+      </p:ext>
+    </p:extLst>
+  </p:cSld>
+  <p:clrMapOvr>
+    <a:masterClrMapping/>
+  </p:clrMapOvr>
+</p:sld>
+</file>
+
+<file path=ppt/slides/slide5.xml><?xml version="1.0" encoding="utf-8"?>
 <p:sld xmlns:a="http://schemas.openxmlformats.org/drawingml/2006/main" xmlns:r="http://schemas.openxmlformats.org/officeDocument/2006/relationships" xmlns:p="http://schemas.openxmlformats.org/presentationml/2006/main">
   <p:cSld>
     <p:spTree>
@@ -11331,7 +13701,7 @@
 </p:sld>
 </file>
 
-<file path=ppt/slides/slide40.xml><?xml version="1.0" encoding="utf-8"?>
+<file path=ppt/slides/slide50.xml><?xml version="1.0" encoding="utf-8"?>
 <p:sld xmlns:a="http://schemas.openxmlformats.org/drawingml/2006/main" xmlns:r="http://schemas.openxmlformats.org/officeDocument/2006/relationships" xmlns:p="http://schemas.openxmlformats.org/presentationml/2006/main">
   <p:cSld>
     <p:spTree>
@@ -11508,7 +13878,7 @@
                   <a:latin typeface="D2Coding" panose="020B0609020101020101" pitchFamily="49" charset="-127"/>
                   <a:ea typeface="D2Coding" panose="020B0609020101020101" pitchFamily="49" charset="-127"/>
                 </a:rPr>
-                <a:t>Day 41</a:t>
+                <a:t>Day 54</a:t>
               </a:r>
             </a:p>
             <a:p>
@@ -11518,21 +13888,35 @@
                   <a:latin typeface="D2Coding" panose="020B0609020101020101" pitchFamily="49" charset="-127"/>
                   <a:ea typeface="D2Coding" panose="020B0609020101020101" pitchFamily="49" charset="-127"/>
                 </a:rPr>
-                <a:t>Java</a:t>
+                <a:t>SQL</a:t>
               </a:r>
               <a:r>
                 <a:rPr kumimoji="1" lang="ko-KR" altLang="en-US" sz="4400" b="1" dirty="0">
                   <a:latin typeface="D2Coding" panose="020B0609020101020101" pitchFamily="49" charset="-127"/>
                   <a:ea typeface="D2Coding" panose="020B0609020101020101" pitchFamily="49" charset="-127"/>
                 </a:rPr>
-                <a:t>프로그래밍 기초</a:t>
+                <a:t>기초</a:t>
               </a:r>
               <a:r>
                 <a:rPr kumimoji="1" lang="en-US" altLang="ko-KR" sz="4400" b="1" dirty="0">
                   <a:latin typeface="D2Coding" panose="020B0609020101020101" pitchFamily="49" charset="-127"/>
                   <a:ea typeface="D2Coding" panose="020B0609020101020101" pitchFamily="49" charset="-127"/>
                 </a:rPr>
-                <a:t>(File I/O)</a:t>
+                <a:t>(Foreign Ket</a:t>
+              </a:r>
+              <a:r>
+                <a:rPr kumimoji="1" lang="ko-KR" altLang="en-US" sz="4400" b="1" dirty="0">
+                  <a:latin typeface="D2Coding" panose="020B0609020101020101" pitchFamily="49" charset="-127"/>
+                  <a:ea typeface="D2Coding" panose="020B0609020101020101" pitchFamily="49" charset="-127"/>
+                </a:rPr>
+                <a:t>키</a:t>
+              </a:r>
+              <a:r>
+                <a:rPr kumimoji="1" lang="en-US" altLang="ko-KR" sz="4400" b="1" dirty="0">
+                  <a:latin typeface="D2Coding" panose="020B0609020101020101" pitchFamily="49" charset="-127"/>
+                  <a:ea typeface="D2Coding" panose="020B0609020101020101" pitchFamily="49" charset="-127"/>
+                </a:rPr>
+                <a:t>)</a:t>
               </a:r>
               <a:endParaRPr kumimoji="1" lang="ko-KR" altLang="en-US" sz="4400" b="1" dirty="0">
                 <a:latin typeface="D2Coding" panose="020B0609020101020101" pitchFamily="49" charset="-127"/>
@@ -11545,7 +13929,7 @@
     </p:spTree>
     <p:extLst>
       <p:ext uri="{BB962C8B-B14F-4D97-AF65-F5344CB8AC3E}">
-        <p14:creationId xmlns:p14="http://schemas.microsoft.com/office/powerpoint/2010/main" val="1935892323"/>
+        <p14:creationId xmlns:p14="http://schemas.microsoft.com/office/powerpoint/2010/main" val="1090319033"/>
       </p:ext>
     </p:extLst>
   </p:cSld>
@@ -11555,7 +13939,154 @@
 </p:sld>
 </file>
 
-<file path=ppt/slides/slide41.xml><?xml version="1.0" encoding="utf-8"?>
+<file path=ppt/slides/slide51.xml><?xml version="1.0" encoding="utf-8"?>
+<p:sld xmlns:a="http://schemas.openxmlformats.org/drawingml/2006/main" xmlns:r="http://schemas.openxmlformats.org/officeDocument/2006/relationships" xmlns:p="http://schemas.openxmlformats.org/presentationml/2006/main">
+  <p:cSld>
+    <p:spTree>
+      <p:nvGrpSpPr>
+        <p:cNvPr id="1" name=""/>
+        <p:cNvGrpSpPr/>
+        <p:nvPr/>
+      </p:nvGrpSpPr>
+      <p:grpSpPr>
+        <a:xfrm>
+          <a:off x="0" y="0"/>
+          <a:ext cx="0" cy="0"/>
+          <a:chOff x="0" y="0"/>
+          <a:chExt cx="0" cy="0"/>
+        </a:xfrm>
+      </p:grpSpPr>
+      <p:grpSp>
+        <p:nvGrpSpPr>
+          <p:cNvPr id="7" name="그룹 6">
+            <a:extLst>
+              <a:ext uri="{FF2B5EF4-FFF2-40B4-BE49-F238E27FC236}">
+                <a16:creationId xmlns:a16="http://schemas.microsoft.com/office/drawing/2014/main" id="{D43A01C3-75D7-CEF4-9A06-955DF6ED173D}"/>
+              </a:ext>
+            </a:extLst>
+          </p:cNvPr>
+          <p:cNvGrpSpPr/>
+          <p:nvPr/>
+        </p:nvGrpSpPr>
+        <p:grpSpPr>
+          <a:xfrm>
+            <a:off x="1143000" y="1238490"/>
+            <a:ext cx="7772400" cy="3777325"/>
+            <a:chOff x="1143000" y="1238490"/>
+            <a:chExt cx="7772400" cy="3777325"/>
+          </a:xfrm>
+        </p:grpSpPr>
+        <p:pic>
+          <p:nvPicPr>
+            <p:cNvPr id="5" name="그림 4" descr="폰트, 로고, 그래픽, 화이트이(가) 표시된 사진&#10;&#10;자동 생성된 설명">
+              <a:extLst>
+                <a:ext uri="{FF2B5EF4-FFF2-40B4-BE49-F238E27FC236}">
+                  <a16:creationId xmlns:a16="http://schemas.microsoft.com/office/drawing/2014/main" id="{80E5AF78-A18A-B84D-6175-24388DFE2CA8}"/>
+                </a:ext>
+              </a:extLst>
+            </p:cNvPr>
+            <p:cNvPicPr>
+              <a:picLocks noChangeAspect="1"/>
+            </p:cNvPicPr>
+            <p:nvPr/>
+          </p:nvPicPr>
+          <p:blipFill>
+            <a:blip r:embed="rId2"/>
+            <a:srcRect t="13650"/>
+            <a:stretch/>
+          </p:blipFill>
+          <p:spPr>
+            <a:xfrm>
+              <a:off x="1143000" y="1238490"/>
+              <a:ext cx="7772400" cy="3777325"/>
+            </a:xfrm>
+            <a:prstGeom prst="rect">
+              <a:avLst/>
+            </a:prstGeom>
+          </p:spPr>
+        </p:pic>
+        <p:sp>
+          <p:nvSpPr>
+            <p:cNvPr id="6" name="TextBox 5">
+              <a:extLst>
+                <a:ext uri="{FF2B5EF4-FFF2-40B4-BE49-F238E27FC236}">
+                  <a16:creationId xmlns:a16="http://schemas.microsoft.com/office/drawing/2014/main" id="{7BC70131-2A0F-D582-388D-5AB1E95FE6C4}"/>
+                </a:ext>
+              </a:extLst>
+            </p:cNvPr>
+            <p:cNvSpPr txBox="1"/>
+            <p:nvPr/>
+          </p:nvSpPr>
+          <p:spPr>
+            <a:xfrm>
+              <a:off x="1794075" y="3336403"/>
+              <a:ext cx="6470249" cy="954107"/>
+            </a:xfrm>
+            <a:prstGeom prst="rect">
+              <a:avLst/>
+            </a:prstGeom>
+            <a:noFill/>
+          </p:spPr>
+          <p:txBody>
+            <a:bodyPr wrap="square" rtlCol="0">
+              <a:spAutoFit/>
+            </a:bodyPr>
+            <a:lstStyle/>
+            <a:p>
+              <a:pPr algn="ctr"/>
+              <a:r>
+                <a:rPr kumimoji="1" lang="en-US" altLang="ko-KR" sz="2800" b="1" dirty="0">
+                  <a:latin typeface="D2Coding" panose="020B0609020101020101" pitchFamily="49" charset="-127"/>
+                  <a:ea typeface="D2Coding" panose="020B0609020101020101" pitchFamily="49" charset="-127"/>
+                </a:rPr>
+                <a:t>Day 55</a:t>
+              </a:r>
+            </a:p>
+            <a:p>
+              <a:pPr algn="ctr"/>
+              <a:r>
+                <a:rPr kumimoji="1" lang="en-US" altLang="ko-KR" sz="2800" b="1" dirty="0">
+                  <a:latin typeface="D2Coding" panose="020B0609020101020101" pitchFamily="49" charset="-127"/>
+                  <a:ea typeface="D2Coding" panose="020B0609020101020101" pitchFamily="49" charset="-127"/>
+                </a:rPr>
+                <a:t>SQL (Join,</a:t>
+              </a:r>
+              <a:r>
+                <a:rPr kumimoji="1" lang="ko-KR" altLang="en-US" sz="2800" b="1" dirty="0">
+                  <a:latin typeface="D2Coding" panose="020B0609020101020101" pitchFamily="49" charset="-127"/>
+                  <a:ea typeface="D2Coding" panose="020B0609020101020101" pitchFamily="49" charset="-127"/>
+                </a:rPr>
+                <a:t> </a:t>
+              </a:r>
+              <a:r>
+                <a:rPr kumimoji="1" lang="en-US" altLang="ko-KR" sz="2800" b="1" dirty="0">
+                  <a:latin typeface="D2Coding" panose="020B0609020101020101" pitchFamily="49" charset="-127"/>
+                  <a:ea typeface="D2Coding" panose="020B0609020101020101" pitchFamily="49" charset="-127"/>
+                </a:rPr>
+                <a:t>Foreign Key)</a:t>
+              </a:r>
+              <a:endParaRPr kumimoji="1" lang="ko-KR" altLang="en-US" sz="2800" b="1" dirty="0">
+                <a:latin typeface="D2Coding" panose="020B0609020101020101" pitchFamily="49" charset="-127"/>
+                <a:ea typeface="D2Coding" panose="020B0609020101020101" pitchFamily="49" charset="-127"/>
+              </a:endParaRPr>
+            </a:p>
+          </p:txBody>
+        </p:sp>
+      </p:grpSp>
+    </p:spTree>
+    <p:extLst>
+      <p:ext uri="{BB962C8B-B14F-4D97-AF65-F5344CB8AC3E}">
+        <p14:creationId xmlns:p14="http://schemas.microsoft.com/office/powerpoint/2010/main" val="3879683388"/>
+      </p:ext>
+    </p:extLst>
+  </p:cSld>
+  <p:clrMapOvr>
+    <a:masterClrMapping/>
+  </p:clrMapOvr>
+</p:sld>
+</file>
+
+<file path=ppt/slides/slide52.xml><?xml version="1.0" encoding="utf-8"?>
 <p:sld xmlns:a="http://schemas.openxmlformats.org/drawingml/2006/main" xmlns:r="http://schemas.openxmlformats.org/officeDocument/2006/relationships" xmlns:p="http://schemas.openxmlformats.org/presentationml/2006/main">
   <p:cSld>
     <p:spTree>
@@ -11732,24 +14263,31 @@
                   <a:latin typeface="D2Coding" panose="020B0609020101020101" pitchFamily="49" charset="-127"/>
                   <a:ea typeface="D2Coding" panose="020B0609020101020101" pitchFamily="49" charset="-127"/>
                 </a:rPr>
-                <a:t>Day 42</a:t>
+                <a:t>Day 56</a:t>
               </a:r>
             </a:p>
             <a:p>
               <a:pPr algn="ctr"/>
               <a:r>
+                <a:rPr kumimoji="1" lang="en-US" altLang="ko-KR" sz="4400" b="1" dirty="0">
+                  <a:latin typeface="D2Coding" panose="020B0609020101020101" pitchFamily="49" charset="-127"/>
+                  <a:ea typeface="D2Coding" panose="020B0609020101020101" pitchFamily="49" charset="-127"/>
+                </a:rPr>
+                <a:t>Java</a:t>
+              </a:r>
+              <a:r>
                 <a:rPr kumimoji="1" lang="ko-KR" altLang="en-US" sz="4400" b="1" dirty="0">
                   <a:latin typeface="D2Coding" panose="020B0609020101020101" pitchFamily="49" charset="-127"/>
                   <a:ea typeface="D2Coding" panose="020B0609020101020101" pitchFamily="49" charset="-127"/>
                 </a:rPr>
-                <a:t>실습프로젝트</a:t>
+                <a:t>프로그래밍 기초 </a:t>
               </a:r>
               <a:r>
                 <a:rPr kumimoji="1" lang="en-US" altLang="ko-KR" sz="4400" b="1" dirty="0">
                   <a:latin typeface="D2Coding" panose="020B0609020101020101" pitchFamily="49" charset="-127"/>
                   <a:ea typeface="D2Coding" panose="020B0609020101020101" pitchFamily="49" charset="-127"/>
                 </a:rPr>
-                <a:t>(Decorator)</a:t>
+                <a:t>(JDBC)</a:t>
               </a:r>
               <a:endParaRPr kumimoji="1" lang="ko-KR" altLang="en-US" sz="4400" b="1" dirty="0">
                 <a:latin typeface="D2Coding" panose="020B0609020101020101" pitchFamily="49" charset="-127"/>
@@ -11762,7 +14300,7 @@
     </p:spTree>
     <p:extLst>
       <p:ext uri="{BB962C8B-B14F-4D97-AF65-F5344CB8AC3E}">
-        <p14:creationId xmlns:p14="http://schemas.microsoft.com/office/powerpoint/2010/main" val="4284783367"/>
+        <p14:creationId xmlns:p14="http://schemas.microsoft.com/office/powerpoint/2010/main" val="1841581539"/>
       </p:ext>
     </p:extLst>
   </p:cSld>
@@ -11772,7 +14310,248 @@
 </p:sld>
 </file>
 
-<file path=ppt/slides/slide42.xml><?xml version="1.0" encoding="utf-8"?>
+<file path=ppt/slides/slide53.xml><?xml version="1.0" encoding="utf-8"?>
+<p:sld xmlns:a="http://schemas.openxmlformats.org/drawingml/2006/main" xmlns:r="http://schemas.openxmlformats.org/officeDocument/2006/relationships" xmlns:p="http://schemas.openxmlformats.org/presentationml/2006/main">
+  <p:cSld>
+    <p:spTree>
+      <p:nvGrpSpPr>
+        <p:cNvPr id="1" name=""/>
+        <p:cNvGrpSpPr/>
+        <p:nvPr/>
+      </p:nvGrpSpPr>
+      <p:grpSpPr>
+        <a:xfrm>
+          <a:off x="0" y="0"/>
+          <a:ext cx="0" cy="0"/>
+          <a:chOff x="0" y="0"/>
+          <a:chExt cx="0" cy="0"/>
+        </a:xfrm>
+      </p:grpSpPr>
+      <p:sp>
+        <p:nvSpPr>
+          <p:cNvPr id="6" name="TextBox 5">
+            <a:extLst>
+              <a:ext uri="{FF2B5EF4-FFF2-40B4-BE49-F238E27FC236}">
+                <a16:creationId xmlns:a16="http://schemas.microsoft.com/office/drawing/2014/main" id="{7BC70131-2A0F-D582-388D-5AB1E95FE6C4}"/>
+              </a:ext>
+            </a:extLst>
+          </p:cNvPr>
+          <p:cNvSpPr txBox="1"/>
+          <p:nvPr/>
+        </p:nvSpPr>
+        <p:spPr>
+          <a:xfrm>
+            <a:off x="1021294" y="3808909"/>
+            <a:ext cx="10149410" cy="1384995"/>
+          </a:xfrm>
+          <a:prstGeom prst="rect">
+            <a:avLst/>
+          </a:prstGeom>
+          <a:noFill/>
+        </p:spPr>
+        <p:txBody>
+          <a:bodyPr wrap="square" rtlCol="0">
+            <a:spAutoFit/>
+          </a:bodyPr>
+          <a:lstStyle/>
+          <a:p>
+            <a:pPr algn="ctr"/>
+            <a:r>
+              <a:rPr kumimoji="1" lang="en-US" altLang="ko-KR" sz="2800" b="1" dirty="0">
+                <a:latin typeface="D2Coding" panose="020B0609020101020101" pitchFamily="49" charset="-127"/>
+                <a:ea typeface="D2Coding" panose="020B0609020101020101" pitchFamily="49" charset="-127"/>
+              </a:rPr>
+              <a:t>Day 56</a:t>
+            </a:r>
+          </a:p>
+          <a:p>
+            <a:pPr algn="ctr"/>
+            <a:r>
+              <a:rPr kumimoji="1" lang="en-US" altLang="ko-KR" sz="2800" b="1" dirty="0">
+                <a:latin typeface="D2Coding" panose="020B0609020101020101" pitchFamily="49" charset="-127"/>
+                <a:ea typeface="D2Coding" panose="020B0609020101020101" pitchFamily="49" charset="-127"/>
+              </a:rPr>
+              <a:t>Java</a:t>
+            </a:r>
+            <a:r>
+              <a:rPr kumimoji="1" lang="ko-KR" altLang="en-US" sz="2800" b="1" dirty="0">
+                <a:latin typeface="D2Coding" panose="020B0609020101020101" pitchFamily="49" charset="-127"/>
+                <a:ea typeface="D2Coding" panose="020B0609020101020101" pitchFamily="49" charset="-127"/>
+              </a:rPr>
+              <a:t>프로그래밍 기초</a:t>
+            </a:r>
+            <a:endParaRPr kumimoji="1" lang="en-US" altLang="ko-KR" sz="2800" b="1" dirty="0">
+              <a:latin typeface="D2Coding" panose="020B0609020101020101" pitchFamily="49" charset="-127"/>
+              <a:ea typeface="D2Coding" panose="020B0609020101020101" pitchFamily="49" charset="-127"/>
+            </a:endParaRPr>
+          </a:p>
+          <a:p>
+            <a:pPr algn="ctr"/>
+            <a:r>
+              <a:rPr kumimoji="1" lang="en-US" altLang="ko-KR" sz="2800" b="1" dirty="0">
+                <a:latin typeface="D2Coding" panose="020B0609020101020101" pitchFamily="49" charset="-127"/>
+                <a:ea typeface="D2Coding" panose="020B0609020101020101" pitchFamily="49" charset="-127"/>
+              </a:rPr>
+              <a:t>JDBC – </a:t>
+            </a:r>
+            <a:r>
+              <a:rPr kumimoji="1" lang="ko-KR" altLang="en-US" sz="2800" b="1" dirty="0">
+                <a:latin typeface="D2Coding" panose="020B0609020101020101" pitchFamily="49" charset="-127"/>
+                <a:ea typeface="D2Coding" panose="020B0609020101020101" pitchFamily="49" charset="-127"/>
+              </a:rPr>
+              <a:t>라이브러리 설치 및 등록</a:t>
+            </a:r>
+          </a:p>
+        </p:txBody>
+      </p:sp>
+      <p:grpSp>
+        <p:nvGrpSpPr>
+          <p:cNvPr id="3" name="그룹 2">
+            <a:extLst>
+              <a:ext uri="{FF2B5EF4-FFF2-40B4-BE49-F238E27FC236}">
+                <a16:creationId xmlns:a16="http://schemas.microsoft.com/office/drawing/2014/main" id="{CCB49D7F-A40B-2950-C3BB-13981C780200}"/>
+              </a:ext>
+            </a:extLst>
+          </p:cNvPr>
+          <p:cNvGrpSpPr/>
+          <p:nvPr/>
+        </p:nvGrpSpPr>
+        <p:grpSpPr>
+          <a:xfrm>
+            <a:off x="0" y="0"/>
+            <a:ext cx="12192000" cy="6858000"/>
+            <a:chOff x="1143000" y="1238490"/>
+            <a:chExt cx="7772400" cy="3777325"/>
+          </a:xfrm>
+        </p:grpSpPr>
+        <p:pic>
+          <p:nvPicPr>
+            <p:cNvPr id="4" name="그림 3" descr="폰트, 로고, 그래픽, 화이트이(가) 표시된 사진&#10;&#10;자동 생성된 설명">
+              <a:extLst>
+                <a:ext uri="{FF2B5EF4-FFF2-40B4-BE49-F238E27FC236}">
+                  <a16:creationId xmlns:a16="http://schemas.microsoft.com/office/drawing/2014/main" id="{B742D47A-36C2-B9F0-BC20-0E30F4A6AEEC}"/>
+                </a:ext>
+              </a:extLst>
+            </p:cNvPr>
+            <p:cNvPicPr>
+              <a:picLocks noChangeAspect="1"/>
+            </p:cNvPicPr>
+            <p:nvPr/>
+          </p:nvPicPr>
+          <p:blipFill>
+            <a:blip r:embed="rId2"/>
+            <a:srcRect t="13650"/>
+            <a:stretch/>
+          </p:blipFill>
+          <p:spPr>
+            <a:xfrm>
+              <a:off x="1143000" y="1238490"/>
+              <a:ext cx="7772400" cy="3777325"/>
+            </a:xfrm>
+            <a:prstGeom prst="rect">
+              <a:avLst/>
+            </a:prstGeom>
+          </p:spPr>
+        </p:pic>
+        <p:sp>
+          <p:nvSpPr>
+            <p:cNvPr id="8" name="TextBox 7">
+              <a:extLst>
+                <a:ext uri="{FF2B5EF4-FFF2-40B4-BE49-F238E27FC236}">
+                  <a16:creationId xmlns:a16="http://schemas.microsoft.com/office/drawing/2014/main" id="{B3D8B992-313F-AA19-ECC1-9BA2DED76D4E}"/>
+                </a:ext>
+              </a:extLst>
+            </p:cNvPr>
+            <p:cNvSpPr txBox="1"/>
+            <p:nvPr/>
+          </p:nvSpPr>
+          <p:spPr>
+            <a:xfrm>
+              <a:off x="1794075" y="3336403"/>
+              <a:ext cx="6470249" cy="1169692"/>
+            </a:xfrm>
+            <a:prstGeom prst="rect">
+              <a:avLst/>
+            </a:prstGeom>
+            <a:noFill/>
+          </p:spPr>
+          <p:txBody>
+            <a:bodyPr wrap="square" rtlCol="0">
+              <a:spAutoFit/>
+            </a:bodyPr>
+            <a:lstStyle/>
+            <a:p>
+              <a:pPr algn="ctr"/>
+              <a:r>
+                <a:rPr kumimoji="1" lang="en-US" altLang="ko-KR" sz="4400" b="1" dirty="0">
+                  <a:latin typeface="D2Coding" panose="020B0609020101020101" pitchFamily="49" charset="-127"/>
+                  <a:ea typeface="D2Coding" panose="020B0609020101020101" pitchFamily="49" charset="-127"/>
+                </a:rPr>
+                <a:t>Day 57</a:t>
+              </a:r>
+            </a:p>
+            <a:p>
+              <a:pPr algn="ctr"/>
+              <a:r>
+                <a:rPr kumimoji="1" lang="en-US" altLang="ko-KR" sz="4400" b="1" dirty="0">
+                  <a:latin typeface="D2Coding" panose="020B0609020101020101" pitchFamily="49" charset="-127"/>
+                  <a:ea typeface="D2Coding" panose="020B0609020101020101" pitchFamily="49" charset="-127"/>
+                </a:rPr>
+                <a:t>Java</a:t>
+              </a:r>
+              <a:r>
+                <a:rPr kumimoji="1" lang="ko-KR" altLang="en-US" sz="4400" b="1" dirty="0">
+                  <a:latin typeface="D2Coding" panose="020B0609020101020101" pitchFamily="49" charset="-127"/>
+                  <a:ea typeface="D2Coding" panose="020B0609020101020101" pitchFamily="49" charset="-127"/>
+                </a:rPr>
+                <a:t>프로그래밍 기초 </a:t>
+              </a:r>
+              <a:r>
+                <a:rPr kumimoji="1" lang="en-US" altLang="ko-KR" sz="4400" b="1" dirty="0">
+                  <a:latin typeface="D2Coding" panose="020B0609020101020101" pitchFamily="49" charset="-127"/>
+                  <a:ea typeface="D2Coding" panose="020B0609020101020101" pitchFamily="49" charset="-127"/>
+                </a:rPr>
+                <a:t>(JDBC)</a:t>
+              </a:r>
+            </a:p>
+            <a:p>
+              <a:pPr algn="ctr"/>
+              <a:r>
+                <a:rPr kumimoji="1" lang="ko-KR" altLang="en-US" sz="4400" b="1" dirty="0">
+                  <a:latin typeface="D2Coding" panose="020B0609020101020101" pitchFamily="49" charset="-127"/>
+                  <a:ea typeface="D2Coding" panose="020B0609020101020101" pitchFamily="49" charset="-127"/>
+                </a:rPr>
+                <a:t>실습프로젝트 </a:t>
+              </a:r>
+              <a:r>
+                <a:rPr kumimoji="1" lang="en-US" altLang="ko-KR" sz="4400" b="1" dirty="0">
+                  <a:latin typeface="D2Coding" panose="020B0609020101020101" pitchFamily="49" charset="-127"/>
+                  <a:ea typeface="D2Coding" panose="020B0609020101020101" pitchFamily="49" charset="-127"/>
+                </a:rPr>
+                <a:t>(JDBC)</a:t>
+              </a:r>
+              <a:endParaRPr kumimoji="1" lang="ko-KR" altLang="en-US" sz="4400" b="1" dirty="0">
+                <a:latin typeface="D2Coding" panose="020B0609020101020101" pitchFamily="49" charset="-127"/>
+                <a:ea typeface="D2Coding" panose="020B0609020101020101" pitchFamily="49" charset="-127"/>
+              </a:endParaRPr>
+            </a:p>
+          </p:txBody>
+        </p:sp>
+      </p:grpSp>
+    </p:spTree>
+    <p:extLst>
+      <p:ext uri="{BB962C8B-B14F-4D97-AF65-F5344CB8AC3E}">
+        <p14:creationId xmlns:p14="http://schemas.microsoft.com/office/powerpoint/2010/main" val="278894104"/>
+      </p:ext>
+    </p:extLst>
+  </p:cSld>
+  <p:clrMapOvr>
+    <a:masterClrMapping/>
+  </p:clrMapOvr>
+</p:sld>
+</file>
+
+<file path=ppt/slides/slide54.xml><?xml version="1.0" encoding="utf-8"?>
 <p:sld xmlns:a="http://schemas.openxmlformats.org/drawingml/2006/main" xmlns:r="http://schemas.openxmlformats.org/officeDocument/2006/relationships" xmlns:p="http://schemas.openxmlformats.org/presentationml/2006/main">
   <p:cSld>
     <p:spTree>
@@ -11949,7 +14728,7 @@
                   <a:latin typeface="D2Coding" panose="020B0609020101020101" pitchFamily="49" charset="-127"/>
                   <a:ea typeface="D2Coding" panose="020B0609020101020101" pitchFamily="49" charset="-127"/>
                 </a:rPr>
-                <a:t>Day 44</a:t>
+                <a:t>Day 58</a:t>
               </a:r>
             </a:p>
             <a:p>
@@ -11959,14 +14738,28 @@
                   <a:latin typeface="D2Coding" panose="020B0609020101020101" pitchFamily="49" charset="-127"/>
                   <a:ea typeface="D2Coding" panose="020B0609020101020101" pitchFamily="49" charset="-127"/>
                 </a:rPr>
-                <a:t>실습프로젝트</a:t>
+                <a:t>실습프로젝트 </a:t>
               </a:r>
               <a:r>
                 <a:rPr kumimoji="1" lang="en-US" altLang="ko-KR" sz="4400" b="1" dirty="0">
                   <a:latin typeface="D2Coding" panose="020B0609020101020101" pitchFamily="49" charset="-127"/>
                   <a:ea typeface="D2Coding" panose="020B0609020101020101" pitchFamily="49" charset="-127"/>
                 </a:rPr>
-                <a:t>(Observer)</a:t>
+                <a:t>(JDBC</a:t>
+              </a:r>
+              <a:r>
+                <a:rPr kumimoji="1" lang="ko-KR" altLang="en-US" sz="4400" b="1" dirty="0">
+                  <a:latin typeface="D2Coding" panose="020B0609020101020101" pitchFamily="49" charset="-127"/>
+                  <a:ea typeface="D2Coding" panose="020B0609020101020101" pitchFamily="49" charset="-127"/>
+                </a:rPr>
+                <a:t> 캡슐화</a:t>
+              </a:r>
+              <a:r>
+                <a:rPr kumimoji="1" lang="en-US" altLang="ko-KR" sz="4400" b="1" dirty="0">
+                  <a:latin typeface="D2Coding" panose="020B0609020101020101" pitchFamily="49" charset="-127"/>
+                  <a:ea typeface="D2Coding" panose="020B0609020101020101" pitchFamily="49" charset="-127"/>
+                </a:rPr>
+                <a:t>)</a:t>
               </a:r>
               <a:endParaRPr kumimoji="1" lang="ko-KR" altLang="en-US" sz="4400" b="1" dirty="0">
                 <a:latin typeface="D2Coding" panose="020B0609020101020101" pitchFamily="49" charset="-127"/>
@@ -11979,7 +14772,7 @@
     </p:spTree>
     <p:extLst>
       <p:ext uri="{BB962C8B-B14F-4D97-AF65-F5344CB8AC3E}">
-        <p14:creationId xmlns:p14="http://schemas.microsoft.com/office/powerpoint/2010/main" val="2899385986"/>
+        <p14:creationId xmlns:p14="http://schemas.microsoft.com/office/powerpoint/2010/main" val="3529683864"/>
       </p:ext>
     </p:extLst>
   </p:cSld>
@@ -11989,7 +14782,530 @@
 </p:sld>
 </file>
 
-<file path=ppt/slides/slide43.xml><?xml version="1.0" encoding="utf-8"?>
+<file path=ppt/slides/slide55.xml><?xml version="1.0" encoding="utf-8"?>
+<p:sld xmlns:a="http://schemas.openxmlformats.org/drawingml/2006/main" xmlns:r="http://schemas.openxmlformats.org/officeDocument/2006/relationships" xmlns:p="http://schemas.openxmlformats.org/presentationml/2006/main">
+  <p:cSld>
+    <p:spTree>
+      <p:nvGrpSpPr>
+        <p:cNvPr id="1" name=""/>
+        <p:cNvGrpSpPr/>
+        <p:nvPr/>
+      </p:nvGrpSpPr>
+      <p:grpSpPr>
+        <a:xfrm>
+          <a:off x="0" y="0"/>
+          <a:ext cx="0" cy="0"/>
+          <a:chOff x="0" y="0"/>
+          <a:chExt cx="0" cy="0"/>
+        </a:xfrm>
+      </p:grpSpPr>
+      <p:sp>
+        <p:nvSpPr>
+          <p:cNvPr id="6" name="TextBox 5">
+            <a:extLst>
+              <a:ext uri="{FF2B5EF4-FFF2-40B4-BE49-F238E27FC236}">
+                <a16:creationId xmlns:a16="http://schemas.microsoft.com/office/drawing/2014/main" id="{7BC70131-2A0F-D582-388D-5AB1E95FE6C4}"/>
+              </a:ext>
+            </a:extLst>
+          </p:cNvPr>
+          <p:cNvSpPr txBox="1"/>
+          <p:nvPr/>
+        </p:nvSpPr>
+        <p:spPr>
+          <a:xfrm>
+            <a:off x="1021294" y="3808909"/>
+            <a:ext cx="10149410" cy="1384995"/>
+          </a:xfrm>
+          <a:prstGeom prst="rect">
+            <a:avLst/>
+          </a:prstGeom>
+          <a:noFill/>
+        </p:spPr>
+        <p:txBody>
+          <a:bodyPr wrap="square" rtlCol="0">
+            <a:spAutoFit/>
+          </a:bodyPr>
+          <a:lstStyle/>
+          <a:p>
+            <a:pPr algn="ctr"/>
+            <a:r>
+              <a:rPr kumimoji="1" lang="en-US" altLang="ko-KR" sz="2800" b="1" dirty="0">
+                <a:latin typeface="D2Coding" panose="020B0609020101020101" pitchFamily="49" charset="-127"/>
+                <a:ea typeface="D2Coding" panose="020B0609020101020101" pitchFamily="49" charset="-127"/>
+              </a:rPr>
+              <a:t>Day 56</a:t>
+            </a:r>
+          </a:p>
+          <a:p>
+            <a:pPr algn="ctr"/>
+            <a:r>
+              <a:rPr kumimoji="1" lang="en-US" altLang="ko-KR" sz="2800" b="1" dirty="0">
+                <a:latin typeface="D2Coding" panose="020B0609020101020101" pitchFamily="49" charset="-127"/>
+                <a:ea typeface="D2Coding" panose="020B0609020101020101" pitchFamily="49" charset="-127"/>
+              </a:rPr>
+              <a:t>Java</a:t>
+            </a:r>
+            <a:r>
+              <a:rPr kumimoji="1" lang="ko-KR" altLang="en-US" sz="2800" b="1" dirty="0">
+                <a:latin typeface="D2Coding" panose="020B0609020101020101" pitchFamily="49" charset="-127"/>
+                <a:ea typeface="D2Coding" panose="020B0609020101020101" pitchFamily="49" charset="-127"/>
+              </a:rPr>
+              <a:t>프로그래밍 기초</a:t>
+            </a:r>
+            <a:endParaRPr kumimoji="1" lang="en-US" altLang="ko-KR" sz="2800" b="1" dirty="0">
+              <a:latin typeface="D2Coding" panose="020B0609020101020101" pitchFamily="49" charset="-127"/>
+              <a:ea typeface="D2Coding" panose="020B0609020101020101" pitchFamily="49" charset="-127"/>
+            </a:endParaRPr>
+          </a:p>
+          <a:p>
+            <a:pPr algn="ctr"/>
+            <a:r>
+              <a:rPr kumimoji="1" lang="en-US" altLang="ko-KR" sz="2800" b="1" dirty="0">
+                <a:latin typeface="D2Coding" panose="020B0609020101020101" pitchFamily="49" charset="-127"/>
+                <a:ea typeface="D2Coding" panose="020B0609020101020101" pitchFamily="49" charset="-127"/>
+              </a:rPr>
+              <a:t>JDBC – </a:t>
+            </a:r>
+            <a:r>
+              <a:rPr kumimoji="1" lang="ko-KR" altLang="en-US" sz="2800" b="1" dirty="0">
+                <a:latin typeface="D2Coding" panose="020B0609020101020101" pitchFamily="49" charset="-127"/>
+                <a:ea typeface="D2Coding" panose="020B0609020101020101" pitchFamily="49" charset="-127"/>
+              </a:rPr>
+              <a:t>라이브러리 설치 및 등록</a:t>
+            </a:r>
+          </a:p>
+        </p:txBody>
+      </p:sp>
+      <p:grpSp>
+        <p:nvGrpSpPr>
+          <p:cNvPr id="3" name="그룹 2">
+            <a:extLst>
+              <a:ext uri="{FF2B5EF4-FFF2-40B4-BE49-F238E27FC236}">
+                <a16:creationId xmlns:a16="http://schemas.microsoft.com/office/drawing/2014/main" id="{CCB49D7F-A40B-2950-C3BB-13981C780200}"/>
+              </a:ext>
+            </a:extLst>
+          </p:cNvPr>
+          <p:cNvGrpSpPr/>
+          <p:nvPr/>
+        </p:nvGrpSpPr>
+        <p:grpSpPr>
+          <a:xfrm>
+            <a:off x="0" y="0"/>
+            <a:ext cx="12192000" cy="6858000"/>
+            <a:chOff x="1143000" y="1238490"/>
+            <a:chExt cx="7772400" cy="3777325"/>
+          </a:xfrm>
+        </p:grpSpPr>
+        <p:pic>
+          <p:nvPicPr>
+            <p:cNvPr id="4" name="그림 3" descr="폰트, 로고, 그래픽, 화이트이(가) 표시된 사진&#10;&#10;자동 생성된 설명">
+              <a:extLst>
+                <a:ext uri="{FF2B5EF4-FFF2-40B4-BE49-F238E27FC236}">
+                  <a16:creationId xmlns:a16="http://schemas.microsoft.com/office/drawing/2014/main" id="{B742D47A-36C2-B9F0-BC20-0E30F4A6AEEC}"/>
+                </a:ext>
+              </a:extLst>
+            </p:cNvPr>
+            <p:cNvPicPr>
+              <a:picLocks noChangeAspect="1"/>
+            </p:cNvPicPr>
+            <p:nvPr/>
+          </p:nvPicPr>
+          <p:blipFill>
+            <a:blip r:embed="rId2"/>
+            <a:srcRect t="13650"/>
+            <a:stretch/>
+          </p:blipFill>
+          <p:spPr>
+            <a:xfrm>
+              <a:off x="1143000" y="1238490"/>
+              <a:ext cx="7772400" cy="3777325"/>
+            </a:xfrm>
+            <a:prstGeom prst="rect">
+              <a:avLst/>
+            </a:prstGeom>
+          </p:spPr>
+        </p:pic>
+        <p:sp>
+          <p:nvSpPr>
+            <p:cNvPr id="8" name="TextBox 7">
+              <a:extLst>
+                <a:ext uri="{FF2B5EF4-FFF2-40B4-BE49-F238E27FC236}">
+                  <a16:creationId xmlns:a16="http://schemas.microsoft.com/office/drawing/2014/main" id="{B3D8B992-313F-AA19-ECC1-9BA2DED76D4E}"/>
+                </a:ext>
+              </a:extLst>
+            </p:cNvPr>
+            <p:cNvSpPr txBox="1"/>
+            <p:nvPr/>
+          </p:nvSpPr>
+          <p:spPr>
+            <a:xfrm>
+              <a:off x="1794075" y="3336403"/>
+              <a:ext cx="6470249" cy="1169692"/>
+            </a:xfrm>
+            <a:prstGeom prst="rect">
+              <a:avLst/>
+            </a:prstGeom>
+            <a:noFill/>
+          </p:spPr>
+          <p:txBody>
+            <a:bodyPr wrap="square" rtlCol="0">
+              <a:spAutoFit/>
+            </a:bodyPr>
+            <a:lstStyle/>
+            <a:p>
+              <a:pPr algn="ctr"/>
+              <a:r>
+                <a:rPr kumimoji="1" lang="en-US" altLang="ko-KR" sz="4400" b="1" dirty="0">
+                  <a:latin typeface="D2Coding" panose="020B0609020101020101" pitchFamily="49" charset="-127"/>
+                  <a:ea typeface="D2Coding" panose="020B0609020101020101" pitchFamily="49" charset="-127"/>
+                </a:rPr>
+                <a:t>Day 59</a:t>
+              </a:r>
+            </a:p>
+            <a:p>
+              <a:pPr algn="ctr"/>
+              <a:r>
+                <a:rPr kumimoji="1" lang="en" altLang="ko-KR" sz="4400" b="1" dirty="0">
+                  <a:latin typeface="D2Coding" panose="020B0609020101020101" pitchFamily="49" charset="-127"/>
+                  <a:ea typeface="D2Coding" panose="020B0609020101020101" pitchFamily="49" charset="-127"/>
+                </a:rPr>
+                <a:t>Java</a:t>
+              </a:r>
+              <a:r>
+                <a:rPr kumimoji="1" lang="ko-KR" altLang="en-US" sz="4400" b="1" dirty="0">
+                  <a:latin typeface="D2Coding" panose="020B0609020101020101" pitchFamily="49" charset="-127"/>
+                  <a:ea typeface="D2Coding" panose="020B0609020101020101" pitchFamily="49" charset="-127"/>
+                </a:rPr>
+                <a:t>프로그래밍 기초</a:t>
+              </a:r>
+              <a:r>
+                <a:rPr kumimoji="1" lang="en-US" altLang="ko-KR" sz="4400" b="1" dirty="0">
+                  <a:latin typeface="D2Coding" panose="020B0609020101020101" pitchFamily="49" charset="-127"/>
+                  <a:ea typeface="D2Coding" panose="020B0609020101020101" pitchFamily="49" charset="-127"/>
+                </a:rPr>
+                <a:t>(</a:t>
+              </a:r>
+              <a:r>
+                <a:rPr kumimoji="1" lang="en" altLang="ko-KR" sz="4400" b="1" dirty="0">
+                  <a:latin typeface="D2Coding" panose="020B0609020101020101" pitchFamily="49" charset="-127"/>
+                  <a:ea typeface="D2Coding" panose="020B0609020101020101" pitchFamily="49" charset="-127"/>
+                </a:rPr>
+                <a:t>reflect),</a:t>
+              </a:r>
+            </a:p>
+            <a:p>
+              <a:pPr algn="ctr"/>
+              <a:r>
+                <a:rPr kumimoji="1" lang="en" altLang="ko-KR" sz="4400" b="1" dirty="0">
+                  <a:latin typeface="D2Coding" panose="020B0609020101020101" pitchFamily="49" charset="-127"/>
+                  <a:ea typeface="D2Coding" panose="020B0609020101020101" pitchFamily="49" charset="-127"/>
+                </a:rPr>
+                <a:t> </a:t>
+              </a:r>
+              <a:r>
+                <a:rPr kumimoji="1" lang="ko-KR" altLang="en-US" sz="4400" b="1" dirty="0">
+                  <a:latin typeface="D2Coding" panose="020B0609020101020101" pitchFamily="49" charset="-127"/>
+                  <a:ea typeface="D2Coding" panose="020B0609020101020101" pitchFamily="49" charset="-127"/>
+                </a:rPr>
+                <a:t>실습프로젝트</a:t>
+              </a:r>
+              <a:r>
+                <a:rPr kumimoji="1" lang="en-US" altLang="ko-KR" sz="4400" b="1" dirty="0">
+                  <a:latin typeface="D2Coding" panose="020B0609020101020101" pitchFamily="49" charset="-127"/>
+                  <a:ea typeface="D2Coding" panose="020B0609020101020101" pitchFamily="49" charset="-127"/>
+                </a:rPr>
+                <a:t>(</a:t>
+              </a:r>
+              <a:r>
+                <a:rPr kumimoji="1" lang="en" altLang="ko-KR" sz="4400" b="1" dirty="0" err="1">
+                  <a:latin typeface="D2Coding" panose="020B0609020101020101" pitchFamily="49" charset="-127"/>
+                  <a:ea typeface="D2Coding" panose="020B0609020101020101" pitchFamily="49" charset="-127"/>
+                </a:rPr>
+                <a:t>Mybatis</a:t>
+              </a:r>
+              <a:r>
+                <a:rPr kumimoji="1" lang="en" altLang="ko-KR" sz="4400" b="1" dirty="0">
+                  <a:latin typeface="D2Coding" panose="020B0609020101020101" pitchFamily="49" charset="-127"/>
+                  <a:ea typeface="D2Coding" panose="020B0609020101020101" pitchFamily="49" charset="-127"/>
+                </a:rPr>
+                <a:t>)</a:t>
+              </a:r>
+            </a:p>
+          </p:txBody>
+        </p:sp>
+      </p:grpSp>
+    </p:spTree>
+    <p:extLst>
+      <p:ext uri="{BB962C8B-B14F-4D97-AF65-F5344CB8AC3E}">
+        <p14:creationId xmlns:p14="http://schemas.microsoft.com/office/powerpoint/2010/main" val="637437404"/>
+      </p:ext>
+    </p:extLst>
+  </p:cSld>
+  <p:clrMapOvr>
+    <a:masterClrMapping/>
+  </p:clrMapOvr>
+</p:sld>
+</file>
+
+<file path=ppt/slides/slide56.xml><?xml version="1.0" encoding="utf-8"?>
+<p:sld xmlns:a="http://schemas.openxmlformats.org/drawingml/2006/main" xmlns:r="http://schemas.openxmlformats.org/officeDocument/2006/relationships" xmlns:p="http://schemas.openxmlformats.org/presentationml/2006/main">
+  <p:cSld>
+    <p:spTree>
+      <p:nvGrpSpPr>
+        <p:cNvPr id="1" name=""/>
+        <p:cNvGrpSpPr/>
+        <p:nvPr/>
+      </p:nvGrpSpPr>
+      <p:grpSpPr>
+        <a:xfrm>
+          <a:off x="0" y="0"/>
+          <a:ext cx="0" cy="0"/>
+          <a:chOff x="0" y="0"/>
+          <a:chExt cx="0" cy="0"/>
+        </a:xfrm>
+      </p:grpSpPr>
+      <p:sp>
+        <p:nvSpPr>
+          <p:cNvPr id="6" name="TextBox 5">
+            <a:extLst>
+              <a:ext uri="{FF2B5EF4-FFF2-40B4-BE49-F238E27FC236}">
+                <a16:creationId xmlns:a16="http://schemas.microsoft.com/office/drawing/2014/main" id="{7BC70131-2A0F-D582-388D-5AB1E95FE6C4}"/>
+              </a:ext>
+            </a:extLst>
+          </p:cNvPr>
+          <p:cNvSpPr txBox="1"/>
+          <p:nvPr/>
+        </p:nvSpPr>
+        <p:spPr>
+          <a:xfrm>
+            <a:off x="1021294" y="3808909"/>
+            <a:ext cx="10149410" cy="1384995"/>
+          </a:xfrm>
+          <a:prstGeom prst="rect">
+            <a:avLst/>
+          </a:prstGeom>
+          <a:noFill/>
+        </p:spPr>
+        <p:txBody>
+          <a:bodyPr wrap="square" rtlCol="0">
+            <a:spAutoFit/>
+          </a:bodyPr>
+          <a:lstStyle/>
+          <a:p>
+            <a:pPr algn="ctr"/>
+            <a:r>
+              <a:rPr kumimoji="1" lang="en-US" altLang="ko-KR" sz="2800" b="1" dirty="0">
+                <a:latin typeface="D2Coding" panose="020B0609020101020101" pitchFamily="49" charset="-127"/>
+                <a:ea typeface="D2Coding" panose="020B0609020101020101" pitchFamily="49" charset="-127"/>
+              </a:rPr>
+              <a:t>Day 56</a:t>
+            </a:r>
+          </a:p>
+          <a:p>
+            <a:pPr algn="ctr"/>
+            <a:r>
+              <a:rPr kumimoji="1" lang="en-US" altLang="ko-KR" sz="2800" b="1" dirty="0">
+                <a:latin typeface="D2Coding" panose="020B0609020101020101" pitchFamily="49" charset="-127"/>
+                <a:ea typeface="D2Coding" panose="020B0609020101020101" pitchFamily="49" charset="-127"/>
+              </a:rPr>
+              <a:t>Java</a:t>
+            </a:r>
+            <a:r>
+              <a:rPr kumimoji="1" lang="ko-KR" altLang="en-US" sz="2800" b="1" dirty="0">
+                <a:latin typeface="D2Coding" panose="020B0609020101020101" pitchFamily="49" charset="-127"/>
+                <a:ea typeface="D2Coding" panose="020B0609020101020101" pitchFamily="49" charset="-127"/>
+              </a:rPr>
+              <a:t>프로그래밍 기초</a:t>
+            </a:r>
+            <a:endParaRPr kumimoji="1" lang="en-US" altLang="ko-KR" sz="2800" b="1" dirty="0">
+              <a:latin typeface="D2Coding" panose="020B0609020101020101" pitchFamily="49" charset="-127"/>
+              <a:ea typeface="D2Coding" panose="020B0609020101020101" pitchFamily="49" charset="-127"/>
+            </a:endParaRPr>
+          </a:p>
+          <a:p>
+            <a:pPr algn="ctr"/>
+            <a:r>
+              <a:rPr kumimoji="1" lang="en-US" altLang="ko-KR" sz="2800" b="1" dirty="0">
+                <a:latin typeface="D2Coding" panose="020B0609020101020101" pitchFamily="49" charset="-127"/>
+                <a:ea typeface="D2Coding" panose="020B0609020101020101" pitchFamily="49" charset="-127"/>
+              </a:rPr>
+              <a:t>JDBC – </a:t>
+            </a:r>
+            <a:r>
+              <a:rPr kumimoji="1" lang="ko-KR" altLang="en-US" sz="2800" b="1" dirty="0">
+                <a:latin typeface="D2Coding" panose="020B0609020101020101" pitchFamily="49" charset="-127"/>
+                <a:ea typeface="D2Coding" panose="020B0609020101020101" pitchFamily="49" charset="-127"/>
+              </a:rPr>
+              <a:t>라이브러리 설치 및 등록</a:t>
+            </a:r>
+          </a:p>
+        </p:txBody>
+      </p:sp>
+      <p:grpSp>
+        <p:nvGrpSpPr>
+          <p:cNvPr id="3" name="그룹 2">
+            <a:extLst>
+              <a:ext uri="{FF2B5EF4-FFF2-40B4-BE49-F238E27FC236}">
+                <a16:creationId xmlns:a16="http://schemas.microsoft.com/office/drawing/2014/main" id="{CCB49D7F-A40B-2950-C3BB-13981C780200}"/>
+              </a:ext>
+            </a:extLst>
+          </p:cNvPr>
+          <p:cNvGrpSpPr/>
+          <p:nvPr/>
+        </p:nvGrpSpPr>
+        <p:grpSpPr>
+          <a:xfrm>
+            <a:off x="0" y="0"/>
+            <a:ext cx="12192000" cy="6858000"/>
+            <a:chOff x="1143000" y="1238490"/>
+            <a:chExt cx="7772400" cy="3777325"/>
+          </a:xfrm>
+        </p:grpSpPr>
+        <p:pic>
+          <p:nvPicPr>
+            <p:cNvPr id="4" name="그림 3" descr="폰트, 로고, 그래픽, 화이트이(가) 표시된 사진&#10;&#10;자동 생성된 설명">
+              <a:extLst>
+                <a:ext uri="{FF2B5EF4-FFF2-40B4-BE49-F238E27FC236}">
+                  <a16:creationId xmlns:a16="http://schemas.microsoft.com/office/drawing/2014/main" id="{B742D47A-36C2-B9F0-BC20-0E30F4A6AEEC}"/>
+                </a:ext>
+              </a:extLst>
+            </p:cNvPr>
+            <p:cNvPicPr>
+              <a:picLocks noChangeAspect="1"/>
+            </p:cNvPicPr>
+            <p:nvPr/>
+          </p:nvPicPr>
+          <p:blipFill>
+            <a:blip r:embed="rId2"/>
+            <a:srcRect t="13650"/>
+            <a:stretch/>
+          </p:blipFill>
+          <p:spPr>
+            <a:xfrm>
+              <a:off x="1143000" y="1238490"/>
+              <a:ext cx="7772400" cy="3777325"/>
+            </a:xfrm>
+            <a:prstGeom prst="rect">
+              <a:avLst/>
+            </a:prstGeom>
+          </p:spPr>
+        </p:pic>
+        <p:sp>
+          <p:nvSpPr>
+            <p:cNvPr id="8" name="TextBox 7">
+              <a:extLst>
+                <a:ext uri="{FF2B5EF4-FFF2-40B4-BE49-F238E27FC236}">
+                  <a16:creationId xmlns:a16="http://schemas.microsoft.com/office/drawing/2014/main" id="{B3D8B992-313F-AA19-ECC1-9BA2DED76D4E}"/>
+                </a:ext>
+              </a:extLst>
+            </p:cNvPr>
+            <p:cNvSpPr txBox="1"/>
+            <p:nvPr/>
+          </p:nvSpPr>
+          <p:spPr>
+            <a:xfrm>
+              <a:off x="1794075" y="3336403"/>
+              <a:ext cx="6470249" cy="1169692"/>
+            </a:xfrm>
+            <a:prstGeom prst="rect">
+              <a:avLst/>
+            </a:prstGeom>
+            <a:noFill/>
+          </p:spPr>
+          <p:txBody>
+            <a:bodyPr wrap="square" rtlCol="0">
+              <a:spAutoFit/>
+            </a:bodyPr>
+            <a:lstStyle/>
+            <a:p>
+              <a:pPr algn="ctr"/>
+              <a:r>
+                <a:rPr kumimoji="1" lang="en-US" altLang="ko-KR" sz="4400" b="1" dirty="0">
+                  <a:latin typeface="D2Coding" panose="020B0609020101020101" pitchFamily="49" charset="-127"/>
+                  <a:ea typeface="D2Coding" panose="020B0609020101020101" pitchFamily="49" charset="-127"/>
+                </a:rPr>
+                <a:t>Day 60</a:t>
+              </a:r>
+            </a:p>
+            <a:p>
+              <a:pPr algn="ctr"/>
+              <a:r>
+                <a:rPr kumimoji="1" lang="ko-KR" altLang="en-US" sz="4400" b="1" dirty="0">
+                  <a:latin typeface="D2Coding" panose="020B0609020101020101" pitchFamily="49" charset="-127"/>
+                  <a:ea typeface="D2Coding" panose="020B0609020101020101" pitchFamily="49" charset="-127"/>
+                </a:rPr>
+                <a:t>실습프로젝트</a:t>
+              </a:r>
+              <a:r>
+                <a:rPr kumimoji="1" lang="en-US" altLang="ko-KR" sz="4400" b="1" dirty="0">
+                  <a:latin typeface="D2Coding" panose="020B0609020101020101" pitchFamily="49" charset="-127"/>
+                  <a:ea typeface="D2Coding" panose="020B0609020101020101" pitchFamily="49" charset="-127"/>
+                </a:rPr>
+                <a:t>(</a:t>
+              </a:r>
+              <a:r>
+                <a:rPr kumimoji="1" lang="en" altLang="ko-KR" sz="4400" b="1" dirty="0" err="1">
+                  <a:latin typeface="D2Coding" panose="020B0609020101020101" pitchFamily="49" charset="-127"/>
+                  <a:ea typeface="D2Coding" panose="020B0609020101020101" pitchFamily="49" charset="-127"/>
+                </a:rPr>
+                <a:t>Mybatis</a:t>
+              </a:r>
+              <a:r>
+                <a:rPr kumimoji="1" lang="en" altLang="ko-KR" sz="4400" b="1" dirty="0">
+                  <a:latin typeface="D2Coding" panose="020B0609020101020101" pitchFamily="49" charset="-127"/>
+                  <a:ea typeface="D2Coding" panose="020B0609020101020101" pitchFamily="49" charset="-127"/>
+                </a:rPr>
+                <a:t>),</a:t>
+              </a:r>
+            </a:p>
+            <a:p>
+              <a:pPr algn="ctr"/>
+              <a:r>
+                <a:rPr kumimoji="1" lang="en" altLang="ko-KR" sz="4400" b="1" dirty="0">
+                  <a:latin typeface="D2Coding" panose="020B0609020101020101" pitchFamily="49" charset="-127"/>
+                  <a:ea typeface="D2Coding" panose="020B0609020101020101" pitchFamily="49" charset="-127"/>
+                </a:rPr>
+                <a:t>Java</a:t>
+              </a:r>
+              <a:r>
+                <a:rPr kumimoji="1" lang="ko-KR" altLang="en-US" sz="4400" b="1" dirty="0">
+                  <a:latin typeface="D2Coding" panose="020B0609020101020101" pitchFamily="49" charset="-127"/>
+                  <a:ea typeface="D2Coding" panose="020B0609020101020101" pitchFamily="49" charset="-127"/>
+                </a:rPr>
+                <a:t>프로그래밍 기초</a:t>
+              </a:r>
+              <a:r>
+                <a:rPr kumimoji="1" lang="en-US" altLang="ko-KR" sz="4400" b="1" dirty="0">
+                  <a:latin typeface="D2Coding" panose="020B0609020101020101" pitchFamily="49" charset="-127"/>
+                  <a:ea typeface="D2Coding" panose="020B0609020101020101" pitchFamily="49" charset="-127"/>
+                </a:rPr>
+                <a:t>(</a:t>
+              </a:r>
+              <a:r>
+                <a:rPr kumimoji="1" lang="en" altLang="ko-KR" sz="4400" b="1" dirty="0">
+                  <a:latin typeface="D2Coding" panose="020B0609020101020101" pitchFamily="49" charset="-127"/>
+                  <a:ea typeface="D2Coding" panose="020B0609020101020101" pitchFamily="49" charset="-127"/>
+                </a:rPr>
+                <a:t>Annotation)</a:t>
+              </a:r>
+            </a:p>
+          </p:txBody>
+        </p:sp>
+      </p:grpSp>
+    </p:spTree>
+    <p:extLst>
+      <p:ext uri="{BB962C8B-B14F-4D97-AF65-F5344CB8AC3E}">
+        <p14:creationId xmlns:p14="http://schemas.microsoft.com/office/powerpoint/2010/main" val="82022385"/>
+      </p:ext>
+    </p:extLst>
+  </p:cSld>
+  <p:clrMapOvr>
+    <a:masterClrMapping/>
+  </p:clrMapOvr>
+</p:sld>
+</file>
+
+<file path=ppt/slides/slide6.xml><?xml version="1.0" encoding="utf-8"?>
 <p:sld xmlns:a="http://schemas.openxmlformats.org/drawingml/2006/main" xmlns:r="http://schemas.openxmlformats.org/officeDocument/2006/relationships" xmlns:p="http://schemas.openxmlformats.org/presentationml/2006/main">
   <p:cSld>
     <p:spTree>
@@ -12166,31 +15482,53 @@
                   <a:latin typeface="D2Coding" panose="020B0609020101020101" pitchFamily="49" charset="-127"/>
                   <a:ea typeface="D2Coding" panose="020B0609020101020101" pitchFamily="49" charset="-127"/>
                 </a:rPr>
-                <a:t>Day 45</a:t>
+                <a:t>Day 03</a:t>
               </a:r>
             </a:p>
             <a:p>
-              <a:pPr algn="ctr"/>
+              <a:r>
+                <a:rPr lang="en" altLang="ko-KR" sz="4400" dirty="0">
+                  <a:solidFill>
+                    <a:srgbClr val="BCBEC4"/>
+                  </a:solidFill>
+                  <a:effectLst/>
+                </a:rPr>
+                <a:t> </a:t>
+              </a:r>
+              <a:r>
+                <a:rPr kumimoji="1" lang="en" altLang="ko-KR" sz="4400" b="1" dirty="0">
+                  <a:latin typeface="D2Coding" panose="020B0609020101020101" pitchFamily="49" charset="-127"/>
+                  <a:ea typeface="D2Coding" panose="020B0609020101020101" pitchFamily="49" charset="-127"/>
+                </a:rPr>
+                <a:t>Application </a:t>
+              </a:r>
+              <a:r>
+                <a:rPr kumimoji="1" lang="ko-KR" altLang="en-US" sz="4400" b="1" dirty="0">
+                  <a:latin typeface="D2Coding" panose="020B0609020101020101" pitchFamily="49" charset="-127"/>
+                  <a:ea typeface="D2Coding" panose="020B0609020101020101" pitchFamily="49" charset="-127"/>
+                </a:rPr>
+                <a:t>개념</a:t>
+              </a:r>
               <a:r>
                 <a:rPr kumimoji="1" lang="en-US" altLang="ko-KR" sz="4400" b="1" dirty="0">
                   <a:latin typeface="D2Coding" panose="020B0609020101020101" pitchFamily="49" charset="-127"/>
                   <a:ea typeface="D2Coding" panose="020B0609020101020101" pitchFamily="49" charset="-127"/>
                 </a:rPr>
-                <a:t>Java</a:t>
-              </a:r>
-              <a:r>
-                <a:rPr kumimoji="1" lang="ko-KR" altLang="en-US" sz="4400" b="1" dirty="0">
-                  <a:latin typeface="D2Coding" panose="020B0609020101020101" pitchFamily="49" charset="-127"/>
-                  <a:ea typeface="D2Coding" panose="020B0609020101020101" pitchFamily="49" charset="-127"/>
-                </a:rPr>
-                <a:t>프로그래밍 기초</a:t>
-              </a:r>
-              <a:r>
-                <a:rPr kumimoji="1" lang="en-US" altLang="ko-KR" sz="4400" b="1" dirty="0">
-                  <a:latin typeface="D2Coding" panose="020B0609020101020101" pitchFamily="49" charset="-127"/>
-                  <a:ea typeface="D2Coding" panose="020B0609020101020101" pitchFamily="49" charset="-127"/>
-                </a:rPr>
-                <a:t>(Network)</a:t>
+                <a:t>, </a:t>
+              </a:r>
+              <a:r>
+                <a:rPr kumimoji="1" lang="en" altLang="ko-KR" sz="4400" b="1" dirty="0">
+                  <a:latin typeface="D2Coding" panose="020B0609020101020101" pitchFamily="49" charset="-127"/>
+                  <a:ea typeface="D2Coding" panose="020B0609020101020101" pitchFamily="49" charset="-127"/>
+                </a:rPr>
+                <a:t>Java </a:t>
+              </a:r>
+              <a:r>
+                <a:rPr kumimoji="1" lang="ko-KR" altLang="en-US" sz="4400" b="1" dirty="0" err="1">
+                  <a:latin typeface="D2Coding" panose="020B0609020101020101" pitchFamily="49" charset="-127"/>
+                  <a:ea typeface="D2Coding" panose="020B0609020101020101" pitchFamily="49" charset="-127"/>
+                </a:rPr>
+                <a:t>기초및설치</a:t>
               </a:r>
               <a:endParaRPr kumimoji="1" lang="ko-KR" altLang="en-US" sz="4400" b="1" dirty="0">
                 <a:latin typeface="D2Coding" panose="020B0609020101020101" pitchFamily="49" charset="-127"/>
@@ -12203,7 +15541,7 @@
     </p:spTree>
     <p:extLst>
       <p:ext uri="{BB962C8B-B14F-4D97-AF65-F5344CB8AC3E}">
-        <p14:creationId xmlns:p14="http://schemas.microsoft.com/office/powerpoint/2010/main" val="2217921325"/>
+        <p14:creationId xmlns:p14="http://schemas.microsoft.com/office/powerpoint/2010/main" val="3366627122"/>
       </p:ext>
     </p:extLst>
   </p:cSld>
@@ -12213,238 +15551,7 @@
 </p:sld>
 </file>
 
-<file path=ppt/slides/slide44.xml><?xml version="1.0" encoding="utf-8"?>
-<p:sld xmlns:a="http://schemas.openxmlformats.org/drawingml/2006/main" xmlns:r="http://schemas.openxmlformats.org/officeDocument/2006/relationships" xmlns:p="http://schemas.openxmlformats.org/presentationml/2006/main">
-  <p:cSld>
-    <p:spTree>
-      <p:nvGrpSpPr>
-        <p:cNvPr id="1" name=""/>
-        <p:cNvGrpSpPr/>
-        <p:nvPr/>
-      </p:nvGrpSpPr>
-      <p:grpSpPr>
-        <a:xfrm>
-          <a:off x="0" y="0"/>
-          <a:ext cx="0" cy="0"/>
-          <a:chOff x="0" y="0"/>
-          <a:chExt cx="0" cy="0"/>
-        </a:xfrm>
-      </p:grpSpPr>
-      <p:sp>
-        <p:nvSpPr>
-          <p:cNvPr id="6" name="TextBox 5">
-            <a:extLst>
-              <a:ext uri="{FF2B5EF4-FFF2-40B4-BE49-F238E27FC236}">
-                <a16:creationId xmlns:a16="http://schemas.microsoft.com/office/drawing/2014/main" id="{7BC70131-2A0F-D582-388D-5AB1E95FE6C4}"/>
-              </a:ext>
-            </a:extLst>
-          </p:cNvPr>
-          <p:cNvSpPr txBox="1"/>
-          <p:nvPr/>
-        </p:nvSpPr>
-        <p:spPr>
-          <a:xfrm>
-            <a:off x="1021294" y="3808909"/>
-            <a:ext cx="10149410" cy="1384995"/>
-          </a:xfrm>
-          <a:prstGeom prst="rect">
-            <a:avLst/>
-          </a:prstGeom>
-          <a:noFill/>
-        </p:spPr>
-        <p:txBody>
-          <a:bodyPr wrap="square" rtlCol="0">
-            <a:spAutoFit/>
-          </a:bodyPr>
-          <a:lstStyle/>
-          <a:p>
-            <a:pPr algn="ctr"/>
-            <a:r>
-              <a:rPr kumimoji="1" lang="en-US" altLang="ko-KR" sz="2800" b="1" dirty="0">
-                <a:latin typeface="D2Coding" panose="020B0609020101020101" pitchFamily="49" charset="-127"/>
-                <a:ea typeface="D2Coding" panose="020B0609020101020101" pitchFamily="49" charset="-127"/>
-              </a:rPr>
-              <a:t>Day 56</a:t>
-            </a:r>
-          </a:p>
-          <a:p>
-            <a:pPr algn="ctr"/>
-            <a:r>
-              <a:rPr kumimoji="1" lang="en-US" altLang="ko-KR" sz="2800" b="1" dirty="0">
-                <a:latin typeface="D2Coding" panose="020B0609020101020101" pitchFamily="49" charset="-127"/>
-                <a:ea typeface="D2Coding" panose="020B0609020101020101" pitchFamily="49" charset="-127"/>
-              </a:rPr>
-              <a:t>Java</a:t>
-            </a:r>
-            <a:r>
-              <a:rPr kumimoji="1" lang="ko-KR" altLang="en-US" sz="2800" b="1" dirty="0">
-                <a:latin typeface="D2Coding" panose="020B0609020101020101" pitchFamily="49" charset="-127"/>
-                <a:ea typeface="D2Coding" panose="020B0609020101020101" pitchFamily="49" charset="-127"/>
-              </a:rPr>
-              <a:t>프로그래밍 기초</a:t>
-            </a:r>
-            <a:endParaRPr kumimoji="1" lang="en-US" altLang="ko-KR" sz="2800" b="1" dirty="0">
-              <a:latin typeface="D2Coding" panose="020B0609020101020101" pitchFamily="49" charset="-127"/>
-              <a:ea typeface="D2Coding" panose="020B0609020101020101" pitchFamily="49" charset="-127"/>
-            </a:endParaRPr>
-          </a:p>
-          <a:p>
-            <a:pPr algn="ctr"/>
-            <a:r>
-              <a:rPr kumimoji="1" lang="en-US" altLang="ko-KR" sz="2800" b="1" dirty="0">
-                <a:latin typeface="D2Coding" panose="020B0609020101020101" pitchFamily="49" charset="-127"/>
-                <a:ea typeface="D2Coding" panose="020B0609020101020101" pitchFamily="49" charset="-127"/>
-              </a:rPr>
-              <a:t>JDBC – </a:t>
-            </a:r>
-            <a:r>
-              <a:rPr kumimoji="1" lang="ko-KR" altLang="en-US" sz="2800" b="1" dirty="0">
-                <a:latin typeface="D2Coding" panose="020B0609020101020101" pitchFamily="49" charset="-127"/>
-                <a:ea typeface="D2Coding" panose="020B0609020101020101" pitchFamily="49" charset="-127"/>
-              </a:rPr>
-              <a:t>라이브러리 설치 및 등록</a:t>
-            </a:r>
-          </a:p>
-        </p:txBody>
-      </p:sp>
-      <p:grpSp>
-        <p:nvGrpSpPr>
-          <p:cNvPr id="3" name="그룹 2">
-            <a:extLst>
-              <a:ext uri="{FF2B5EF4-FFF2-40B4-BE49-F238E27FC236}">
-                <a16:creationId xmlns:a16="http://schemas.microsoft.com/office/drawing/2014/main" id="{CCB49D7F-A40B-2950-C3BB-13981C780200}"/>
-              </a:ext>
-            </a:extLst>
-          </p:cNvPr>
-          <p:cNvGrpSpPr/>
-          <p:nvPr/>
-        </p:nvGrpSpPr>
-        <p:grpSpPr>
-          <a:xfrm>
-            <a:off x="0" y="0"/>
-            <a:ext cx="12192000" cy="6858000"/>
-            <a:chOff x="1143000" y="1238490"/>
-            <a:chExt cx="7772400" cy="3777325"/>
-          </a:xfrm>
-        </p:grpSpPr>
-        <p:pic>
-          <p:nvPicPr>
-            <p:cNvPr id="4" name="그림 3" descr="폰트, 로고, 그래픽, 화이트이(가) 표시된 사진&#10;&#10;자동 생성된 설명">
-              <a:extLst>
-                <a:ext uri="{FF2B5EF4-FFF2-40B4-BE49-F238E27FC236}">
-                  <a16:creationId xmlns:a16="http://schemas.microsoft.com/office/drawing/2014/main" id="{B742D47A-36C2-B9F0-BC20-0E30F4A6AEEC}"/>
-                </a:ext>
-              </a:extLst>
-            </p:cNvPr>
-            <p:cNvPicPr>
-              <a:picLocks noChangeAspect="1"/>
-            </p:cNvPicPr>
-            <p:nvPr/>
-          </p:nvPicPr>
-          <p:blipFill>
-            <a:blip r:embed="rId2"/>
-            <a:srcRect t="13650"/>
-            <a:stretch/>
-          </p:blipFill>
-          <p:spPr>
-            <a:xfrm>
-              <a:off x="1143000" y="1238490"/>
-              <a:ext cx="7772400" cy="3777325"/>
-            </a:xfrm>
-            <a:prstGeom prst="rect">
-              <a:avLst/>
-            </a:prstGeom>
-          </p:spPr>
-        </p:pic>
-        <p:sp>
-          <p:nvSpPr>
-            <p:cNvPr id="8" name="TextBox 7">
-              <a:extLst>
-                <a:ext uri="{FF2B5EF4-FFF2-40B4-BE49-F238E27FC236}">
-                  <a16:creationId xmlns:a16="http://schemas.microsoft.com/office/drawing/2014/main" id="{B3D8B992-313F-AA19-ECC1-9BA2DED76D4E}"/>
-                </a:ext>
-              </a:extLst>
-            </p:cNvPr>
-            <p:cNvSpPr txBox="1"/>
-            <p:nvPr/>
-          </p:nvSpPr>
-          <p:spPr>
-            <a:xfrm>
-              <a:off x="1794075" y="3336403"/>
-              <a:ext cx="6470249" cy="1169692"/>
-            </a:xfrm>
-            <a:prstGeom prst="rect">
-              <a:avLst/>
-            </a:prstGeom>
-            <a:noFill/>
-          </p:spPr>
-          <p:txBody>
-            <a:bodyPr wrap="square" rtlCol="0">
-              <a:spAutoFit/>
-            </a:bodyPr>
-            <a:lstStyle/>
-            <a:p>
-              <a:pPr algn="ctr"/>
-              <a:r>
-                <a:rPr kumimoji="1" lang="en-US" altLang="ko-KR" sz="4400" b="1" dirty="0">
-                  <a:latin typeface="D2Coding" panose="020B0609020101020101" pitchFamily="49" charset="-127"/>
-                  <a:ea typeface="D2Coding" panose="020B0609020101020101" pitchFamily="49" charset="-127"/>
-                </a:rPr>
-                <a:t>Day 46</a:t>
-              </a:r>
-            </a:p>
-            <a:p>
-              <a:pPr algn="ctr"/>
-              <a:r>
-                <a:rPr kumimoji="1" lang="en-US" altLang="ko-KR" sz="4400" b="1" dirty="0">
-                  <a:latin typeface="D2Coding" panose="020B0609020101020101" pitchFamily="49" charset="-127"/>
-                  <a:ea typeface="D2Coding" panose="020B0609020101020101" pitchFamily="49" charset="-127"/>
-                </a:rPr>
-                <a:t>Java</a:t>
-              </a:r>
-              <a:r>
-                <a:rPr kumimoji="1" lang="ko-KR" altLang="en-US" sz="4400" b="1" dirty="0">
-                  <a:latin typeface="D2Coding" panose="020B0609020101020101" pitchFamily="49" charset="-127"/>
-                  <a:ea typeface="D2Coding" panose="020B0609020101020101" pitchFamily="49" charset="-127"/>
-                </a:rPr>
-                <a:t>프로그래밍 기초</a:t>
-              </a:r>
-              <a:r>
-                <a:rPr kumimoji="1" lang="en-US" altLang="ko-KR" sz="4400" b="1" dirty="0">
-                  <a:latin typeface="D2Coding" panose="020B0609020101020101" pitchFamily="49" charset="-127"/>
-                  <a:ea typeface="D2Coding" panose="020B0609020101020101" pitchFamily="49" charset="-127"/>
-                </a:rPr>
-                <a:t>(Network)</a:t>
-              </a:r>
-              <a:endParaRPr kumimoji="1" lang="ko-KR" altLang="en-US" sz="4400" b="1" dirty="0">
-                <a:latin typeface="D2Coding" panose="020B0609020101020101" pitchFamily="49" charset="-127"/>
-                <a:ea typeface="D2Coding" panose="020B0609020101020101" pitchFamily="49" charset="-127"/>
-              </a:endParaRPr>
-            </a:p>
-            <a:p>
-              <a:pPr algn="ctr"/>
-              <a:endParaRPr kumimoji="1" lang="ko-KR" altLang="en-US" sz="4400" b="1" dirty="0">
-                <a:latin typeface="D2Coding" panose="020B0609020101020101" pitchFamily="49" charset="-127"/>
-                <a:ea typeface="D2Coding" panose="020B0609020101020101" pitchFamily="49" charset="-127"/>
-              </a:endParaRPr>
-            </a:p>
-          </p:txBody>
-        </p:sp>
-      </p:grpSp>
-    </p:spTree>
-    <p:extLst>
-      <p:ext uri="{BB962C8B-B14F-4D97-AF65-F5344CB8AC3E}">
-        <p14:creationId xmlns:p14="http://schemas.microsoft.com/office/powerpoint/2010/main" val="3855682810"/>
-      </p:ext>
-    </p:extLst>
-  </p:cSld>
-  <p:clrMapOvr>
-    <a:masterClrMapping/>
-  </p:clrMapOvr>
-</p:sld>
-</file>
-
-<file path=ppt/slides/slide45.xml><?xml version="1.0" encoding="utf-8"?>
+<file path=ppt/slides/slide7.xml><?xml version="1.0" encoding="utf-8"?>
 <p:sld xmlns:a="http://schemas.openxmlformats.org/drawingml/2006/main" xmlns:r="http://schemas.openxmlformats.org/officeDocument/2006/relationships" xmlns:p="http://schemas.openxmlformats.org/presentationml/2006/main">
   <p:cSld>
     <p:spTree>
@@ -12621,36 +15728,39 @@
                   <a:latin typeface="D2Coding" panose="020B0609020101020101" pitchFamily="49" charset="-127"/>
                   <a:ea typeface="D2Coding" panose="020B0609020101020101" pitchFamily="49" charset="-127"/>
                 </a:rPr>
-                <a:t>Day 48</a:t>
+                <a:t>Day 04</a:t>
               </a:r>
             </a:p>
             <a:p>
               <a:pPr algn="ctr"/>
               <a:r>
-                <a:rPr kumimoji="1" lang="en-US" altLang="ko-KR" sz="4400" b="1" dirty="0">
-                  <a:latin typeface="D2Coding" panose="020B0609020101020101" pitchFamily="49" charset="-127"/>
-                  <a:ea typeface="D2Coding" panose="020B0609020101020101" pitchFamily="49" charset="-127"/>
-                </a:rPr>
-                <a:t>Java</a:t>
+                <a:rPr kumimoji="1" lang="en" altLang="ko-KR" sz="4400" b="1" dirty="0">
+                  <a:latin typeface="D2Coding" panose="020B0609020101020101" pitchFamily="49" charset="-127"/>
+                  <a:ea typeface="D2Coding" panose="020B0609020101020101" pitchFamily="49" charset="-127"/>
+                </a:rPr>
+                <a:t>Java </a:t>
               </a:r>
               <a:r>
                 <a:rPr kumimoji="1" lang="ko-KR" altLang="en-US" sz="4400" b="1" dirty="0">
                   <a:latin typeface="D2Coding" panose="020B0609020101020101" pitchFamily="49" charset="-127"/>
                   <a:ea typeface="D2Coding" panose="020B0609020101020101" pitchFamily="49" charset="-127"/>
                 </a:rPr>
-                <a:t>프로그래밍 기초</a:t>
-              </a:r>
-              <a:r>
-                <a:rPr kumimoji="1" lang="en-US" altLang="ko-KR" sz="4400" b="1" dirty="0">
-                  <a:latin typeface="D2Coding" panose="020B0609020101020101" pitchFamily="49" charset="-127"/>
-                  <a:ea typeface="D2Coding" panose="020B0609020101020101" pitchFamily="49" charset="-127"/>
-                </a:rPr>
-                <a:t>(Thread)</a:t>
-              </a:r>
-              <a:endParaRPr kumimoji="1" lang="ko-KR" altLang="en-US" sz="4400" b="1" dirty="0">
-                <a:latin typeface="D2Coding" panose="020B0609020101020101" pitchFamily="49" charset="-127"/>
-                <a:ea typeface="D2Coding" panose="020B0609020101020101" pitchFamily="49" charset="-127"/>
-              </a:endParaRPr>
+                <a:t>기본설정 및 </a:t>
+              </a:r>
+              <a:r>
+                <a:rPr kumimoji="1" lang="en" altLang="ko-KR" sz="4400" b="1" dirty="0">
+                  <a:latin typeface="D2Coding" panose="020B0609020101020101" pitchFamily="49" charset="-127"/>
+                  <a:ea typeface="D2Coding" panose="020B0609020101020101" pitchFamily="49" charset="-127"/>
+                </a:rPr>
+                <a:t>Gradle </a:t>
+              </a:r>
+              <a:r>
+                <a:rPr kumimoji="1" lang="ko-KR" altLang="en-US" sz="4400" b="1" dirty="0">
+                  <a:latin typeface="D2Coding" panose="020B0609020101020101" pitchFamily="49" charset="-127"/>
+                  <a:ea typeface="D2Coding" panose="020B0609020101020101" pitchFamily="49" charset="-127"/>
+                </a:rPr>
+                <a:t>설치</a:t>
+              </a:r>
             </a:p>
           </p:txBody>
         </p:sp>
@@ -12658,7 +15768,7 @@
     </p:spTree>
     <p:extLst>
       <p:ext uri="{BB962C8B-B14F-4D97-AF65-F5344CB8AC3E}">
-        <p14:creationId xmlns:p14="http://schemas.microsoft.com/office/powerpoint/2010/main" val="2696677069"/>
+        <p14:creationId xmlns:p14="http://schemas.microsoft.com/office/powerpoint/2010/main" val="2295665768"/>
       </p:ext>
     </p:extLst>
   </p:cSld>
@@ -12668,7 +15778,7 @@
 </p:sld>
 </file>
 
-<file path=ppt/slides/slide46.xml><?xml version="1.0" encoding="utf-8"?>
+<file path=ppt/slides/slide8.xml><?xml version="1.0" encoding="utf-8"?>
 <p:sld xmlns:a="http://schemas.openxmlformats.org/drawingml/2006/main" xmlns:r="http://schemas.openxmlformats.org/officeDocument/2006/relationships" xmlns:p="http://schemas.openxmlformats.org/presentationml/2006/main">
   <p:cSld>
     <p:spTree>
@@ -12845,7 +15955,7 @@
                   <a:latin typeface="D2Coding" panose="020B0609020101020101" pitchFamily="49" charset="-127"/>
                   <a:ea typeface="D2Coding" panose="020B0609020101020101" pitchFamily="49" charset="-127"/>
                 </a:rPr>
-                <a:t>Day 51</a:t>
+                <a:t>Day 05</a:t>
               </a:r>
             </a:p>
             <a:p>
@@ -12855,14 +15965,28 @@
                   <a:latin typeface="D2Coding" panose="020B0609020101020101" pitchFamily="49" charset="-127"/>
                   <a:ea typeface="D2Coding" panose="020B0609020101020101" pitchFamily="49" charset="-127"/>
                 </a:rPr>
-                <a:t>MySQL</a:t>
+                <a:t>Bytecode</a:t>
               </a:r>
               <a:r>
                 <a:rPr kumimoji="1" lang="ko-KR" altLang="en-US" sz="4400" b="1" dirty="0">
                   <a:latin typeface="D2Coding" panose="020B0609020101020101" pitchFamily="49" charset="-127"/>
                   <a:ea typeface="D2Coding" panose="020B0609020101020101" pitchFamily="49" charset="-127"/>
                 </a:rPr>
-                <a:t>기초</a:t>
+                <a:t>작성 및 </a:t>
+              </a:r>
+              <a:r>
+                <a:rPr kumimoji="1" lang="en" altLang="ko-KR" sz="4400" b="1" dirty="0">
+                  <a:latin typeface="D2Coding" panose="020B0609020101020101" pitchFamily="49" charset="-127"/>
+                  <a:ea typeface="D2Coding" panose="020B0609020101020101" pitchFamily="49" charset="-127"/>
+                </a:rPr>
+                <a:t>Java</a:t>
+              </a:r>
+              <a:r>
+                <a:rPr kumimoji="1" lang="ko-KR" altLang="en-US" sz="4400" b="1" dirty="0">
+                  <a:latin typeface="D2Coding" panose="020B0609020101020101" pitchFamily="49" charset="-127"/>
+                  <a:ea typeface="D2Coding" panose="020B0609020101020101" pitchFamily="49" charset="-127"/>
+                </a:rPr>
+                <a:t>실습</a:t>
               </a:r>
               <a:r>
                 <a:rPr kumimoji="1" lang="en-US" altLang="ko-KR" sz="4400" b="1" dirty="0">
@@ -12872,11 +15996,18 @@
                 <a:t>(</a:t>
               </a:r>
               <a:r>
+                <a:rPr kumimoji="1" lang="en" altLang="ko-KR" sz="4400" b="1" dirty="0" err="1">
+                  <a:latin typeface="D2Coding" panose="020B0609020101020101" pitchFamily="49" charset="-127"/>
+                  <a:ea typeface="D2Coding" panose="020B0609020101020101" pitchFamily="49" charset="-127"/>
+                </a:rPr>
+                <a:t>class,main</a:t>
+              </a:r>
+              <a:r>
                 <a:rPr kumimoji="1" lang="en" altLang="ko-KR" sz="4400" b="1" dirty="0">
                   <a:latin typeface="D2Coding" panose="020B0609020101020101" pitchFamily="49" charset="-127"/>
                   <a:ea typeface="D2Coding" panose="020B0609020101020101" pitchFamily="49" charset="-127"/>
                 </a:rPr>
-                <a:t>DDL)</a:t>
+                <a:t>)</a:t>
               </a:r>
             </a:p>
           </p:txBody>
@@ -12885,7 +16016,7 @@
     </p:spTree>
     <p:extLst>
       <p:ext uri="{BB962C8B-B14F-4D97-AF65-F5344CB8AC3E}">
-        <p14:creationId xmlns:p14="http://schemas.microsoft.com/office/powerpoint/2010/main" val="3125174358"/>
+        <p14:creationId xmlns:p14="http://schemas.microsoft.com/office/powerpoint/2010/main" val="1191375512"/>
       </p:ext>
     </p:extLst>
   </p:cSld>
@@ -12895,7 +16026,7 @@
 </p:sld>
 </file>
 
-<file path=ppt/slides/slide47.xml><?xml version="1.0" encoding="utf-8"?>
+<file path=ppt/slides/slide9.xml><?xml version="1.0" encoding="utf-8"?>
 <p:sld xmlns:a="http://schemas.openxmlformats.org/drawingml/2006/main" xmlns:r="http://schemas.openxmlformats.org/officeDocument/2006/relationships" xmlns:p="http://schemas.openxmlformats.org/presentationml/2006/main">
   <p:cSld>
     <p:spTree>
@@ -13072,2256 +16203,6 @@
                   <a:latin typeface="D2Coding" panose="020B0609020101020101" pitchFamily="49" charset="-127"/>
                   <a:ea typeface="D2Coding" panose="020B0609020101020101" pitchFamily="49" charset="-127"/>
                 </a:rPr>
-                <a:t>Day 52</a:t>
-              </a:r>
-            </a:p>
-            <a:p>
-              <a:pPr algn="ctr"/>
-              <a:r>
-                <a:rPr kumimoji="1" lang="en-US" altLang="ko-KR" sz="4400" b="1" dirty="0">
-                  <a:latin typeface="D2Coding" panose="020B0609020101020101" pitchFamily="49" charset="-127"/>
-                  <a:ea typeface="D2Coding" panose="020B0609020101020101" pitchFamily="49" charset="-127"/>
-                </a:rPr>
-                <a:t>MySQL</a:t>
-              </a:r>
-              <a:r>
-                <a:rPr kumimoji="1" lang="ko-KR" altLang="en-US" sz="4400" b="1" dirty="0">
-                  <a:latin typeface="D2Coding" panose="020B0609020101020101" pitchFamily="49" charset="-127"/>
-                  <a:ea typeface="D2Coding" panose="020B0609020101020101" pitchFamily="49" charset="-127"/>
-                </a:rPr>
-                <a:t>기초</a:t>
-              </a:r>
-              <a:r>
-                <a:rPr kumimoji="1" lang="en-US" altLang="ko-KR" sz="4400" b="1" dirty="0">
-                  <a:latin typeface="D2Coding" panose="020B0609020101020101" pitchFamily="49" charset="-127"/>
-                  <a:ea typeface="D2Coding" panose="020B0609020101020101" pitchFamily="49" charset="-127"/>
-                </a:rPr>
-                <a:t>(DNL, DQL)</a:t>
-              </a:r>
-              <a:endParaRPr kumimoji="1" lang="ko-KR" altLang="en-US" sz="4400" b="1" dirty="0">
-                <a:latin typeface="D2Coding" panose="020B0609020101020101" pitchFamily="49" charset="-127"/>
-                <a:ea typeface="D2Coding" panose="020B0609020101020101" pitchFamily="49" charset="-127"/>
-              </a:endParaRPr>
-            </a:p>
-          </p:txBody>
-        </p:sp>
-      </p:grpSp>
-    </p:spTree>
-    <p:extLst>
-      <p:ext uri="{BB962C8B-B14F-4D97-AF65-F5344CB8AC3E}">
-        <p14:creationId xmlns:p14="http://schemas.microsoft.com/office/powerpoint/2010/main" val="4194415952"/>
-      </p:ext>
-    </p:extLst>
-  </p:cSld>
-  <p:clrMapOvr>
-    <a:masterClrMapping/>
-  </p:clrMapOvr>
-</p:sld>
-</file>
-
-<file path=ppt/slides/slide48.xml><?xml version="1.0" encoding="utf-8"?>
-<p:sld xmlns:a="http://schemas.openxmlformats.org/drawingml/2006/main" xmlns:r="http://schemas.openxmlformats.org/officeDocument/2006/relationships" xmlns:p="http://schemas.openxmlformats.org/presentationml/2006/main">
-  <p:cSld>
-    <p:spTree>
-      <p:nvGrpSpPr>
-        <p:cNvPr id="1" name=""/>
-        <p:cNvGrpSpPr/>
-        <p:nvPr/>
-      </p:nvGrpSpPr>
-      <p:grpSpPr>
-        <a:xfrm>
-          <a:off x="0" y="0"/>
-          <a:ext cx="0" cy="0"/>
-          <a:chOff x="0" y="0"/>
-          <a:chExt cx="0" cy="0"/>
-        </a:xfrm>
-      </p:grpSpPr>
-      <p:sp>
-        <p:nvSpPr>
-          <p:cNvPr id="6" name="TextBox 5">
-            <a:extLst>
-              <a:ext uri="{FF2B5EF4-FFF2-40B4-BE49-F238E27FC236}">
-                <a16:creationId xmlns:a16="http://schemas.microsoft.com/office/drawing/2014/main" id="{7BC70131-2A0F-D582-388D-5AB1E95FE6C4}"/>
-              </a:ext>
-            </a:extLst>
-          </p:cNvPr>
-          <p:cNvSpPr txBox="1"/>
-          <p:nvPr/>
-        </p:nvSpPr>
-        <p:spPr>
-          <a:xfrm>
-            <a:off x="1021294" y="3808909"/>
-            <a:ext cx="10149410" cy="1384995"/>
-          </a:xfrm>
-          <a:prstGeom prst="rect">
-            <a:avLst/>
-          </a:prstGeom>
-          <a:noFill/>
-        </p:spPr>
-        <p:txBody>
-          <a:bodyPr wrap="square" rtlCol="0">
-            <a:spAutoFit/>
-          </a:bodyPr>
-          <a:lstStyle/>
-          <a:p>
-            <a:pPr algn="ctr"/>
-            <a:r>
-              <a:rPr kumimoji="1" lang="en-US" altLang="ko-KR" sz="2800" b="1" dirty="0">
-                <a:latin typeface="D2Coding" panose="020B0609020101020101" pitchFamily="49" charset="-127"/>
-                <a:ea typeface="D2Coding" panose="020B0609020101020101" pitchFamily="49" charset="-127"/>
-              </a:rPr>
-              <a:t>Day 56</a:t>
-            </a:r>
-          </a:p>
-          <a:p>
-            <a:pPr algn="ctr"/>
-            <a:r>
-              <a:rPr kumimoji="1" lang="en-US" altLang="ko-KR" sz="2800" b="1" dirty="0">
-                <a:latin typeface="D2Coding" panose="020B0609020101020101" pitchFamily="49" charset="-127"/>
-                <a:ea typeface="D2Coding" panose="020B0609020101020101" pitchFamily="49" charset="-127"/>
-              </a:rPr>
-              <a:t>Java</a:t>
-            </a:r>
-            <a:r>
-              <a:rPr kumimoji="1" lang="ko-KR" altLang="en-US" sz="2800" b="1" dirty="0">
-                <a:latin typeface="D2Coding" panose="020B0609020101020101" pitchFamily="49" charset="-127"/>
-                <a:ea typeface="D2Coding" panose="020B0609020101020101" pitchFamily="49" charset="-127"/>
-              </a:rPr>
-              <a:t>프로그래밍 기초</a:t>
-            </a:r>
-            <a:endParaRPr kumimoji="1" lang="en-US" altLang="ko-KR" sz="2800" b="1" dirty="0">
-              <a:latin typeface="D2Coding" panose="020B0609020101020101" pitchFamily="49" charset="-127"/>
-              <a:ea typeface="D2Coding" panose="020B0609020101020101" pitchFamily="49" charset="-127"/>
-            </a:endParaRPr>
-          </a:p>
-          <a:p>
-            <a:pPr algn="ctr"/>
-            <a:r>
-              <a:rPr kumimoji="1" lang="en-US" altLang="ko-KR" sz="2800" b="1" dirty="0">
-                <a:latin typeface="D2Coding" panose="020B0609020101020101" pitchFamily="49" charset="-127"/>
-                <a:ea typeface="D2Coding" panose="020B0609020101020101" pitchFamily="49" charset="-127"/>
-              </a:rPr>
-              <a:t>JDBC – </a:t>
-            </a:r>
-            <a:r>
-              <a:rPr kumimoji="1" lang="ko-KR" altLang="en-US" sz="2800" b="1" dirty="0">
-                <a:latin typeface="D2Coding" panose="020B0609020101020101" pitchFamily="49" charset="-127"/>
-                <a:ea typeface="D2Coding" panose="020B0609020101020101" pitchFamily="49" charset="-127"/>
-              </a:rPr>
-              <a:t>라이브러리 설치 및 등록</a:t>
-            </a:r>
-          </a:p>
-        </p:txBody>
-      </p:sp>
-      <p:grpSp>
-        <p:nvGrpSpPr>
-          <p:cNvPr id="3" name="그룹 2">
-            <a:extLst>
-              <a:ext uri="{FF2B5EF4-FFF2-40B4-BE49-F238E27FC236}">
-                <a16:creationId xmlns:a16="http://schemas.microsoft.com/office/drawing/2014/main" id="{CCB49D7F-A40B-2950-C3BB-13981C780200}"/>
-              </a:ext>
-            </a:extLst>
-          </p:cNvPr>
-          <p:cNvGrpSpPr/>
-          <p:nvPr/>
-        </p:nvGrpSpPr>
-        <p:grpSpPr>
-          <a:xfrm>
-            <a:off x="0" y="0"/>
-            <a:ext cx="12192000" cy="6858000"/>
-            <a:chOff x="1143000" y="1238490"/>
-            <a:chExt cx="7772400" cy="3777325"/>
-          </a:xfrm>
-        </p:grpSpPr>
-        <p:pic>
-          <p:nvPicPr>
-            <p:cNvPr id="4" name="그림 3" descr="폰트, 로고, 그래픽, 화이트이(가) 표시된 사진&#10;&#10;자동 생성된 설명">
-              <a:extLst>
-                <a:ext uri="{FF2B5EF4-FFF2-40B4-BE49-F238E27FC236}">
-                  <a16:creationId xmlns:a16="http://schemas.microsoft.com/office/drawing/2014/main" id="{B742D47A-36C2-B9F0-BC20-0E30F4A6AEEC}"/>
-                </a:ext>
-              </a:extLst>
-            </p:cNvPr>
-            <p:cNvPicPr>
-              <a:picLocks noChangeAspect="1"/>
-            </p:cNvPicPr>
-            <p:nvPr/>
-          </p:nvPicPr>
-          <p:blipFill>
-            <a:blip r:embed="rId2"/>
-            <a:srcRect t="13650"/>
-            <a:stretch/>
-          </p:blipFill>
-          <p:spPr>
-            <a:xfrm>
-              <a:off x="1143000" y="1238490"/>
-              <a:ext cx="7772400" cy="3777325"/>
-            </a:xfrm>
-            <a:prstGeom prst="rect">
-              <a:avLst/>
-            </a:prstGeom>
-          </p:spPr>
-        </p:pic>
-        <p:sp>
-          <p:nvSpPr>
-            <p:cNvPr id="8" name="TextBox 7">
-              <a:extLst>
-                <a:ext uri="{FF2B5EF4-FFF2-40B4-BE49-F238E27FC236}">
-                  <a16:creationId xmlns:a16="http://schemas.microsoft.com/office/drawing/2014/main" id="{B3D8B992-313F-AA19-ECC1-9BA2DED76D4E}"/>
-                </a:ext>
-              </a:extLst>
-            </p:cNvPr>
-            <p:cNvSpPr txBox="1"/>
-            <p:nvPr/>
-          </p:nvSpPr>
-          <p:spPr>
-            <a:xfrm>
-              <a:off x="1794075" y="3336403"/>
-              <a:ext cx="6470249" cy="796747"/>
-            </a:xfrm>
-            <a:prstGeom prst="rect">
-              <a:avLst/>
-            </a:prstGeom>
-            <a:noFill/>
-          </p:spPr>
-          <p:txBody>
-            <a:bodyPr wrap="square" rtlCol="0">
-              <a:spAutoFit/>
-            </a:bodyPr>
-            <a:lstStyle/>
-            <a:p>
-              <a:pPr algn="ctr"/>
-              <a:r>
-                <a:rPr kumimoji="1" lang="en-US" altLang="ko-KR" sz="4400" b="1" dirty="0">
-                  <a:latin typeface="D2Coding" panose="020B0609020101020101" pitchFamily="49" charset="-127"/>
-                  <a:ea typeface="D2Coding" panose="020B0609020101020101" pitchFamily="49" charset="-127"/>
-                </a:rPr>
-                <a:t>Day 53</a:t>
-              </a:r>
-            </a:p>
-            <a:p>
-              <a:pPr algn="ctr"/>
-              <a:r>
-                <a:rPr kumimoji="1" lang="en-US" altLang="ko-KR" sz="4400" b="1" dirty="0">
-                  <a:latin typeface="D2Coding" panose="020B0609020101020101" pitchFamily="49" charset="-127"/>
-                  <a:ea typeface="D2Coding" panose="020B0609020101020101" pitchFamily="49" charset="-127"/>
-                </a:rPr>
-                <a:t>Java</a:t>
-              </a:r>
-              <a:r>
-                <a:rPr kumimoji="1" lang="ko-KR" altLang="en-US" sz="4400" b="1" dirty="0">
-                  <a:latin typeface="D2Coding" panose="020B0609020101020101" pitchFamily="49" charset="-127"/>
-                  <a:ea typeface="D2Coding" panose="020B0609020101020101" pitchFamily="49" charset="-127"/>
-                </a:rPr>
-                <a:t>프로그래밍 기초</a:t>
-              </a:r>
-              <a:r>
-                <a:rPr kumimoji="1" lang="en-US" altLang="ko-KR" sz="4400" b="1" dirty="0">
-                  <a:latin typeface="D2Coding" panose="020B0609020101020101" pitchFamily="49" charset="-127"/>
-                  <a:ea typeface="D2Coding" panose="020B0609020101020101" pitchFamily="49" charset="-127"/>
-                </a:rPr>
-                <a:t>(DB)</a:t>
-              </a:r>
-              <a:endParaRPr kumimoji="1" lang="ko-KR" altLang="en-US" sz="4400" b="1" dirty="0">
-                <a:latin typeface="D2Coding" panose="020B0609020101020101" pitchFamily="49" charset="-127"/>
-                <a:ea typeface="D2Coding" panose="020B0609020101020101" pitchFamily="49" charset="-127"/>
-              </a:endParaRPr>
-            </a:p>
-          </p:txBody>
-        </p:sp>
-      </p:grpSp>
-    </p:spTree>
-    <p:extLst>
-      <p:ext uri="{BB962C8B-B14F-4D97-AF65-F5344CB8AC3E}">
-        <p14:creationId xmlns:p14="http://schemas.microsoft.com/office/powerpoint/2010/main" val="798867869"/>
-      </p:ext>
-    </p:extLst>
-  </p:cSld>
-  <p:clrMapOvr>
-    <a:masterClrMapping/>
-  </p:clrMapOvr>
-</p:sld>
-</file>
-
-<file path=ppt/slides/slide49.xml><?xml version="1.0" encoding="utf-8"?>
-<p:sld xmlns:a="http://schemas.openxmlformats.org/drawingml/2006/main" xmlns:r="http://schemas.openxmlformats.org/officeDocument/2006/relationships" xmlns:p="http://schemas.openxmlformats.org/presentationml/2006/main">
-  <p:cSld>
-    <p:spTree>
-      <p:nvGrpSpPr>
-        <p:cNvPr id="1" name=""/>
-        <p:cNvGrpSpPr/>
-        <p:nvPr/>
-      </p:nvGrpSpPr>
-      <p:grpSpPr>
-        <a:xfrm>
-          <a:off x="0" y="0"/>
-          <a:ext cx="0" cy="0"/>
-          <a:chOff x="0" y="0"/>
-          <a:chExt cx="0" cy="0"/>
-        </a:xfrm>
-      </p:grpSpPr>
-      <p:sp>
-        <p:nvSpPr>
-          <p:cNvPr id="6" name="TextBox 5">
-            <a:extLst>
-              <a:ext uri="{FF2B5EF4-FFF2-40B4-BE49-F238E27FC236}">
-                <a16:creationId xmlns:a16="http://schemas.microsoft.com/office/drawing/2014/main" id="{7BC70131-2A0F-D582-388D-5AB1E95FE6C4}"/>
-              </a:ext>
-            </a:extLst>
-          </p:cNvPr>
-          <p:cNvSpPr txBox="1"/>
-          <p:nvPr/>
-        </p:nvSpPr>
-        <p:spPr>
-          <a:xfrm>
-            <a:off x="1021294" y="3808909"/>
-            <a:ext cx="10149410" cy="1384995"/>
-          </a:xfrm>
-          <a:prstGeom prst="rect">
-            <a:avLst/>
-          </a:prstGeom>
-          <a:noFill/>
-        </p:spPr>
-        <p:txBody>
-          <a:bodyPr wrap="square" rtlCol="0">
-            <a:spAutoFit/>
-          </a:bodyPr>
-          <a:lstStyle/>
-          <a:p>
-            <a:pPr algn="ctr"/>
-            <a:r>
-              <a:rPr kumimoji="1" lang="en-US" altLang="ko-KR" sz="2800" b="1" dirty="0">
-                <a:latin typeface="D2Coding" panose="020B0609020101020101" pitchFamily="49" charset="-127"/>
-                <a:ea typeface="D2Coding" panose="020B0609020101020101" pitchFamily="49" charset="-127"/>
-              </a:rPr>
-              <a:t>Day 56</a:t>
-            </a:r>
-          </a:p>
-          <a:p>
-            <a:pPr algn="ctr"/>
-            <a:r>
-              <a:rPr kumimoji="1" lang="en-US" altLang="ko-KR" sz="2800" b="1" dirty="0">
-                <a:latin typeface="D2Coding" panose="020B0609020101020101" pitchFamily="49" charset="-127"/>
-                <a:ea typeface="D2Coding" panose="020B0609020101020101" pitchFamily="49" charset="-127"/>
-              </a:rPr>
-              <a:t>Java</a:t>
-            </a:r>
-            <a:r>
-              <a:rPr kumimoji="1" lang="ko-KR" altLang="en-US" sz="2800" b="1" dirty="0">
-                <a:latin typeface="D2Coding" panose="020B0609020101020101" pitchFamily="49" charset="-127"/>
-                <a:ea typeface="D2Coding" panose="020B0609020101020101" pitchFamily="49" charset="-127"/>
-              </a:rPr>
-              <a:t>프로그래밍 기초</a:t>
-            </a:r>
-            <a:endParaRPr kumimoji="1" lang="en-US" altLang="ko-KR" sz="2800" b="1" dirty="0">
-              <a:latin typeface="D2Coding" panose="020B0609020101020101" pitchFamily="49" charset="-127"/>
-              <a:ea typeface="D2Coding" panose="020B0609020101020101" pitchFamily="49" charset="-127"/>
-            </a:endParaRPr>
-          </a:p>
-          <a:p>
-            <a:pPr algn="ctr"/>
-            <a:r>
-              <a:rPr kumimoji="1" lang="en-US" altLang="ko-KR" sz="2800" b="1" dirty="0">
-                <a:latin typeface="D2Coding" panose="020B0609020101020101" pitchFamily="49" charset="-127"/>
-                <a:ea typeface="D2Coding" panose="020B0609020101020101" pitchFamily="49" charset="-127"/>
-              </a:rPr>
-              <a:t>JDBC – </a:t>
-            </a:r>
-            <a:r>
-              <a:rPr kumimoji="1" lang="ko-KR" altLang="en-US" sz="2800" b="1" dirty="0">
-                <a:latin typeface="D2Coding" panose="020B0609020101020101" pitchFamily="49" charset="-127"/>
-                <a:ea typeface="D2Coding" panose="020B0609020101020101" pitchFamily="49" charset="-127"/>
-              </a:rPr>
-              <a:t>라이브러리 설치 및 등록</a:t>
-            </a:r>
-          </a:p>
-        </p:txBody>
-      </p:sp>
-      <p:grpSp>
-        <p:nvGrpSpPr>
-          <p:cNvPr id="3" name="그룹 2">
-            <a:extLst>
-              <a:ext uri="{FF2B5EF4-FFF2-40B4-BE49-F238E27FC236}">
-                <a16:creationId xmlns:a16="http://schemas.microsoft.com/office/drawing/2014/main" id="{CCB49D7F-A40B-2950-C3BB-13981C780200}"/>
-              </a:ext>
-            </a:extLst>
-          </p:cNvPr>
-          <p:cNvGrpSpPr/>
-          <p:nvPr/>
-        </p:nvGrpSpPr>
-        <p:grpSpPr>
-          <a:xfrm>
-            <a:off x="0" y="0"/>
-            <a:ext cx="12192000" cy="6858000"/>
-            <a:chOff x="1143000" y="1238490"/>
-            <a:chExt cx="7772400" cy="3777325"/>
-          </a:xfrm>
-        </p:grpSpPr>
-        <p:pic>
-          <p:nvPicPr>
-            <p:cNvPr id="4" name="그림 3" descr="폰트, 로고, 그래픽, 화이트이(가) 표시된 사진&#10;&#10;자동 생성된 설명">
-              <a:extLst>
-                <a:ext uri="{FF2B5EF4-FFF2-40B4-BE49-F238E27FC236}">
-                  <a16:creationId xmlns:a16="http://schemas.microsoft.com/office/drawing/2014/main" id="{B742D47A-36C2-B9F0-BC20-0E30F4A6AEEC}"/>
-                </a:ext>
-              </a:extLst>
-            </p:cNvPr>
-            <p:cNvPicPr>
-              <a:picLocks noChangeAspect="1"/>
-            </p:cNvPicPr>
-            <p:nvPr/>
-          </p:nvPicPr>
-          <p:blipFill>
-            <a:blip r:embed="rId2"/>
-            <a:srcRect t="13650"/>
-            <a:stretch/>
-          </p:blipFill>
-          <p:spPr>
-            <a:xfrm>
-              <a:off x="1143000" y="1238490"/>
-              <a:ext cx="7772400" cy="3777325"/>
-            </a:xfrm>
-            <a:prstGeom prst="rect">
-              <a:avLst/>
-            </a:prstGeom>
-          </p:spPr>
-        </p:pic>
-        <p:sp>
-          <p:nvSpPr>
-            <p:cNvPr id="8" name="TextBox 7">
-              <a:extLst>
-                <a:ext uri="{FF2B5EF4-FFF2-40B4-BE49-F238E27FC236}">
-                  <a16:creationId xmlns:a16="http://schemas.microsoft.com/office/drawing/2014/main" id="{B3D8B992-313F-AA19-ECC1-9BA2DED76D4E}"/>
-                </a:ext>
-              </a:extLst>
-            </p:cNvPr>
-            <p:cNvSpPr txBox="1"/>
-            <p:nvPr/>
-          </p:nvSpPr>
-          <p:spPr>
-            <a:xfrm>
-              <a:off x="1794075" y="3336403"/>
-              <a:ext cx="6470249" cy="796747"/>
-            </a:xfrm>
-            <a:prstGeom prst="rect">
-              <a:avLst/>
-            </a:prstGeom>
-            <a:noFill/>
-          </p:spPr>
-          <p:txBody>
-            <a:bodyPr wrap="square" rtlCol="0">
-              <a:spAutoFit/>
-            </a:bodyPr>
-            <a:lstStyle/>
-            <a:p>
-              <a:pPr algn="ctr"/>
-              <a:r>
-                <a:rPr kumimoji="1" lang="en-US" altLang="ko-KR" sz="4400" b="1" dirty="0">
-                  <a:latin typeface="D2Coding" panose="020B0609020101020101" pitchFamily="49" charset="-127"/>
-                  <a:ea typeface="D2Coding" panose="020B0609020101020101" pitchFamily="49" charset="-127"/>
-                </a:rPr>
-                <a:t>Day 54</a:t>
-              </a:r>
-            </a:p>
-            <a:p>
-              <a:pPr algn="ctr"/>
-              <a:r>
-                <a:rPr kumimoji="1" lang="en-US" altLang="ko-KR" sz="4400" b="1" dirty="0">
-                  <a:latin typeface="D2Coding" panose="020B0609020101020101" pitchFamily="49" charset="-127"/>
-                  <a:ea typeface="D2Coding" panose="020B0609020101020101" pitchFamily="49" charset="-127"/>
-                </a:rPr>
-                <a:t>SQL</a:t>
-              </a:r>
-              <a:r>
-                <a:rPr kumimoji="1" lang="ko-KR" altLang="en-US" sz="4400" b="1" dirty="0">
-                  <a:latin typeface="D2Coding" panose="020B0609020101020101" pitchFamily="49" charset="-127"/>
-                  <a:ea typeface="D2Coding" panose="020B0609020101020101" pitchFamily="49" charset="-127"/>
-                </a:rPr>
-                <a:t>기초</a:t>
-              </a:r>
-              <a:r>
-                <a:rPr kumimoji="1" lang="en-US" altLang="ko-KR" sz="4400" b="1" dirty="0">
-                  <a:latin typeface="D2Coding" panose="020B0609020101020101" pitchFamily="49" charset="-127"/>
-                  <a:ea typeface="D2Coding" panose="020B0609020101020101" pitchFamily="49" charset="-127"/>
-                </a:rPr>
-                <a:t>(Foreign Ket</a:t>
-              </a:r>
-              <a:r>
-                <a:rPr kumimoji="1" lang="ko-KR" altLang="en-US" sz="4400" b="1" dirty="0">
-                  <a:latin typeface="D2Coding" panose="020B0609020101020101" pitchFamily="49" charset="-127"/>
-                  <a:ea typeface="D2Coding" panose="020B0609020101020101" pitchFamily="49" charset="-127"/>
-                </a:rPr>
-                <a:t>키</a:t>
-              </a:r>
-              <a:r>
-                <a:rPr kumimoji="1" lang="en-US" altLang="ko-KR" sz="4400" b="1" dirty="0">
-                  <a:latin typeface="D2Coding" panose="020B0609020101020101" pitchFamily="49" charset="-127"/>
-                  <a:ea typeface="D2Coding" panose="020B0609020101020101" pitchFamily="49" charset="-127"/>
-                </a:rPr>
-                <a:t>)</a:t>
-              </a:r>
-              <a:endParaRPr kumimoji="1" lang="ko-KR" altLang="en-US" sz="4400" b="1" dirty="0">
-                <a:latin typeface="D2Coding" panose="020B0609020101020101" pitchFamily="49" charset="-127"/>
-                <a:ea typeface="D2Coding" panose="020B0609020101020101" pitchFamily="49" charset="-127"/>
-              </a:endParaRPr>
-            </a:p>
-          </p:txBody>
-        </p:sp>
-      </p:grpSp>
-    </p:spTree>
-    <p:extLst>
-      <p:ext uri="{BB962C8B-B14F-4D97-AF65-F5344CB8AC3E}">
-        <p14:creationId xmlns:p14="http://schemas.microsoft.com/office/powerpoint/2010/main" val="1090319033"/>
-      </p:ext>
-    </p:extLst>
-  </p:cSld>
-  <p:clrMapOvr>
-    <a:masterClrMapping/>
-  </p:clrMapOvr>
-</p:sld>
-</file>
-
-<file path=ppt/slides/slide5.xml><?xml version="1.0" encoding="utf-8"?>
-<p:sld xmlns:a="http://schemas.openxmlformats.org/drawingml/2006/main" xmlns:r="http://schemas.openxmlformats.org/officeDocument/2006/relationships" xmlns:p="http://schemas.openxmlformats.org/presentationml/2006/main">
-  <p:cSld>
-    <p:spTree>
-      <p:nvGrpSpPr>
-        <p:cNvPr id="1" name=""/>
-        <p:cNvGrpSpPr/>
-        <p:nvPr/>
-      </p:nvGrpSpPr>
-      <p:grpSpPr>
-        <a:xfrm>
-          <a:off x="0" y="0"/>
-          <a:ext cx="0" cy="0"/>
-          <a:chOff x="0" y="0"/>
-          <a:chExt cx="0" cy="0"/>
-        </a:xfrm>
-      </p:grpSpPr>
-      <p:sp>
-        <p:nvSpPr>
-          <p:cNvPr id="6" name="TextBox 5">
-            <a:extLst>
-              <a:ext uri="{FF2B5EF4-FFF2-40B4-BE49-F238E27FC236}">
-                <a16:creationId xmlns:a16="http://schemas.microsoft.com/office/drawing/2014/main" id="{7BC70131-2A0F-D582-388D-5AB1E95FE6C4}"/>
-              </a:ext>
-            </a:extLst>
-          </p:cNvPr>
-          <p:cNvSpPr txBox="1"/>
-          <p:nvPr/>
-        </p:nvSpPr>
-        <p:spPr>
-          <a:xfrm>
-            <a:off x="1021294" y="3808909"/>
-            <a:ext cx="10149410" cy="1384995"/>
-          </a:xfrm>
-          <a:prstGeom prst="rect">
-            <a:avLst/>
-          </a:prstGeom>
-          <a:noFill/>
-        </p:spPr>
-        <p:txBody>
-          <a:bodyPr wrap="square" rtlCol="0">
-            <a:spAutoFit/>
-          </a:bodyPr>
-          <a:lstStyle/>
-          <a:p>
-            <a:pPr algn="ctr"/>
-            <a:r>
-              <a:rPr kumimoji="1" lang="en-US" altLang="ko-KR" sz="2800" b="1" dirty="0">
-                <a:latin typeface="D2Coding" panose="020B0609020101020101" pitchFamily="49" charset="-127"/>
-                <a:ea typeface="D2Coding" panose="020B0609020101020101" pitchFamily="49" charset="-127"/>
-              </a:rPr>
-              <a:t>Day 56</a:t>
-            </a:r>
-          </a:p>
-          <a:p>
-            <a:pPr algn="ctr"/>
-            <a:r>
-              <a:rPr kumimoji="1" lang="en-US" altLang="ko-KR" sz="2800" b="1" dirty="0">
-                <a:latin typeface="D2Coding" panose="020B0609020101020101" pitchFamily="49" charset="-127"/>
-                <a:ea typeface="D2Coding" panose="020B0609020101020101" pitchFamily="49" charset="-127"/>
-              </a:rPr>
-              <a:t>Java</a:t>
-            </a:r>
-            <a:r>
-              <a:rPr kumimoji="1" lang="ko-KR" altLang="en-US" sz="2800" b="1" dirty="0">
-                <a:latin typeface="D2Coding" panose="020B0609020101020101" pitchFamily="49" charset="-127"/>
-                <a:ea typeface="D2Coding" panose="020B0609020101020101" pitchFamily="49" charset="-127"/>
-              </a:rPr>
-              <a:t>프로그래밍 기초</a:t>
-            </a:r>
-            <a:endParaRPr kumimoji="1" lang="en-US" altLang="ko-KR" sz="2800" b="1" dirty="0">
-              <a:latin typeface="D2Coding" panose="020B0609020101020101" pitchFamily="49" charset="-127"/>
-              <a:ea typeface="D2Coding" panose="020B0609020101020101" pitchFamily="49" charset="-127"/>
-            </a:endParaRPr>
-          </a:p>
-          <a:p>
-            <a:pPr algn="ctr"/>
-            <a:r>
-              <a:rPr kumimoji="1" lang="en-US" altLang="ko-KR" sz="2800" b="1" dirty="0">
-                <a:latin typeface="D2Coding" panose="020B0609020101020101" pitchFamily="49" charset="-127"/>
-                <a:ea typeface="D2Coding" panose="020B0609020101020101" pitchFamily="49" charset="-127"/>
-              </a:rPr>
-              <a:t>JDBC – </a:t>
-            </a:r>
-            <a:r>
-              <a:rPr kumimoji="1" lang="ko-KR" altLang="en-US" sz="2800" b="1" dirty="0">
-                <a:latin typeface="D2Coding" panose="020B0609020101020101" pitchFamily="49" charset="-127"/>
-                <a:ea typeface="D2Coding" panose="020B0609020101020101" pitchFamily="49" charset="-127"/>
-              </a:rPr>
-              <a:t>라이브러리 설치 및 등록</a:t>
-            </a:r>
-          </a:p>
-        </p:txBody>
-      </p:sp>
-      <p:grpSp>
-        <p:nvGrpSpPr>
-          <p:cNvPr id="3" name="그룹 2">
-            <a:extLst>
-              <a:ext uri="{FF2B5EF4-FFF2-40B4-BE49-F238E27FC236}">
-                <a16:creationId xmlns:a16="http://schemas.microsoft.com/office/drawing/2014/main" id="{CCB49D7F-A40B-2950-C3BB-13981C780200}"/>
-              </a:ext>
-            </a:extLst>
-          </p:cNvPr>
-          <p:cNvGrpSpPr/>
-          <p:nvPr/>
-        </p:nvGrpSpPr>
-        <p:grpSpPr>
-          <a:xfrm>
-            <a:off x="0" y="0"/>
-            <a:ext cx="12192000" cy="6858000"/>
-            <a:chOff x="1143000" y="1238490"/>
-            <a:chExt cx="7772400" cy="3777325"/>
-          </a:xfrm>
-        </p:grpSpPr>
-        <p:pic>
-          <p:nvPicPr>
-            <p:cNvPr id="4" name="그림 3" descr="폰트, 로고, 그래픽, 화이트이(가) 표시된 사진&#10;&#10;자동 생성된 설명">
-              <a:extLst>
-                <a:ext uri="{FF2B5EF4-FFF2-40B4-BE49-F238E27FC236}">
-                  <a16:creationId xmlns:a16="http://schemas.microsoft.com/office/drawing/2014/main" id="{B742D47A-36C2-B9F0-BC20-0E30F4A6AEEC}"/>
-                </a:ext>
-              </a:extLst>
-            </p:cNvPr>
-            <p:cNvPicPr>
-              <a:picLocks noChangeAspect="1"/>
-            </p:cNvPicPr>
-            <p:nvPr/>
-          </p:nvPicPr>
-          <p:blipFill>
-            <a:blip r:embed="rId2"/>
-            <a:srcRect t="13650"/>
-            <a:stretch/>
-          </p:blipFill>
-          <p:spPr>
-            <a:xfrm>
-              <a:off x="1143000" y="1238490"/>
-              <a:ext cx="7772400" cy="3777325"/>
-            </a:xfrm>
-            <a:prstGeom prst="rect">
-              <a:avLst/>
-            </a:prstGeom>
-          </p:spPr>
-        </p:pic>
-        <p:sp>
-          <p:nvSpPr>
-            <p:cNvPr id="8" name="TextBox 7">
-              <a:extLst>
-                <a:ext uri="{FF2B5EF4-FFF2-40B4-BE49-F238E27FC236}">
-                  <a16:creationId xmlns:a16="http://schemas.microsoft.com/office/drawing/2014/main" id="{B3D8B992-313F-AA19-ECC1-9BA2DED76D4E}"/>
-                </a:ext>
-              </a:extLst>
-            </p:cNvPr>
-            <p:cNvSpPr txBox="1"/>
-            <p:nvPr/>
-          </p:nvSpPr>
-          <p:spPr>
-            <a:xfrm>
-              <a:off x="1794075" y="3336403"/>
-              <a:ext cx="6470249" cy="796747"/>
-            </a:xfrm>
-            <a:prstGeom prst="rect">
-              <a:avLst/>
-            </a:prstGeom>
-            <a:noFill/>
-          </p:spPr>
-          <p:txBody>
-            <a:bodyPr wrap="square" rtlCol="0">
-              <a:spAutoFit/>
-            </a:bodyPr>
-            <a:lstStyle/>
-            <a:p>
-              <a:pPr algn="ctr"/>
-              <a:r>
-                <a:rPr kumimoji="1" lang="en-US" altLang="ko-KR" sz="4400" b="1" dirty="0">
-                  <a:latin typeface="D2Coding" panose="020B0609020101020101" pitchFamily="49" charset="-127"/>
-                  <a:ea typeface="D2Coding" panose="020B0609020101020101" pitchFamily="49" charset="-127"/>
-                </a:rPr>
-                <a:t>Day 03</a:t>
-              </a:r>
-            </a:p>
-            <a:p>
-              <a:r>
-                <a:rPr lang="en" altLang="ko-KR" sz="4400" dirty="0">
-                  <a:solidFill>
-                    <a:srgbClr val="BCBEC4"/>
-                  </a:solidFill>
-                  <a:effectLst/>
-                </a:rPr>
-                <a:t> </a:t>
-              </a:r>
-              <a:r>
-                <a:rPr kumimoji="1" lang="en" altLang="ko-KR" sz="4400" b="1" dirty="0">
-                  <a:latin typeface="D2Coding" panose="020B0609020101020101" pitchFamily="49" charset="-127"/>
-                  <a:ea typeface="D2Coding" panose="020B0609020101020101" pitchFamily="49" charset="-127"/>
-                </a:rPr>
-                <a:t>Application </a:t>
-              </a:r>
-              <a:r>
-                <a:rPr kumimoji="1" lang="ko-KR" altLang="en-US" sz="4400" b="1" dirty="0">
-                  <a:latin typeface="D2Coding" panose="020B0609020101020101" pitchFamily="49" charset="-127"/>
-                  <a:ea typeface="D2Coding" panose="020B0609020101020101" pitchFamily="49" charset="-127"/>
-                </a:rPr>
-                <a:t>개념</a:t>
-              </a:r>
-              <a:r>
-                <a:rPr kumimoji="1" lang="en-US" altLang="ko-KR" sz="4400" b="1" dirty="0">
-                  <a:latin typeface="D2Coding" panose="020B0609020101020101" pitchFamily="49" charset="-127"/>
-                  <a:ea typeface="D2Coding" panose="020B0609020101020101" pitchFamily="49" charset="-127"/>
-                </a:rPr>
-                <a:t>, </a:t>
-              </a:r>
-              <a:r>
-                <a:rPr kumimoji="1" lang="en" altLang="ko-KR" sz="4400" b="1" dirty="0">
-                  <a:latin typeface="D2Coding" panose="020B0609020101020101" pitchFamily="49" charset="-127"/>
-                  <a:ea typeface="D2Coding" panose="020B0609020101020101" pitchFamily="49" charset="-127"/>
-                </a:rPr>
-                <a:t>Java </a:t>
-              </a:r>
-              <a:r>
-                <a:rPr kumimoji="1" lang="ko-KR" altLang="en-US" sz="4400" b="1" dirty="0" err="1">
-                  <a:latin typeface="D2Coding" panose="020B0609020101020101" pitchFamily="49" charset="-127"/>
-                  <a:ea typeface="D2Coding" panose="020B0609020101020101" pitchFamily="49" charset="-127"/>
-                </a:rPr>
-                <a:t>기초및설치</a:t>
-              </a:r>
-              <a:endParaRPr kumimoji="1" lang="ko-KR" altLang="en-US" sz="4400" b="1" dirty="0">
-                <a:latin typeface="D2Coding" panose="020B0609020101020101" pitchFamily="49" charset="-127"/>
-                <a:ea typeface="D2Coding" panose="020B0609020101020101" pitchFamily="49" charset="-127"/>
-              </a:endParaRPr>
-            </a:p>
-          </p:txBody>
-        </p:sp>
-      </p:grpSp>
-    </p:spTree>
-    <p:extLst>
-      <p:ext uri="{BB962C8B-B14F-4D97-AF65-F5344CB8AC3E}">
-        <p14:creationId xmlns:p14="http://schemas.microsoft.com/office/powerpoint/2010/main" val="3366627122"/>
-      </p:ext>
-    </p:extLst>
-  </p:cSld>
-  <p:clrMapOvr>
-    <a:masterClrMapping/>
-  </p:clrMapOvr>
-</p:sld>
-</file>
-
-<file path=ppt/slides/slide50.xml><?xml version="1.0" encoding="utf-8"?>
-<p:sld xmlns:a="http://schemas.openxmlformats.org/drawingml/2006/main" xmlns:r="http://schemas.openxmlformats.org/officeDocument/2006/relationships" xmlns:p="http://schemas.openxmlformats.org/presentationml/2006/main">
-  <p:cSld>
-    <p:spTree>
-      <p:nvGrpSpPr>
-        <p:cNvPr id="1" name=""/>
-        <p:cNvGrpSpPr/>
-        <p:nvPr/>
-      </p:nvGrpSpPr>
-      <p:grpSpPr>
-        <a:xfrm>
-          <a:off x="0" y="0"/>
-          <a:ext cx="0" cy="0"/>
-          <a:chOff x="0" y="0"/>
-          <a:chExt cx="0" cy="0"/>
-        </a:xfrm>
-      </p:grpSpPr>
-      <p:grpSp>
-        <p:nvGrpSpPr>
-          <p:cNvPr id="7" name="그룹 6">
-            <a:extLst>
-              <a:ext uri="{FF2B5EF4-FFF2-40B4-BE49-F238E27FC236}">
-                <a16:creationId xmlns:a16="http://schemas.microsoft.com/office/drawing/2014/main" id="{D43A01C3-75D7-CEF4-9A06-955DF6ED173D}"/>
-              </a:ext>
-            </a:extLst>
-          </p:cNvPr>
-          <p:cNvGrpSpPr/>
-          <p:nvPr/>
-        </p:nvGrpSpPr>
-        <p:grpSpPr>
-          <a:xfrm>
-            <a:off x="1143000" y="1238490"/>
-            <a:ext cx="7772400" cy="3777325"/>
-            <a:chOff x="1143000" y="1238490"/>
-            <a:chExt cx="7772400" cy="3777325"/>
-          </a:xfrm>
-        </p:grpSpPr>
-        <p:pic>
-          <p:nvPicPr>
-            <p:cNvPr id="5" name="그림 4" descr="폰트, 로고, 그래픽, 화이트이(가) 표시된 사진&#10;&#10;자동 생성된 설명">
-              <a:extLst>
-                <a:ext uri="{FF2B5EF4-FFF2-40B4-BE49-F238E27FC236}">
-                  <a16:creationId xmlns:a16="http://schemas.microsoft.com/office/drawing/2014/main" id="{80E5AF78-A18A-B84D-6175-24388DFE2CA8}"/>
-                </a:ext>
-              </a:extLst>
-            </p:cNvPr>
-            <p:cNvPicPr>
-              <a:picLocks noChangeAspect="1"/>
-            </p:cNvPicPr>
-            <p:nvPr/>
-          </p:nvPicPr>
-          <p:blipFill>
-            <a:blip r:embed="rId2"/>
-            <a:srcRect t="13650"/>
-            <a:stretch/>
-          </p:blipFill>
-          <p:spPr>
-            <a:xfrm>
-              <a:off x="1143000" y="1238490"/>
-              <a:ext cx="7772400" cy="3777325"/>
-            </a:xfrm>
-            <a:prstGeom prst="rect">
-              <a:avLst/>
-            </a:prstGeom>
-          </p:spPr>
-        </p:pic>
-        <p:sp>
-          <p:nvSpPr>
-            <p:cNvPr id="6" name="TextBox 5">
-              <a:extLst>
-                <a:ext uri="{FF2B5EF4-FFF2-40B4-BE49-F238E27FC236}">
-                  <a16:creationId xmlns:a16="http://schemas.microsoft.com/office/drawing/2014/main" id="{7BC70131-2A0F-D582-388D-5AB1E95FE6C4}"/>
-                </a:ext>
-              </a:extLst>
-            </p:cNvPr>
-            <p:cNvSpPr txBox="1"/>
-            <p:nvPr/>
-          </p:nvSpPr>
-          <p:spPr>
-            <a:xfrm>
-              <a:off x="1794075" y="3336403"/>
-              <a:ext cx="6470249" cy="954107"/>
-            </a:xfrm>
-            <a:prstGeom prst="rect">
-              <a:avLst/>
-            </a:prstGeom>
-            <a:noFill/>
-          </p:spPr>
-          <p:txBody>
-            <a:bodyPr wrap="square" rtlCol="0">
-              <a:spAutoFit/>
-            </a:bodyPr>
-            <a:lstStyle/>
-            <a:p>
-              <a:pPr algn="ctr"/>
-              <a:r>
-                <a:rPr kumimoji="1" lang="en-US" altLang="ko-KR" sz="2800" b="1" dirty="0">
-                  <a:latin typeface="D2Coding" panose="020B0609020101020101" pitchFamily="49" charset="-127"/>
-                  <a:ea typeface="D2Coding" panose="020B0609020101020101" pitchFamily="49" charset="-127"/>
-                </a:rPr>
-                <a:t>Day 55</a:t>
-              </a:r>
-            </a:p>
-            <a:p>
-              <a:pPr algn="ctr"/>
-              <a:r>
-                <a:rPr kumimoji="1" lang="en-US" altLang="ko-KR" sz="2800" b="1" dirty="0">
-                  <a:latin typeface="D2Coding" panose="020B0609020101020101" pitchFamily="49" charset="-127"/>
-                  <a:ea typeface="D2Coding" panose="020B0609020101020101" pitchFamily="49" charset="-127"/>
-                </a:rPr>
-                <a:t>SQL (Join,</a:t>
-              </a:r>
-              <a:r>
-                <a:rPr kumimoji="1" lang="ko-KR" altLang="en-US" sz="2800" b="1" dirty="0">
-                  <a:latin typeface="D2Coding" panose="020B0609020101020101" pitchFamily="49" charset="-127"/>
-                  <a:ea typeface="D2Coding" panose="020B0609020101020101" pitchFamily="49" charset="-127"/>
-                </a:rPr>
-                <a:t> </a:t>
-              </a:r>
-              <a:r>
-                <a:rPr kumimoji="1" lang="en-US" altLang="ko-KR" sz="2800" b="1" dirty="0">
-                  <a:latin typeface="D2Coding" panose="020B0609020101020101" pitchFamily="49" charset="-127"/>
-                  <a:ea typeface="D2Coding" panose="020B0609020101020101" pitchFamily="49" charset="-127"/>
-                </a:rPr>
-                <a:t>Foreign Key)</a:t>
-              </a:r>
-              <a:endParaRPr kumimoji="1" lang="ko-KR" altLang="en-US" sz="2800" b="1" dirty="0">
-                <a:latin typeface="D2Coding" panose="020B0609020101020101" pitchFamily="49" charset="-127"/>
-                <a:ea typeface="D2Coding" panose="020B0609020101020101" pitchFamily="49" charset="-127"/>
-              </a:endParaRPr>
-            </a:p>
-          </p:txBody>
-        </p:sp>
-      </p:grpSp>
-    </p:spTree>
-    <p:extLst>
-      <p:ext uri="{BB962C8B-B14F-4D97-AF65-F5344CB8AC3E}">
-        <p14:creationId xmlns:p14="http://schemas.microsoft.com/office/powerpoint/2010/main" val="3879683388"/>
-      </p:ext>
-    </p:extLst>
-  </p:cSld>
-  <p:clrMapOvr>
-    <a:masterClrMapping/>
-  </p:clrMapOvr>
-</p:sld>
-</file>
-
-<file path=ppt/slides/slide51.xml><?xml version="1.0" encoding="utf-8"?>
-<p:sld xmlns:a="http://schemas.openxmlformats.org/drawingml/2006/main" xmlns:r="http://schemas.openxmlformats.org/officeDocument/2006/relationships" xmlns:p="http://schemas.openxmlformats.org/presentationml/2006/main">
-  <p:cSld>
-    <p:spTree>
-      <p:nvGrpSpPr>
-        <p:cNvPr id="1" name=""/>
-        <p:cNvGrpSpPr/>
-        <p:nvPr/>
-      </p:nvGrpSpPr>
-      <p:grpSpPr>
-        <a:xfrm>
-          <a:off x="0" y="0"/>
-          <a:ext cx="0" cy="0"/>
-          <a:chOff x="0" y="0"/>
-          <a:chExt cx="0" cy="0"/>
-        </a:xfrm>
-      </p:grpSpPr>
-      <p:sp>
-        <p:nvSpPr>
-          <p:cNvPr id="6" name="TextBox 5">
-            <a:extLst>
-              <a:ext uri="{FF2B5EF4-FFF2-40B4-BE49-F238E27FC236}">
-                <a16:creationId xmlns:a16="http://schemas.microsoft.com/office/drawing/2014/main" id="{7BC70131-2A0F-D582-388D-5AB1E95FE6C4}"/>
-              </a:ext>
-            </a:extLst>
-          </p:cNvPr>
-          <p:cNvSpPr txBox="1"/>
-          <p:nvPr/>
-        </p:nvSpPr>
-        <p:spPr>
-          <a:xfrm>
-            <a:off x="1021294" y="3808909"/>
-            <a:ext cx="10149410" cy="1384995"/>
-          </a:xfrm>
-          <a:prstGeom prst="rect">
-            <a:avLst/>
-          </a:prstGeom>
-          <a:noFill/>
-        </p:spPr>
-        <p:txBody>
-          <a:bodyPr wrap="square" rtlCol="0">
-            <a:spAutoFit/>
-          </a:bodyPr>
-          <a:lstStyle/>
-          <a:p>
-            <a:pPr algn="ctr"/>
-            <a:r>
-              <a:rPr kumimoji="1" lang="en-US" altLang="ko-KR" sz="2800" b="1" dirty="0">
-                <a:latin typeface="D2Coding" panose="020B0609020101020101" pitchFamily="49" charset="-127"/>
-                <a:ea typeface="D2Coding" panose="020B0609020101020101" pitchFamily="49" charset="-127"/>
-              </a:rPr>
-              <a:t>Day 56</a:t>
-            </a:r>
-          </a:p>
-          <a:p>
-            <a:pPr algn="ctr"/>
-            <a:r>
-              <a:rPr kumimoji="1" lang="en-US" altLang="ko-KR" sz="2800" b="1" dirty="0">
-                <a:latin typeface="D2Coding" panose="020B0609020101020101" pitchFamily="49" charset="-127"/>
-                <a:ea typeface="D2Coding" panose="020B0609020101020101" pitchFamily="49" charset="-127"/>
-              </a:rPr>
-              <a:t>Java</a:t>
-            </a:r>
-            <a:r>
-              <a:rPr kumimoji="1" lang="ko-KR" altLang="en-US" sz="2800" b="1" dirty="0">
-                <a:latin typeface="D2Coding" panose="020B0609020101020101" pitchFamily="49" charset="-127"/>
-                <a:ea typeface="D2Coding" panose="020B0609020101020101" pitchFamily="49" charset="-127"/>
-              </a:rPr>
-              <a:t>프로그래밍 기초</a:t>
-            </a:r>
-            <a:endParaRPr kumimoji="1" lang="en-US" altLang="ko-KR" sz="2800" b="1" dirty="0">
-              <a:latin typeface="D2Coding" panose="020B0609020101020101" pitchFamily="49" charset="-127"/>
-              <a:ea typeface="D2Coding" panose="020B0609020101020101" pitchFamily="49" charset="-127"/>
-            </a:endParaRPr>
-          </a:p>
-          <a:p>
-            <a:pPr algn="ctr"/>
-            <a:r>
-              <a:rPr kumimoji="1" lang="en-US" altLang="ko-KR" sz="2800" b="1" dirty="0">
-                <a:latin typeface="D2Coding" panose="020B0609020101020101" pitchFamily="49" charset="-127"/>
-                <a:ea typeface="D2Coding" panose="020B0609020101020101" pitchFamily="49" charset="-127"/>
-              </a:rPr>
-              <a:t>JDBC – </a:t>
-            </a:r>
-            <a:r>
-              <a:rPr kumimoji="1" lang="ko-KR" altLang="en-US" sz="2800" b="1" dirty="0">
-                <a:latin typeface="D2Coding" panose="020B0609020101020101" pitchFamily="49" charset="-127"/>
-                <a:ea typeface="D2Coding" panose="020B0609020101020101" pitchFamily="49" charset="-127"/>
-              </a:rPr>
-              <a:t>라이브러리 설치 및 등록</a:t>
-            </a:r>
-          </a:p>
-        </p:txBody>
-      </p:sp>
-      <p:grpSp>
-        <p:nvGrpSpPr>
-          <p:cNvPr id="3" name="그룹 2">
-            <a:extLst>
-              <a:ext uri="{FF2B5EF4-FFF2-40B4-BE49-F238E27FC236}">
-                <a16:creationId xmlns:a16="http://schemas.microsoft.com/office/drawing/2014/main" id="{CCB49D7F-A40B-2950-C3BB-13981C780200}"/>
-              </a:ext>
-            </a:extLst>
-          </p:cNvPr>
-          <p:cNvGrpSpPr/>
-          <p:nvPr/>
-        </p:nvGrpSpPr>
-        <p:grpSpPr>
-          <a:xfrm>
-            <a:off x="0" y="0"/>
-            <a:ext cx="12192000" cy="6858000"/>
-            <a:chOff x="1143000" y="1238490"/>
-            <a:chExt cx="7772400" cy="3777325"/>
-          </a:xfrm>
-        </p:grpSpPr>
-        <p:pic>
-          <p:nvPicPr>
-            <p:cNvPr id="4" name="그림 3" descr="폰트, 로고, 그래픽, 화이트이(가) 표시된 사진&#10;&#10;자동 생성된 설명">
-              <a:extLst>
-                <a:ext uri="{FF2B5EF4-FFF2-40B4-BE49-F238E27FC236}">
-                  <a16:creationId xmlns:a16="http://schemas.microsoft.com/office/drawing/2014/main" id="{B742D47A-36C2-B9F0-BC20-0E30F4A6AEEC}"/>
-                </a:ext>
-              </a:extLst>
-            </p:cNvPr>
-            <p:cNvPicPr>
-              <a:picLocks noChangeAspect="1"/>
-            </p:cNvPicPr>
-            <p:nvPr/>
-          </p:nvPicPr>
-          <p:blipFill>
-            <a:blip r:embed="rId2"/>
-            <a:srcRect t="13650"/>
-            <a:stretch/>
-          </p:blipFill>
-          <p:spPr>
-            <a:xfrm>
-              <a:off x="1143000" y="1238490"/>
-              <a:ext cx="7772400" cy="3777325"/>
-            </a:xfrm>
-            <a:prstGeom prst="rect">
-              <a:avLst/>
-            </a:prstGeom>
-          </p:spPr>
-        </p:pic>
-        <p:sp>
-          <p:nvSpPr>
-            <p:cNvPr id="8" name="TextBox 7">
-              <a:extLst>
-                <a:ext uri="{FF2B5EF4-FFF2-40B4-BE49-F238E27FC236}">
-                  <a16:creationId xmlns:a16="http://schemas.microsoft.com/office/drawing/2014/main" id="{B3D8B992-313F-AA19-ECC1-9BA2DED76D4E}"/>
-                </a:ext>
-              </a:extLst>
-            </p:cNvPr>
-            <p:cNvSpPr txBox="1"/>
-            <p:nvPr/>
-          </p:nvSpPr>
-          <p:spPr>
-            <a:xfrm>
-              <a:off x="1794075" y="3336403"/>
-              <a:ext cx="6470249" cy="796747"/>
-            </a:xfrm>
-            <a:prstGeom prst="rect">
-              <a:avLst/>
-            </a:prstGeom>
-            <a:noFill/>
-          </p:spPr>
-          <p:txBody>
-            <a:bodyPr wrap="square" rtlCol="0">
-              <a:spAutoFit/>
-            </a:bodyPr>
-            <a:lstStyle/>
-            <a:p>
-              <a:pPr algn="ctr"/>
-              <a:r>
-                <a:rPr kumimoji="1" lang="en-US" altLang="ko-KR" sz="4400" b="1" dirty="0">
-                  <a:latin typeface="D2Coding" panose="020B0609020101020101" pitchFamily="49" charset="-127"/>
-                  <a:ea typeface="D2Coding" panose="020B0609020101020101" pitchFamily="49" charset="-127"/>
-                </a:rPr>
-                <a:t>Day 56</a:t>
-              </a:r>
-            </a:p>
-            <a:p>
-              <a:pPr algn="ctr"/>
-              <a:r>
-                <a:rPr kumimoji="1" lang="en-US" altLang="ko-KR" sz="4400" b="1" dirty="0">
-                  <a:latin typeface="D2Coding" panose="020B0609020101020101" pitchFamily="49" charset="-127"/>
-                  <a:ea typeface="D2Coding" panose="020B0609020101020101" pitchFamily="49" charset="-127"/>
-                </a:rPr>
-                <a:t>Java</a:t>
-              </a:r>
-              <a:r>
-                <a:rPr kumimoji="1" lang="ko-KR" altLang="en-US" sz="4400" b="1" dirty="0">
-                  <a:latin typeface="D2Coding" panose="020B0609020101020101" pitchFamily="49" charset="-127"/>
-                  <a:ea typeface="D2Coding" panose="020B0609020101020101" pitchFamily="49" charset="-127"/>
-                </a:rPr>
-                <a:t>프로그래밍 기초 </a:t>
-              </a:r>
-              <a:r>
-                <a:rPr kumimoji="1" lang="en-US" altLang="ko-KR" sz="4400" b="1" dirty="0">
-                  <a:latin typeface="D2Coding" panose="020B0609020101020101" pitchFamily="49" charset="-127"/>
-                  <a:ea typeface="D2Coding" panose="020B0609020101020101" pitchFamily="49" charset="-127"/>
-                </a:rPr>
-                <a:t>(JDBC)</a:t>
-              </a:r>
-              <a:endParaRPr kumimoji="1" lang="ko-KR" altLang="en-US" sz="4400" b="1" dirty="0">
-                <a:latin typeface="D2Coding" panose="020B0609020101020101" pitchFamily="49" charset="-127"/>
-                <a:ea typeface="D2Coding" panose="020B0609020101020101" pitchFamily="49" charset="-127"/>
-              </a:endParaRPr>
-            </a:p>
-          </p:txBody>
-        </p:sp>
-      </p:grpSp>
-    </p:spTree>
-    <p:extLst>
-      <p:ext uri="{BB962C8B-B14F-4D97-AF65-F5344CB8AC3E}">
-        <p14:creationId xmlns:p14="http://schemas.microsoft.com/office/powerpoint/2010/main" val="1841581539"/>
-      </p:ext>
-    </p:extLst>
-  </p:cSld>
-  <p:clrMapOvr>
-    <a:masterClrMapping/>
-  </p:clrMapOvr>
-</p:sld>
-</file>
-
-<file path=ppt/slides/slide52.xml><?xml version="1.0" encoding="utf-8"?>
-<p:sld xmlns:a="http://schemas.openxmlformats.org/drawingml/2006/main" xmlns:r="http://schemas.openxmlformats.org/officeDocument/2006/relationships" xmlns:p="http://schemas.openxmlformats.org/presentationml/2006/main">
-  <p:cSld>
-    <p:spTree>
-      <p:nvGrpSpPr>
-        <p:cNvPr id="1" name=""/>
-        <p:cNvGrpSpPr/>
-        <p:nvPr/>
-      </p:nvGrpSpPr>
-      <p:grpSpPr>
-        <a:xfrm>
-          <a:off x="0" y="0"/>
-          <a:ext cx="0" cy="0"/>
-          <a:chOff x="0" y="0"/>
-          <a:chExt cx="0" cy="0"/>
-        </a:xfrm>
-      </p:grpSpPr>
-      <p:sp>
-        <p:nvSpPr>
-          <p:cNvPr id="6" name="TextBox 5">
-            <a:extLst>
-              <a:ext uri="{FF2B5EF4-FFF2-40B4-BE49-F238E27FC236}">
-                <a16:creationId xmlns:a16="http://schemas.microsoft.com/office/drawing/2014/main" id="{7BC70131-2A0F-D582-388D-5AB1E95FE6C4}"/>
-              </a:ext>
-            </a:extLst>
-          </p:cNvPr>
-          <p:cNvSpPr txBox="1"/>
-          <p:nvPr/>
-        </p:nvSpPr>
-        <p:spPr>
-          <a:xfrm>
-            <a:off x="1021294" y="3808909"/>
-            <a:ext cx="10149410" cy="1384995"/>
-          </a:xfrm>
-          <a:prstGeom prst="rect">
-            <a:avLst/>
-          </a:prstGeom>
-          <a:noFill/>
-        </p:spPr>
-        <p:txBody>
-          <a:bodyPr wrap="square" rtlCol="0">
-            <a:spAutoFit/>
-          </a:bodyPr>
-          <a:lstStyle/>
-          <a:p>
-            <a:pPr algn="ctr"/>
-            <a:r>
-              <a:rPr kumimoji="1" lang="en-US" altLang="ko-KR" sz="2800" b="1" dirty="0">
-                <a:latin typeface="D2Coding" panose="020B0609020101020101" pitchFamily="49" charset="-127"/>
-                <a:ea typeface="D2Coding" panose="020B0609020101020101" pitchFamily="49" charset="-127"/>
-              </a:rPr>
-              <a:t>Day 56</a:t>
-            </a:r>
-          </a:p>
-          <a:p>
-            <a:pPr algn="ctr"/>
-            <a:r>
-              <a:rPr kumimoji="1" lang="en-US" altLang="ko-KR" sz="2800" b="1" dirty="0">
-                <a:latin typeface="D2Coding" panose="020B0609020101020101" pitchFamily="49" charset="-127"/>
-                <a:ea typeface="D2Coding" panose="020B0609020101020101" pitchFamily="49" charset="-127"/>
-              </a:rPr>
-              <a:t>Java</a:t>
-            </a:r>
-            <a:r>
-              <a:rPr kumimoji="1" lang="ko-KR" altLang="en-US" sz="2800" b="1" dirty="0">
-                <a:latin typeface="D2Coding" panose="020B0609020101020101" pitchFamily="49" charset="-127"/>
-                <a:ea typeface="D2Coding" panose="020B0609020101020101" pitchFamily="49" charset="-127"/>
-              </a:rPr>
-              <a:t>프로그래밍 기초</a:t>
-            </a:r>
-            <a:endParaRPr kumimoji="1" lang="en-US" altLang="ko-KR" sz="2800" b="1" dirty="0">
-              <a:latin typeface="D2Coding" panose="020B0609020101020101" pitchFamily="49" charset="-127"/>
-              <a:ea typeface="D2Coding" panose="020B0609020101020101" pitchFamily="49" charset="-127"/>
-            </a:endParaRPr>
-          </a:p>
-          <a:p>
-            <a:pPr algn="ctr"/>
-            <a:r>
-              <a:rPr kumimoji="1" lang="en-US" altLang="ko-KR" sz="2800" b="1" dirty="0">
-                <a:latin typeface="D2Coding" panose="020B0609020101020101" pitchFamily="49" charset="-127"/>
-                <a:ea typeface="D2Coding" panose="020B0609020101020101" pitchFamily="49" charset="-127"/>
-              </a:rPr>
-              <a:t>JDBC – </a:t>
-            </a:r>
-            <a:r>
-              <a:rPr kumimoji="1" lang="ko-KR" altLang="en-US" sz="2800" b="1" dirty="0">
-                <a:latin typeface="D2Coding" panose="020B0609020101020101" pitchFamily="49" charset="-127"/>
-                <a:ea typeface="D2Coding" panose="020B0609020101020101" pitchFamily="49" charset="-127"/>
-              </a:rPr>
-              <a:t>라이브러리 설치 및 등록</a:t>
-            </a:r>
-          </a:p>
-        </p:txBody>
-      </p:sp>
-      <p:grpSp>
-        <p:nvGrpSpPr>
-          <p:cNvPr id="3" name="그룹 2">
-            <a:extLst>
-              <a:ext uri="{FF2B5EF4-FFF2-40B4-BE49-F238E27FC236}">
-                <a16:creationId xmlns:a16="http://schemas.microsoft.com/office/drawing/2014/main" id="{CCB49D7F-A40B-2950-C3BB-13981C780200}"/>
-              </a:ext>
-            </a:extLst>
-          </p:cNvPr>
-          <p:cNvGrpSpPr/>
-          <p:nvPr/>
-        </p:nvGrpSpPr>
-        <p:grpSpPr>
-          <a:xfrm>
-            <a:off x="0" y="0"/>
-            <a:ext cx="12192000" cy="6858000"/>
-            <a:chOff x="1143000" y="1238490"/>
-            <a:chExt cx="7772400" cy="3777325"/>
-          </a:xfrm>
-        </p:grpSpPr>
-        <p:pic>
-          <p:nvPicPr>
-            <p:cNvPr id="4" name="그림 3" descr="폰트, 로고, 그래픽, 화이트이(가) 표시된 사진&#10;&#10;자동 생성된 설명">
-              <a:extLst>
-                <a:ext uri="{FF2B5EF4-FFF2-40B4-BE49-F238E27FC236}">
-                  <a16:creationId xmlns:a16="http://schemas.microsoft.com/office/drawing/2014/main" id="{B742D47A-36C2-B9F0-BC20-0E30F4A6AEEC}"/>
-                </a:ext>
-              </a:extLst>
-            </p:cNvPr>
-            <p:cNvPicPr>
-              <a:picLocks noChangeAspect="1"/>
-            </p:cNvPicPr>
-            <p:nvPr/>
-          </p:nvPicPr>
-          <p:blipFill>
-            <a:blip r:embed="rId2"/>
-            <a:srcRect t="13650"/>
-            <a:stretch/>
-          </p:blipFill>
-          <p:spPr>
-            <a:xfrm>
-              <a:off x="1143000" y="1238490"/>
-              <a:ext cx="7772400" cy="3777325"/>
-            </a:xfrm>
-            <a:prstGeom prst="rect">
-              <a:avLst/>
-            </a:prstGeom>
-          </p:spPr>
-        </p:pic>
-        <p:sp>
-          <p:nvSpPr>
-            <p:cNvPr id="8" name="TextBox 7">
-              <a:extLst>
-                <a:ext uri="{FF2B5EF4-FFF2-40B4-BE49-F238E27FC236}">
-                  <a16:creationId xmlns:a16="http://schemas.microsoft.com/office/drawing/2014/main" id="{B3D8B992-313F-AA19-ECC1-9BA2DED76D4E}"/>
-                </a:ext>
-              </a:extLst>
-            </p:cNvPr>
-            <p:cNvSpPr txBox="1"/>
-            <p:nvPr/>
-          </p:nvSpPr>
-          <p:spPr>
-            <a:xfrm>
-              <a:off x="1794075" y="3336403"/>
-              <a:ext cx="6470249" cy="1169692"/>
-            </a:xfrm>
-            <a:prstGeom prst="rect">
-              <a:avLst/>
-            </a:prstGeom>
-            <a:noFill/>
-          </p:spPr>
-          <p:txBody>
-            <a:bodyPr wrap="square" rtlCol="0">
-              <a:spAutoFit/>
-            </a:bodyPr>
-            <a:lstStyle/>
-            <a:p>
-              <a:pPr algn="ctr"/>
-              <a:r>
-                <a:rPr kumimoji="1" lang="en-US" altLang="ko-KR" sz="4400" b="1" dirty="0">
-                  <a:latin typeface="D2Coding" panose="020B0609020101020101" pitchFamily="49" charset="-127"/>
-                  <a:ea typeface="D2Coding" panose="020B0609020101020101" pitchFamily="49" charset="-127"/>
-                </a:rPr>
-                <a:t>Day 57</a:t>
-              </a:r>
-            </a:p>
-            <a:p>
-              <a:pPr algn="ctr"/>
-              <a:r>
-                <a:rPr kumimoji="1" lang="en-US" altLang="ko-KR" sz="4400" b="1" dirty="0">
-                  <a:latin typeface="D2Coding" panose="020B0609020101020101" pitchFamily="49" charset="-127"/>
-                  <a:ea typeface="D2Coding" panose="020B0609020101020101" pitchFamily="49" charset="-127"/>
-                </a:rPr>
-                <a:t>Java</a:t>
-              </a:r>
-              <a:r>
-                <a:rPr kumimoji="1" lang="ko-KR" altLang="en-US" sz="4400" b="1" dirty="0">
-                  <a:latin typeface="D2Coding" panose="020B0609020101020101" pitchFamily="49" charset="-127"/>
-                  <a:ea typeface="D2Coding" panose="020B0609020101020101" pitchFamily="49" charset="-127"/>
-                </a:rPr>
-                <a:t>프로그래밍 기초 </a:t>
-              </a:r>
-              <a:r>
-                <a:rPr kumimoji="1" lang="en-US" altLang="ko-KR" sz="4400" b="1" dirty="0">
-                  <a:latin typeface="D2Coding" panose="020B0609020101020101" pitchFamily="49" charset="-127"/>
-                  <a:ea typeface="D2Coding" panose="020B0609020101020101" pitchFamily="49" charset="-127"/>
-                </a:rPr>
-                <a:t>(JDBC)</a:t>
-              </a:r>
-            </a:p>
-            <a:p>
-              <a:pPr algn="ctr"/>
-              <a:r>
-                <a:rPr kumimoji="1" lang="ko-KR" altLang="en-US" sz="4400" b="1" dirty="0">
-                  <a:latin typeface="D2Coding" panose="020B0609020101020101" pitchFamily="49" charset="-127"/>
-                  <a:ea typeface="D2Coding" panose="020B0609020101020101" pitchFamily="49" charset="-127"/>
-                </a:rPr>
-                <a:t>실습프로젝트 </a:t>
-              </a:r>
-              <a:r>
-                <a:rPr kumimoji="1" lang="en-US" altLang="ko-KR" sz="4400" b="1" dirty="0">
-                  <a:latin typeface="D2Coding" panose="020B0609020101020101" pitchFamily="49" charset="-127"/>
-                  <a:ea typeface="D2Coding" panose="020B0609020101020101" pitchFamily="49" charset="-127"/>
-                </a:rPr>
-                <a:t>(JDBC)</a:t>
-              </a:r>
-              <a:endParaRPr kumimoji="1" lang="ko-KR" altLang="en-US" sz="4400" b="1" dirty="0">
-                <a:latin typeface="D2Coding" panose="020B0609020101020101" pitchFamily="49" charset="-127"/>
-                <a:ea typeface="D2Coding" panose="020B0609020101020101" pitchFamily="49" charset="-127"/>
-              </a:endParaRPr>
-            </a:p>
-          </p:txBody>
-        </p:sp>
-      </p:grpSp>
-    </p:spTree>
-    <p:extLst>
-      <p:ext uri="{BB962C8B-B14F-4D97-AF65-F5344CB8AC3E}">
-        <p14:creationId xmlns:p14="http://schemas.microsoft.com/office/powerpoint/2010/main" val="278894104"/>
-      </p:ext>
-    </p:extLst>
-  </p:cSld>
-  <p:clrMapOvr>
-    <a:masterClrMapping/>
-  </p:clrMapOvr>
-</p:sld>
-</file>
-
-<file path=ppt/slides/slide53.xml><?xml version="1.0" encoding="utf-8"?>
-<p:sld xmlns:a="http://schemas.openxmlformats.org/drawingml/2006/main" xmlns:r="http://schemas.openxmlformats.org/officeDocument/2006/relationships" xmlns:p="http://schemas.openxmlformats.org/presentationml/2006/main">
-  <p:cSld>
-    <p:spTree>
-      <p:nvGrpSpPr>
-        <p:cNvPr id="1" name=""/>
-        <p:cNvGrpSpPr/>
-        <p:nvPr/>
-      </p:nvGrpSpPr>
-      <p:grpSpPr>
-        <a:xfrm>
-          <a:off x="0" y="0"/>
-          <a:ext cx="0" cy="0"/>
-          <a:chOff x="0" y="0"/>
-          <a:chExt cx="0" cy="0"/>
-        </a:xfrm>
-      </p:grpSpPr>
-      <p:sp>
-        <p:nvSpPr>
-          <p:cNvPr id="6" name="TextBox 5">
-            <a:extLst>
-              <a:ext uri="{FF2B5EF4-FFF2-40B4-BE49-F238E27FC236}">
-                <a16:creationId xmlns:a16="http://schemas.microsoft.com/office/drawing/2014/main" id="{7BC70131-2A0F-D582-388D-5AB1E95FE6C4}"/>
-              </a:ext>
-            </a:extLst>
-          </p:cNvPr>
-          <p:cNvSpPr txBox="1"/>
-          <p:nvPr/>
-        </p:nvSpPr>
-        <p:spPr>
-          <a:xfrm>
-            <a:off x="1021294" y="3808909"/>
-            <a:ext cx="10149410" cy="1384995"/>
-          </a:xfrm>
-          <a:prstGeom prst="rect">
-            <a:avLst/>
-          </a:prstGeom>
-          <a:noFill/>
-        </p:spPr>
-        <p:txBody>
-          <a:bodyPr wrap="square" rtlCol="0">
-            <a:spAutoFit/>
-          </a:bodyPr>
-          <a:lstStyle/>
-          <a:p>
-            <a:pPr algn="ctr"/>
-            <a:r>
-              <a:rPr kumimoji="1" lang="en-US" altLang="ko-KR" sz="2800" b="1" dirty="0">
-                <a:latin typeface="D2Coding" panose="020B0609020101020101" pitchFamily="49" charset="-127"/>
-                <a:ea typeface="D2Coding" panose="020B0609020101020101" pitchFamily="49" charset="-127"/>
-              </a:rPr>
-              <a:t>Day 56</a:t>
-            </a:r>
-          </a:p>
-          <a:p>
-            <a:pPr algn="ctr"/>
-            <a:r>
-              <a:rPr kumimoji="1" lang="en-US" altLang="ko-KR" sz="2800" b="1" dirty="0">
-                <a:latin typeface="D2Coding" panose="020B0609020101020101" pitchFamily="49" charset="-127"/>
-                <a:ea typeface="D2Coding" panose="020B0609020101020101" pitchFamily="49" charset="-127"/>
-              </a:rPr>
-              <a:t>Java</a:t>
-            </a:r>
-            <a:r>
-              <a:rPr kumimoji="1" lang="ko-KR" altLang="en-US" sz="2800" b="1" dirty="0">
-                <a:latin typeface="D2Coding" panose="020B0609020101020101" pitchFamily="49" charset="-127"/>
-                <a:ea typeface="D2Coding" panose="020B0609020101020101" pitchFamily="49" charset="-127"/>
-              </a:rPr>
-              <a:t>프로그래밍 기초</a:t>
-            </a:r>
-            <a:endParaRPr kumimoji="1" lang="en-US" altLang="ko-KR" sz="2800" b="1" dirty="0">
-              <a:latin typeface="D2Coding" panose="020B0609020101020101" pitchFamily="49" charset="-127"/>
-              <a:ea typeface="D2Coding" panose="020B0609020101020101" pitchFamily="49" charset="-127"/>
-            </a:endParaRPr>
-          </a:p>
-          <a:p>
-            <a:pPr algn="ctr"/>
-            <a:r>
-              <a:rPr kumimoji="1" lang="en-US" altLang="ko-KR" sz="2800" b="1" dirty="0">
-                <a:latin typeface="D2Coding" panose="020B0609020101020101" pitchFamily="49" charset="-127"/>
-                <a:ea typeface="D2Coding" panose="020B0609020101020101" pitchFamily="49" charset="-127"/>
-              </a:rPr>
-              <a:t>JDBC – </a:t>
-            </a:r>
-            <a:r>
-              <a:rPr kumimoji="1" lang="ko-KR" altLang="en-US" sz="2800" b="1" dirty="0">
-                <a:latin typeface="D2Coding" panose="020B0609020101020101" pitchFamily="49" charset="-127"/>
-                <a:ea typeface="D2Coding" panose="020B0609020101020101" pitchFamily="49" charset="-127"/>
-              </a:rPr>
-              <a:t>라이브러리 설치 및 등록</a:t>
-            </a:r>
-          </a:p>
-        </p:txBody>
-      </p:sp>
-      <p:grpSp>
-        <p:nvGrpSpPr>
-          <p:cNvPr id="3" name="그룹 2">
-            <a:extLst>
-              <a:ext uri="{FF2B5EF4-FFF2-40B4-BE49-F238E27FC236}">
-                <a16:creationId xmlns:a16="http://schemas.microsoft.com/office/drawing/2014/main" id="{CCB49D7F-A40B-2950-C3BB-13981C780200}"/>
-              </a:ext>
-            </a:extLst>
-          </p:cNvPr>
-          <p:cNvGrpSpPr/>
-          <p:nvPr/>
-        </p:nvGrpSpPr>
-        <p:grpSpPr>
-          <a:xfrm>
-            <a:off x="0" y="0"/>
-            <a:ext cx="12192000" cy="6858000"/>
-            <a:chOff x="1143000" y="1238490"/>
-            <a:chExt cx="7772400" cy="3777325"/>
-          </a:xfrm>
-        </p:grpSpPr>
-        <p:pic>
-          <p:nvPicPr>
-            <p:cNvPr id="4" name="그림 3" descr="폰트, 로고, 그래픽, 화이트이(가) 표시된 사진&#10;&#10;자동 생성된 설명">
-              <a:extLst>
-                <a:ext uri="{FF2B5EF4-FFF2-40B4-BE49-F238E27FC236}">
-                  <a16:creationId xmlns:a16="http://schemas.microsoft.com/office/drawing/2014/main" id="{B742D47A-36C2-B9F0-BC20-0E30F4A6AEEC}"/>
-                </a:ext>
-              </a:extLst>
-            </p:cNvPr>
-            <p:cNvPicPr>
-              <a:picLocks noChangeAspect="1"/>
-            </p:cNvPicPr>
-            <p:nvPr/>
-          </p:nvPicPr>
-          <p:blipFill>
-            <a:blip r:embed="rId2"/>
-            <a:srcRect t="13650"/>
-            <a:stretch/>
-          </p:blipFill>
-          <p:spPr>
-            <a:xfrm>
-              <a:off x="1143000" y="1238490"/>
-              <a:ext cx="7772400" cy="3777325"/>
-            </a:xfrm>
-            <a:prstGeom prst="rect">
-              <a:avLst/>
-            </a:prstGeom>
-          </p:spPr>
-        </p:pic>
-        <p:sp>
-          <p:nvSpPr>
-            <p:cNvPr id="8" name="TextBox 7">
-              <a:extLst>
-                <a:ext uri="{FF2B5EF4-FFF2-40B4-BE49-F238E27FC236}">
-                  <a16:creationId xmlns:a16="http://schemas.microsoft.com/office/drawing/2014/main" id="{B3D8B992-313F-AA19-ECC1-9BA2DED76D4E}"/>
-                </a:ext>
-              </a:extLst>
-            </p:cNvPr>
-            <p:cNvSpPr txBox="1"/>
-            <p:nvPr/>
-          </p:nvSpPr>
-          <p:spPr>
-            <a:xfrm>
-              <a:off x="1794075" y="3336403"/>
-              <a:ext cx="6470249" cy="796747"/>
-            </a:xfrm>
-            <a:prstGeom prst="rect">
-              <a:avLst/>
-            </a:prstGeom>
-            <a:noFill/>
-          </p:spPr>
-          <p:txBody>
-            <a:bodyPr wrap="square" rtlCol="0">
-              <a:spAutoFit/>
-            </a:bodyPr>
-            <a:lstStyle/>
-            <a:p>
-              <a:pPr algn="ctr"/>
-              <a:r>
-                <a:rPr kumimoji="1" lang="en-US" altLang="ko-KR" sz="4400" b="1" dirty="0">
-                  <a:latin typeface="D2Coding" panose="020B0609020101020101" pitchFamily="49" charset="-127"/>
-                  <a:ea typeface="D2Coding" panose="020B0609020101020101" pitchFamily="49" charset="-127"/>
-                </a:rPr>
-                <a:t>Day 58</a:t>
-              </a:r>
-            </a:p>
-            <a:p>
-              <a:pPr algn="ctr"/>
-              <a:r>
-                <a:rPr kumimoji="1" lang="ko-KR" altLang="en-US" sz="4400" b="1" dirty="0">
-                  <a:latin typeface="D2Coding" panose="020B0609020101020101" pitchFamily="49" charset="-127"/>
-                  <a:ea typeface="D2Coding" panose="020B0609020101020101" pitchFamily="49" charset="-127"/>
-                </a:rPr>
-                <a:t>실습프로젝트 </a:t>
-              </a:r>
-              <a:r>
-                <a:rPr kumimoji="1" lang="en-US" altLang="ko-KR" sz="4400" b="1" dirty="0">
-                  <a:latin typeface="D2Coding" panose="020B0609020101020101" pitchFamily="49" charset="-127"/>
-                  <a:ea typeface="D2Coding" panose="020B0609020101020101" pitchFamily="49" charset="-127"/>
-                </a:rPr>
-                <a:t>(JDBC</a:t>
-              </a:r>
-              <a:r>
-                <a:rPr kumimoji="1" lang="ko-KR" altLang="en-US" sz="4400" b="1" dirty="0">
-                  <a:latin typeface="D2Coding" panose="020B0609020101020101" pitchFamily="49" charset="-127"/>
-                  <a:ea typeface="D2Coding" panose="020B0609020101020101" pitchFamily="49" charset="-127"/>
-                </a:rPr>
-                <a:t> 캡슐화</a:t>
-              </a:r>
-              <a:r>
-                <a:rPr kumimoji="1" lang="en-US" altLang="ko-KR" sz="4400" b="1" dirty="0">
-                  <a:latin typeface="D2Coding" panose="020B0609020101020101" pitchFamily="49" charset="-127"/>
-                  <a:ea typeface="D2Coding" panose="020B0609020101020101" pitchFamily="49" charset="-127"/>
-                </a:rPr>
-                <a:t>)</a:t>
-              </a:r>
-              <a:endParaRPr kumimoji="1" lang="ko-KR" altLang="en-US" sz="4400" b="1" dirty="0">
-                <a:latin typeface="D2Coding" panose="020B0609020101020101" pitchFamily="49" charset="-127"/>
-                <a:ea typeface="D2Coding" panose="020B0609020101020101" pitchFamily="49" charset="-127"/>
-              </a:endParaRPr>
-            </a:p>
-          </p:txBody>
-        </p:sp>
-      </p:grpSp>
-    </p:spTree>
-    <p:extLst>
-      <p:ext uri="{BB962C8B-B14F-4D97-AF65-F5344CB8AC3E}">
-        <p14:creationId xmlns:p14="http://schemas.microsoft.com/office/powerpoint/2010/main" val="3529683864"/>
-      </p:ext>
-    </p:extLst>
-  </p:cSld>
-  <p:clrMapOvr>
-    <a:masterClrMapping/>
-  </p:clrMapOvr>
-</p:sld>
-</file>
-
-<file path=ppt/slides/slide6.xml><?xml version="1.0" encoding="utf-8"?>
-<p:sld xmlns:a="http://schemas.openxmlformats.org/drawingml/2006/main" xmlns:r="http://schemas.openxmlformats.org/officeDocument/2006/relationships" xmlns:p="http://schemas.openxmlformats.org/presentationml/2006/main">
-  <p:cSld>
-    <p:spTree>
-      <p:nvGrpSpPr>
-        <p:cNvPr id="1" name=""/>
-        <p:cNvGrpSpPr/>
-        <p:nvPr/>
-      </p:nvGrpSpPr>
-      <p:grpSpPr>
-        <a:xfrm>
-          <a:off x="0" y="0"/>
-          <a:ext cx="0" cy="0"/>
-          <a:chOff x="0" y="0"/>
-          <a:chExt cx="0" cy="0"/>
-        </a:xfrm>
-      </p:grpSpPr>
-      <p:sp>
-        <p:nvSpPr>
-          <p:cNvPr id="6" name="TextBox 5">
-            <a:extLst>
-              <a:ext uri="{FF2B5EF4-FFF2-40B4-BE49-F238E27FC236}">
-                <a16:creationId xmlns:a16="http://schemas.microsoft.com/office/drawing/2014/main" id="{7BC70131-2A0F-D582-388D-5AB1E95FE6C4}"/>
-              </a:ext>
-            </a:extLst>
-          </p:cNvPr>
-          <p:cNvSpPr txBox="1"/>
-          <p:nvPr/>
-        </p:nvSpPr>
-        <p:spPr>
-          <a:xfrm>
-            <a:off x="1021294" y="3808909"/>
-            <a:ext cx="10149410" cy="1384995"/>
-          </a:xfrm>
-          <a:prstGeom prst="rect">
-            <a:avLst/>
-          </a:prstGeom>
-          <a:noFill/>
-        </p:spPr>
-        <p:txBody>
-          <a:bodyPr wrap="square" rtlCol="0">
-            <a:spAutoFit/>
-          </a:bodyPr>
-          <a:lstStyle/>
-          <a:p>
-            <a:pPr algn="ctr"/>
-            <a:r>
-              <a:rPr kumimoji="1" lang="en-US" altLang="ko-KR" sz="2800" b="1" dirty="0">
-                <a:latin typeface="D2Coding" panose="020B0609020101020101" pitchFamily="49" charset="-127"/>
-                <a:ea typeface="D2Coding" panose="020B0609020101020101" pitchFamily="49" charset="-127"/>
-              </a:rPr>
-              <a:t>Day 56</a:t>
-            </a:r>
-          </a:p>
-          <a:p>
-            <a:pPr algn="ctr"/>
-            <a:r>
-              <a:rPr kumimoji="1" lang="en-US" altLang="ko-KR" sz="2800" b="1" dirty="0">
-                <a:latin typeface="D2Coding" panose="020B0609020101020101" pitchFamily="49" charset="-127"/>
-                <a:ea typeface="D2Coding" panose="020B0609020101020101" pitchFamily="49" charset="-127"/>
-              </a:rPr>
-              <a:t>Java</a:t>
-            </a:r>
-            <a:r>
-              <a:rPr kumimoji="1" lang="ko-KR" altLang="en-US" sz="2800" b="1" dirty="0">
-                <a:latin typeface="D2Coding" panose="020B0609020101020101" pitchFamily="49" charset="-127"/>
-                <a:ea typeface="D2Coding" panose="020B0609020101020101" pitchFamily="49" charset="-127"/>
-              </a:rPr>
-              <a:t>프로그래밍 기초</a:t>
-            </a:r>
-            <a:endParaRPr kumimoji="1" lang="en-US" altLang="ko-KR" sz="2800" b="1" dirty="0">
-              <a:latin typeface="D2Coding" panose="020B0609020101020101" pitchFamily="49" charset="-127"/>
-              <a:ea typeface="D2Coding" panose="020B0609020101020101" pitchFamily="49" charset="-127"/>
-            </a:endParaRPr>
-          </a:p>
-          <a:p>
-            <a:pPr algn="ctr"/>
-            <a:r>
-              <a:rPr kumimoji="1" lang="en-US" altLang="ko-KR" sz="2800" b="1" dirty="0">
-                <a:latin typeface="D2Coding" panose="020B0609020101020101" pitchFamily="49" charset="-127"/>
-                <a:ea typeface="D2Coding" panose="020B0609020101020101" pitchFamily="49" charset="-127"/>
-              </a:rPr>
-              <a:t>JDBC – </a:t>
-            </a:r>
-            <a:r>
-              <a:rPr kumimoji="1" lang="ko-KR" altLang="en-US" sz="2800" b="1" dirty="0">
-                <a:latin typeface="D2Coding" panose="020B0609020101020101" pitchFamily="49" charset="-127"/>
-                <a:ea typeface="D2Coding" panose="020B0609020101020101" pitchFamily="49" charset="-127"/>
-              </a:rPr>
-              <a:t>라이브러리 설치 및 등록</a:t>
-            </a:r>
-          </a:p>
-        </p:txBody>
-      </p:sp>
-      <p:grpSp>
-        <p:nvGrpSpPr>
-          <p:cNvPr id="3" name="그룹 2">
-            <a:extLst>
-              <a:ext uri="{FF2B5EF4-FFF2-40B4-BE49-F238E27FC236}">
-                <a16:creationId xmlns:a16="http://schemas.microsoft.com/office/drawing/2014/main" id="{CCB49D7F-A40B-2950-C3BB-13981C780200}"/>
-              </a:ext>
-            </a:extLst>
-          </p:cNvPr>
-          <p:cNvGrpSpPr/>
-          <p:nvPr/>
-        </p:nvGrpSpPr>
-        <p:grpSpPr>
-          <a:xfrm>
-            <a:off x="0" y="0"/>
-            <a:ext cx="12192000" cy="6858000"/>
-            <a:chOff x="1143000" y="1238490"/>
-            <a:chExt cx="7772400" cy="3777325"/>
-          </a:xfrm>
-        </p:grpSpPr>
-        <p:pic>
-          <p:nvPicPr>
-            <p:cNvPr id="4" name="그림 3" descr="폰트, 로고, 그래픽, 화이트이(가) 표시된 사진&#10;&#10;자동 생성된 설명">
-              <a:extLst>
-                <a:ext uri="{FF2B5EF4-FFF2-40B4-BE49-F238E27FC236}">
-                  <a16:creationId xmlns:a16="http://schemas.microsoft.com/office/drawing/2014/main" id="{B742D47A-36C2-B9F0-BC20-0E30F4A6AEEC}"/>
-                </a:ext>
-              </a:extLst>
-            </p:cNvPr>
-            <p:cNvPicPr>
-              <a:picLocks noChangeAspect="1"/>
-            </p:cNvPicPr>
-            <p:nvPr/>
-          </p:nvPicPr>
-          <p:blipFill>
-            <a:blip r:embed="rId2"/>
-            <a:srcRect t="13650"/>
-            <a:stretch/>
-          </p:blipFill>
-          <p:spPr>
-            <a:xfrm>
-              <a:off x="1143000" y="1238490"/>
-              <a:ext cx="7772400" cy="3777325"/>
-            </a:xfrm>
-            <a:prstGeom prst="rect">
-              <a:avLst/>
-            </a:prstGeom>
-          </p:spPr>
-        </p:pic>
-        <p:sp>
-          <p:nvSpPr>
-            <p:cNvPr id="8" name="TextBox 7">
-              <a:extLst>
-                <a:ext uri="{FF2B5EF4-FFF2-40B4-BE49-F238E27FC236}">
-                  <a16:creationId xmlns:a16="http://schemas.microsoft.com/office/drawing/2014/main" id="{B3D8B992-313F-AA19-ECC1-9BA2DED76D4E}"/>
-                </a:ext>
-              </a:extLst>
-            </p:cNvPr>
-            <p:cNvSpPr txBox="1"/>
-            <p:nvPr/>
-          </p:nvSpPr>
-          <p:spPr>
-            <a:xfrm>
-              <a:off x="1794075" y="3336403"/>
-              <a:ext cx="6470249" cy="796747"/>
-            </a:xfrm>
-            <a:prstGeom prst="rect">
-              <a:avLst/>
-            </a:prstGeom>
-            <a:noFill/>
-          </p:spPr>
-          <p:txBody>
-            <a:bodyPr wrap="square" rtlCol="0">
-              <a:spAutoFit/>
-            </a:bodyPr>
-            <a:lstStyle/>
-            <a:p>
-              <a:pPr algn="ctr"/>
-              <a:r>
-                <a:rPr kumimoji="1" lang="en-US" altLang="ko-KR" sz="4400" b="1" dirty="0">
-                  <a:latin typeface="D2Coding" panose="020B0609020101020101" pitchFamily="49" charset="-127"/>
-                  <a:ea typeface="D2Coding" panose="020B0609020101020101" pitchFamily="49" charset="-127"/>
-                </a:rPr>
-                <a:t>Day 04</a:t>
-              </a:r>
-            </a:p>
-            <a:p>
-              <a:pPr algn="ctr"/>
-              <a:r>
-                <a:rPr kumimoji="1" lang="en" altLang="ko-KR" sz="4400" b="1" dirty="0">
-                  <a:latin typeface="D2Coding" panose="020B0609020101020101" pitchFamily="49" charset="-127"/>
-                  <a:ea typeface="D2Coding" panose="020B0609020101020101" pitchFamily="49" charset="-127"/>
-                </a:rPr>
-                <a:t>Java </a:t>
-              </a:r>
-              <a:r>
-                <a:rPr kumimoji="1" lang="ko-KR" altLang="en-US" sz="4400" b="1" dirty="0">
-                  <a:latin typeface="D2Coding" panose="020B0609020101020101" pitchFamily="49" charset="-127"/>
-                  <a:ea typeface="D2Coding" panose="020B0609020101020101" pitchFamily="49" charset="-127"/>
-                </a:rPr>
-                <a:t>기본설정 및 </a:t>
-              </a:r>
-              <a:r>
-                <a:rPr kumimoji="1" lang="en" altLang="ko-KR" sz="4400" b="1" dirty="0">
-                  <a:latin typeface="D2Coding" panose="020B0609020101020101" pitchFamily="49" charset="-127"/>
-                  <a:ea typeface="D2Coding" panose="020B0609020101020101" pitchFamily="49" charset="-127"/>
-                </a:rPr>
-                <a:t>Gradle </a:t>
-              </a:r>
-              <a:r>
-                <a:rPr kumimoji="1" lang="ko-KR" altLang="en-US" sz="4400" b="1" dirty="0">
-                  <a:latin typeface="D2Coding" panose="020B0609020101020101" pitchFamily="49" charset="-127"/>
-                  <a:ea typeface="D2Coding" panose="020B0609020101020101" pitchFamily="49" charset="-127"/>
-                </a:rPr>
-                <a:t>설치</a:t>
-              </a:r>
-            </a:p>
-          </p:txBody>
-        </p:sp>
-      </p:grpSp>
-    </p:spTree>
-    <p:extLst>
-      <p:ext uri="{BB962C8B-B14F-4D97-AF65-F5344CB8AC3E}">
-        <p14:creationId xmlns:p14="http://schemas.microsoft.com/office/powerpoint/2010/main" val="2295665768"/>
-      </p:ext>
-    </p:extLst>
-  </p:cSld>
-  <p:clrMapOvr>
-    <a:masterClrMapping/>
-  </p:clrMapOvr>
-</p:sld>
-</file>
-
-<file path=ppt/slides/slide7.xml><?xml version="1.0" encoding="utf-8"?>
-<p:sld xmlns:a="http://schemas.openxmlformats.org/drawingml/2006/main" xmlns:r="http://schemas.openxmlformats.org/officeDocument/2006/relationships" xmlns:p="http://schemas.openxmlformats.org/presentationml/2006/main">
-  <p:cSld>
-    <p:spTree>
-      <p:nvGrpSpPr>
-        <p:cNvPr id="1" name=""/>
-        <p:cNvGrpSpPr/>
-        <p:nvPr/>
-      </p:nvGrpSpPr>
-      <p:grpSpPr>
-        <a:xfrm>
-          <a:off x="0" y="0"/>
-          <a:ext cx="0" cy="0"/>
-          <a:chOff x="0" y="0"/>
-          <a:chExt cx="0" cy="0"/>
-        </a:xfrm>
-      </p:grpSpPr>
-      <p:sp>
-        <p:nvSpPr>
-          <p:cNvPr id="6" name="TextBox 5">
-            <a:extLst>
-              <a:ext uri="{FF2B5EF4-FFF2-40B4-BE49-F238E27FC236}">
-                <a16:creationId xmlns:a16="http://schemas.microsoft.com/office/drawing/2014/main" id="{7BC70131-2A0F-D582-388D-5AB1E95FE6C4}"/>
-              </a:ext>
-            </a:extLst>
-          </p:cNvPr>
-          <p:cNvSpPr txBox="1"/>
-          <p:nvPr/>
-        </p:nvSpPr>
-        <p:spPr>
-          <a:xfrm>
-            <a:off x="1021294" y="3808909"/>
-            <a:ext cx="10149410" cy="1384995"/>
-          </a:xfrm>
-          <a:prstGeom prst="rect">
-            <a:avLst/>
-          </a:prstGeom>
-          <a:noFill/>
-        </p:spPr>
-        <p:txBody>
-          <a:bodyPr wrap="square" rtlCol="0">
-            <a:spAutoFit/>
-          </a:bodyPr>
-          <a:lstStyle/>
-          <a:p>
-            <a:pPr algn="ctr"/>
-            <a:r>
-              <a:rPr kumimoji="1" lang="en-US" altLang="ko-KR" sz="2800" b="1" dirty="0">
-                <a:latin typeface="D2Coding" panose="020B0609020101020101" pitchFamily="49" charset="-127"/>
-                <a:ea typeface="D2Coding" panose="020B0609020101020101" pitchFamily="49" charset="-127"/>
-              </a:rPr>
-              <a:t>Day 56</a:t>
-            </a:r>
-          </a:p>
-          <a:p>
-            <a:pPr algn="ctr"/>
-            <a:r>
-              <a:rPr kumimoji="1" lang="en-US" altLang="ko-KR" sz="2800" b="1" dirty="0">
-                <a:latin typeface="D2Coding" panose="020B0609020101020101" pitchFamily="49" charset="-127"/>
-                <a:ea typeface="D2Coding" panose="020B0609020101020101" pitchFamily="49" charset="-127"/>
-              </a:rPr>
-              <a:t>Java</a:t>
-            </a:r>
-            <a:r>
-              <a:rPr kumimoji="1" lang="ko-KR" altLang="en-US" sz="2800" b="1" dirty="0">
-                <a:latin typeface="D2Coding" panose="020B0609020101020101" pitchFamily="49" charset="-127"/>
-                <a:ea typeface="D2Coding" panose="020B0609020101020101" pitchFamily="49" charset="-127"/>
-              </a:rPr>
-              <a:t>프로그래밍 기초</a:t>
-            </a:r>
-            <a:endParaRPr kumimoji="1" lang="en-US" altLang="ko-KR" sz="2800" b="1" dirty="0">
-              <a:latin typeface="D2Coding" panose="020B0609020101020101" pitchFamily="49" charset="-127"/>
-              <a:ea typeface="D2Coding" panose="020B0609020101020101" pitchFamily="49" charset="-127"/>
-            </a:endParaRPr>
-          </a:p>
-          <a:p>
-            <a:pPr algn="ctr"/>
-            <a:r>
-              <a:rPr kumimoji="1" lang="en-US" altLang="ko-KR" sz="2800" b="1" dirty="0">
-                <a:latin typeface="D2Coding" panose="020B0609020101020101" pitchFamily="49" charset="-127"/>
-                <a:ea typeface="D2Coding" panose="020B0609020101020101" pitchFamily="49" charset="-127"/>
-              </a:rPr>
-              <a:t>JDBC – </a:t>
-            </a:r>
-            <a:r>
-              <a:rPr kumimoji="1" lang="ko-KR" altLang="en-US" sz="2800" b="1" dirty="0">
-                <a:latin typeface="D2Coding" panose="020B0609020101020101" pitchFamily="49" charset="-127"/>
-                <a:ea typeface="D2Coding" panose="020B0609020101020101" pitchFamily="49" charset="-127"/>
-              </a:rPr>
-              <a:t>라이브러리 설치 및 등록</a:t>
-            </a:r>
-          </a:p>
-        </p:txBody>
-      </p:sp>
-      <p:grpSp>
-        <p:nvGrpSpPr>
-          <p:cNvPr id="3" name="그룹 2">
-            <a:extLst>
-              <a:ext uri="{FF2B5EF4-FFF2-40B4-BE49-F238E27FC236}">
-                <a16:creationId xmlns:a16="http://schemas.microsoft.com/office/drawing/2014/main" id="{CCB49D7F-A40B-2950-C3BB-13981C780200}"/>
-              </a:ext>
-            </a:extLst>
-          </p:cNvPr>
-          <p:cNvGrpSpPr/>
-          <p:nvPr/>
-        </p:nvGrpSpPr>
-        <p:grpSpPr>
-          <a:xfrm>
-            <a:off x="0" y="0"/>
-            <a:ext cx="12192000" cy="6858000"/>
-            <a:chOff x="1143000" y="1238490"/>
-            <a:chExt cx="7772400" cy="3777325"/>
-          </a:xfrm>
-        </p:grpSpPr>
-        <p:pic>
-          <p:nvPicPr>
-            <p:cNvPr id="4" name="그림 3" descr="폰트, 로고, 그래픽, 화이트이(가) 표시된 사진&#10;&#10;자동 생성된 설명">
-              <a:extLst>
-                <a:ext uri="{FF2B5EF4-FFF2-40B4-BE49-F238E27FC236}">
-                  <a16:creationId xmlns:a16="http://schemas.microsoft.com/office/drawing/2014/main" id="{B742D47A-36C2-B9F0-BC20-0E30F4A6AEEC}"/>
-                </a:ext>
-              </a:extLst>
-            </p:cNvPr>
-            <p:cNvPicPr>
-              <a:picLocks noChangeAspect="1"/>
-            </p:cNvPicPr>
-            <p:nvPr/>
-          </p:nvPicPr>
-          <p:blipFill>
-            <a:blip r:embed="rId2"/>
-            <a:srcRect t="13650"/>
-            <a:stretch/>
-          </p:blipFill>
-          <p:spPr>
-            <a:xfrm>
-              <a:off x="1143000" y="1238490"/>
-              <a:ext cx="7772400" cy="3777325"/>
-            </a:xfrm>
-            <a:prstGeom prst="rect">
-              <a:avLst/>
-            </a:prstGeom>
-          </p:spPr>
-        </p:pic>
-        <p:sp>
-          <p:nvSpPr>
-            <p:cNvPr id="8" name="TextBox 7">
-              <a:extLst>
-                <a:ext uri="{FF2B5EF4-FFF2-40B4-BE49-F238E27FC236}">
-                  <a16:creationId xmlns:a16="http://schemas.microsoft.com/office/drawing/2014/main" id="{B3D8B992-313F-AA19-ECC1-9BA2DED76D4E}"/>
-                </a:ext>
-              </a:extLst>
-            </p:cNvPr>
-            <p:cNvSpPr txBox="1"/>
-            <p:nvPr/>
-          </p:nvSpPr>
-          <p:spPr>
-            <a:xfrm>
-              <a:off x="1794075" y="3336403"/>
-              <a:ext cx="6470249" cy="796747"/>
-            </a:xfrm>
-            <a:prstGeom prst="rect">
-              <a:avLst/>
-            </a:prstGeom>
-            <a:noFill/>
-          </p:spPr>
-          <p:txBody>
-            <a:bodyPr wrap="square" rtlCol="0">
-              <a:spAutoFit/>
-            </a:bodyPr>
-            <a:lstStyle/>
-            <a:p>
-              <a:pPr algn="ctr"/>
-              <a:r>
-                <a:rPr kumimoji="1" lang="en-US" altLang="ko-KR" sz="4400" b="1" dirty="0">
-                  <a:latin typeface="D2Coding" panose="020B0609020101020101" pitchFamily="49" charset="-127"/>
-                  <a:ea typeface="D2Coding" panose="020B0609020101020101" pitchFamily="49" charset="-127"/>
-                </a:rPr>
-                <a:t>Day 05</a:t>
-              </a:r>
-            </a:p>
-            <a:p>
-              <a:pPr algn="ctr"/>
-              <a:r>
-                <a:rPr kumimoji="1" lang="en" altLang="ko-KR" sz="4400" b="1" dirty="0">
-                  <a:latin typeface="D2Coding" panose="020B0609020101020101" pitchFamily="49" charset="-127"/>
-                  <a:ea typeface="D2Coding" panose="020B0609020101020101" pitchFamily="49" charset="-127"/>
-                </a:rPr>
-                <a:t>Bytecode</a:t>
-              </a:r>
-              <a:r>
-                <a:rPr kumimoji="1" lang="ko-KR" altLang="en-US" sz="4400" b="1" dirty="0">
-                  <a:latin typeface="D2Coding" panose="020B0609020101020101" pitchFamily="49" charset="-127"/>
-                  <a:ea typeface="D2Coding" panose="020B0609020101020101" pitchFamily="49" charset="-127"/>
-                </a:rPr>
-                <a:t>작성 및 </a:t>
-              </a:r>
-              <a:r>
-                <a:rPr kumimoji="1" lang="en" altLang="ko-KR" sz="4400" b="1" dirty="0">
-                  <a:latin typeface="D2Coding" panose="020B0609020101020101" pitchFamily="49" charset="-127"/>
-                  <a:ea typeface="D2Coding" panose="020B0609020101020101" pitchFamily="49" charset="-127"/>
-                </a:rPr>
-                <a:t>Java</a:t>
-              </a:r>
-              <a:r>
-                <a:rPr kumimoji="1" lang="ko-KR" altLang="en-US" sz="4400" b="1" dirty="0">
-                  <a:latin typeface="D2Coding" panose="020B0609020101020101" pitchFamily="49" charset="-127"/>
-                  <a:ea typeface="D2Coding" panose="020B0609020101020101" pitchFamily="49" charset="-127"/>
-                </a:rPr>
-                <a:t>실습</a:t>
-              </a:r>
-              <a:r>
-                <a:rPr kumimoji="1" lang="en-US" altLang="ko-KR" sz="4400" b="1" dirty="0">
-                  <a:latin typeface="D2Coding" panose="020B0609020101020101" pitchFamily="49" charset="-127"/>
-                  <a:ea typeface="D2Coding" panose="020B0609020101020101" pitchFamily="49" charset="-127"/>
-                </a:rPr>
-                <a:t>(</a:t>
-              </a:r>
-              <a:r>
-                <a:rPr kumimoji="1" lang="en" altLang="ko-KR" sz="4400" b="1" dirty="0" err="1">
-                  <a:latin typeface="D2Coding" panose="020B0609020101020101" pitchFamily="49" charset="-127"/>
-                  <a:ea typeface="D2Coding" panose="020B0609020101020101" pitchFamily="49" charset="-127"/>
-                </a:rPr>
-                <a:t>class,main</a:t>
-              </a:r>
-              <a:r>
-                <a:rPr kumimoji="1" lang="en" altLang="ko-KR" sz="4400" b="1" dirty="0">
-                  <a:latin typeface="D2Coding" panose="020B0609020101020101" pitchFamily="49" charset="-127"/>
-                  <a:ea typeface="D2Coding" panose="020B0609020101020101" pitchFamily="49" charset="-127"/>
-                </a:rPr>
-                <a:t>)</a:t>
-              </a:r>
-            </a:p>
-          </p:txBody>
-        </p:sp>
-      </p:grpSp>
-    </p:spTree>
-    <p:extLst>
-      <p:ext uri="{BB962C8B-B14F-4D97-AF65-F5344CB8AC3E}">
-        <p14:creationId xmlns:p14="http://schemas.microsoft.com/office/powerpoint/2010/main" val="1191375512"/>
-      </p:ext>
-    </p:extLst>
-  </p:cSld>
-  <p:clrMapOvr>
-    <a:masterClrMapping/>
-  </p:clrMapOvr>
-</p:sld>
-</file>
-
-<file path=ppt/slides/slide8.xml><?xml version="1.0" encoding="utf-8"?>
-<p:sld xmlns:a="http://schemas.openxmlformats.org/drawingml/2006/main" xmlns:r="http://schemas.openxmlformats.org/officeDocument/2006/relationships" xmlns:p="http://schemas.openxmlformats.org/presentationml/2006/main">
-  <p:cSld>
-    <p:spTree>
-      <p:nvGrpSpPr>
-        <p:cNvPr id="1" name=""/>
-        <p:cNvGrpSpPr/>
-        <p:nvPr/>
-      </p:nvGrpSpPr>
-      <p:grpSpPr>
-        <a:xfrm>
-          <a:off x="0" y="0"/>
-          <a:ext cx="0" cy="0"/>
-          <a:chOff x="0" y="0"/>
-          <a:chExt cx="0" cy="0"/>
-        </a:xfrm>
-      </p:grpSpPr>
-      <p:sp>
-        <p:nvSpPr>
-          <p:cNvPr id="6" name="TextBox 5">
-            <a:extLst>
-              <a:ext uri="{FF2B5EF4-FFF2-40B4-BE49-F238E27FC236}">
-                <a16:creationId xmlns:a16="http://schemas.microsoft.com/office/drawing/2014/main" id="{7BC70131-2A0F-D582-388D-5AB1E95FE6C4}"/>
-              </a:ext>
-            </a:extLst>
-          </p:cNvPr>
-          <p:cNvSpPr txBox="1"/>
-          <p:nvPr/>
-        </p:nvSpPr>
-        <p:spPr>
-          <a:xfrm>
-            <a:off x="1021294" y="3808909"/>
-            <a:ext cx="10149410" cy="1384995"/>
-          </a:xfrm>
-          <a:prstGeom prst="rect">
-            <a:avLst/>
-          </a:prstGeom>
-          <a:noFill/>
-        </p:spPr>
-        <p:txBody>
-          <a:bodyPr wrap="square" rtlCol="0">
-            <a:spAutoFit/>
-          </a:bodyPr>
-          <a:lstStyle/>
-          <a:p>
-            <a:pPr algn="ctr"/>
-            <a:r>
-              <a:rPr kumimoji="1" lang="en-US" altLang="ko-KR" sz="2800" b="1" dirty="0">
-                <a:latin typeface="D2Coding" panose="020B0609020101020101" pitchFamily="49" charset="-127"/>
-                <a:ea typeface="D2Coding" panose="020B0609020101020101" pitchFamily="49" charset="-127"/>
-              </a:rPr>
-              <a:t>Day 56</a:t>
-            </a:r>
-          </a:p>
-          <a:p>
-            <a:pPr algn="ctr"/>
-            <a:r>
-              <a:rPr kumimoji="1" lang="en-US" altLang="ko-KR" sz="2800" b="1" dirty="0">
-                <a:latin typeface="D2Coding" panose="020B0609020101020101" pitchFamily="49" charset="-127"/>
-                <a:ea typeface="D2Coding" panose="020B0609020101020101" pitchFamily="49" charset="-127"/>
-              </a:rPr>
-              <a:t>Java</a:t>
-            </a:r>
-            <a:r>
-              <a:rPr kumimoji="1" lang="ko-KR" altLang="en-US" sz="2800" b="1" dirty="0">
-                <a:latin typeface="D2Coding" panose="020B0609020101020101" pitchFamily="49" charset="-127"/>
-                <a:ea typeface="D2Coding" panose="020B0609020101020101" pitchFamily="49" charset="-127"/>
-              </a:rPr>
-              <a:t>프로그래밍 기초</a:t>
-            </a:r>
-            <a:endParaRPr kumimoji="1" lang="en-US" altLang="ko-KR" sz="2800" b="1" dirty="0">
-              <a:latin typeface="D2Coding" panose="020B0609020101020101" pitchFamily="49" charset="-127"/>
-              <a:ea typeface="D2Coding" panose="020B0609020101020101" pitchFamily="49" charset="-127"/>
-            </a:endParaRPr>
-          </a:p>
-          <a:p>
-            <a:pPr algn="ctr"/>
-            <a:r>
-              <a:rPr kumimoji="1" lang="en-US" altLang="ko-KR" sz="2800" b="1" dirty="0">
-                <a:latin typeface="D2Coding" panose="020B0609020101020101" pitchFamily="49" charset="-127"/>
-                <a:ea typeface="D2Coding" panose="020B0609020101020101" pitchFamily="49" charset="-127"/>
-              </a:rPr>
-              <a:t>JDBC – </a:t>
-            </a:r>
-            <a:r>
-              <a:rPr kumimoji="1" lang="ko-KR" altLang="en-US" sz="2800" b="1" dirty="0">
-                <a:latin typeface="D2Coding" panose="020B0609020101020101" pitchFamily="49" charset="-127"/>
-                <a:ea typeface="D2Coding" panose="020B0609020101020101" pitchFamily="49" charset="-127"/>
-              </a:rPr>
-              <a:t>라이브러리 설치 및 등록</a:t>
-            </a:r>
-          </a:p>
-        </p:txBody>
-      </p:sp>
-      <p:grpSp>
-        <p:nvGrpSpPr>
-          <p:cNvPr id="3" name="그룹 2">
-            <a:extLst>
-              <a:ext uri="{FF2B5EF4-FFF2-40B4-BE49-F238E27FC236}">
-                <a16:creationId xmlns:a16="http://schemas.microsoft.com/office/drawing/2014/main" id="{CCB49D7F-A40B-2950-C3BB-13981C780200}"/>
-              </a:ext>
-            </a:extLst>
-          </p:cNvPr>
-          <p:cNvGrpSpPr/>
-          <p:nvPr/>
-        </p:nvGrpSpPr>
-        <p:grpSpPr>
-          <a:xfrm>
-            <a:off x="0" y="0"/>
-            <a:ext cx="12192000" cy="6858000"/>
-            <a:chOff x="1143000" y="1238490"/>
-            <a:chExt cx="7772400" cy="3777325"/>
-          </a:xfrm>
-        </p:grpSpPr>
-        <p:pic>
-          <p:nvPicPr>
-            <p:cNvPr id="4" name="그림 3" descr="폰트, 로고, 그래픽, 화이트이(가) 표시된 사진&#10;&#10;자동 생성된 설명">
-              <a:extLst>
-                <a:ext uri="{FF2B5EF4-FFF2-40B4-BE49-F238E27FC236}">
-                  <a16:creationId xmlns:a16="http://schemas.microsoft.com/office/drawing/2014/main" id="{B742D47A-36C2-B9F0-BC20-0E30F4A6AEEC}"/>
-                </a:ext>
-              </a:extLst>
-            </p:cNvPr>
-            <p:cNvPicPr>
-              <a:picLocks noChangeAspect="1"/>
-            </p:cNvPicPr>
-            <p:nvPr/>
-          </p:nvPicPr>
-          <p:blipFill>
-            <a:blip r:embed="rId2"/>
-            <a:srcRect t="13650"/>
-            <a:stretch/>
-          </p:blipFill>
-          <p:spPr>
-            <a:xfrm>
-              <a:off x="1143000" y="1238490"/>
-              <a:ext cx="7772400" cy="3777325"/>
-            </a:xfrm>
-            <a:prstGeom prst="rect">
-              <a:avLst/>
-            </a:prstGeom>
-          </p:spPr>
-        </p:pic>
-        <p:sp>
-          <p:nvSpPr>
-            <p:cNvPr id="8" name="TextBox 7">
-              <a:extLst>
-                <a:ext uri="{FF2B5EF4-FFF2-40B4-BE49-F238E27FC236}">
-                  <a16:creationId xmlns:a16="http://schemas.microsoft.com/office/drawing/2014/main" id="{B3D8B992-313F-AA19-ECC1-9BA2DED76D4E}"/>
-                </a:ext>
-              </a:extLst>
-            </p:cNvPr>
-            <p:cNvSpPr txBox="1"/>
-            <p:nvPr/>
-          </p:nvSpPr>
-          <p:spPr>
-            <a:xfrm>
-              <a:off x="1794075" y="3336403"/>
-              <a:ext cx="6470249" cy="796747"/>
-            </a:xfrm>
-            <a:prstGeom prst="rect">
-              <a:avLst/>
-            </a:prstGeom>
-            <a:noFill/>
-          </p:spPr>
-          <p:txBody>
-            <a:bodyPr wrap="square" rtlCol="0">
-              <a:spAutoFit/>
-            </a:bodyPr>
-            <a:lstStyle/>
-            <a:p>
-              <a:pPr algn="ctr"/>
-              <a:r>
-                <a:rPr kumimoji="1" lang="en-US" altLang="ko-KR" sz="4400" b="1" dirty="0">
-                  <a:latin typeface="D2Coding" panose="020B0609020101020101" pitchFamily="49" charset="-127"/>
-                  <a:ea typeface="D2Coding" panose="020B0609020101020101" pitchFamily="49" charset="-127"/>
-                </a:rPr>
                 <a:t>Day 06</a:t>
               </a:r>
             </a:p>
@@ -15384,254 +16265,6 @@
     <p:extLst>
       <p:ext uri="{BB962C8B-B14F-4D97-AF65-F5344CB8AC3E}">
         <p14:creationId xmlns:p14="http://schemas.microsoft.com/office/powerpoint/2010/main" val="1445733072"/>
-      </p:ext>
-    </p:extLst>
-  </p:cSld>
-  <p:clrMapOvr>
-    <a:masterClrMapping/>
-  </p:clrMapOvr>
-</p:sld>
-</file>
-
-<file path=ppt/slides/slide9.xml><?xml version="1.0" encoding="utf-8"?>
-<p:sld xmlns:a="http://schemas.openxmlformats.org/drawingml/2006/main" xmlns:r="http://schemas.openxmlformats.org/officeDocument/2006/relationships" xmlns:p="http://schemas.openxmlformats.org/presentationml/2006/main">
-  <p:cSld>
-    <p:spTree>
-      <p:nvGrpSpPr>
-        <p:cNvPr id="1" name=""/>
-        <p:cNvGrpSpPr/>
-        <p:nvPr/>
-      </p:nvGrpSpPr>
-      <p:grpSpPr>
-        <a:xfrm>
-          <a:off x="0" y="0"/>
-          <a:ext cx="0" cy="0"/>
-          <a:chOff x="0" y="0"/>
-          <a:chExt cx="0" cy="0"/>
-        </a:xfrm>
-      </p:grpSpPr>
-      <p:sp>
-        <p:nvSpPr>
-          <p:cNvPr id="6" name="TextBox 5">
-            <a:extLst>
-              <a:ext uri="{FF2B5EF4-FFF2-40B4-BE49-F238E27FC236}">
-                <a16:creationId xmlns:a16="http://schemas.microsoft.com/office/drawing/2014/main" id="{7BC70131-2A0F-D582-388D-5AB1E95FE6C4}"/>
-              </a:ext>
-            </a:extLst>
-          </p:cNvPr>
-          <p:cNvSpPr txBox="1"/>
-          <p:nvPr/>
-        </p:nvSpPr>
-        <p:spPr>
-          <a:xfrm>
-            <a:off x="1021294" y="3808909"/>
-            <a:ext cx="10149410" cy="1384995"/>
-          </a:xfrm>
-          <a:prstGeom prst="rect">
-            <a:avLst/>
-          </a:prstGeom>
-          <a:noFill/>
-        </p:spPr>
-        <p:txBody>
-          <a:bodyPr wrap="square" rtlCol="0">
-            <a:spAutoFit/>
-          </a:bodyPr>
-          <a:lstStyle/>
-          <a:p>
-            <a:pPr algn="ctr"/>
-            <a:r>
-              <a:rPr kumimoji="1" lang="en-US" altLang="ko-KR" sz="2800" b="1" dirty="0">
-                <a:latin typeface="D2Coding" panose="020B0609020101020101" pitchFamily="49" charset="-127"/>
-                <a:ea typeface="D2Coding" panose="020B0609020101020101" pitchFamily="49" charset="-127"/>
-              </a:rPr>
-              <a:t>Day 56</a:t>
-            </a:r>
-          </a:p>
-          <a:p>
-            <a:pPr algn="ctr"/>
-            <a:r>
-              <a:rPr kumimoji="1" lang="en-US" altLang="ko-KR" sz="2800" b="1" dirty="0">
-                <a:latin typeface="D2Coding" panose="020B0609020101020101" pitchFamily="49" charset="-127"/>
-                <a:ea typeface="D2Coding" panose="020B0609020101020101" pitchFamily="49" charset="-127"/>
-              </a:rPr>
-              <a:t>Java</a:t>
-            </a:r>
-            <a:r>
-              <a:rPr kumimoji="1" lang="ko-KR" altLang="en-US" sz="2800" b="1" dirty="0">
-                <a:latin typeface="D2Coding" panose="020B0609020101020101" pitchFamily="49" charset="-127"/>
-                <a:ea typeface="D2Coding" panose="020B0609020101020101" pitchFamily="49" charset="-127"/>
-              </a:rPr>
-              <a:t>프로그래밍 기초</a:t>
-            </a:r>
-            <a:endParaRPr kumimoji="1" lang="en-US" altLang="ko-KR" sz="2800" b="1" dirty="0">
-              <a:latin typeface="D2Coding" panose="020B0609020101020101" pitchFamily="49" charset="-127"/>
-              <a:ea typeface="D2Coding" panose="020B0609020101020101" pitchFamily="49" charset="-127"/>
-            </a:endParaRPr>
-          </a:p>
-          <a:p>
-            <a:pPr algn="ctr"/>
-            <a:r>
-              <a:rPr kumimoji="1" lang="en-US" altLang="ko-KR" sz="2800" b="1" dirty="0">
-                <a:latin typeface="D2Coding" panose="020B0609020101020101" pitchFamily="49" charset="-127"/>
-                <a:ea typeface="D2Coding" panose="020B0609020101020101" pitchFamily="49" charset="-127"/>
-              </a:rPr>
-              <a:t>JDBC – </a:t>
-            </a:r>
-            <a:r>
-              <a:rPr kumimoji="1" lang="ko-KR" altLang="en-US" sz="2800" b="1" dirty="0">
-                <a:latin typeface="D2Coding" panose="020B0609020101020101" pitchFamily="49" charset="-127"/>
-                <a:ea typeface="D2Coding" panose="020B0609020101020101" pitchFamily="49" charset="-127"/>
-              </a:rPr>
-              <a:t>라이브러리 설치 및 등록</a:t>
-            </a:r>
-          </a:p>
-        </p:txBody>
-      </p:sp>
-      <p:grpSp>
-        <p:nvGrpSpPr>
-          <p:cNvPr id="3" name="그룹 2">
-            <a:extLst>
-              <a:ext uri="{FF2B5EF4-FFF2-40B4-BE49-F238E27FC236}">
-                <a16:creationId xmlns:a16="http://schemas.microsoft.com/office/drawing/2014/main" id="{CCB49D7F-A40B-2950-C3BB-13981C780200}"/>
-              </a:ext>
-            </a:extLst>
-          </p:cNvPr>
-          <p:cNvGrpSpPr/>
-          <p:nvPr/>
-        </p:nvGrpSpPr>
-        <p:grpSpPr>
-          <a:xfrm>
-            <a:off x="0" y="0"/>
-            <a:ext cx="12192000" cy="6858000"/>
-            <a:chOff x="1143000" y="1238490"/>
-            <a:chExt cx="7772400" cy="3777325"/>
-          </a:xfrm>
-        </p:grpSpPr>
-        <p:pic>
-          <p:nvPicPr>
-            <p:cNvPr id="4" name="그림 3" descr="폰트, 로고, 그래픽, 화이트이(가) 표시된 사진&#10;&#10;자동 생성된 설명">
-              <a:extLst>
-                <a:ext uri="{FF2B5EF4-FFF2-40B4-BE49-F238E27FC236}">
-                  <a16:creationId xmlns:a16="http://schemas.microsoft.com/office/drawing/2014/main" id="{B742D47A-36C2-B9F0-BC20-0E30F4A6AEEC}"/>
-                </a:ext>
-              </a:extLst>
-            </p:cNvPr>
-            <p:cNvPicPr>
-              <a:picLocks noChangeAspect="1"/>
-            </p:cNvPicPr>
-            <p:nvPr/>
-          </p:nvPicPr>
-          <p:blipFill>
-            <a:blip r:embed="rId2"/>
-            <a:srcRect t="13650"/>
-            <a:stretch/>
-          </p:blipFill>
-          <p:spPr>
-            <a:xfrm>
-              <a:off x="1143000" y="1238490"/>
-              <a:ext cx="7772400" cy="3777325"/>
-            </a:xfrm>
-            <a:prstGeom prst="rect">
-              <a:avLst/>
-            </a:prstGeom>
-          </p:spPr>
-        </p:pic>
-        <p:sp>
-          <p:nvSpPr>
-            <p:cNvPr id="8" name="TextBox 7">
-              <a:extLst>
-                <a:ext uri="{FF2B5EF4-FFF2-40B4-BE49-F238E27FC236}">
-                  <a16:creationId xmlns:a16="http://schemas.microsoft.com/office/drawing/2014/main" id="{B3D8B992-313F-AA19-ECC1-9BA2DED76D4E}"/>
-                </a:ext>
-              </a:extLst>
-            </p:cNvPr>
-            <p:cNvSpPr txBox="1"/>
-            <p:nvPr/>
-          </p:nvSpPr>
-          <p:spPr>
-            <a:xfrm>
-              <a:off x="1794075" y="3336403"/>
-              <a:ext cx="6470249" cy="796747"/>
-            </a:xfrm>
-            <a:prstGeom prst="rect">
-              <a:avLst/>
-            </a:prstGeom>
-            <a:noFill/>
-          </p:spPr>
-          <p:txBody>
-            <a:bodyPr wrap="square" rtlCol="0">
-              <a:spAutoFit/>
-            </a:bodyPr>
-            <a:lstStyle/>
-            <a:p>
-              <a:pPr algn="ctr"/>
-              <a:r>
-                <a:rPr kumimoji="1" lang="en-US" altLang="ko-KR" sz="4400" b="1" dirty="0">
-                  <a:latin typeface="D2Coding" panose="020B0609020101020101" pitchFamily="49" charset="-127"/>
-                  <a:ea typeface="D2Coding" panose="020B0609020101020101" pitchFamily="49" charset="-127"/>
-                </a:rPr>
-                <a:t>Day 07</a:t>
-              </a:r>
-            </a:p>
-            <a:p>
-              <a:pPr algn="ctr"/>
-              <a:r>
-                <a:rPr kumimoji="1" lang="en" altLang="ko-KR" sz="4400" b="1" dirty="0">
-                  <a:latin typeface="D2Coding" panose="020B0609020101020101" pitchFamily="49" charset="-127"/>
-                  <a:ea typeface="D2Coding" panose="020B0609020101020101" pitchFamily="49" charset="-127"/>
-                </a:rPr>
-                <a:t>Java</a:t>
-              </a:r>
-              <a:r>
-                <a:rPr kumimoji="1" lang="ko-KR" altLang="en-US" sz="4400" b="1" dirty="0">
-                  <a:latin typeface="D2Coding" panose="020B0609020101020101" pitchFamily="49" charset="-127"/>
-                  <a:ea typeface="D2Coding" panose="020B0609020101020101" pitchFamily="49" charset="-127"/>
-                </a:rPr>
-                <a:t>프로그래밍 기초</a:t>
-              </a:r>
-              <a:r>
-                <a:rPr kumimoji="1" lang="en-US" altLang="ko-KR" sz="4400" b="1" dirty="0">
-                  <a:latin typeface="D2Coding" panose="020B0609020101020101" pitchFamily="49" charset="-127"/>
-                  <a:ea typeface="D2Coding" panose="020B0609020101020101" pitchFamily="49" charset="-127"/>
-                </a:rPr>
-                <a:t>(</a:t>
-              </a:r>
-              <a:r>
-                <a:rPr kumimoji="1" lang="ko-KR" altLang="en-US" sz="4400" b="1" dirty="0">
-                  <a:latin typeface="D2Coding" panose="020B0609020101020101" pitchFamily="49" charset="-127"/>
-                  <a:ea typeface="D2Coding" panose="020B0609020101020101" pitchFamily="49" charset="-127"/>
-                </a:rPr>
-                <a:t>문자집합</a:t>
-              </a:r>
-              <a:r>
-                <a:rPr kumimoji="1" lang="en-US" altLang="ko-KR" sz="4400" b="1" dirty="0">
-                  <a:latin typeface="D2Coding" panose="020B0609020101020101" pitchFamily="49" charset="-127"/>
-                  <a:ea typeface="D2Coding" panose="020B0609020101020101" pitchFamily="49" charset="-127"/>
-                </a:rPr>
-                <a:t>,</a:t>
-              </a:r>
-              <a:r>
-                <a:rPr kumimoji="1" lang="ko-KR" altLang="en-US" sz="4400" b="1" dirty="0">
-                  <a:latin typeface="D2Coding" panose="020B0609020101020101" pitchFamily="49" charset="-127"/>
-                  <a:ea typeface="D2Coding" panose="020B0609020101020101" pitchFamily="49" charset="-127"/>
-                </a:rPr>
-                <a:t> 수</a:t>
-              </a:r>
-              <a:r>
-                <a:rPr kumimoji="1" lang="en-US" altLang="ko-KR" sz="4400" b="1" dirty="0">
-                  <a:latin typeface="D2Coding" panose="020B0609020101020101" pitchFamily="49" charset="-127"/>
-                  <a:ea typeface="D2Coding" panose="020B0609020101020101" pitchFamily="49" charset="-127"/>
-                </a:rPr>
-                <a:t>)</a:t>
-              </a:r>
-            </a:p>
-          </p:txBody>
-        </p:sp>
-      </p:grpSp>
-    </p:spTree>
-    <p:extLst>
-      <p:ext uri="{BB962C8B-B14F-4D97-AF65-F5344CB8AC3E}">
-        <p14:creationId xmlns:p14="http://schemas.microsoft.com/office/powerpoint/2010/main" val="963737642"/>
       </p:ext>
     </p:extLst>
   </p:cSld>

--- a/assets/img/posts/ClassThumbnail.pptx
+++ b/assets/img/posts/ClassThumbnail.pptx
@@ -61,6 +61,7 @@
     <p:sldId id="327" r:id="rId55"/>
     <p:sldId id="329" r:id="rId56"/>
     <p:sldId id="330" r:id="rId57"/>
+    <p:sldId id="331" r:id="rId58"/>
   </p:sldIdLst>
   <p:sldSz cx="12192000" cy="6858000"/>
   <p:notesSz cx="6858000" cy="9144000"/>
@@ -314,7 +315,7 @@
           <a:p>
             <a:fld id="{23D718C7-182E-9E43-B6DC-1727F16BCC9F}" type="datetimeFigureOut">
               <a:rPr kumimoji="1" lang="ko-KR" altLang="en-US" smtClean="0"/>
-              <a:t>2024. 8. 21.</a:t>
+              <a:t>2024. 8. 23.</a:t>
             </a:fld>
             <a:endParaRPr kumimoji="1" lang="ko-KR" altLang="en-US"/>
           </a:p>
@@ -512,7 +513,7 @@
           <a:p>
             <a:fld id="{23D718C7-182E-9E43-B6DC-1727F16BCC9F}" type="datetimeFigureOut">
               <a:rPr kumimoji="1" lang="ko-KR" altLang="en-US" smtClean="0"/>
-              <a:t>2024. 8. 21.</a:t>
+              <a:t>2024. 8. 23.</a:t>
             </a:fld>
             <a:endParaRPr kumimoji="1" lang="ko-KR" altLang="en-US"/>
           </a:p>
@@ -720,7 +721,7 @@
           <a:p>
             <a:fld id="{23D718C7-182E-9E43-B6DC-1727F16BCC9F}" type="datetimeFigureOut">
               <a:rPr kumimoji="1" lang="ko-KR" altLang="en-US" smtClean="0"/>
-              <a:t>2024. 8. 21.</a:t>
+              <a:t>2024. 8. 23.</a:t>
             </a:fld>
             <a:endParaRPr kumimoji="1" lang="ko-KR" altLang="en-US"/>
           </a:p>
@@ -918,7 +919,7 @@
           <a:p>
             <a:fld id="{23D718C7-182E-9E43-B6DC-1727F16BCC9F}" type="datetimeFigureOut">
               <a:rPr kumimoji="1" lang="ko-KR" altLang="en-US" smtClean="0"/>
-              <a:t>2024. 8. 21.</a:t>
+              <a:t>2024. 8. 23.</a:t>
             </a:fld>
             <a:endParaRPr kumimoji="1" lang="ko-KR" altLang="en-US"/>
           </a:p>
@@ -1193,7 +1194,7 @@
           <a:p>
             <a:fld id="{23D718C7-182E-9E43-B6DC-1727F16BCC9F}" type="datetimeFigureOut">
               <a:rPr kumimoji="1" lang="ko-KR" altLang="en-US" smtClean="0"/>
-              <a:t>2024. 8. 21.</a:t>
+              <a:t>2024. 8. 23.</a:t>
             </a:fld>
             <a:endParaRPr kumimoji="1" lang="ko-KR" altLang="en-US"/>
           </a:p>
@@ -1458,7 +1459,7 @@
           <a:p>
             <a:fld id="{23D718C7-182E-9E43-B6DC-1727F16BCC9F}" type="datetimeFigureOut">
               <a:rPr kumimoji="1" lang="ko-KR" altLang="en-US" smtClean="0"/>
-              <a:t>2024. 8. 21.</a:t>
+              <a:t>2024. 8. 23.</a:t>
             </a:fld>
             <a:endParaRPr kumimoji="1" lang="ko-KR" altLang="en-US"/>
           </a:p>
@@ -1870,7 +1871,7 @@
           <a:p>
             <a:fld id="{23D718C7-182E-9E43-B6DC-1727F16BCC9F}" type="datetimeFigureOut">
               <a:rPr kumimoji="1" lang="ko-KR" altLang="en-US" smtClean="0"/>
-              <a:t>2024. 8. 21.</a:t>
+              <a:t>2024. 8. 23.</a:t>
             </a:fld>
             <a:endParaRPr kumimoji="1" lang="ko-KR" altLang="en-US"/>
           </a:p>
@@ -2011,7 +2012,7 @@
           <a:p>
             <a:fld id="{23D718C7-182E-9E43-B6DC-1727F16BCC9F}" type="datetimeFigureOut">
               <a:rPr kumimoji="1" lang="ko-KR" altLang="en-US" smtClean="0"/>
-              <a:t>2024. 8. 21.</a:t>
+              <a:t>2024. 8. 23.</a:t>
             </a:fld>
             <a:endParaRPr kumimoji="1" lang="ko-KR" altLang="en-US"/>
           </a:p>
@@ -2124,7 +2125,7 @@
           <a:p>
             <a:fld id="{23D718C7-182E-9E43-B6DC-1727F16BCC9F}" type="datetimeFigureOut">
               <a:rPr kumimoji="1" lang="ko-KR" altLang="en-US" smtClean="0"/>
-              <a:t>2024. 8. 21.</a:t>
+              <a:t>2024. 8. 23.</a:t>
             </a:fld>
             <a:endParaRPr kumimoji="1" lang="ko-KR" altLang="en-US"/>
           </a:p>
@@ -2435,7 +2436,7 @@
           <a:p>
             <a:fld id="{23D718C7-182E-9E43-B6DC-1727F16BCC9F}" type="datetimeFigureOut">
               <a:rPr kumimoji="1" lang="ko-KR" altLang="en-US" smtClean="0"/>
-              <a:t>2024. 8. 21.</a:t>
+              <a:t>2024. 8. 23.</a:t>
             </a:fld>
             <a:endParaRPr kumimoji="1" lang="ko-KR" altLang="en-US"/>
           </a:p>
@@ -2723,7 +2724,7 @@
           <a:p>
             <a:fld id="{23D718C7-182E-9E43-B6DC-1727F16BCC9F}" type="datetimeFigureOut">
               <a:rPr kumimoji="1" lang="ko-KR" altLang="en-US" smtClean="0"/>
-              <a:t>2024. 8. 21.</a:t>
+              <a:t>2024. 8. 23.</a:t>
             </a:fld>
             <a:endParaRPr kumimoji="1" lang="ko-KR" altLang="en-US"/>
           </a:p>
@@ -2964,7 +2965,7 @@
           <a:p>
             <a:fld id="{23D718C7-182E-9E43-B6DC-1727F16BCC9F}" type="datetimeFigureOut">
               <a:rPr kumimoji="1" lang="ko-KR" altLang="en-US" smtClean="0"/>
-              <a:t>2024. 8. 21.</a:t>
+              <a:t>2024. 8. 23.</a:t>
             </a:fld>
             <a:endParaRPr kumimoji="1" lang="ko-KR" altLang="en-US"/>
           </a:p>
@@ -15305,6 +15306,240 @@
 </p:sld>
 </file>
 
+<file path=ppt/slides/slide57.xml><?xml version="1.0" encoding="utf-8"?>
+<p:sld xmlns:a="http://schemas.openxmlformats.org/drawingml/2006/main" xmlns:r="http://schemas.openxmlformats.org/officeDocument/2006/relationships" xmlns:p="http://schemas.openxmlformats.org/presentationml/2006/main">
+  <p:cSld>
+    <p:spTree>
+      <p:nvGrpSpPr>
+        <p:cNvPr id="1" name=""/>
+        <p:cNvGrpSpPr/>
+        <p:nvPr/>
+      </p:nvGrpSpPr>
+      <p:grpSpPr>
+        <a:xfrm>
+          <a:off x="0" y="0"/>
+          <a:ext cx="0" cy="0"/>
+          <a:chOff x="0" y="0"/>
+          <a:chExt cx="0" cy="0"/>
+        </a:xfrm>
+      </p:grpSpPr>
+      <p:sp>
+        <p:nvSpPr>
+          <p:cNvPr id="6" name="TextBox 5">
+            <a:extLst>
+              <a:ext uri="{FF2B5EF4-FFF2-40B4-BE49-F238E27FC236}">
+                <a16:creationId xmlns:a16="http://schemas.microsoft.com/office/drawing/2014/main" id="{7BC70131-2A0F-D582-388D-5AB1E95FE6C4}"/>
+              </a:ext>
+            </a:extLst>
+          </p:cNvPr>
+          <p:cNvSpPr txBox="1"/>
+          <p:nvPr/>
+        </p:nvSpPr>
+        <p:spPr>
+          <a:xfrm>
+            <a:off x="1021294" y="3808909"/>
+            <a:ext cx="10149410" cy="1384995"/>
+          </a:xfrm>
+          <a:prstGeom prst="rect">
+            <a:avLst/>
+          </a:prstGeom>
+          <a:noFill/>
+        </p:spPr>
+        <p:txBody>
+          <a:bodyPr wrap="square" rtlCol="0">
+            <a:spAutoFit/>
+          </a:bodyPr>
+          <a:lstStyle/>
+          <a:p>
+            <a:pPr algn="ctr"/>
+            <a:r>
+              <a:rPr kumimoji="1" lang="en-US" altLang="ko-KR" sz="2800" b="1" dirty="0">
+                <a:latin typeface="D2Coding" panose="020B0609020101020101" pitchFamily="49" charset="-127"/>
+                <a:ea typeface="D2Coding" panose="020B0609020101020101" pitchFamily="49" charset="-127"/>
+              </a:rPr>
+              <a:t>Day 56</a:t>
+            </a:r>
+          </a:p>
+          <a:p>
+            <a:pPr algn="ctr"/>
+            <a:r>
+              <a:rPr kumimoji="1" lang="en-US" altLang="ko-KR" sz="2800" b="1" dirty="0">
+                <a:latin typeface="D2Coding" panose="020B0609020101020101" pitchFamily="49" charset="-127"/>
+                <a:ea typeface="D2Coding" panose="020B0609020101020101" pitchFamily="49" charset="-127"/>
+              </a:rPr>
+              <a:t>Java</a:t>
+            </a:r>
+            <a:r>
+              <a:rPr kumimoji="1" lang="ko-KR" altLang="en-US" sz="2800" b="1" dirty="0">
+                <a:latin typeface="D2Coding" panose="020B0609020101020101" pitchFamily="49" charset="-127"/>
+                <a:ea typeface="D2Coding" panose="020B0609020101020101" pitchFamily="49" charset="-127"/>
+              </a:rPr>
+              <a:t>프로그래밍 기초</a:t>
+            </a:r>
+            <a:endParaRPr kumimoji="1" lang="en-US" altLang="ko-KR" sz="2800" b="1" dirty="0">
+              <a:latin typeface="D2Coding" panose="020B0609020101020101" pitchFamily="49" charset="-127"/>
+              <a:ea typeface="D2Coding" panose="020B0609020101020101" pitchFamily="49" charset="-127"/>
+            </a:endParaRPr>
+          </a:p>
+          <a:p>
+            <a:pPr algn="ctr"/>
+            <a:r>
+              <a:rPr kumimoji="1" lang="en-US" altLang="ko-KR" sz="2800" b="1" dirty="0">
+                <a:latin typeface="D2Coding" panose="020B0609020101020101" pitchFamily="49" charset="-127"/>
+                <a:ea typeface="D2Coding" panose="020B0609020101020101" pitchFamily="49" charset="-127"/>
+              </a:rPr>
+              <a:t>JDBC – </a:t>
+            </a:r>
+            <a:r>
+              <a:rPr kumimoji="1" lang="ko-KR" altLang="en-US" sz="2800" b="1" dirty="0">
+                <a:latin typeface="D2Coding" panose="020B0609020101020101" pitchFamily="49" charset="-127"/>
+                <a:ea typeface="D2Coding" panose="020B0609020101020101" pitchFamily="49" charset="-127"/>
+              </a:rPr>
+              <a:t>라이브러리 설치 및 등록</a:t>
+            </a:r>
+          </a:p>
+        </p:txBody>
+      </p:sp>
+      <p:grpSp>
+        <p:nvGrpSpPr>
+          <p:cNvPr id="3" name="그룹 2">
+            <a:extLst>
+              <a:ext uri="{FF2B5EF4-FFF2-40B4-BE49-F238E27FC236}">
+                <a16:creationId xmlns:a16="http://schemas.microsoft.com/office/drawing/2014/main" id="{CCB49D7F-A40B-2950-C3BB-13981C780200}"/>
+              </a:ext>
+            </a:extLst>
+          </p:cNvPr>
+          <p:cNvGrpSpPr/>
+          <p:nvPr/>
+        </p:nvGrpSpPr>
+        <p:grpSpPr>
+          <a:xfrm>
+            <a:off x="0" y="0"/>
+            <a:ext cx="12192000" cy="6858000"/>
+            <a:chOff x="1143000" y="1238490"/>
+            <a:chExt cx="7772400" cy="3777325"/>
+          </a:xfrm>
+        </p:grpSpPr>
+        <p:pic>
+          <p:nvPicPr>
+            <p:cNvPr id="4" name="그림 3" descr="폰트, 로고, 그래픽, 화이트이(가) 표시된 사진&#10;&#10;자동 생성된 설명">
+              <a:extLst>
+                <a:ext uri="{FF2B5EF4-FFF2-40B4-BE49-F238E27FC236}">
+                  <a16:creationId xmlns:a16="http://schemas.microsoft.com/office/drawing/2014/main" id="{B742D47A-36C2-B9F0-BC20-0E30F4A6AEEC}"/>
+                </a:ext>
+              </a:extLst>
+            </p:cNvPr>
+            <p:cNvPicPr>
+              <a:picLocks noChangeAspect="1"/>
+            </p:cNvPicPr>
+            <p:nvPr/>
+          </p:nvPicPr>
+          <p:blipFill>
+            <a:blip r:embed="rId2"/>
+            <a:srcRect t="13650"/>
+            <a:stretch/>
+          </p:blipFill>
+          <p:spPr>
+            <a:xfrm>
+              <a:off x="1143000" y="1238490"/>
+              <a:ext cx="7772400" cy="3777325"/>
+            </a:xfrm>
+            <a:prstGeom prst="rect">
+              <a:avLst/>
+            </a:prstGeom>
+          </p:spPr>
+        </p:pic>
+        <p:sp>
+          <p:nvSpPr>
+            <p:cNvPr id="8" name="TextBox 7">
+              <a:extLst>
+                <a:ext uri="{FF2B5EF4-FFF2-40B4-BE49-F238E27FC236}">
+                  <a16:creationId xmlns:a16="http://schemas.microsoft.com/office/drawing/2014/main" id="{B3D8B992-313F-AA19-ECC1-9BA2DED76D4E}"/>
+                </a:ext>
+              </a:extLst>
+            </p:cNvPr>
+            <p:cNvSpPr txBox="1"/>
+            <p:nvPr/>
+          </p:nvSpPr>
+          <p:spPr>
+            <a:xfrm>
+              <a:off x="1794075" y="3336403"/>
+              <a:ext cx="6470249" cy="796747"/>
+            </a:xfrm>
+            <a:prstGeom prst="rect">
+              <a:avLst/>
+            </a:prstGeom>
+            <a:noFill/>
+          </p:spPr>
+          <p:txBody>
+            <a:bodyPr wrap="square" rtlCol="0">
+              <a:spAutoFit/>
+            </a:bodyPr>
+            <a:lstStyle/>
+            <a:p>
+              <a:pPr algn="ctr"/>
+              <a:r>
+                <a:rPr kumimoji="1" lang="en-US" altLang="ko-KR" sz="4400" b="1" dirty="0">
+                  <a:latin typeface="D2Coding" panose="020B0609020101020101" pitchFamily="49" charset="-127"/>
+                  <a:ea typeface="D2Coding" panose="020B0609020101020101" pitchFamily="49" charset="-127"/>
+                </a:rPr>
+                <a:t>Day 61</a:t>
+              </a:r>
+            </a:p>
+            <a:p>
+              <a:pPr algn="ctr"/>
+              <a:r>
+                <a:rPr kumimoji="1" lang="ko-KR" altLang="en-US" sz="4400" b="1" dirty="0">
+                  <a:latin typeface="D2Coding" panose="020B0609020101020101" pitchFamily="49" charset="-127"/>
+                  <a:ea typeface="D2Coding" panose="020B0609020101020101" pitchFamily="49" charset="-127"/>
+                </a:rPr>
+                <a:t>실습프로젝트</a:t>
+              </a:r>
+              <a:r>
+                <a:rPr kumimoji="1" lang="en-US" altLang="ko-KR" sz="4400" b="1" dirty="0">
+                  <a:latin typeface="D2Coding" panose="020B0609020101020101" pitchFamily="49" charset="-127"/>
+                  <a:ea typeface="D2Coding" panose="020B0609020101020101" pitchFamily="49" charset="-127"/>
+                </a:rPr>
+                <a:t>(</a:t>
+              </a:r>
+              <a:r>
+                <a:rPr kumimoji="1" lang="en" altLang="ko-KR" sz="4400" b="1" dirty="0">
+                  <a:latin typeface="D2Coding" panose="020B0609020101020101" pitchFamily="49" charset="-127"/>
+                  <a:ea typeface="D2Coding" panose="020B0609020101020101" pitchFamily="49" charset="-127"/>
+                </a:rPr>
+                <a:t>Proxy </a:t>
+              </a:r>
+              <a:r>
+                <a:rPr kumimoji="1" lang="en" altLang="ko-KR" sz="4400" b="1" dirty="0" err="1">
+                  <a:latin typeface="D2Coding" panose="020B0609020101020101" pitchFamily="49" charset="-127"/>
+                  <a:ea typeface="D2Coding" panose="020B0609020101020101" pitchFamily="49" charset="-127"/>
+                </a:rPr>
+                <a:t>Patterm</a:t>
+              </a:r>
+              <a:r>
+                <a:rPr kumimoji="1" lang="en" altLang="ko-KR" sz="4400" b="1" dirty="0">
+                  <a:latin typeface="D2Coding" panose="020B0609020101020101" pitchFamily="49" charset="-127"/>
+                  <a:ea typeface="D2Coding" panose="020B0609020101020101" pitchFamily="49" charset="-127"/>
+                </a:rPr>
+                <a:t>, Server)</a:t>
+              </a:r>
+            </a:p>
+          </p:txBody>
+        </p:sp>
+      </p:grpSp>
+    </p:spTree>
+    <p:extLst>
+      <p:ext uri="{BB962C8B-B14F-4D97-AF65-F5344CB8AC3E}">
+        <p14:creationId xmlns:p14="http://schemas.microsoft.com/office/powerpoint/2010/main" val="3043512356"/>
+      </p:ext>
+    </p:extLst>
+  </p:cSld>
+  <p:clrMapOvr>
+    <a:masterClrMapping/>
+  </p:clrMapOvr>
+</p:sld>
+</file>
+
 <file path=ppt/slides/slide6.xml><?xml version="1.0" encoding="utf-8"?>
 <p:sld xmlns:a="http://schemas.openxmlformats.org/drawingml/2006/main" xmlns:r="http://schemas.openxmlformats.org/officeDocument/2006/relationships" xmlns:p="http://schemas.openxmlformats.org/presentationml/2006/main">
   <p:cSld>

--- a/assets/img/posts/ClassThumbnail.pptx
+++ b/assets/img/posts/ClassThumbnail.pptx
@@ -62,6 +62,8 @@
     <p:sldId id="329" r:id="rId56"/>
     <p:sldId id="330" r:id="rId57"/>
     <p:sldId id="331" r:id="rId58"/>
+    <p:sldId id="332" r:id="rId59"/>
+    <p:sldId id="333" r:id="rId60"/>
   </p:sldIdLst>
   <p:sldSz cx="12192000" cy="6858000"/>
   <p:notesSz cx="6858000" cy="9144000"/>
@@ -315,7 +317,7 @@
           <a:p>
             <a:fld id="{23D718C7-182E-9E43-B6DC-1727F16BCC9F}" type="datetimeFigureOut">
               <a:rPr kumimoji="1" lang="ko-KR" altLang="en-US" smtClean="0"/>
-              <a:t>2024. 8. 23.</a:t>
+              <a:t>2024. 8. 26.</a:t>
             </a:fld>
             <a:endParaRPr kumimoji="1" lang="ko-KR" altLang="en-US"/>
           </a:p>
@@ -513,7 +515,7 @@
           <a:p>
             <a:fld id="{23D718C7-182E-9E43-B6DC-1727F16BCC9F}" type="datetimeFigureOut">
               <a:rPr kumimoji="1" lang="ko-KR" altLang="en-US" smtClean="0"/>
-              <a:t>2024. 8. 23.</a:t>
+              <a:t>2024. 8. 26.</a:t>
             </a:fld>
             <a:endParaRPr kumimoji="1" lang="ko-KR" altLang="en-US"/>
           </a:p>
@@ -721,7 +723,7 @@
           <a:p>
             <a:fld id="{23D718C7-182E-9E43-B6DC-1727F16BCC9F}" type="datetimeFigureOut">
               <a:rPr kumimoji="1" lang="ko-KR" altLang="en-US" smtClean="0"/>
-              <a:t>2024. 8. 23.</a:t>
+              <a:t>2024. 8. 26.</a:t>
             </a:fld>
             <a:endParaRPr kumimoji="1" lang="ko-KR" altLang="en-US"/>
           </a:p>
@@ -919,7 +921,7 @@
           <a:p>
             <a:fld id="{23D718C7-182E-9E43-B6DC-1727F16BCC9F}" type="datetimeFigureOut">
               <a:rPr kumimoji="1" lang="ko-KR" altLang="en-US" smtClean="0"/>
-              <a:t>2024. 8. 23.</a:t>
+              <a:t>2024. 8. 26.</a:t>
             </a:fld>
             <a:endParaRPr kumimoji="1" lang="ko-KR" altLang="en-US"/>
           </a:p>
@@ -1194,7 +1196,7 @@
           <a:p>
             <a:fld id="{23D718C7-182E-9E43-B6DC-1727F16BCC9F}" type="datetimeFigureOut">
               <a:rPr kumimoji="1" lang="ko-KR" altLang="en-US" smtClean="0"/>
-              <a:t>2024. 8. 23.</a:t>
+              <a:t>2024. 8. 26.</a:t>
             </a:fld>
             <a:endParaRPr kumimoji="1" lang="ko-KR" altLang="en-US"/>
           </a:p>
@@ -1459,7 +1461,7 @@
           <a:p>
             <a:fld id="{23D718C7-182E-9E43-B6DC-1727F16BCC9F}" type="datetimeFigureOut">
               <a:rPr kumimoji="1" lang="ko-KR" altLang="en-US" smtClean="0"/>
-              <a:t>2024. 8. 23.</a:t>
+              <a:t>2024. 8. 26.</a:t>
             </a:fld>
             <a:endParaRPr kumimoji="1" lang="ko-KR" altLang="en-US"/>
           </a:p>
@@ -1871,7 +1873,7 @@
           <a:p>
             <a:fld id="{23D718C7-182E-9E43-B6DC-1727F16BCC9F}" type="datetimeFigureOut">
               <a:rPr kumimoji="1" lang="ko-KR" altLang="en-US" smtClean="0"/>
-              <a:t>2024. 8. 23.</a:t>
+              <a:t>2024. 8. 26.</a:t>
             </a:fld>
             <a:endParaRPr kumimoji="1" lang="ko-KR" altLang="en-US"/>
           </a:p>
@@ -2012,7 +2014,7 @@
           <a:p>
             <a:fld id="{23D718C7-182E-9E43-B6DC-1727F16BCC9F}" type="datetimeFigureOut">
               <a:rPr kumimoji="1" lang="ko-KR" altLang="en-US" smtClean="0"/>
-              <a:t>2024. 8. 23.</a:t>
+              <a:t>2024. 8. 26.</a:t>
             </a:fld>
             <a:endParaRPr kumimoji="1" lang="ko-KR" altLang="en-US"/>
           </a:p>
@@ -2125,7 +2127,7 @@
           <a:p>
             <a:fld id="{23D718C7-182E-9E43-B6DC-1727F16BCC9F}" type="datetimeFigureOut">
               <a:rPr kumimoji="1" lang="ko-KR" altLang="en-US" smtClean="0"/>
-              <a:t>2024. 8. 23.</a:t>
+              <a:t>2024. 8. 26.</a:t>
             </a:fld>
             <a:endParaRPr kumimoji="1" lang="ko-KR" altLang="en-US"/>
           </a:p>
@@ -2436,7 +2438,7 @@
           <a:p>
             <a:fld id="{23D718C7-182E-9E43-B6DC-1727F16BCC9F}" type="datetimeFigureOut">
               <a:rPr kumimoji="1" lang="ko-KR" altLang="en-US" smtClean="0"/>
-              <a:t>2024. 8. 23.</a:t>
+              <a:t>2024. 8. 26.</a:t>
             </a:fld>
             <a:endParaRPr kumimoji="1" lang="ko-KR" altLang="en-US"/>
           </a:p>
@@ -2724,7 +2726,7 @@
           <a:p>
             <a:fld id="{23D718C7-182E-9E43-B6DC-1727F16BCC9F}" type="datetimeFigureOut">
               <a:rPr kumimoji="1" lang="ko-KR" altLang="en-US" smtClean="0"/>
-              <a:t>2024. 8. 23.</a:t>
+              <a:t>2024. 8. 26.</a:t>
             </a:fld>
             <a:endParaRPr kumimoji="1" lang="ko-KR" altLang="en-US"/>
           </a:p>
@@ -2965,7 +2967,7 @@
           <a:p>
             <a:fld id="{23D718C7-182E-9E43-B6DC-1727F16BCC9F}" type="datetimeFigureOut">
               <a:rPr kumimoji="1" lang="ko-KR" altLang="en-US" smtClean="0"/>
-              <a:t>2024. 8. 23.</a:t>
+              <a:t>2024. 8. 26.</a:t>
             </a:fld>
             <a:endParaRPr kumimoji="1" lang="ko-KR" altLang="en-US"/>
           </a:p>
@@ -15540,6 +15542,474 @@
 </p:sld>
 </file>
 
+<file path=ppt/slides/slide58.xml><?xml version="1.0" encoding="utf-8"?>
+<p:sld xmlns:a="http://schemas.openxmlformats.org/drawingml/2006/main" xmlns:r="http://schemas.openxmlformats.org/officeDocument/2006/relationships" xmlns:p="http://schemas.openxmlformats.org/presentationml/2006/main">
+  <p:cSld>
+    <p:spTree>
+      <p:nvGrpSpPr>
+        <p:cNvPr id="1" name=""/>
+        <p:cNvGrpSpPr/>
+        <p:nvPr/>
+      </p:nvGrpSpPr>
+      <p:grpSpPr>
+        <a:xfrm>
+          <a:off x="0" y="0"/>
+          <a:ext cx="0" cy="0"/>
+          <a:chOff x="0" y="0"/>
+          <a:chExt cx="0" cy="0"/>
+        </a:xfrm>
+      </p:grpSpPr>
+      <p:sp>
+        <p:nvSpPr>
+          <p:cNvPr id="6" name="TextBox 5">
+            <a:extLst>
+              <a:ext uri="{FF2B5EF4-FFF2-40B4-BE49-F238E27FC236}">
+                <a16:creationId xmlns:a16="http://schemas.microsoft.com/office/drawing/2014/main" id="{7BC70131-2A0F-D582-388D-5AB1E95FE6C4}"/>
+              </a:ext>
+            </a:extLst>
+          </p:cNvPr>
+          <p:cNvSpPr txBox="1"/>
+          <p:nvPr/>
+        </p:nvSpPr>
+        <p:spPr>
+          <a:xfrm>
+            <a:off x="1021294" y="3808909"/>
+            <a:ext cx="10149410" cy="1384995"/>
+          </a:xfrm>
+          <a:prstGeom prst="rect">
+            <a:avLst/>
+          </a:prstGeom>
+          <a:noFill/>
+        </p:spPr>
+        <p:txBody>
+          <a:bodyPr wrap="square" rtlCol="0">
+            <a:spAutoFit/>
+          </a:bodyPr>
+          <a:lstStyle/>
+          <a:p>
+            <a:pPr algn="ctr"/>
+            <a:r>
+              <a:rPr kumimoji="1" lang="en-US" altLang="ko-KR" sz="2800" b="1" dirty="0">
+                <a:latin typeface="D2Coding" panose="020B0609020101020101" pitchFamily="49" charset="-127"/>
+                <a:ea typeface="D2Coding" panose="020B0609020101020101" pitchFamily="49" charset="-127"/>
+              </a:rPr>
+              <a:t>Day 56</a:t>
+            </a:r>
+          </a:p>
+          <a:p>
+            <a:pPr algn="ctr"/>
+            <a:r>
+              <a:rPr kumimoji="1" lang="en-US" altLang="ko-KR" sz="2800" b="1" dirty="0">
+                <a:latin typeface="D2Coding" panose="020B0609020101020101" pitchFamily="49" charset="-127"/>
+                <a:ea typeface="D2Coding" panose="020B0609020101020101" pitchFamily="49" charset="-127"/>
+              </a:rPr>
+              <a:t>Java</a:t>
+            </a:r>
+            <a:r>
+              <a:rPr kumimoji="1" lang="ko-KR" altLang="en-US" sz="2800" b="1" dirty="0">
+                <a:latin typeface="D2Coding" panose="020B0609020101020101" pitchFamily="49" charset="-127"/>
+                <a:ea typeface="D2Coding" panose="020B0609020101020101" pitchFamily="49" charset="-127"/>
+              </a:rPr>
+              <a:t>프로그래밍 기초</a:t>
+            </a:r>
+            <a:endParaRPr kumimoji="1" lang="en-US" altLang="ko-KR" sz="2800" b="1" dirty="0">
+              <a:latin typeface="D2Coding" panose="020B0609020101020101" pitchFamily="49" charset="-127"/>
+              <a:ea typeface="D2Coding" panose="020B0609020101020101" pitchFamily="49" charset="-127"/>
+            </a:endParaRPr>
+          </a:p>
+          <a:p>
+            <a:pPr algn="ctr"/>
+            <a:r>
+              <a:rPr kumimoji="1" lang="en-US" altLang="ko-KR" sz="2800" b="1" dirty="0">
+                <a:latin typeface="D2Coding" panose="020B0609020101020101" pitchFamily="49" charset="-127"/>
+                <a:ea typeface="D2Coding" panose="020B0609020101020101" pitchFamily="49" charset="-127"/>
+              </a:rPr>
+              <a:t>JDBC – </a:t>
+            </a:r>
+            <a:r>
+              <a:rPr kumimoji="1" lang="ko-KR" altLang="en-US" sz="2800" b="1" dirty="0">
+                <a:latin typeface="D2Coding" panose="020B0609020101020101" pitchFamily="49" charset="-127"/>
+                <a:ea typeface="D2Coding" panose="020B0609020101020101" pitchFamily="49" charset="-127"/>
+              </a:rPr>
+              <a:t>라이브러리 설치 및 등록</a:t>
+            </a:r>
+          </a:p>
+        </p:txBody>
+      </p:sp>
+      <p:grpSp>
+        <p:nvGrpSpPr>
+          <p:cNvPr id="3" name="그룹 2">
+            <a:extLst>
+              <a:ext uri="{FF2B5EF4-FFF2-40B4-BE49-F238E27FC236}">
+                <a16:creationId xmlns:a16="http://schemas.microsoft.com/office/drawing/2014/main" id="{CCB49D7F-A40B-2950-C3BB-13981C780200}"/>
+              </a:ext>
+            </a:extLst>
+          </p:cNvPr>
+          <p:cNvGrpSpPr/>
+          <p:nvPr/>
+        </p:nvGrpSpPr>
+        <p:grpSpPr>
+          <a:xfrm>
+            <a:off x="0" y="0"/>
+            <a:ext cx="12192000" cy="6858000"/>
+            <a:chOff x="1143000" y="1238490"/>
+            <a:chExt cx="7772400" cy="3777325"/>
+          </a:xfrm>
+        </p:grpSpPr>
+        <p:pic>
+          <p:nvPicPr>
+            <p:cNvPr id="4" name="그림 3" descr="폰트, 로고, 그래픽, 화이트이(가) 표시된 사진&#10;&#10;자동 생성된 설명">
+              <a:extLst>
+                <a:ext uri="{FF2B5EF4-FFF2-40B4-BE49-F238E27FC236}">
+                  <a16:creationId xmlns:a16="http://schemas.microsoft.com/office/drawing/2014/main" id="{B742D47A-36C2-B9F0-BC20-0E30F4A6AEEC}"/>
+                </a:ext>
+              </a:extLst>
+            </p:cNvPr>
+            <p:cNvPicPr>
+              <a:picLocks noChangeAspect="1"/>
+            </p:cNvPicPr>
+            <p:nvPr/>
+          </p:nvPicPr>
+          <p:blipFill>
+            <a:blip r:embed="rId2"/>
+            <a:srcRect t="13650"/>
+            <a:stretch/>
+          </p:blipFill>
+          <p:spPr>
+            <a:xfrm>
+              <a:off x="1143000" y="1238490"/>
+              <a:ext cx="7772400" cy="3777325"/>
+            </a:xfrm>
+            <a:prstGeom prst="rect">
+              <a:avLst/>
+            </a:prstGeom>
+          </p:spPr>
+        </p:pic>
+        <p:sp>
+          <p:nvSpPr>
+            <p:cNvPr id="8" name="TextBox 7">
+              <a:extLst>
+                <a:ext uri="{FF2B5EF4-FFF2-40B4-BE49-F238E27FC236}">
+                  <a16:creationId xmlns:a16="http://schemas.microsoft.com/office/drawing/2014/main" id="{B3D8B992-313F-AA19-ECC1-9BA2DED76D4E}"/>
+                </a:ext>
+              </a:extLst>
+            </p:cNvPr>
+            <p:cNvSpPr txBox="1"/>
+            <p:nvPr/>
+          </p:nvSpPr>
+          <p:spPr>
+            <a:xfrm>
+              <a:off x="1794075" y="3336403"/>
+              <a:ext cx="6470249" cy="796747"/>
+            </a:xfrm>
+            <a:prstGeom prst="rect">
+              <a:avLst/>
+            </a:prstGeom>
+            <a:noFill/>
+          </p:spPr>
+          <p:txBody>
+            <a:bodyPr wrap="square" rtlCol="0">
+              <a:spAutoFit/>
+            </a:bodyPr>
+            <a:lstStyle/>
+            <a:p>
+              <a:pPr algn="ctr"/>
+              <a:r>
+                <a:rPr kumimoji="1" lang="en-US" altLang="ko-KR" sz="4400" b="1" dirty="0">
+                  <a:latin typeface="D2Coding" panose="020B0609020101020101" pitchFamily="49" charset="-127"/>
+                  <a:ea typeface="D2Coding" panose="020B0609020101020101" pitchFamily="49" charset="-127"/>
+                </a:rPr>
+                <a:t>Day 62</a:t>
+              </a:r>
+            </a:p>
+            <a:p>
+              <a:pPr algn="ctr"/>
+              <a:r>
+                <a:rPr kumimoji="1" lang="ko-KR" altLang="en-US" sz="4400" b="1" dirty="0">
+                  <a:latin typeface="D2Coding" panose="020B0609020101020101" pitchFamily="49" charset="-127"/>
+                  <a:ea typeface="D2Coding" panose="020B0609020101020101" pitchFamily="49" charset="-127"/>
+                </a:rPr>
+                <a:t>실습프로젝트</a:t>
+              </a:r>
+              <a:r>
+                <a:rPr kumimoji="1" lang="en-US" altLang="ko-KR" sz="4400" b="1" dirty="0">
+                  <a:latin typeface="D2Coding" panose="020B0609020101020101" pitchFamily="49" charset="-127"/>
+                  <a:ea typeface="D2Coding" panose="020B0609020101020101" pitchFamily="49" charset="-127"/>
+                </a:rPr>
+                <a:t>(</a:t>
+              </a:r>
+              <a:r>
+                <a:rPr kumimoji="1" lang="en" altLang="ko-KR" sz="4400" b="1" dirty="0">
+                  <a:latin typeface="D2Coding" panose="020B0609020101020101" pitchFamily="49" charset="-127"/>
+                  <a:ea typeface="D2Coding" panose="020B0609020101020101" pitchFamily="49" charset="-127"/>
+                </a:rPr>
+                <a:t>DB</a:t>
+              </a:r>
+              <a:r>
+                <a:rPr kumimoji="1" lang="ko-KR" altLang="en-US" sz="4400" b="1" dirty="0">
+                  <a:latin typeface="D2Coding" panose="020B0609020101020101" pitchFamily="49" charset="-127"/>
+                  <a:ea typeface="D2Coding" panose="020B0609020101020101" pitchFamily="49" charset="-127"/>
+                </a:rPr>
+                <a:t>커넥션</a:t>
+              </a:r>
+              <a:r>
+                <a:rPr kumimoji="1" lang="en-US" altLang="ko-KR" sz="4400" b="1" dirty="0">
+                  <a:latin typeface="D2Coding" panose="020B0609020101020101" pitchFamily="49" charset="-127"/>
+                  <a:ea typeface="D2Coding" panose="020B0609020101020101" pitchFamily="49" charset="-127"/>
+                </a:rPr>
+                <a:t>)</a:t>
+              </a:r>
+            </a:p>
+          </p:txBody>
+        </p:sp>
+      </p:grpSp>
+    </p:spTree>
+    <p:extLst>
+      <p:ext uri="{BB962C8B-B14F-4D97-AF65-F5344CB8AC3E}">
+        <p14:creationId xmlns:p14="http://schemas.microsoft.com/office/powerpoint/2010/main" val="2860364851"/>
+      </p:ext>
+    </p:extLst>
+  </p:cSld>
+  <p:clrMapOvr>
+    <a:masterClrMapping/>
+  </p:clrMapOvr>
+</p:sld>
+</file>
+
+<file path=ppt/slides/slide59.xml><?xml version="1.0" encoding="utf-8"?>
+<p:sld xmlns:a="http://schemas.openxmlformats.org/drawingml/2006/main" xmlns:r="http://schemas.openxmlformats.org/officeDocument/2006/relationships" xmlns:p="http://schemas.openxmlformats.org/presentationml/2006/main">
+  <p:cSld>
+    <p:spTree>
+      <p:nvGrpSpPr>
+        <p:cNvPr id="1" name=""/>
+        <p:cNvGrpSpPr/>
+        <p:nvPr/>
+      </p:nvGrpSpPr>
+      <p:grpSpPr>
+        <a:xfrm>
+          <a:off x="0" y="0"/>
+          <a:ext cx="0" cy="0"/>
+          <a:chOff x="0" y="0"/>
+          <a:chExt cx="0" cy="0"/>
+        </a:xfrm>
+      </p:grpSpPr>
+      <p:sp>
+        <p:nvSpPr>
+          <p:cNvPr id="6" name="TextBox 5">
+            <a:extLst>
+              <a:ext uri="{FF2B5EF4-FFF2-40B4-BE49-F238E27FC236}">
+                <a16:creationId xmlns:a16="http://schemas.microsoft.com/office/drawing/2014/main" id="{7BC70131-2A0F-D582-388D-5AB1E95FE6C4}"/>
+              </a:ext>
+            </a:extLst>
+          </p:cNvPr>
+          <p:cNvSpPr txBox="1"/>
+          <p:nvPr/>
+        </p:nvSpPr>
+        <p:spPr>
+          <a:xfrm>
+            <a:off x="1021294" y="3808909"/>
+            <a:ext cx="10149410" cy="1384995"/>
+          </a:xfrm>
+          <a:prstGeom prst="rect">
+            <a:avLst/>
+          </a:prstGeom>
+          <a:noFill/>
+        </p:spPr>
+        <p:txBody>
+          <a:bodyPr wrap="square" rtlCol="0">
+            <a:spAutoFit/>
+          </a:bodyPr>
+          <a:lstStyle/>
+          <a:p>
+            <a:pPr algn="ctr"/>
+            <a:r>
+              <a:rPr kumimoji="1" lang="en-US" altLang="ko-KR" sz="2800" b="1" dirty="0">
+                <a:latin typeface="D2Coding" panose="020B0609020101020101" pitchFamily="49" charset="-127"/>
+                <a:ea typeface="D2Coding" panose="020B0609020101020101" pitchFamily="49" charset="-127"/>
+              </a:rPr>
+              <a:t>Day 56</a:t>
+            </a:r>
+          </a:p>
+          <a:p>
+            <a:pPr algn="ctr"/>
+            <a:r>
+              <a:rPr kumimoji="1" lang="en-US" altLang="ko-KR" sz="2800" b="1" dirty="0">
+                <a:latin typeface="D2Coding" panose="020B0609020101020101" pitchFamily="49" charset="-127"/>
+                <a:ea typeface="D2Coding" panose="020B0609020101020101" pitchFamily="49" charset="-127"/>
+              </a:rPr>
+              <a:t>Java</a:t>
+            </a:r>
+            <a:r>
+              <a:rPr kumimoji="1" lang="ko-KR" altLang="en-US" sz="2800" b="1" dirty="0">
+                <a:latin typeface="D2Coding" panose="020B0609020101020101" pitchFamily="49" charset="-127"/>
+                <a:ea typeface="D2Coding" panose="020B0609020101020101" pitchFamily="49" charset="-127"/>
+              </a:rPr>
+              <a:t>프로그래밍 기초</a:t>
+            </a:r>
+            <a:endParaRPr kumimoji="1" lang="en-US" altLang="ko-KR" sz="2800" b="1" dirty="0">
+              <a:latin typeface="D2Coding" panose="020B0609020101020101" pitchFamily="49" charset="-127"/>
+              <a:ea typeface="D2Coding" panose="020B0609020101020101" pitchFamily="49" charset="-127"/>
+            </a:endParaRPr>
+          </a:p>
+          <a:p>
+            <a:pPr algn="ctr"/>
+            <a:r>
+              <a:rPr kumimoji="1" lang="en-US" altLang="ko-KR" sz="2800" b="1" dirty="0">
+                <a:latin typeface="D2Coding" panose="020B0609020101020101" pitchFamily="49" charset="-127"/>
+                <a:ea typeface="D2Coding" panose="020B0609020101020101" pitchFamily="49" charset="-127"/>
+              </a:rPr>
+              <a:t>JDBC – </a:t>
+            </a:r>
+            <a:r>
+              <a:rPr kumimoji="1" lang="ko-KR" altLang="en-US" sz="2800" b="1" dirty="0">
+                <a:latin typeface="D2Coding" panose="020B0609020101020101" pitchFamily="49" charset="-127"/>
+                <a:ea typeface="D2Coding" panose="020B0609020101020101" pitchFamily="49" charset="-127"/>
+              </a:rPr>
+              <a:t>라이브러리 설치 및 등록</a:t>
+            </a:r>
+          </a:p>
+        </p:txBody>
+      </p:sp>
+      <p:grpSp>
+        <p:nvGrpSpPr>
+          <p:cNvPr id="3" name="그룹 2">
+            <a:extLst>
+              <a:ext uri="{FF2B5EF4-FFF2-40B4-BE49-F238E27FC236}">
+                <a16:creationId xmlns:a16="http://schemas.microsoft.com/office/drawing/2014/main" id="{CCB49D7F-A40B-2950-C3BB-13981C780200}"/>
+              </a:ext>
+            </a:extLst>
+          </p:cNvPr>
+          <p:cNvGrpSpPr/>
+          <p:nvPr/>
+        </p:nvGrpSpPr>
+        <p:grpSpPr>
+          <a:xfrm>
+            <a:off x="0" y="0"/>
+            <a:ext cx="12192000" cy="6858000"/>
+            <a:chOff x="1143000" y="1238490"/>
+            <a:chExt cx="7772400" cy="3777325"/>
+          </a:xfrm>
+        </p:grpSpPr>
+        <p:pic>
+          <p:nvPicPr>
+            <p:cNvPr id="4" name="그림 3" descr="폰트, 로고, 그래픽, 화이트이(가) 표시된 사진&#10;&#10;자동 생성된 설명">
+              <a:extLst>
+                <a:ext uri="{FF2B5EF4-FFF2-40B4-BE49-F238E27FC236}">
+                  <a16:creationId xmlns:a16="http://schemas.microsoft.com/office/drawing/2014/main" id="{B742D47A-36C2-B9F0-BC20-0E30F4A6AEEC}"/>
+                </a:ext>
+              </a:extLst>
+            </p:cNvPr>
+            <p:cNvPicPr>
+              <a:picLocks noChangeAspect="1"/>
+            </p:cNvPicPr>
+            <p:nvPr/>
+          </p:nvPicPr>
+          <p:blipFill>
+            <a:blip r:embed="rId2"/>
+            <a:srcRect t="13650"/>
+            <a:stretch/>
+          </p:blipFill>
+          <p:spPr>
+            <a:xfrm>
+              <a:off x="1143000" y="1238490"/>
+              <a:ext cx="7772400" cy="3777325"/>
+            </a:xfrm>
+            <a:prstGeom prst="rect">
+              <a:avLst/>
+            </a:prstGeom>
+          </p:spPr>
+        </p:pic>
+        <p:sp>
+          <p:nvSpPr>
+            <p:cNvPr id="8" name="TextBox 7">
+              <a:extLst>
+                <a:ext uri="{FF2B5EF4-FFF2-40B4-BE49-F238E27FC236}">
+                  <a16:creationId xmlns:a16="http://schemas.microsoft.com/office/drawing/2014/main" id="{B3D8B992-313F-AA19-ECC1-9BA2DED76D4E}"/>
+                </a:ext>
+              </a:extLst>
+            </p:cNvPr>
+            <p:cNvSpPr txBox="1"/>
+            <p:nvPr/>
+          </p:nvSpPr>
+          <p:spPr>
+            <a:xfrm>
+              <a:off x="1474792" y="3336403"/>
+              <a:ext cx="7108815" cy="796747"/>
+            </a:xfrm>
+            <a:prstGeom prst="rect">
+              <a:avLst/>
+            </a:prstGeom>
+            <a:noFill/>
+          </p:spPr>
+          <p:txBody>
+            <a:bodyPr wrap="square" rtlCol="0">
+              <a:spAutoFit/>
+            </a:bodyPr>
+            <a:lstStyle/>
+            <a:p>
+              <a:pPr algn="ctr"/>
+              <a:r>
+                <a:rPr kumimoji="1" lang="en-US" altLang="ko-KR" sz="4400" b="1" dirty="0">
+                  <a:latin typeface="D2Coding" panose="020B0609020101020101" pitchFamily="49" charset="-127"/>
+                  <a:ea typeface="D2Coding" panose="020B0609020101020101" pitchFamily="49" charset="-127"/>
+                </a:rPr>
+                <a:t>Day 63</a:t>
+              </a:r>
+            </a:p>
+            <a:p>
+              <a:pPr algn="ctr"/>
+              <a:r>
+                <a:rPr kumimoji="1" lang="en" altLang="ko-KR" sz="4400" b="1" dirty="0">
+                  <a:latin typeface="D2Coding" panose="020B0609020101020101" pitchFamily="49" charset="-127"/>
+                  <a:ea typeface="D2Coding" panose="020B0609020101020101" pitchFamily="49" charset="-127"/>
+                </a:rPr>
+                <a:t>Java</a:t>
+              </a:r>
+              <a:r>
+                <a:rPr kumimoji="1" lang="ko-KR" altLang="en-US" sz="4400" b="1" dirty="0">
+                  <a:latin typeface="D2Coding" panose="020B0609020101020101" pitchFamily="49" charset="-127"/>
+                  <a:ea typeface="D2Coding" panose="020B0609020101020101" pitchFamily="49" charset="-127"/>
+                </a:rPr>
+                <a:t>프로그래밍 기초</a:t>
+              </a:r>
+              <a:r>
+                <a:rPr kumimoji="1" lang="en-US" altLang="ko-KR" sz="4400" b="1" dirty="0">
+                  <a:latin typeface="D2Coding" panose="020B0609020101020101" pitchFamily="49" charset="-127"/>
+                  <a:ea typeface="D2Coding" panose="020B0609020101020101" pitchFamily="49" charset="-127"/>
+                </a:rPr>
+                <a:t>(</a:t>
+              </a:r>
+              <a:r>
+                <a:rPr kumimoji="1" lang="ko-KR" altLang="en-US" sz="4400" b="1" dirty="0">
+                  <a:latin typeface="D2Coding" panose="020B0609020101020101" pitchFamily="49" charset="-127"/>
+                  <a:ea typeface="D2Coding" panose="020B0609020101020101" pitchFamily="49" charset="-127"/>
+                </a:rPr>
+                <a:t>웹프로그래밍 기초</a:t>
+              </a:r>
+              <a:r>
+                <a:rPr kumimoji="1" lang="en" altLang="ko-KR" sz="4400" b="1" dirty="0">
+                  <a:latin typeface="D2Coding" panose="020B0609020101020101" pitchFamily="49" charset="-127"/>
+                  <a:ea typeface="D2Coding" panose="020B0609020101020101" pitchFamily="49" charset="-127"/>
+                </a:rPr>
+                <a:t>)</a:t>
+              </a:r>
+            </a:p>
+          </p:txBody>
+        </p:sp>
+      </p:grpSp>
+    </p:spTree>
+    <p:extLst>
+      <p:ext uri="{BB962C8B-B14F-4D97-AF65-F5344CB8AC3E}">
+        <p14:creationId xmlns:p14="http://schemas.microsoft.com/office/powerpoint/2010/main" val="298338184"/>
+      </p:ext>
+    </p:extLst>
+  </p:cSld>
+  <p:clrMapOvr>
+    <a:masterClrMapping/>
+  </p:clrMapOvr>
+</p:sld>
+</file>
+
 <file path=ppt/slides/slide6.xml><?xml version="1.0" encoding="utf-8"?>
 <p:sld xmlns:a="http://schemas.openxmlformats.org/drawingml/2006/main" xmlns:r="http://schemas.openxmlformats.org/officeDocument/2006/relationships" xmlns:p="http://schemas.openxmlformats.org/presentationml/2006/main">
   <p:cSld>

--- a/assets/img/posts/ClassThumbnail.pptx
+++ b/assets/img/posts/ClassThumbnail.pptx
@@ -64,6 +64,7 @@
     <p:sldId id="331" r:id="rId58"/>
     <p:sldId id="332" r:id="rId59"/>
     <p:sldId id="333" r:id="rId60"/>
+    <p:sldId id="334" r:id="rId61"/>
   </p:sldIdLst>
   <p:sldSz cx="12192000" cy="6858000"/>
   <p:notesSz cx="6858000" cy="9144000"/>
@@ -317,7 +318,7 @@
           <a:p>
             <a:fld id="{23D718C7-182E-9E43-B6DC-1727F16BCC9F}" type="datetimeFigureOut">
               <a:rPr kumimoji="1" lang="ko-KR" altLang="en-US" smtClean="0"/>
-              <a:t>2024. 8. 26.</a:t>
+              <a:t>2024. 8. 27.</a:t>
             </a:fld>
             <a:endParaRPr kumimoji="1" lang="ko-KR" altLang="en-US"/>
           </a:p>
@@ -515,7 +516,7 @@
           <a:p>
             <a:fld id="{23D718C7-182E-9E43-B6DC-1727F16BCC9F}" type="datetimeFigureOut">
               <a:rPr kumimoji="1" lang="ko-KR" altLang="en-US" smtClean="0"/>
-              <a:t>2024. 8. 26.</a:t>
+              <a:t>2024. 8. 27.</a:t>
             </a:fld>
             <a:endParaRPr kumimoji="1" lang="ko-KR" altLang="en-US"/>
           </a:p>
@@ -723,7 +724,7 @@
           <a:p>
             <a:fld id="{23D718C7-182E-9E43-B6DC-1727F16BCC9F}" type="datetimeFigureOut">
               <a:rPr kumimoji="1" lang="ko-KR" altLang="en-US" smtClean="0"/>
-              <a:t>2024. 8. 26.</a:t>
+              <a:t>2024. 8. 27.</a:t>
             </a:fld>
             <a:endParaRPr kumimoji="1" lang="ko-KR" altLang="en-US"/>
           </a:p>
@@ -921,7 +922,7 @@
           <a:p>
             <a:fld id="{23D718C7-182E-9E43-B6DC-1727F16BCC9F}" type="datetimeFigureOut">
               <a:rPr kumimoji="1" lang="ko-KR" altLang="en-US" smtClean="0"/>
-              <a:t>2024. 8. 26.</a:t>
+              <a:t>2024. 8. 27.</a:t>
             </a:fld>
             <a:endParaRPr kumimoji="1" lang="ko-KR" altLang="en-US"/>
           </a:p>
@@ -1196,7 +1197,7 @@
           <a:p>
             <a:fld id="{23D718C7-182E-9E43-B6DC-1727F16BCC9F}" type="datetimeFigureOut">
               <a:rPr kumimoji="1" lang="ko-KR" altLang="en-US" smtClean="0"/>
-              <a:t>2024. 8. 26.</a:t>
+              <a:t>2024. 8. 27.</a:t>
             </a:fld>
             <a:endParaRPr kumimoji="1" lang="ko-KR" altLang="en-US"/>
           </a:p>
@@ -1461,7 +1462,7 @@
           <a:p>
             <a:fld id="{23D718C7-182E-9E43-B6DC-1727F16BCC9F}" type="datetimeFigureOut">
               <a:rPr kumimoji="1" lang="ko-KR" altLang="en-US" smtClean="0"/>
-              <a:t>2024. 8. 26.</a:t>
+              <a:t>2024. 8. 27.</a:t>
             </a:fld>
             <a:endParaRPr kumimoji="1" lang="ko-KR" altLang="en-US"/>
           </a:p>
@@ -1873,7 +1874,7 @@
           <a:p>
             <a:fld id="{23D718C7-182E-9E43-B6DC-1727F16BCC9F}" type="datetimeFigureOut">
               <a:rPr kumimoji="1" lang="ko-KR" altLang="en-US" smtClean="0"/>
-              <a:t>2024. 8. 26.</a:t>
+              <a:t>2024. 8. 27.</a:t>
             </a:fld>
             <a:endParaRPr kumimoji="1" lang="ko-KR" altLang="en-US"/>
           </a:p>
@@ -2014,7 +2015,7 @@
           <a:p>
             <a:fld id="{23D718C7-182E-9E43-B6DC-1727F16BCC9F}" type="datetimeFigureOut">
               <a:rPr kumimoji="1" lang="ko-KR" altLang="en-US" smtClean="0"/>
-              <a:t>2024. 8. 26.</a:t>
+              <a:t>2024. 8. 27.</a:t>
             </a:fld>
             <a:endParaRPr kumimoji="1" lang="ko-KR" altLang="en-US"/>
           </a:p>
@@ -2127,7 +2128,7 @@
           <a:p>
             <a:fld id="{23D718C7-182E-9E43-B6DC-1727F16BCC9F}" type="datetimeFigureOut">
               <a:rPr kumimoji="1" lang="ko-KR" altLang="en-US" smtClean="0"/>
-              <a:t>2024. 8. 26.</a:t>
+              <a:t>2024. 8. 27.</a:t>
             </a:fld>
             <a:endParaRPr kumimoji="1" lang="ko-KR" altLang="en-US"/>
           </a:p>
@@ -2438,7 +2439,7 @@
           <a:p>
             <a:fld id="{23D718C7-182E-9E43-B6DC-1727F16BCC9F}" type="datetimeFigureOut">
               <a:rPr kumimoji="1" lang="ko-KR" altLang="en-US" smtClean="0"/>
-              <a:t>2024. 8. 26.</a:t>
+              <a:t>2024. 8. 27.</a:t>
             </a:fld>
             <a:endParaRPr kumimoji="1" lang="ko-KR" altLang="en-US"/>
           </a:p>
@@ -2726,7 +2727,7 @@
           <a:p>
             <a:fld id="{23D718C7-182E-9E43-B6DC-1727F16BCC9F}" type="datetimeFigureOut">
               <a:rPr kumimoji="1" lang="ko-KR" altLang="en-US" smtClean="0"/>
-              <a:t>2024. 8. 26.</a:t>
+              <a:t>2024. 8. 27.</a:t>
             </a:fld>
             <a:endParaRPr kumimoji="1" lang="ko-KR" altLang="en-US"/>
           </a:p>
@@ -2967,7 +2968,7 @@
           <a:p>
             <a:fld id="{23D718C7-182E-9E43-B6DC-1727F16BCC9F}" type="datetimeFigureOut">
               <a:rPr kumimoji="1" lang="ko-KR" altLang="en-US" smtClean="0"/>
-              <a:t>2024. 8. 26.</a:t>
+              <a:t>2024. 8. 27.</a:t>
             </a:fld>
             <a:endParaRPr kumimoji="1" lang="ko-KR" altLang="en-US"/>
           </a:p>
@@ -16256,6 +16257,233 @@
 </p:sld>
 </file>
 
+<file path=ppt/slides/slide60.xml><?xml version="1.0" encoding="utf-8"?>
+<p:sld xmlns:a="http://schemas.openxmlformats.org/drawingml/2006/main" xmlns:r="http://schemas.openxmlformats.org/officeDocument/2006/relationships" xmlns:p="http://schemas.openxmlformats.org/presentationml/2006/main">
+  <p:cSld>
+    <p:spTree>
+      <p:nvGrpSpPr>
+        <p:cNvPr id="1" name=""/>
+        <p:cNvGrpSpPr/>
+        <p:nvPr/>
+      </p:nvGrpSpPr>
+      <p:grpSpPr>
+        <a:xfrm>
+          <a:off x="0" y="0"/>
+          <a:ext cx="0" cy="0"/>
+          <a:chOff x="0" y="0"/>
+          <a:chExt cx="0" cy="0"/>
+        </a:xfrm>
+      </p:grpSpPr>
+      <p:sp>
+        <p:nvSpPr>
+          <p:cNvPr id="6" name="TextBox 5">
+            <a:extLst>
+              <a:ext uri="{FF2B5EF4-FFF2-40B4-BE49-F238E27FC236}">
+                <a16:creationId xmlns:a16="http://schemas.microsoft.com/office/drawing/2014/main" id="{7BC70131-2A0F-D582-388D-5AB1E95FE6C4}"/>
+              </a:ext>
+            </a:extLst>
+          </p:cNvPr>
+          <p:cNvSpPr txBox="1"/>
+          <p:nvPr/>
+        </p:nvSpPr>
+        <p:spPr>
+          <a:xfrm>
+            <a:off x="1021294" y="3808909"/>
+            <a:ext cx="10149410" cy="1384995"/>
+          </a:xfrm>
+          <a:prstGeom prst="rect">
+            <a:avLst/>
+          </a:prstGeom>
+          <a:noFill/>
+        </p:spPr>
+        <p:txBody>
+          <a:bodyPr wrap="square" rtlCol="0">
+            <a:spAutoFit/>
+          </a:bodyPr>
+          <a:lstStyle/>
+          <a:p>
+            <a:pPr algn="ctr"/>
+            <a:r>
+              <a:rPr kumimoji="1" lang="en-US" altLang="ko-KR" sz="2800" b="1" dirty="0">
+                <a:latin typeface="D2Coding" panose="020B0609020101020101" pitchFamily="49" charset="-127"/>
+                <a:ea typeface="D2Coding" panose="020B0609020101020101" pitchFamily="49" charset="-127"/>
+              </a:rPr>
+              <a:t>Day 56</a:t>
+            </a:r>
+          </a:p>
+          <a:p>
+            <a:pPr algn="ctr"/>
+            <a:r>
+              <a:rPr kumimoji="1" lang="en-US" altLang="ko-KR" sz="2800" b="1" dirty="0">
+                <a:latin typeface="D2Coding" panose="020B0609020101020101" pitchFamily="49" charset="-127"/>
+                <a:ea typeface="D2Coding" panose="020B0609020101020101" pitchFamily="49" charset="-127"/>
+              </a:rPr>
+              <a:t>Java</a:t>
+            </a:r>
+            <a:r>
+              <a:rPr kumimoji="1" lang="ko-KR" altLang="en-US" sz="2800" b="1" dirty="0">
+                <a:latin typeface="D2Coding" panose="020B0609020101020101" pitchFamily="49" charset="-127"/>
+                <a:ea typeface="D2Coding" panose="020B0609020101020101" pitchFamily="49" charset="-127"/>
+              </a:rPr>
+              <a:t>프로그래밍 기초</a:t>
+            </a:r>
+            <a:endParaRPr kumimoji="1" lang="en-US" altLang="ko-KR" sz="2800" b="1" dirty="0">
+              <a:latin typeface="D2Coding" panose="020B0609020101020101" pitchFamily="49" charset="-127"/>
+              <a:ea typeface="D2Coding" panose="020B0609020101020101" pitchFamily="49" charset="-127"/>
+            </a:endParaRPr>
+          </a:p>
+          <a:p>
+            <a:pPr algn="ctr"/>
+            <a:r>
+              <a:rPr kumimoji="1" lang="en-US" altLang="ko-KR" sz="2800" b="1" dirty="0">
+                <a:latin typeface="D2Coding" panose="020B0609020101020101" pitchFamily="49" charset="-127"/>
+                <a:ea typeface="D2Coding" panose="020B0609020101020101" pitchFamily="49" charset="-127"/>
+              </a:rPr>
+              <a:t>JDBC – </a:t>
+            </a:r>
+            <a:r>
+              <a:rPr kumimoji="1" lang="ko-KR" altLang="en-US" sz="2800" b="1" dirty="0">
+                <a:latin typeface="D2Coding" panose="020B0609020101020101" pitchFamily="49" charset="-127"/>
+                <a:ea typeface="D2Coding" panose="020B0609020101020101" pitchFamily="49" charset="-127"/>
+              </a:rPr>
+              <a:t>라이브러리 설치 및 등록</a:t>
+            </a:r>
+          </a:p>
+        </p:txBody>
+      </p:sp>
+      <p:grpSp>
+        <p:nvGrpSpPr>
+          <p:cNvPr id="3" name="그룹 2">
+            <a:extLst>
+              <a:ext uri="{FF2B5EF4-FFF2-40B4-BE49-F238E27FC236}">
+                <a16:creationId xmlns:a16="http://schemas.microsoft.com/office/drawing/2014/main" id="{CCB49D7F-A40B-2950-C3BB-13981C780200}"/>
+              </a:ext>
+            </a:extLst>
+          </p:cNvPr>
+          <p:cNvGrpSpPr/>
+          <p:nvPr/>
+        </p:nvGrpSpPr>
+        <p:grpSpPr>
+          <a:xfrm>
+            <a:off x="0" y="0"/>
+            <a:ext cx="12192000" cy="6858000"/>
+            <a:chOff x="1143000" y="1238490"/>
+            <a:chExt cx="7772400" cy="3777325"/>
+          </a:xfrm>
+        </p:grpSpPr>
+        <p:pic>
+          <p:nvPicPr>
+            <p:cNvPr id="4" name="그림 3" descr="폰트, 로고, 그래픽, 화이트이(가) 표시된 사진&#10;&#10;자동 생성된 설명">
+              <a:extLst>
+                <a:ext uri="{FF2B5EF4-FFF2-40B4-BE49-F238E27FC236}">
+                  <a16:creationId xmlns:a16="http://schemas.microsoft.com/office/drawing/2014/main" id="{B742D47A-36C2-B9F0-BC20-0E30F4A6AEEC}"/>
+                </a:ext>
+              </a:extLst>
+            </p:cNvPr>
+            <p:cNvPicPr>
+              <a:picLocks noChangeAspect="1"/>
+            </p:cNvPicPr>
+            <p:nvPr/>
+          </p:nvPicPr>
+          <p:blipFill>
+            <a:blip r:embed="rId2"/>
+            <a:srcRect t="13650"/>
+            <a:stretch/>
+          </p:blipFill>
+          <p:spPr>
+            <a:xfrm>
+              <a:off x="1143000" y="1238490"/>
+              <a:ext cx="7772400" cy="3777325"/>
+            </a:xfrm>
+            <a:prstGeom prst="rect">
+              <a:avLst/>
+            </a:prstGeom>
+          </p:spPr>
+        </p:pic>
+        <p:sp>
+          <p:nvSpPr>
+            <p:cNvPr id="8" name="TextBox 7">
+              <a:extLst>
+                <a:ext uri="{FF2B5EF4-FFF2-40B4-BE49-F238E27FC236}">
+                  <a16:creationId xmlns:a16="http://schemas.microsoft.com/office/drawing/2014/main" id="{B3D8B992-313F-AA19-ECC1-9BA2DED76D4E}"/>
+                </a:ext>
+              </a:extLst>
+            </p:cNvPr>
+            <p:cNvSpPr txBox="1"/>
+            <p:nvPr/>
+          </p:nvSpPr>
+          <p:spPr>
+            <a:xfrm>
+              <a:off x="1474792" y="3336403"/>
+              <a:ext cx="7108815" cy="796747"/>
+            </a:xfrm>
+            <a:prstGeom prst="rect">
+              <a:avLst/>
+            </a:prstGeom>
+            <a:noFill/>
+          </p:spPr>
+          <p:txBody>
+            <a:bodyPr wrap="square" rtlCol="0">
+              <a:spAutoFit/>
+            </a:bodyPr>
+            <a:lstStyle/>
+            <a:p>
+              <a:pPr algn="ctr"/>
+              <a:r>
+                <a:rPr kumimoji="1" lang="en-US" altLang="ko-KR" sz="4400" b="1" dirty="0">
+                  <a:latin typeface="D2Coding" panose="020B0609020101020101" pitchFamily="49" charset="-127"/>
+                  <a:ea typeface="D2Coding" panose="020B0609020101020101" pitchFamily="49" charset="-127"/>
+                </a:rPr>
+                <a:t>Day 64</a:t>
+              </a:r>
+            </a:p>
+            <a:p>
+              <a:pPr algn="ctr"/>
+              <a:r>
+                <a:rPr kumimoji="1" lang="ko-KR" altLang="en-US" sz="4400" b="1" dirty="0">
+                  <a:latin typeface="D2Coding" panose="020B0609020101020101" pitchFamily="49" charset="-127"/>
+                  <a:ea typeface="D2Coding" panose="020B0609020101020101" pitchFamily="49" charset="-127"/>
+                </a:rPr>
+                <a:t>실습프로젝트</a:t>
+              </a:r>
+              <a:r>
+                <a:rPr kumimoji="1" lang="en-US" altLang="ko-KR" sz="4400" b="1" dirty="0">
+                  <a:latin typeface="D2Coding" panose="020B0609020101020101" pitchFamily="49" charset="-127"/>
+                  <a:ea typeface="D2Coding" panose="020B0609020101020101" pitchFamily="49" charset="-127"/>
+                </a:rPr>
+                <a:t>(</a:t>
+              </a:r>
+              <a:r>
+                <a:rPr kumimoji="1" lang="en" altLang="ko-KR" sz="4400" b="1" dirty="0">
+                  <a:latin typeface="D2Coding" panose="020B0609020101020101" pitchFamily="49" charset="-127"/>
+                  <a:ea typeface="D2Coding" panose="020B0609020101020101" pitchFamily="49" charset="-127"/>
+                </a:rPr>
+                <a:t>Web Component</a:t>
+              </a:r>
+              <a:r>
+                <a:rPr kumimoji="1" lang="en-US" altLang="ko-KR" sz="4400" b="1" dirty="0">
+                  <a:latin typeface="D2Coding" panose="020B0609020101020101" pitchFamily="49" charset="-127"/>
+                  <a:ea typeface="D2Coding" panose="020B0609020101020101" pitchFamily="49" charset="-127"/>
+                </a:rPr>
+                <a:t>)</a:t>
+              </a:r>
+            </a:p>
+          </p:txBody>
+        </p:sp>
+      </p:grpSp>
+    </p:spTree>
+    <p:extLst>
+      <p:ext uri="{BB962C8B-B14F-4D97-AF65-F5344CB8AC3E}">
+        <p14:creationId xmlns:p14="http://schemas.microsoft.com/office/powerpoint/2010/main" val="827823817"/>
+      </p:ext>
+    </p:extLst>
+  </p:cSld>
+  <p:clrMapOvr>
+    <a:masterClrMapping/>
+  </p:clrMapOvr>
+</p:sld>
+</file>
+
 <file path=ppt/slides/slide7.xml><?xml version="1.0" encoding="utf-8"?>
 <p:sld xmlns:a="http://schemas.openxmlformats.org/drawingml/2006/main" xmlns:r="http://schemas.openxmlformats.org/officeDocument/2006/relationships" xmlns:p="http://schemas.openxmlformats.org/presentationml/2006/main">
   <p:cSld>

--- a/assets/img/posts/ClassThumbnail.pptx
+++ b/assets/img/posts/ClassThumbnail.pptx
@@ -65,6 +65,7 @@
     <p:sldId id="332" r:id="rId59"/>
     <p:sldId id="333" r:id="rId60"/>
     <p:sldId id="334" r:id="rId61"/>
+    <p:sldId id="335" r:id="rId62"/>
   </p:sldIdLst>
   <p:sldSz cx="12192000" cy="6858000"/>
   <p:notesSz cx="6858000" cy="9144000"/>
@@ -318,7 +319,7 @@
           <a:p>
             <a:fld id="{23D718C7-182E-9E43-B6DC-1727F16BCC9F}" type="datetimeFigureOut">
               <a:rPr kumimoji="1" lang="ko-KR" altLang="en-US" smtClean="0"/>
-              <a:t>2024. 8. 27.</a:t>
+              <a:t>2024. 8. 28.</a:t>
             </a:fld>
             <a:endParaRPr kumimoji="1" lang="ko-KR" altLang="en-US"/>
           </a:p>
@@ -516,7 +517,7 @@
           <a:p>
             <a:fld id="{23D718C7-182E-9E43-B6DC-1727F16BCC9F}" type="datetimeFigureOut">
               <a:rPr kumimoji="1" lang="ko-KR" altLang="en-US" smtClean="0"/>
-              <a:t>2024. 8. 27.</a:t>
+              <a:t>2024. 8. 28.</a:t>
             </a:fld>
             <a:endParaRPr kumimoji="1" lang="ko-KR" altLang="en-US"/>
           </a:p>
@@ -724,7 +725,7 @@
           <a:p>
             <a:fld id="{23D718C7-182E-9E43-B6DC-1727F16BCC9F}" type="datetimeFigureOut">
               <a:rPr kumimoji="1" lang="ko-KR" altLang="en-US" smtClean="0"/>
-              <a:t>2024. 8. 27.</a:t>
+              <a:t>2024. 8. 28.</a:t>
             </a:fld>
             <a:endParaRPr kumimoji="1" lang="ko-KR" altLang="en-US"/>
           </a:p>
@@ -922,7 +923,7 @@
           <a:p>
             <a:fld id="{23D718C7-182E-9E43-B6DC-1727F16BCC9F}" type="datetimeFigureOut">
               <a:rPr kumimoji="1" lang="ko-KR" altLang="en-US" smtClean="0"/>
-              <a:t>2024. 8. 27.</a:t>
+              <a:t>2024. 8. 28.</a:t>
             </a:fld>
             <a:endParaRPr kumimoji="1" lang="ko-KR" altLang="en-US"/>
           </a:p>
@@ -1197,7 +1198,7 @@
           <a:p>
             <a:fld id="{23D718C7-182E-9E43-B6DC-1727F16BCC9F}" type="datetimeFigureOut">
               <a:rPr kumimoji="1" lang="ko-KR" altLang="en-US" smtClean="0"/>
-              <a:t>2024. 8. 27.</a:t>
+              <a:t>2024. 8. 28.</a:t>
             </a:fld>
             <a:endParaRPr kumimoji="1" lang="ko-KR" altLang="en-US"/>
           </a:p>
@@ -1462,7 +1463,7 @@
           <a:p>
             <a:fld id="{23D718C7-182E-9E43-B6DC-1727F16BCC9F}" type="datetimeFigureOut">
               <a:rPr kumimoji="1" lang="ko-KR" altLang="en-US" smtClean="0"/>
-              <a:t>2024. 8. 27.</a:t>
+              <a:t>2024. 8. 28.</a:t>
             </a:fld>
             <a:endParaRPr kumimoji="1" lang="ko-KR" altLang="en-US"/>
           </a:p>
@@ -1874,7 +1875,7 @@
           <a:p>
             <a:fld id="{23D718C7-182E-9E43-B6DC-1727F16BCC9F}" type="datetimeFigureOut">
               <a:rPr kumimoji="1" lang="ko-KR" altLang="en-US" smtClean="0"/>
-              <a:t>2024. 8. 27.</a:t>
+              <a:t>2024. 8. 28.</a:t>
             </a:fld>
             <a:endParaRPr kumimoji="1" lang="ko-KR" altLang="en-US"/>
           </a:p>
@@ -2015,7 +2016,7 @@
           <a:p>
             <a:fld id="{23D718C7-182E-9E43-B6DC-1727F16BCC9F}" type="datetimeFigureOut">
               <a:rPr kumimoji="1" lang="ko-KR" altLang="en-US" smtClean="0"/>
-              <a:t>2024. 8. 27.</a:t>
+              <a:t>2024. 8. 28.</a:t>
             </a:fld>
             <a:endParaRPr kumimoji="1" lang="ko-KR" altLang="en-US"/>
           </a:p>
@@ -2128,7 +2129,7 @@
           <a:p>
             <a:fld id="{23D718C7-182E-9E43-B6DC-1727F16BCC9F}" type="datetimeFigureOut">
               <a:rPr kumimoji="1" lang="ko-KR" altLang="en-US" smtClean="0"/>
-              <a:t>2024. 8. 27.</a:t>
+              <a:t>2024. 8. 28.</a:t>
             </a:fld>
             <a:endParaRPr kumimoji="1" lang="ko-KR" altLang="en-US"/>
           </a:p>
@@ -2439,7 +2440,7 @@
           <a:p>
             <a:fld id="{23D718C7-182E-9E43-B6DC-1727F16BCC9F}" type="datetimeFigureOut">
               <a:rPr kumimoji="1" lang="ko-KR" altLang="en-US" smtClean="0"/>
-              <a:t>2024. 8. 27.</a:t>
+              <a:t>2024. 8. 28.</a:t>
             </a:fld>
             <a:endParaRPr kumimoji="1" lang="ko-KR" altLang="en-US"/>
           </a:p>
@@ -2727,7 +2728,7 @@
           <a:p>
             <a:fld id="{23D718C7-182E-9E43-B6DC-1727F16BCC9F}" type="datetimeFigureOut">
               <a:rPr kumimoji="1" lang="ko-KR" altLang="en-US" smtClean="0"/>
-              <a:t>2024. 8. 27.</a:t>
+              <a:t>2024. 8. 28.</a:t>
             </a:fld>
             <a:endParaRPr kumimoji="1" lang="ko-KR" altLang="en-US"/>
           </a:p>
@@ -2968,7 +2969,7 @@
           <a:p>
             <a:fld id="{23D718C7-182E-9E43-B6DC-1727F16BCC9F}" type="datetimeFigureOut">
               <a:rPr kumimoji="1" lang="ko-KR" altLang="en-US" smtClean="0"/>
-              <a:t>2024. 8. 27.</a:t>
+              <a:t>2024. 8. 28.</a:t>
             </a:fld>
             <a:endParaRPr kumimoji="1" lang="ko-KR" altLang="en-US"/>
           </a:p>
@@ -16484,6 +16485,226 @@
 </p:sld>
 </file>
 
+<file path=ppt/slides/slide61.xml><?xml version="1.0" encoding="utf-8"?>
+<p:sld xmlns:a="http://schemas.openxmlformats.org/drawingml/2006/main" xmlns:r="http://schemas.openxmlformats.org/officeDocument/2006/relationships" xmlns:p="http://schemas.openxmlformats.org/presentationml/2006/main">
+  <p:cSld>
+    <p:spTree>
+      <p:nvGrpSpPr>
+        <p:cNvPr id="1" name=""/>
+        <p:cNvGrpSpPr/>
+        <p:nvPr/>
+      </p:nvGrpSpPr>
+      <p:grpSpPr>
+        <a:xfrm>
+          <a:off x="0" y="0"/>
+          <a:ext cx="0" cy="0"/>
+          <a:chOff x="0" y="0"/>
+          <a:chExt cx="0" cy="0"/>
+        </a:xfrm>
+      </p:grpSpPr>
+      <p:sp>
+        <p:nvSpPr>
+          <p:cNvPr id="6" name="TextBox 5">
+            <a:extLst>
+              <a:ext uri="{FF2B5EF4-FFF2-40B4-BE49-F238E27FC236}">
+                <a16:creationId xmlns:a16="http://schemas.microsoft.com/office/drawing/2014/main" id="{7BC70131-2A0F-D582-388D-5AB1E95FE6C4}"/>
+              </a:ext>
+            </a:extLst>
+          </p:cNvPr>
+          <p:cNvSpPr txBox="1"/>
+          <p:nvPr/>
+        </p:nvSpPr>
+        <p:spPr>
+          <a:xfrm>
+            <a:off x="1021294" y="3808909"/>
+            <a:ext cx="10149410" cy="1384995"/>
+          </a:xfrm>
+          <a:prstGeom prst="rect">
+            <a:avLst/>
+          </a:prstGeom>
+          <a:noFill/>
+        </p:spPr>
+        <p:txBody>
+          <a:bodyPr wrap="square" rtlCol="0">
+            <a:spAutoFit/>
+          </a:bodyPr>
+          <a:lstStyle/>
+          <a:p>
+            <a:pPr algn="ctr"/>
+            <a:r>
+              <a:rPr kumimoji="1" lang="en-US" altLang="ko-KR" sz="2800" b="1" dirty="0">
+                <a:latin typeface="D2Coding" panose="020B0609020101020101" pitchFamily="49" charset="-127"/>
+                <a:ea typeface="D2Coding" panose="020B0609020101020101" pitchFamily="49" charset="-127"/>
+              </a:rPr>
+              <a:t>Day 56</a:t>
+            </a:r>
+          </a:p>
+          <a:p>
+            <a:pPr algn="ctr"/>
+            <a:r>
+              <a:rPr kumimoji="1" lang="en-US" altLang="ko-KR" sz="2800" b="1" dirty="0">
+                <a:latin typeface="D2Coding" panose="020B0609020101020101" pitchFamily="49" charset="-127"/>
+                <a:ea typeface="D2Coding" panose="020B0609020101020101" pitchFamily="49" charset="-127"/>
+              </a:rPr>
+              <a:t>Java</a:t>
+            </a:r>
+            <a:r>
+              <a:rPr kumimoji="1" lang="ko-KR" altLang="en-US" sz="2800" b="1" dirty="0">
+                <a:latin typeface="D2Coding" panose="020B0609020101020101" pitchFamily="49" charset="-127"/>
+                <a:ea typeface="D2Coding" panose="020B0609020101020101" pitchFamily="49" charset="-127"/>
+              </a:rPr>
+              <a:t>프로그래밍 기초</a:t>
+            </a:r>
+            <a:endParaRPr kumimoji="1" lang="en-US" altLang="ko-KR" sz="2800" b="1" dirty="0">
+              <a:latin typeface="D2Coding" panose="020B0609020101020101" pitchFamily="49" charset="-127"/>
+              <a:ea typeface="D2Coding" panose="020B0609020101020101" pitchFamily="49" charset="-127"/>
+            </a:endParaRPr>
+          </a:p>
+          <a:p>
+            <a:pPr algn="ctr"/>
+            <a:r>
+              <a:rPr kumimoji="1" lang="en-US" altLang="ko-KR" sz="2800" b="1" dirty="0">
+                <a:latin typeface="D2Coding" panose="020B0609020101020101" pitchFamily="49" charset="-127"/>
+                <a:ea typeface="D2Coding" panose="020B0609020101020101" pitchFamily="49" charset="-127"/>
+              </a:rPr>
+              <a:t>JDBC – </a:t>
+            </a:r>
+            <a:r>
+              <a:rPr kumimoji="1" lang="ko-KR" altLang="en-US" sz="2800" b="1" dirty="0">
+                <a:latin typeface="D2Coding" panose="020B0609020101020101" pitchFamily="49" charset="-127"/>
+                <a:ea typeface="D2Coding" panose="020B0609020101020101" pitchFamily="49" charset="-127"/>
+              </a:rPr>
+              <a:t>라이브러리 설치 및 등록</a:t>
+            </a:r>
+          </a:p>
+        </p:txBody>
+      </p:sp>
+      <p:grpSp>
+        <p:nvGrpSpPr>
+          <p:cNvPr id="3" name="그룹 2">
+            <a:extLst>
+              <a:ext uri="{FF2B5EF4-FFF2-40B4-BE49-F238E27FC236}">
+                <a16:creationId xmlns:a16="http://schemas.microsoft.com/office/drawing/2014/main" id="{CCB49D7F-A40B-2950-C3BB-13981C780200}"/>
+              </a:ext>
+            </a:extLst>
+          </p:cNvPr>
+          <p:cNvGrpSpPr/>
+          <p:nvPr/>
+        </p:nvGrpSpPr>
+        <p:grpSpPr>
+          <a:xfrm>
+            <a:off x="0" y="0"/>
+            <a:ext cx="12192000" cy="6858000"/>
+            <a:chOff x="1143000" y="1238490"/>
+            <a:chExt cx="7772400" cy="3777325"/>
+          </a:xfrm>
+        </p:grpSpPr>
+        <p:pic>
+          <p:nvPicPr>
+            <p:cNvPr id="4" name="그림 3" descr="폰트, 로고, 그래픽, 화이트이(가) 표시된 사진&#10;&#10;자동 생성된 설명">
+              <a:extLst>
+                <a:ext uri="{FF2B5EF4-FFF2-40B4-BE49-F238E27FC236}">
+                  <a16:creationId xmlns:a16="http://schemas.microsoft.com/office/drawing/2014/main" id="{B742D47A-36C2-B9F0-BC20-0E30F4A6AEEC}"/>
+                </a:ext>
+              </a:extLst>
+            </p:cNvPr>
+            <p:cNvPicPr>
+              <a:picLocks noChangeAspect="1"/>
+            </p:cNvPicPr>
+            <p:nvPr/>
+          </p:nvPicPr>
+          <p:blipFill>
+            <a:blip r:embed="rId2"/>
+            <a:srcRect t="13650"/>
+            <a:stretch/>
+          </p:blipFill>
+          <p:spPr>
+            <a:xfrm>
+              <a:off x="1143000" y="1238490"/>
+              <a:ext cx="7772400" cy="3777325"/>
+            </a:xfrm>
+            <a:prstGeom prst="rect">
+              <a:avLst/>
+            </a:prstGeom>
+          </p:spPr>
+        </p:pic>
+        <p:sp>
+          <p:nvSpPr>
+            <p:cNvPr id="8" name="TextBox 7">
+              <a:extLst>
+                <a:ext uri="{FF2B5EF4-FFF2-40B4-BE49-F238E27FC236}">
+                  <a16:creationId xmlns:a16="http://schemas.microsoft.com/office/drawing/2014/main" id="{B3D8B992-313F-AA19-ECC1-9BA2DED76D4E}"/>
+                </a:ext>
+              </a:extLst>
+            </p:cNvPr>
+            <p:cNvSpPr txBox="1"/>
+            <p:nvPr/>
+          </p:nvSpPr>
+          <p:spPr>
+            <a:xfrm>
+              <a:off x="1474792" y="3336403"/>
+              <a:ext cx="7108815" cy="796747"/>
+            </a:xfrm>
+            <a:prstGeom prst="rect">
+              <a:avLst/>
+            </a:prstGeom>
+            <a:noFill/>
+          </p:spPr>
+          <p:txBody>
+            <a:bodyPr wrap="square" rtlCol="0">
+              <a:spAutoFit/>
+            </a:bodyPr>
+            <a:lstStyle/>
+            <a:p>
+              <a:pPr algn="ctr"/>
+              <a:r>
+                <a:rPr kumimoji="1" lang="en-US" altLang="ko-KR" sz="4400" b="1" dirty="0">
+                  <a:latin typeface="D2Coding" panose="020B0609020101020101" pitchFamily="49" charset="-127"/>
+                  <a:ea typeface="D2Coding" panose="020B0609020101020101" pitchFamily="49" charset="-127"/>
+                </a:rPr>
+                <a:t>Day 65</a:t>
+              </a:r>
+            </a:p>
+            <a:p>
+              <a:pPr algn="ctr"/>
+              <a:r>
+                <a:rPr kumimoji="1" lang="ko-KR" altLang="en-US" sz="4400" b="1" dirty="0">
+                  <a:latin typeface="D2Coding" panose="020B0609020101020101" pitchFamily="49" charset="-127"/>
+                  <a:ea typeface="D2Coding" panose="020B0609020101020101" pitchFamily="49" charset="-127"/>
+                </a:rPr>
+                <a:t>실습프로젝트</a:t>
+              </a:r>
+              <a:r>
+                <a:rPr kumimoji="1" lang="en-US" altLang="ko-KR" sz="4400" b="1" dirty="0">
+                  <a:latin typeface="D2Coding" panose="020B0609020101020101" pitchFamily="49" charset="-127"/>
+                  <a:ea typeface="D2Coding" panose="020B0609020101020101" pitchFamily="49" charset="-127"/>
+                </a:rPr>
+                <a:t>(</a:t>
+              </a:r>
+              <a:r>
+                <a:rPr kumimoji="1" lang="en" altLang="ko-KR" sz="4400" b="1" dirty="0">
+                  <a:latin typeface="D2Coding" panose="020B0609020101020101" pitchFamily="49" charset="-127"/>
+                  <a:ea typeface="D2Coding" panose="020B0609020101020101" pitchFamily="49" charset="-127"/>
+                </a:rPr>
+                <a:t>Servlet)</a:t>
+              </a:r>
+            </a:p>
+          </p:txBody>
+        </p:sp>
+      </p:grpSp>
+    </p:spTree>
+    <p:extLst>
+      <p:ext uri="{BB962C8B-B14F-4D97-AF65-F5344CB8AC3E}">
+        <p14:creationId xmlns:p14="http://schemas.microsoft.com/office/powerpoint/2010/main" val="1571640981"/>
+      </p:ext>
+    </p:extLst>
+  </p:cSld>
+  <p:clrMapOvr>
+    <a:masterClrMapping/>
+  </p:clrMapOvr>
+</p:sld>
+</file>
+
 <file path=ppt/slides/slide7.xml><?xml version="1.0" encoding="utf-8"?>
 <p:sld xmlns:a="http://schemas.openxmlformats.org/drawingml/2006/main" xmlns:r="http://schemas.openxmlformats.org/officeDocument/2006/relationships" xmlns:p="http://schemas.openxmlformats.org/presentationml/2006/main">
   <p:cSld>

--- a/assets/img/posts/ClassThumbnail.pptx
+++ b/assets/img/posts/ClassThumbnail.pptx
@@ -66,6 +66,8 @@
     <p:sldId id="333" r:id="rId60"/>
     <p:sldId id="334" r:id="rId61"/>
     <p:sldId id="335" r:id="rId62"/>
+    <p:sldId id="336" r:id="rId63"/>
+    <p:sldId id="337" r:id="rId64"/>
   </p:sldIdLst>
   <p:sldSz cx="12192000" cy="6858000"/>
   <p:notesSz cx="6858000" cy="9144000"/>
@@ -319,7 +321,7 @@
           <a:p>
             <a:fld id="{23D718C7-182E-9E43-B6DC-1727F16BCC9F}" type="datetimeFigureOut">
               <a:rPr kumimoji="1" lang="ko-KR" altLang="en-US" smtClean="0"/>
-              <a:t>2024. 8. 28.</a:t>
+              <a:t>2024. 8. 30.</a:t>
             </a:fld>
             <a:endParaRPr kumimoji="1" lang="ko-KR" altLang="en-US"/>
           </a:p>
@@ -517,7 +519,7 @@
           <a:p>
             <a:fld id="{23D718C7-182E-9E43-B6DC-1727F16BCC9F}" type="datetimeFigureOut">
               <a:rPr kumimoji="1" lang="ko-KR" altLang="en-US" smtClean="0"/>
-              <a:t>2024. 8. 28.</a:t>
+              <a:t>2024. 8. 30.</a:t>
             </a:fld>
             <a:endParaRPr kumimoji="1" lang="ko-KR" altLang="en-US"/>
           </a:p>
@@ -725,7 +727,7 @@
           <a:p>
             <a:fld id="{23D718C7-182E-9E43-B6DC-1727F16BCC9F}" type="datetimeFigureOut">
               <a:rPr kumimoji="1" lang="ko-KR" altLang="en-US" smtClean="0"/>
-              <a:t>2024. 8. 28.</a:t>
+              <a:t>2024. 8. 30.</a:t>
             </a:fld>
             <a:endParaRPr kumimoji="1" lang="ko-KR" altLang="en-US"/>
           </a:p>
@@ -923,7 +925,7 @@
           <a:p>
             <a:fld id="{23D718C7-182E-9E43-B6DC-1727F16BCC9F}" type="datetimeFigureOut">
               <a:rPr kumimoji="1" lang="ko-KR" altLang="en-US" smtClean="0"/>
-              <a:t>2024. 8. 28.</a:t>
+              <a:t>2024. 8. 30.</a:t>
             </a:fld>
             <a:endParaRPr kumimoji="1" lang="ko-KR" altLang="en-US"/>
           </a:p>
@@ -1198,7 +1200,7 @@
           <a:p>
             <a:fld id="{23D718C7-182E-9E43-B6DC-1727F16BCC9F}" type="datetimeFigureOut">
               <a:rPr kumimoji="1" lang="ko-KR" altLang="en-US" smtClean="0"/>
-              <a:t>2024. 8. 28.</a:t>
+              <a:t>2024. 8. 30.</a:t>
             </a:fld>
             <a:endParaRPr kumimoji="1" lang="ko-KR" altLang="en-US"/>
           </a:p>
@@ -1463,7 +1465,7 @@
           <a:p>
             <a:fld id="{23D718C7-182E-9E43-B6DC-1727F16BCC9F}" type="datetimeFigureOut">
               <a:rPr kumimoji="1" lang="ko-KR" altLang="en-US" smtClean="0"/>
-              <a:t>2024. 8. 28.</a:t>
+              <a:t>2024. 8. 30.</a:t>
             </a:fld>
             <a:endParaRPr kumimoji="1" lang="ko-KR" altLang="en-US"/>
           </a:p>
@@ -1875,7 +1877,7 @@
           <a:p>
             <a:fld id="{23D718C7-182E-9E43-B6DC-1727F16BCC9F}" type="datetimeFigureOut">
               <a:rPr kumimoji="1" lang="ko-KR" altLang="en-US" smtClean="0"/>
-              <a:t>2024. 8. 28.</a:t>
+              <a:t>2024. 8. 30.</a:t>
             </a:fld>
             <a:endParaRPr kumimoji="1" lang="ko-KR" altLang="en-US"/>
           </a:p>
@@ -2016,7 +2018,7 @@
           <a:p>
             <a:fld id="{23D718C7-182E-9E43-B6DC-1727F16BCC9F}" type="datetimeFigureOut">
               <a:rPr kumimoji="1" lang="ko-KR" altLang="en-US" smtClean="0"/>
-              <a:t>2024. 8. 28.</a:t>
+              <a:t>2024. 8. 30.</a:t>
             </a:fld>
             <a:endParaRPr kumimoji="1" lang="ko-KR" altLang="en-US"/>
           </a:p>
@@ -2129,7 +2131,7 @@
           <a:p>
             <a:fld id="{23D718C7-182E-9E43-B6DC-1727F16BCC9F}" type="datetimeFigureOut">
               <a:rPr kumimoji="1" lang="ko-KR" altLang="en-US" smtClean="0"/>
-              <a:t>2024. 8. 28.</a:t>
+              <a:t>2024. 8. 30.</a:t>
             </a:fld>
             <a:endParaRPr kumimoji="1" lang="ko-KR" altLang="en-US"/>
           </a:p>
@@ -2440,7 +2442,7 @@
           <a:p>
             <a:fld id="{23D718C7-182E-9E43-B6DC-1727F16BCC9F}" type="datetimeFigureOut">
               <a:rPr kumimoji="1" lang="ko-KR" altLang="en-US" smtClean="0"/>
-              <a:t>2024. 8. 28.</a:t>
+              <a:t>2024. 8. 30.</a:t>
             </a:fld>
             <a:endParaRPr kumimoji="1" lang="ko-KR" altLang="en-US"/>
           </a:p>
@@ -2728,7 +2730,7 @@
           <a:p>
             <a:fld id="{23D718C7-182E-9E43-B6DC-1727F16BCC9F}" type="datetimeFigureOut">
               <a:rPr kumimoji="1" lang="ko-KR" altLang="en-US" smtClean="0"/>
-              <a:t>2024. 8. 28.</a:t>
+              <a:t>2024. 8. 30.</a:t>
             </a:fld>
             <a:endParaRPr kumimoji="1" lang="ko-KR" altLang="en-US"/>
           </a:p>
@@ -2969,7 +2971,7 @@
           <a:p>
             <a:fld id="{23D718C7-182E-9E43-B6DC-1727F16BCC9F}" type="datetimeFigureOut">
               <a:rPr kumimoji="1" lang="ko-KR" altLang="en-US" smtClean="0"/>
-              <a:t>2024. 8. 28.</a:t>
+              <a:t>2024. 8. 30.</a:t>
             </a:fld>
             <a:endParaRPr kumimoji="1" lang="ko-KR" altLang="en-US"/>
           </a:p>
@@ -16705,6 +16707,446 @@
 </p:sld>
 </file>
 
+<file path=ppt/slides/slide62.xml><?xml version="1.0" encoding="utf-8"?>
+<p:sld xmlns:a="http://schemas.openxmlformats.org/drawingml/2006/main" xmlns:r="http://schemas.openxmlformats.org/officeDocument/2006/relationships" xmlns:p="http://schemas.openxmlformats.org/presentationml/2006/main">
+  <p:cSld>
+    <p:spTree>
+      <p:nvGrpSpPr>
+        <p:cNvPr id="1" name=""/>
+        <p:cNvGrpSpPr/>
+        <p:nvPr/>
+      </p:nvGrpSpPr>
+      <p:grpSpPr>
+        <a:xfrm>
+          <a:off x="0" y="0"/>
+          <a:ext cx="0" cy="0"/>
+          <a:chOff x="0" y="0"/>
+          <a:chExt cx="0" cy="0"/>
+        </a:xfrm>
+      </p:grpSpPr>
+      <p:sp>
+        <p:nvSpPr>
+          <p:cNvPr id="6" name="TextBox 5">
+            <a:extLst>
+              <a:ext uri="{FF2B5EF4-FFF2-40B4-BE49-F238E27FC236}">
+                <a16:creationId xmlns:a16="http://schemas.microsoft.com/office/drawing/2014/main" id="{7BC70131-2A0F-D582-388D-5AB1E95FE6C4}"/>
+              </a:ext>
+            </a:extLst>
+          </p:cNvPr>
+          <p:cNvSpPr txBox="1"/>
+          <p:nvPr/>
+        </p:nvSpPr>
+        <p:spPr>
+          <a:xfrm>
+            <a:off x="1021294" y="3808909"/>
+            <a:ext cx="10149410" cy="1384995"/>
+          </a:xfrm>
+          <a:prstGeom prst="rect">
+            <a:avLst/>
+          </a:prstGeom>
+          <a:noFill/>
+        </p:spPr>
+        <p:txBody>
+          <a:bodyPr wrap="square" rtlCol="0">
+            <a:spAutoFit/>
+          </a:bodyPr>
+          <a:lstStyle/>
+          <a:p>
+            <a:pPr algn="ctr"/>
+            <a:r>
+              <a:rPr kumimoji="1" lang="en-US" altLang="ko-KR" sz="2800" b="1" dirty="0">
+                <a:latin typeface="D2Coding" panose="020B0609020101020101" pitchFamily="49" charset="-127"/>
+                <a:ea typeface="D2Coding" panose="020B0609020101020101" pitchFamily="49" charset="-127"/>
+              </a:rPr>
+              <a:t>Day 56</a:t>
+            </a:r>
+          </a:p>
+          <a:p>
+            <a:pPr algn="ctr"/>
+            <a:r>
+              <a:rPr kumimoji="1" lang="en-US" altLang="ko-KR" sz="2800" b="1" dirty="0">
+                <a:latin typeface="D2Coding" panose="020B0609020101020101" pitchFamily="49" charset="-127"/>
+                <a:ea typeface="D2Coding" panose="020B0609020101020101" pitchFamily="49" charset="-127"/>
+              </a:rPr>
+              <a:t>Java</a:t>
+            </a:r>
+            <a:r>
+              <a:rPr kumimoji="1" lang="ko-KR" altLang="en-US" sz="2800" b="1" dirty="0">
+                <a:latin typeface="D2Coding" panose="020B0609020101020101" pitchFamily="49" charset="-127"/>
+                <a:ea typeface="D2Coding" panose="020B0609020101020101" pitchFamily="49" charset="-127"/>
+              </a:rPr>
+              <a:t>프로그래밍 기초</a:t>
+            </a:r>
+            <a:endParaRPr kumimoji="1" lang="en-US" altLang="ko-KR" sz="2800" b="1" dirty="0">
+              <a:latin typeface="D2Coding" panose="020B0609020101020101" pitchFamily="49" charset="-127"/>
+              <a:ea typeface="D2Coding" panose="020B0609020101020101" pitchFamily="49" charset="-127"/>
+            </a:endParaRPr>
+          </a:p>
+          <a:p>
+            <a:pPr algn="ctr"/>
+            <a:r>
+              <a:rPr kumimoji="1" lang="en-US" altLang="ko-KR" sz="2800" b="1" dirty="0">
+                <a:latin typeface="D2Coding" panose="020B0609020101020101" pitchFamily="49" charset="-127"/>
+                <a:ea typeface="D2Coding" panose="020B0609020101020101" pitchFamily="49" charset="-127"/>
+              </a:rPr>
+              <a:t>JDBC – </a:t>
+            </a:r>
+            <a:r>
+              <a:rPr kumimoji="1" lang="ko-KR" altLang="en-US" sz="2800" b="1" dirty="0">
+                <a:latin typeface="D2Coding" panose="020B0609020101020101" pitchFamily="49" charset="-127"/>
+                <a:ea typeface="D2Coding" panose="020B0609020101020101" pitchFamily="49" charset="-127"/>
+              </a:rPr>
+              <a:t>라이브러리 설치 및 등록</a:t>
+            </a:r>
+          </a:p>
+        </p:txBody>
+      </p:sp>
+      <p:grpSp>
+        <p:nvGrpSpPr>
+          <p:cNvPr id="3" name="그룹 2">
+            <a:extLst>
+              <a:ext uri="{FF2B5EF4-FFF2-40B4-BE49-F238E27FC236}">
+                <a16:creationId xmlns:a16="http://schemas.microsoft.com/office/drawing/2014/main" id="{CCB49D7F-A40B-2950-C3BB-13981C780200}"/>
+              </a:ext>
+            </a:extLst>
+          </p:cNvPr>
+          <p:cNvGrpSpPr/>
+          <p:nvPr/>
+        </p:nvGrpSpPr>
+        <p:grpSpPr>
+          <a:xfrm>
+            <a:off x="0" y="0"/>
+            <a:ext cx="12192000" cy="6858000"/>
+            <a:chOff x="1143000" y="1238490"/>
+            <a:chExt cx="7772400" cy="3777325"/>
+          </a:xfrm>
+        </p:grpSpPr>
+        <p:pic>
+          <p:nvPicPr>
+            <p:cNvPr id="4" name="그림 3" descr="폰트, 로고, 그래픽, 화이트이(가) 표시된 사진&#10;&#10;자동 생성된 설명">
+              <a:extLst>
+                <a:ext uri="{FF2B5EF4-FFF2-40B4-BE49-F238E27FC236}">
+                  <a16:creationId xmlns:a16="http://schemas.microsoft.com/office/drawing/2014/main" id="{B742D47A-36C2-B9F0-BC20-0E30F4A6AEEC}"/>
+                </a:ext>
+              </a:extLst>
+            </p:cNvPr>
+            <p:cNvPicPr>
+              <a:picLocks noChangeAspect="1"/>
+            </p:cNvPicPr>
+            <p:nvPr/>
+          </p:nvPicPr>
+          <p:blipFill>
+            <a:blip r:embed="rId2"/>
+            <a:srcRect t="13650"/>
+            <a:stretch/>
+          </p:blipFill>
+          <p:spPr>
+            <a:xfrm>
+              <a:off x="1143000" y="1238490"/>
+              <a:ext cx="7772400" cy="3777325"/>
+            </a:xfrm>
+            <a:prstGeom prst="rect">
+              <a:avLst/>
+            </a:prstGeom>
+          </p:spPr>
+        </p:pic>
+        <p:sp>
+          <p:nvSpPr>
+            <p:cNvPr id="8" name="TextBox 7">
+              <a:extLst>
+                <a:ext uri="{FF2B5EF4-FFF2-40B4-BE49-F238E27FC236}">
+                  <a16:creationId xmlns:a16="http://schemas.microsoft.com/office/drawing/2014/main" id="{B3D8B992-313F-AA19-ECC1-9BA2DED76D4E}"/>
+                </a:ext>
+              </a:extLst>
+            </p:cNvPr>
+            <p:cNvSpPr txBox="1"/>
+            <p:nvPr/>
+          </p:nvSpPr>
+          <p:spPr>
+            <a:xfrm>
+              <a:off x="1474792" y="3336403"/>
+              <a:ext cx="7108815" cy="796747"/>
+            </a:xfrm>
+            <a:prstGeom prst="rect">
+              <a:avLst/>
+            </a:prstGeom>
+            <a:noFill/>
+          </p:spPr>
+          <p:txBody>
+            <a:bodyPr wrap="square" rtlCol="0">
+              <a:spAutoFit/>
+            </a:bodyPr>
+            <a:lstStyle/>
+            <a:p>
+              <a:pPr algn="ctr"/>
+              <a:r>
+                <a:rPr kumimoji="1" lang="en-US" altLang="ko-KR" sz="4400" b="1" dirty="0">
+                  <a:latin typeface="D2Coding" panose="020B0609020101020101" pitchFamily="49" charset="-127"/>
+                  <a:ea typeface="D2Coding" panose="020B0609020101020101" pitchFamily="49" charset="-127"/>
+                </a:rPr>
+                <a:t>Day 66</a:t>
+              </a:r>
+            </a:p>
+            <a:p>
+              <a:pPr algn="ctr"/>
+              <a:r>
+                <a:rPr kumimoji="1" lang="ko-KR" altLang="en-US" sz="4400" b="1" dirty="0">
+                  <a:latin typeface="D2Coding" panose="020B0609020101020101" pitchFamily="49" charset="-127"/>
+                  <a:ea typeface="D2Coding" panose="020B0609020101020101" pitchFamily="49" charset="-127"/>
+                </a:rPr>
+                <a:t>실습프로젝트</a:t>
+              </a:r>
+              <a:r>
+                <a:rPr kumimoji="1" lang="en-US" altLang="ko-KR" sz="4400" b="1" dirty="0">
+                  <a:latin typeface="D2Coding" panose="020B0609020101020101" pitchFamily="49" charset="-127"/>
+                  <a:ea typeface="D2Coding" panose="020B0609020101020101" pitchFamily="49" charset="-127"/>
+                </a:rPr>
+                <a:t>(</a:t>
+              </a:r>
+              <a:r>
+                <a:rPr kumimoji="1" lang="en" altLang="ko-KR" sz="4400" b="1" dirty="0">
+                  <a:latin typeface="D2Coding" panose="020B0609020101020101" pitchFamily="49" charset="-127"/>
+                  <a:ea typeface="D2Coding" panose="020B0609020101020101" pitchFamily="49" charset="-127"/>
+                </a:rPr>
+                <a:t>Servlet)</a:t>
+              </a:r>
+            </a:p>
+          </p:txBody>
+        </p:sp>
+      </p:grpSp>
+    </p:spTree>
+    <p:extLst>
+      <p:ext uri="{BB962C8B-B14F-4D97-AF65-F5344CB8AC3E}">
+        <p14:creationId xmlns:p14="http://schemas.microsoft.com/office/powerpoint/2010/main" val="2245007337"/>
+      </p:ext>
+    </p:extLst>
+  </p:cSld>
+  <p:clrMapOvr>
+    <a:masterClrMapping/>
+  </p:clrMapOvr>
+</p:sld>
+</file>
+
+<file path=ppt/slides/slide63.xml><?xml version="1.0" encoding="utf-8"?>
+<p:sld xmlns:a="http://schemas.openxmlformats.org/drawingml/2006/main" xmlns:r="http://schemas.openxmlformats.org/officeDocument/2006/relationships" xmlns:p="http://schemas.openxmlformats.org/presentationml/2006/main">
+  <p:cSld>
+    <p:spTree>
+      <p:nvGrpSpPr>
+        <p:cNvPr id="1" name=""/>
+        <p:cNvGrpSpPr/>
+        <p:nvPr/>
+      </p:nvGrpSpPr>
+      <p:grpSpPr>
+        <a:xfrm>
+          <a:off x="0" y="0"/>
+          <a:ext cx="0" cy="0"/>
+          <a:chOff x="0" y="0"/>
+          <a:chExt cx="0" cy="0"/>
+        </a:xfrm>
+      </p:grpSpPr>
+      <p:sp>
+        <p:nvSpPr>
+          <p:cNvPr id="6" name="TextBox 5">
+            <a:extLst>
+              <a:ext uri="{FF2B5EF4-FFF2-40B4-BE49-F238E27FC236}">
+                <a16:creationId xmlns:a16="http://schemas.microsoft.com/office/drawing/2014/main" id="{7BC70131-2A0F-D582-388D-5AB1E95FE6C4}"/>
+              </a:ext>
+            </a:extLst>
+          </p:cNvPr>
+          <p:cNvSpPr txBox="1"/>
+          <p:nvPr/>
+        </p:nvSpPr>
+        <p:spPr>
+          <a:xfrm>
+            <a:off x="1021294" y="3808909"/>
+            <a:ext cx="10149410" cy="1384995"/>
+          </a:xfrm>
+          <a:prstGeom prst="rect">
+            <a:avLst/>
+          </a:prstGeom>
+          <a:noFill/>
+        </p:spPr>
+        <p:txBody>
+          <a:bodyPr wrap="square" rtlCol="0">
+            <a:spAutoFit/>
+          </a:bodyPr>
+          <a:lstStyle/>
+          <a:p>
+            <a:pPr algn="ctr"/>
+            <a:r>
+              <a:rPr kumimoji="1" lang="en-US" altLang="ko-KR" sz="2800" b="1" dirty="0">
+                <a:latin typeface="D2Coding" panose="020B0609020101020101" pitchFamily="49" charset="-127"/>
+                <a:ea typeface="D2Coding" panose="020B0609020101020101" pitchFamily="49" charset="-127"/>
+              </a:rPr>
+              <a:t>Day 56</a:t>
+            </a:r>
+          </a:p>
+          <a:p>
+            <a:pPr algn="ctr"/>
+            <a:r>
+              <a:rPr kumimoji="1" lang="en-US" altLang="ko-KR" sz="2800" b="1" dirty="0">
+                <a:latin typeface="D2Coding" panose="020B0609020101020101" pitchFamily="49" charset="-127"/>
+                <a:ea typeface="D2Coding" panose="020B0609020101020101" pitchFamily="49" charset="-127"/>
+              </a:rPr>
+              <a:t>Java</a:t>
+            </a:r>
+            <a:r>
+              <a:rPr kumimoji="1" lang="ko-KR" altLang="en-US" sz="2800" b="1" dirty="0">
+                <a:latin typeface="D2Coding" panose="020B0609020101020101" pitchFamily="49" charset="-127"/>
+                <a:ea typeface="D2Coding" panose="020B0609020101020101" pitchFamily="49" charset="-127"/>
+              </a:rPr>
+              <a:t>프로그래밍 기초</a:t>
+            </a:r>
+            <a:endParaRPr kumimoji="1" lang="en-US" altLang="ko-KR" sz="2800" b="1" dirty="0">
+              <a:latin typeface="D2Coding" panose="020B0609020101020101" pitchFamily="49" charset="-127"/>
+              <a:ea typeface="D2Coding" panose="020B0609020101020101" pitchFamily="49" charset="-127"/>
+            </a:endParaRPr>
+          </a:p>
+          <a:p>
+            <a:pPr algn="ctr"/>
+            <a:r>
+              <a:rPr kumimoji="1" lang="en-US" altLang="ko-KR" sz="2800" b="1" dirty="0">
+                <a:latin typeface="D2Coding" panose="020B0609020101020101" pitchFamily="49" charset="-127"/>
+                <a:ea typeface="D2Coding" panose="020B0609020101020101" pitchFamily="49" charset="-127"/>
+              </a:rPr>
+              <a:t>JDBC – </a:t>
+            </a:r>
+            <a:r>
+              <a:rPr kumimoji="1" lang="ko-KR" altLang="en-US" sz="2800" b="1" dirty="0">
+                <a:latin typeface="D2Coding" panose="020B0609020101020101" pitchFamily="49" charset="-127"/>
+                <a:ea typeface="D2Coding" panose="020B0609020101020101" pitchFamily="49" charset="-127"/>
+              </a:rPr>
+              <a:t>라이브러리 설치 및 등록</a:t>
+            </a:r>
+          </a:p>
+        </p:txBody>
+      </p:sp>
+      <p:grpSp>
+        <p:nvGrpSpPr>
+          <p:cNvPr id="3" name="그룹 2">
+            <a:extLst>
+              <a:ext uri="{FF2B5EF4-FFF2-40B4-BE49-F238E27FC236}">
+                <a16:creationId xmlns:a16="http://schemas.microsoft.com/office/drawing/2014/main" id="{CCB49D7F-A40B-2950-C3BB-13981C780200}"/>
+              </a:ext>
+            </a:extLst>
+          </p:cNvPr>
+          <p:cNvGrpSpPr/>
+          <p:nvPr/>
+        </p:nvGrpSpPr>
+        <p:grpSpPr>
+          <a:xfrm>
+            <a:off x="0" y="0"/>
+            <a:ext cx="12192000" cy="6858000"/>
+            <a:chOff x="1143000" y="1238490"/>
+            <a:chExt cx="7772400" cy="3777325"/>
+          </a:xfrm>
+        </p:grpSpPr>
+        <p:pic>
+          <p:nvPicPr>
+            <p:cNvPr id="4" name="그림 3" descr="폰트, 로고, 그래픽, 화이트이(가) 표시된 사진&#10;&#10;자동 생성된 설명">
+              <a:extLst>
+                <a:ext uri="{FF2B5EF4-FFF2-40B4-BE49-F238E27FC236}">
+                  <a16:creationId xmlns:a16="http://schemas.microsoft.com/office/drawing/2014/main" id="{B742D47A-36C2-B9F0-BC20-0E30F4A6AEEC}"/>
+                </a:ext>
+              </a:extLst>
+            </p:cNvPr>
+            <p:cNvPicPr>
+              <a:picLocks noChangeAspect="1"/>
+            </p:cNvPicPr>
+            <p:nvPr/>
+          </p:nvPicPr>
+          <p:blipFill>
+            <a:blip r:embed="rId2"/>
+            <a:srcRect t="13650"/>
+            <a:stretch/>
+          </p:blipFill>
+          <p:spPr>
+            <a:xfrm>
+              <a:off x="1143000" y="1238490"/>
+              <a:ext cx="7772400" cy="3777325"/>
+            </a:xfrm>
+            <a:prstGeom prst="rect">
+              <a:avLst/>
+            </a:prstGeom>
+          </p:spPr>
+        </p:pic>
+        <p:sp>
+          <p:nvSpPr>
+            <p:cNvPr id="8" name="TextBox 7">
+              <a:extLst>
+                <a:ext uri="{FF2B5EF4-FFF2-40B4-BE49-F238E27FC236}">
+                  <a16:creationId xmlns:a16="http://schemas.microsoft.com/office/drawing/2014/main" id="{B3D8B992-313F-AA19-ECC1-9BA2DED76D4E}"/>
+                </a:ext>
+              </a:extLst>
+            </p:cNvPr>
+            <p:cNvSpPr txBox="1"/>
+            <p:nvPr/>
+          </p:nvSpPr>
+          <p:spPr>
+            <a:xfrm>
+              <a:off x="1474792" y="3336403"/>
+              <a:ext cx="7108815" cy="796747"/>
+            </a:xfrm>
+            <a:prstGeom prst="rect">
+              <a:avLst/>
+            </a:prstGeom>
+            <a:noFill/>
+          </p:spPr>
+          <p:txBody>
+            <a:bodyPr wrap="square" rtlCol="0">
+              <a:spAutoFit/>
+            </a:bodyPr>
+            <a:lstStyle/>
+            <a:p>
+              <a:pPr algn="ctr"/>
+              <a:r>
+                <a:rPr kumimoji="1" lang="en-US" altLang="ko-KR" sz="4400" b="1" dirty="0">
+                  <a:latin typeface="D2Coding" panose="020B0609020101020101" pitchFamily="49" charset="-127"/>
+                  <a:ea typeface="D2Coding" panose="020B0609020101020101" pitchFamily="49" charset="-127"/>
+                </a:rPr>
+                <a:t>Day 67</a:t>
+              </a:r>
+            </a:p>
+            <a:p>
+              <a:pPr algn="ctr"/>
+              <a:r>
+                <a:rPr kumimoji="1" lang="ko-KR" altLang="en-US" sz="4400" b="1" dirty="0">
+                  <a:latin typeface="D2Coding" panose="020B0609020101020101" pitchFamily="49" charset="-127"/>
+                  <a:ea typeface="D2Coding" panose="020B0609020101020101" pitchFamily="49" charset="-127"/>
+                </a:rPr>
+                <a:t>실습프로젝트</a:t>
+              </a:r>
+              <a:r>
+                <a:rPr kumimoji="1" lang="en-US" altLang="ko-KR" sz="4400" b="1" dirty="0">
+                  <a:latin typeface="D2Coding" panose="020B0609020101020101" pitchFamily="49" charset="-127"/>
+                  <a:ea typeface="D2Coding" panose="020B0609020101020101" pitchFamily="49" charset="-127"/>
+                </a:rPr>
+                <a:t>(</a:t>
+              </a:r>
+              <a:r>
+                <a:rPr kumimoji="1" lang="en" altLang="ko-KR" sz="4400" b="1" dirty="0">
+                  <a:latin typeface="D2Coding" panose="020B0609020101020101" pitchFamily="49" charset="-127"/>
+                  <a:ea typeface="D2Coding" panose="020B0609020101020101" pitchFamily="49" charset="-127"/>
+                </a:rPr>
+                <a:t>JSP)</a:t>
+              </a:r>
+            </a:p>
+          </p:txBody>
+        </p:sp>
+      </p:grpSp>
+    </p:spTree>
+    <p:extLst>
+      <p:ext uri="{BB962C8B-B14F-4D97-AF65-F5344CB8AC3E}">
+        <p14:creationId xmlns:p14="http://schemas.microsoft.com/office/powerpoint/2010/main" val="1792792987"/>
+      </p:ext>
+    </p:extLst>
+  </p:cSld>
+  <p:clrMapOvr>
+    <a:masterClrMapping/>
+  </p:clrMapOvr>
+</p:sld>
+</file>
+
 <file path=ppt/slides/slide7.xml><?xml version="1.0" encoding="utf-8"?>
 <p:sld xmlns:a="http://schemas.openxmlformats.org/drawingml/2006/main" xmlns:r="http://schemas.openxmlformats.org/officeDocument/2006/relationships" xmlns:p="http://schemas.openxmlformats.org/presentationml/2006/main">
   <p:cSld>
